--- a/Hot_Topic_Analytics_and_Algorithms_Web_Based_Clinical_Decision_Support.pptx
+++ b/Hot_Topic_Analytics_and_Algorithms_Web_Based_Clinical_Decision_Support.pptx
@@ -5,6 +5,9 @@
     <p:sldMasterId id="2147483648" r:id="rId1"/>
     <p:sldMasterId id="2147483651" r:id="rId2"/>
   </p:sldMasterIdLst>
+  <p:notesMasterIdLst>
+    <p:notesMasterId r:id="rId25"/>
+  </p:notesMasterIdLst>
   <p:sldIdLst>
     <p:sldId id="260" r:id="rId3"/>
     <p:sldId id="258" r:id="rId4"/>
@@ -17,6 +20,17 @@
     <p:sldId id="266" r:id="rId11"/>
     <p:sldId id="267" r:id="rId12"/>
     <p:sldId id="268" r:id="rId13"/>
+    <p:sldId id="270" r:id="rId14"/>
+    <p:sldId id="271" r:id="rId15"/>
+    <p:sldId id="272" r:id="rId16"/>
+    <p:sldId id="273" r:id="rId17"/>
+    <p:sldId id="269" r:id="rId18"/>
+    <p:sldId id="274" r:id="rId19"/>
+    <p:sldId id="275" r:id="rId20"/>
+    <p:sldId id="276" r:id="rId21"/>
+    <p:sldId id="277" r:id="rId22"/>
+    <p:sldId id="278" r:id="rId23"/>
+    <p:sldId id="279" r:id="rId24"/>
   </p:sldIdLst>
   <p:sldSz cx="9144000" cy="5143500" type="screen16x9"/>
   <p:notesSz cx="6858000" cy="9144000"/>
@@ -132,6 +146,890 @@
     </p:ext>
   </p:extLst>
 </p:presentation>
+</file>
+
+<file path=ppt/notesMasters/notesMaster1.xml><?xml version="1.0" encoding="utf-8"?>
+<p:notesMaster xmlns:a="http://schemas.openxmlformats.org/drawingml/2006/main" xmlns:r="http://schemas.openxmlformats.org/officeDocument/2006/relationships" xmlns:p="http://schemas.openxmlformats.org/presentationml/2006/main">
+  <p:cSld>
+    <p:bg>
+      <p:bgRef idx="1001">
+        <a:schemeClr val="bg1"/>
+      </p:bgRef>
+    </p:bg>
+    <p:spTree>
+      <p:nvGrpSpPr>
+        <p:cNvPr id="1" name=""/>
+        <p:cNvGrpSpPr/>
+        <p:nvPr/>
+      </p:nvGrpSpPr>
+      <p:grpSpPr>
+        <a:xfrm>
+          <a:off x="0" y="0"/>
+          <a:ext cx="0" cy="0"/>
+          <a:chOff x="0" y="0"/>
+          <a:chExt cx="0" cy="0"/>
+        </a:xfrm>
+      </p:grpSpPr>
+      <p:sp>
+        <p:nvSpPr>
+          <p:cNvPr id="2" name="Header Placeholder 1"/>
+          <p:cNvSpPr>
+            <a:spLocks noGrp="1"/>
+          </p:cNvSpPr>
+          <p:nvPr>
+            <p:ph type="hdr" sz="quarter"/>
+          </p:nvPr>
+        </p:nvSpPr>
+        <p:spPr>
+          <a:xfrm>
+            <a:off x="0" y="0"/>
+            <a:ext cx="2971800" cy="458788"/>
+          </a:xfrm>
+          <a:prstGeom prst="rect">
+            <a:avLst/>
+          </a:prstGeom>
+        </p:spPr>
+        <p:txBody>
+          <a:bodyPr vert="horz" lIns="91440" tIns="45720" rIns="91440" bIns="45720" rtlCol="0"/>
+          <a:lstStyle>
+            <a:lvl1pPr algn="l">
+              <a:defRPr sz="1200"/>
+            </a:lvl1pPr>
+          </a:lstStyle>
+          <a:p>
+            <a:endParaRPr lang="en-US"/>
+          </a:p>
+        </p:txBody>
+      </p:sp>
+      <p:sp>
+        <p:nvSpPr>
+          <p:cNvPr id="3" name="Date Placeholder 2"/>
+          <p:cNvSpPr>
+            <a:spLocks noGrp="1"/>
+          </p:cNvSpPr>
+          <p:nvPr>
+            <p:ph type="dt" idx="1"/>
+          </p:nvPr>
+        </p:nvSpPr>
+        <p:spPr>
+          <a:xfrm>
+            <a:off x="3884613" y="0"/>
+            <a:ext cx="2971800" cy="458788"/>
+          </a:xfrm>
+          <a:prstGeom prst="rect">
+            <a:avLst/>
+          </a:prstGeom>
+        </p:spPr>
+        <p:txBody>
+          <a:bodyPr vert="horz" lIns="91440" tIns="45720" rIns="91440" bIns="45720" rtlCol="0"/>
+          <a:lstStyle>
+            <a:lvl1pPr algn="r">
+              <a:defRPr sz="1200"/>
+            </a:lvl1pPr>
+          </a:lstStyle>
+          <a:p>
+            <a:fld id="{563FC28E-C8FD-4727-A114-E1A1A1EC31A7}" type="datetimeFigureOut">
+              <a:rPr lang="en-US" smtClean="0"/>
+              <a:t>9/10/2018</a:t>
+            </a:fld>
+            <a:endParaRPr lang="en-US"/>
+          </a:p>
+        </p:txBody>
+      </p:sp>
+      <p:sp>
+        <p:nvSpPr>
+          <p:cNvPr id="4" name="Slide Image Placeholder 3"/>
+          <p:cNvSpPr>
+            <a:spLocks noGrp="1" noRot="1" noChangeAspect="1"/>
+          </p:cNvSpPr>
+          <p:nvPr>
+            <p:ph type="sldImg" idx="2"/>
+          </p:nvPr>
+        </p:nvSpPr>
+        <p:spPr>
+          <a:xfrm>
+            <a:off x="685800" y="1143000"/>
+            <a:ext cx="5486400" cy="3086100"/>
+          </a:xfrm>
+          <a:prstGeom prst="rect">
+            <a:avLst/>
+          </a:prstGeom>
+          <a:noFill/>
+          <a:ln w="12700">
+            <a:solidFill>
+              <a:prstClr val="black"/>
+            </a:solidFill>
+          </a:ln>
+        </p:spPr>
+        <p:txBody>
+          <a:bodyPr vert="horz" lIns="91440" tIns="45720" rIns="91440" bIns="45720" rtlCol="0" anchor="ctr"/>
+          <a:lstStyle/>
+          <a:p>
+            <a:endParaRPr lang="en-US"/>
+          </a:p>
+        </p:txBody>
+      </p:sp>
+      <p:sp>
+        <p:nvSpPr>
+          <p:cNvPr id="5" name="Notes Placeholder 4"/>
+          <p:cNvSpPr>
+            <a:spLocks noGrp="1"/>
+          </p:cNvSpPr>
+          <p:nvPr>
+            <p:ph type="body" sz="quarter" idx="3"/>
+          </p:nvPr>
+        </p:nvSpPr>
+        <p:spPr>
+          <a:xfrm>
+            <a:off x="685800" y="4400550"/>
+            <a:ext cx="5486400" cy="3600450"/>
+          </a:xfrm>
+          <a:prstGeom prst="rect">
+            <a:avLst/>
+          </a:prstGeom>
+        </p:spPr>
+        <p:txBody>
+          <a:bodyPr vert="horz" lIns="91440" tIns="45720" rIns="91440" bIns="45720" rtlCol="0"/>
+          <a:lstStyle/>
+          <a:p>
+            <a:pPr lvl="0"/>
+            <a:r>
+              <a:rPr lang="en-US"/>
+              <a:t>Edit Master text styles</a:t>
+            </a:r>
+          </a:p>
+          <a:p>
+            <a:pPr lvl="1"/>
+            <a:r>
+              <a:rPr lang="en-US"/>
+              <a:t>Second level</a:t>
+            </a:r>
+          </a:p>
+          <a:p>
+            <a:pPr lvl="2"/>
+            <a:r>
+              <a:rPr lang="en-US"/>
+              <a:t>Third level</a:t>
+            </a:r>
+          </a:p>
+          <a:p>
+            <a:pPr lvl="3"/>
+            <a:r>
+              <a:rPr lang="en-US"/>
+              <a:t>Fourth level</a:t>
+            </a:r>
+          </a:p>
+          <a:p>
+            <a:pPr lvl="4"/>
+            <a:r>
+              <a:rPr lang="en-US"/>
+              <a:t>Fifth level</a:t>
+            </a:r>
+          </a:p>
+        </p:txBody>
+      </p:sp>
+      <p:sp>
+        <p:nvSpPr>
+          <p:cNvPr id="6" name="Footer Placeholder 5"/>
+          <p:cNvSpPr>
+            <a:spLocks noGrp="1"/>
+          </p:cNvSpPr>
+          <p:nvPr>
+            <p:ph type="ftr" sz="quarter" idx="4"/>
+          </p:nvPr>
+        </p:nvSpPr>
+        <p:spPr>
+          <a:xfrm>
+            <a:off x="0" y="8685213"/>
+            <a:ext cx="2971800" cy="458787"/>
+          </a:xfrm>
+          <a:prstGeom prst="rect">
+            <a:avLst/>
+          </a:prstGeom>
+        </p:spPr>
+        <p:txBody>
+          <a:bodyPr vert="horz" lIns="91440" tIns="45720" rIns="91440" bIns="45720" rtlCol="0" anchor="b"/>
+          <a:lstStyle>
+            <a:lvl1pPr algn="l">
+              <a:defRPr sz="1200"/>
+            </a:lvl1pPr>
+          </a:lstStyle>
+          <a:p>
+            <a:endParaRPr lang="en-US"/>
+          </a:p>
+        </p:txBody>
+      </p:sp>
+      <p:sp>
+        <p:nvSpPr>
+          <p:cNvPr id="7" name="Slide Number Placeholder 6"/>
+          <p:cNvSpPr>
+            <a:spLocks noGrp="1"/>
+          </p:cNvSpPr>
+          <p:nvPr>
+            <p:ph type="sldNum" sz="quarter" idx="5"/>
+          </p:nvPr>
+        </p:nvSpPr>
+        <p:spPr>
+          <a:xfrm>
+            <a:off x="3884613" y="8685213"/>
+            <a:ext cx="2971800" cy="458787"/>
+          </a:xfrm>
+          <a:prstGeom prst="rect">
+            <a:avLst/>
+          </a:prstGeom>
+        </p:spPr>
+        <p:txBody>
+          <a:bodyPr vert="horz" lIns="91440" tIns="45720" rIns="91440" bIns="45720" rtlCol="0" anchor="b"/>
+          <a:lstStyle>
+            <a:lvl1pPr algn="r">
+              <a:defRPr sz="1200"/>
+            </a:lvl1pPr>
+          </a:lstStyle>
+          <a:p>
+            <a:fld id="{9AF95328-D31D-45AB-991F-5F3DA55EDE23}" type="slidenum">
+              <a:rPr lang="en-US" smtClean="0"/>
+              <a:t>‹#›</a:t>
+            </a:fld>
+            <a:endParaRPr lang="en-US"/>
+          </a:p>
+        </p:txBody>
+      </p:sp>
+    </p:spTree>
+    <p:extLst>
+      <p:ext uri="{BB962C8B-B14F-4D97-AF65-F5344CB8AC3E}">
+        <p14:creationId xmlns:p14="http://schemas.microsoft.com/office/powerpoint/2010/main" val="3517524789"/>
+      </p:ext>
+    </p:extLst>
+  </p:cSld>
+  <p:clrMap bg1="lt1" tx1="dk1" bg2="lt2" tx2="dk2" accent1="accent1" accent2="accent2" accent3="accent3" accent4="accent4" accent5="accent5" accent6="accent6" hlink="hlink" folHlink="folHlink"/>
+  <p:notesStyle>
+    <a:lvl1pPr marL="0" algn="l" defTabSz="914400" rtl="0" eaLnBrk="1" latinLnBrk="0" hangingPunct="1">
+      <a:defRPr sz="1200" kern="1200">
+        <a:solidFill>
+          <a:schemeClr val="tx1"/>
+        </a:solidFill>
+        <a:latin typeface="+mn-lt"/>
+        <a:ea typeface="+mn-ea"/>
+        <a:cs typeface="+mn-cs"/>
+      </a:defRPr>
+    </a:lvl1pPr>
+    <a:lvl2pPr marL="457200" algn="l" defTabSz="914400" rtl="0" eaLnBrk="1" latinLnBrk="0" hangingPunct="1">
+      <a:defRPr sz="1200" kern="1200">
+        <a:solidFill>
+          <a:schemeClr val="tx1"/>
+        </a:solidFill>
+        <a:latin typeface="+mn-lt"/>
+        <a:ea typeface="+mn-ea"/>
+        <a:cs typeface="+mn-cs"/>
+      </a:defRPr>
+    </a:lvl2pPr>
+    <a:lvl3pPr marL="914400" algn="l" defTabSz="914400" rtl="0" eaLnBrk="1" latinLnBrk="0" hangingPunct="1">
+      <a:defRPr sz="1200" kern="1200">
+        <a:solidFill>
+          <a:schemeClr val="tx1"/>
+        </a:solidFill>
+        <a:latin typeface="+mn-lt"/>
+        <a:ea typeface="+mn-ea"/>
+        <a:cs typeface="+mn-cs"/>
+      </a:defRPr>
+    </a:lvl3pPr>
+    <a:lvl4pPr marL="1371600" algn="l" defTabSz="914400" rtl="0" eaLnBrk="1" latinLnBrk="0" hangingPunct="1">
+      <a:defRPr sz="1200" kern="1200">
+        <a:solidFill>
+          <a:schemeClr val="tx1"/>
+        </a:solidFill>
+        <a:latin typeface="+mn-lt"/>
+        <a:ea typeface="+mn-ea"/>
+        <a:cs typeface="+mn-cs"/>
+      </a:defRPr>
+    </a:lvl4pPr>
+    <a:lvl5pPr marL="1828800" algn="l" defTabSz="914400" rtl="0" eaLnBrk="1" latinLnBrk="0" hangingPunct="1">
+      <a:defRPr sz="1200" kern="1200">
+        <a:solidFill>
+          <a:schemeClr val="tx1"/>
+        </a:solidFill>
+        <a:latin typeface="+mn-lt"/>
+        <a:ea typeface="+mn-ea"/>
+        <a:cs typeface="+mn-cs"/>
+      </a:defRPr>
+    </a:lvl5pPr>
+    <a:lvl6pPr marL="2286000" algn="l" defTabSz="914400" rtl="0" eaLnBrk="1" latinLnBrk="0" hangingPunct="1">
+      <a:defRPr sz="1200" kern="1200">
+        <a:solidFill>
+          <a:schemeClr val="tx1"/>
+        </a:solidFill>
+        <a:latin typeface="+mn-lt"/>
+        <a:ea typeface="+mn-ea"/>
+        <a:cs typeface="+mn-cs"/>
+      </a:defRPr>
+    </a:lvl6pPr>
+    <a:lvl7pPr marL="2743200" algn="l" defTabSz="914400" rtl="0" eaLnBrk="1" latinLnBrk="0" hangingPunct="1">
+      <a:defRPr sz="1200" kern="1200">
+        <a:solidFill>
+          <a:schemeClr val="tx1"/>
+        </a:solidFill>
+        <a:latin typeface="+mn-lt"/>
+        <a:ea typeface="+mn-ea"/>
+        <a:cs typeface="+mn-cs"/>
+      </a:defRPr>
+    </a:lvl7pPr>
+    <a:lvl8pPr marL="3200400" algn="l" defTabSz="914400" rtl="0" eaLnBrk="1" latinLnBrk="0" hangingPunct="1">
+      <a:defRPr sz="1200" kern="1200">
+        <a:solidFill>
+          <a:schemeClr val="tx1"/>
+        </a:solidFill>
+        <a:latin typeface="+mn-lt"/>
+        <a:ea typeface="+mn-ea"/>
+        <a:cs typeface="+mn-cs"/>
+      </a:defRPr>
+    </a:lvl8pPr>
+    <a:lvl9pPr marL="3657600" algn="l" defTabSz="914400" rtl="0" eaLnBrk="1" latinLnBrk="0" hangingPunct="1">
+      <a:defRPr sz="1200" kern="1200">
+        <a:solidFill>
+          <a:schemeClr val="tx1"/>
+        </a:solidFill>
+        <a:latin typeface="+mn-lt"/>
+        <a:ea typeface="+mn-ea"/>
+        <a:cs typeface="+mn-cs"/>
+      </a:defRPr>
+    </a:lvl9pPr>
+  </p:notesStyle>
+</p:notesMaster>
+</file>
+
+<file path=ppt/notesSlides/notesSlide1.xml><?xml version="1.0" encoding="utf-8"?>
+<p:notes xmlns:a="http://schemas.openxmlformats.org/drawingml/2006/main" xmlns:r="http://schemas.openxmlformats.org/officeDocument/2006/relationships" xmlns:p="http://schemas.openxmlformats.org/presentationml/2006/main">
+  <p:cSld>
+    <p:spTree>
+      <p:nvGrpSpPr>
+        <p:cNvPr id="1" name=""/>
+        <p:cNvGrpSpPr/>
+        <p:nvPr/>
+      </p:nvGrpSpPr>
+      <p:grpSpPr>
+        <a:xfrm>
+          <a:off x="0" y="0"/>
+          <a:ext cx="0" cy="0"/>
+          <a:chOff x="0" y="0"/>
+          <a:chExt cx="0" cy="0"/>
+        </a:xfrm>
+      </p:grpSpPr>
+      <p:sp>
+        <p:nvSpPr>
+          <p:cNvPr id="2" name="Slide Image Placeholder 1"/>
+          <p:cNvSpPr>
+            <a:spLocks noGrp="1" noRot="1" noChangeAspect="1"/>
+          </p:cNvSpPr>
+          <p:nvPr>
+            <p:ph type="sldImg"/>
+          </p:nvPr>
+        </p:nvSpPr>
+        <p:spPr/>
+      </p:sp>
+      <p:sp>
+        <p:nvSpPr>
+          <p:cNvPr id="3" name="Notes Placeholder 2"/>
+          <p:cNvSpPr>
+            <a:spLocks noGrp="1"/>
+          </p:cNvSpPr>
+          <p:nvPr>
+            <p:ph type="body" idx="1"/>
+          </p:nvPr>
+        </p:nvSpPr>
+        <p:spPr/>
+        <p:txBody>
+          <a:bodyPr/>
+          <a:lstStyle/>
+          <a:p>
+            <a:r>
+              <a:rPr lang="en-US" dirty="0"/>
+              <a:t>Even if you don’t want them to be (e.g., advertising, tracking).</a:t>
+            </a:r>
+          </a:p>
+        </p:txBody>
+      </p:sp>
+      <p:sp>
+        <p:nvSpPr>
+          <p:cNvPr id="4" name="Slide Number Placeholder 3"/>
+          <p:cNvSpPr>
+            <a:spLocks noGrp="1"/>
+          </p:cNvSpPr>
+          <p:nvPr>
+            <p:ph type="sldNum" sz="quarter" idx="5"/>
+          </p:nvPr>
+        </p:nvSpPr>
+        <p:spPr/>
+        <p:txBody>
+          <a:bodyPr/>
+          <a:lstStyle/>
+          <a:p>
+            <a:fld id="{9AF95328-D31D-45AB-991F-5F3DA55EDE23}" type="slidenum">
+              <a:rPr lang="en-US" smtClean="0"/>
+              <a:t>7</a:t>
+            </a:fld>
+            <a:endParaRPr lang="en-US"/>
+          </a:p>
+        </p:txBody>
+      </p:sp>
+    </p:spTree>
+    <p:extLst>
+      <p:ext uri="{BB962C8B-B14F-4D97-AF65-F5344CB8AC3E}">
+        <p14:creationId xmlns:p14="http://schemas.microsoft.com/office/powerpoint/2010/main" val="4185203980"/>
+      </p:ext>
+    </p:extLst>
+  </p:cSld>
+  <p:clrMapOvr>
+    <a:masterClrMapping/>
+  </p:clrMapOvr>
+</p:notes>
+</file>
+
+<file path=ppt/notesSlides/notesSlide2.xml><?xml version="1.0" encoding="utf-8"?>
+<p:notes xmlns:a="http://schemas.openxmlformats.org/drawingml/2006/main" xmlns:r="http://schemas.openxmlformats.org/officeDocument/2006/relationships" xmlns:p="http://schemas.openxmlformats.org/presentationml/2006/main">
+  <p:cSld>
+    <p:spTree>
+      <p:nvGrpSpPr>
+        <p:cNvPr id="1" name=""/>
+        <p:cNvGrpSpPr/>
+        <p:nvPr/>
+      </p:nvGrpSpPr>
+      <p:grpSpPr>
+        <a:xfrm>
+          <a:off x="0" y="0"/>
+          <a:ext cx="0" cy="0"/>
+          <a:chOff x="0" y="0"/>
+          <a:chExt cx="0" cy="0"/>
+        </a:xfrm>
+      </p:grpSpPr>
+      <p:sp>
+        <p:nvSpPr>
+          <p:cNvPr id="2" name="Slide Image Placeholder 1"/>
+          <p:cNvSpPr>
+            <a:spLocks noGrp="1" noRot="1" noChangeAspect="1"/>
+          </p:cNvSpPr>
+          <p:nvPr>
+            <p:ph type="sldImg"/>
+          </p:nvPr>
+        </p:nvSpPr>
+        <p:spPr/>
+      </p:sp>
+      <p:sp>
+        <p:nvSpPr>
+          <p:cNvPr id="3" name="Notes Placeholder 2"/>
+          <p:cNvSpPr>
+            <a:spLocks noGrp="1"/>
+          </p:cNvSpPr>
+          <p:nvPr>
+            <p:ph type="body" idx="1"/>
+          </p:nvPr>
+        </p:nvSpPr>
+        <p:spPr/>
+        <p:txBody>
+          <a:bodyPr/>
+          <a:lstStyle/>
+          <a:p>
+            <a:r>
+              <a:rPr lang="en-US" dirty="0"/>
+              <a:t>Representative CPOE order set in Cerner Millennium </a:t>
+            </a:r>
+            <a:r>
+              <a:rPr lang="en-US" dirty="0" err="1"/>
+              <a:t>PowerChart</a:t>
+            </a:r>
+            <a:r>
+              <a:rPr lang="en-US" dirty="0"/>
+              <a:t>.</a:t>
+            </a:r>
+          </a:p>
+        </p:txBody>
+      </p:sp>
+      <p:sp>
+        <p:nvSpPr>
+          <p:cNvPr id="4" name="Slide Number Placeholder 3"/>
+          <p:cNvSpPr>
+            <a:spLocks noGrp="1"/>
+          </p:cNvSpPr>
+          <p:nvPr>
+            <p:ph type="sldNum" sz="quarter" idx="5"/>
+          </p:nvPr>
+        </p:nvSpPr>
+        <p:spPr/>
+        <p:txBody>
+          <a:bodyPr/>
+          <a:lstStyle/>
+          <a:p>
+            <a:fld id="{9AF95328-D31D-45AB-991F-5F3DA55EDE23}" type="slidenum">
+              <a:rPr lang="en-US" smtClean="0"/>
+              <a:t>12</a:t>
+            </a:fld>
+            <a:endParaRPr lang="en-US"/>
+          </a:p>
+        </p:txBody>
+      </p:sp>
+    </p:spTree>
+    <p:extLst>
+      <p:ext uri="{BB962C8B-B14F-4D97-AF65-F5344CB8AC3E}">
+        <p14:creationId xmlns:p14="http://schemas.microsoft.com/office/powerpoint/2010/main" val="676018132"/>
+      </p:ext>
+    </p:extLst>
+  </p:cSld>
+  <p:clrMapOvr>
+    <a:masterClrMapping/>
+  </p:clrMapOvr>
+</p:notes>
+</file>
+
+<file path=ppt/notesSlides/notesSlide3.xml><?xml version="1.0" encoding="utf-8"?>
+<p:notes xmlns:a="http://schemas.openxmlformats.org/drawingml/2006/main" xmlns:r="http://schemas.openxmlformats.org/officeDocument/2006/relationships" xmlns:p="http://schemas.openxmlformats.org/presentationml/2006/main">
+  <p:cSld>
+    <p:spTree>
+      <p:nvGrpSpPr>
+        <p:cNvPr id="1" name=""/>
+        <p:cNvGrpSpPr/>
+        <p:nvPr/>
+      </p:nvGrpSpPr>
+      <p:grpSpPr>
+        <a:xfrm>
+          <a:off x="0" y="0"/>
+          <a:ext cx="0" cy="0"/>
+          <a:chOff x="0" y="0"/>
+          <a:chExt cx="0" cy="0"/>
+        </a:xfrm>
+      </p:grpSpPr>
+      <p:sp>
+        <p:nvSpPr>
+          <p:cNvPr id="2" name="Slide Image Placeholder 1"/>
+          <p:cNvSpPr>
+            <a:spLocks noGrp="1" noRot="1" noChangeAspect="1"/>
+          </p:cNvSpPr>
+          <p:nvPr>
+            <p:ph type="sldImg"/>
+          </p:nvPr>
+        </p:nvSpPr>
+        <p:spPr/>
+      </p:sp>
+      <p:sp>
+        <p:nvSpPr>
+          <p:cNvPr id="3" name="Notes Placeholder 2"/>
+          <p:cNvSpPr>
+            <a:spLocks noGrp="1"/>
+          </p:cNvSpPr>
+          <p:nvPr>
+            <p:ph type="body" idx="1"/>
+          </p:nvPr>
+        </p:nvSpPr>
+        <p:spPr/>
+        <p:txBody>
+          <a:bodyPr/>
+          <a:lstStyle/>
+          <a:p>
+            <a:r>
+              <a:rPr lang="en-US" dirty="0"/>
+              <a:t>Representative non-overridable CPOE duplicate order alert in Cerner Millennium </a:t>
+            </a:r>
+            <a:r>
+              <a:rPr lang="en-US" dirty="0" err="1"/>
+              <a:t>PowerChart</a:t>
+            </a:r>
+            <a:r>
+              <a:rPr lang="en-US" dirty="0"/>
+              <a:t>. This was perceived as clinical decision making by MPC and is now overridable. CDS implemented this way also contributes to alert fatigue.</a:t>
+            </a:r>
+          </a:p>
+        </p:txBody>
+      </p:sp>
+      <p:sp>
+        <p:nvSpPr>
+          <p:cNvPr id="4" name="Slide Number Placeholder 3"/>
+          <p:cNvSpPr>
+            <a:spLocks noGrp="1"/>
+          </p:cNvSpPr>
+          <p:nvPr>
+            <p:ph type="sldNum" sz="quarter" idx="5"/>
+          </p:nvPr>
+        </p:nvSpPr>
+        <p:spPr/>
+        <p:txBody>
+          <a:bodyPr/>
+          <a:lstStyle/>
+          <a:p>
+            <a:fld id="{9AF95328-D31D-45AB-991F-5F3DA55EDE23}" type="slidenum">
+              <a:rPr lang="en-US" smtClean="0"/>
+              <a:t>13</a:t>
+            </a:fld>
+            <a:endParaRPr lang="en-US"/>
+          </a:p>
+        </p:txBody>
+      </p:sp>
+    </p:spTree>
+    <p:extLst>
+      <p:ext uri="{BB962C8B-B14F-4D97-AF65-F5344CB8AC3E}">
+        <p14:creationId xmlns:p14="http://schemas.microsoft.com/office/powerpoint/2010/main" val="1811564197"/>
+      </p:ext>
+    </p:extLst>
+  </p:cSld>
+  <p:clrMapOvr>
+    <a:masterClrMapping/>
+  </p:clrMapOvr>
+</p:notes>
+</file>
+
+<file path=ppt/notesSlides/notesSlide4.xml><?xml version="1.0" encoding="utf-8"?>
+<p:notes xmlns:a="http://schemas.openxmlformats.org/drawingml/2006/main" xmlns:r="http://schemas.openxmlformats.org/officeDocument/2006/relationships" xmlns:p="http://schemas.openxmlformats.org/presentationml/2006/main">
+  <p:cSld>
+    <p:spTree>
+      <p:nvGrpSpPr>
+        <p:cNvPr id="1" name=""/>
+        <p:cNvGrpSpPr/>
+        <p:nvPr/>
+      </p:nvGrpSpPr>
+      <p:grpSpPr>
+        <a:xfrm>
+          <a:off x="0" y="0"/>
+          <a:ext cx="0" cy="0"/>
+          <a:chOff x="0" y="0"/>
+          <a:chExt cx="0" cy="0"/>
+        </a:xfrm>
+      </p:grpSpPr>
+      <p:sp>
+        <p:nvSpPr>
+          <p:cNvPr id="2" name="Slide Image Placeholder 1"/>
+          <p:cNvSpPr>
+            <a:spLocks noGrp="1" noRot="1" noChangeAspect="1"/>
+          </p:cNvSpPr>
+          <p:nvPr>
+            <p:ph type="sldImg"/>
+          </p:nvPr>
+        </p:nvSpPr>
+        <p:spPr/>
+      </p:sp>
+      <p:sp>
+        <p:nvSpPr>
+          <p:cNvPr id="3" name="Notes Placeholder 2"/>
+          <p:cNvSpPr>
+            <a:spLocks noGrp="1"/>
+          </p:cNvSpPr>
+          <p:nvPr>
+            <p:ph type="body" idx="1"/>
+          </p:nvPr>
+        </p:nvSpPr>
+        <p:spPr/>
+        <p:txBody>
+          <a:bodyPr/>
+          <a:lstStyle/>
+          <a:p>
+            <a:r>
+              <a:rPr lang="en-US" dirty="0"/>
+              <a:t>Representative laboratory test utilization guidance implemented as notes in an order set. Additionally, the undesirable Vitamin D 1 25 Dihydroxy order is not selected by default. This intervention was not popular with physicians, because orders only accessible in order sets are not easily placed in some contexts like so-called “quick-orders pages” and “favorite orders lists.”</a:t>
+            </a:r>
+          </a:p>
+        </p:txBody>
+      </p:sp>
+      <p:sp>
+        <p:nvSpPr>
+          <p:cNvPr id="4" name="Slide Number Placeholder 3"/>
+          <p:cNvSpPr>
+            <a:spLocks noGrp="1"/>
+          </p:cNvSpPr>
+          <p:nvPr>
+            <p:ph type="sldNum" sz="quarter" idx="5"/>
+          </p:nvPr>
+        </p:nvSpPr>
+        <p:spPr/>
+        <p:txBody>
+          <a:bodyPr/>
+          <a:lstStyle/>
+          <a:p>
+            <a:fld id="{9AF95328-D31D-45AB-991F-5F3DA55EDE23}" type="slidenum">
+              <a:rPr lang="en-US" smtClean="0"/>
+              <a:t>14</a:t>
+            </a:fld>
+            <a:endParaRPr lang="en-US"/>
+          </a:p>
+        </p:txBody>
+      </p:sp>
+    </p:spTree>
+    <p:extLst>
+      <p:ext uri="{BB962C8B-B14F-4D97-AF65-F5344CB8AC3E}">
+        <p14:creationId xmlns:p14="http://schemas.microsoft.com/office/powerpoint/2010/main" val="2206273083"/>
+      </p:ext>
+    </p:extLst>
+  </p:cSld>
+  <p:clrMapOvr>
+    <a:masterClrMapping/>
+  </p:clrMapOvr>
+</p:notes>
+</file>
+
+<file path=ppt/notesSlides/notesSlide5.xml><?xml version="1.0" encoding="utf-8"?>
+<p:notes xmlns:a="http://schemas.openxmlformats.org/drawingml/2006/main" xmlns:r="http://schemas.openxmlformats.org/officeDocument/2006/relationships" xmlns:p="http://schemas.openxmlformats.org/presentationml/2006/main">
+  <p:cSld>
+    <p:spTree>
+      <p:nvGrpSpPr>
+        <p:cNvPr id="1" name=""/>
+        <p:cNvGrpSpPr/>
+        <p:nvPr/>
+      </p:nvGrpSpPr>
+      <p:grpSpPr>
+        <a:xfrm>
+          <a:off x="0" y="0"/>
+          <a:ext cx="0" cy="0"/>
+          <a:chOff x="0" y="0"/>
+          <a:chExt cx="0" cy="0"/>
+        </a:xfrm>
+      </p:grpSpPr>
+      <p:sp>
+        <p:nvSpPr>
+          <p:cNvPr id="2" name="Slide Image Placeholder 1"/>
+          <p:cNvSpPr>
+            <a:spLocks noGrp="1" noRot="1" noChangeAspect="1"/>
+          </p:cNvSpPr>
+          <p:nvPr>
+            <p:ph type="sldImg"/>
+          </p:nvPr>
+        </p:nvSpPr>
+        <p:spPr/>
+      </p:sp>
+      <p:sp>
+        <p:nvSpPr>
+          <p:cNvPr id="3" name="Notes Placeholder 2"/>
+          <p:cNvSpPr>
+            <a:spLocks noGrp="1"/>
+          </p:cNvSpPr>
+          <p:nvPr>
+            <p:ph type="body" idx="1"/>
+          </p:nvPr>
+        </p:nvSpPr>
+        <p:spPr/>
+        <p:txBody>
+          <a:bodyPr/>
+          <a:lstStyle/>
+          <a:p>
+            <a:r>
+              <a:rPr lang="en-US" dirty="0"/>
+              <a:t>Representative example of a rules-based ordering alert that is triggered when warfarin is ordered on a patient without a recent PT/INR. In this case, the rule is implemented in Cerner Millennium Discern.</a:t>
+            </a:r>
+          </a:p>
+        </p:txBody>
+      </p:sp>
+      <p:sp>
+        <p:nvSpPr>
+          <p:cNvPr id="4" name="Slide Number Placeholder 3"/>
+          <p:cNvSpPr>
+            <a:spLocks noGrp="1"/>
+          </p:cNvSpPr>
+          <p:nvPr>
+            <p:ph type="sldNum" sz="quarter" idx="5"/>
+          </p:nvPr>
+        </p:nvSpPr>
+        <p:spPr/>
+        <p:txBody>
+          <a:bodyPr/>
+          <a:lstStyle/>
+          <a:p>
+            <a:fld id="{9AF95328-D31D-45AB-991F-5F3DA55EDE23}" type="slidenum">
+              <a:rPr lang="en-US" smtClean="0"/>
+              <a:t>15</a:t>
+            </a:fld>
+            <a:endParaRPr lang="en-US"/>
+          </a:p>
+        </p:txBody>
+      </p:sp>
+    </p:spTree>
+    <p:extLst>
+      <p:ext uri="{BB962C8B-B14F-4D97-AF65-F5344CB8AC3E}">
+        <p14:creationId xmlns:p14="http://schemas.microsoft.com/office/powerpoint/2010/main" val="2845251808"/>
+      </p:ext>
+    </p:extLst>
+  </p:cSld>
+  <p:clrMapOvr>
+    <a:masterClrMapping/>
+  </p:clrMapOvr>
+</p:notes>
+</file>
+
+<file path=ppt/notesSlides/notesSlide6.xml><?xml version="1.0" encoding="utf-8"?>
+<p:notes xmlns:a="http://schemas.openxmlformats.org/drawingml/2006/main" xmlns:r="http://schemas.openxmlformats.org/officeDocument/2006/relationships" xmlns:p="http://schemas.openxmlformats.org/presentationml/2006/main">
+  <p:cSld>
+    <p:spTree>
+      <p:nvGrpSpPr>
+        <p:cNvPr id="1" name=""/>
+        <p:cNvGrpSpPr/>
+        <p:nvPr/>
+      </p:nvGrpSpPr>
+      <p:grpSpPr>
+        <a:xfrm>
+          <a:off x="0" y="0"/>
+          <a:ext cx="0" cy="0"/>
+          <a:chOff x="0" y="0"/>
+          <a:chExt cx="0" cy="0"/>
+        </a:xfrm>
+      </p:grpSpPr>
+      <p:sp>
+        <p:nvSpPr>
+          <p:cNvPr id="2" name="Slide Image Placeholder 1"/>
+          <p:cNvSpPr>
+            <a:spLocks noGrp="1" noRot="1" noChangeAspect="1"/>
+          </p:cNvSpPr>
+          <p:nvPr>
+            <p:ph type="sldImg"/>
+          </p:nvPr>
+        </p:nvSpPr>
+        <p:spPr/>
+      </p:sp>
+      <p:sp>
+        <p:nvSpPr>
+          <p:cNvPr id="3" name="Notes Placeholder 2"/>
+          <p:cNvSpPr>
+            <a:spLocks noGrp="1"/>
+          </p:cNvSpPr>
+          <p:nvPr>
+            <p:ph type="body" idx="1"/>
+          </p:nvPr>
+        </p:nvSpPr>
+        <p:spPr/>
+        <p:txBody>
+          <a:bodyPr/>
+          <a:lstStyle/>
+          <a:p>
+            <a:endParaRPr lang="en-US" dirty="0"/>
+          </a:p>
+        </p:txBody>
+      </p:sp>
+      <p:sp>
+        <p:nvSpPr>
+          <p:cNvPr id="4" name="Slide Number Placeholder 3"/>
+          <p:cNvSpPr>
+            <a:spLocks noGrp="1"/>
+          </p:cNvSpPr>
+          <p:nvPr>
+            <p:ph type="sldNum" sz="quarter" idx="5"/>
+          </p:nvPr>
+        </p:nvSpPr>
+        <p:spPr/>
+        <p:txBody>
+          <a:bodyPr/>
+          <a:lstStyle/>
+          <a:p>
+            <a:fld id="{9AF95328-D31D-45AB-991F-5F3DA55EDE23}" type="slidenum">
+              <a:rPr lang="en-US" smtClean="0"/>
+              <a:t>16</a:t>
+            </a:fld>
+            <a:endParaRPr lang="en-US"/>
+          </a:p>
+        </p:txBody>
+      </p:sp>
+    </p:spTree>
+    <p:extLst>
+      <p:ext uri="{BB962C8B-B14F-4D97-AF65-F5344CB8AC3E}">
+        <p14:creationId xmlns:p14="http://schemas.microsoft.com/office/powerpoint/2010/main" val="1702747118"/>
+      </p:ext>
+    </p:extLst>
+  </p:cSld>
+  <p:clrMapOvr>
+    <a:masterClrMapping/>
+  </p:clrMapOvr>
+</p:notes>
 </file>
 
 <file path=ppt/slideLayouts/slideLayout1.xml><?xml version="1.0" encoding="utf-8"?>
@@ -1319,7 +2217,7 @@
             </a:r>
             <a:r>
               <a:rPr lang="en-US" sz="2400" dirty="0"/>
-              <a:t>, overdue HbA1c in diabetic patient, PT/INR in warfarin patient)</a:t>
+              <a:t>, overdue HbA1c in diabetic patient, overdue PT/INR in warfarin patient)</a:t>
             </a:r>
           </a:p>
           <a:p>
@@ -1381,7 +2279,7 @@
           <a:p>
             <a:r>
               <a:rPr lang="en-US" sz="3200" dirty="0"/>
-              <a:t>Examples of Clinical Decision Support</a:t>
+              <a:t>Common Examples of CDS</a:t>
             </a:r>
           </a:p>
         </p:txBody>
@@ -1462,8 +2360,8 @@
         </p:nvSpPr>
         <p:spPr>
           <a:xfrm>
-            <a:off x="457200" y="1504950"/>
-            <a:ext cx="8229600" cy="3276600"/>
+            <a:off x="2171700" y="1885950"/>
+            <a:ext cx="4800600" cy="2247294"/>
           </a:xfrm>
         </p:spPr>
         <p:txBody>
@@ -1498,7 +2396,7 @@
             </a:pPr>
             <a:r>
               <a:rPr lang="en-US" sz="2400" dirty="0"/>
-              <a:t>In the right intervention forma</a:t>
+              <a:t>In the right intervention format</a:t>
             </a:r>
           </a:p>
           <a:p>
@@ -1605,6 +2503,2084 @@
     <p:extLst>
       <p:ext uri="{BB962C8B-B14F-4D97-AF65-F5344CB8AC3E}">
         <p14:creationId xmlns:p14="http://schemas.microsoft.com/office/powerpoint/2010/main" val="2623681798"/>
+      </p:ext>
+    </p:extLst>
+  </p:cSld>
+  <p:clrMapOvr>
+    <a:masterClrMapping/>
+  </p:clrMapOvr>
+</p:sld>
+</file>
+
+<file path=ppt/slides/slide12.xml><?xml version="1.0" encoding="utf-8"?>
+<p:sld xmlns:a="http://schemas.openxmlformats.org/drawingml/2006/main" xmlns:r="http://schemas.openxmlformats.org/officeDocument/2006/relationships" xmlns:p="http://schemas.openxmlformats.org/presentationml/2006/main">
+  <p:cSld>
+    <p:spTree>
+      <p:nvGrpSpPr>
+        <p:cNvPr id="1" name=""/>
+        <p:cNvGrpSpPr/>
+        <p:nvPr/>
+      </p:nvGrpSpPr>
+      <p:grpSpPr>
+        <a:xfrm>
+          <a:off x="0" y="0"/>
+          <a:ext cx="0" cy="0"/>
+          <a:chOff x="0" y="0"/>
+          <a:chExt cx="0" cy="0"/>
+        </a:xfrm>
+      </p:grpSpPr>
+      <p:pic>
+        <p:nvPicPr>
+          <p:cNvPr id="4" name="Picture 3">
+            <a:extLst>
+              <a:ext uri="{FF2B5EF4-FFF2-40B4-BE49-F238E27FC236}">
+                <a16:creationId xmlns:a16="http://schemas.microsoft.com/office/drawing/2014/main" id="{CE14BF0C-145B-4878-9C4E-B808605D8FBA}"/>
+              </a:ext>
+            </a:extLst>
+          </p:cNvPr>
+          <p:cNvPicPr>
+            <a:picLocks noChangeAspect="1"/>
+          </p:cNvPicPr>
+          <p:nvPr/>
+        </p:nvPicPr>
+        <p:blipFill>
+          <a:blip r:embed="rId3"/>
+          <a:stretch>
+            <a:fillRect/>
+          </a:stretch>
+        </p:blipFill>
+        <p:spPr>
+          <a:xfrm>
+            <a:off x="1324249" y="895350"/>
+            <a:ext cx="6495502" cy="4171950"/>
+          </a:xfrm>
+          <a:prstGeom prst="rect">
+            <a:avLst/>
+          </a:prstGeom>
+        </p:spPr>
+      </p:pic>
+    </p:spTree>
+    <p:extLst>
+      <p:ext uri="{BB962C8B-B14F-4D97-AF65-F5344CB8AC3E}">
+        <p14:creationId xmlns:p14="http://schemas.microsoft.com/office/powerpoint/2010/main" val="2009511500"/>
+      </p:ext>
+    </p:extLst>
+  </p:cSld>
+  <p:clrMapOvr>
+    <a:masterClrMapping/>
+  </p:clrMapOvr>
+</p:sld>
+</file>
+
+<file path=ppt/slides/slide13.xml><?xml version="1.0" encoding="utf-8"?>
+<p:sld xmlns:a="http://schemas.openxmlformats.org/drawingml/2006/main" xmlns:r="http://schemas.openxmlformats.org/officeDocument/2006/relationships" xmlns:p="http://schemas.openxmlformats.org/presentationml/2006/main">
+  <p:cSld>
+    <p:spTree>
+      <p:nvGrpSpPr>
+        <p:cNvPr id="1" name=""/>
+        <p:cNvGrpSpPr/>
+        <p:nvPr/>
+      </p:nvGrpSpPr>
+      <p:grpSpPr>
+        <a:xfrm>
+          <a:off x="0" y="0"/>
+          <a:ext cx="0" cy="0"/>
+          <a:chOff x="0" y="0"/>
+          <a:chExt cx="0" cy="0"/>
+        </a:xfrm>
+      </p:grpSpPr>
+      <p:pic>
+        <p:nvPicPr>
+          <p:cNvPr id="3" name="Picture 2">
+            <a:extLst>
+              <a:ext uri="{FF2B5EF4-FFF2-40B4-BE49-F238E27FC236}">
+                <a16:creationId xmlns:a16="http://schemas.microsoft.com/office/drawing/2014/main" id="{2260AC26-BA6E-4B87-A33D-11F43634B033}"/>
+              </a:ext>
+            </a:extLst>
+          </p:cNvPr>
+          <p:cNvPicPr>
+            <a:picLocks noChangeAspect="1"/>
+          </p:cNvPicPr>
+          <p:nvPr/>
+        </p:nvPicPr>
+        <p:blipFill>
+          <a:blip r:embed="rId3"/>
+          <a:stretch>
+            <a:fillRect/>
+          </a:stretch>
+        </p:blipFill>
+        <p:spPr>
+          <a:xfrm>
+            <a:off x="1076325" y="971550"/>
+            <a:ext cx="6991350" cy="4000500"/>
+          </a:xfrm>
+          <a:prstGeom prst="rect">
+            <a:avLst/>
+          </a:prstGeom>
+        </p:spPr>
+      </p:pic>
+    </p:spTree>
+    <p:extLst>
+      <p:ext uri="{BB962C8B-B14F-4D97-AF65-F5344CB8AC3E}">
+        <p14:creationId xmlns:p14="http://schemas.microsoft.com/office/powerpoint/2010/main" val="3991898929"/>
+      </p:ext>
+    </p:extLst>
+  </p:cSld>
+  <p:clrMapOvr>
+    <a:masterClrMapping/>
+  </p:clrMapOvr>
+</p:sld>
+</file>
+
+<file path=ppt/slides/slide14.xml><?xml version="1.0" encoding="utf-8"?>
+<p:sld xmlns:a="http://schemas.openxmlformats.org/drawingml/2006/main" xmlns:r="http://schemas.openxmlformats.org/officeDocument/2006/relationships" xmlns:p="http://schemas.openxmlformats.org/presentationml/2006/main">
+  <p:cSld>
+    <p:spTree>
+      <p:nvGrpSpPr>
+        <p:cNvPr id="1" name=""/>
+        <p:cNvGrpSpPr/>
+        <p:nvPr/>
+      </p:nvGrpSpPr>
+      <p:grpSpPr>
+        <a:xfrm>
+          <a:off x="0" y="0"/>
+          <a:ext cx="0" cy="0"/>
+          <a:chOff x="0" y="0"/>
+          <a:chExt cx="0" cy="0"/>
+        </a:xfrm>
+      </p:grpSpPr>
+      <p:pic>
+        <p:nvPicPr>
+          <p:cNvPr id="3" name="Picture 2">
+            <a:extLst>
+              <a:ext uri="{FF2B5EF4-FFF2-40B4-BE49-F238E27FC236}">
+                <a16:creationId xmlns:a16="http://schemas.microsoft.com/office/drawing/2014/main" id="{BE927CA2-F0AA-4295-BB60-C6EDA5EF5CDF}"/>
+              </a:ext>
+            </a:extLst>
+          </p:cNvPr>
+          <p:cNvPicPr>
+            <a:picLocks noChangeAspect="1"/>
+          </p:cNvPicPr>
+          <p:nvPr/>
+        </p:nvPicPr>
+        <p:blipFill>
+          <a:blip r:embed="rId3"/>
+          <a:stretch>
+            <a:fillRect/>
+          </a:stretch>
+        </p:blipFill>
+        <p:spPr>
+          <a:xfrm>
+            <a:off x="385762" y="971550"/>
+            <a:ext cx="8372475" cy="3924300"/>
+          </a:xfrm>
+          <a:prstGeom prst="rect">
+            <a:avLst/>
+          </a:prstGeom>
+          <a:ln>
+            <a:solidFill>
+              <a:schemeClr val="accent1"/>
+            </a:solidFill>
+          </a:ln>
+        </p:spPr>
+      </p:pic>
+    </p:spTree>
+    <p:extLst>
+      <p:ext uri="{BB962C8B-B14F-4D97-AF65-F5344CB8AC3E}">
+        <p14:creationId xmlns:p14="http://schemas.microsoft.com/office/powerpoint/2010/main" val="2539670803"/>
+      </p:ext>
+    </p:extLst>
+  </p:cSld>
+  <p:clrMapOvr>
+    <a:masterClrMapping/>
+  </p:clrMapOvr>
+</p:sld>
+</file>
+
+<file path=ppt/slides/slide15.xml><?xml version="1.0" encoding="utf-8"?>
+<p:sld xmlns:a="http://schemas.openxmlformats.org/drawingml/2006/main" xmlns:r="http://schemas.openxmlformats.org/officeDocument/2006/relationships" xmlns:p="http://schemas.openxmlformats.org/presentationml/2006/main">
+  <p:cSld>
+    <p:spTree>
+      <p:nvGrpSpPr>
+        <p:cNvPr id="1" name=""/>
+        <p:cNvGrpSpPr/>
+        <p:nvPr/>
+      </p:nvGrpSpPr>
+      <p:grpSpPr>
+        <a:xfrm>
+          <a:off x="0" y="0"/>
+          <a:ext cx="0" cy="0"/>
+          <a:chOff x="0" y="0"/>
+          <a:chExt cx="0" cy="0"/>
+        </a:xfrm>
+      </p:grpSpPr>
+      <p:pic>
+        <p:nvPicPr>
+          <p:cNvPr id="1026" name="Picture 2">
+            <a:extLst>
+              <a:ext uri="{FF2B5EF4-FFF2-40B4-BE49-F238E27FC236}">
+                <a16:creationId xmlns:a16="http://schemas.microsoft.com/office/drawing/2014/main" id="{B028E558-79DA-472A-A3D7-3927278BF8A1}"/>
+              </a:ext>
+            </a:extLst>
+          </p:cNvPr>
+          <p:cNvPicPr>
+            <a:picLocks noChangeAspect="1" noChangeArrowheads="1"/>
+          </p:cNvPicPr>
+          <p:nvPr/>
+        </p:nvPicPr>
+        <p:blipFill rotWithShape="1">
+          <a:blip r:embed="rId3">
+            <a:extLst>
+              <a:ext uri="{28A0092B-C50C-407E-A947-70E740481C1C}">
+                <a14:useLocalDpi xmlns:a14="http://schemas.microsoft.com/office/drawing/2010/main" val="0"/>
+              </a:ext>
+            </a:extLst>
+          </a:blip>
+          <a:srcRect t="76277"/>
+          <a:stretch/>
+        </p:blipFill>
+        <p:spPr bwMode="auto">
+          <a:xfrm>
+            <a:off x="2618427" y="3790950"/>
+            <a:ext cx="3907143" cy="1160732"/>
+          </a:xfrm>
+          <a:prstGeom prst="rect">
+            <a:avLst/>
+          </a:prstGeom>
+          <a:noFill/>
+          <a:ln>
+            <a:noFill/>
+          </a:ln>
+          <a:extLst>
+            <a:ext uri="{909E8E84-426E-40DD-AFC4-6F175D3DCCD1}">
+              <a14:hiddenFill xmlns:a14="http://schemas.microsoft.com/office/drawing/2010/main">
+                <a:solidFill>
+                  <a:srgbClr val="FFFFFF"/>
+                </a:solidFill>
+              </a14:hiddenFill>
+            </a:ext>
+            <a:ext uri="{91240B29-F687-4F45-9708-019B960494DF}">
+              <a14:hiddenLine xmlns:a14="http://schemas.microsoft.com/office/drawing/2010/main" w="9525">
+                <a:solidFill>
+                  <a:srgbClr val="000000"/>
+                </a:solidFill>
+                <a:miter lim="800000"/>
+                <a:headEnd/>
+                <a:tailEnd/>
+              </a14:hiddenLine>
+            </a:ext>
+          </a:extLst>
+        </p:spPr>
+      </p:pic>
+      <p:pic>
+        <p:nvPicPr>
+          <p:cNvPr id="1027" name="Picture 3">
+            <a:extLst>
+              <a:ext uri="{FF2B5EF4-FFF2-40B4-BE49-F238E27FC236}">
+                <a16:creationId xmlns:a16="http://schemas.microsoft.com/office/drawing/2014/main" id="{F5E88CF5-C4FD-4472-AEFE-488B0B2A05E9}"/>
+              </a:ext>
+            </a:extLst>
+          </p:cNvPr>
+          <p:cNvPicPr>
+            <a:picLocks noChangeAspect="1" noChangeArrowheads="1"/>
+          </p:cNvPicPr>
+          <p:nvPr/>
+        </p:nvPicPr>
+        <p:blipFill rotWithShape="1">
+          <a:blip r:embed="rId3">
+            <a:extLst>
+              <a:ext uri="{28A0092B-C50C-407E-A947-70E740481C1C}">
+                <a14:useLocalDpi xmlns:a14="http://schemas.microsoft.com/office/drawing/2010/main" val="0"/>
+              </a:ext>
+            </a:extLst>
+          </a:blip>
+          <a:srcRect b="39562"/>
+          <a:stretch/>
+        </p:blipFill>
+        <p:spPr bwMode="auto">
+          <a:xfrm>
+            <a:off x="2618428" y="971550"/>
+            <a:ext cx="3907143" cy="2957145"/>
+          </a:xfrm>
+          <a:prstGeom prst="rect">
+            <a:avLst/>
+          </a:prstGeom>
+          <a:noFill/>
+          <a:ln>
+            <a:noFill/>
+          </a:ln>
+          <a:extLst>
+            <a:ext uri="{909E8E84-426E-40DD-AFC4-6F175D3DCCD1}">
+              <a14:hiddenFill xmlns:a14="http://schemas.microsoft.com/office/drawing/2010/main">
+                <a:solidFill>
+                  <a:srgbClr val="FFFFFF"/>
+                </a:solidFill>
+              </a14:hiddenFill>
+            </a:ext>
+            <a:ext uri="{91240B29-F687-4F45-9708-019B960494DF}">
+              <a14:hiddenLine xmlns:a14="http://schemas.microsoft.com/office/drawing/2010/main" w="9525">
+                <a:solidFill>
+                  <a:srgbClr val="000000"/>
+                </a:solidFill>
+                <a:miter lim="800000"/>
+                <a:headEnd/>
+                <a:tailEnd/>
+              </a14:hiddenLine>
+            </a:ext>
+          </a:extLst>
+        </p:spPr>
+      </p:pic>
+    </p:spTree>
+    <p:extLst>
+      <p:ext uri="{BB962C8B-B14F-4D97-AF65-F5344CB8AC3E}">
+        <p14:creationId xmlns:p14="http://schemas.microsoft.com/office/powerpoint/2010/main" val="1410003262"/>
+      </p:ext>
+    </p:extLst>
+  </p:cSld>
+  <p:clrMapOvr>
+    <a:masterClrMapping/>
+  </p:clrMapOvr>
+</p:sld>
+</file>
+
+<file path=ppt/slides/slide16.xml><?xml version="1.0" encoding="utf-8"?>
+<p:sld xmlns:a="http://schemas.openxmlformats.org/drawingml/2006/main" xmlns:r="http://schemas.openxmlformats.org/officeDocument/2006/relationships" xmlns:p="http://schemas.openxmlformats.org/presentationml/2006/main">
+  <p:cSld>
+    <p:spTree>
+      <p:nvGrpSpPr>
+        <p:cNvPr id="1" name=""/>
+        <p:cNvGrpSpPr/>
+        <p:nvPr/>
+      </p:nvGrpSpPr>
+      <p:grpSpPr>
+        <a:xfrm>
+          <a:off x="0" y="0"/>
+          <a:ext cx="0" cy="0"/>
+          <a:chOff x="0" y="0"/>
+          <a:chExt cx="0" cy="0"/>
+        </a:xfrm>
+      </p:grpSpPr>
+      <p:sp>
+        <p:nvSpPr>
+          <p:cNvPr id="3" name="Title 2">
+            <a:extLst>
+              <a:ext uri="{FF2B5EF4-FFF2-40B4-BE49-F238E27FC236}">
+                <a16:creationId xmlns:a16="http://schemas.microsoft.com/office/drawing/2014/main" id="{FB4C6C0D-CDA1-43E3-8CDA-F4D3F58AC9C7}"/>
+              </a:ext>
+            </a:extLst>
+          </p:cNvPr>
+          <p:cNvSpPr>
+            <a:spLocks noGrp="1"/>
+          </p:cNvSpPr>
+          <p:nvPr>
+            <p:ph type="title" idx="4294967295"/>
+          </p:nvPr>
+        </p:nvSpPr>
+        <p:spPr>
+          <a:xfrm>
+            <a:off x="628650" y="895350"/>
+            <a:ext cx="7886700" cy="495907"/>
+          </a:xfrm>
+          <a:prstGeom prst="rect">
+            <a:avLst/>
+          </a:prstGeom>
+        </p:spPr>
+        <p:txBody>
+          <a:bodyPr/>
+          <a:lstStyle/>
+          <a:p>
+            <a:r>
+              <a:rPr lang="en-US" sz="3200" dirty="0"/>
+              <a:t>How do we get out-of-the box CDS?</a:t>
+            </a:r>
+          </a:p>
+        </p:txBody>
+      </p:sp>
+      <p:sp>
+        <p:nvSpPr>
+          <p:cNvPr id="7" name="Rectangle 6">
+            <a:extLst>
+              <a:ext uri="{FF2B5EF4-FFF2-40B4-BE49-F238E27FC236}">
+                <a16:creationId xmlns:a16="http://schemas.microsoft.com/office/drawing/2014/main" id="{A14AB1F7-F598-48C3-BA42-29A24DA1AC8C}"/>
+              </a:ext>
+            </a:extLst>
+          </p:cNvPr>
+          <p:cNvSpPr/>
+          <p:nvPr/>
+        </p:nvSpPr>
+        <p:spPr>
+          <a:xfrm>
+            <a:off x="1143000" y="1950482"/>
+            <a:ext cx="2438400" cy="2057400"/>
+          </a:xfrm>
+          <a:prstGeom prst="rect">
+            <a:avLst/>
+          </a:prstGeom>
+        </p:spPr>
+        <p:style>
+          <a:lnRef idx="1">
+            <a:schemeClr val="accent1"/>
+          </a:lnRef>
+          <a:fillRef idx="3">
+            <a:schemeClr val="accent1"/>
+          </a:fillRef>
+          <a:effectRef idx="2">
+            <a:schemeClr val="accent1"/>
+          </a:effectRef>
+          <a:fontRef idx="minor">
+            <a:schemeClr val="lt1"/>
+          </a:fontRef>
+        </p:style>
+        <p:txBody>
+          <a:bodyPr rtlCol="0" anchor="t" anchorCtr="0"/>
+          <a:lstStyle/>
+          <a:p>
+            <a:pPr algn="ctr"/>
+            <a:r>
+              <a:rPr lang="en-US" dirty="0"/>
+              <a:t>EMR Feature Set</a:t>
+            </a:r>
+          </a:p>
+          <a:p>
+            <a:pPr algn="ctr"/>
+            <a:r>
+              <a:rPr lang="en-US" dirty="0"/>
+              <a:t>“the box”</a:t>
+            </a:r>
+          </a:p>
+        </p:txBody>
+      </p:sp>
+      <p:sp>
+        <p:nvSpPr>
+          <p:cNvPr id="8" name="Rectangle 7">
+            <a:extLst>
+              <a:ext uri="{FF2B5EF4-FFF2-40B4-BE49-F238E27FC236}">
+                <a16:creationId xmlns:a16="http://schemas.microsoft.com/office/drawing/2014/main" id="{C065093A-745F-49CD-970D-F9E0C7336FA4}"/>
+              </a:ext>
+            </a:extLst>
+          </p:cNvPr>
+          <p:cNvSpPr/>
+          <p:nvPr/>
+        </p:nvSpPr>
+        <p:spPr>
+          <a:xfrm>
+            <a:off x="1257300" y="3169682"/>
+            <a:ext cx="2209800" cy="723900"/>
+          </a:xfrm>
+          <a:prstGeom prst="rect">
+            <a:avLst/>
+          </a:prstGeom>
+          <a:solidFill>
+            <a:srgbClr val="4BC4C2"/>
+          </a:solidFill>
+        </p:spPr>
+        <p:style>
+          <a:lnRef idx="1">
+            <a:schemeClr val="accent1"/>
+          </a:lnRef>
+          <a:fillRef idx="3">
+            <a:schemeClr val="accent1"/>
+          </a:fillRef>
+          <a:effectRef idx="2">
+            <a:schemeClr val="accent1"/>
+          </a:effectRef>
+          <a:fontRef idx="minor">
+            <a:schemeClr val="lt1"/>
+          </a:fontRef>
+        </p:style>
+        <p:txBody>
+          <a:bodyPr rtlCol="0" anchor="ctr"/>
+          <a:lstStyle/>
+          <a:p>
+            <a:pPr algn="ctr"/>
+            <a:r>
+              <a:rPr lang="en-US" dirty="0"/>
+              <a:t>Clinical Decision Support functionality</a:t>
+            </a:r>
+          </a:p>
+        </p:txBody>
+      </p:sp>
+      <p:sp>
+        <p:nvSpPr>
+          <p:cNvPr id="9" name="Rectangle 8">
+            <a:extLst>
+              <a:ext uri="{FF2B5EF4-FFF2-40B4-BE49-F238E27FC236}">
+                <a16:creationId xmlns:a16="http://schemas.microsoft.com/office/drawing/2014/main" id="{A2C7D3EF-C964-439B-8E03-A2511344DE5E}"/>
+              </a:ext>
+            </a:extLst>
+          </p:cNvPr>
+          <p:cNvSpPr/>
+          <p:nvPr/>
+        </p:nvSpPr>
+        <p:spPr>
+          <a:xfrm>
+            <a:off x="5524500" y="1952864"/>
+            <a:ext cx="2438400" cy="2057400"/>
+          </a:xfrm>
+          <a:prstGeom prst="rect">
+            <a:avLst/>
+          </a:prstGeom>
+        </p:spPr>
+        <p:style>
+          <a:lnRef idx="1">
+            <a:schemeClr val="accent1"/>
+          </a:lnRef>
+          <a:fillRef idx="3">
+            <a:schemeClr val="accent1"/>
+          </a:fillRef>
+          <a:effectRef idx="2">
+            <a:schemeClr val="accent1"/>
+          </a:effectRef>
+          <a:fontRef idx="minor">
+            <a:schemeClr val="lt1"/>
+          </a:fontRef>
+        </p:style>
+        <p:txBody>
+          <a:bodyPr rtlCol="0" anchor="t" anchorCtr="0"/>
+          <a:lstStyle/>
+          <a:p>
+            <a:pPr algn="ctr"/>
+            <a:r>
+              <a:rPr lang="en-US" dirty="0"/>
+              <a:t>EMR Feature Set</a:t>
+            </a:r>
+          </a:p>
+          <a:p>
+            <a:pPr algn="ctr"/>
+            <a:r>
+              <a:rPr lang="en-US" dirty="0"/>
+              <a:t>“the box”</a:t>
+            </a:r>
+          </a:p>
+        </p:txBody>
+      </p:sp>
+      <p:sp>
+        <p:nvSpPr>
+          <p:cNvPr id="10" name="Rectangle 9">
+            <a:extLst>
+              <a:ext uri="{FF2B5EF4-FFF2-40B4-BE49-F238E27FC236}">
+                <a16:creationId xmlns:a16="http://schemas.microsoft.com/office/drawing/2014/main" id="{AA555322-6F15-4E7F-B0BD-9F75565B7C5D}"/>
+              </a:ext>
+            </a:extLst>
+          </p:cNvPr>
+          <p:cNvSpPr/>
+          <p:nvPr/>
+        </p:nvSpPr>
+        <p:spPr>
+          <a:xfrm>
+            <a:off x="4800600" y="3176826"/>
+            <a:ext cx="3886200" cy="723900"/>
+          </a:xfrm>
+          <a:prstGeom prst="rect">
+            <a:avLst/>
+          </a:prstGeom>
+          <a:solidFill>
+            <a:srgbClr val="4BC4C2"/>
+          </a:solidFill>
+        </p:spPr>
+        <p:style>
+          <a:lnRef idx="1">
+            <a:schemeClr val="accent1"/>
+          </a:lnRef>
+          <a:fillRef idx="3">
+            <a:schemeClr val="accent1"/>
+          </a:fillRef>
+          <a:effectRef idx="2">
+            <a:schemeClr val="accent1"/>
+          </a:effectRef>
+          <a:fontRef idx="minor">
+            <a:schemeClr val="lt1"/>
+          </a:fontRef>
+        </p:style>
+        <p:txBody>
+          <a:bodyPr rtlCol="0" anchor="ctr"/>
+          <a:lstStyle/>
+          <a:p>
+            <a:pPr algn="ctr"/>
+            <a:r>
+              <a:rPr lang="en-US" dirty="0"/>
+              <a:t>Clinical Decision Support functionality</a:t>
+            </a:r>
+          </a:p>
+        </p:txBody>
+      </p:sp>
+      <p:sp>
+        <p:nvSpPr>
+          <p:cNvPr id="11" name="Rectangle 10">
+            <a:extLst>
+              <a:ext uri="{FF2B5EF4-FFF2-40B4-BE49-F238E27FC236}">
+                <a16:creationId xmlns:a16="http://schemas.microsoft.com/office/drawing/2014/main" id="{B89F6347-178C-4109-A281-EF4989F10583}"/>
+              </a:ext>
+            </a:extLst>
+          </p:cNvPr>
+          <p:cNvSpPr/>
+          <p:nvPr/>
+        </p:nvSpPr>
+        <p:spPr>
+          <a:xfrm>
+            <a:off x="1582018" y="1504950"/>
+            <a:ext cx="1560364" cy="369332"/>
+          </a:xfrm>
+          <a:prstGeom prst="rect">
+            <a:avLst/>
+          </a:prstGeom>
+        </p:spPr>
+        <p:txBody>
+          <a:bodyPr wrap="none">
+            <a:spAutoFit/>
+          </a:bodyPr>
+          <a:lstStyle/>
+          <a:p>
+            <a:r>
+              <a:rPr lang="en-US" u="sng" dirty="0"/>
+              <a:t>in-the box CDS</a:t>
+            </a:r>
+          </a:p>
+        </p:txBody>
+      </p:sp>
+      <p:sp>
+        <p:nvSpPr>
+          <p:cNvPr id="12" name="Rectangle 11">
+            <a:extLst>
+              <a:ext uri="{FF2B5EF4-FFF2-40B4-BE49-F238E27FC236}">
+                <a16:creationId xmlns:a16="http://schemas.microsoft.com/office/drawing/2014/main" id="{E14A4E42-8ABF-453A-9000-0E10966F8623}"/>
+              </a:ext>
+            </a:extLst>
+          </p:cNvPr>
+          <p:cNvSpPr/>
+          <p:nvPr/>
+        </p:nvSpPr>
+        <p:spPr>
+          <a:xfrm>
+            <a:off x="5412887" y="1504950"/>
+            <a:ext cx="2661626" cy="369332"/>
+          </a:xfrm>
+          <a:prstGeom prst="rect">
+            <a:avLst/>
+          </a:prstGeom>
+        </p:spPr>
+        <p:txBody>
+          <a:bodyPr wrap="none">
+            <a:spAutoFit/>
+          </a:bodyPr>
+          <a:lstStyle/>
+          <a:p>
+            <a:r>
+              <a:rPr lang="en-US" u="sng" dirty="0"/>
+              <a:t>in-and-out-of-the-box CDS</a:t>
+            </a:r>
+          </a:p>
+        </p:txBody>
+      </p:sp>
+      <p:sp>
+        <p:nvSpPr>
+          <p:cNvPr id="13" name="Rectangle 12">
+            <a:extLst>
+              <a:ext uri="{FF2B5EF4-FFF2-40B4-BE49-F238E27FC236}">
+                <a16:creationId xmlns:a16="http://schemas.microsoft.com/office/drawing/2014/main" id="{32D0C4F0-8C32-47EE-9C32-DA7EE4CCC3E6}"/>
+              </a:ext>
+            </a:extLst>
+          </p:cNvPr>
+          <p:cNvSpPr/>
+          <p:nvPr/>
+        </p:nvSpPr>
+        <p:spPr>
+          <a:xfrm>
+            <a:off x="1295400" y="4248150"/>
+            <a:ext cx="6553200" cy="646331"/>
+          </a:xfrm>
+          <a:prstGeom prst="rect">
+            <a:avLst/>
+          </a:prstGeom>
+        </p:spPr>
+        <p:txBody>
+          <a:bodyPr wrap="square">
+            <a:spAutoFit/>
+          </a:bodyPr>
+          <a:lstStyle/>
+          <a:p>
+            <a:r>
+              <a:rPr lang="en-US" dirty="0"/>
+              <a:t>More specifically, how do we get out-of-the-box CDS functionality while still respecting the 5 rights?</a:t>
+            </a:r>
+          </a:p>
+        </p:txBody>
+      </p:sp>
+    </p:spTree>
+    <p:extLst>
+      <p:ext uri="{BB962C8B-B14F-4D97-AF65-F5344CB8AC3E}">
+        <p14:creationId xmlns:p14="http://schemas.microsoft.com/office/powerpoint/2010/main" val="1749983968"/>
+      </p:ext>
+    </p:extLst>
+  </p:cSld>
+  <p:clrMapOvr>
+    <a:masterClrMapping/>
+  </p:clrMapOvr>
+</p:sld>
+</file>
+
+<file path=ppt/slides/slide17.xml><?xml version="1.0" encoding="utf-8"?>
+<p:sld xmlns:a="http://schemas.openxmlformats.org/drawingml/2006/main" xmlns:r="http://schemas.openxmlformats.org/officeDocument/2006/relationships" xmlns:p="http://schemas.openxmlformats.org/presentationml/2006/main">
+  <p:cSld>
+    <p:spTree>
+      <p:nvGrpSpPr>
+        <p:cNvPr id="1" name=""/>
+        <p:cNvGrpSpPr/>
+        <p:nvPr/>
+      </p:nvGrpSpPr>
+      <p:grpSpPr>
+        <a:xfrm>
+          <a:off x="0" y="0"/>
+          <a:ext cx="0" cy="0"/>
+          <a:chOff x="0" y="0"/>
+          <a:chExt cx="0" cy="0"/>
+        </a:xfrm>
+      </p:grpSpPr>
+      <p:sp>
+        <p:nvSpPr>
+          <p:cNvPr id="2" name="Title 1"/>
+          <p:cNvSpPr>
+            <a:spLocks noGrp="1"/>
+          </p:cNvSpPr>
+          <p:nvPr>
+            <p:ph type="ctrTitle"/>
+          </p:nvPr>
+        </p:nvSpPr>
+        <p:spPr>
+          <a:xfrm>
+            <a:off x="685800" y="2020490"/>
+            <a:ext cx="7772400" cy="1102519"/>
+          </a:xfrm>
+        </p:spPr>
+        <p:txBody>
+          <a:bodyPr/>
+          <a:lstStyle/>
+          <a:p>
+            <a:r>
+              <a:rPr lang="en-US" dirty="0"/>
+              <a:t>REST WEB SERVICES</a:t>
+            </a:r>
+          </a:p>
+        </p:txBody>
+      </p:sp>
+    </p:spTree>
+    <p:extLst>
+      <p:ext uri="{BB962C8B-B14F-4D97-AF65-F5344CB8AC3E}">
+        <p14:creationId xmlns:p14="http://schemas.microsoft.com/office/powerpoint/2010/main" val="4169399735"/>
+      </p:ext>
+    </p:extLst>
+  </p:cSld>
+  <p:clrMapOvr>
+    <a:masterClrMapping/>
+  </p:clrMapOvr>
+</p:sld>
+</file>
+
+<file path=ppt/slides/slide18.xml><?xml version="1.0" encoding="utf-8"?>
+<p:sld xmlns:a="http://schemas.openxmlformats.org/drawingml/2006/main" xmlns:r="http://schemas.openxmlformats.org/officeDocument/2006/relationships" xmlns:p="http://schemas.openxmlformats.org/presentationml/2006/main">
+  <p:cSld>
+    <p:spTree>
+      <p:nvGrpSpPr>
+        <p:cNvPr id="1" name=""/>
+        <p:cNvGrpSpPr/>
+        <p:nvPr/>
+      </p:nvGrpSpPr>
+      <p:grpSpPr>
+        <a:xfrm>
+          <a:off x="0" y="0"/>
+          <a:ext cx="0" cy="0"/>
+          <a:chOff x="0" y="0"/>
+          <a:chExt cx="0" cy="0"/>
+        </a:xfrm>
+      </p:grpSpPr>
+      <p:sp>
+        <p:nvSpPr>
+          <p:cNvPr id="3" name="Title 2">
+            <a:extLst>
+              <a:ext uri="{FF2B5EF4-FFF2-40B4-BE49-F238E27FC236}">
+                <a16:creationId xmlns:a16="http://schemas.microsoft.com/office/drawing/2014/main" id="{FB4C6C0D-CDA1-43E3-8CDA-F4D3F58AC9C7}"/>
+              </a:ext>
+            </a:extLst>
+          </p:cNvPr>
+          <p:cNvSpPr>
+            <a:spLocks noGrp="1"/>
+          </p:cNvSpPr>
+          <p:nvPr>
+            <p:ph type="title" idx="4294967295"/>
+          </p:nvPr>
+        </p:nvSpPr>
+        <p:spPr>
+          <a:xfrm>
+            <a:off x="628650" y="895350"/>
+            <a:ext cx="7886700" cy="495907"/>
+          </a:xfrm>
+          <a:prstGeom prst="rect">
+            <a:avLst/>
+          </a:prstGeom>
+        </p:spPr>
+        <p:txBody>
+          <a:bodyPr/>
+          <a:lstStyle/>
+          <a:p>
+            <a:r>
+              <a:rPr lang="en-US" sz="3200" dirty="0"/>
+              <a:t>Web Page Request (in English)</a:t>
+            </a:r>
+          </a:p>
+        </p:txBody>
+      </p:sp>
+      <p:cxnSp>
+        <p:nvCxnSpPr>
+          <p:cNvPr id="8" name="Straight Arrow Connector 7">
+            <a:extLst>
+              <a:ext uri="{FF2B5EF4-FFF2-40B4-BE49-F238E27FC236}">
+                <a16:creationId xmlns:a16="http://schemas.microsoft.com/office/drawing/2014/main" id="{5758571A-85F8-4E97-A212-8258FBF32218}"/>
+              </a:ext>
+            </a:extLst>
+          </p:cNvPr>
+          <p:cNvCxnSpPr>
+            <a:cxnSpLocks/>
+          </p:cNvCxnSpPr>
+          <p:nvPr/>
+        </p:nvCxnSpPr>
+        <p:spPr>
+          <a:xfrm>
+            <a:off x="1828800" y="2190750"/>
+            <a:ext cx="0" cy="2209800"/>
+          </a:xfrm>
+          <a:prstGeom prst="straightConnector1">
+            <a:avLst/>
+          </a:prstGeom>
+          <a:ln>
+            <a:solidFill>
+              <a:srgbClr val="00B050"/>
+            </a:solidFill>
+            <a:tailEnd type="triangle"/>
+          </a:ln>
+        </p:spPr>
+        <p:style>
+          <a:lnRef idx="2">
+            <a:schemeClr val="accent1"/>
+          </a:lnRef>
+          <a:fillRef idx="0">
+            <a:schemeClr val="accent1"/>
+          </a:fillRef>
+          <a:effectRef idx="1">
+            <a:schemeClr val="accent1"/>
+          </a:effectRef>
+          <a:fontRef idx="minor">
+            <a:schemeClr val="tx1"/>
+          </a:fontRef>
+        </p:style>
+      </p:cxnSp>
+      <p:cxnSp>
+        <p:nvCxnSpPr>
+          <p:cNvPr id="9" name="Straight Arrow Connector 8">
+            <a:extLst>
+              <a:ext uri="{FF2B5EF4-FFF2-40B4-BE49-F238E27FC236}">
+                <a16:creationId xmlns:a16="http://schemas.microsoft.com/office/drawing/2014/main" id="{03B8D2C1-5193-46DD-BB1F-06EE585441C3}"/>
+              </a:ext>
+            </a:extLst>
+          </p:cNvPr>
+          <p:cNvCxnSpPr>
+            <a:cxnSpLocks/>
+          </p:cNvCxnSpPr>
+          <p:nvPr/>
+        </p:nvCxnSpPr>
+        <p:spPr>
+          <a:xfrm>
+            <a:off x="7315200" y="2190750"/>
+            <a:ext cx="0" cy="2209800"/>
+          </a:xfrm>
+          <a:prstGeom prst="straightConnector1">
+            <a:avLst/>
+          </a:prstGeom>
+          <a:ln>
+            <a:solidFill>
+              <a:srgbClr val="00B050"/>
+            </a:solidFill>
+            <a:tailEnd type="triangle"/>
+          </a:ln>
+        </p:spPr>
+        <p:style>
+          <a:lnRef idx="2">
+            <a:schemeClr val="accent1"/>
+          </a:lnRef>
+          <a:fillRef idx="0">
+            <a:schemeClr val="accent1"/>
+          </a:fillRef>
+          <a:effectRef idx="1">
+            <a:schemeClr val="accent1"/>
+          </a:effectRef>
+          <a:fontRef idx="minor">
+            <a:schemeClr val="tx1"/>
+          </a:fontRef>
+        </p:style>
+      </p:cxnSp>
+      <p:sp>
+        <p:nvSpPr>
+          <p:cNvPr id="12" name="Rectangle 11">
+            <a:extLst>
+              <a:ext uri="{FF2B5EF4-FFF2-40B4-BE49-F238E27FC236}">
+                <a16:creationId xmlns:a16="http://schemas.microsoft.com/office/drawing/2014/main" id="{1B43E939-CB77-4D45-A370-EFA909363444}"/>
+              </a:ext>
+            </a:extLst>
+          </p:cNvPr>
+          <p:cNvSpPr/>
+          <p:nvPr/>
+        </p:nvSpPr>
+        <p:spPr>
+          <a:xfrm>
+            <a:off x="1219200" y="1657350"/>
+            <a:ext cx="1219199" cy="381000"/>
+          </a:xfrm>
+          <a:prstGeom prst="rect">
+            <a:avLst/>
+          </a:prstGeom>
+          <a:solidFill>
+            <a:schemeClr val="bg1"/>
+          </a:solidFill>
+          <a:ln w="25400"/>
+        </p:spPr>
+        <p:style>
+          <a:lnRef idx="1">
+            <a:schemeClr val="accent1"/>
+          </a:lnRef>
+          <a:fillRef idx="3">
+            <a:schemeClr val="accent1"/>
+          </a:fillRef>
+          <a:effectRef idx="2">
+            <a:schemeClr val="accent1"/>
+          </a:effectRef>
+          <a:fontRef idx="minor">
+            <a:schemeClr val="lt1"/>
+          </a:fontRef>
+        </p:style>
+        <p:txBody>
+          <a:bodyPr rtlCol="0" anchor="ctr"/>
+          <a:lstStyle/>
+          <a:p>
+            <a:pPr algn="ctr"/>
+            <a:r>
+              <a:rPr lang="en-US" dirty="0">
+                <a:solidFill>
+                  <a:srgbClr val="0070C0"/>
+                </a:solidFill>
+              </a:rPr>
+              <a:t>client</a:t>
+            </a:r>
+          </a:p>
+        </p:txBody>
+      </p:sp>
+      <p:sp>
+        <p:nvSpPr>
+          <p:cNvPr id="13" name="Rectangle 12">
+            <a:extLst>
+              <a:ext uri="{FF2B5EF4-FFF2-40B4-BE49-F238E27FC236}">
+                <a16:creationId xmlns:a16="http://schemas.microsoft.com/office/drawing/2014/main" id="{FE4F9FA5-3B31-4B13-BFA7-1582352B87D4}"/>
+              </a:ext>
+            </a:extLst>
+          </p:cNvPr>
+          <p:cNvSpPr/>
+          <p:nvPr/>
+        </p:nvSpPr>
+        <p:spPr>
+          <a:xfrm>
+            <a:off x="6705600" y="1657350"/>
+            <a:ext cx="1219199" cy="381000"/>
+          </a:xfrm>
+          <a:prstGeom prst="rect">
+            <a:avLst/>
+          </a:prstGeom>
+          <a:solidFill>
+            <a:schemeClr val="bg1"/>
+          </a:solidFill>
+          <a:ln w="25400"/>
+        </p:spPr>
+        <p:style>
+          <a:lnRef idx="1">
+            <a:schemeClr val="accent1"/>
+          </a:lnRef>
+          <a:fillRef idx="3">
+            <a:schemeClr val="accent1"/>
+          </a:fillRef>
+          <a:effectRef idx="2">
+            <a:schemeClr val="accent1"/>
+          </a:effectRef>
+          <a:fontRef idx="minor">
+            <a:schemeClr val="lt1"/>
+          </a:fontRef>
+        </p:style>
+        <p:txBody>
+          <a:bodyPr rtlCol="0" anchor="ctr"/>
+          <a:lstStyle/>
+          <a:p>
+            <a:pPr algn="ctr"/>
+            <a:r>
+              <a:rPr lang="en-US" dirty="0">
+                <a:solidFill>
+                  <a:srgbClr val="0070C0"/>
+                </a:solidFill>
+              </a:rPr>
+              <a:t>server</a:t>
+            </a:r>
+          </a:p>
+        </p:txBody>
+      </p:sp>
+      <p:sp>
+        <p:nvSpPr>
+          <p:cNvPr id="14" name="Rectangle 13">
+            <a:extLst>
+              <a:ext uri="{FF2B5EF4-FFF2-40B4-BE49-F238E27FC236}">
+                <a16:creationId xmlns:a16="http://schemas.microsoft.com/office/drawing/2014/main" id="{EC4DFF13-19AF-4342-B1DD-53FBA33E9165}"/>
+              </a:ext>
+            </a:extLst>
+          </p:cNvPr>
+          <p:cNvSpPr/>
+          <p:nvPr/>
+        </p:nvSpPr>
+        <p:spPr>
+          <a:xfrm>
+            <a:off x="1526426" y="4387643"/>
+            <a:ext cx="614271" cy="369332"/>
+          </a:xfrm>
+          <a:prstGeom prst="rect">
+            <a:avLst/>
+          </a:prstGeom>
+        </p:spPr>
+        <p:txBody>
+          <a:bodyPr wrap="none">
+            <a:spAutoFit/>
+          </a:bodyPr>
+          <a:lstStyle/>
+          <a:p>
+            <a:r>
+              <a:rPr lang="en-US" dirty="0">
+                <a:solidFill>
+                  <a:srgbClr val="00B050"/>
+                </a:solidFill>
+              </a:rPr>
+              <a:t>time</a:t>
+            </a:r>
+          </a:p>
+        </p:txBody>
+      </p:sp>
+      <p:sp>
+        <p:nvSpPr>
+          <p:cNvPr id="15" name="Rectangle 14">
+            <a:extLst>
+              <a:ext uri="{FF2B5EF4-FFF2-40B4-BE49-F238E27FC236}">
+                <a16:creationId xmlns:a16="http://schemas.microsoft.com/office/drawing/2014/main" id="{ABAD15DE-691F-467B-926A-59FFA8961D25}"/>
+              </a:ext>
+            </a:extLst>
+          </p:cNvPr>
+          <p:cNvSpPr/>
+          <p:nvPr/>
+        </p:nvSpPr>
+        <p:spPr>
+          <a:xfrm>
+            <a:off x="7003303" y="4387643"/>
+            <a:ext cx="614271" cy="369332"/>
+          </a:xfrm>
+          <a:prstGeom prst="rect">
+            <a:avLst/>
+          </a:prstGeom>
+        </p:spPr>
+        <p:txBody>
+          <a:bodyPr wrap="none">
+            <a:spAutoFit/>
+          </a:bodyPr>
+          <a:lstStyle/>
+          <a:p>
+            <a:r>
+              <a:rPr lang="en-US" dirty="0">
+                <a:solidFill>
+                  <a:srgbClr val="00B050"/>
+                </a:solidFill>
+              </a:rPr>
+              <a:t>time</a:t>
+            </a:r>
+          </a:p>
+        </p:txBody>
+      </p:sp>
+      <p:sp>
+        <p:nvSpPr>
+          <p:cNvPr id="16" name="Rectangle 15">
+            <a:extLst>
+              <a:ext uri="{FF2B5EF4-FFF2-40B4-BE49-F238E27FC236}">
+                <a16:creationId xmlns:a16="http://schemas.microsoft.com/office/drawing/2014/main" id="{49DF1848-71E9-4462-B439-024F7EAFC94F}"/>
+              </a:ext>
+            </a:extLst>
+          </p:cNvPr>
+          <p:cNvSpPr/>
+          <p:nvPr/>
+        </p:nvSpPr>
+        <p:spPr>
+          <a:xfrm>
+            <a:off x="2570537" y="1657350"/>
+            <a:ext cx="3982663" cy="381000"/>
+          </a:xfrm>
+          <a:prstGeom prst="rect">
+            <a:avLst/>
+          </a:prstGeom>
+          <a:solidFill>
+            <a:schemeClr val="bg1"/>
+          </a:solidFill>
+          <a:ln w="25400"/>
+        </p:spPr>
+        <p:style>
+          <a:lnRef idx="1">
+            <a:schemeClr val="accent1"/>
+          </a:lnRef>
+          <a:fillRef idx="3">
+            <a:schemeClr val="accent1"/>
+          </a:fillRef>
+          <a:effectRef idx="2">
+            <a:schemeClr val="accent1"/>
+          </a:effectRef>
+          <a:fontRef idx="minor">
+            <a:schemeClr val="lt1"/>
+          </a:fontRef>
+        </p:style>
+        <p:txBody>
+          <a:bodyPr rtlCol="0" anchor="ctr"/>
+          <a:lstStyle/>
+          <a:p>
+            <a:pPr algn="ctr"/>
+            <a:r>
+              <a:rPr lang="en-US" dirty="0">
+                <a:solidFill>
+                  <a:srgbClr val="0070C0"/>
+                </a:solidFill>
+              </a:rPr>
+              <a:t>wide area data network</a:t>
+            </a:r>
+          </a:p>
+        </p:txBody>
+      </p:sp>
+      <p:cxnSp>
+        <p:nvCxnSpPr>
+          <p:cNvPr id="19" name="Straight Connector 18">
+            <a:extLst>
+              <a:ext uri="{FF2B5EF4-FFF2-40B4-BE49-F238E27FC236}">
+                <a16:creationId xmlns:a16="http://schemas.microsoft.com/office/drawing/2014/main" id="{0808B52E-BCB5-4124-A4B3-4627A3D0BFBB}"/>
+              </a:ext>
+            </a:extLst>
+          </p:cNvPr>
+          <p:cNvCxnSpPr>
+            <a:stCxn id="12" idx="3"/>
+            <a:endCxn id="16" idx="1"/>
+          </p:cNvCxnSpPr>
+          <p:nvPr/>
+        </p:nvCxnSpPr>
+        <p:spPr>
+          <a:xfrm>
+            <a:off x="2438399" y="1847850"/>
+            <a:ext cx="132138" cy="0"/>
+          </a:xfrm>
+          <a:prstGeom prst="line">
+            <a:avLst/>
+          </a:prstGeom>
+        </p:spPr>
+        <p:style>
+          <a:lnRef idx="2">
+            <a:schemeClr val="accent1"/>
+          </a:lnRef>
+          <a:fillRef idx="0">
+            <a:schemeClr val="accent1"/>
+          </a:fillRef>
+          <a:effectRef idx="1">
+            <a:schemeClr val="accent1"/>
+          </a:effectRef>
+          <a:fontRef idx="minor">
+            <a:schemeClr val="tx1"/>
+          </a:fontRef>
+        </p:style>
+      </p:cxnSp>
+      <p:cxnSp>
+        <p:nvCxnSpPr>
+          <p:cNvPr id="20" name="Straight Connector 19">
+            <a:extLst>
+              <a:ext uri="{FF2B5EF4-FFF2-40B4-BE49-F238E27FC236}">
+                <a16:creationId xmlns:a16="http://schemas.microsoft.com/office/drawing/2014/main" id="{19A2E45B-A197-479A-A401-45838E002E7D}"/>
+              </a:ext>
+            </a:extLst>
+          </p:cNvPr>
+          <p:cNvCxnSpPr>
+            <a:cxnSpLocks/>
+            <a:stCxn id="16" idx="3"/>
+            <a:endCxn id="13" idx="1"/>
+          </p:cNvCxnSpPr>
+          <p:nvPr/>
+        </p:nvCxnSpPr>
+        <p:spPr>
+          <a:xfrm>
+            <a:off x="6553200" y="1847850"/>
+            <a:ext cx="152400" cy="0"/>
+          </a:xfrm>
+          <a:prstGeom prst="line">
+            <a:avLst/>
+          </a:prstGeom>
+        </p:spPr>
+        <p:style>
+          <a:lnRef idx="2">
+            <a:schemeClr val="accent1"/>
+          </a:lnRef>
+          <a:fillRef idx="0">
+            <a:schemeClr val="accent1"/>
+          </a:fillRef>
+          <a:effectRef idx="1">
+            <a:schemeClr val="accent1"/>
+          </a:effectRef>
+          <a:fontRef idx="minor">
+            <a:schemeClr val="tx1"/>
+          </a:fontRef>
+        </p:style>
+      </p:cxnSp>
+      <p:cxnSp>
+        <p:nvCxnSpPr>
+          <p:cNvPr id="27" name="Straight Arrow Connector 26">
+            <a:extLst>
+              <a:ext uri="{FF2B5EF4-FFF2-40B4-BE49-F238E27FC236}">
+                <a16:creationId xmlns:a16="http://schemas.microsoft.com/office/drawing/2014/main" id="{2EF1F82A-802C-4E69-BE00-19884E96449E}"/>
+              </a:ext>
+            </a:extLst>
+          </p:cNvPr>
+          <p:cNvCxnSpPr/>
+          <p:nvPr/>
+        </p:nvCxnSpPr>
+        <p:spPr>
+          <a:xfrm>
+            <a:off x="1828800" y="2343150"/>
+            <a:ext cx="5481638" cy="838200"/>
+          </a:xfrm>
+          <a:prstGeom prst="straightConnector1">
+            <a:avLst/>
+          </a:prstGeom>
+          <a:ln>
+            <a:solidFill>
+              <a:schemeClr val="tx1"/>
+            </a:solidFill>
+            <a:prstDash val="sysDash"/>
+            <a:tailEnd type="triangle"/>
+          </a:ln>
+        </p:spPr>
+        <p:style>
+          <a:lnRef idx="2">
+            <a:schemeClr val="accent1"/>
+          </a:lnRef>
+          <a:fillRef idx="0">
+            <a:schemeClr val="accent1"/>
+          </a:fillRef>
+          <a:effectRef idx="1">
+            <a:schemeClr val="accent1"/>
+          </a:effectRef>
+          <a:fontRef idx="minor">
+            <a:schemeClr val="tx1"/>
+          </a:fontRef>
+        </p:style>
+      </p:cxnSp>
+      <p:sp>
+        <p:nvSpPr>
+          <p:cNvPr id="28" name="Rectangle 27">
+            <a:extLst>
+              <a:ext uri="{FF2B5EF4-FFF2-40B4-BE49-F238E27FC236}">
+                <a16:creationId xmlns:a16="http://schemas.microsoft.com/office/drawing/2014/main" id="{9B39FB44-A061-45AE-A272-47A5A78135D2}"/>
+              </a:ext>
+            </a:extLst>
+          </p:cNvPr>
+          <p:cNvSpPr/>
+          <p:nvPr/>
+        </p:nvSpPr>
+        <p:spPr>
+          <a:xfrm rot="547352">
+            <a:off x="3127790" y="2387084"/>
+            <a:ext cx="2888419" cy="369332"/>
+          </a:xfrm>
+          <a:prstGeom prst="rect">
+            <a:avLst/>
+          </a:prstGeom>
+        </p:spPr>
+        <p:txBody>
+          <a:bodyPr wrap="none">
+            <a:spAutoFit/>
+          </a:bodyPr>
+          <a:lstStyle/>
+          <a:p>
+            <a:r>
+              <a:rPr lang="en-US" dirty="0"/>
+              <a:t>send me an HTML document</a:t>
+            </a:r>
+          </a:p>
+        </p:txBody>
+      </p:sp>
+      <p:cxnSp>
+        <p:nvCxnSpPr>
+          <p:cNvPr id="29" name="Straight Arrow Connector 28">
+            <a:extLst>
+              <a:ext uri="{FF2B5EF4-FFF2-40B4-BE49-F238E27FC236}">
+                <a16:creationId xmlns:a16="http://schemas.microsoft.com/office/drawing/2014/main" id="{5BDF7B8E-5A34-4327-97FD-CF392BB330D0}"/>
+              </a:ext>
+            </a:extLst>
+          </p:cNvPr>
+          <p:cNvCxnSpPr>
+            <a:cxnSpLocks/>
+          </p:cNvCxnSpPr>
+          <p:nvPr/>
+        </p:nvCxnSpPr>
+        <p:spPr>
+          <a:xfrm flipH="1">
+            <a:off x="1828800" y="3392552"/>
+            <a:ext cx="5481637" cy="842691"/>
+          </a:xfrm>
+          <a:prstGeom prst="straightConnector1">
+            <a:avLst/>
+          </a:prstGeom>
+          <a:ln>
+            <a:solidFill>
+              <a:schemeClr val="tx1"/>
+            </a:solidFill>
+            <a:prstDash val="sysDash"/>
+            <a:tailEnd type="triangle"/>
+          </a:ln>
+        </p:spPr>
+        <p:style>
+          <a:lnRef idx="2">
+            <a:schemeClr val="accent1"/>
+          </a:lnRef>
+          <a:fillRef idx="0">
+            <a:schemeClr val="accent1"/>
+          </a:fillRef>
+          <a:effectRef idx="1">
+            <a:schemeClr val="accent1"/>
+          </a:effectRef>
+          <a:fontRef idx="minor">
+            <a:schemeClr val="tx1"/>
+          </a:fontRef>
+        </p:style>
+      </p:cxnSp>
+      <p:sp>
+        <p:nvSpPr>
+          <p:cNvPr id="34" name="Rectangle 33">
+            <a:extLst>
+              <a:ext uri="{FF2B5EF4-FFF2-40B4-BE49-F238E27FC236}">
+                <a16:creationId xmlns:a16="http://schemas.microsoft.com/office/drawing/2014/main" id="{5E1FF149-098C-4D46-801E-4F3E6B5DB91D}"/>
+              </a:ext>
+            </a:extLst>
+          </p:cNvPr>
+          <p:cNvSpPr/>
+          <p:nvPr/>
+        </p:nvSpPr>
+        <p:spPr>
+          <a:xfrm rot="21080840">
+            <a:off x="2955115" y="3421618"/>
+            <a:ext cx="3233770" cy="369332"/>
+          </a:xfrm>
+          <a:prstGeom prst="rect">
+            <a:avLst/>
+          </a:prstGeom>
+        </p:spPr>
+        <p:txBody>
+          <a:bodyPr wrap="none">
+            <a:spAutoFit/>
+          </a:bodyPr>
+          <a:lstStyle/>
+          <a:p>
+            <a:r>
+              <a:rPr lang="en-US" dirty="0"/>
+              <a:t>OK, here's your HTML document</a:t>
+            </a:r>
+          </a:p>
+        </p:txBody>
+      </p:sp>
+    </p:spTree>
+    <p:extLst>
+      <p:ext uri="{BB962C8B-B14F-4D97-AF65-F5344CB8AC3E}">
+        <p14:creationId xmlns:p14="http://schemas.microsoft.com/office/powerpoint/2010/main" val="3156738026"/>
+      </p:ext>
+    </p:extLst>
+  </p:cSld>
+  <p:clrMapOvr>
+    <a:masterClrMapping/>
+  </p:clrMapOvr>
+</p:sld>
+</file>
+
+<file path=ppt/slides/slide19.xml><?xml version="1.0" encoding="utf-8"?>
+<p:sld xmlns:a="http://schemas.openxmlformats.org/drawingml/2006/main" xmlns:r="http://schemas.openxmlformats.org/officeDocument/2006/relationships" xmlns:p="http://schemas.openxmlformats.org/presentationml/2006/main">
+  <p:cSld>
+    <p:spTree>
+      <p:nvGrpSpPr>
+        <p:cNvPr id="1" name=""/>
+        <p:cNvGrpSpPr/>
+        <p:nvPr/>
+      </p:nvGrpSpPr>
+      <p:grpSpPr>
+        <a:xfrm>
+          <a:off x="0" y="0"/>
+          <a:ext cx="0" cy="0"/>
+          <a:chOff x="0" y="0"/>
+          <a:chExt cx="0" cy="0"/>
+        </a:xfrm>
+      </p:grpSpPr>
+      <p:sp>
+        <p:nvSpPr>
+          <p:cNvPr id="3" name="Title 2">
+            <a:extLst>
+              <a:ext uri="{FF2B5EF4-FFF2-40B4-BE49-F238E27FC236}">
+                <a16:creationId xmlns:a16="http://schemas.microsoft.com/office/drawing/2014/main" id="{FB4C6C0D-CDA1-43E3-8CDA-F4D3F58AC9C7}"/>
+              </a:ext>
+            </a:extLst>
+          </p:cNvPr>
+          <p:cNvSpPr>
+            <a:spLocks noGrp="1"/>
+          </p:cNvSpPr>
+          <p:nvPr>
+            <p:ph type="title" idx="4294967295"/>
+          </p:nvPr>
+        </p:nvSpPr>
+        <p:spPr>
+          <a:xfrm>
+            <a:off x="628650" y="895350"/>
+            <a:ext cx="7886700" cy="495907"/>
+          </a:xfrm>
+          <a:prstGeom prst="rect">
+            <a:avLst/>
+          </a:prstGeom>
+        </p:spPr>
+        <p:txBody>
+          <a:bodyPr/>
+          <a:lstStyle/>
+          <a:p>
+            <a:r>
+              <a:rPr lang="en-US" sz="3200" dirty="0"/>
+              <a:t>Web Page Request (in HTTP)</a:t>
+            </a:r>
+          </a:p>
+        </p:txBody>
+      </p:sp>
+      <p:cxnSp>
+        <p:nvCxnSpPr>
+          <p:cNvPr id="8" name="Straight Arrow Connector 7">
+            <a:extLst>
+              <a:ext uri="{FF2B5EF4-FFF2-40B4-BE49-F238E27FC236}">
+                <a16:creationId xmlns:a16="http://schemas.microsoft.com/office/drawing/2014/main" id="{5758571A-85F8-4E97-A212-8258FBF32218}"/>
+              </a:ext>
+            </a:extLst>
+          </p:cNvPr>
+          <p:cNvCxnSpPr>
+            <a:cxnSpLocks/>
+          </p:cNvCxnSpPr>
+          <p:nvPr/>
+        </p:nvCxnSpPr>
+        <p:spPr>
+          <a:xfrm>
+            <a:off x="1828800" y="2190750"/>
+            <a:ext cx="0" cy="2209800"/>
+          </a:xfrm>
+          <a:prstGeom prst="straightConnector1">
+            <a:avLst/>
+          </a:prstGeom>
+          <a:ln>
+            <a:solidFill>
+              <a:srgbClr val="00B050"/>
+            </a:solidFill>
+            <a:tailEnd type="triangle"/>
+          </a:ln>
+        </p:spPr>
+        <p:style>
+          <a:lnRef idx="2">
+            <a:schemeClr val="accent1"/>
+          </a:lnRef>
+          <a:fillRef idx="0">
+            <a:schemeClr val="accent1"/>
+          </a:fillRef>
+          <a:effectRef idx="1">
+            <a:schemeClr val="accent1"/>
+          </a:effectRef>
+          <a:fontRef idx="minor">
+            <a:schemeClr val="tx1"/>
+          </a:fontRef>
+        </p:style>
+      </p:cxnSp>
+      <p:cxnSp>
+        <p:nvCxnSpPr>
+          <p:cNvPr id="9" name="Straight Arrow Connector 8">
+            <a:extLst>
+              <a:ext uri="{FF2B5EF4-FFF2-40B4-BE49-F238E27FC236}">
+                <a16:creationId xmlns:a16="http://schemas.microsoft.com/office/drawing/2014/main" id="{03B8D2C1-5193-46DD-BB1F-06EE585441C3}"/>
+              </a:ext>
+            </a:extLst>
+          </p:cNvPr>
+          <p:cNvCxnSpPr>
+            <a:cxnSpLocks/>
+          </p:cNvCxnSpPr>
+          <p:nvPr/>
+        </p:nvCxnSpPr>
+        <p:spPr>
+          <a:xfrm>
+            <a:off x="7315200" y="2190750"/>
+            <a:ext cx="0" cy="2209800"/>
+          </a:xfrm>
+          <a:prstGeom prst="straightConnector1">
+            <a:avLst/>
+          </a:prstGeom>
+          <a:ln>
+            <a:solidFill>
+              <a:srgbClr val="00B050"/>
+            </a:solidFill>
+            <a:tailEnd type="triangle"/>
+          </a:ln>
+        </p:spPr>
+        <p:style>
+          <a:lnRef idx="2">
+            <a:schemeClr val="accent1"/>
+          </a:lnRef>
+          <a:fillRef idx="0">
+            <a:schemeClr val="accent1"/>
+          </a:fillRef>
+          <a:effectRef idx="1">
+            <a:schemeClr val="accent1"/>
+          </a:effectRef>
+          <a:fontRef idx="minor">
+            <a:schemeClr val="tx1"/>
+          </a:fontRef>
+        </p:style>
+      </p:cxnSp>
+      <p:sp>
+        <p:nvSpPr>
+          <p:cNvPr id="12" name="Rectangle 11">
+            <a:extLst>
+              <a:ext uri="{FF2B5EF4-FFF2-40B4-BE49-F238E27FC236}">
+                <a16:creationId xmlns:a16="http://schemas.microsoft.com/office/drawing/2014/main" id="{1B43E939-CB77-4D45-A370-EFA909363444}"/>
+              </a:ext>
+            </a:extLst>
+          </p:cNvPr>
+          <p:cNvSpPr/>
+          <p:nvPr/>
+        </p:nvSpPr>
+        <p:spPr>
+          <a:xfrm>
+            <a:off x="1219200" y="1657350"/>
+            <a:ext cx="1219199" cy="381000"/>
+          </a:xfrm>
+          <a:prstGeom prst="rect">
+            <a:avLst/>
+          </a:prstGeom>
+          <a:solidFill>
+            <a:schemeClr val="bg1"/>
+          </a:solidFill>
+          <a:ln w="25400"/>
+        </p:spPr>
+        <p:style>
+          <a:lnRef idx="1">
+            <a:schemeClr val="accent1"/>
+          </a:lnRef>
+          <a:fillRef idx="3">
+            <a:schemeClr val="accent1"/>
+          </a:fillRef>
+          <a:effectRef idx="2">
+            <a:schemeClr val="accent1"/>
+          </a:effectRef>
+          <a:fontRef idx="minor">
+            <a:schemeClr val="lt1"/>
+          </a:fontRef>
+        </p:style>
+        <p:txBody>
+          <a:bodyPr rtlCol="0" anchor="ctr"/>
+          <a:lstStyle/>
+          <a:p>
+            <a:pPr algn="ctr"/>
+            <a:r>
+              <a:rPr lang="en-US" dirty="0">
+                <a:solidFill>
+                  <a:srgbClr val="0070C0"/>
+                </a:solidFill>
+              </a:rPr>
+              <a:t>client</a:t>
+            </a:r>
+          </a:p>
+        </p:txBody>
+      </p:sp>
+      <p:sp>
+        <p:nvSpPr>
+          <p:cNvPr id="13" name="Rectangle 12">
+            <a:extLst>
+              <a:ext uri="{FF2B5EF4-FFF2-40B4-BE49-F238E27FC236}">
+                <a16:creationId xmlns:a16="http://schemas.microsoft.com/office/drawing/2014/main" id="{FE4F9FA5-3B31-4B13-BFA7-1582352B87D4}"/>
+              </a:ext>
+            </a:extLst>
+          </p:cNvPr>
+          <p:cNvSpPr/>
+          <p:nvPr/>
+        </p:nvSpPr>
+        <p:spPr>
+          <a:xfrm>
+            <a:off x="6705600" y="1657350"/>
+            <a:ext cx="1219199" cy="381000"/>
+          </a:xfrm>
+          <a:prstGeom prst="rect">
+            <a:avLst/>
+          </a:prstGeom>
+          <a:solidFill>
+            <a:schemeClr val="bg1"/>
+          </a:solidFill>
+          <a:ln w="25400"/>
+        </p:spPr>
+        <p:style>
+          <a:lnRef idx="1">
+            <a:schemeClr val="accent1"/>
+          </a:lnRef>
+          <a:fillRef idx="3">
+            <a:schemeClr val="accent1"/>
+          </a:fillRef>
+          <a:effectRef idx="2">
+            <a:schemeClr val="accent1"/>
+          </a:effectRef>
+          <a:fontRef idx="minor">
+            <a:schemeClr val="lt1"/>
+          </a:fontRef>
+        </p:style>
+        <p:txBody>
+          <a:bodyPr rtlCol="0" anchor="ctr"/>
+          <a:lstStyle/>
+          <a:p>
+            <a:pPr algn="ctr"/>
+            <a:r>
+              <a:rPr lang="en-US" dirty="0">
+                <a:solidFill>
+                  <a:srgbClr val="0070C0"/>
+                </a:solidFill>
+              </a:rPr>
+              <a:t>server</a:t>
+            </a:r>
+          </a:p>
+        </p:txBody>
+      </p:sp>
+      <p:sp>
+        <p:nvSpPr>
+          <p:cNvPr id="14" name="Rectangle 13">
+            <a:extLst>
+              <a:ext uri="{FF2B5EF4-FFF2-40B4-BE49-F238E27FC236}">
+                <a16:creationId xmlns:a16="http://schemas.microsoft.com/office/drawing/2014/main" id="{EC4DFF13-19AF-4342-B1DD-53FBA33E9165}"/>
+              </a:ext>
+            </a:extLst>
+          </p:cNvPr>
+          <p:cNvSpPr/>
+          <p:nvPr/>
+        </p:nvSpPr>
+        <p:spPr>
+          <a:xfrm>
+            <a:off x="1526426" y="4387643"/>
+            <a:ext cx="614271" cy="369332"/>
+          </a:xfrm>
+          <a:prstGeom prst="rect">
+            <a:avLst/>
+          </a:prstGeom>
+        </p:spPr>
+        <p:txBody>
+          <a:bodyPr wrap="none">
+            <a:spAutoFit/>
+          </a:bodyPr>
+          <a:lstStyle/>
+          <a:p>
+            <a:r>
+              <a:rPr lang="en-US" dirty="0">
+                <a:solidFill>
+                  <a:srgbClr val="00B050"/>
+                </a:solidFill>
+              </a:rPr>
+              <a:t>time</a:t>
+            </a:r>
+          </a:p>
+        </p:txBody>
+      </p:sp>
+      <p:sp>
+        <p:nvSpPr>
+          <p:cNvPr id="15" name="Rectangle 14">
+            <a:extLst>
+              <a:ext uri="{FF2B5EF4-FFF2-40B4-BE49-F238E27FC236}">
+                <a16:creationId xmlns:a16="http://schemas.microsoft.com/office/drawing/2014/main" id="{ABAD15DE-691F-467B-926A-59FFA8961D25}"/>
+              </a:ext>
+            </a:extLst>
+          </p:cNvPr>
+          <p:cNvSpPr/>
+          <p:nvPr/>
+        </p:nvSpPr>
+        <p:spPr>
+          <a:xfrm>
+            <a:off x="7003303" y="4387643"/>
+            <a:ext cx="614271" cy="369332"/>
+          </a:xfrm>
+          <a:prstGeom prst="rect">
+            <a:avLst/>
+          </a:prstGeom>
+        </p:spPr>
+        <p:txBody>
+          <a:bodyPr wrap="none">
+            <a:spAutoFit/>
+          </a:bodyPr>
+          <a:lstStyle/>
+          <a:p>
+            <a:r>
+              <a:rPr lang="en-US" dirty="0">
+                <a:solidFill>
+                  <a:srgbClr val="00B050"/>
+                </a:solidFill>
+              </a:rPr>
+              <a:t>time</a:t>
+            </a:r>
+          </a:p>
+        </p:txBody>
+      </p:sp>
+      <p:sp>
+        <p:nvSpPr>
+          <p:cNvPr id="16" name="Rectangle 15">
+            <a:extLst>
+              <a:ext uri="{FF2B5EF4-FFF2-40B4-BE49-F238E27FC236}">
+                <a16:creationId xmlns:a16="http://schemas.microsoft.com/office/drawing/2014/main" id="{49DF1848-71E9-4462-B439-024F7EAFC94F}"/>
+              </a:ext>
+            </a:extLst>
+          </p:cNvPr>
+          <p:cNvSpPr/>
+          <p:nvPr/>
+        </p:nvSpPr>
+        <p:spPr>
+          <a:xfrm>
+            <a:off x="2570537" y="1657350"/>
+            <a:ext cx="3982663" cy="381000"/>
+          </a:xfrm>
+          <a:prstGeom prst="rect">
+            <a:avLst/>
+          </a:prstGeom>
+          <a:solidFill>
+            <a:schemeClr val="bg1"/>
+          </a:solidFill>
+          <a:ln w="25400"/>
+        </p:spPr>
+        <p:style>
+          <a:lnRef idx="1">
+            <a:schemeClr val="accent1"/>
+          </a:lnRef>
+          <a:fillRef idx="3">
+            <a:schemeClr val="accent1"/>
+          </a:fillRef>
+          <a:effectRef idx="2">
+            <a:schemeClr val="accent1"/>
+          </a:effectRef>
+          <a:fontRef idx="minor">
+            <a:schemeClr val="lt1"/>
+          </a:fontRef>
+        </p:style>
+        <p:txBody>
+          <a:bodyPr rtlCol="0" anchor="ctr"/>
+          <a:lstStyle/>
+          <a:p>
+            <a:pPr algn="ctr"/>
+            <a:r>
+              <a:rPr lang="en-US" dirty="0">
+                <a:solidFill>
+                  <a:srgbClr val="0070C0"/>
+                </a:solidFill>
+              </a:rPr>
+              <a:t>wide area data network</a:t>
+            </a:r>
+          </a:p>
+        </p:txBody>
+      </p:sp>
+      <p:cxnSp>
+        <p:nvCxnSpPr>
+          <p:cNvPr id="19" name="Straight Connector 18">
+            <a:extLst>
+              <a:ext uri="{FF2B5EF4-FFF2-40B4-BE49-F238E27FC236}">
+                <a16:creationId xmlns:a16="http://schemas.microsoft.com/office/drawing/2014/main" id="{0808B52E-BCB5-4124-A4B3-4627A3D0BFBB}"/>
+              </a:ext>
+            </a:extLst>
+          </p:cNvPr>
+          <p:cNvCxnSpPr>
+            <a:stCxn id="12" idx="3"/>
+            <a:endCxn id="16" idx="1"/>
+          </p:cNvCxnSpPr>
+          <p:nvPr/>
+        </p:nvCxnSpPr>
+        <p:spPr>
+          <a:xfrm>
+            <a:off x="2438399" y="1847850"/>
+            <a:ext cx="132138" cy="0"/>
+          </a:xfrm>
+          <a:prstGeom prst="line">
+            <a:avLst/>
+          </a:prstGeom>
+        </p:spPr>
+        <p:style>
+          <a:lnRef idx="2">
+            <a:schemeClr val="accent1"/>
+          </a:lnRef>
+          <a:fillRef idx="0">
+            <a:schemeClr val="accent1"/>
+          </a:fillRef>
+          <a:effectRef idx="1">
+            <a:schemeClr val="accent1"/>
+          </a:effectRef>
+          <a:fontRef idx="minor">
+            <a:schemeClr val="tx1"/>
+          </a:fontRef>
+        </p:style>
+      </p:cxnSp>
+      <p:cxnSp>
+        <p:nvCxnSpPr>
+          <p:cNvPr id="20" name="Straight Connector 19">
+            <a:extLst>
+              <a:ext uri="{FF2B5EF4-FFF2-40B4-BE49-F238E27FC236}">
+                <a16:creationId xmlns:a16="http://schemas.microsoft.com/office/drawing/2014/main" id="{19A2E45B-A197-479A-A401-45838E002E7D}"/>
+              </a:ext>
+            </a:extLst>
+          </p:cNvPr>
+          <p:cNvCxnSpPr>
+            <a:cxnSpLocks/>
+            <a:stCxn id="16" idx="3"/>
+            <a:endCxn id="13" idx="1"/>
+          </p:cNvCxnSpPr>
+          <p:nvPr/>
+        </p:nvCxnSpPr>
+        <p:spPr>
+          <a:xfrm>
+            <a:off x="6553200" y="1847850"/>
+            <a:ext cx="152400" cy="0"/>
+          </a:xfrm>
+          <a:prstGeom prst="line">
+            <a:avLst/>
+          </a:prstGeom>
+        </p:spPr>
+        <p:style>
+          <a:lnRef idx="2">
+            <a:schemeClr val="accent1"/>
+          </a:lnRef>
+          <a:fillRef idx="0">
+            <a:schemeClr val="accent1"/>
+          </a:fillRef>
+          <a:effectRef idx="1">
+            <a:schemeClr val="accent1"/>
+          </a:effectRef>
+          <a:fontRef idx="minor">
+            <a:schemeClr val="tx1"/>
+          </a:fontRef>
+        </p:style>
+      </p:cxnSp>
+      <p:cxnSp>
+        <p:nvCxnSpPr>
+          <p:cNvPr id="27" name="Straight Arrow Connector 26">
+            <a:extLst>
+              <a:ext uri="{FF2B5EF4-FFF2-40B4-BE49-F238E27FC236}">
+                <a16:creationId xmlns:a16="http://schemas.microsoft.com/office/drawing/2014/main" id="{2EF1F82A-802C-4E69-BE00-19884E96449E}"/>
+              </a:ext>
+            </a:extLst>
+          </p:cNvPr>
+          <p:cNvCxnSpPr/>
+          <p:nvPr/>
+        </p:nvCxnSpPr>
+        <p:spPr>
+          <a:xfrm>
+            <a:off x="1828800" y="2343150"/>
+            <a:ext cx="5481638" cy="838200"/>
+          </a:xfrm>
+          <a:prstGeom prst="straightConnector1">
+            <a:avLst/>
+          </a:prstGeom>
+          <a:ln>
+            <a:solidFill>
+              <a:schemeClr val="tx1"/>
+            </a:solidFill>
+            <a:prstDash val="sysDash"/>
+            <a:tailEnd type="triangle"/>
+          </a:ln>
+        </p:spPr>
+        <p:style>
+          <a:lnRef idx="2">
+            <a:schemeClr val="accent1"/>
+          </a:lnRef>
+          <a:fillRef idx="0">
+            <a:schemeClr val="accent1"/>
+          </a:fillRef>
+          <a:effectRef idx="1">
+            <a:schemeClr val="accent1"/>
+          </a:effectRef>
+          <a:fontRef idx="minor">
+            <a:schemeClr val="tx1"/>
+          </a:fontRef>
+        </p:style>
+      </p:cxnSp>
+      <p:sp>
+        <p:nvSpPr>
+          <p:cNvPr id="28" name="Rectangle 27">
+            <a:extLst>
+              <a:ext uri="{FF2B5EF4-FFF2-40B4-BE49-F238E27FC236}">
+                <a16:creationId xmlns:a16="http://schemas.microsoft.com/office/drawing/2014/main" id="{9B39FB44-A061-45AE-A272-47A5A78135D2}"/>
+              </a:ext>
+            </a:extLst>
+          </p:cNvPr>
+          <p:cNvSpPr/>
+          <p:nvPr/>
+        </p:nvSpPr>
+        <p:spPr>
+          <a:xfrm rot="547352">
+            <a:off x="2744226" y="2387084"/>
+            <a:ext cx="3655553" cy="369332"/>
+          </a:xfrm>
+          <a:prstGeom prst="rect">
+            <a:avLst/>
+          </a:prstGeom>
+        </p:spPr>
+        <p:txBody>
+          <a:bodyPr wrap="none">
+            <a:spAutoFit/>
+          </a:bodyPr>
+          <a:lstStyle/>
+          <a:p>
+            <a:r>
+              <a:rPr lang="en-US" dirty="0"/>
+              <a:t>REQUEST: HTTP GET /document.html</a:t>
+            </a:r>
+          </a:p>
+        </p:txBody>
+      </p:sp>
+      <p:cxnSp>
+        <p:nvCxnSpPr>
+          <p:cNvPr id="29" name="Straight Arrow Connector 28">
+            <a:extLst>
+              <a:ext uri="{FF2B5EF4-FFF2-40B4-BE49-F238E27FC236}">
+                <a16:creationId xmlns:a16="http://schemas.microsoft.com/office/drawing/2014/main" id="{5BDF7B8E-5A34-4327-97FD-CF392BB330D0}"/>
+              </a:ext>
+            </a:extLst>
+          </p:cNvPr>
+          <p:cNvCxnSpPr>
+            <a:cxnSpLocks/>
+          </p:cNvCxnSpPr>
+          <p:nvPr/>
+        </p:nvCxnSpPr>
+        <p:spPr>
+          <a:xfrm flipH="1">
+            <a:off x="1828800" y="3392552"/>
+            <a:ext cx="5481637" cy="842691"/>
+          </a:xfrm>
+          <a:prstGeom prst="straightConnector1">
+            <a:avLst/>
+          </a:prstGeom>
+          <a:ln>
+            <a:solidFill>
+              <a:schemeClr val="tx1"/>
+            </a:solidFill>
+            <a:prstDash val="sysDash"/>
+            <a:tailEnd type="triangle"/>
+          </a:ln>
+        </p:spPr>
+        <p:style>
+          <a:lnRef idx="2">
+            <a:schemeClr val="accent1"/>
+          </a:lnRef>
+          <a:fillRef idx="0">
+            <a:schemeClr val="accent1"/>
+          </a:fillRef>
+          <a:effectRef idx="1">
+            <a:schemeClr val="accent1"/>
+          </a:effectRef>
+          <a:fontRef idx="minor">
+            <a:schemeClr val="tx1"/>
+          </a:fontRef>
+        </p:style>
+      </p:cxnSp>
+      <p:sp>
+        <p:nvSpPr>
+          <p:cNvPr id="34" name="Rectangle 33">
+            <a:extLst>
+              <a:ext uri="{FF2B5EF4-FFF2-40B4-BE49-F238E27FC236}">
+                <a16:creationId xmlns:a16="http://schemas.microsoft.com/office/drawing/2014/main" id="{5E1FF149-098C-4D46-801E-4F3E6B5DB91D}"/>
+              </a:ext>
+            </a:extLst>
+          </p:cNvPr>
+          <p:cNvSpPr/>
+          <p:nvPr/>
+        </p:nvSpPr>
+        <p:spPr>
+          <a:xfrm rot="21080840">
+            <a:off x="2200266" y="3421618"/>
+            <a:ext cx="4743478" cy="369332"/>
+          </a:xfrm>
+          <a:prstGeom prst="rect">
+            <a:avLst/>
+          </a:prstGeom>
+        </p:spPr>
+        <p:txBody>
+          <a:bodyPr wrap="none">
+            <a:spAutoFit/>
+          </a:bodyPr>
+          <a:lstStyle/>
+          <a:p>
+            <a:r>
+              <a:rPr lang="en-US" dirty="0"/>
+              <a:t>RESPONSE: HTTP 200, &lt;html&gt;blah, blah&lt;/html&gt;</a:t>
+            </a:r>
+            <a:r>
+              <a:rPr lang="en-US" baseline="30000" dirty="0"/>
+              <a:t>‡</a:t>
+            </a:r>
+          </a:p>
+        </p:txBody>
+      </p:sp>
+      <p:sp>
+        <p:nvSpPr>
+          <p:cNvPr id="2" name="Rectangle 1">
+            <a:extLst>
+              <a:ext uri="{FF2B5EF4-FFF2-40B4-BE49-F238E27FC236}">
+                <a16:creationId xmlns:a16="http://schemas.microsoft.com/office/drawing/2014/main" id="{AEE27B7D-FC37-4EEB-B6F5-1F01455635F9}"/>
+              </a:ext>
+            </a:extLst>
+          </p:cNvPr>
+          <p:cNvSpPr/>
+          <p:nvPr/>
+        </p:nvSpPr>
+        <p:spPr>
+          <a:xfrm>
+            <a:off x="2119059" y="4471626"/>
+            <a:ext cx="4908056" cy="646331"/>
+          </a:xfrm>
+          <a:prstGeom prst="rect">
+            <a:avLst/>
+          </a:prstGeom>
+        </p:spPr>
+        <p:txBody>
+          <a:bodyPr wrap="square">
+            <a:spAutoFit/>
+          </a:bodyPr>
+          <a:lstStyle/>
+          <a:p>
+            <a:r>
+              <a:rPr lang="en-US" dirty="0"/>
+              <a:t>‡The HTML document in the response payload represents both the </a:t>
+            </a:r>
+            <a:r>
+              <a:rPr lang="en-US" i="1" dirty="0"/>
+              <a:t>content</a:t>
+            </a:r>
+            <a:r>
+              <a:rPr lang="en-US" dirty="0"/>
+              <a:t> and the </a:t>
+            </a:r>
+            <a:r>
+              <a:rPr lang="en-US" i="1" dirty="0"/>
+              <a:t>presentation</a:t>
+            </a:r>
+            <a:r>
+              <a:rPr lang="en-US" dirty="0"/>
+              <a:t>.</a:t>
+            </a:r>
+          </a:p>
+        </p:txBody>
+      </p:sp>
+    </p:spTree>
+    <p:extLst>
+      <p:ext uri="{BB962C8B-B14F-4D97-AF65-F5344CB8AC3E}">
+        <p14:creationId xmlns:p14="http://schemas.microsoft.com/office/powerpoint/2010/main" val="1440441277"/>
       </p:ext>
     </p:extLst>
   </p:cSld>
@@ -1703,6 +4679,2585 @@
     <p:extLst>
       <p:ext uri="{BB962C8B-B14F-4D97-AF65-F5344CB8AC3E}">
         <p14:creationId xmlns:p14="http://schemas.microsoft.com/office/powerpoint/2010/main" val="3333397830"/>
+      </p:ext>
+    </p:extLst>
+  </p:cSld>
+  <p:clrMapOvr>
+    <a:masterClrMapping/>
+  </p:clrMapOvr>
+</p:sld>
+</file>
+
+<file path=ppt/slides/slide20.xml><?xml version="1.0" encoding="utf-8"?>
+<p:sld xmlns:a="http://schemas.openxmlformats.org/drawingml/2006/main" xmlns:r="http://schemas.openxmlformats.org/officeDocument/2006/relationships" xmlns:p="http://schemas.openxmlformats.org/presentationml/2006/main">
+  <p:cSld>
+    <p:spTree>
+      <p:nvGrpSpPr>
+        <p:cNvPr id="1" name=""/>
+        <p:cNvGrpSpPr/>
+        <p:nvPr/>
+      </p:nvGrpSpPr>
+      <p:grpSpPr>
+        <a:xfrm>
+          <a:off x="0" y="0"/>
+          <a:ext cx="0" cy="0"/>
+          <a:chOff x="0" y="0"/>
+          <a:chExt cx="0" cy="0"/>
+        </a:xfrm>
+      </p:grpSpPr>
+      <p:sp>
+        <p:nvSpPr>
+          <p:cNvPr id="3" name="Title 2">
+            <a:extLst>
+              <a:ext uri="{FF2B5EF4-FFF2-40B4-BE49-F238E27FC236}">
+                <a16:creationId xmlns:a16="http://schemas.microsoft.com/office/drawing/2014/main" id="{FB4C6C0D-CDA1-43E3-8CDA-F4D3F58AC9C7}"/>
+              </a:ext>
+            </a:extLst>
+          </p:cNvPr>
+          <p:cNvSpPr>
+            <a:spLocks noGrp="1"/>
+          </p:cNvSpPr>
+          <p:nvPr>
+            <p:ph type="title" idx="4294967295"/>
+          </p:nvPr>
+        </p:nvSpPr>
+        <p:spPr>
+          <a:xfrm>
+            <a:off x="628650" y="895350"/>
+            <a:ext cx="7886700" cy="495907"/>
+          </a:xfrm>
+          <a:prstGeom prst="rect">
+            <a:avLst/>
+          </a:prstGeom>
+        </p:spPr>
+        <p:txBody>
+          <a:bodyPr/>
+          <a:lstStyle/>
+          <a:p>
+            <a:r>
+              <a:rPr lang="en-US" sz="3200" dirty="0"/>
+              <a:t>Web Service Request (in English)</a:t>
+            </a:r>
+          </a:p>
+        </p:txBody>
+      </p:sp>
+      <p:cxnSp>
+        <p:nvCxnSpPr>
+          <p:cNvPr id="8" name="Straight Arrow Connector 7">
+            <a:extLst>
+              <a:ext uri="{FF2B5EF4-FFF2-40B4-BE49-F238E27FC236}">
+                <a16:creationId xmlns:a16="http://schemas.microsoft.com/office/drawing/2014/main" id="{5758571A-85F8-4E97-A212-8258FBF32218}"/>
+              </a:ext>
+            </a:extLst>
+          </p:cNvPr>
+          <p:cNvCxnSpPr>
+            <a:cxnSpLocks/>
+          </p:cNvCxnSpPr>
+          <p:nvPr/>
+        </p:nvCxnSpPr>
+        <p:spPr>
+          <a:xfrm>
+            <a:off x="1828800" y="2190750"/>
+            <a:ext cx="0" cy="2209800"/>
+          </a:xfrm>
+          <a:prstGeom prst="straightConnector1">
+            <a:avLst/>
+          </a:prstGeom>
+          <a:ln>
+            <a:solidFill>
+              <a:srgbClr val="00B050"/>
+            </a:solidFill>
+            <a:tailEnd type="triangle"/>
+          </a:ln>
+        </p:spPr>
+        <p:style>
+          <a:lnRef idx="2">
+            <a:schemeClr val="accent1"/>
+          </a:lnRef>
+          <a:fillRef idx="0">
+            <a:schemeClr val="accent1"/>
+          </a:fillRef>
+          <a:effectRef idx="1">
+            <a:schemeClr val="accent1"/>
+          </a:effectRef>
+          <a:fontRef idx="minor">
+            <a:schemeClr val="tx1"/>
+          </a:fontRef>
+        </p:style>
+      </p:cxnSp>
+      <p:cxnSp>
+        <p:nvCxnSpPr>
+          <p:cNvPr id="9" name="Straight Arrow Connector 8">
+            <a:extLst>
+              <a:ext uri="{FF2B5EF4-FFF2-40B4-BE49-F238E27FC236}">
+                <a16:creationId xmlns:a16="http://schemas.microsoft.com/office/drawing/2014/main" id="{03B8D2C1-5193-46DD-BB1F-06EE585441C3}"/>
+              </a:ext>
+            </a:extLst>
+          </p:cNvPr>
+          <p:cNvCxnSpPr>
+            <a:cxnSpLocks/>
+          </p:cNvCxnSpPr>
+          <p:nvPr/>
+        </p:nvCxnSpPr>
+        <p:spPr>
+          <a:xfrm>
+            <a:off x="7315200" y="2190750"/>
+            <a:ext cx="0" cy="2209800"/>
+          </a:xfrm>
+          <a:prstGeom prst="straightConnector1">
+            <a:avLst/>
+          </a:prstGeom>
+          <a:ln>
+            <a:solidFill>
+              <a:srgbClr val="00B050"/>
+            </a:solidFill>
+            <a:tailEnd type="triangle"/>
+          </a:ln>
+        </p:spPr>
+        <p:style>
+          <a:lnRef idx="2">
+            <a:schemeClr val="accent1"/>
+          </a:lnRef>
+          <a:fillRef idx="0">
+            <a:schemeClr val="accent1"/>
+          </a:fillRef>
+          <a:effectRef idx="1">
+            <a:schemeClr val="accent1"/>
+          </a:effectRef>
+          <a:fontRef idx="minor">
+            <a:schemeClr val="tx1"/>
+          </a:fontRef>
+        </p:style>
+      </p:cxnSp>
+      <p:sp>
+        <p:nvSpPr>
+          <p:cNvPr id="12" name="Rectangle 11">
+            <a:extLst>
+              <a:ext uri="{FF2B5EF4-FFF2-40B4-BE49-F238E27FC236}">
+                <a16:creationId xmlns:a16="http://schemas.microsoft.com/office/drawing/2014/main" id="{1B43E939-CB77-4D45-A370-EFA909363444}"/>
+              </a:ext>
+            </a:extLst>
+          </p:cNvPr>
+          <p:cNvSpPr/>
+          <p:nvPr/>
+        </p:nvSpPr>
+        <p:spPr>
+          <a:xfrm>
+            <a:off x="1219200" y="1657350"/>
+            <a:ext cx="1219199" cy="381000"/>
+          </a:xfrm>
+          <a:prstGeom prst="rect">
+            <a:avLst/>
+          </a:prstGeom>
+          <a:solidFill>
+            <a:schemeClr val="bg1"/>
+          </a:solidFill>
+          <a:ln w="25400"/>
+        </p:spPr>
+        <p:style>
+          <a:lnRef idx="1">
+            <a:schemeClr val="accent1"/>
+          </a:lnRef>
+          <a:fillRef idx="3">
+            <a:schemeClr val="accent1"/>
+          </a:fillRef>
+          <a:effectRef idx="2">
+            <a:schemeClr val="accent1"/>
+          </a:effectRef>
+          <a:fontRef idx="minor">
+            <a:schemeClr val="lt1"/>
+          </a:fontRef>
+        </p:style>
+        <p:txBody>
+          <a:bodyPr rtlCol="0" anchor="ctr"/>
+          <a:lstStyle/>
+          <a:p>
+            <a:pPr algn="ctr"/>
+            <a:r>
+              <a:rPr lang="en-US" dirty="0">
+                <a:solidFill>
+                  <a:srgbClr val="0070C0"/>
+                </a:solidFill>
+              </a:rPr>
+              <a:t>client</a:t>
+            </a:r>
+          </a:p>
+        </p:txBody>
+      </p:sp>
+      <p:sp>
+        <p:nvSpPr>
+          <p:cNvPr id="13" name="Rectangle 12">
+            <a:extLst>
+              <a:ext uri="{FF2B5EF4-FFF2-40B4-BE49-F238E27FC236}">
+                <a16:creationId xmlns:a16="http://schemas.microsoft.com/office/drawing/2014/main" id="{FE4F9FA5-3B31-4B13-BFA7-1582352B87D4}"/>
+              </a:ext>
+            </a:extLst>
+          </p:cNvPr>
+          <p:cNvSpPr/>
+          <p:nvPr/>
+        </p:nvSpPr>
+        <p:spPr>
+          <a:xfrm>
+            <a:off x="6705600" y="1657350"/>
+            <a:ext cx="1219199" cy="381000"/>
+          </a:xfrm>
+          <a:prstGeom prst="rect">
+            <a:avLst/>
+          </a:prstGeom>
+          <a:solidFill>
+            <a:schemeClr val="bg1"/>
+          </a:solidFill>
+          <a:ln w="25400"/>
+        </p:spPr>
+        <p:style>
+          <a:lnRef idx="1">
+            <a:schemeClr val="accent1"/>
+          </a:lnRef>
+          <a:fillRef idx="3">
+            <a:schemeClr val="accent1"/>
+          </a:fillRef>
+          <a:effectRef idx="2">
+            <a:schemeClr val="accent1"/>
+          </a:effectRef>
+          <a:fontRef idx="minor">
+            <a:schemeClr val="lt1"/>
+          </a:fontRef>
+        </p:style>
+        <p:txBody>
+          <a:bodyPr rtlCol="0" anchor="ctr"/>
+          <a:lstStyle/>
+          <a:p>
+            <a:pPr algn="ctr"/>
+            <a:r>
+              <a:rPr lang="en-US" dirty="0">
+                <a:solidFill>
+                  <a:srgbClr val="0070C0"/>
+                </a:solidFill>
+              </a:rPr>
+              <a:t>server</a:t>
+            </a:r>
+          </a:p>
+        </p:txBody>
+      </p:sp>
+      <p:sp>
+        <p:nvSpPr>
+          <p:cNvPr id="14" name="Rectangle 13">
+            <a:extLst>
+              <a:ext uri="{FF2B5EF4-FFF2-40B4-BE49-F238E27FC236}">
+                <a16:creationId xmlns:a16="http://schemas.microsoft.com/office/drawing/2014/main" id="{EC4DFF13-19AF-4342-B1DD-53FBA33E9165}"/>
+              </a:ext>
+            </a:extLst>
+          </p:cNvPr>
+          <p:cNvSpPr/>
+          <p:nvPr/>
+        </p:nvSpPr>
+        <p:spPr>
+          <a:xfrm>
+            <a:off x="1526426" y="4387643"/>
+            <a:ext cx="614271" cy="369332"/>
+          </a:xfrm>
+          <a:prstGeom prst="rect">
+            <a:avLst/>
+          </a:prstGeom>
+        </p:spPr>
+        <p:txBody>
+          <a:bodyPr wrap="none">
+            <a:spAutoFit/>
+          </a:bodyPr>
+          <a:lstStyle/>
+          <a:p>
+            <a:r>
+              <a:rPr lang="en-US" dirty="0">
+                <a:solidFill>
+                  <a:srgbClr val="00B050"/>
+                </a:solidFill>
+              </a:rPr>
+              <a:t>time</a:t>
+            </a:r>
+          </a:p>
+        </p:txBody>
+      </p:sp>
+      <p:sp>
+        <p:nvSpPr>
+          <p:cNvPr id="15" name="Rectangle 14">
+            <a:extLst>
+              <a:ext uri="{FF2B5EF4-FFF2-40B4-BE49-F238E27FC236}">
+                <a16:creationId xmlns:a16="http://schemas.microsoft.com/office/drawing/2014/main" id="{ABAD15DE-691F-467B-926A-59FFA8961D25}"/>
+              </a:ext>
+            </a:extLst>
+          </p:cNvPr>
+          <p:cNvSpPr/>
+          <p:nvPr/>
+        </p:nvSpPr>
+        <p:spPr>
+          <a:xfrm>
+            <a:off x="7003303" y="4387643"/>
+            <a:ext cx="614271" cy="369332"/>
+          </a:xfrm>
+          <a:prstGeom prst="rect">
+            <a:avLst/>
+          </a:prstGeom>
+        </p:spPr>
+        <p:txBody>
+          <a:bodyPr wrap="none">
+            <a:spAutoFit/>
+          </a:bodyPr>
+          <a:lstStyle/>
+          <a:p>
+            <a:r>
+              <a:rPr lang="en-US" dirty="0">
+                <a:solidFill>
+                  <a:srgbClr val="00B050"/>
+                </a:solidFill>
+              </a:rPr>
+              <a:t>time</a:t>
+            </a:r>
+          </a:p>
+        </p:txBody>
+      </p:sp>
+      <p:sp>
+        <p:nvSpPr>
+          <p:cNvPr id="16" name="Rectangle 15">
+            <a:extLst>
+              <a:ext uri="{FF2B5EF4-FFF2-40B4-BE49-F238E27FC236}">
+                <a16:creationId xmlns:a16="http://schemas.microsoft.com/office/drawing/2014/main" id="{49DF1848-71E9-4462-B439-024F7EAFC94F}"/>
+              </a:ext>
+            </a:extLst>
+          </p:cNvPr>
+          <p:cNvSpPr/>
+          <p:nvPr/>
+        </p:nvSpPr>
+        <p:spPr>
+          <a:xfrm>
+            <a:off x="2570537" y="1657350"/>
+            <a:ext cx="3982663" cy="381000"/>
+          </a:xfrm>
+          <a:prstGeom prst="rect">
+            <a:avLst/>
+          </a:prstGeom>
+          <a:solidFill>
+            <a:schemeClr val="bg1"/>
+          </a:solidFill>
+          <a:ln w="25400"/>
+        </p:spPr>
+        <p:style>
+          <a:lnRef idx="1">
+            <a:schemeClr val="accent1"/>
+          </a:lnRef>
+          <a:fillRef idx="3">
+            <a:schemeClr val="accent1"/>
+          </a:fillRef>
+          <a:effectRef idx="2">
+            <a:schemeClr val="accent1"/>
+          </a:effectRef>
+          <a:fontRef idx="minor">
+            <a:schemeClr val="lt1"/>
+          </a:fontRef>
+        </p:style>
+        <p:txBody>
+          <a:bodyPr rtlCol="0" anchor="ctr"/>
+          <a:lstStyle/>
+          <a:p>
+            <a:pPr algn="ctr"/>
+            <a:r>
+              <a:rPr lang="en-US" dirty="0">
+                <a:solidFill>
+                  <a:srgbClr val="0070C0"/>
+                </a:solidFill>
+              </a:rPr>
+              <a:t>wide area data network</a:t>
+            </a:r>
+          </a:p>
+        </p:txBody>
+      </p:sp>
+      <p:cxnSp>
+        <p:nvCxnSpPr>
+          <p:cNvPr id="19" name="Straight Connector 18">
+            <a:extLst>
+              <a:ext uri="{FF2B5EF4-FFF2-40B4-BE49-F238E27FC236}">
+                <a16:creationId xmlns:a16="http://schemas.microsoft.com/office/drawing/2014/main" id="{0808B52E-BCB5-4124-A4B3-4627A3D0BFBB}"/>
+              </a:ext>
+            </a:extLst>
+          </p:cNvPr>
+          <p:cNvCxnSpPr>
+            <a:stCxn id="12" idx="3"/>
+            <a:endCxn id="16" idx="1"/>
+          </p:cNvCxnSpPr>
+          <p:nvPr/>
+        </p:nvCxnSpPr>
+        <p:spPr>
+          <a:xfrm>
+            <a:off x="2438399" y="1847850"/>
+            <a:ext cx="132138" cy="0"/>
+          </a:xfrm>
+          <a:prstGeom prst="line">
+            <a:avLst/>
+          </a:prstGeom>
+        </p:spPr>
+        <p:style>
+          <a:lnRef idx="2">
+            <a:schemeClr val="accent1"/>
+          </a:lnRef>
+          <a:fillRef idx="0">
+            <a:schemeClr val="accent1"/>
+          </a:fillRef>
+          <a:effectRef idx="1">
+            <a:schemeClr val="accent1"/>
+          </a:effectRef>
+          <a:fontRef idx="minor">
+            <a:schemeClr val="tx1"/>
+          </a:fontRef>
+        </p:style>
+      </p:cxnSp>
+      <p:cxnSp>
+        <p:nvCxnSpPr>
+          <p:cNvPr id="20" name="Straight Connector 19">
+            <a:extLst>
+              <a:ext uri="{FF2B5EF4-FFF2-40B4-BE49-F238E27FC236}">
+                <a16:creationId xmlns:a16="http://schemas.microsoft.com/office/drawing/2014/main" id="{19A2E45B-A197-479A-A401-45838E002E7D}"/>
+              </a:ext>
+            </a:extLst>
+          </p:cNvPr>
+          <p:cNvCxnSpPr>
+            <a:cxnSpLocks/>
+            <a:stCxn id="16" idx="3"/>
+            <a:endCxn id="13" idx="1"/>
+          </p:cNvCxnSpPr>
+          <p:nvPr/>
+        </p:nvCxnSpPr>
+        <p:spPr>
+          <a:xfrm>
+            <a:off x="6553200" y="1847850"/>
+            <a:ext cx="152400" cy="0"/>
+          </a:xfrm>
+          <a:prstGeom prst="line">
+            <a:avLst/>
+          </a:prstGeom>
+        </p:spPr>
+        <p:style>
+          <a:lnRef idx="2">
+            <a:schemeClr val="accent1"/>
+          </a:lnRef>
+          <a:fillRef idx="0">
+            <a:schemeClr val="accent1"/>
+          </a:fillRef>
+          <a:effectRef idx="1">
+            <a:schemeClr val="accent1"/>
+          </a:effectRef>
+          <a:fontRef idx="minor">
+            <a:schemeClr val="tx1"/>
+          </a:fontRef>
+        </p:style>
+      </p:cxnSp>
+      <p:cxnSp>
+        <p:nvCxnSpPr>
+          <p:cNvPr id="27" name="Straight Arrow Connector 26">
+            <a:extLst>
+              <a:ext uri="{FF2B5EF4-FFF2-40B4-BE49-F238E27FC236}">
+                <a16:creationId xmlns:a16="http://schemas.microsoft.com/office/drawing/2014/main" id="{2EF1F82A-802C-4E69-BE00-19884E96449E}"/>
+              </a:ext>
+            </a:extLst>
+          </p:cNvPr>
+          <p:cNvCxnSpPr/>
+          <p:nvPr/>
+        </p:nvCxnSpPr>
+        <p:spPr>
+          <a:xfrm>
+            <a:off x="1828800" y="2343150"/>
+            <a:ext cx="5481638" cy="838200"/>
+          </a:xfrm>
+          <a:prstGeom prst="straightConnector1">
+            <a:avLst/>
+          </a:prstGeom>
+          <a:ln>
+            <a:solidFill>
+              <a:schemeClr val="tx1"/>
+            </a:solidFill>
+            <a:prstDash val="sysDash"/>
+            <a:tailEnd type="triangle"/>
+          </a:ln>
+        </p:spPr>
+        <p:style>
+          <a:lnRef idx="2">
+            <a:schemeClr val="accent1"/>
+          </a:lnRef>
+          <a:fillRef idx="0">
+            <a:schemeClr val="accent1"/>
+          </a:fillRef>
+          <a:effectRef idx="1">
+            <a:schemeClr val="accent1"/>
+          </a:effectRef>
+          <a:fontRef idx="minor">
+            <a:schemeClr val="tx1"/>
+          </a:fontRef>
+        </p:style>
+      </p:cxnSp>
+      <p:sp>
+        <p:nvSpPr>
+          <p:cNvPr id="28" name="Rectangle 27">
+            <a:extLst>
+              <a:ext uri="{FF2B5EF4-FFF2-40B4-BE49-F238E27FC236}">
+                <a16:creationId xmlns:a16="http://schemas.microsoft.com/office/drawing/2014/main" id="{9B39FB44-A061-45AE-A272-47A5A78135D2}"/>
+              </a:ext>
+            </a:extLst>
+          </p:cNvPr>
+          <p:cNvSpPr/>
+          <p:nvPr/>
+        </p:nvSpPr>
+        <p:spPr>
+          <a:xfrm rot="547352">
+            <a:off x="2638816" y="2387084"/>
+            <a:ext cx="3866379" cy="369332"/>
+          </a:xfrm>
+          <a:prstGeom prst="rect">
+            <a:avLst/>
+          </a:prstGeom>
+        </p:spPr>
+        <p:txBody>
+          <a:bodyPr wrap="none">
+            <a:spAutoFit/>
+          </a:bodyPr>
+          <a:lstStyle/>
+          <a:p>
+            <a:r>
+              <a:rPr lang="en-US" dirty="0"/>
+              <a:t>send me the information for a resource</a:t>
+            </a:r>
+          </a:p>
+        </p:txBody>
+      </p:sp>
+      <p:cxnSp>
+        <p:nvCxnSpPr>
+          <p:cNvPr id="29" name="Straight Arrow Connector 28">
+            <a:extLst>
+              <a:ext uri="{FF2B5EF4-FFF2-40B4-BE49-F238E27FC236}">
+                <a16:creationId xmlns:a16="http://schemas.microsoft.com/office/drawing/2014/main" id="{5BDF7B8E-5A34-4327-97FD-CF392BB330D0}"/>
+              </a:ext>
+            </a:extLst>
+          </p:cNvPr>
+          <p:cNvCxnSpPr>
+            <a:cxnSpLocks/>
+          </p:cNvCxnSpPr>
+          <p:nvPr/>
+        </p:nvCxnSpPr>
+        <p:spPr>
+          <a:xfrm flipH="1">
+            <a:off x="1828800" y="3392552"/>
+            <a:ext cx="5481637" cy="842691"/>
+          </a:xfrm>
+          <a:prstGeom prst="straightConnector1">
+            <a:avLst/>
+          </a:prstGeom>
+          <a:ln>
+            <a:solidFill>
+              <a:schemeClr val="tx1"/>
+            </a:solidFill>
+            <a:prstDash val="sysDash"/>
+            <a:tailEnd type="triangle"/>
+          </a:ln>
+        </p:spPr>
+        <p:style>
+          <a:lnRef idx="2">
+            <a:schemeClr val="accent1"/>
+          </a:lnRef>
+          <a:fillRef idx="0">
+            <a:schemeClr val="accent1"/>
+          </a:fillRef>
+          <a:effectRef idx="1">
+            <a:schemeClr val="accent1"/>
+          </a:effectRef>
+          <a:fontRef idx="minor">
+            <a:schemeClr val="tx1"/>
+          </a:fontRef>
+        </p:style>
+      </p:cxnSp>
+      <p:sp>
+        <p:nvSpPr>
+          <p:cNvPr id="34" name="Rectangle 33">
+            <a:extLst>
+              <a:ext uri="{FF2B5EF4-FFF2-40B4-BE49-F238E27FC236}">
+                <a16:creationId xmlns:a16="http://schemas.microsoft.com/office/drawing/2014/main" id="{5E1FF149-098C-4D46-801E-4F3E6B5DB91D}"/>
+              </a:ext>
+            </a:extLst>
+          </p:cNvPr>
+          <p:cNvSpPr/>
+          <p:nvPr/>
+        </p:nvSpPr>
+        <p:spPr>
+          <a:xfrm rot="21080840">
+            <a:off x="2037372" y="3421618"/>
+            <a:ext cx="5069273" cy="369332"/>
+          </a:xfrm>
+          <a:prstGeom prst="rect">
+            <a:avLst/>
+          </a:prstGeom>
+        </p:spPr>
+        <p:txBody>
+          <a:bodyPr wrap="none">
+            <a:spAutoFit/>
+          </a:bodyPr>
+          <a:lstStyle/>
+          <a:p>
+            <a:r>
+              <a:rPr lang="en-US" dirty="0"/>
+              <a:t>OK, here’s the JSON* representation of the resource</a:t>
+            </a:r>
+          </a:p>
+        </p:txBody>
+      </p:sp>
+      <p:sp>
+        <p:nvSpPr>
+          <p:cNvPr id="2" name="Rectangle 1">
+            <a:extLst>
+              <a:ext uri="{FF2B5EF4-FFF2-40B4-BE49-F238E27FC236}">
+                <a16:creationId xmlns:a16="http://schemas.microsoft.com/office/drawing/2014/main" id="{70C5DCD8-982B-43BC-B965-B469F7DEDCB8}"/>
+              </a:ext>
+            </a:extLst>
+          </p:cNvPr>
+          <p:cNvSpPr/>
+          <p:nvPr/>
+        </p:nvSpPr>
+        <p:spPr>
+          <a:xfrm>
+            <a:off x="2845597" y="4499323"/>
+            <a:ext cx="3452805" cy="369332"/>
+          </a:xfrm>
+          <a:prstGeom prst="rect">
+            <a:avLst/>
+          </a:prstGeom>
+        </p:spPr>
+        <p:txBody>
+          <a:bodyPr wrap="none">
+            <a:spAutoFit/>
+          </a:bodyPr>
+          <a:lstStyle/>
+          <a:p>
+            <a:r>
+              <a:rPr lang="en-US" dirty="0"/>
+              <a:t>*JavaScript Object Notation (JSON)</a:t>
+            </a:r>
+          </a:p>
+        </p:txBody>
+      </p:sp>
+    </p:spTree>
+    <p:extLst>
+      <p:ext uri="{BB962C8B-B14F-4D97-AF65-F5344CB8AC3E}">
+        <p14:creationId xmlns:p14="http://schemas.microsoft.com/office/powerpoint/2010/main" val="83494780"/>
+      </p:ext>
+    </p:extLst>
+  </p:cSld>
+  <p:clrMapOvr>
+    <a:masterClrMapping/>
+  </p:clrMapOvr>
+</p:sld>
+</file>
+
+<file path=ppt/slides/slide21.xml><?xml version="1.0" encoding="utf-8"?>
+<p:sld xmlns:a="http://schemas.openxmlformats.org/drawingml/2006/main" xmlns:r="http://schemas.openxmlformats.org/officeDocument/2006/relationships" xmlns:p="http://schemas.openxmlformats.org/presentationml/2006/main">
+  <p:cSld>
+    <p:spTree>
+      <p:nvGrpSpPr>
+        <p:cNvPr id="1" name=""/>
+        <p:cNvGrpSpPr/>
+        <p:nvPr/>
+      </p:nvGrpSpPr>
+      <p:grpSpPr>
+        <a:xfrm>
+          <a:off x="0" y="0"/>
+          <a:ext cx="0" cy="0"/>
+          <a:chOff x="0" y="0"/>
+          <a:chExt cx="0" cy="0"/>
+        </a:xfrm>
+      </p:grpSpPr>
+      <p:sp>
+        <p:nvSpPr>
+          <p:cNvPr id="3" name="Title 2">
+            <a:extLst>
+              <a:ext uri="{FF2B5EF4-FFF2-40B4-BE49-F238E27FC236}">
+                <a16:creationId xmlns:a16="http://schemas.microsoft.com/office/drawing/2014/main" id="{FB4C6C0D-CDA1-43E3-8CDA-F4D3F58AC9C7}"/>
+              </a:ext>
+            </a:extLst>
+          </p:cNvPr>
+          <p:cNvSpPr>
+            <a:spLocks noGrp="1"/>
+          </p:cNvSpPr>
+          <p:nvPr>
+            <p:ph type="title" idx="4294967295"/>
+          </p:nvPr>
+        </p:nvSpPr>
+        <p:spPr>
+          <a:xfrm>
+            <a:off x="628650" y="895350"/>
+            <a:ext cx="7886700" cy="495907"/>
+          </a:xfrm>
+          <a:prstGeom prst="rect">
+            <a:avLst/>
+          </a:prstGeom>
+        </p:spPr>
+        <p:txBody>
+          <a:bodyPr/>
+          <a:lstStyle/>
+          <a:p>
+            <a:r>
+              <a:rPr lang="en-US" sz="3200" dirty="0"/>
+              <a:t>Web Page Request (in HTTP)</a:t>
+            </a:r>
+          </a:p>
+        </p:txBody>
+      </p:sp>
+      <p:cxnSp>
+        <p:nvCxnSpPr>
+          <p:cNvPr id="8" name="Straight Arrow Connector 7">
+            <a:extLst>
+              <a:ext uri="{FF2B5EF4-FFF2-40B4-BE49-F238E27FC236}">
+                <a16:creationId xmlns:a16="http://schemas.microsoft.com/office/drawing/2014/main" id="{5758571A-85F8-4E97-A212-8258FBF32218}"/>
+              </a:ext>
+            </a:extLst>
+          </p:cNvPr>
+          <p:cNvCxnSpPr>
+            <a:cxnSpLocks/>
+          </p:cNvCxnSpPr>
+          <p:nvPr/>
+        </p:nvCxnSpPr>
+        <p:spPr>
+          <a:xfrm>
+            <a:off x="1828800" y="2190750"/>
+            <a:ext cx="0" cy="2209800"/>
+          </a:xfrm>
+          <a:prstGeom prst="straightConnector1">
+            <a:avLst/>
+          </a:prstGeom>
+          <a:ln>
+            <a:solidFill>
+              <a:srgbClr val="00B050"/>
+            </a:solidFill>
+            <a:tailEnd type="triangle"/>
+          </a:ln>
+        </p:spPr>
+        <p:style>
+          <a:lnRef idx="2">
+            <a:schemeClr val="accent1"/>
+          </a:lnRef>
+          <a:fillRef idx="0">
+            <a:schemeClr val="accent1"/>
+          </a:fillRef>
+          <a:effectRef idx="1">
+            <a:schemeClr val="accent1"/>
+          </a:effectRef>
+          <a:fontRef idx="minor">
+            <a:schemeClr val="tx1"/>
+          </a:fontRef>
+        </p:style>
+      </p:cxnSp>
+      <p:cxnSp>
+        <p:nvCxnSpPr>
+          <p:cNvPr id="9" name="Straight Arrow Connector 8">
+            <a:extLst>
+              <a:ext uri="{FF2B5EF4-FFF2-40B4-BE49-F238E27FC236}">
+                <a16:creationId xmlns:a16="http://schemas.microsoft.com/office/drawing/2014/main" id="{03B8D2C1-5193-46DD-BB1F-06EE585441C3}"/>
+              </a:ext>
+            </a:extLst>
+          </p:cNvPr>
+          <p:cNvCxnSpPr>
+            <a:cxnSpLocks/>
+          </p:cNvCxnSpPr>
+          <p:nvPr/>
+        </p:nvCxnSpPr>
+        <p:spPr>
+          <a:xfrm>
+            <a:off x="7315200" y="2190750"/>
+            <a:ext cx="0" cy="2209800"/>
+          </a:xfrm>
+          <a:prstGeom prst="straightConnector1">
+            <a:avLst/>
+          </a:prstGeom>
+          <a:ln>
+            <a:solidFill>
+              <a:srgbClr val="00B050"/>
+            </a:solidFill>
+            <a:tailEnd type="triangle"/>
+          </a:ln>
+        </p:spPr>
+        <p:style>
+          <a:lnRef idx="2">
+            <a:schemeClr val="accent1"/>
+          </a:lnRef>
+          <a:fillRef idx="0">
+            <a:schemeClr val="accent1"/>
+          </a:fillRef>
+          <a:effectRef idx="1">
+            <a:schemeClr val="accent1"/>
+          </a:effectRef>
+          <a:fontRef idx="minor">
+            <a:schemeClr val="tx1"/>
+          </a:fontRef>
+        </p:style>
+      </p:cxnSp>
+      <p:sp>
+        <p:nvSpPr>
+          <p:cNvPr id="12" name="Rectangle 11">
+            <a:extLst>
+              <a:ext uri="{FF2B5EF4-FFF2-40B4-BE49-F238E27FC236}">
+                <a16:creationId xmlns:a16="http://schemas.microsoft.com/office/drawing/2014/main" id="{1B43E939-CB77-4D45-A370-EFA909363444}"/>
+              </a:ext>
+            </a:extLst>
+          </p:cNvPr>
+          <p:cNvSpPr/>
+          <p:nvPr/>
+        </p:nvSpPr>
+        <p:spPr>
+          <a:xfrm>
+            <a:off x="1219200" y="1657350"/>
+            <a:ext cx="1219199" cy="381000"/>
+          </a:xfrm>
+          <a:prstGeom prst="rect">
+            <a:avLst/>
+          </a:prstGeom>
+          <a:solidFill>
+            <a:schemeClr val="bg1"/>
+          </a:solidFill>
+          <a:ln w="25400"/>
+        </p:spPr>
+        <p:style>
+          <a:lnRef idx="1">
+            <a:schemeClr val="accent1"/>
+          </a:lnRef>
+          <a:fillRef idx="3">
+            <a:schemeClr val="accent1"/>
+          </a:fillRef>
+          <a:effectRef idx="2">
+            <a:schemeClr val="accent1"/>
+          </a:effectRef>
+          <a:fontRef idx="minor">
+            <a:schemeClr val="lt1"/>
+          </a:fontRef>
+        </p:style>
+        <p:txBody>
+          <a:bodyPr rtlCol="0" anchor="ctr"/>
+          <a:lstStyle/>
+          <a:p>
+            <a:pPr algn="ctr"/>
+            <a:r>
+              <a:rPr lang="en-US" dirty="0">
+                <a:solidFill>
+                  <a:srgbClr val="0070C0"/>
+                </a:solidFill>
+              </a:rPr>
+              <a:t>client</a:t>
+            </a:r>
+          </a:p>
+        </p:txBody>
+      </p:sp>
+      <p:sp>
+        <p:nvSpPr>
+          <p:cNvPr id="13" name="Rectangle 12">
+            <a:extLst>
+              <a:ext uri="{FF2B5EF4-FFF2-40B4-BE49-F238E27FC236}">
+                <a16:creationId xmlns:a16="http://schemas.microsoft.com/office/drawing/2014/main" id="{FE4F9FA5-3B31-4B13-BFA7-1582352B87D4}"/>
+              </a:ext>
+            </a:extLst>
+          </p:cNvPr>
+          <p:cNvSpPr/>
+          <p:nvPr/>
+        </p:nvSpPr>
+        <p:spPr>
+          <a:xfrm>
+            <a:off x="6705600" y="1657350"/>
+            <a:ext cx="1219199" cy="381000"/>
+          </a:xfrm>
+          <a:prstGeom prst="rect">
+            <a:avLst/>
+          </a:prstGeom>
+          <a:solidFill>
+            <a:schemeClr val="bg1"/>
+          </a:solidFill>
+          <a:ln w="25400"/>
+        </p:spPr>
+        <p:style>
+          <a:lnRef idx="1">
+            <a:schemeClr val="accent1"/>
+          </a:lnRef>
+          <a:fillRef idx="3">
+            <a:schemeClr val="accent1"/>
+          </a:fillRef>
+          <a:effectRef idx="2">
+            <a:schemeClr val="accent1"/>
+          </a:effectRef>
+          <a:fontRef idx="minor">
+            <a:schemeClr val="lt1"/>
+          </a:fontRef>
+        </p:style>
+        <p:txBody>
+          <a:bodyPr rtlCol="0" anchor="ctr"/>
+          <a:lstStyle/>
+          <a:p>
+            <a:pPr algn="ctr"/>
+            <a:r>
+              <a:rPr lang="en-US" dirty="0">
+                <a:solidFill>
+                  <a:srgbClr val="0070C0"/>
+                </a:solidFill>
+              </a:rPr>
+              <a:t>server</a:t>
+            </a:r>
+          </a:p>
+        </p:txBody>
+      </p:sp>
+      <p:sp>
+        <p:nvSpPr>
+          <p:cNvPr id="14" name="Rectangle 13">
+            <a:extLst>
+              <a:ext uri="{FF2B5EF4-FFF2-40B4-BE49-F238E27FC236}">
+                <a16:creationId xmlns:a16="http://schemas.microsoft.com/office/drawing/2014/main" id="{EC4DFF13-19AF-4342-B1DD-53FBA33E9165}"/>
+              </a:ext>
+            </a:extLst>
+          </p:cNvPr>
+          <p:cNvSpPr/>
+          <p:nvPr/>
+        </p:nvSpPr>
+        <p:spPr>
+          <a:xfrm>
+            <a:off x="1526426" y="4387643"/>
+            <a:ext cx="614271" cy="369332"/>
+          </a:xfrm>
+          <a:prstGeom prst="rect">
+            <a:avLst/>
+          </a:prstGeom>
+        </p:spPr>
+        <p:txBody>
+          <a:bodyPr wrap="none">
+            <a:spAutoFit/>
+          </a:bodyPr>
+          <a:lstStyle/>
+          <a:p>
+            <a:r>
+              <a:rPr lang="en-US" dirty="0">
+                <a:solidFill>
+                  <a:srgbClr val="00B050"/>
+                </a:solidFill>
+              </a:rPr>
+              <a:t>time</a:t>
+            </a:r>
+          </a:p>
+        </p:txBody>
+      </p:sp>
+      <p:sp>
+        <p:nvSpPr>
+          <p:cNvPr id="15" name="Rectangle 14">
+            <a:extLst>
+              <a:ext uri="{FF2B5EF4-FFF2-40B4-BE49-F238E27FC236}">
+                <a16:creationId xmlns:a16="http://schemas.microsoft.com/office/drawing/2014/main" id="{ABAD15DE-691F-467B-926A-59FFA8961D25}"/>
+              </a:ext>
+            </a:extLst>
+          </p:cNvPr>
+          <p:cNvSpPr/>
+          <p:nvPr/>
+        </p:nvSpPr>
+        <p:spPr>
+          <a:xfrm>
+            <a:off x="7003303" y="4387643"/>
+            <a:ext cx="614271" cy="369332"/>
+          </a:xfrm>
+          <a:prstGeom prst="rect">
+            <a:avLst/>
+          </a:prstGeom>
+        </p:spPr>
+        <p:txBody>
+          <a:bodyPr wrap="none">
+            <a:spAutoFit/>
+          </a:bodyPr>
+          <a:lstStyle/>
+          <a:p>
+            <a:r>
+              <a:rPr lang="en-US" dirty="0">
+                <a:solidFill>
+                  <a:srgbClr val="00B050"/>
+                </a:solidFill>
+              </a:rPr>
+              <a:t>time</a:t>
+            </a:r>
+          </a:p>
+        </p:txBody>
+      </p:sp>
+      <p:sp>
+        <p:nvSpPr>
+          <p:cNvPr id="16" name="Rectangle 15">
+            <a:extLst>
+              <a:ext uri="{FF2B5EF4-FFF2-40B4-BE49-F238E27FC236}">
+                <a16:creationId xmlns:a16="http://schemas.microsoft.com/office/drawing/2014/main" id="{49DF1848-71E9-4462-B439-024F7EAFC94F}"/>
+              </a:ext>
+            </a:extLst>
+          </p:cNvPr>
+          <p:cNvSpPr/>
+          <p:nvPr/>
+        </p:nvSpPr>
+        <p:spPr>
+          <a:xfrm>
+            <a:off x="2570537" y="1657350"/>
+            <a:ext cx="3982663" cy="381000"/>
+          </a:xfrm>
+          <a:prstGeom prst="rect">
+            <a:avLst/>
+          </a:prstGeom>
+          <a:solidFill>
+            <a:schemeClr val="bg1"/>
+          </a:solidFill>
+          <a:ln w="25400"/>
+        </p:spPr>
+        <p:style>
+          <a:lnRef idx="1">
+            <a:schemeClr val="accent1"/>
+          </a:lnRef>
+          <a:fillRef idx="3">
+            <a:schemeClr val="accent1"/>
+          </a:fillRef>
+          <a:effectRef idx="2">
+            <a:schemeClr val="accent1"/>
+          </a:effectRef>
+          <a:fontRef idx="minor">
+            <a:schemeClr val="lt1"/>
+          </a:fontRef>
+        </p:style>
+        <p:txBody>
+          <a:bodyPr rtlCol="0" anchor="ctr"/>
+          <a:lstStyle/>
+          <a:p>
+            <a:pPr algn="ctr"/>
+            <a:r>
+              <a:rPr lang="en-US" dirty="0">
+                <a:solidFill>
+                  <a:srgbClr val="0070C0"/>
+                </a:solidFill>
+              </a:rPr>
+              <a:t>wide area data network</a:t>
+            </a:r>
+          </a:p>
+        </p:txBody>
+      </p:sp>
+      <p:cxnSp>
+        <p:nvCxnSpPr>
+          <p:cNvPr id="19" name="Straight Connector 18">
+            <a:extLst>
+              <a:ext uri="{FF2B5EF4-FFF2-40B4-BE49-F238E27FC236}">
+                <a16:creationId xmlns:a16="http://schemas.microsoft.com/office/drawing/2014/main" id="{0808B52E-BCB5-4124-A4B3-4627A3D0BFBB}"/>
+              </a:ext>
+            </a:extLst>
+          </p:cNvPr>
+          <p:cNvCxnSpPr>
+            <a:stCxn id="12" idx="3"/>
+            <a:endCxn id="16" idx="1"/>
+          </p:cNvCxnSpPr>
+          <p:nvPr/>
+        </p:nvCxnSpPr>
+        <p:spPr>
+          <a:xfrm>
+            <a:off x="2438399" y="1847850"/>
+            <a:ext cx="132138" cy="0"/>
+          </a:xfrm>
+          <a:prstGeom prst="line">
+            <a:avLst/>
+          </a:prstGeom>
+        </p:spPr>
+        <p:style>
+          <a:lnRef idx="2">
+            <a:schemeClr val="accent1"/>
+          </a:lnRef>
+          <a:fillRef idx="0">
+            <a:schemeClr val="accent1"/>
+          </a:fillRef>
+          <a:effectRef idx="1">
+            <a:schemeClr val="accent1"/>
+          </a:effectRef>
+          <a:fontRef idx="minor">
+            <a:schemeClr val="tx1"/>
+          </a:fontRef>
+        </p:style>
+      </p:cxnSp>
+      <p:cxnSp>
+        <p:nvCxnSpPr>
+          <p:cNvPr id="20" name="Straight Connector 19">
+            <a:extLst>
+              <a:ext uri="{FF2B5EF4-FFF2-40B4-BE49-F238E27FC236}">
+                <a16:creationId xmlns:a16="http://schemas.microsoft.com/office/drawing/2014/main" id="{19A2E45B-A197-479A-A401-45838E002E7D}"/>
+              </a:ext>
+            </a:extLst>
+          </p:cNvPr>
+          <p:cNvCxnSpPr>
+            <a:cxnSpLocks/>
+            <a:stCxn id="16" idx="3"/>
+            <a:endCxn id="13" idx="1"/>
+          </p:cNvCxnSpPr>
+          <p:nvPr/>
+        </p:nvCxnSpPr>
+        <p:spPr>
+          <a:xfrm>
+            <a:off x="6553200" y="1847850"/>
+            <a:ext cx="152400" cy="0"/>
+          </a:xfrm>
+          <a:prstGeom prst="line">
+            <a:avLst/>
+          </a:prstGeom>
+        </p:spPr>
+        <p:style>
+          <a:lnRef idx="2">
+            <a:schemeClr val="accent1"/>
+          </a:lnRef>
+          <a:fillRef idx="0">
+            <a:schemeClr val="accent1"/>
+          </a:fillRef>
+          <a:effectRef idx="1">
+            <a:schemeClr val="accent1"/>
+          </a:effectRef>
+          <a:fontRef idx="minor">
+            <a:schemeClr val="tx1"/>
+          </a:fontRef>
+        </p:style>
+      </p:cxnSp>
+      <p:cxnSp>
+        <p:nvCxnSpPr>
+          <p:cNvPr id="27" name="Straight Arrow Connector 26">
+            <a:extLst>
+              <a:ext uri="{FF2B5EF4-FFF2-40B4-BE49-F238E27FC236}">
+                <a16:creationId xmlns:a16="http://schemas.microsoft.com/office/drawing/2014/main" id="{2EF1F82A-802C-4E69-BE00-19884E96449E}"/>
+              </a:ext>
+            </a:extLst>
+          </p:cNvPr>
+          <p:cNvCxnSpPr/>
+          <p:nvPr/>
+        </p:nvCxnSpPr>
+        <p:spPr>
+          <a:xfrm>
+            <a:off x="1828800" y="2343150"/>
+            <a:ext cx="5481638" cy="838200"/>
+          </a:xfrm>
+          <a:prstGeom prst="straightConnector1">
+            <a:avLst/>
+          </a:prstGeom>
+          <a:ln>
+            <a:solidFill>
+              <a:schemeClr val="tx1"/>
+            </a:solidFill>
+            <a:prstDash val="sysDash"/>
+            <a:tailEnd type="triangle"/>
+          </a:ln>
+        </p:spPr>
+        <p:style>
+          <a:lnRef idx="2">
+            <a:schemeClr val="accent1"/>
+          </a:lnRef>
+          <a:fillRef idx="0">
+            <a:schemeClr val="accent1"/>
+          </a:fillRef>
+          <a:effectRef idx="1">
+            <a:schemeClr val="accent1"/>
+          </a:effectRef>
+          <a:fontRef idx="minor">
+            <a:schemeClr val="tx1"/>
+          </a:fontRef>
+        </p:style>
+      </p:cxnSp>
+      <p:sp>
+        <p:nvSpPr>
+          <p:cNvPr id="28" name="Rectangle 27">
+            <a:extLst>
+              <a:ext uri="{FF2B5EF4-FFF2-40B4-BE49-F238E27FC236}">
+                <a16:creationId xmlns:a16="http://schemas.microsoft.com/office/drawing/2014/main" id="{9B39FB44-A061-45AE-A272-47A5A78135D2}"/>
+              </a:ext>
+            </a:extLst>
+          </p:cNvPr>
+          <p:cNvSpPr/>
+          <p:nvPr/>
+        </p:nvSpPr>
+        <p:spPr>
+          <a:xfrm rot="547352">
+            <a:off x="2038076" y="2387084"/>
+            <a:ext cx="5067862" cy="369332"/>
+          </a:xfrm>
+          <a:prstGeom prst="rect">
+            <a:avLst/>
+          </a:prstGeom>
+        </p:spPr>
+        <p:txBody>
+          <a:bodyPr wrap="none">
+            <a:spAutoFit/>
+          </a:bodyPr>
+          <a:lstStyle/>
+          <a:p>
+            <a:r>
+              <a:rPr lang="en-US" dirty="0"/>
+              <a:t>REQUEST: HTTP GET /alleles/HLA-DPB1*01:01:01:01</a:t>
+            </a:r>
+          </a:p>
+        </p:txBody>
+      </p:sp>
+      <p:cxnSp>
+        <p:nvCxnSpPr>
+          <p:cNvPr id="29" name="Straight Arrow Connector 28">
+            <a:extLst>
+              <a:ext uri="{FF2B5EF4-FFF2-40B4-BE49-F238E27FC236}">
+                <a16:creationId xmlns:a16="http://schemas.microsoft.com/office/drawing/2014/main" id="{5BDF7B8E-5A34-4327-97FD-CF392BB330D0}"/>
+              </a:ext>
+            </a:extLst>
+          </p:cNvPr>
+          <p:cNvCxnSpPr>
+            <a:cxnSpLocks/>
+          </p:cNvCxnSpPr>
+          <p:nvPr/>
+        </p:nvCxnSpPr>
+        <p:spPr>
+          <a:xfrm flipH="1">
+            <a:off x="1828800" y="3392552"/>
+            <a:ext cx="5481637" cy="842691"/>
+          </a:xfrm>
+          <a:prstGeom prst="straightConnector1">
+            <a:avLst/>
+          </a:prstGeom>
+          <a:ln>
+            <a:solidFill>
+              <a:schemeClr val="tx1"/>
+            </a:solidFill>
+            <a:prstDash val="sysDash"/>
+            <a:tailEnd type="triangle"/>
+          </a:ln>
+        </p:spPr>
+        <p:style>
+          <a:lnRef idx="2">
+            <a:schemeClr val="accent1"/>
+          </a:lnRef>
+          <a:fillRef idx="0">
+            <a:schemeClr val="accent1"/>
+          </a:fillRef>
+          <a:effectRef idx="1">
+            <a:schemeClr val="accent1"/>
+          </a:effectRef>
+          <a:fontRef idx="minor">
+            <a:schemeClr val="tx1"/>
+          </a:fontRef>
+        </p:style>
+      </p:cxnSp>
+      <p:sp>
+        <p:nvSpPr>
+          <p:cNvPr id="34" name="Rectangle 33">
+            <a:extLst>
+              <a:ext uri="{FF2B5EF4-FFF2-40B4-BE49-F238E27FC236}">
+                <a16:creationId xmlns:a16="http://schemas.microsoft.com/office/drawing/2014/main" id="{5E1FF149-098C-4D46-801E-4F3E6B5DB91D}"/>
+              </a:ext>
+            </a:extLst>
+          </p:cNvPr>
+          <p:cNvSpPr/>
+          <p:nvPr/>
+        </p:nvSpPr>
+        <p:spPr>
+          <a:xfrm rot="21080840">
+            <a:off x="2200266" y="3421618"/>
+            <a:ext cx="4743478" cy="369332"/>
+          </a:xfrm>
+          <a:prstGeom prst="rect">
+            <a:avLst/>
+          </a:prstGeom>
+        </p:spPr>
+        <p:txBody>
+          <a:bodyPr wrap="none">
+            <a:spAutoFit/>
+          </a:bodyPr>
+          <a:lstStyle/>
+          <a:p>
+            <a:r>
+              <a:rPr lang="en-US" dirty="0"/>
+              <a:t>RESPONSE: HTTP 200, &lt;html&gt;blah, blah&lt;/html&gt;‡</a:t>
+            </a:r>
+          </a:p>
+        </p:txBody>
+      </p:sp>
+      <p:sp>
+        <p:nvSpPr>
+          <p:cNvPr id="2" name="Rectangle 1">
+            <a:extLst>
+              <a:ext uri="{FF2B5EF4-FFF2-40B4-BE49-F238E27FC236}">
+                <a16:creationId xmlns:a16="http://schemas.microsoft.com/office/drawing/2014/main" id="{AEE27B7D-FC37-4EEB-B6F5-1F01455635F9}"/>
+              </a:ext>
+            </a:extLst>
+          </p:cNvPr>
+          <p:cNvSpPr/>
+          <p:nvPr/>
+        </p:nvSpPr>
+        <p:spPr>
+          <a:xfrm>
+            <a:off x="2119059" y="4471626"/>
+            <a:ext cx="4908056" cy="646331"/>
+          </a:xfrm>
+          <a:prstGeom prst="rect">
+            <a:avLst/>
+          </a:prstGeom>
+        </p:spPr>
+        <p:txBody>
+          <a:bodyPr wrap="square">
+            <a:spAutoFit/>
+          </a:bodyPr>
+          <a:lstStyle/>
+          <a:p>
+            <a:r>
+              <a:rPr lang="en-US" dirty="0"/>
+              <a:t>‡The JSON response payload is pure </a:t>
+            </a:r>
+            <a:r>
+              <a:rPr lang="en-US" i="1" dirty="0"/>
+              <a:t>content</a:t>
+            </a:r>
+            <a:r>
+              <a:rPr lang="en-US" dirty="0"/>
+              <a:t> without </a:t>
+            </a:r>
+            <a:r>
+              <a:rPr lang="en-US" i="1" dirty="0"/>
+              <a:t>presentation</a:t>
+            </a:r>
+            <a:r>
+              <a:rPr lang="en-US" dirty="0"/>
+              <a:t>.</a:t>
+            </a:r>
+          </a:p>
+        </p:txBody>
+      </p:sp>
+    </p:spTree>
+    <p:extLst>
+      <p:ext uri="{BB962C8B-B14F-4D97-AF65-F5344CB8AC3E}">
+        <p14:creationId xmlns:p14="http://schemas.microsoft.com/office/powerpoint/2010/main" val="532807698"/>
+      </p:ext>
+    </p:extLst>
+  </p:cSld>
+  <p:clrMapOvr>
+    <a:masterClrMapping/>
+  </p:clrMapOvr>
+</p:sld>
+</file>
+
+<file path=ppt/slides/slide22.xml><?xml version="1.0" encoding="utf-8"?>
+<p:sld xmlns:a="http://schemas.openxmlformats.org/drawingml/2006/main" xmlns:r="http://schemas.openxmlformats.org/officeDocument/2006/relationships" xmlns:p="http://schemas.openxmlformats.org/presentationml/2006/main">
+  <p:cSld>
+    <p:spTree>
+      <p:nvGrpSpPr>
+        <p:cNvPr id="1" name=""/>
+        <p:cNvGrpSpPr/>
+        <p:nvPr/>
+      </p:nvGrpSpPr>
+      <p:grpSpPr>
+        <a:xfrm>
+          <a:off x="0" y="0"/>
+          <a:ext cx="0" cy="0"/>
+          <a:chOff x="0" y="0"/>
+          <a:chExt cx="0" cy="0"/>
+        </a:xfrm>
+      </p:grpSpPr>
+      <p:pic>
+        <p:nvPicPr>
+          <p:cNvPr id="4" name="Picture 3">
+            <a:extLst>
+              <a:ext uri="{FF2B5EF4-FFF2-40B4-BE49-F238E27FC236}">
+                <a16:creationId xmlns:a16="http://schemas.microsoft.com/office/drawing/2014/main" id="{09762015-C3EC-4C54-B347-1D921C1C8BED}"/>
+              </a:ext>
+            </a:extLst>
+          </p:cNvPr>
+          <p:cNvPicPr>
+            <a:picLocks noChangeAspect="1"/>
+          </p:cNvPicPr>
+          <p:nvPr/>
+        </p:nvPicPr>
+        <p:blipFill rotWithShape="1">
+          <a:blip r:embed="rId2"/>
+          <a:srcRect t="1179" b="57913"/>
+          <a:stretch/>
+        </p:blipFill>
+        <p:spPr>
+          <a:xfrm>
+            <a:off x="3661545" y="819150"/>
+            <a:ext cx="5326109" cy="2104142"/>
+          </a:xfrm>
+          <a:prstGeom prst="rect">
+            <a:avLst/>
+          </a:prstGeom>
+        </p:spPr>
+      </p:pic>
+      <p:pic>
+        <p:nvPicPr>
+          <p:cNvPr id="7" name="Picture 6">
+            <a:extLst>
+              <a:ext uri="{FF2B5EF4-FFF2-40B4-BE49-F238E27FC236}">
+                <a16:creationId xmlns:a16="http://schemas.microsoft.com/office/drawing/2014/main" id="{9D3DE3D5-03A3-4E8C-91B8-8439F8F82FB2}"/>
+              </a:ext>
+            </a:extLst>
+          </p:cNvPr>
+          <p:cNvPicPr>
+            <a:picLocks noChangeAspect="1"/>
+          </p:cNvPicPr>
+          <p:nvPr/>
+        </p:nvPicPr>
+        <p:blipFill rotWithShape="1">
+          <a:blip r:embed="rId3"/>
+          <a:srcRect t="64814" b="1112"/>
+          <a:stretch/>
+        </p:blipFill>
+        <p:spPr>
+          <a:xfrm>
+            <a:off x="3661545" y="3333751"/>
+            <a:ext cx="5326109" cy="1752600"/>
+          </a:xfrm>
+          <a:prstGeom prst="rect">
+            <a:avLst/>
+          </a:prstGeom>
+        </p:spPr>
+      </p:pic>
+      <p:cxnSp>
+        <p:nvCxnSpPr>
+          <p:cNvPr id="11" name="Straight Connector 10">
+            <a:extLst>
+              <a:ext uri="{FF2B5EF4-FFF2-40B4-BE49-F238E27FC236}">
+                <a16:creationId xmlns:a16="http://schemas.microsoft.com/office/drawing/2014/main" id="{CFC08DB6-E597-47F8-A0CE-BA5D3177E8A7}"/>
+              </a:ext>
+            </a:extLst>
+          </p:cNvPr>
+          <p:cNvCxnSpPr/>
+          <p:nvPr/>
+        </p:nvCxnSpPr>
+        <p:spPr>
+          <a:xfrm>
+            <a:off x="3661545" y="2923292"/>
+            <a:ext cx="377055" cy="121239"/>
+          </a:xfrm>
+          <a:prstGeom prst="line">
+            <a:avLst/>
+          </a:prstGeom>
+          <a:ln w="3175">
+            <a:solidFill>
+              <a:schemeClr val="tx1"/>
+            </a:solidFill>
+          </a:ln>
+        </p:spPr>
+        <p:style>
+          <a:lnRef idx="2">
+            <a:schemeClr val="accent1"/>
+          </a:lnRef>
+          <a:fillRef idx="0">
+            <a:schemeClr val="accent1"/>
+          </a:fillRef>
+          <a:effectRef idx="1">
+            <a:schemeClr val="accent1"/>
+          </a:effectRef>
+          <a:fontRef idx="minor">
+            <a:schemeClr val="tx1"/>
+          </a:fontRef>
+        </p:style>
+      </p:cxnSp>
+      <p:cxnSp>
+        <p:nvCxnSpPr>
+          <p:cNvPr id="23" name="Straight Connector 22">
+            <a:extLst>
+              <a:ext uri="{FF2B5EF4-FFF2-40B4-BE49-F238E27FC236}">
+                <a16:creationId xmlns:a16="http://schemas.microsoft.com/office/drawing/2014/main" id="{8A3E5EF3-7935-4E2E-AE59-088C9F7B5822}"/>
+              </a:ext>
+            </a:extLst>
+          </p:cNvPr>
+          <p:cNvCxnSpPr>
+            <a:cxnSpLocks/>
+          </p:cNvCxnSpPr>
+          <p:nvPr/>
+        </p:nvCxnSpPr>
+        <p:spPr>
+          <a:xfrm flipV="1">
+            <a:off x="4038600" y="2976973"/>
+            <a:ext cx="228600" cy="60619"/>
+          </a:xfrm>
+          <a:prstGeom prst="line">
+            <a:avLst/>
+          </a:prstGeom>
+          <a:ln w="3175">
+            <a:solidFill>
+              <a:schemeClr val="tx1"/>
+            </a:solidFill>
+          </a:ln>
+        </p:spPr>
+        <p:style>
+          <a:lnRef idx="2">
+            <a:schemeClr val="accent1"/>
+          </a:lnRef>
+          <a:fillRef idx="0">
+            <a:schemeClr val="accent1"/>
+          </a:fillRef>
+          <a:effectRef idx="1">
+            <a:schemeClr val="accent1"/>
+          </a:effectRef>
+          <a:fontRef idx="minor">
+            <a:schemeClr val="tx1"/>
+          </a:fontRef>
+        </p:style>
+      </p:cxnSp>
+      <p:cxnSp>
+        <p:nvCxnSpPr>
+          <p:cNvPr id="25" name="Straight Connector 24">
+            <a:extLst>
+              <a:ext uri="{FF2B5EF4-FFF2-40B4-BE49-F238E27FC236}">
+                <a16:creationId xmlns:a16="http://schemas.microsoft.com/office/drawing/2014/main" id="{F2FE254B-CAC2-4CF9-908E-8B02ED267FEE}"/>
+              </a:ext>
+            </a:extLst>
+          </p:cNvPr>
+          <p:cNvCxnSpPr>
+            <a:cxnSpLocks/>
+          </p:cNvCxnSpPr>
+          <p:nvPr/>
+        </p:nvCxnSpPr>
+        <p:spPr>
+          <a:xfrm>
+            <a:off x="4267200" y="2983912"/>
+            <a:ext cx="609600" cy="107361"/>
+          </a:xfrm>
+          <a:prstGeom prst="line">
+            <a:avLst/>
+          </a:prstGeom>
+          <a:ln w="3175">
+            <a:solidFill>
+              <a:schemeClr val="tx1"/>
+            </a:solidFill>
+          </a:ln>
+        </p:spPr>
+        <p:style>
+          <a:lnRef idx="2">
+            <a:schemeClr val="accent1"/>
+          </a:lnRef>
+          <a:fillRef idx="0">
+            <a:schemeClr val="accent1"/>
+          </a:fillRef>
+          <a:effectRef idx="1">
+            <a:schemeClr val="accent1"/>
+          </a:effectRef>
+          <a:fontRef idx="minor">
+            <a:schemeClr val="tx1"/>
+          </a:fontRef>
+        </p:style>
+      </p:cxnSp>
+      <p:cxnSp>
+        <p:nvCxnSpPr>
+          <p:cNvPr id="30" name="Straight Connector 29">
+            <a:extLst>
+              <a:ext uri="{FF2B5EF4-FFF2-40B4-BE49-F238E27FC236}">
+                <a16:creationId xmlns:a16="http://schemas.microsoft.com/office/drawing/2014/main" id="{177E8689-6074-4DB5-9CB2-A3A418D0327F}"/>
+              </a:ext>
+            </a:extLst>
+          </p:cNvPr>
+          <p:cNvCxnSpPr>
+            <a:cxnSpLocks/>
+          </p:cNvCxnSpPr>
+          <p:nvPr/>
+        </p:nvCxnSpPr>
+        <p:spPr>
+          <a:xfrm flipV="1">
+            <a:off x="4876800" y="2992553"/>
+            <a:ext cx="609600" cy="112598"/>
+          </a:xfrm>
+          <a:prstGeom prst="line">
+            <a:avLst/>
+          </a:prstGeom>
+          <a:ln w="3175">
+            <a:solidFill>
+              <a:schemeClr val="tx1"/>
+            </a:solidFill>
+          </a:ln>
+        </p:spPr>
+        <p:style>
+          <a:lnRef idx="2">
+            <a:schemeClr val="accent1"/>
+          </a:lnRef>
+          <a:fillRef idx="0">
+            <a:schemeClr val="accent1"/>
+          </a:fillRef>
+          <a:effectRef idx="1">
+            <a:schemeClr val="accent1"/>
+          </a:effectRef>
+          <a:fontRef idx="minor">
+            <a:schemeClr val="tx1"/>
+          </a:fontRef>
+        </p:style>
+      </p:cxnSp>
+      <p:cxnSp>
+        <p:nvCxnSpPr>
+          <p:cNvPr id="33" name="Straight Connector 32">
+            <a:extLst>
+              <a:ext uri="{FF2B5EF4-FFF2-40B4-BE49-F238E27FC236}">
+                <a16:creationId xmlns:a16="http://schemas.microsoft.com/office/drawing/2014/main" id="{B6278653-AFE7-43DA-A305-E2C43A4FDC6A}"/>
+              </a:ext>
+            </a:extLst>
+          </p:cNvPr>
+          <p:cNvCxnSpPr>
+            <a:cxnSpLocks/>
+          </p:cNvCxnSpPr>
+          <p:nvPr/>
+        </p:nvCxnSpPr>
+        <p:spPr>
+          <a:xfrm>
+            <a:off x="5486400" y="2997790"/>
+            <a:ext cx="609600" cy="107361"/>
+          </a:xfrm>
+          <a:prstGeom prst="line">
+            <a:avLst/>
+          </a:prstGeom>
+          <a:ln w="3175">
+            <a:solidFill>
+              <a:schemeClr val="tx1"/>
+            </a:solidFill>
+          </a:ln>
+        </p:spPr>
+        <p:style>
+          <a:lnRef idx="2">
+            <a:schemeClr val="accent1"/>
+          </a:lnRef>
+          <a:fillRef idx="0">
+            <a:schemeClr val="accent1"/>
+          </a:fillRef>
+          <a:effectRef idx="1">
+            <a:schemeClr val="accent1"/>
+          </a:effectRef>
+          <a:fontRef idx="minor">
+            <a:schemeClr val="tx1"/>
+          </a:fontRef>
+        </p:style>
+      </p:cxnSp>
+      <p:cxnSp>
+        <p:nvCxnSpPr>
+          <p:cNvPr id="35" name="Straight Connector 34">
+            <a:extLst>
+              <a:ext uri="{FF2B5EF4-FFF2-40B4-BE49-F238E27FC236}">
+                <a16:creationId xmlns:a16="http://schemas.microsoft.com/office/drawing/2014/main" id="{ED15F8BE-4974-4CDB-9594-7E215A9C05E3}"/>
+              </a:ext>
+            </a:extLst>
+          </p:cNvPr>
+          <p:cNvCxnSpPr>
+            <a:cxnSpLocks/>
+          </p:cNvCxnSpPr>
+          <p:nvPr/>
+        </p:nvCxnSpPr>
+        <p:spPr>
+          <a:xfrm flipV="1">
+            <a:off x="6096000" y="2988232"/>
+            <a:ext cx="609600" cy="112598"/>
+          </a:xfrm>
+          <a:prstGeom prst="line">
+            <a:avLst/>
+          </a:prstGeom>
+          <a:ln w="3175">
+            <a:solidFill>
+              <a:schemeClr val="tx1"/>
+            </a:solidFill>
+          </a:ln>
+        </p:spPr>
+        <p:style>
+          <a:lnRef idx="2">
+            <a:schemeClr val="accent1"/>
+          </a:lnRef>
+          <a:fillRef idx="0">
+            <a:schemeClr val="accent1"/>
+          </a:fillRef>
+          <a:effectRef idx="1">
+            <a:schemeClr val="accent1"/>
+          </a:effectRef>
+          <a:fontRef idx="minor">
+            <a:schemeClr val="tx1"/>
+          </a:fontRef>
+        </p:style>
+      </p:cxnSp>
+      <p:cxnSp>
+        <p:nvCxnSpPr>
+          <p:cNvPr id="36" name="Straight Connector 35">
+            <a:extLst>
+              <a:ext uri="{FF2B5EF4-FFF2-40B4-BE49-F238E27FC236}">
+                <a16:creationId xmlns:a16="http://schemas.microsoft.com/office/drawing/2014/main" id="{37F5DF5C-45C0-4D7E-95D5-D823E7CD30D1}"/>
+              </a:ext>
+            </a:extLst>
+          </p:cNvPr>
+          <p:cNvCxnSpPr>
+            <a:cxnSpLocks/>
+          </p:cNvCxnSpPr>
+          <p:nvPr/>
+        </p:nvCxnSpPr>
+        <p:spPr>
+          <a:xfrm flipV="1">
+            <a:off x="7141371" y="2968536"/>
+            <a:ext cx="609600" cy="112598"/>
+          </a:xfrm>
+          <a:prstGeom prst="line">
+            <a:avLst/>
+          </a:prstGeom>
+          <a:ln w="3175">
+            <a:solidFill>
+              <a:schemeClr val="tx1"/>
+            </a:solidFill>
+          </a:ln>
+        </p:spPr>
+        <p:style>
+          <a:lnRef idx="2">
+            <a:schemeClr val="accent1"/>
+          </a:lnRef>
+          <a:fillRef idx="0">
+            <a:schemeClr val="accent1"/>
+          </a:fillRef>
+          <a:effectRef idx="1">
+            <a:schemeClr val="accent1"/>
+          </a:effectRef>
+          <a:fontRef idx="minor">
+            <a:schemeClr val="tx1"/>
+          </a:fontRef>
+        </p:style>
+      </p:cxnSp>
+      <p:cxnSp>
+        <p:nvCxnSpPr>
+          <p:cNvPr id="37" name="Straight Connector 36">
+            <a:extLst>
+              <a:ext uri="{FF2B5EF4-FFF2-40B4-BE49-F238E27FC236}">
+                <a16:creationId xmlns:a16="http://schemas.microsoft.com/office/drawing/2014/main" id="{398E96E7-C2FD-4A40-B29A-A4806379183E}"/>
+              </a:ext>
+            </a:extLst>
+          </p:cNvPr>
+          <p:cNvCxnSpPr>
+            <a:cxnSpLocks/>
+          </p:cNvCxnSpPr>
+          <p:nvPr/>
+        </p:nvCxnSpPr>
+        <p:spPr>
+          <a:xfrm flipV="1">
+            <a:off x="8360571" y="2916353"/>
+            <a:ext cx="609600" cy="112598"/>
+          </a:xfrm>
+          <a:prstGeom prst="line">
+            <a:avLst/>
+          </a:prstGeom>
+          <a:ln w="3175">
+            <a:solidFill>
+              <a:schemeClr val="tx1"/>
+            </a:solidFill>
+          </a:ln>
+        </p:spPr>
+        <p:style>
+          <a:lnRef idx="2">
+            <a:schemeClr val="accent1"/>
+          </a:lnRef>
+          <a:fillRef idx="0">
+            <a:schemeClr val="accent1"/>
+          </a:fillRef>
+          <a:effectRef idx="1">
+            <a:schemeClr val="accent1"/>
+          </a:effectRef>
+          <a:fontRef idx="minor">
+            <a:schemeClr val="tx1"/>
+          </a:fontRef>
+        </p:style>
+      </p:cxnSp>
+      <p:cxnSp>
+        <p:nvCxnSpPr>
+          <p:cNvPr id="38" name="Straight Connector 37">
+            <a:extLst>
+              <a:ext uri="{FF2B5EF4-FFF2-40B4-BE49-F238E27FC236}">
+                <a16:creationId xmlns:a16="http://schemas.microsoft.com/office/drawing/2014/main" id="{8077C6E3-C653-4F9F-BC91-6640211C9293}"/>
+              </a:ext>
+            </a:extLst>
+          </p:cNvPr>
+          <p:cNvCxnSpPr>
+            <a:cxnSpLocks/>
+          </p:cNvCxnSpPr>
+          <p:nvPr/>
+        </p:nvCxnSpPr>
+        <p:spPr>
+          <a:xfrm>
+            <a:off x="6693696" y="2988232"/>
+            <a:ext cx="447675" cy="92902"/>
+          </a:xfrm>
+          <a:prstGeom prst="line">
+            <a:avLst/>
+          </a:prstGeom>
+          <a:ln w="3175">
+            <a:solidFill>
+              <a:schemeClr val="tx1"/>
+            </a:solidFill>
+          </a:ln>
+        </p:spPr>
+        <p:style>
+          <a:lnRef idx="2">
+            <a:schemeClr val="accent1"/>
+          </a:lnRef>
+          <a:fillRef idx="0">
+            <a:schemeClr val="accent1"/>
+          </a:fillRef>
+          <a:effectRef idx="1">
+            <a:schemeClr val="accent1"/>
+          </a:effectRef>
+          <a:fontRef idx="minor">
+            <a:schemeClr val="tx1"/>
+          </a:fontRef>
+        </p:style>
+      </p:cxnSp>
+      <p:cxnSp>
+        <p:nvCxnSpPr>
+          <p:cNvPr id="39" name="Straight Connector 38">
+            <a:extLst>
+              <a:ext uri="{FF2B5EF4-FFF2-40B4-BE49-F238E27FC236}">
+                <a16:creationId xmlns:a16="http://schemas.microsoft.com/office/drawing/2014/main" id="{63A7BBA8-9CCE-4C8E-ADD7-DC2F059B0CA8}"/>
+              </a:ext>
+            </a:extLst>
+          </p:cNvPr>
+          <p:cNvCxnSpPr>
+            <a:cxnSpLocks/>
+          </p:cNvCxnSpPr>
+          <p:nvPr/>
+        </p:nvCxnSpPr>
+        <p:spPr>
+          <a:xfrm>
+            <a:off x="7700962" y="2968946"/>
+            <a:ext cx="659609" cy="68646"/>
+          </a:xfrm>
+          <a:prstGeom prst="line">
+            <a:avLst/>
+          </a:prstGeom>
+          <a:ln w="3175">
+            <a:solidFill>
+              <a:schemeClr val="tx1"/>
+            </a:solidFill>
+          </a:ln>
+        </p:spPr>
+        <p:style>
+          <a:lnRef idx="2">
+            <a:schemeClr val="accent1"/>
+          </a:lnRef>
+          <a:fillRef idx="0">
+            <a:schemeClr val="accent1"/>
+          </a:fillRef>
+          <a:effectRef idx="1">
+            <a:schemeClr val="accent1"/>
+          </a:effectRef>
+          <a:fontRef idx="minor">
+            <a:schemeClr val="tx1"/>
+          </a:fontRef>
+        </p:style>
+      </p:cxnSp>
+      <p:cxnSp>
+        <p:nvCxnSpPr>
+          <p:cNvPr id="41" name="Straight Connector 40">
+            <a:extLst>
+              <a:ext uri="{FF2B5EF4-FFF2-40B4-BE49-F238E27FC236}">
+                <a16:creationId xmlns:a16="http://schemas.microsoft.com/office/drawing/2014/main" id="{D7198319-885C-4EDD-8C89-B2ED6AE70C66}"/>
+              </a:ext>
+            </a:extLst>
+          </p:cNvPr>
+          <p:cNvCxnSpPr>
+            <a:cxnSpLocks/>
+          </p:cNvCxnSpPr>
+          <p:nvPr/>
+        </p:nvCxnSpPr>
+        <p:spPr>
+          <a:xfrm flipV="1">
+            <a:off x="3657600" y="3326812"/>
+            <a:ext cx="417128" cy="13877"/>
+          </a:xfrm>
+          <a:prstGeom prst="line">
+            <a:avLst/>
+          </a:prstGeom>
+          <a:ln w="3175">
+            <a:solidFill>
+              <a:schemeClr val="tx1"/>
+            </a:solidFill>
+          </a:ln>
+        </p:spPr>
+        <p:style>
+          <a:lnRef idx="2">
+            <a:schemeClr val="accent1"/>
+          </a:lnRef>
+          <a:fillRef idx="0">
+            <a:schemeClr val="accent1"/>
+          </a:fillRef>
+          <a:effectRef idx="1">
+            <a:schemeClr val="accent1"/>
+          </a:effectRef>
+          <a:fontRef idx="minor">
+            <a:schemeClr val="tx1"/>
+          </a:fontRef>
+        </p:style>
+      </p:cxnSp>
+      <p:cxnSp>
+        <p:nvCxnSpPr>
+          <p:cNvPr id="42" name="Straight Connector 41">
+            <a:extLst>
+              <a:ext uri="{FF2B5EF4-FFF2-40B4-BE49-F238E27FC236}">
+                <a16:creationId xmlns:a16="http://schemas.microsoft.com/office/drawing/2014/main" id="{E8B5C924-C8BF-4A46-95C7-F2F13D7A1951}"/>
+              </a:ext>
+            </a:extLst>
+          </p:cNvPr>
+          <p:cNvCxnSpPr>
+            <a:cxnSpLocks/>
+          </p:cNvCxnSpPr>
+          <p:nvPr/>
+        </p:nvCxnSpPr>
+        <p:spPr>
+          <a:xfrm>
+            <a:off x="4074728" y="3333751"/>
+            <a:ext cx="188527" cy="60620"/>
+          </a:xfrm>
+          <a:prstGeom prst="line">
+            <a:avLst/>
+          </a:prstGeom>
+          <a:ln w="3175">
+            <a:solidFill>
+              <a:schemeClr val="tx1"/>
+            </a:solidFill>
+          </a:ln>
+        </p:spPr>
+        <p:style>
+          <a:lnRef idx="2">
+            <a:schemeClr val="accent1"/>
+          </a:lnRef>
+          <a:fillRef idx="0">
+            <a:schemeClr val="accent1"/>
+          </a:fillRef>
+          <a:effectRef idx="1">
+            <a:schemeClr val="accent1"/>
+          </a:effectRef>
+          <a:fontRef idx="minor">
+            <a:schemeClr val="tx1"/>
+          </a:fontRef>
+        </p:style>
+      </p:cxnSp>
+      <p:cxnSp>
+        <p:nvCxnSpPr>
+          <p:cNvPr id="43" name="Straight Connector 42">
+            <a:extLst>
+              <a:ext uri="{FF2B5EF4-FFF2-40B4-BE49-F238E27FC236}">
+                <a16:creationId xmlns:a16="http://schemas.microsoft.com/office/drawing/2014/main" id="{37131FD9-C09F-42CD-AD4E-0C480BDB0143}"/>
+              </a:ext>
+            </a:extLst>
+          </p:cNvPr>
+          <p:cNvCxnSpPr>
+            <a:cxnSpLocks/>
+          </p:cNvCxnSpPr>
+          <p:nvPr/>
+        </p:nvCxnSpPr>
+        <p:spPr>
+          <a:xfrm flipV="1">
+            <a:off x="4263255" y="3333751"/>
+            <a:ext cx="584596" cy="67558"/>
+          </a:xfrm>
+          <a:prstGeom prst="line">
+            <a:avLst/>
+          </a:prstGeom>
+          <a:ln w="3175">
+            <a:solidFill>
+              <a:schemeClr val="tx1"/>
+            </a:solidFill>
+          </a:ln>
+        </p:spPr>
+        <p:style>
+          <a:lnRef idx="2">
+            <a:schemeClr val="accent1"/>
+          </a:lnRef>
+          <a:fillRef idx="0">
+            <a:schemeClr val="accent1"/>
+          </a:fillRef>
+          <a:effectRef idx="1">
+            <a:schemeClr val="accent1"/>
+          </a:effectRef>
+          <a:fontRef idx="minor">
+            <a:schemeClr val="tx1"/>
+          </a:fontRef>
+        </p:style>
+      </p:cxnSp>
+      <p:cxnSp>
+        <p:nvCxnSpPr>
+          <p:cNvPr id="44" name="Straight Connector 43">
+            <a:extLst>
+              <a:ext uri="{FF2B5EF4-FFF2-40B4-BE49-F238E27FC236}">
+                <a16:creationId xmlns:a16="http://schemas.microsoft.com/office/drawing/2014/main" id="{258855B5-AA11-4F24-B536-A9DFE3E4F857}"/>
+              </a:ext>
+            </a:extLst>
+          </p:cNvPr>
+          <p:cNvCxnSpPr>
+            <a:cxnSpLocks/>
+          </p:cNvCxnSpPr>
+          <p:nvPr/>
+        </p:nvCxnSpPr>
+        <p:spPr>
+          <a:xfrm>
+            <a:off x="4847851" y="3340689"/>
+            <a:ext cx="634604" cy="69261"/>
+          </a:xfrm>
+          <a:prstGeom prst="line">
+            <a:avLst/>
+          </a:prstGeom>
+          <a:ln w="3175">
+            <a:solidFill>
+              <a:schemeClr val="tx1"/>
+            </a:solidFill>
+          </a:ln>
+        </p:spPr>
+        <p:style>
+          <a:lnRef idx="2">
+            <a:schemeClr val="accent1"/>
+          </a:lnRef>
+          <a:fillRef idx="0">
+            <a:schemeClr val="accent1"/>
+          </a:fillRef>
+          <a:effectRef idx="1">
+            <a:schemeClr val="accent1"/>
+          </a:effectRef>
+          <a:fontRef idx="minor">
+            <a:schemeClr val="tx1"/>
+          </a:fontRef>
+        </p:style>
+      </p:cxnSp>
+      <p:cxnSp>
+        <p:nvCxnSpPr>
+          <p:cNvPr id="45" name="Straight Connector 44">
+            <a:extLst>
+              <a:ext uri="{FF2B5EF4-FFF2-40B4-BE49-F238E27FC236}">
+                <a16:creationId xmlns:a16="http://schemas.microsoft.com/office/drawing/2014/main" id="{16FD0F86-5BB8-4B5C-8962-5A26CBA70D89}"/>
+              </a:ext>
+            </a:extLst>
+          </p:cNvPr>
+          <p:cNvCxnSpPr>
+            <a:cxnSpLocks/>
+          </p:cNvCxnSpPr>
+          <p:nvPr/>
+        </p:nvCxnSpPr>
+        <p:spPr>
+          <a:xfrm>
+            <a:off x="5482455" y="3415187"/>
+            <a:ext cx="609600" cy="107361"/>
+          </a:xfrm>
+          <a:prstGeom prst="line">
+            <a:avLst/>
+          </a:prstGeom>
+          <a:ln w="3175">
+            <a:solidFill>
+              <a:schemeClr val="tx1"/>
+            </a:solidFill>
+          </a:ln>
+        </p:spPr>
+        <p:style>
+          <a:lnRef idx="2">
+            <a:schemeClr val="accent1"/>
+          </a:lnRef>
+          <a:fillRef idx="0">
+            <a:schemeClr val="accent1"/>
+          </a:fillRef>
+          <a:effectRef idx="1">
+            <a:schemeClr val="accent1"/>
+          </a:effectRef>
+          <a:fontRef idx="minor">
+            <a:schemeClr val="tx1"/>
+          </a:fontRef>
+        </p:style>
+      </p:cxnSp>
+      <p:cxnSp>
+        <p:nvCxnSpPr>
+          <p:cNvPr id="46" name="Straight Connector 45">
+            <a:extLst>
+              <a:ext uri="{FF2B5EF4-FFF2-40B4-BE49-F238E27FC236}">
+                <a16:creationId xmlns:a16="http://schemas.microsoft.com/office/drawing/2014/main" id="{7C1E29B3-7DD2-4E47-81AC-24F5E2679ED6}"/>
+              </a:ext>
+            </a:extLst>
+          </p:cNvPr>
+          <p:cNvCxnSpPr>
+            <a:cxnSpLocks/>
+          </p:cNvCxnSpPr>
+          <p:nvPr/>
+        </p:nvCxnSpPr>
+        <p:spPr>
+          <a:xfrm flipV="1">
+            <a:off x="6092055" y="3405629"/>
+            <a:ext cx="609600" cy="112598"/>
+          </a:xfrm>
+          <a:prstGeom prst="line">
+            <a:avLst/>
+          </a:prstGeom>
+          <a:ln w="3175">
+            <a:solidFill>
+              <a:schemeClr val="tx1"/>
+            </a:solidFill>
+          </a:ln>
+        </p:spPr>
+        <p:style>
+          <a:lnRef idx="2">
+            <a:schemeClr val="accent1"/>
+          </a:lnRef>
+          <a:fillRef idx="0">
+            <a:schemeClr val="accent1"/>
+          </a:fillRef>
+          <a:effectRef idx="1">
+            <a:schemeClr val="accent1"/>
+          </a:effectRef>
+          <a:fontRef idx="minor">
+            <a:schemeClr val="tx1"/>
+          </a:fontRef>
+        </p:style>
+      </p:cxnSp>
+      <p:cxnSp>
+        <p:nvCxnSpPr>
+          <p:cNvPr id="47" name="Straight Connector 46">
+            <a:extLst>
+              <a:ext uri="{FF2B5EF4-FFF2-40B4-BE49-F238E27FC236}">
+                <a16:creationId xmlns:a16="http://schemas.microsoft.com/office/drawing/2014/main" id="{213FE632-C839-4C9A-933A-781B66E3DD61}"/>
+              </a:ext>
+            </a:extLst>
+          </p:cNvPr>
+          <p:cNvCxnSpPr>
+            <a:cxnSpLocks/>
+          </p:cNvCxnSpPr>
+          <p:nvPr/>
+        </p:nvCxnSpPr>
+        <p:spPr>
+          <a:xfrm flipV="1">
+            <a:off x="7137426" y="3385933"/>
+            <a:ext cx="609600" cy="112598"/>
+          </a:xfrm>
+          <a:prstGeom prst="line">
+            <a:avLst/>
+          </a:prstGeom>
+          <a:ln w="3175">
+            <a:solidFill>
+              <a:schemeClr val="tx1"/>
+            </a:solidFill>
+          </a:ln>
+        </p:spPr>
+        <p:style>
+          <a:lnRef idx="2">
+            <a:schemeClr val="accent1"/>
+          </a:lnRef>
+          <a:fillRef idx="0">
+            <a:schemeClr val="accent1"/>
+          </a:fillRef>
+          <a:effectRef idx="1">
+            <a:schemeClr val="accent1"/>
+          </a:effectRef>
+          <a:fontRef idx="minor">
+            <a:schemeClr val="tx1"/>
+          </a:fontRef>
+        </p:style>
+      </p:cxnSp>
+      <p:cxnSp>
+        <p:nvCxnSpPr>
+          <p:cNvPr id="48" name="Straight Connector 47">
+            <a:extLst>
+              <a:ext uri="{FF2B5EF4-FFF2-40B4-BE49-F238E27FC236}">
+                <a16:creationId xmlns:a16="http://schemas.microsoft.com/office/drawing/2014/main" id="{A6715A91-452B-4DAF-8868-77A2CD51AAF2}"/>
+              </a:ext>
+            </a:extLst>
+          </p:cNvPr>
+          <p:cNvCxnSpPr>
+            <a:cxnSpLocks/>
+          </p:cNvCxnSpPr>
+          <p:nvPr/>
+        </p:nvCxnSpPr>
+        <p:spPr>
+          <a:xfrm flipV="1">
+            <a:off x="8356626" y="3333750"/>
+            <a:ext cx="609600" cy="112598"/>
+          </a:xfrm>
+          <a:prstGeom prst="line">
+            <a:avLst/>
+          </a:prstGeom>
+          <a:ln w="3175">
+            <a:solidFill>
+              <a:schemeClr val="tx1"/>
+            </a:solidFill>
+          </a:ln>
+        </p:spPr>
+        <p:style>
+          <a:lnRef idx="2">
+            <a:schemeClr val="accent1"/>
+          </a:lnRef>
+          <a:fillRef idx="0">
+            <a:schemeClr val="accent1"/>
+          </a:fillRef>
+          <a:effectRef idx="1">
+            <a:schemeClr val="accent1"/>
+          </a:effectRef>
+          <a:fontRef idx="minor">
+            <a:schemeClr val="tx1"/>
+          </a:fontRef>
+        </p:style>
+      </p:cxnSp>
+      <p:cxnSp>
+        <p:nvCxnSpPr>
+          <p:cNvPr id="49" name="Straight Connector 48">
+            <a:extLst>
+              <a:ext uri="{FF2B5EF4-FFF2-40B4-BE49-F238E27FC236}">
+                <a16:creationId xmlns:a16="http://schemas.microsoft.com/office/drawing/2014/main" id="{4B65968C-99A3-483D-9BE7-66F8E67EB5C9}"/>
+              </a:ext>
+            </a:extLst>
+          </p:cNvPr>
+          <p:cNvCxnSpPr>
+            <a:cxnSpLocks/>
+          </p:cNvCxnSpPr>
+          <p:nvPr/>
+        </p:nvCxnSpPr>
+        <p:spPr>
+          <a:xfrm>
+            <a:off x="6689751" y="3405629"/>
+            <a:ext cx="447675" cy="92902"/>
+          </a:xfrm>
+          <a:prstGeom prst="line">
+            <a:avLst/>
+          </a:prstGeom>
+          <a:ln w="3175">
+            <a:solidFill>
+              <a:schemeClr val="tx1"/>
+            </a:solidFill>
+          </a:ln>
+        </p:spPr>
+        <p:style>
+          <a:lnRef idx="2">
+            <a:schemeClr val="accent1"/>
+          </a:lnRef>
+          <a:fillRef idx="0">
+            <a:schemeClr val="accent1"/>
+          </a:fillRef>
+          <a:effectRef idx="1">
+            <a:schemeClr val="accent1"/>
+          </a:effectRef>
+          <a:fontRef idx="minor">
+            <a:schemeClr val="tx1"/>
+          </a:fontRef>
+        </p:style>
+      </p:cxnSp>
+      <p:cxnSp>
+        <p:nvCxnSpPr>
+          <p:cNvPr id="50" name="Straight Connector 49">
+            <a:extLst>
+              <a:ext uri="{FF2B5EF4-FFF2-40B4-BE49-F238E27FC236}">
+                <a16:creationId xmlns:a16="http://schemas.microsoft.com/office/drawing/2014/main" id="{3C6F945E-9DC4-4657-8569-D3FDF81E41D0}"/>
+              </a:ext>
+            </a:extLst>
+          </p:cNvPr>
+          <p:cNvCxnSpPr>
+            <a:cxnSpLocks/>
+          </p:cNvCxnSpPr>
+          <p:nvPr/>
+        </p:nvCxnSpPr>
+        <p:spPr>
+          <a:xfrm>
+            <a:off x="7697017" y="3386343"/>
+            <a:ext cx="659609" cy="68646"/>
+          </a:xfrm>
+          <a:prstGeom prst="line">
+            <a:avLst/>
+          </a:prstGeom>
+          <a:ln w="3175">
+            <a:solidFill>
+              <a:schemeClr val="tx1"/>
+            </a:solidFill>
+          </a:ln>
+        </p:spPr>
+        <p:style>
+          <a:lnRef idx="2">
+            <a:schemeClr val="accent1"/>
+          </a:lnRef>
+          <a:fillRef idx="0">
+            <a:schemeClr val="accent1"/>
+          </a:fillRef>
+          <a:effectRef idx="1">
+            <a:schemeClr val="accent1"/>
+          </a:effectRef>
+          <a:fontRef idx="minor">
+            <a:schemeClr val="tx1"/>
+          </a:fontRef>
+        </p:style>
+      </p:cxnSp>
+      <p:cxnSp>
+        <p:nvCxnSpPr>
+          <p:cNvPr id="56" name="Straight Connector 55">
+            <a:extLst>
+              <a:ext uri="{FF2B5EF4-FFF2-40B4-BE49-F238E27FC236}">
+                <a16:creationId xmlns:a16="http://schemas.microsoft.com/office/drawing/2014/main" id="{E3021608-E156-41A2-817B-B5E5DCF9F53A}"/>
+              </a:ext>
+            </a:extLst>
+          </p:cNvPr>
+          <p:cNvCxnSpPr>
+            <a:cxnSpLocks/>
+          </p:cNvCxnSpPr>
+          <p:nvPr/>
+        </p:nvCxnSpPr>
+        <p:spPr>
+          <a:xfrm>
+            <a:off x="6324600" y="3105150"/>
+            <a:ext cx="0" cy="356778"/>
+          </a:xfrm>
+          <a:prstGeom prst="line">
+            <a:avLst/>
+          </a:prstGeom>
+          <a:ln>
+            <a:solidFill>
+              <a:schemeClr val="tx1"/>
+            </a:solidFill>
+            <a:prstDash val="sysDash"/>
+          </a:ln>
+        </p:spPr>
+        <p:style>
+          <a:lnRef idx="2">
+            <a:schemeClr val="accent1"/>
+          </a:lnRef>
+          <a:fillRef idx="0">
+            <a:schemeClr val="accent1"/>
+          </a:fillRef>
+          <a:effectRef idx="1">
+            <a:schemeClr val="accent1"/>
+          </a:effectRef>
+          <a:fontRef idx="minor">
+            <a:schemeClr val="tx1"/>
+          </a:fontRef>
+        </p:style>
+      </p:cxnSp>
+      <p:sp>
+        <p:nvSpPr>
+          <p:cNvPr id="59" name="Title 2">
+            <a:extLst>
+              <a:ext uri="{FF2B5EF4-FFF2-40B4-BE49-F238E27FC236}">
+                <a16:creationId xmlns:a16="http://schemas.microsoft.com/office/drawing/2014/main" id="{A757E34A-CC56-4B6D-9D09-9832621DD7F1}"/>
+              </a:ext>
+            </a:extLst>
+          </p:cNvPr>
+          <p:cNvSpPr txBox="1">
+            <a:spLocks/>
+          </p:cNvSpPr>
+          <p:nvPr/>
+        </p:nvSpPr>
+        <p:spPr>
+          <a:xfrm>
+            <a:off x="381000" y="895350"/>
+            <a:ext cx="2800350" cy="1066800"/>
+          </a:xfrm>
+          <a:prstGeom prst="rect">
+            <a:avLst/>
+          </a:prstGeom>
+        </p:spPr>
+        <p:txBody>
+          <a:bodyPr/>
+          <a:lstStyle>
+            <a:lvl1pPr algn="ctr" defTabSz="457200" rtl="0" eaLnBrk="1" latinLnBrk="0" hangingPunct="1">
+              <a:spcBef>
+                <a:spcPct val="0"/>
+              </a:spcBef>
+              <a:buNone/>
+              <a:defRPr sz="4400" kern="1200">
+                <a:solidFill>
+                  <a:schemeClr val="tx1"/>
+                </a:solidFill>
+                <a:latin typeface="+mj-lt"/>
+                <a:ea typeface="+mj-ea"/>
+                <a:cs typeface="+mj-cs"/>
+              </a:defRPr>
+            </a:lvl1pPr>
+          </a:lstStyle>
+          <a:p>
+            <a:r>
+              <a:rPr lang="en-US" sz="3200" dirty="0"/>
+              <a:t>Web Services Return JSON</a:t>
+            </a:r>
+            <a:r>
+              <a:rPr lang="en-US" sz="3200" baseline="30000" dirty="0"/>
+              <a:t>‡</a:t>
+            </a:r>
+          </a:p>
+        </p:txBody>
+      </p:sp>
+      <p:sp>
+        <p:nvSpPr>
+          <p:cNvPr id="60" name="Rectangle 59">
+            <a:extLst>
+              <a:ext uri="{FF2B5EF4-FFF2-40B4-BE49-F238E27FC236}">
+                <a16:creationId xmlns:a16="http://schemas.microsoft.com/office/drawing/2014/main" id="{15E0F9AE-DB05-4814-B130-BE30540ED6E6}"/>
+              </a:ext>
+            </a:extLst>
+          </p:cNvPr>
+          <p:cNvSpPr/>
+          <p:nvPr/>
+        </p:nvSpPr>
+        <p:spPr>
+          <a:xfrm>
+            <a:off x="104118" y="2634420"/>
+            <a:ext cx="3239731" cy="584775"/>
+          </a:xfrm>
+          <a:prstGeom prst="rect">
+            <a:avLst/>
+          </a:prstGeom>
+          <a:solidFill>
+            <a:srgbClr val="4BC4C2"/>
+          </a:solidFill>
+        </p:spPr>
+        <p:txBody>
+          <a:bodyPr wrap="square">
+            <a:spAutoFit/>
+          </a:bodyPr>
+          <a:lstStyle/>
+          <a:p>
+            <a:r>
+              <a:rPr lang="en-US" sz="1600" dirty="0">
+                <a:solidFill>
+                  <a:schemeClr val="bg1"/>
+                </a:solidFill>
+              </a:rPr>
+              <a:t>Resource Name: </a:t>
+            </a:r>
+            <a:r>
+              <a:rPr lang="en-US" sz="1600" b="1" dirty="0">
+                <a:solidFill>
+                  <a:schemeClr val="bg1"/>
+                </a:solidFill>
+              </a:rPr>
+              <a:t>alleles</a:t>
+            </a:r>
+          </a:p>
+          <a:p>
+            <a:r>
+              <a:rPr lang="en-US" sz="1600" dirty="0">
+                <a:solidFill>
+                  <a:schemeClr val="bg1"/>
+                </a:solidFill>
+              </a:rPr>
+              <a:t>Resource ID: </a:t>
+            </a:r>
+            <a:r>
+              <a:rPr lang="en-US" sz="1600" b="1" dirty="0">
+                <a:solidFill>
+                  <a:schemeClr val="bg1"/>
+                </a:solidFill>
+              </a:rPr>
+              <a:t>HLA-DPB1*01:01:01:01</a:t>
+            </a:r>
+          </a:p>
+        </p:txBody>
+      </p:sp>
+      <p:sp>
+        <p:nvSpPr>
+          <p:cNvPr id="62" name="Rectangle 61">
+            <a:extLst>
+              <a:ext uri="{FF2B5EF4-FFF2-40B4-BE49-F238E27FC236}">
+                <a16:creationId xmlns:a16="http://schemas.microsoft.com/office/drawing/2014/main" id="{59F79E0D-7A39-42DE-92B2-261AD5A6A069}"/>
+              </a:ext>
+            </a:extLst>
+          </p:cNvPr>
+          <p:cNvSpPr/>
+          <p:nvPr/>
+        </p:nvSpPr>
+        <p:spPr>
+          <a:xfrm>
+            <a:off x="0" y="4580751"/>
+            <a:ext cx="9144000" cy="276999"/>
+          </a:xfrm>
+          <a:prstGeom prst="rect">
+            <a:avLst/>
+          </a:prstGeom>
+        </p:spPr>
+        <p:txBody>
+          <a:bodyPr wrap="square">
+            <a:spAutoFit/>
+          </a:bodyPr>
+          <a:lstStyle/>
+          <a:p>
+            <a:r>
+              <a:rPr lang="en-US" sz="1200" dirty="0"/>
+              <a:t>JSON = JavaScript Object Notation</a:t>
+            </a:r>
+          </a:p>
+        </p:txBody>
+      </p:sp>
+      <p:sp>
+        <p:nvSpPr>
+          <p:cNvPr id="63" name="Rectangle 62">
+            <a:extLst>
+              <a:ext uri="{FF2B5EF4-FFF2-40B4-BE49-F238E27FC236}">
+                <a16:creationId xmlns:a16="http://schemas.microsoft.com/office/drawing/2014/main" id="{8F8A6D31-832A-48B2-AAFC-1FBF17CD16FD}"/>
+              </a:ext>
+            </a:extLst>
+          </p:cNvPr>
+          <p:cNvSpPr/>
+          <p:nvPr/>
+        </p:nvSpPr>
+        <p:spPr>
+          <a:xfrm>
+            <a:off x="3945" y="4866501"/>
+            <a:ext cx="9144000" cy="276999"/>
+          </a:xfrm>
+          <a:prstGeom prst="rect">
+            <a:avLst/>
+          </a:prstGeom>
+        </p:spPr>
+        <p:txBody>
+          <a:bodyPr wrap="square">
+            <a:spAutoFit/>
+          </a:bodyPr>
+          <a:lstStyle/>
+          <a:p>
+            <a:r>
+              <a:rPr lang="en-US" sz="1200" dirty="0"/>
+              <a:t>‡Web services </a:t>
+            </a:r>
+            <a:r>
+              <a:rPr lang="en-US" sz="1200" i="1" dirty="0"/>
+              <a:t>usually</a:t>
+            </a:r>
+            <a:r>
+              <a:rPr lang="en-US" sz="1200" dirty="0"/>
+              <a:t> return JSON.</a:t>
+            </a:r>
+          </a:p>
+        </p:txBody>
+      </p:sp>
+      <p:sp>
+        <p:nvSpPr>
+          <p:cNvPr id="66" name="Left Brace 65">
+            <a:extLst>
+              <a:ext uri="{FF2B5EF4-FFF2-40B4-BE49-F238E27FC236}">
+                <a16:creationId xmlns:a16="http://schemas.microsoft.com/office/drawing/2014/main" id="{4009E561-8246-4AB9-808E-AA5F826B1705}"/>
+              </a:ext>
+            </a:extLst>
+          </p:cNvPr>
+          <p:cNvSpPr/>
+          <p:nvPr/>
+        </p:nvSpPr>
+        <p:spPr>
+          <a:xfrm>
+            <a:off x="3369877" y="819150"/>
+            <a:ext cx="211523" cy="4253324"/>
+          </a:xfrm>
+          <a:prstGeom prst="leftBrace">
+            <a:avLst/>
+          </a:prstGeom>
+          <a:ln>
+            <a:solidFill>
+              <a:srgbClr val="4BC4C2"/>
+            </a:solidFill>
+          </a:ln>
+        </p:spPr>
+        <p:style>
+          <a:lnRef idx="2">
+            <a:schemeClr val="accent1"/>
+          </a:lnRef>
+          <a:fillRef idx="0">
+            <a:schemeClr val="accent1"/>
+          </a:fillRef>
+          <a:effectRef idx="1">
+            <a:schemeClr val="accent1"/>
+          </a:effectRef>
+          <a:fontRef idx="minor">
+            <a:schemeClr val="tx1"/>
+          </a:fontRef>
+        </p:style>
+        <p:txBody>
+          <a:bodyPr rtlCol="0" anchor="ctr"/>
+          <a:lstStyle/>
+          <a:p>
+            <a:pPr algn="ctr"/>
+            <a:endParaRPr lang="en-US"/>
+          </a:p>
+        </p:txBody>
+      </p:sp>
+    </p:spTree>
+    <p:extLst>
+      <p:ext uri="{BB962C8B-B14F-4D97-AF65-F5344CB8AC3E}">
+        <p14:creationId xmlns:p14="http://schemas.microsoft.com/office/powerpoint/2010/main" val="2842363165"/>
       </p:ext>
     </p:extLst>
   </p:cSld>
@@ -2627,6 +8182,9 @@
               <a:gd name="adj3" fmla="val 25000"/>
             </a:avLst>
           </a:prstGeom>
+          <a:solidFill>
+            <a:srgbClr val="4BC4C2"/>
+          </a:solidFill>
         </p:spPr>
         <p:style>
           <a:lnRef idx="1">
@@ -2670,7 +8228,7 @@
           <p:nvPr/>
         </p:nvPicPr>
         <p:blipFill>
-          <a:blip r:embed="rId2"/>
+          <a:blip r:embed="rId3"/>
           <a:stretch>
             <a:fillRect/>
           </a:stretch>
@@ -3560,4 +9118,299 @@
   </a:objectDefaults>
   <a:extraClrSchemeLst/>
 </a:theme>
+</file>
+
+<file path=ppt/theme/theme3.xml><?xml version="1.0" encoding="utf-8"?>
+<a:theme xmlns:a="http://schemas.openxmlformats.org/drawingml/2006/main" name="Office Theme">
+  <a:themeElements>
+    <a:clrScheme name="Office">
+      <a:dk1>
+        <a:sysClr val="windowText" lastClr="000000"/>
+      </a:dk1>
+      <a:lt1>
+        <a:sysClr val="window" lastClr="FFFFFF"/>
+      </a:lt1>
+      <a:dk2>
+        <a:srgbClr val="44546A"/>
+      </a:dk2>
+      <a:lt2>
+        <a:srgbClr val="E7E6E6"/>
+      </a:lt2>
+      <a:accent1>
+        <a:srgbClr val="4472C4"/>
+      </a:accent1>
+      <a:accent2>
+        <a:srgbClr val="ED7D31"/>
+      </a:accent2>
+      <a:accent3>
+        <a:srgbClr val="A5A5A5"/>
+      </a:accent3>
+      <a:accent4>
+        <a:srgbClr val="FFC000"/>
+      </a:accent4>
+      <a:accent5>
+        <a:srgbClr val="5B9BD5"/>
+      </a:accent5>
+      <a:accent6>
+        <a:srgbClr val="70AD47"/>
+      </a:accent6>
+      <a:hlink>
+        <a:srgbClr val="0563C1"/>
+      </a:hlink>
+      <a:folHlink>
+        <a:srgbClr val="954F72"/>
+      </a:folHlink>
+    </a:clrScheme>
+    <a:fontScheme name="Office">
+      <a:majorFont>
+        <a:latin typeface="Calibri Light" panose="020F0302020204030204"/>
+        <a:ea typeface=""/>
+        <a:cs typeface=""/>
+        <a:font script="Jpan" typeface="游ゴシック Light"/>
+        <a:font script="Hang" typeface="맑은 고딕"/>
+        <a:font script="Hans" typeface="等线 Light"/>
+        <a:font script="Hant" typeface="新細明體"/>
+        <a:font script="Arab" typeface="Times New Roman"/>
+        <a:font script="Hebr" typeface="Times New Roman"/>
+        <a:font script="Thai" typeface="Angsana New"/>
+        <a:font script="Ethi" typeface="Nyala"/>
+        <a:font script="Beng" typeface="Vrinda"/>
+        <a:font script="Gujr" typeface="Shruti"/>
+        <a:font script="Khmr" typeface="MoolBoran"/>
+        <a:font script="Knda" typeface="Tunga"/>
+        <a:font script="Guru" typeface="Raavi"/>
+        <a:font script="Cans" typeface="Euphemia"/>
+        <a:font script="Cher" typeface="Plantagenet Cherokee"/>
+        <a:font script="Yiii" typeface="Microsoft Yi Baiti"/>
+        <a:font script="Tibt" typeface="Microsoft Himalaya"/>
+        <a:font script="Thaa" typeface="MV Boli"/>
+        <a:font script="Deva" typeface="Mangal"/>
+        <a:font script="Telu" typeface="Gautami"/>
+        <a:font script="Taml" typeface="Latha"/>
+        <a:font script="Syrc" typeface="Estrangelo Edessa"/>
+        <a:font script="Orya" typeface="Kalinga"/>
+        <a:font script="Mlym" typeface="Kartika"/>
+        <a:font script="Laoo" typeface="DokChampa"/>
+        <a:font script="Sinh" typeface="Iskoola Pota"/>
+        <a:font script="Mong" typeface="Mongolian Baiti"/>
+        <a:font script="Viet" typeface="Times New Roman"/>
+        <a:font script="Uigh" typeface="Microsoft Uighur"/>
+        <a:font script="Geor" typeface="Sylfaen"/>
+        <a:font script="Armn" typeface="Arial"/>
+        <a:font script="Bugi" typeface="Leelawadee UI"/>
+        <a:font script="Bopo" typeface="Microsoft JhengHei"/>
+        <a:font script="Java" typeface="Javanese Text"/>
+        <a:font script="Lisu" typeface="Segoe UI"/>
+        <a:font script="Mymr" typeface="Myanmar Text"/>
+        <a:font script="Nkoo" typeface="Ebrima"/>
+        <a:font script="Olck" typeface="Nirmala UI"/>
+        <a:font script="Osma" typeface="Ebrima"/>
+        <a:font script="Phag" typeface="Phagspa"/>
+        <a:font script="Syrn" typeface="Estrangelo Edessa"/>
+        <a:font script="Syrj" typeface="Estrangelo Edessa"/>
+        <a:font script="Syre" typeface="Estrangelo Edessa"/>
+        <a:font script="Sora" typeface="Nirmala UI"/>
+        <a:font script="Tale" typeface="Microsoft Tai Le"/>
+        <a:font script="Talu" typeface="Microsoft New Tai Lue"/>
+        <a:font script="Tfng" typeface="Ebrima"/>
+      </a:majorFont>
+      <a:minorFont>
+        <a:latin typeface="Calibri" panose="020F0502020204030204"/>
+        <a:ea typeface=""/>
+        <a:cs typeface=""/>
+        <a:font script="Jpan" typeface="游ゴシック"/>
+        <a:font script="Hang" typeface="맑은 고딕"/>
+        <a:font script="Hans" typeface="等线"/>
+        <a:font script="Hant" typeface="新細明體"/>
+        <a:font script="Arab" typeface="Arial"/>
+        <a:font script="Hebr" typeface="Arial"/>
+        <a:font script="Thai" typeface="Cordia New"/>
+        <a:font script="Ethi" typeface="Nyala"/>
+        <a:font script="Beng" typeface="Vrinda"/>
+        <a:font script="Gujr" typeface="Shruti"/>
+        <a:font script="Khmr" typeface="DaunPenh"/>
+        <a:font script="Knda" typeface="Tunga"/>
+        <a:font script="Guru" typeface="Raavi"/>
+        <a:font script="Cans" typeface="Euphemia"/>
+        <a:font script="Cher" typeface="Plantagenet Cherokee"/>
+        <a:font script="Yiii" typeface="Microsoft Yi Baiti"/>
+        <a:font script="Tibt" typeface="Microsoft Himalaya"/>
+        <a:font script="Thaa" typeface="MV Boli"/>
+        <a:font script="Deva" typeface="Mangal"/>
+        <a:font script="Telu" typeface="Gautami"/>
+        <a:font script="Taml" typeface="Latha"/>
+        <a:font script="Syrc" typeface="Estrangelo Edessa"/>
+        <a:font script="Orya" typeface="Kalinga"/>
+        <a:font script="Mlym" typeface="Kartika"/>
+        <a:font script="Laoo" typeface="DokChampa"/>
+        <a:font script="Sinh" typeface="Iskoola Pota"/>
+        <a:font script="Mong" typeface="Mongolian Baiti"/>
+        <a:font script="Viet" typeface="Arial"/>
+        <a:font script="Uigh" typeface="Microsoft Uighur"/>
+        <a:font script="Geor" typeface="Sylfaen"/>
+        <a:font script="Armn" typeface="Arial"/>
+        <a:font script="Bugi" typeface="Leelawadee UI"/>
+        <a:font script="Bopo" typeface="Microsoft JhengHei"/>
+        <a:font script="Java" typeface="Javanese Text"/>
+        <a:font script="Lisu" typeface="Segoe UI"/>
+        <a:font script="Mymr" typeface="Myanmar Text"/>
+        <a:font script="Nkoo" typeface="Ebrima"/>
+        <a:font script="Olck" typeface="Nirmala UI"/>
+        <a:font script="Osma" typeface="Ebrima"/>
+        <a:font script="Phag" typeface="Phagspa"/>
+        <a:font script="Syrn" typeface="Estrangelo Edessa"/>
+        <a:font script="Syrj" typeface="Estrangelo Edessa"/>
+        <a:font script="Syre" typeface="Estrangelo Edessa"/>
+        <a:font script="Sora" typeface="Nirmala UI"/>
+        <a:font script="Tale" typeface="Microsoft Tai Le"/>
+        <a:font script="Talu" typeface="Microsoft New Tai Lue"/>
+        <a:font script="Tfng" typeface="Ebrima"/>
+      </a:minorFont>
+    </a:fontScheme>
+    <a:fmtScheme name="Office">
+      <a:fillStyleLst>
+        <a:solidFill>
+          <a:schemeClr val="phClr"/>
+        </a:solidFill>
+        <a:gradFill rotWithShape="1">
+          <a:gsLst>
+            <a:gs pos="0">
+              <a:schemeClr val="phClr">
+                <a:lumMod val="110000"/>
+                <a:satMod val="105000"/>
+                <a:tint val="67000"/>
+              </a:schemeClr>
+            </a:gs>
+            <a:gs pos="50000">
+              <a:schemeClr val="phClr">
+                <a:lumMod val="105000"/>
+                <a:satMod val="103000"/>
+                <a:tint val="73000"/>
+              </a:schemeClr>
+            </a:gs>
+            <a:gs pos="100000">
+              <a:schemeClr val="phClr">
+                <a:lumMod val="105000"/>
+                <a:satMod val="109000"/>
+                <a:tint val="81000"/>
+              </a:schemeClr>
+            </a:gs>
+          </a:gsLst>
+          <a:lin ang="5400000" scaled="0"/>
+        </a:gradFill>
+        <a:gradFill rotWithShape="1">
+          <a:gsLst>
+            <a:gs pos="0">
+              <a:schemeClr val="phClr">
+                <a:satMod val="103000"/>
+                <a:lumMod val="102000"/>
+                <a:tint val="94000"/>
+              </a:schemeClr>
+            </a:gs>
+            <a:gs pos="50000">
+              <a:schemeClr val="phClr">
+                <a:satMod val="110000"/>
+                <a:lumMod val="100000"/>
+                <a:shade val="100000"/>
+              </a:schemeClr>
+            </a:gs>
+            <a:gs pos="100000">
+              <a:schemeClr val="phClr">
+                <a:lumMod val="99000"/>
+                <a:satMod val="120000"/>
+                <a:shade val="78000"/>
+              </a:schemeClr>
+            </a:gs>
+          </a:gsLst>
+          <a:lin ang="5400000" scaled="0"/>
+        </a:gradFill>
+      </a:fillStyleLst>
+      <a:lnStyleLst>
+        <a:ln w="6350" cap="flat" cmpd="sng" algn="ctr">
+          <a:solidFill>
+            <a:schemeClr val="phClr"/>
+          </a:solidFill>
+          <a:prstDash val="solid"/>
+          <a:miter lim="800000"/>
+        </a:ln>
+        <a:ln w="12700" cap="flat" cmpd="sng" algn="ctr">
+          <a:solidFill>
+            <a:schemeClr val="phClr"/>
+          </a:solidFill>
+          <a:prstDash val="solid"/>
+          <a:miter lim="800000"/>
+        </a:ln>
+        <a:ln w="19050" cap="flat" cmpd="sng" algn="ctr">
+          <a:solidFill>
+            <a:schemeClr val="phClr"/>
+          </a:solidFill>
+          <a:prstDash val="solid"/>
+          <a:miter lim="800000"/>
+        </a:ln>
+      </a:lnStyleLst>
+      <a:effectStyleLst>
+        <a:effectStyle>
+          <a:effectLst/>
+        </a:effectStyle>
+        <a:effectStyle>
+          <a:effectLst/>
+        </a:effectStyle>
+        <a:effectStyle>
+          <a:effectLst>
+            <a:outerShdw blurRad="57150" dist="19050" dir="5400000" algn="ctr" rotWithShape="0">
+              <a:srgbClr val="000000">
+                <a:alpha val="63000"/>
+              </a:srgbClr>
+            </a:outerShdw>
+          </a:effectLst>
+        </a:effectStyle>
+      </a:effectStyleLst>
+      <a:bgFillStyleLst>
+        <a:solidFill>
+          <a:schemeClr val="phClr"/>
+        </a:solidFill>
+        <a:solidFill>
+          <a:schemeClr val="phClr">
+            <a:tint val="95000"/>
+            <a:satMod val="170000"/>
+          </a:schemeClr>
+        </a:solidFill>
+        <a:gradFill rotWithShape="1">
+          <a:gsLst>
+            <a:gs pos="0">
+              <a:schemeClr val="phClr">
+                <a:tint val="93000"/>
+                <a:satMod val="150000"/>
+                <a:shade val="98000"/>
+                <a:lumMod val="102000"/>
+              </a:schemeClr>
+            </a:gs>
+            <a:gs pos="50000">
+              <a:schemeClr val="phClr">
+                <a:tint val="98000"/>
+                <a:satMod val="130000"/>
+                <a:shade val="90000"/>
+                <a:lumMod val="103000"/>
+              </a:schemeClr>
+            </a:gs>
+            <a:gs pos="100000">
+              <a:schemeClr val="phClr">
+                <a:shade val="63000"/>
+                <a:satMod val="120000"/>
+              </a:schemeClr>
+            </a:gs>
+          </a:gsLst>
+          <a:lin ang="5400000" scaled="0"/>
+        </a:gradFill>
+      </a:bgFillStyleLst>
+    </a:fmtScheme>
+  </a:themeElements>
+  <a:objectDefaults/>
+  <a:extraClrSchemeLst/>
+  <a:extLst>
+    <a:ext uri="{05A4C25C-085E-4340-85A3-A5531E510DB2}">
+      <thm15:themeFamily xmlns:thm15="http://schemas.microsoft.com/office/thememl/2012/main" name="Office Theme" id="{62F939B6-93AF-4DB8-9C6B-D6C7DFDC589F}" vid="{4A3C46E8-61CC-4603-A589-7422A47A8E4A}"/>
+    </a:ext>
+  </a:extLst>
+</a:theme>
 </file>
--- a/Hot_Topic_Analytics_and_Algorithms_Web_Based_Clinical_Decision_Support.pptx
+++ b/Hot_Topic_Analytics_and_Algorithms_Web_Based_Clinical_Decision_Support.pptx
@@ -8021,7 +8021,7 @@
           <p:nvPr>
             <p:extLst>
               <p:ext uri="{D42A27DB-BD31-4B8C-83A1-F6EECF244321}">
-                <p14:modId xmlns:p14="http://schemas.microsoft.com/office/powerpoint/2010/main" val="395380491"/>
+                <p14:modId xmlns:p14="http://schemas.microsoft.com/office/powerpoint/2010/main" val="3375261371"/>
               </p:ext>
             </p:extLst>
           </p:nvPr>
@@ -8037,14 +8037,14 @@
                 <a:tableStyleId>{5940675A-B579-460E-94D1-54222C63F5DA}</a:tableStyleId>
               </a:tblPr>
               <a:tblGrid>
-                <a:gridCol w="6477000">
+                <a:gridCol w="5943600">
                   <a:extLst>
                     <a:ext uri="{9D8B030D-6E8A-4147-A177-3AD203B41FA5}">
                       <a16:colId xmlns:a16="http://schemas.microsoft.com/office/drawing/2014/main" val="1997312122"/>
                     </a:ext>
                   </a:extLst>
                 </a:gridCol>
-                <a:gridCol w="685800">
+                <a:gridCol w="1219200">
                   <a:extLst>
                     <a:ext uri="{9D8B030D-6E8A-4147-A177-3AD203B41FA5}">
                       <a16:colId xmlns:a16="http://schemas.microsoft.com/office/drawing/2014/main" val="985064821"/>
@@ -8094,7 +8094,7 @@
                     <a:p>
                       <a:r>
                         <a:rPr lang="en-US" b="1" dirty="0"/>
-                        <a:t>number of those request that are HTTP GET web service requests</a:t>
+                        <a:t>number of those request that are web service requests</a:t>
                       </a:r>
                     </a:p>
                   </a:txBody>
@@ -8153,7 +8153,15 @@
           <a:p>
             <a:r>
               <a:rPr lang="en-US" dirty="0"/>
-              <a:t>Web services are likely already a big part of your life as a consumer of Internet services.</a:t>
+              <a:t>Web services are likely already a big part of your life as a consumer </a:t>
+            </a:r>
+            <a:r>
+              <a:rPr lang="en-US"/>
+              <a:t>of internet </a:t>
+            </a:r>
+            <a:r>
+              <a:rPr lang="en-US" dirty="0"/>
+              <a:t>services.</a:t>
             </a:r>
           </a:p>
         </p:txBody>

--- a/Hot_Topic_Analytics_and_Algorithms_Web_Based_Clinical_Decision_Support.pptx
+++ b/Hot_Topic_Analytics_and_Algorithms_Web_Based_Clinical_Decision_Support.pptx
@@ -2531,10 +2531,10 @@
       </p:grpSpPr>
       <p:pic>
         <p:nvPicPr>
-          <p:cNvPr id="4" name="Picture 3">
-            <a:extLst>
-              <a:ext uri="{FF2B5EF4-FFF2-40B4-BE49-F238E27FC236}">
-                <a16:creationId xmlns:a16="http://schemas.microsoft.com/office/drawing/2014/main" id="{CE14BF0C-145B-4878-9C4E-B808605D8FBA}"/>
+          <p:cNvPr id="2" name="Picture 1">
+            <a:extLst>
+              <a:ext uri="{FF2B5EF4-FFF2-40B4-BE49-F238E27FC236}">
+                <a16:creationId xmlns:a16="http://schemas.microsoft.com/office/drawing/2014/main" id="{0F4CFF2D-31DF-4314-AF41-9978E51C7DC5}"/>
               </a:ext>
             </a:extLst>
           </p:cNvPr>
@@ -2543,20 +2543,24 @@
           </p:cNvPicPr>
           <p:nvPr/>
         </p:nvPicPr>
-        <p:blipFill>
+        <p:blipFill rotWithShape="1">
           <a:blip r:embed="rId3"/>
-          <a:stretch>
-            <a:fillRect/>
-          </a:stretch>
+          <a:srcRect t="14600" b="3114"/>
+          <a:stretch/>
         </p:blipFill>
         <p:spPr>
           <a:xfrm>
-            <a:off x="1324249" y="895350"/>
-            <a:ext cx="6495502" cy="4171950"/>
+            <a:off x="1039053" y="906942"/>
+            <a:ext cx="7065894" cy="4027008"/>
           </a:xfrm>
           <a:prstGeom prst="rect">
             <a:avLst/>
           </a:prstGeom>
+          <a:ln>
+            <a:solidFill>
+              <a:schemeClr val="accent1"/>
+            </a:solidFill>
+          </a:ln>
         </p:spPr>
       </p:pic>
     </p:spTree>

--- a/Hot_Topic_Analytics_and_Algorithms_Web_Based_Clinical_Decision_Support.pptx
+++ b/Hot_Topic_Analytics_and_Algorithms_Web_Based_Clinical_Decision_Support.pptx
@@ -5323,7 +5323,7 @@
         </p:nvSpPr>
         <p:spPr>
           <a:xfrm>
-            <a:off x="2845597" y="4499323"/>
+            <a:off x="2869409" y="4446445"/>
             <a:ext cx="3452805" cy="369332"/>
           </a:xfrm>
           <a:prstGeom prst="rect">
@@ -5404,7 +5404,7 @@
           <a:p>
             <a:r>
               <a:rPr lang="en-US" sz="3200" dirty="0"/>
-              <a:t>Web Page Request (in HTTP)</a:t>
+              <a:t>Web Service Request (in HTTP)</a:t>
             </a:r>
           </a:p>
         </p:txBody>
@@ -5953,8 +5953,8 @@
         </p:nvSpPr>
         <p:spPr>
           <a:xfrm rot="21080840">
-            <a:off x="2200266" y="3421618"/>
-            <a:ext cx="4743478" cy="369332"/>
+            <a:off x="2093960" y="3421618"/>
+            <a:ext cx="4956100" cy="369332"/>
           </a:xfrm>
           <a:prstGeom prst="rect">
             <a:avLst/>
@@ -5968,7 +5968,15 @@
           <a:p>
             <a:r>
               <a:rPr lang="en-US" dirty="0"/>
-              <a:t>RESPONSE: HTTP 200, &lt;html&gt;blah, blah&lt;/html&gt;‡</a:t>
+              <a:t>RESPONSE: HTTP 200, {</a:t>
+            </a:r>
+            <a:r>
+              <a:rPr lang="en-US" dirty="0" err="1"/>
+              <a:t>alleleName</a:t>
+            </a:r>
+            <a:r>
+              <a:rPr lang="en-US" dirty="0"/>
+              <a:t>: HLA-DPB1*…}‡</a:t>
             </a:r>
           </a:p>
         </p:txBody>
@@ -5987,8 +5995,8 @@
         </p:nvSpPr>
         <p:spPr>
           <a:xfrm>
-            <a:off x="2119059" y="4471626"/>
-            <a:ext cx="4908056" cy="646331"/>
+            <a:off x="2354929" y="4446445"/>
+            <a:ext cx="4434141" cy="646331"/>
           </a:xfrm>
           <a:prstGeom prst="rect">
             <a:avLst/>
@@ -6010,7 +6018,7 @@
             </a:r>
             <a:r>
               <a:rPr lang="en-US" dirty="0"/>
-              <a:t> without </a:t>
+              <a:t> without any </a:t>
             </a:r>
             <a:r>
               <a:rPr lang="en-US" i="1" dirty="0"/>

--- a/Hot_Topic_Analytics_and_Algorithms_Web_Based_Clinical_Decision_Support.pptx
+++ b/Hot_Topic_Analytics_and_Algorithms_Web_Based_Clinical_Decision_Support.pptx
@@ -6,31 +6,34 @@
     <p:sldMasterId id="2147483651" r:id="rId2"/>
   </p:sldMasterIdLst>
   <p:notesMasterIdLst>
-    <p:notesMasterId r:id="rId25"/>
+    <p:notesMasterId r:id="rId28"/>
   </p:notesMasterIdLst>
   <p:sldIdLst>
     <p:sldId id="260" r:id="rId3"/>
     <p:sldId id="258" r:id="rId4"/>
     <p:sldId id="259" r:id="rId5"/>
-    <p:sldId id="264" r:id="rId6"/>
-    <p:sldId id="261" r:id="rId7"/>
-    <p:sldId id="262" r:id="rId8"/>
-    <p:sldId id="263" r:id="rId9"/>
-    <p:sldId id="265" r:id="rId10"/>
-    <p:sldId id="266" r:id="rId11"/>
-    <p:sldId id="267" r:id="rId12"/>
-    <p:sldId id="268" r:id="rId13"/>
-    <p:sldId id="270" r:id="rId14"/>
-    <p:sldId id="271" r:id="rId15"/>
-    <p:sldId id="272" r:id="rId16"/>
-    <p:sldId id="273" r:id="rId17"/>
-    <p:sldId id="269" r:id="rId18"/>
-    <p:sldId id="274" r:id="rId19"/>
-    <p:sldId id="275" r:id="rId20"/>
-    <p:sldId id="276" r:id="rId21"/>
-    <p:sldId id="277" r:id="rId22"/>
-    <p:sldId id="278" r:id="rId23"/>
-    <p:sldId id="279" r:id="rId24"/>
+    <p:sldId id="282" r:id="rId6"/>
+    <p:sldId id="264" r:id="rId7"/>
+    <p:sldId id="261" r:id="rId8"/>
+    <p:sldId id="262" r:id="rId9"/>
+    <p:sldId id="263" r:id="rId10"/>
+    <p:sldId id="265" r:id="rId11"/>
+    <p:sldId id="266" r:id="rId12"/>
+    <p:sldId id="267" r:id="rId13"/>
+    <p:sldId id="268" r:id="rId14"/>
+    <p:sldId id="270" r:id="rId15"/>
+    <p:sldId id="271" r:id="rId16"/>
+    <p:sldId id="272" r:id="rId17"/>
+    <p:sldId id="273" r:id="rId18"/>
+    <p:sldId id="269" r:id="rId19"/>
+    <p:sldId id="274" r:id="rId20"/>
+    <p:sldId id="275" r:id="rId21"/>
+    <p:sldId id="276" r:id="rId22"/>
+    <p:sldId id="277" r:id="rId23"/>
+    <p:sldId id="278" r:id="rId24"/>
+    <p:sldId id="279" r:id="rId25"/>
+    <p:sldId id="280" r:id="rId26"/>
+    <p:sldId id="281" r:id="rId27"/>
   </p:sldIdLst>
   <p:sldSz cx="9144000" cy="5143500" type="screen16x9"/>
   <p:notesSz cx="6858000" cy="9144000"/>
@@ -230,7 +233,7 @@
           <a:p>
             <a:fld id="{563FC28E-C8FD-4727-A114-E1A1A1EC31A7}" type="datetimeFigureOut">
               <a:rPr lang="en-US" smtClean="0"/>
-              <a:t>9/10/2018</a:t>
+              <a:t>9/12/2018</a:t>
             </a:fld>
             <a:endParaRPr lang="en-US"/>
           </a:p>
@@ -541,10 +544,7 @@
           <a:bodyPr/>
           <a:lstStyle/>
           <a:p>
-            <a:r>
-              <a:rPr lang="en-US" dirty="0"/>
-              <a:t>Even if you don’t want them to be (e.g., advertising, tracking).</a:t>
-            </a:r>
+            <a:endParaRPr lang="en-US" dirty="0"/>
           </a:p>
         </p:txBody>
       </p:sp>
@@ -565,7 +565,7 @@
           <a:p>
             <a:fld id="{9AF95328-D31D-45AB-991F-5F3DA55EDE23}" type="slidenum">
               <a:rPr lang="en-US" smtClean="0"/>
-              <a:t>7</a:t>
+              <a:t>4</a:t>
             </a:fld>
             <a:endParaRPr lang="en-US"/>
           </a:p>
@@ -574,7 +574,7 @@
     </p:spTree>
     <p:extLst>
       <p:ext uri="{BB962C8B-B14F-4D97-AF65-F5344CB8AC3E}">
-        <p14:creationId xmlns:p14="http://schemas.microsoft.com/office/powerpoint/2010/main" val="4185203980"/>
+        <p14:creationId xmlns:p14="http://schemas.microsoft.com/office/powerpoint/2010/main" val="369888937"/>
       </p:ext>
     </p:extLst>
   </p:cSld>
@@ -630,15 +630,7 @@
           <a:p>
             <a:r>
               <a:rPr lang="en-US" dirty="0"/>
-              <a:t>Representative CPOE order set in Cerner Millennium </a:t>
-            </a:r>
-            <a:r>
-              <a:rPr lang="en-US" dirty="0" err="1"/>
-              <a:t>PowerChart</a:t>
-            </a:r>
-            <a:r>
-              <a:rPr lang="en-US" dirty="0"/>
-              <a:t>.</a:t>
+              <a:t>Even if you don’t want them to be (e.g., advertising, tracking).</a:t>
             </a:r>
           </a:p>
         </p:txBody>
@@ -660,7 +652,7 @@
           <a:p>
             <a:fld id="{9AF95328-D31D-45AB-991F-5F3DA55EDE23}" type="slidenum">
               <a:rPr lang="en-US" smtClean="0"/>
-              <a:t>12</a:t>
+              <a:t>8</a:t>
             </a:fld>
             <a:endParaRPr lang="en-US"/>
           </a:p>
@@ -669,7 +661,7 @@
     </p:spTree>
     <p:extLst>
       <p:ext uri="{BB962C8B-B14F-4D97-AF65-F5344CB8AC3E}">
-        <p14:creationId xmlns:p14="http://schemas.microsoft.com/office/powerpoint/2010/main" val="676018132"/>
+        <p14:creationId xmlns:p14="http://schemas.microsoft.com/office/powerpoint/2010/main" val="4185203980"/>
       </p:ext>
     </p:extLst>
   </p:cSld>
@@ -725,7 +717,7 @@
           <a:p>
             <a:r>
               <a:rPr lang="en-US" dirty="0"/>
-              <a:t>Representative non-overridable CPOE duplicate order alert in Cerner Millennium </a:t>
+              <a:t>Representative CPOE order set in Cerner Millennium </a:t>
             </a:r>
             <a:r>
               <a:rPr lang="en-US" dirty="0" err="1"/>
@@ -733,7 +725,7 @@
             </a:r>
             <a:r>
               <a:rPr lang="en-US" dirty="0"/>
-              <a:t>. This was perceived as clinical decision making by MPC and is now overridable. CDS implemented this way also contributes to alert fatigue.</a:t>
+              <a:t>.</a:t>
             </a:r>
           </a:p>
         </p:txBody>
@@ -764,7 +756,7 @@
     </p:spTree>
     <p:extLst>
       <p:ext uri="{BB962C8B-B14F-4D97-AF65-F5344CB8AC3E}">
-        <p14:creationId xmlns:p14="http://schemas.microsoft.com/office/powerpoint/2010/main" val="1811564197"/>
+        <p14:creationId xmlns:p14="http://schemas.microsoft.com/office/powerpoint/2010/main" val="676018132"/>
       </p:ext>
     </p:extLst>
   </p:cSld>
@@ -820,7 +812,15 @@
           <a:p>
             <a:r>
               <a:rPr lang="en-US" dirty="0"/>
-              <a:t>Representative laboratory test utilization guidance implemented as notes in an order set. Additionally, the undesirable Vitamin D 1 25 Dihydroxy order is not selected by default. This intervention was not popular with physicians, because orders only accessible in order sets are not easily placed in some contexts like so-called “quick-orders pages” and “favorite orders lists.”</a:t>
+              <a:t>Representative non-overridable CPOE duplicate order alert in Cerner Millennium </a:t>
+            </a:r>
+            <a:r>
+              <a:rPr lang="en-US" dirty="0" err="1"/>
+              <a:t>PowerChart</a:t>
+            </a:r>
+            <a:r>
+              <a:rPr lang="en-US" dirty="0"/>
+              <a:t>. This was perceived as clinical decision making by MPC and is now overridable. CDS implemented this way also contributes to alert fatigue.</a:t>
             </a:r>
           </a:p>
         </p:txBody>
@@ -851,7 +851,7 @@
     </p:spTree>
     <p:extLst>
       <p:ext uri="{BB962C8B-B14F-4D97-AF65-F5344CB8AC3E}">
-        <p14:creationId xmlns:p14="http://schemas.microsoft.com/office/powerpoint/2010/main" val="2206273083"/>
+        <p14:creationId xmlns:p14="http://schemas.microsoft.com/office/powerpoint/2010/main" val="1811564197"/>
       </p:ext>
     </p:extLst>
   </p:cSld>
@@ -907,7 +907,7 @@
           <a:p>
             <a:r>
               <a:rPr lang="en-US" dirty="0"/>
-              <a:t>Representative example of a rules-based ordering alert that is triggered when warfarin is ordered on a patient without a recent PT/INR. In this case, the rule is implemented in Cerner Millennium Discern.</a:t>
+              <a:t>Representative laboratory test utilization guidance implemented as notes in an order set. Additionally, the undesirable Vitamin D 1 25 Dihydroxy order is not selected by default. This intervention was not popular with physicians, because orders only accessible in order sets are not easily placed in some contexts like so-called “quick-orders pages” and “favorite orders lists.”</a:t>
             </a:r>
           </a:p>
         </p:txBody>
@@ -938,7 +938,7 @@
     </p:spTree>
     <p:extLst>
       <p:ext uri="{BB962C8B-B14F-4D97-AF65-F5344CB8AC3E}">
-        <p14:creationId xmlns:p14="http://schemas.microsoft.com/office/powerpoint/2010/main" val="2845251808"/>
+        <p14:creationId xmlns:p14="http://schemas.microsoft.com/office/powerpoint/2010/main" val="2206273083"/>
       </p:ext>
     </p:extLst>
   </p:cSld>
@@ -992,7 +992,10 @@
           <a:bodyPr/>
           <a:lstStyle/>
           <a:p>
-            <a:endParaRPr lang="en-US" dirty="0"/>
+            <a:r>
+              <a:rPr lang="en-US" dirty="0"/>
+              <a:t>Representative example of a rules-based ordering alert that is triggered when warfarin is ordered on a patient without a recent PT/INR. In this case, the rule is implemented in Cerner Millennium Discern.</a:t>
+            </a:r>
           </a:p>
         </p:txBody>
       </p:sp>
@@ -1014,6 +1017,90 @@
             <a:fld id="{9AF95328-D31D-45AB-991F-5F3DA55EDE23}" type="slidenum">
               <a:rPr lang="en-US" smtClean="0"/>
               <a:t>16</a:t>
+            </a:fld>
+            <a:endParaRPr lang="en-US"/>
+          </a:p>
+        </p:txBody>
+      </p:sp>
+    </p:spTree>
+    <p:extLst>
+      <p:ext uri="{BB962C8B-B14F-4D97-AF65-F5344CB8AC3E}">
+        <p14:creationId xmlns:p14="http://schemas.microsoft.com/office/powerpoint/2010/main" val="2845251808"/>
+      </p:ext>
+    </p:extLst>
+  </p:cSld>
+  <p:clrMapOvr>
+    <a:masterClrMapping/>
+  </p:clrMapOvr>
+</p:notes>
+</file>
+
+<file path=ppt/notesSlides/notesSlide7.xml><?xml version="1.0" encoding="utf-8"?>
+<p:notes xmlns:a="http://schemas.openxmlformats.org/drawingml/2006/main" xmlns:r="http://schemas.openxmlformats.org/officeDocument/2006/relationships" xmlns:p="http://schemas.openxmlformats.org/presentationml/2006/main">
+  <p:cSld>
+    <p:spTree>
+      <p:nvGrpSpPr>
+        <p:cNvPr id="1" name=""/>
+        <p:cNvGrpSpPr/>
+        <p:nvPr/>
+      </p:nvGrpSpPr>
+      <p:grpSpPr>
+        <a:xfrm>
+          <a:off x="0" y="0"/>
+          <a:ext cx="0" cy="0"/>
+          <a:chOff x="0" y="0"/>
+          <a:chExt cx="0" cy="0"/>
+        </a:xfrm>
+      </p:grpSpPr>
+      <p:sp>
+        <p:nvSpPr>
+          <p:cNvPr id="2" name="Slide Image Placeholder 1"/>
+          <p:cNvSpPr>
+            <a:spLocks noGrp="1" noRot="1" noChangeAspect="1"/>
+          </p:cNvSpPr>
+          <p:nvPr>
+            <p:ph type="sldImg"/>
+          </p:nvPr>
+        </p:nvSpPr>
+        <p:spPr/>
+      </p:sp>
+      <p:sp>
+        <p:nvSpPr>
+          <p:cNvPr id="3" name="Notes Placeholder 2"/>
+          <p:cNvSpPr>
+            <a:spLocks noGrp="1"/>
+          </p:cNvSpPr>
+          <p:nvPr>
+            <p:ph type="body" idx="1"/>
+          </p:nvPr>
+        </p:nvSpPr>
+        <p:spPr/>
+        <p:txBody>
+          <a:bodyPr/>
+          <a:lstStyle/>
+          <a:p>
+            <a:endParaRPr lang="en-US" dirty="0"/>
+          </a:p>
+        </p:txBody>
+      </p:sp>
+      <p:sp>
+        <p:nvSpPr>
+          <p:cNvPr id="4" name="Slide Number Placeholder 3"/>
+          <p:cNvSpPr>
+            <a:spLocks noGrp="1"/>
+          </p:cNvSpPr>
+          <p:nvPr>
+            <p:ph type="sldNum" sz="quarter" idx="5"/>
+          </p:nvPr>
+        </p:nvSpPr>
+        <p:spPr/>
+        <p:txBody>
+          <a:bodyPr/>
+          <a:lstStyle/>
+          <a:p>
+            <a:fld id="{9AF95328-D31D-45AB-991F-5F3DA55EDE23}" type="slidenum">
+              <a:rPr lang="en-US" smtClean="0"/>
+              <a:t>17</a:t>
             </a:fld>
             <a:endParaRPr lang="en-US"/>
           </a:p>
@@ -2191,59 +2278,43 @@
         </p:spPr>
         <p:txBody>
           <a:bodyPr>
-            <a:normAutofit lnSpcReduction="10000"/>
+            <a:normAutofit/>
           </a:bodyPr>
           <a:lstStyle/>
           <a:p>
+            <a:pPr marL="0" indent="0">
+              <a:buNone/>
+            </a:pPr>
             <a:r>
               <a:rPr lang="en-US" sz="2400" dirty="0"/>
-              <a:t>Drug – drug allergy alerts</a:t>
-            </a:r>
-          </a:p>
-          <a:p>
+              <a:t>Clinical decision support (CDS) provides clinicians, staff, patients or other individuals with knowledge and person-specific information, intelligently filtered or presented at appropriate times, to enhance health and health care. [1]</a:t>
+            </a:r>
+          </a:p>
+          <a:p>
+            <a:pPr marL="0" indent="0">
+              <a:buNone/>
+            </a:pPr>
+            <a:endParaRPr lang="en-US" sz="2400" dirty="0"/>
+          </a:p>
+          <a:p>
+            <a:pPr marL="0" indent="0" algn="ctr">
+              <a:buNone/>
+            </a:pPr>
             <a:r>
               <a:rPr lang="en-US" sz="2400" dirty="0"/>
-              <a:t>Teratogenic drug alerts in reproductive age women</a:t>
-            </a:r>
-          </a:p>
-          <a:p>
+              <a:t>Clinical Decision </a:t>
+            </a:r>
+            <a:r>
+              <a:rPr lang="en-US" sz="2400" i="1" dirty="0"/>
+              <a:t>Support</a:t>
+            </a:r>
             <a:r>
               <a:rPr lang="en-US" sz="2400" dirty="0"/>
-              <a:t>Laboratory test recommendations (</a:t>
-            </a:r>
-            <a:r>
-              <a:rPr lang="en-US" sz="2400" dirty="0" err="1"/>
-              <a:t>e.g</a:t>
-            </a:r>
-            <a:r>
-              <a:rPr lang="en-US" sz="2400" dirty="0"/>
-              <a:t>, overdue HbA1c in diabetic patient, overdue PT/INR in warfarin patient)</a:t>
-            </a:r>
-          </a:p>
-          <a:p>
-            <a:r>
-              <a:rPr lang="en-US" sz="2400" dirty="0"/>
-              <a:t>CPOE order sets (e.g., Cerner Millennium “</a:t>
-            </a:r>
-            <a:r>
-              <a:rPr lang="en-US" sz="2400" dirty="0" err="1"/>
-              <a:t>PowerPlans</a:t>
-            </a:r>
-            <a:r>
-              <a:rPr lang="en-US" sz="2400" dirty="0"/>
-              <a:t>”)</a:t>
-            </a:r>
-          </a:p>
-          <a:p>
-            <a:r>
-              <a:rPr lang="en-US" sz="2400" dirty="0"/>
-              <a:t>CPOE duplicate order alerts</a:t>
-            </a:r>
-          </a:p>
-          <a:p>
-            <a:r>
-              <a:rPr lang="en-US" sz="2400" dirty="0"/>
-              <a:t>CPOE test utilization alerts (e.g., are you sure you really want to order a 1,25-dihydroxy vitamin D level?)</a:t>
+              <a:t> ≠ Clinical Decision </a:t>
+            </a:r>
+            <a:r>
+              <a:rPr lang="en-US" sz="2400" i="1" dirty="0"/>
+              <a:t>Making</a:t>
             </a:r>
           </a:p>
         </p:txBody>
@@ -2279,7 +2350,7 @@
           <a:p>
             <a:r>
               <a:rPr lang="en-US" sz="3200" dirty="0"/>
-              <a:t>Common Examples of CDS</a:t>
+              <a:t>Clinical Decision Support</a:t>
             </a:r>
           </a:p>
         </p:txBody>
@@ -2313,7 +2384,7 @@
           <a:p>
             <a:r>
               <a:rPr lang="en-US" sz="1200" dirty="0"/>
-              <a:t>CPOE = Computerized Physician Order Entry</a:t>
+              <a:t>[1] Clinical Decision Support, https://www.healthit.gov/topic/safety/clinical-decision-support.</a:t>
             </a:r>
           </a:p>
         </p:txBody>
@@ -2321,7 +2392,7 @@
     </p:spTree>
     <p:extLst>
       <p:ext uri="{BB962C8B-B14F-4D97-AF65-F5344CB8AC3E}">
-        <p14:creationId xmlns:p14="http://schemas.microsoft.com/office/powerpoint/2010/main" val="1599165729"/>
+        <p14:creationId xmlns:p14="http://schemas.microsoft.com/office/powerpoint/2010/main" val="1071699876"/>
       </p:ext>
     </p:extLst>
   </p:cSld>
@@ -2360,63 +2431,65 @@
         </p:nvSpPr>
         <p:spPr>
           <a:xfrm>
-            <a:off x="2171700" y="1885950"/>
-            <a:ext cx="4800600" cy="2247294"/>
+            <a:off x="457200" y="1504950"/>
+            <a:ext cx="8229600" cy="3276600"/>
           </a:xfrm>
         </p:spPr>
         <p:txBody>
           <a:bodyPr>
-            <a:normAutofit/>
+            <a:normAutofit lnSpcReduction="10000"/>
           </a:bodyPr>
           <a:lstStyle/>
           <a:p>
-            <a:pPr marL="457200" indent="-457200">
-              <a:buFont typeface="+mj-lt"/>
-              <a:buAutoNum type="arabicPeriod"/>
-            </a:pPr>
             <a:r>
               <a:rPr lang="en-US" sz="2400" dirty="0"/>
-              <a:t>The right information</a:t>
-            </a:r>
-          </a:p>
-          <a:p>
-            <a:pPr marL="457200" indent="-457200">
-              <a:buFont typeface="+mj-lt"/>
-              <a:buAutoNum type="arabicPeriod"/>
-            </a:pPr>
+              <a:t>Drug – drug allergy alerts</a:t>
+            </a:r>
+          </a:p>
+          <a:p>
             <a:r>
               <a:rPr lang="en-US" sz="2400" dirty="0"/>
-              <a:t>To the right person</a:t>
-            </a:r>
-          </a:p>
-          <a:p>
-            <a:pPr marL="457200" indent="-457200">
-              <a:buFont typeface="+mj-lt"/>
-              <a:buAutoNum type="arabicPeriod"/>
-            </a:pPr>
+              <a:t>Teratogenic drug alerts in reproductive age women</a:t>
+            </a:r>
+          </a:p>
+          <a:p>
             <a:r>
               <a:rPr lang="en-US" sz="2400" dirty="0"/>
-              <a:t>In the right intervention format</a:t>
-            </a:r>
-          </a:p>
-          <a:p>
-            <a:pPr marL="457200" indent="-457200">
-              <a:buFont typeface="+mj-lt"/>
-              <a:buAutoNum type="arabicPeriod"/>
-            </a:pPr>
+              <a:t>Laboratory test recommendations (</a:t>
+            </a:r>
+            <a:r>
+              <a:rPr lang="en-US" sz="2400" dirty="0" err="1"/>
+              <a:t>e.g</a:t>
+            </a:r>
             <a:r>
               <a:rPr lang="en-US" sz="2400" dirty="0"/>
-              <a:t>Through the right channel</a:t>
-            </a:r>
-          </a:p>
-          <a:p>
-            <a:pPr marL="457200" indent="-457200">
-              <a:buFont typeface="+mj-lt"/>
-              <a:buAutoNum type="arabicPeriod"/>
-            </a:pPr>
+              <a:t>, overdue HbA1c in diabetic patient, overdue PT/INR in warfarin patient)</a:t>
+            </a:r>
+          </a:p>
+          <a:p>
             <a:r>
               <a:rPr lang="en-US" sz="2400" dirty="0"/>
-              <a:t>At the right time in the workflow</a:t>
+              <a:t>CPOE order sets (e.g., Cerner Millennium “</a:t>
+            </a:r>
+            <a:r>
+              <a:rPr lang="en-US" sz="2400" dirty="0" err="1"/>
+              <a:t>PowerPlans</a:t>
+            </a:r>
+            <a:r>
+              <a:rPr lang="en-US" sz="2400" dirty="0"/>
+              <a:t>”)</a:t>
+            </a:r>
+          </a:p>
+          <a:p>
+            <a:r>
+              <a:rPr lang="en-US" sz="2400" dirty="0"/>
+              <a:t>CPOE duplicate order alerts</a:t>
+            </a:r>
+          </a:p>
+          <a:p>
+            <a:r>
+              <a:rPr lang="en-US" sz="2400" dirty="0"/>
+              <a:t>CPOE test utilization alerts (e.g., are you sure you really want to order a 1,25-dihydroxy vitamin D level?)</a:t>
             </a:r>
           </a:p>
         </p:txBody>
@@ -2452,7 +2525,7 @@
           <a:p>
             <a:r>
               <a:rPr lang="en-US" sz="3200" dirty="0"/>
-              <a:t>5 “Rights” of Clinical Decision Support [1]</a:t>
+              <a:t>Common Examples of CDS</a:t>
             </a:r>
           </a:p>
         </p:txBody>
@@ -2486,15 +2559,7 @@
           <a:p>
             <a:r>
               <a:rPr lang="en-US" sz="1200" dirty="0"/>
-              <a:t>[1] </a:t>
-            </a:r>
-            <a:r>
-              <a:rPr lang="en-US" sz="1200" dirty="0" err="1"/>
-              <a:t>Osheroff</a:t>
-            </a:r>
-            <a:r>
-              <a:rPr lang="en-US" sz="1200" dirty="0"/>
-              <a:t> et al., Improving Outcomes with Clinical Decision Support: An Implementer's Guide, HIMSS Publishing, 2012.</a:t>
+              <a:t>CPOE = Computerized Physician Order Entry</a:t>
             </a:r>
           </a:p>
         </p:txBody>
@@ -2502,7 +2567,7 @@
     </p:spTree>
     <p:extLst>
       <p:ext uri="{BB962C8B-B14F-4D97-AF65-F5344CB8AC3E}">
-        <p14:creationId xmlns:p14="http://schemas.microsoft.com/office/powerpoint/2010/main" val="2623681798"/>
+        <p14:creationId xmlns:p14="http://schemas.microsoft.com/office/powerpoint/2010/main" val="1599165729"/>
       </p:ext>
     </p:extLst>
   </p:cSld>
@@ -2529,44 +2594,161 @@
           <a:chExt cx="0" cy="0"/>
         </a:xfrm>
       </p:grpSpPr>
-      <p:pic>
-        <p:nvPicPr>
-          <p:cNvPr id="2" name="Picture 1">
-            <a:extLst>
-              <a:ext uri="{FF2B5EF4-FFF2-40B4-BE49-F238E27FC236}">
-                <a16:creationId xmlns:a16="http://schemas.microsoft.com/office/drawing/2014/main" id="{0F4CFF2D-31DF-4314-AF41-9978E51C7DC5}"/>
-              </a:ext>
-            </a:extLst>
-          </p:cNvPr>
-          <p:cNvPicPr>
-            <a:picLocks noChangeAspect="1"/>
-          </p:cNvPicPr>
-          <p:nvPr/>
-        </p:nvPicPr>
-        <p:blipFill rotWithShape="1">
-          <a:blip r:embed="rId3"/>
-          <a:srcRect t="14600" b="3114"/>
-          <a:stretch/>
-        </p:blipFill>
-        <p:spPr>
-          <a:xfrm>
-            <a:off x="1039053" y="906942"/>
-            <a:ext cx="7065894" cy="4027008"/>
+      <p:sp>
+        <p:nvSpPr>
+          <p:cNvPr id="2" name="Content Placeholder 1"/>
+          <p:cNvSpPr>
+            <a:spLocks noGrp="1"/>
+          </p:cNvSpPr>
+          <p:nvPr>
+            <p:ph idx="1"/>
+          </p:nvPr>
+        </p:nvSpPr>
+        <p:spPr>
+          <a:xfrm>
+            <a:off x="2171700" y="1885950"/>
+            <a:ext cx="4800600" cy="2247294"/>
+          </a:xfrm>
+        </p:spPr>
+        <p:txBody>
+          <a:bodyPr>
+            <a:normAutofit/>
+          </a:bodyPr>
+          <a:lstStyle/>
+          <a:p>
+            <a:pPr marL="457200" indent="-457200">
+              <a:buFont typeface="+mj-lt"/>
+              <a:buAutoNum type="arabicPeriod"/>
+            </a:pPr>
+            <a:r>
+              <a:rPr lang="en-US" sz="2400" dirty="0"/>
+              <a:t>The right information</a:t>
+            </a:r>
+          </a:p>
+          <a:p>
+            <a:pPr marL="457200" indent="-457200">
+              <a:buFont typeface="+mj-lt"/>
+              <a:buAutoNum type="arabicPeriod"/>
+            </a:pPr>
+            <a:r>
+              <a:rPr lang="en-US" sz="2400" dirty="0"/>
+              <a:t>To the right person</a:t>
+            </a:r>
+          </a:p>
+          <a:p>
+            <a:pPr marL="457200" indent="-457200">
+              <a:buFont typeface="+mj-lt"/>
+              <a:buAutoNum type="arabicPeriod"/>
+            </a:pPr>
+            <a:r>
+              <a:rPr lang="en-US" sz="2400" dirty="0"/>
+              <a:t>In the right intervention format</a:t>
+            </a:r>
+          </a:p>
+          <a:p>
+            <a:pPr marL="457200" indent="-457200">
+              <a:buFont typeface="+mj-lt"/>
+              <a:buAutoNum type="arabicPeriod"/>
+            </a:pPr>
+            <a:r>
+              <a:rPr lang="en-US" sz="2400" dirty="0"/>
+              <a:t>Through the right channel</a:t>
+            </a:r>
+          </a:p>
+          <a:p>
+            <a:pPr marL="457200" indent="-457200">
+              <a:buFont typeface="+mj-lt"/>
+              <a:buAutoNum type="arabicPeriod"/>
+            </a:pPr>
+            <a:r>
+              <a:rPr lang="en-US" sz="2400" dirty="0"/>
+              <a:t>At the right time in the workflow</a:t>
+            </a:r>
+          </a:p>
+        </p:txBody>
+      </p:sp>
+      <p:sp>
+        <p:nvSpPr>
+          <p:cNvPr id="3" name="Title 2">
+            <a:extLst>
+              <a:ext uri="{FF2B5EF4-FFF2-40B4-BE49-F238E27FC236}">
+                <a16:creationId xmlns:a16="http://schemas.microsoft.com/office/drawing/2014/main" id="{FB4C6C0D-CDA1-43E3-8CDA-F4D3F58AC9C7}"/>
+              </a:ext>
+            </a:extLst>
+          </p:cNvPr>
+          <p:cNvSpPr>
+            <a:spLocks noGrp="1"/>
+          </p:cNvSpPr>
+          <p:nvPr>
+            <p:ph type="title" idx="4294967295"/>
+          </p:nvPr>
+        </p:nvSpPr>
+        <p:spPr>
+          <a:xfrm>
+            <a:off x="628650" y="895350"/>
+            <a:ext cx="7886700" cy="495907"/>
           </a:xfrm>
           <a:prstGeom prst="rect">
             <a:avLst/>
           </a:prstGeom>
-          <a:ln>
-            <a:solidFill>
-              <a:schemeClr val="accent1"/>
-            </a:solidFill>
-          </a:ln>
-        </p:spPr>
-      </p:pic>
+        </p:spPr>
+        <p:txBody>
+          <a:bodyPr/>
+          <a:lstStyle/>
+          <a:p>
+            <a:r>
+              <a:rPr lang="en-US" sz="3200" dirty="0"/>
+              <a:t>5 “Rights” of Clinical Decision Support [1]</a:t>
+            </a:r>
+          </a:p>
+        </p:txBody>
+      </p:sp>
+      <p:sp>
+        <p:nvSpPr>
+          <p:cNvPr id="4" name="Rectangle 3">
+            <a:extLst>
+              <a:ext uri="{FF2B5EF4-FFF2-40B4-BE49-F238E27FC236}">
+                <a16:creationId xmlns:a16="http://schemas.microsoft.com/office/drawing/2014/main" id="{67E10179-023D-40FC-8F86-E7498D20F51B}"/>
+              </a:ext>
+            </a:extLst>
+          </p:cNvPr>
+          <p:cNvSpPr/>
+          <p:nvPr/>
+        </p:nvSpPr>
+        <p:spPr>
+          <a:xfrm>
+            <a:off x="0" y="4866501"/>
+            <a:ext cx="9144000" cy="276999"/>
+          </a:xfrm>
+          <a:prstGeom prst="rect">
+            <a:avLst/>
+          </a:prstGeom>
+        </p:spPr>
+        <p:txBody>
+          <a:bodyPr wrap="square">
+            <a:spAutoFit/>
+          </a:bodyPr>
+          <a:lstStyle/>
+          <a:p>
+            <a:r>
+              <a:rPr lang="en-US" sz="1200" dirty="0"/>
+              <a:t>[1] </a:t>
+            </a:r>
+            <a:r>
+              <a:rPr lang="en-US" sz="1200" dirty="0" err="1"/>
+              <a:t>Osheroff</a:t>
+            </a:r>
+            <a:r>
+              <a:rPr lang="en-US" sz="1200" dirty="0"/>
+              <a:t> et al., Improving Outcomes with Clinical Decision Support: An Implementer's Guide, HIMSS Publishing, 2012.</a:t>
+            </a:r>
+          </a:p>
+        </p:txBody>
+      </p:sp>
     </p:spTree>
     <p:extLst>
       <p:ext uri="{BB962C8B-B14F-4D97-AF65-F5344CB8AC3E}">
-        <p14:creationId xmlns:p14="http://schemas.microsoft.com/office/powerpoint/2010/main" val="2009511500"/>
+        <p14:creationId xmlns:p14="http://schemas.microsoft.com/office/powerpoint/2010/main" val="2623681798"/>
       </p:ext>
     </p:extLst>
   </p:cSld>
@@ -2595,10 +2777,10 @@
       </p:grpSpPr>
       <p:pic>
         <p:nvPicPr>
-          <p:cNvPr id="3" name="Picture 2">
-            <a:extLst>
-              <a:ext uri="{FF2B5EF4-FFF2-40B4-BE49-F238E27FC236}">
-                <a16:creationId xmlns:a16="http://schemas.microsoft.com/office/drawing/2014/main" id="{2260AC26-BA6E-4B87-A33D-11F43634B033}"/>
+          <p:cNvPr id="2" name="Picture 1">
+            <a:extLst>
+              <a:ext uri="{FF2B5EF4-FFF2-40B4-BE49-F238E27FC236}">
+                <a16:creationId xmlns:a16="http://schemas.microsoft.com/office/drawing/2014/main" id="{0F4CFF2D-31DF-4314-AF41-9978E51C7DC5}"/>
               </a:ext>
             </a:extLst>
           </p:cNvPr>
@@ -2607,26 +2789,30 @@
           </p:cNvPicPr>
           <p:nvPr/>
         </p:nvPicPr>
-        <p:blipFill>
+        <p:blipFill rotWithShape="1">
           <a:blip r:embed="rId3"/>
-          <a:stretch>
-            <a:fillRect/>
-          </a:stretch>
+          <a:srcRect t="14600" b="3114"/>
+          <a:stretch/>
         </p:blipFill>
         <p:spPr>
           <a:xfrm>
-            <a:off x="1076325" y="971550"/>
-            <a:ext cx="6991350" cy="4000500"/>
+            <a:off x="1039053" y="906942"/>
+            <a:ext cx="7065894" cy="4027008"/>
           </a:xfrm>
           <a:prstGeom prst="rect">
             <a:avLst/>
           </a:prstGeom>
+          <a:ln>
+            <a:solidFill>
+              <a:schemeClr val="accent1"/>
+            </a:solidFill>
+          </a:ln>
         </p:spPr>
       </p:pic>
     </p:spTree>
     <p:extLst>
       <p:ext uri="{BB962C8B-B14F-4D97-AF65-F5344CB8AC3E}">
-        <p14:creationId xmlns:p14="http://schemas.microsoft.com/office/powerpoint/2010/main" val="3991898929"/>
+        <p14:creationId xmlns:p14="http://schemas.microsoft.com/office/powerpoint/2010/main" val="2009511500"/>
       </p:ext>
     </p:extLst>
   </p:cSld>
@@ -2658,7 +2844,7 @@
           <p:cNvPr id="3" name="Picture 2">
             <a:extLst>
               <a:ext uri="{FF2B5EF4-FFF2-40B4-BE49-F238E27FC236}">
-                <a16:creationId xmlns:a16="http://schemas.microsoft.com/office/drawing/2014/main" id="{BE927CA2-F0AA-4295-BB60-C6EDA5EF5CDF}"/>
+                <a16:creationId xmlns:a16="http://schemas.microsoft.com/office/drawing/2014/main" id="{2260AC26-BA6E-4B87-A33D-11F43634B033}"/>
               </a:ext>
             </a:extLst>
           </p:cNvPr>
@@ -2675,23 +2861,18 @@
         </p:blipFill>
         <p:spPr>
           <a:xfrm>
-            <a:off x="385762" y="971550"/>
-            <a:ext cx="8372475" cy="3924300"/>
+            <a:off x="1076325" y="971550"/>
+            <a:ext cx="6991350" cy="4000500"/>
           </a:xfrm>
           <a:prstGeom prst="rect">
             <a:avLst/>
           </a:prstGeom>
-          <a:ln>
-            <a:solidFill>
-              <a:schemeClr val="accent1"/>
-            </a:solidFill>
-          </a:ln>
         </p:spPr>
       </p:pic>
     </p:spTree>
     <p:extLst>
       <p:ext uri="{BB962C8B-B14F-4D97-AF65-F5344CB8AC3E}">
-        <p14:creationId xmlns:p14="http://schemas.microsoft.com/office/powerpoint/2010/main" val="2539670803"/>
+        <p14:creationId xmlns:p14="http://schemas.microsoft.com/office/powerpoint/2010/main" val="3991898929"/>
       </p:ext>
     </p:extLst>
   </p:cSld>
@@ -2720,124 +2901,43 @@
       </p:grpSpPr>
       <p:pic>
         <p:nvPicPr>
-          <p:cNvPr id="1026" name="Picture 2">
-            <a:extLst>
-              <a:ext uri="{FF2B5EF4-FFF2-40B4-BE49-F238E27FC236}">
-                <a16:creationId xmlns:a16="http://schemas.microsoft.com/office/drawing/2014/main" id="{B028E558-79DA-472A-A3D7-3927278BF8A1}"/>
+          <p:cNvPr id="3" name="Picture 2">
+            <a:extLst>
+              <a:ext uri="{FF2B5EF4-FFF2-40B4-BE49-F238E27FC236}">
+                <a16:creationId xmlns:a16="http://schemas.microsoft.com/office/drawing/2014/main" id="{BE927CA2-F0AA-4295-BB60-C6EDA5EF5CDF}"/>
               </a:ext>
             </a:extLst>
           </p:cNvPr>
           <p:cNvPicPr>
-            <a:picLocks noChangeAspect="1" noChangeArrowheads="1"/>
+            <a:picLocks noChangeAspect="1"/>
           </p:cNvPicPr>
           <p:nvPr/>
         </p:nvPicPr>
-        <p:blipFill rotWithShape="1">
-          <a:blip r:embed="rId3">
-            <a:extLst>
-              <a:ext uri="{28A0092B-C50C-407E-A947-70E740481C1C}">
-                <a14:useLocalDpi xmlns:a14="http://schemas.microsoft.com/office/drawing/2010/main" val="0"/>
-              </a:ext>
-            </a:extLst>
-          </a:blip>
-          <a:srcRect t="76277"/>
-          <a:stretch/>
+        <p:blipFill>
+          <a:blip r:embed="rId3"/>
+          <a:stretch>
+            <a:fillRect/>
+          </a:stretch>
         </p:blipFill>
-        <p:spPr bwMode="auto">
-          <a:xfrm>
-            <a:off x="2618427" y="3790950"/>
-            <a:ext cx="3907143" cy="1160732"/>
+        <p:spPr>
+          <a:xfrm>
+            <a:off x="385762" y="971550"/>
+            <a:ext cx="8372475" cy="3924300"/>
           </a:xfrm>
           <a:prstGeom prst="rect">
             <a:avLst/>
           </a:prstGeom>
-          <a:noFill/>
           <a:ln>
-            <a:noFill/>
+            <a:solidFill>
+              <a:schemeClr val="accent1"/>
+            </a:solidFill>
           </a:ln>
-          <a:extLst>
-            <a:ext uri="{909E8E84-426E-40DD-AFC4-6F175D3DCCD1}">
-              <a14:hiddenFill xmlns:a14="http://schemas.microsoft.com/office/drawing/2010/main">
-                <a:solidFill>
-                  <a:srgbClr val="FFFFFF"/>
-                </a:solidFill>
-              </a14:hiddenFill>
-            </a:ext>
-            <a:ext uri="{91240B29-F687-4F45-9708-019B960494DF}">
-              <a14:hiddenLine xmlns:a14="http://schemas.microsoft.com/office/drawing/2010/main" w="9525">
-                <a:solidFill>
-                  <a:srgbClr val="000000"/>
-                </a:solidFill>
-                <a:miter lim="800000"/>
-                <a:headEnd/>
-                <a:tailEnd/>
-              </a14:hiddenLine>
-            </a:ext>
-          </a:extLst>
-        </p:spPr>
-      </p:pic>
-      <p:pic>
-        <p:nvPicPr>
-          <p:cNvPr id="1027" name="Picture 3">
-            <a:extLst>
-              <a:ext uri="{FF2B5EF4-FFF2-40B4-BE49-F238E27FC236}">
-                <a16:creationId xmlns:a16="http://schemas.microsoft.com/office/drawing/2014/main" id="{F5E88CF5-C4FD-4472-AEFE-488B0B2A05E9}"/>
-              </a:ext>
-            </a:extLst>
-          </p:cNvPr>
-          <p:cNvPicPr>
-            <a:picLocks noChangeAspect="1" noChangeArrowheads="1"/>
-          </p:cNvPicPr>
-          <p:nvPr/>
-        </p:nvPicPr>
-        <p:blipFill rotWithShape="1">
-          <a:blip r:embed="rId3">
-            <a:extLst>
-              <a:ext uri="{28A0092B-C50C-407E-A947-70E740481C1C}">
-                <a14:useLocalDpi xmlns:a14="http://schemas.microsoft.com/office/drawing/2010/main" val="0"/>
-              </a:ext>
-            </a:extLst>
-          </a:blip>
-          <a:srcRect b="39562"/>
-          <a:stretch/>
-        </p:blipFill>
-        <p:spPr bwMode="auto">
-          <a:xfrm>
-            <a:off x="2618428" y="971550"/>
-            <a:ext cx="3907143" cy="2957145"/>
-          </a:xfrm>
-          <a:prstGeom prst="rect">
-            <a:avLst/>
-          </a:prstGeom>
-          <a:noFill/>
-          <a:ln>
-            <a:noFill/>
-          </a:ln>
-          <a:extLst>
-            <a:ext uri="{909E8E84-426E-40DD-AFC4-6F175D3DCCD1}">
-              <a14:hiddenFill xmlns:a14="http://schemas.microsoft.com/office/drawing/2010/main">
-                <a:solidFill>
-                  <a:srgbClr val="FFFFFF"/>
-                </a:solidFill>
-              </a14:hiddenFill>
-            </a:ext>
-            <a:ext uri="{91240B29-F687-4F45-9708-019B960494DF}">
-              <a14:hiddenLine xmlns:a14="http://schemas.microsoft.com/office/drawing/2010/main" w="9525">
-                <a:solidFill>
-                  <a:srgbClr val="000000"/>
-                </a:solidFill>
-                <a:miter lim="800000"/>
-                <a:headEnd/>
-                <a:tailEnd/>
-              </a14:hiddenLine>
-            </a:ext>
-          </a:extLst>
         </p:spPr>
       </p:pic>
     </p:spTree>
     <p:extLst>
       <p:ext uri="{BB962C8B-B14F-4D97-AF65-F5344CB8AC3E}">
-        <p14:creationId xmlns:p14="http://schemas.microsoft.com/office/powerpoint/2010/main" val="1410003262"/>
+        <p14:creationId xmlns:p14="http://schemas.microsoft.com/office/powerpoint/2010/main" val="2539670803"/>
       </p:ext>
     </p:extLst>
   </p:cSld>
@@ -2864,356 +2964,126 @@
           <a:chExt cx="0" cy="0"/>
         </a:xfrm>
       </p:grpSpPr>
-      <p:sp>
-        <p:nvSpPr>
-          <p:cNvPr id="3" name="Title 2">
-            <a:extLst>
-              <a:ext uri="{FF2B5EF4-FFF2-40B4-BE49-F238E27FC236}">
-                <a16:creationId xmlns:a16="http://schemas.microsoft.com/office/drawing/2014/main" id="{FB4C6C0D-CDA1-43E3-8CDA-F4D3F58AC9C7}"/>
-              </a:ext>
-            </a:extLst>
-          </p:cNvPr>
-          <p:cNvSpPr>
-            <a:spLocks noGrp="1"/>
-          </p:cNvSpPr>
-          <p:nvPr>
-            <p:ph type="title" idx="4294967295"/>
-          </p:nvPr>
-        </p:nvSpPr>
-        <p:spPr>
-          <a:xfrm>
-            <a:off x="628650" y="895350"/>
-            <a:ext cx="7886700" cy="495907"/>
+      <p:pic>
+        <p:nvPicPr>
+          <p:cNvPr id="1026" name="Picture 2">
+            <a:extLst>
+              <a:ext uri="{FF2B5EF4-FFF2-40B4-BE49-F238E27FC236}">
+                <a16:creationId xmlns:a16="http://schemas.microsoft.com/office/drawing/2014/main" id="{B028E558-79DA-472A-A3D7-3927278BF8A1}"/>
+              </a:ext>
+            </a:extLst>
+          </p:cNvPr>
+          <p:cNvPicPr>
+            <a:picLocks noChangeAspect="1" noChangeArrowheads="1"/>
+          </p:cNvPicPr>
+          <p:nvPr/>
+        </p:nvPicPr>
+        <p:blipFill rotWithShape="1">
+          <a:blip r:embed="rId3">
+            <a:extLst>
+              <a:ext uri="{28A0092B-C50C-407E-A947-70E740481C1C}">
+                <a14:useLocalDpi xmlns:a14="http://schemas.microsoft.com/office/drawing/2010/main" val="0"/>
+              </a:ext>
+            </a:extLst>
+          </a:blip>
+          <a:srcRect t="76277"/>
+          <a:stretch/>
+        </p:blipFill>
+        <p:spPr bwMode="auto">
+          <a:xfrm>
+            <a:off x="2618427" y="3790950"/>
+            <a:ext cx="3907143" cy="1160732"/>
           </a:xfrm>
           <a:prstGeom prst="rect">
             <a:avLst/>
           </a:prstGeom>
-        </p:spPr>
-        <p:txBody>
-          <a:bodyPr/>
-          <a:lstStyle/>
-          <a:p>
-            <a:r>
-              <a:rPr lang="en-US" sz="3200" dirty="0"/>
-              <a:t>How do we get out-of-the box CDS?</a:t>
-            </a:r>
-          </a:p>
-        </p:txBody>
-      </p:sp>
-      <p:sp>
-        <p:nvSpPr>
-          <p:cNvPr id="7" name="Rectangle 6">
-            <a:extLst>
-              <a:ext uri="{FF2B5EF4-FFF2-40B4-BE49-F238E27FC236}">
-                <a16:creationId xmlns:a16="http://schemas.microsoft.com/office/drawing/2014/main" id="{A14AB1F7-F598-48C3-BA42-29A24DA1AC8C}"/>
-              </a:ext>
-            </a:extLst>
-          </p:cNvPr>
-          <p:cNvSpPr/>
-          <p:nvPr/>
-        </p:nvSpPr>
-        <p:spPr>
-          <a:xfrm>
-            <a:off x="1143000" y="1950482"/>
-            <a:ext cx="2438400" cy="2057400"/>
+          <a:noFill/>
+          <a:ln>
+            <a:noFill/>
+          </a:ln>
+          <a:extLst>
+            <a:ext uri="{909E8E84-426E-40DD-AFC4-6F175D3DCCD1}">
+              <a14:hiddenFill xmlns:a14="http://schemas.microsoft.com/office/drawing/2010/main">
+                <a:solidFill>
+                  <a:srgbClr val="FFFFFF"/>
+                </a:solidFill>
+              </a14:hiddenFill>
+            </a:ext>
+            <a:ext uri="{91240B29-F687-4F45-9708-019B960494DF}">
+              <a14:hiddenLine xmlns:a14="http://schemas.microsoft.com/office/drawing/2010/main" w="9525">
+                <a:solidFill>
+                  <a:srgbClr val="000000"/>
+                </a:solidFill>
+                <a:miter lim="800000"/>
+                <a:headEnd/>
+                <a:tailEnd/>
+              </a14:hiddenLine>
+            </a:ext>
+          </a:extLst>
+        </p:spPr>
+      </p:pic>
+      <p:pic>
+        <p:nvPicPr>
+          <p:cNvPr id="1027" name="Picture 3">
+            <a:extLst>
+              <a:ext uri="{FF2B5EF4-FFF2-40B4-BE49-F238E27FC236}">
+                <a16:creationId xmlns:a16="http://schemas.microsoft.com/office/drawing/2014/main" id="{F5E88CF5-C4FD-4472-AEFE-488B0B2A05E9}"/>
+              </a:ext>
+            </a:extLst>
+          </p:cNvPr>
+          <p:cNvPicPr>
+            <a:picLocks noChangeAspect="1" noChangeArrowheads="1"/>
+          </p:cNvPicPr>
+          <p:nvPr/>
+        </p:nvPicPr>
+        <p:blipFill rotWithShape="1">
+          <a:blip r:embed="rId3">
+            <a:extLst>
+              <a:ext uri="{28A0092B-C50C-407E-A947-70E740481C1C}">
+                <a14:useLocalDpi xmlns:a14="http://schemas.microsoft.com/office/drawing/2010/main" val="0"/>
+              </a:ext>
+            </a:extLst>
+          </a:blip>
+          <a:srcRect b="39562"/>
+          <a:stretch/>
+        </p:blipFill>
+        <p:spPr bwMode="auto">
+          <a:xfrm>
+            <a:off x="2618428" y="971550"/>
+            <a:ext cx="3907143" cy="2957145"/>
           </a:xfrm>
           <a:prstGeom prst="rect">
             <a:avLst/>
           </a:prstGeom>
-        </p:spPr>
-        <p:style>
-          <a:lnRef idx="1">
-            <a:schemeClr val="accent1"/>
-          </a:lnRef>
-          <a:fillRef idx="3">
-            <a:schemeClr val="accent1"/>
-          </a:fillRef>
-          <a:effectRef idx="2">
-            <a:schemeClr val="accent1"/>
-          </a:effectRef>
-          <a:fontRef idx="minor">
-            <a:schemeClr val="lt1"/>
-          </a:fontRef>
-        </p:style>
-        <p:txBody>
-          <a:bodyPr rtlCol="0" anchor="t" anchorCtr="0"/>
-          <a:lstStyle/>
-          <a:p>
-            <a:pPr algn="ctr"/>
-            <a:r>
-              <a:rPr lang="en-US" dirty="0"/>
-              <a:t>EMR Feature Set</a:t>
-            </a:r>
-          </a:p>
-          <a:p>
-            <a:pPr algn="ctr"/>
-            <a:r>
-              <a:rPr lang="en-US" dirty="0"/>
-              <a:t>“the box”</a:t>
-            </a:r>
-          </a:p>
-        </p:txBody>
-      </p:sp>
-      <p:sp>
-        <p:nvSpPr>
-          <p:cNvPr id="8" name="Rectangle 7">
-            <a:extLst>
-              <a:ext uri="{FF2B5EF4-FFF2-40B4-BE49-F238E27FC236}">
-                <a16:creationId xmlns:a16="http://schemas.microsoft.com/office/drawing/2014/main" id="{C065093A-745F-49CD-970D-F9E0C7336FA4}"/>
-              </a:ext>
-            </a:extLst>
-          </p:cNvPr>
-          <p:cNvSpPr/>
-          <p:nvPr/>
-        </p:nvSpPr>
-        <p:spPr>
-          <a:xfrm>
-            <a:off x="1257300" y="3169682"/>
-            <a:ext cx="2209800" cy="723900"/>
-          </a:xfrm>
-          <a:prstGeom prst="rect">
-            <a:avLst/>
-          </a:prstGeom>
-          <a:solidFill>
-            <a:srgbClr val="4BC4C2"/>
-          </a:solidFill>
-        </p:spPr>
-        <p:style>
-          <a:lnRef idx="1">
-            <a:schemeClr val="accent1"/>
-          </a:lnRef>
-          <a:fillRef idx="3">
-            <a:schemeClr val="accent1"/>
-          </a:fillRef>
-          <a:effectRef idx="2">
-            <a:schemeClr val="accent1"/>
-          </a:effectRef>
-          <a:fontRef idx="minor">
-            <a:schemeClr val="lt1"/>
-          </a:fontRef>
-        </p:style>
-        <p:txBody>
-          <a:bodyPr rtlCol="0" anchor="ctr"/>
-          <a:lstStyle/>
-          <a:p>
-            <a:pPr algn="ctr"/>
-            <a:r>
-              <a:rPr lang="en-US" dirty="0"/>
-              <a:t>Clinical Decision Support functionality</a:t>
-            </a:r>
-          </a:p>
-        </p:txBody>
-      </p:sp>
-      <p:sp>
-        <p:nvSpPr>
-          <p:cNvPr id="9" name="Rectangle 8">
-            <a:extLst>
-              <a:ext uri="{FF2B5EF4-FFF2-40B4-BE49-F238E27FC236}">
-                <a16:creationId xmlns:a16="http://schemas.microsoft.com/office/drawing/2014/main" id="{A2C7D3EF-C964-439B-8E03-A2511344DE5E}"/>
-              </a:ext>
-            </a:extLst>
-          </p:cNvPr>
-          <p:cNvSpPr/>
-          <p:nvPr/>
-        </p:nvSpPr>
-        <p:spPr>
-          <a:xfrm>
-            <a:off x="5524500" y="1952864"/>
-            <a:ext cx="2438400" cy="2057400"/>
-          </a:xfrm>
-          <a:prstGeom prst="rect">
-            <a:avLst/>
-          </a:prstGeom>
-        </p:spPr>
-        <p:style>
-          <a:lnRef idx="1">
-            <a:schemeClr val="accent1"/>
-          </a:lnRef>
-          <a:fillRef idx="3">
-            <a:schemeClr val="accent1"/>
-          </a:fillRef>
-          <a:effectRef idx="2">
-            <a:schemeClr val="accent1"/>
-          </a:effectRef>
-          <a:fontRef idx="minor">
-            <a:schemeClr val="lt1"/>
-          </a:fontRef>
-        </p:style>
-        <p:txBody>
-          <a:bodyPr rtlCol="0" anchor="t" anchorCtr="0"/>
-          <a:lstStyle/>
-          <a:p>
-            <a:pPr algn="ctr"/>
-            <a:r>
-              <a:rPr lang="en-US" dirty="0"/>
-              <a:t>EMR Feature Set</a:t>
-            </a:r>
-          </a:p>
-          <a:p>
-            <a:pPr algn="ctr"/>
-            <a:r>
-              <a:rPr lang="en-US" dirty="0"/>
-              <a:t>“the box”</a:t>
-            </a:r>
-          </a:p>
-        </p:txBody>
-      </p:sp>
-      <p:sp>
-        <p:nvSpPr>
-          <p:cNvPr id="10" name="Rectangle 9">
-            <a:extLst>
-              <a:ext uri="{FF2B5EF4-FFF2-40B4-BE49-F238E27FC236}">
-                <a16:creationId xmlns:a16="http://schemas.microsoft.com/office/drawing/2014/main" id="{AA555322-6F15-4E7F-B0BD-9F75565B7C5D}"/>
-              </a:ext>
-            </a:extLst>
-          </p:cNvPr>
-          <p:cNvSpPr/>
-          <p:nvPr/>
-        </p:nvSpPr>
-        <p:spPr>
-          <a:xfrm>
-            <a:off x="4800600" y="3176826"/>
-            <a:ext cx="3886200" cy="723900"/>
-          </a:xfrm>
-          <a:prstGeom prst="rect">
-            <a:avLst/>
-          </a:prstGeom>
-          <a:solidFill>
-            <a:srgbClr val="4BC4C2"/>
-          </a:solidFill>
-        </p:spPr>
-        <p:style>
-          <a:lnRef idx="1">
-            <a:schemeClr val="accent1"/>
-          </a:lnRef>
-          <a:fillRef idx="3">
-            <a:schemeClr val="accent1"/>
-          </a:fillRef>
-          <a:effectRef idx="2">
-            <a:schemeClr val="accent1"/>
-          </a:effectRef>
-          <a:fontRef idx="minor">
-            <a:schemeClr val="lt1"/>
-          </a:fontRef>
-        </p:style>
-        <p:txBody>
-          <a:bodyPr rtlCol="0" anchor="ctr"/>
-          <a:lstStyle/>
-          <a:p>
-            <a:pPr algn="ctr"/>
-            <a:r>
-              <a:rPr lang="en-US" dirty="0"/>
-              <a:t>Clinical Decision Support functionality</a:t>
-            </a:r>
-          </a:p>
-        </p:txBody>
-      </p:sp>
-      <p:sp>
-        <p:nvSpPr>
-          <p:cNvPr id="11" name="Rectangle 10">
-            <a:extLst>
-              <a:ext uri="{FF2B5EF4-FFF2-40B4-BE49-F238E27FC236}">
-                <a16:creationId xmlns:a16="http://schemas.microsoft.com/office/drawing/2014/main" id="{B89F6347-178C-4109-A281-EF4989F10583}"/>
-              </a:ext>
-            </a:extLst>
-          </p:cNvPr>
-          <p:cNvSpPr/>
-          <p:nvPr/>
-        </p:nvSpPr>
-        <p:spPr>
-          <a:xfrm>
-            <a:off x="1582018" y="1504950"/>
-            <a:ext cx="1560364" cy="369332"/>
-          </a:xfrm>
-          <a:prstGeom prst="rect">
-            <a:avLst/>
-          </a:prstGeom>
-        </p:spPr>
-        <p:txBody>
-          <a:bodyPr wrap="none">
-            <a:spAutoFit/>
-          </a:bodyPr>
-          <a:lstStyle/>
-          <a:p>
-            <a:r>
-              <a:rPr lang="en-US" u="sng" dirty="0"/>
-              <a:t>in-the box CDS</a:t>
-            </a:r>
-          </a:p>
-        </p:txBody>
-      </p:sp>
-      <p:sp>
-        <p:nvSpPr>
-          <p:cNvPr id="12" name="Rectangle 11">
-            <a:extLst>
-              <a:ext uri="{FF2B5EF4-FFF2-40B4-BE49-F238E27FC236}">
-                <a16:creationId xmlns:a16="http://schemas.microsoft.com/office/drawing/2014/main" id="{E14A4E42-8ABF-453A-9000-0E10966F8623}"/>
-              </a:ext>
-            </a:extLst>
-          </p:cNvPr>
-          <p:cNvSpPr/>
-          <p:nvPr/>
-        </p:nvSpPr>
-        <p:spPr>
-          <a:xfrm>
-            <a:off x="5412887" y="1504950"/>
-            <a:ext cx="2661626" cy="369332"/>
-          </a:xfrm>
-          <a:prstGeom prst="rect">
-            <a:avLst/>
-          </a:prstGeom>
-        </p:spPr>
-        <p:txBody>
-          <a:bodyPr wrap="none">
-            <a:spAutoFit/>
-          </a:bodyPr>
-          <a:lstStyle/>
-          <a:p>
-            <a:r>
-              <a:rPr lang="en-US" u="sng" dirty="0"/>
-              <a:t>in-and-out-of-the-box CDS</a:t>
-            </a:r>
-          </a:p>
-        </p:txBody>
-      </p:sp>
-      <p:sp>
-        <p:nvSpPr>
-          <p:cNvPr id="13" name="Rectangle 12">
-            <a:extLst>
-              <a:ext uri="{FF2B5EF4-FFF2-40B4-BE49-F238E27FC236}">
-                <a16:creationId xmlns:a16="http://schemas.microsoft.com/office/drawing/2014/main" id="{32D0C4F0-8C32-47EE-9C32-DA7EE4CCC3E6}"/>
-              </a:ext>
-            </a:extLst>
-          </p:cNvPr>
-          <p:cNvSpPr/>
-          <p:nvPr/>
-        </p:nvSpPr>
-        <p:spPr>
-          <a:xfrm>
-            <a:off x="1295400" y="4248150"/>
-            <a:ext cx="6553200" cy="646331"/>
-          </a:xfrm>
-          <a:prstGeom prst="rect">
-            <a:avLst/>
-          </a:prstGeom>
-        </p:spPr>
-        <p:txBody>
-          <a:bodyPr wrap="square">
-            <a:spAutoFit/>
-          </a:bodyPr>
-          <a:lstStyle/>
-          <a:p>
-            <a:r>
-              <a:rPr lang="en-US" dirty="0"/>
-              <a:t>More specifically, how do we get out-of-the-box CDS functionality while still respecting the 5 rights?</a:t>
-            </a:r>
-          </a:p>
-        </p:txBody>
-      </p:sp>
+          <a:noFill/>
+          <a:ln>
+            <a:noFill/>
+          </a:ln>
+          <a:extLst>
+            <a:ext uri="{909E8E84-426E-40DD-AFC4-6F175D3DCCD1}">
+              <a14:hiddenFill xmlns:a14="http://schemas.microsoft.com/office/drawing/2010/main">
+                <a:solidFill>
+                  <a:srgbClr val="FFFFFF"/>
+                </a:solidFill>
+              </a14:hiddenFill>
+            </a:ext>
+            <a:ext uri="{91240B29-F687-4F45-9708-019B960494DF}">
+              <a14:hiddenLine xmlns:a14="http://schemas.microsoft.com/office/drawing/2010/main" w="9525">
+                <a:solidFill>
+                  <a:srgbClr val="000000"/>
+                </a:solidFill>
+                <a:miter lim="800000"/>
+                <a:headEnd/>
+                <a:tailEnd/>
+              </a14:hiddenLine>
+            </a:ext>
+          </a:extLst>
+        </p:spPr>
+      </p:pic>
     </p:spTree>
     <p:extLst>
       <p:ext uri="{BB962C8B-B14F-4D97-AF65-F5344CB8AC3E}">
-        <p14:creationId xmlns:p14="http://schemas.microsoft.com/office/powerpoint/2010/main" val="1749983968"/>
+        <p14:creationId xmlns:p14="http://schemas.microsoft.com/office/powerpoint/2010/main" val="1410003262"/>
       </p:ext>
     </p:extLst>
   </p:cSld>
@@ -3242,27 +3112,346 @@
       </p:grpSpPr>
       <p:sp>
         <p:nvSpPr>
-          <p:cNvPr id="2" name="Title 1"/>
+          <p:cNvPr id="3" name="Title 2">
+            <a:extLst>
+              <a:ext uri="{FF2B5EF4-FFF2-40B4-BE49-F238E27FC236}">
+                <a16:creationId xmlns:a16="http://schemas.microsoft.com/office/drawing/2014/main" id="{FB4C6C0D-CDA1-43E3-8CDA-F4D3F58AC9C7}"/>
+              </a:ext>
+            </a:extLst>
+          </p:cNvPr>
           <p:cNvSpPr>
             <a:spLocks noGrp="1"/>
           </p:cNvSpPr>
           <p:nvPr>
-            <p:ph type="ctrTitle"/>
+            <p:ph type="title" idx="4294967295"/>
           </p:nvPr>
         </p:nvSpPr>
         <p:spPr>
           <a:xfrm>
-            <a:off x="685800" y="2020490"/>
-            <a:ext cx="7772400" cy="1102519"/>
-          </a:xfrm>
+            <a:off x="628650" y="895350"/>
+            <a:ext cx="7886700" cy="495907"/>
+          </a:xfrm>
+          <a:prstGeom prst="rect">
+            <a:avLst/>
+          </a:prstGeom>
         </p:spPr>
         <p:txBody>
           <a:bodyPr/>
           <a:lstStyle/>
           <a:p>
             <a:r>
+              <a:rPr lang="en-US" sz="3200" dirty="0"/>
+              <a:t>How do we get out-of-the box CDS?</a:t>
+            </a:r>
+          </a:p>
+        </p:txBody>
+      </p:sp>
+      <p:sp>
+        <p:nvSpPr>
+          <p:cNvPr id="7" name="Rectangle 6">
+            <a:extLst>
+              <a:ext uri="{FF2B5EF4-FFF2-40B4-BE49-F238E27FC236}">
+                <a16:creationId xmlns:a16="http://schemas.microsoft.com/office/drawing/2014/main" id="{A14AB1F7-F598-48C3-BA42-29A24DA1AC8C}"/>
+              </a:ext>
+            </a:extLst>
+          </p:cNvPr>
+          <p:cNvSpPr/>
+          <p:nvPr/>
+        </p:nvSpPr>
+        <p:spPr>
+          <a:xfrm>
+            <a:off x="1143000" y="1950482"/>
+            <a:ext cx="2438400" cy="2057400"/>
+          </a:xfrm>
+          <a:prstGeom prst="rect">
+            <a:avLst/>
+          </a:prstGeom>
+        </p:spPr>
+        <p:style>
+          <a:lnRef idx="1">
+            <a:schemeClr val="accent1"/>
+          </a:lnRef>
+          <a:fillRef idx="3">
+            <a:schemeClr val="accent1"/>
+          </a:fillRef>
+          <a:effectRef idx="2">
+            <a:schemeClr val="accent1"/>
+          </a:effectRef>
+          <a:fontRef idx="minor">
+            <a:schemeClr val="lt1"/>
+          </a:fontRef>
+        </p:style>
+        <p:txBody>
+          <a:bodyPr rtlCol="0" anchor="t" anchorCtr="0"/>
+          <a:lstStyle/>
+          <a:p>
+            <a:pPr algn="ctr"/>
+            <a:r>
               <a:rPr lang="en-US" dirty="0"/>
-              <a:t>REST WEB SERVICES</a:t>
+              <a:t>EMR Feature Set</a:t>
+            </a:r>
+          </a:p>
+          <a:p>
+            <a:pPr algn="ctr"/>
+            <a:r>
+              <a:rPr lang="en-US" dirty="0"/>
+              <a:t>“the box”</a:t>
+            </a:r>
+          </a:p>
+        </p:txBody>
+      </p:sp>
+      <p:sp>
+        <p:nvSpPr>
+          <p:cNvPr id="8" name="Rectangle 7">
+            <a:extLst>
+              <a:ext uri="{FF2B5EF4-FFF2-40B4-BE49-F238E27FC236}">
+                <a16:creationId xmlns:a16="http://schemas.microsoft.com/office/drawing/2014/main" id="{C065093A-745F-49CD-970D-F9E0C7336FA4}"/>
+              </a:ext>
+            </a:extLst>
+          </p:cNvPr>
+          <p:cNvSpPr/>
+          <p:nvPr/>
+        </p:nvSpPr>
+        <p:spPr>
+          <a:xfrm>
+            <a:off x="1257300" y="3169682"/>
+            <a:ext cx="2209800" cy="723900"/>
+          </a:xfrm>
+          <a:prstGeom prst="rect">
+            <a:avLst/>
+          </a:prstGeom>
+          <a:solidFill>
+            <a:srgbClr val="4BC4C2"/>
+          </a:solidFill>
+        </p:spPr>
+        <p:style>
+          <a:lnRef idx="1">
+            <a:schemeClr val="accent1"/>
+          </a:lnRef>
+          <a:fillRef idx="3">
+            <a:schemeClr val="accent1"/>
+          </a:fillRef>
+          <a:effectRef idx="2">
+            <a:schemeClr val="accent1"/>
+          </a:effectRef>
+          <a:fontRef idx="minor">
+            <a:schemeClr val="lt1"/>
+          </a:fontRef>
+        </p:style>
+        <p:txBody>
+          <a:bodyPr rtlCol="0" anchor="ctr"/>
+          <a:lstStyle/>
+          <a:p>
+            <a:pPr algn="ctr"/>
+            <a:r>
+              <a:rPr lang="en-US" dirty="0"/>
+              <a:t>Clinical Decision Support functionality</a:t>
+            </a:r>
+          </a:p>
+        </p:txBody>
+      </p:sp>
+      <p:sp>
+        <p:nvSpPr>
+          <p:cNvPr id="9" name="Rectangle 8">
+            <a:extLst>
+              <a:ext uri="{FF2B5EF4-FFF2-40B4-BE49-F238E27FC236}">
+                <a16:creationId xmlns:a16="http://schemas.microsoft.com/office/drawing/2014/main" id="{A2C7D3EF-C964-439B-8E03-A2511344DE5E}"/>
+              </a:ext>
+            </a:extLst>
+          </p:cNvPr>
+          <p:cNvSpPr/>
+          <p:nvPr/>
+        </p:nvSpPr>
+        <p:spPr>
+          <a:xfrm>
+            <a:off x="5524500" y="1952864"/>
+            <a:ext cx="2438400" cy="2057400"/>
+          </a:xfrm>
+          <a:prstGeom prst="rect">
+            <a:avLst/>
+          </a:prstGeom>
+        </p:spPr>
+        <p:style>
+          <a:lnRef idx="1">
+            <a:schemeClr val="accent1"/>
+          </a:lnRef>
+          <a:fillRef idx="3">
+            <a:schemeClr val="accent1"/>
+          </a:fillRef>
+          <a:effectRef idx="2">
+            <a:schemeClr val="accent1"/>
+          </a:effectRef>
+          <a:fontRef idx="minor">
+            <a:schemeClr val="lt1"/>
+          </a:fontRef>
+        </p:style>
+        <p:txBody>
+          <a:bodyPr rtlCol="0" anchor="t" anchorCtr="0"/>
+          <a:lstStyle/>
+          <a:p>
+            <a:pPr algn="ctr"/>
+            <a:r>
+              <a:rPr lang="en-US" dirty="0"/>
+              <a:t>EMR Feature Set</a:t>
+            </a:r>
+          </a:p>
+          <a:p>
+            <a:pPr algn="ctr"/>
+            <a:r>
+              <a:rPr lang="en-US" dirty="0"/>
+              <a:t>“the box”</a:t>
+            </a:r>
+          </a:p>
+        </p:txBody>
+      </p:sp>
+      <p:sp>
+        <p:nvSpPr>
+          <p:cNvPr id="10" name="Rectangle 9">
+            <a:extLst>
+              <a:ext uri="{FF2B5EF4-FFF2-40B4-BE49-F238E27FC236}">
+                <a16:creationId xmlns:a16="http://schemas.microsoft.com/office/drawing/2014/main" id="{AA555322-6F15-4E7F-B0BD-9F75565B7C5D}"/>
+              </a:ext>
+            </a:extLst>
+          </p:cNvPr>
+          <p:cNvSpPr/>
+          <p:nvPr/>
+        </p:nvSpPr>
+        <p:spPr>
+          <a:xfrm>
+            <a:off x="4800600" y="3176826"/>
+            <a:ext cx="3886200" cy="723900"/>
+          </a:xfrm>
+          <a:prstGeom prst="rect">
+            <a:avLst/>
+          </a:prstGeom>
+          <a:solidFill>
+            <a:srgbClr val="4BC4C2"/>
+          </a:solidFill>
+        </p:spPr>
+        <p:style>
+          <a:lnRef idx="1">
+            <a:schemeClr val="accent1"/>
+          </a:lnRef>
+          <a:fillRef idx="3">
+            <a:schemeClr val="accent1"/>
+          </a:fillRef>
+          <a:effectRef idx="2">
+            <a:schemeClr val="accent1"/>
+          </a:effectRef>
+          <a:fontRef idx="minor">
+            <a:schemeClr val="lt1"/>
+          </a:fontRef>
+        </p:style>
+        <p:txBody>
+          <a:bodyPr rtlCol="0" anchor="ctr"/>
+          <a:lstStyle/>
+          <a:p>
+            <a:pPr algn="ctr"/>
+            <a:r>
+              <a:rPr lang="en-US" dirty="0"/>
+              <a:t>Clinical Decision Support functionality</a:t>
+            </a:r>
+          </a:p>
+        </p:txBody>
+      </p:sp>
+      <p:sp>
+        <p:nvSpPr>
+          <p:cNvPr id="11" name="Rectangle 10">
+            <a:extLst>
+              <a:ext uri="{FF2B5EF4-FFF2-40B4-BE49-F238E27FC236}">
+                <a16:creationId xmlns:a16="http://schemas.microsoft.com/office/drawing/2014/main" id="{B89F6347-178C-4109-A281-EF4989F10583}"/>
+              </a:ext>
+            </a:extLst>
+          </p:cNvPr>
+          <p:cNvSpPr/>
+          <p:nvPr/>
+        </p:nvSpPr>
+        <p:spPr>
+          <a:xfrm>
+            <a:off x="1582018" y="1504950"/>
+            <a:ext cx="1560364" cy="369332"/>
+          </a:xfrm>
+          <a:prstGeom prst="rect">
+            <a:avLst/>
+          </a:prstGeom>
+        </p:spPr>
+        <p:txBody>
+          <a:bodyPr wrap="none">
+            <a:spAutoFit/>
+          </a:bodyPr>
+          <a:lstStyle/>
+          <a:p>
+            <a:r>
+              <a:rPr lang="en-US" u="sng" dirty="0"/>
+              <a:t>in-the box CDS</a:t>
+            </a:r>
+          </a:p>
+        </p:txBody>
+      </p:sp>
+      <p:sp>
+        <p:nvSpPr>
+          <p:cNvPr id="12" name="Rectangle 11">
+            <a:extLst>
+              <a:ext uri="{FF2B5EF4-FFF2-40B4-BE49-F238E27FC236}">
+                <a16:creationId xmlns:a16="http://schemas.microsoft.com/office/drawing/2014/main" id="{E14A4E42-8ABF-453A-9000-0E10966F8623}"/>
+              </a:ext>
+            </a:extLst>
+          </p:cNvPr>
+          <p:cNvSpPr/>
+          <p:nvPr/>
+        </p:nvSpPr>
+        <p:spPr>
+          <a:xfrm>
+            <a:off x="5412887" y="1504950"/>
+            <a:ext cx="2661626" cy="369332"/>
+          </a:xfrm>
+          <a:prstGeom prst="rect">
+            <a:avLst/>
+          </a:prstGeom>
+        </p:spPr>
+        <p:txBody>
+          <a:bodyPr wrap="none">
+            <a:spAutoFit/>
+          </a:bodyPr>
+          <a:lstStyle/>
+          <a:p>
+            <a:r>
+              <a:rPr lang="en-US" u="sng" dirty="0"/>
+              <a:t>in-and-out-of-the-box CDS</a:t>
+            </a:r>
+          </a:p>
+        </p:txBody>
+      </p:sp>
+      <p:sp>
+        <p:nvSpPr>
+          <p:cNvPr id="13" name="Rectangle 12">
+            <a:extLst>
+              <a:ext uri="{FF2B5EF4-FFF2-40B4-BE49-F238E27FC236}">
+                <a16:creationId xmlns:a16="http://schemas.microsoft.com/office/drawing/2014/main" id="{32D0C4F0-8C32-47EE-9C32-DA7EE4CCC3E6}"/>
+              </a:ext>
+            </a:extLst>
+          </p:cNvPr>
+          <p:cNvSpPr/>
+          <p:nvPr/>
+        </p:nvSpPr>
+        <p:spPr>
+          <a:xfrm>
+            <a:off x="1295400" y="4248150"/>
+            <a:ext cx="6553200" cy="646331"/>
+          </a:xfrm>
+          <a:prstGeom prst="rect">
+            <a:avLst/>
+          </a:prstGeom>
+        </p:spPr>
+        <p:txBody>
+          <a:bodyPr wrap="square">
+            <a:spAutoFit/>
+          </a:bodyPr>
+          <a:lstStyle/>
+          <a:p>
+            <a:r>
+              <a:rPr lang="en-US" dirty="0"/>
+              <a:t>More specifically, how do we get out-of-the-box CDS functionality while still respecting the 5 rights?</a:t>
             </a:r>
           </a:p>
         </p:txBody>
@@ -3270,7 +3459,7 @@
     </p:spTree>
     <p:extLst>
       <p:ext uri="{BB962C8B-B14F-4D97-AF65-F5344CB8AC3E}">
-        <p14:creationId xmlns:p14="http://schemas.microsoft.com/office/powerpoint/2010/main" val="4169399735"/>
+        <p14:creationId xmlns:p14="http://schemas.microsoft.com/office/powerpoint/2010/main" val="1749983968"/>
       </p:ext>
     </p:extLst>
   </p:cSld>
@@ -3299,600 +3488,27 @@
       </p:grpSpPr>
       <p:sp>
         <p:nvSpPr>
-          <p:cNvPr id="3" name="Title 2">
-            <a:extLst>
-              <a:ext uri="{FF2B5EF4-FFF2-40B4-BE49-F238E27FC236}">
-                <a16:creationId xmlns:a16="http://schemas.microsoft.com/office/drawing/2014/main" id="{FB4C6C0D-CDA1-43E3-8CDA-F4D3F58AC9C7}"/>
-              </a:ext>
-            </a:extLst>
-          </p:cNvPr>
+          <p:cNvPr id="2" name="Title 1"/>
           <p:cNvSpPr>
             <a:spLocks noGrp="1"/>
           </p:cNvSpPr>
           <p:nvPr>
-            <p:ph type="title" idx="4294967295"/>
+            <p:ph type="ctrTitle"/>
           </p:nvPr>
         </p:nvSpPr>
         <p:spPr>
           <a:xfrm>
-            <a:off x="628650" y="895350"/>
-            <a:ext cx="7886700" cy="495907"/>
-          </a:xfrm>
-          <a:prstGeom prst="rect">
-            <a:avLst/>
-          </a:prstGeom>
+            <a:off x="685800" y="2020490"/>
+            <a:ext cx="7772400" cy="1102519"/>
+          </a:xfrm>
         </p:spPr>
         <p:txBody>
           <a:bodyPr/>
           <a:lstStyle/>
           <a:p>
             <a:r>
-              <a:rPr lang="en-US" sz="3200" dirty="0"/>
-              <a:t>Web Page Request (in English)</a:t>
-            </a:r>
-          </a:p>
-        </p:txBody>
-      </p:sp>
-      <p:cxnSp>
-        <p:nvCxnSpPr>
-          <p:cNvPr id="8" name="Straight Arrow Connector 7">
-            <a:extLst>
-              <a:ext uri="{FF2B5EF4-FFF2-40B4-BE49-F238E27FC236}">
-                <a16:creationId xmlns:a16="http://schemas.microsoft.com/office/drawing/2014/main" id="{5758571A-85F8-4E97-A212-8258FBF32218}"/>
-              </a:ext>
-            </a:extLst>
-          </p:cNvPr>
-          <p:cNvCxnSpPr>
-            <a:cxnSpLocks/>
-          </p:cNvCxnSpPr>
-          <p:nvPr/>
-        </p:nvCxnSpPr>
-        <p:spPr>
-          <a:xfrm>
-            <a:off x="1828800" y="2190750"/>
-            <a:ext cx="0" cy="2209800"/>
-          </a:xfrm>
-          <a:prstGeom prst="straightConnector1">
-            <a:avLst/>
-          </a:prstGeom>
-          <a:ln>
-            <a:solidFill>
-              <a:srgbClr val="00B050"/>
-            </a:solidFill>
-            <a:tailEnd type="triangle"/>
-          </a:ln>
-        </p:spPr>
-        <p:style>
-          <a:lnRef idx="2">
-            <a:schemeClr val="accent1"/>
-          </a:lnRef>
-          <a:fillRef idx="0">
-            <a:schemeClr val="accent1"/>
-          </a:fillRef>
-          <a:effectRef idx="1">
-            <a:schemeClr val="accent1"/>
-          </a:effectRef>
-          <a:fontRef idx="minor">
-            <a:schemeClr val="tx1"/>
-          </a:fontRef>
-        </p:style>
-      </p:cxnSp>
-      <p:cxnSp>
-        <p:nvCxnSpPr>
-          <p:cNvPr id="9" name="Straight Arrow Connector 8">
-            <a:extLst>
-              <a:ext uri="{FF2B5EF4-FFF2-40B4-BE49-F238E27FC236}">
-                <a16:creationId xmlns:a16="http://schemas.microsoft.com/office/drawing/2014/main" id="{03B8D2C1-5193-46DD-BB1F-06EE585441C3}"/>
-              </a:ext>
-            </a:extLst>
-          </p:cNvPr>
-          <p:cNvCxnSpPr>
-            <a:cxnSpLocks/>
-          </p:cNvCxnSpPr>
-          <p:nvPr/>
-        </p:nvCxnSpPr>
-        <p:spPr>
-          <a:xfrm>
-            <a:off x="7315200" y="2190750"/>
-            <a:ext cx="0" cy="2209800"/>
-          </a:xfrm>
-          <a:prstGeom prst="straightConnector1">
-            <a:avLst/>
-          </a:prstGeom>
-          <a:ln>
-            <a:solidFill>
-              <a:srgbClr val="00B050"/>
-            </a:solidFill>
-            <a:tailEnd type="triangle"/>
-          </a:ln>
-        </p:spPr>
-        <p:style>
-          <a:lnRef idx="2">
-            <a:schemeClr val="accent1"/>
-          </a:lnRef>
-          <a:fillRef idx="0">
-            <a:schemeClr val="accent1"/>
-          </a:fillRef>
-          <a:effectRef idx="1">
-            <a:schemeClr val="accent1"/>
-          </a:effectRef>
-          <a:fontRef idx="minor">
-            <a:schemeClr val="tx1"/>
-          </a:fontRef>
-        </p:style>
-      </p:cxnSp>
-      <p:sp>
-        <p:nvSpPr>
-          <p:cNvPr id="12" name="Rectangle 11">
-            <a:extLst>
-              <a:ext uri="{FF2B5EF4-FFF2-40B4-BE49-F238E27FC236}">
-                <a16:creationId xmlns:a16="http://schemas.microsoft.com/office/drawing/2014/main" id="{1B43E939-CB77-4D45-A370-EFA909363444}"/>
-              </a:ext>
-            </a:extLst>
-          </p:cNvPr>
-          <p:cNvSpPr/>
-          <p:nvPr/>
-        </p:nvSpPr>
-        <p:spPr>
-          <a:xfrm>
-            <a:off x="1219200" y="1657350"/>
-            <a:ext cx="1219199" cy="381000"/>
-          </a:xfrm>
-          <a:prstGeom prst="rect">
-            <a:avLst/>
-          </a:prstGeom>
-          <a:solidFill>
-            <a:schemeClr val="bg1"/>
-          </a:solidFill>
-          <a:ln w="25400"/>
-        </p:spPr>
-        <p:style>
-          <a:lnRef idx="1">
-            <a:schemeClr val="accent1"/>
-          </a:lnRef>
-          <a:fillRef idx="3">
-            <a:schemeClr val="accent1"/>
-          </a:fillRef>
-          <a:effectRef idx="2">
-            <a:schemeClr val="accent1"/>
-          </a:effectRef>
-          <a:fontRef idx="minor">
-            <a:schemeClr val="lt1"/>
-          </a:fontRef>
-        </p:style>
-        <p:txBody>
-          <a:bodyPr rtlCol="0" anchor="ctr"/>
-          <a:lstStyle/>
-          <a:p>
-            <a:pPr algn="ctr"/>
-            <a:r>
-              <a:rPr lang="en-US" dirty="0">
-                <a:solidFill>
-                  <a:srgbClr val="0070C0"/>
-                </a:solidFill>
-              </a:rPr>
-              <a:t>client</a:t>
-            </a:r>
-          </a:p>
-        </p:txBody>
-      </p:sp>
-      <p:sp>
-        <p:nvSpPr>
-          <p:cNvPr id="13" name="Rectangle 12">
-            <a:extLst>
-              <a:ext uri="{FF2B5EF4-FFF2-40B4-BE49-F238E27FC236}">
-                <a16:creationId xmlns:a16="http://schemas.microsoft.com/office/drawing/2014/main" id="{FE4F9FA5-3B31-4B13-BFA7-1582352B87D4}"/>
-              </a:ext>
-            </a:extLst>
-          </p:cNvPr>
-          <p:cNvSpPr/>
-          <p:nvPr/>
-        </p:nvSpPr>
-        <p:spPr>
-          <a:xfrm>
-            <a:off x="6705600" y="1657350"/>
-            <a:ext cx="1219199" cy="381000"/>
-          </a:xfrm>
-          <a:prstGeom prst="rect">
-            <a:avLst/>
-          </a:prstGeom>
-          <a:solidFill>
-            <a:schemeClr val="bg1"/>
-          </a:solidFill>
-          <a:ln w="25400"/>
-        </p:spPr>
-        <p:style>
-          <a:lnRef idx="1">
-            <a:schemeClr val="accent1"/>
-          </a:lnRef>
-          <a:fillRef idx="3">
-            <a:schemeClr val="accent1"/>
-          </a:fillRef>
-          <a:effectRef idx="2">
-            <a:schemeClr val="accent1"/>
-          </a:effectRef>
-          <a:fontRef idx="minor">
-            <a:schemeClr val="lt1"/>
-          </a:fontRef>
-        </p:style>
-        <p:txBody>
-          <a:bodyPr rtlCol="0" anchor="ctr"/>
-          <a:lstStyle/>
-          <a:p>
-            <a:pPr algn="ctr"/>
-            <a:r>
-              <a:rPr lang="en-US" dirty="0">
-                <a:solidFill>
-                  <a:srgbClr val="0070C0"/>
-                </a:solidFill>
-              </a:rPr>
-              <a:t>server</a:t>
-            </a:r>
-          </a:p>
-        </p:txBody>
-      </p:sp>
-      <p:sp>
-        <p:nvSpPr>
-          <p:cNvPr id="14" name="Rectangle 13">
-            <a:extLst>
-              <a:ext uri="{FF2B5EF4-FFF2-40B4-BE49-F238E27FC236}">
-                <a16:creationId xmlns:a16="http://schemas.microsoft.com/office/drawing/2014/main" id="{EC4DFF13-19AF-4342-B1DD-53FBA33E9165}"/>
-              </a:ext>
-            </a:extLst>
-          </p:cNvPr>
-          <p:cNvSpPr/>
-          <p:nvPr/>
-        </p:nvSpPr>
-        <p:spPr>
-          <a:xfrm>
-            <a:off x="1526426" y="4387643"/>
-            <a:ext cx="614271" cy="369332"/>
-          </a:xfrm>
-          <a:prstGeom prst="rect">
-            <a:avLst/>
-          </a:prstGeom>
-        </p:spPr>
-        <p:txBody>
-          <a:bodyPr wrap="none">
-            <a:spAutoFit/>
-          </a:bodyPr>
-          <a:lstStyle/>
-          <a:p>
-            <a:r>
-              <a:rPr lang="en-US" dirty="0">
-                <a:solidFill>
-                  <a:srgbClr val="00B050"/>
-                </a:solidFill>
-              </a:rPr>
-              <a:t>time</a:t>
-            </a:r>
-          </a:p>
-        </p:txBody>
-      </p:sp>
-      <p:sp>
-        <p:nvSpPr>
-          <p:cNvPr id="15" name="Rectangle 14">
-            <a:extLst>
-              <a:ext uri="{FF2B5EF4-FFF2-40B4-BE49-F238E27FC236}">
-                <a16:creationId xmlns:a16="http://schemas.microsoft.com/office/drawing/2014/main" id="{ABAD15DE-691F-467B-926A-59FFA8961D25}"/>
-              </a:ext>
-            </a:extLst>
-          </p:cNvPr>
-          <p:cNvSpPr/>
-          <p:nvPr/>
-        </p:nvSpPr>
-        <p:spPr>
-          <a:xfrm>
-            <a:off x="7003303" y="4387643"/>
-            <a:ext cx="614271" cy="369332"/>
-          </a:xfrm>
-          <a:prstGeom prst="rect">
-            <a:avLst/>
-          </a:prstGeom>
-        </p:spPr>
-        <p:txBody>
-          <a:bodyPr wrap="none">
-            <a:spAutoFit/>
-          </a:bodyPr>
-          <a:lstStyle/>
-          <a:p>
-            <a:r>
-              <a:rPr lang="en-US" dirty="0">
-                <a:solidFill>
-                  <a:srgbClr val="00B050"/>
-                </a:solidFill>
-              </a:rPr>
-              <a:t>time</a:t>
-            </a:r>
-          </a:p>
-        </p:txBody>
-      </p:sp>
-      <p:sp>
-        <p:nvSpPr>
-          <p:cNvPr id="16" name="Rectangle 15">
-            <a:extLst>
-              <a:ext uri="{FF2B5EF4-FFF2-40B4-BE49-F238E27FC236}">
-                <a16:creationId xmlns:a16="http://schemas.microsoft.com/office/drawing/2014/main" id="{49DF1848-71E9-4462-B439-024F7EAFC94F}"/>
-              </a:ext>
-            </a:extLst>
-          </p:cNvPr>
-          <p:cNvSpPr/>
-          <p:nvPr/>
-        </p:nvSpPr>
-        <p:spPr>
-          <a:xfrm>
-            <a:off x="2570537" y="1657350"/>
-            <a:ext cx="3982663" cy="381000"/>
-          </a:xfrm>
-          <a:prstGeom prst="rect">
-            <a:avLst/>
-          </a:prstGeom>
-          <a:solidFill>
-            <a:schemeClr val="bg1"/>
-          </a:solidFill>
-          <a:ln w="25400"/>
-        </p:spPr>
-        <p:style>
-          <a:lnRef idx="1">
-            <a:schemeClr val="accent1"/>
-          </a:lnRef>
-          <a:fillRef idx="3">
-            <a:schemeClr val="accent1"/>
-          </a:fillRef>
-          <a:effectRef idx="2">
-            <a:schemeClr val="accent1"/>
-          </a:effectRef>
-          <a:fontRef idx="minor">
-            <a:schemeClr val="lt1"/>
-          </a:fontRef>
-        </p:style>
-        <p:txBody>
-          <a:bodyPr rtlCol="0" anchor="ctr"/>
-          <a:lstStyle/>
-          <a:p>
-            <a:pPr algn="ctr"/>
-            <a:r>
-              <a:rPr lang="en-US" dirty="0">
-                <a:solidFill>
-                  <a:srgbClr val="0070C0"/>
-                </a:solidFill>
-              </a:rPr>
-              <a:t>wide area data network</a:t>
-            </a:r>
-          </a:p>
-        </p:txBody>
-      </p:sp>
-      <p:cxnSp>
-        <p:nvCxnSpPr>
-          <p:cNvPr id="19" name="Straight Connector 18">
-            <a:extLst>
-              <a:ext uri="{FF2B5EF4-FFF2-40B4-BE49-F238E27FC236}">
-                <a16:creationId xmlns:a16="http://schemas.microsoft.com/office/drawing/2014/main" id="{0808B52E-BCB5-4124-A4B3-4627A3D0BFBB}"/>
-              </a:ext>
-            </a:extLst>
-          </p:cNvPr>
-          <p:cNvCxnSpPr>
-            <a:stCxn id="12" idx="3"/>
-            <a:endCxn id="16" idx="1"/>
-          </p:cNvCxnSpPr>
-          <p:nvPr/>
-        </p:nvCxnSpPr>
-        <p:spPr>
-          <a:xfrm>
-            <a:off x="2438399" y="1847850"/>
-            <a:ext cx="132138" cy="0"/>
-          </a:xfrm>
-          <a:prstGeom prst="line">
-            <a:avLst/>
-          </a:prstGeom>
-        </p:spPr>
-        <p:style>
-          <a:lnRef idx="2">
-            <a:schemeClr val="accent1"/>
-          </a:lnRef>
-          <a:fillRef idx="0">
-            <a:schemeClr val="accent1"/>
-          </a:fillRef>
-          <a:effectRef idx="1">
-            <a:schemeClr val="accent1"/>
-          </a:effectRef>
-          <a:fontRef idx="minor">
-            <a:schemeClr val="tx1"/>
-          </a:fontRef>
-        </p:style>
-      </p:cxnSp>
-      <p:cxnSp>
-        <p:nvCxnSpPr>
-          <p:cNvPr id="20" name="Straight Connector 19">
-            <a:extLst>
-              <a:ext uri="{FF2B5EF4-FFF2-40B4-BE49-F238E27FC236}">
-                <a16:creationId xmlns:a16="http://schemas.microsoft.com/office/drawing/2014/main" id="{19A2E45B-A197-479A-A401-45838E002E7D}"/>
-              </a:ext>
-            </a:extLst>
-          </p:cNvPr>
-          <p:cNvCxnSpPr>
-            <a:cxnSpLocks/>
-            <a:stCxn id="16" idx="3"/>
-            <a:endCxn id="13" idx="1"/>
-          </p:cNvCxnSpPr>
-          <p:nvPr/>
-        </p:nvCxnSpPr>
-        <p:spPr>
-          <a:xfrm>
-            <a:off x="6553200" y="1847850"/>
-            <a:ext cx="152400" cy="0"/>
-          </a:xfrm>
-          <a:prstGeom prst="line">
-            <a:avLst/>
-          </a:prstGeom>
-        </p:spPr>
-        <p:style>
-          <a:lnRef idx="2">
-            <a:schemeClr val="accent1"/>
-          </a:lnRef>
-          <a:fillRef idx="0">
-            <a:schemeClr val="accent1"/>
-          </a:fillRef>
-          <a:effectRef idx="1">
-            <a:schemeClr val="accent1"/>
-          </a:effectRef>
-          <a:fontRef idx="minor">
-            <a:schemeClr val="tx1"/>
-          </a:fontRef>
-        </p:style>
-      </p:cxnSp>
-      <p:cxnSp>
-        <p:nvCxnSpPr>
-          <p:cNvPr id="27" name="Straight Arrow Connector 26">
-            <a:extLst>
-              <a:ext uri="{FF2B5EF4-FFF2-40B4-BE49-F238E27FC236}">
-                <a16:creationId xmlns:a16="http://schemas.microsoft.com/office/drawing/2014/main" id="{2EF1F82A-802C-4E69-BE00-19884E96449E}"/>
-              </a:ext>
-            </a:extLst>
-          </p:cNvPr>
-          <p:cNvCxnSpPr/>
-          <p:nvPr/>
-        </p:nvCxnSpPr>
-        <p:spPr>
-          <a:xfrm>
-            <a:off x="1828800" y="2343150"/>
-            <a:ext cx="5481638" cy="838200"/>
-          </a:xfrm>
-          <a:prstGeom prst="straightConnector1">
-            <a:avLst/>
-          </a:prstGeom>
-          <a:ln>
-            <a:solidFill>
-              <a:schemeClr val="tx1"/>
-            </a:solidFill>
-            <a:prstDash val="sysDash"/>
-            <a:tailEnd type="triangle"/>
-          </a:ln>
-        </p:spPr>
-        <p:style>
-          <a:lnRef idx="2">
-            <a:schemeClr val="accent1"/>
-          </a:lnRef>
-          <a:fillRef idx="0">
-            <a:schemeClr val="accent1"/>
-          </a:fillRef>
-          <a:effectRef idx="1">
-            <a:schemeClr val="accent1"/>
-          </a:effectRef>
-          <a:fontRef idx="minor">
-            <a:schemeClr val="tx1"/>
-          </a:fontRef>
-        </p:style>
-      </p:cxnSp>
-      <p:sp>
-        <p:nvSpPr>
-          <p:cNvPr id="28" name="Rectangle 27">
-            <a:extLst>
-              <a:ext uri="{FF2B5EF4-FFF2-40B4-BE49-F238E27FC236}">
-                <a16:creationId xmlns:a16="http://schemas.microsoft.com/office/drawing/2014/main" id="{9B39FB44-A061-45AE-A272-47A5A78135D2}"/>
-              </a:ext>
-            </a:extLst>
-          </p:cNvPr>
-          <p:cNvSpPr/>
-          <p:nvPr/>
-        </p:nvSpPr>
-        <p:spPr>
-          <a:xfrm rot="547352">
-            <a:off x="3127790" y="2387084"/>
-            <a:ext cx="2888419" cy="369332"/>
-          </a:xfrm>
-          <a:prstGeom prst="rect">
-            <a:avLst/>
-          </a:prstGeom>
-        </p:spPr>
-        <p:txBody>
-          <a:bodyPr wrap="none">
-            <a:spAutoFit/>
-          </a:bodyPr>
-          <a:lstStyle/>
-          <a:p>
-            <a:r>
               <a:rPr lang="en-US" dirty="0"/>
-              <a:t>send me an HTML document</a:t>
-            </a:r>
-          </a:p>
-        </p:txBody>
-      </p:sp>
-      <p:cxnSp>
-        <p:nvCxnSpPr>
-          <p:cNvPr id="29" name="Straight Arrow Connector 28">
-            <a:extLst>
-              <a:ext uri="{FF2B5EF4-FFF2-40B4-BE49-F238E27FC236}">
-                <a16:creationId xmlns:a16="http://schemas.microsoft.com/office/drawing/2014/main" id="{5BDF7B8E-5A34-4327-97FD-CF392BB330D0}"/>
-              </a:ext>
-            </a:extLst>
-          </p:cNvPr>
-          <p:cNvCxnSpPr>
-            <a:cxnSpLocks/>
-          </p:cNvCxnSpPr>
-          <p:nvPr/>
-        </p:nvCxnSpPr>
-        <p:spPr>
-          <a:xfrm flipH="1">
-            <a:off x="1828800" y="3392552"/>
-            <a:ext cx="5481637" cy="842691"/>
-          </a:xfrm>
-          <a:prstGeom prst="straightConnector1">
-            <a:avLst/>
-          </a:prstGeom>
-          <a:ln>
-            <a:solidFill>
-              <a:schemeClr val="tx1"/>
-            </a:solidFill>
-            <a:prstDash val="sysDash"/>
-            <a:tailEnd type="triangle"/>
-          </a:ln>
-        </p:spPr>
-        <p:style>
-          <a:lnRef idx="2">
-            <a:schemeClr val="accent1"/>
-          </a:lnRef>
-          <a:fillRef idx="0">
-            <a:schemeClr val="accent1"/>
-          </a:fillRef>
-          <a:effectRef idx="1">
-            <a:schemeClr val="accent1"/>
-          </a:effectRef>
-          <a:fontRef idx="minor">
-            <a:schemeClr val="tx1"/>
-          </a:fontRef>
-        </p:style>
-      </p:cxnSp>
-      <p:sp>
-        <p:nvSpPr>
-          <p:cNvPr id="34" name="Rectangle 33">
-            <a:extLst>
-              <a:ext uri="{FF2B5EF4-FFF2-40B4-BE49-F238E27FC236}">
-                <a16:creationId xmlns:a16="http://schemas.microsoft.com/office/drawing/2014/main" id="{5E1FF149-098C-4D46-801E-4F3E6B5DB91D}"/>
-              </a:ext>
-            </a:extLst>
-          </p:cNvPr>
-          <p:cNvSpPr/>
-          <p:nvPr/>
-        </p:nvSpPr>
-        <p:spPr>
-          <a:xfrm rot="21080840">
-            <a:off x="2955115" y="3421618"/>
-            <a:ext cx="3233770" cy="369332"/>
-          </a:xfrm>
-          <a:prstGeom prst="rect">
-            <a:avLst/>
-          </a:prstGeom>
-        </p:spPr>
-        <p:txBody>
-          <a:bodyPr wrap="none">
-            <a:spAutoFit/>
-          </a:bodyPr>
-          <a:lstStyle/>
-          <a:p>
-            <a:r>
-              <a:rPr lang="en-US" dirty="0"/>
-              <a:t>OK, here's your HTML document</a:t>
+              <a:t>REST WEB SERVICES</a:t>
             </a:r>
           </a:p>
         </p:txBody>
@@ -3900,7 +3516,7 @@
     </p:spTree>
     <p:extLst>
       <p:ext uri="{BB962C8B-B14F-4D97-AF65-F5344CB8AC3E}">
-        <p14:creationId xmlns:p14="http://schemas.microsoft.com/office/powerpoint/2010/main" val="3156738026"/>
+        <p14:creationId xmlns:p14="http://schemas.microsoft.com/office/powerpoint/2010/main" val="4169399735"/>
       </p:ext>
     </p:extLst>
   </p:cSld>
@@ -3958,7 +3574,7 @@
           <a:p>
             <a:r>
               <a:rPr lang="en-US" sz="3200" dirty="0"/>
-              <a:t>Web Page Request (in HTTP)</a:t>
+              <a:t>Web Page Request (in English)</a:t>
             </a:r>
           </a:p>
         </p:txBody>
@@ -4428,8 +4044,8 @@
         </p:nvSpPr>
         <p:spPr>
           <a:xfrm rot="547352">
-            <a:off x="2744226" y="2387084"/>
-            <a:ext cx="3655553" cy="369332"/>
+            <a:off x="3127790" y="2387084"/>
+            <a:ext cx="2888419" cy="369332"/>
           </a:xfrm>
           <a:prstGeom prst="rect">
             <a:avLst/>
@@ -4443,7 +4059,7 @@
           <a:p>
             <a:r>
               <a:rPr lang="en-US" dirty="0"/>
-              <a:t>REQUEST: HTTP GET /document.html</a:t>
+              <a:t>send me an HTML document</a:t>
             </a:r>
           </a:p>
         </p:txBody>
@@ -4507,8 +4123,8 @@
         </p:nvSpPr>
         <p:spPr>
           <a:xfrm rot="21080840">
-            <a:off x="2200266" y="3421618"/>
-            <a:ext cx="4743478" cy="369332"/>
+            <a:off x="2955115" y="3421618"/>
+            <a:ext cx="3233770" cy="369332"/>
           </a:xfrm>
           <a:prstGeom prst="rect">
             <a:avLst/>
@@ -4522,61 +4138,7 @@
           <a:p>
             <a:r>
               <a:rPr lang="en-US" dirty="0"/>
-              <a:t>RESPONSE: HTTP 200, &lt;html&gt;blah, blah&lt;/html&gt;</a:t>
-            </a:r>
-            <a:r>
-              <a:rPr lang="en-US" baseline="30000" dirty="0"/>
-              <a:t>‡</a:t>
-            </a:r>
-          </a:p>
-        </p:txBody>
-      </p:sp>
-      <p:sp>
-        <p:nvSpPr>
-          <p:cNvPr id="2" name="Rectangle 1">
-            <a:extLst>
-              <a:ext uri="{FF2B5EF4-FFF2-40B4-BE49-F238E27FC236}">
-                <a16:creationId xmlns:a16="http://schemas.microsoft.com/office/drawing/2014/main" id="{AEE27B7D-FC37-4EEB-B6F5-1F01455635F9}"/>
-              </a:ext>
-            </a:extLst>
-          </p:cNvPr>
-          <p:cNvSpPr/>
-          <p:nvPr/>
-        </p:nvSpPr>
-        <p:spPr>
-          <a:xfrm>
-            <a:off x="2119059" y="4471626"/>
-            <a:ext cx="4908056" cy="646331"/>
-          </a:xfrm>
-          <a:prstGeom prst="rect">
-            <a:avLst/>
-          </a:prstGeom>
-        </p:spPr>
-        <p:txBody>
-          <a:bodyPr wrap="square">
-            <a:spAutoFit/>
-          </a:bodyPr>
-          <a:lstStyle/>
-          <a:p>
-            <a:r>
-              <a:rPr lang="en-US" dirty="0"/>
-              <a:t>‡The HTML document in the response payload represents both the </a:t>
-            </a:r>
-            <a:r>
-              <a:rPr lang="en-US" i="1" dirty="0"/>
-              <a:t>content</a:t>
-            </a:r>
-            <a:r>
-              <a:rPr lang="en-US" dirty="0"/>
-              <a:t> and the </a:t>
-            </a:r>
-            <a:r>
-              <a:rPr lang="en-US" i="1" dirty="0"/>
-              <a:t>presentation</a:t>
-            </a:r>
-            <a:r>
-              <a:rPr lang="en-US" dirty="0"/>
-              <a:t>.</a:t>
+              <a:t>OK, here's your HTML document</a:t>
             </a:r>
           </a:p>
         </p:txBody>
@@ -4584,7 +4146,7 @@
     </p:spTree>
     <p:extLst>
       <p:ext uri="{BB962C8B-B14F-4D97-AF65-F5344CB8AC3E}">
-        <p14:creationId xmlns:p14="http://schemas.microsoft.com/office/powerpoint/2010/main" val="1440441277"/>
+        <p14:creationId xmlns:p14="http://schemas.microsoft.com/office/powerpoint/2010/main" val="3156738026"/>
       </p:ext>
     </p:extLst>
   </p:cSld>
@@ -4740,7 +4302,7 @@
           <a:p>
             <a:r>
               <a:rPr lang="en-US" sz="3200" dirty="0"/>
-              <a:t>Web Service Request (in English)</a:t>
+              <a:t>Web Page Request (in HTTP)</a:t>
             </a:r>
           </a:p>
         </p:txBody>
@@ -5210,8 +4772,8 @@
         </p:nvSpPr>
         <p:spPr>
           <a:xfrm rot="547352">
-            <a:off x="2638816" y="2387084"/>
-            <a:ext cx="3866379" cy="369332"/>
+            <a:off x="2744226" y="2387084"/>
+            <a:ext cx="3655553" cy="369332"/>
           </a:xfrm>
           <a:prstGeom prst="rect">
             <a:avLst/>
@@ -5225,7 +4787,7 @@
           <a:p>
             <a:r>
               <a:rPr lang="en-US" dirty="0"/>
-              <a:t>send me the information for a resource</a:t>
+              <a:t>REQUEST: HTTP GET /document.html</a:t>
             </a:r>
           </a:p>
         </p:txBody>
@@ -5289,8 +4851,8 @@
         </p:nvSpPr>
         <p:spPr>
           <a:xfrm rot="21080840">
-            <a:off x="2037372" y="3421618"/>
-            <a:ext cx="5069273" cy="369332"/>
+            <a:off x="2200266" y="3421618"/>
+            <a:ext cx="4743478" cy="369332"/>
           </a:xfrm>
           <a:prstGeom prst="rect">
             <a:avLst/>
@@ -5304,7 +4866,11 @@
           <a:p>
             <a:r>
               <a:rPr lang="en-US" dirty="0"/>
-              <a:t>OK, here’s the JSON* representation of the resource</a:t>
+              <a:t>RESPONSE: HTTP 200, &lt;html&gt;blah, blah&lt;/html&gt;</a:t>
+            </a:r>
+            <a:r>
+              <a:rPr lang="en-US" baseline="30000" dirty="0"/>
+              <a:t>‡</a:t>
             </a:r>
           </a:p>
         </p:txBody>
@@ -5314,7 +4880,7 @@
           <p:cNvPr id="2" name="Rectangle 1">
             <a:extLst>
               <a:ext uri="{FF2B5EF4-FFF2-40B4-BE49-F238E27FC236}">
-                <a16:creationId xmlns:a16="http://schemas.microsoft.com/office/drawing/2014/main" id="{70C5DCD8-982B-43BC-B965-B469F7DEDCB8}"/>
+                <a16:creationId xmlns:a16="http://schemas.microsoft.com/office/drawing/2014/main" id="{AEE27B7D-FC37-4EEB-B6F5-1F01455635F9}"/>
               </a:ext>
             </a:extLst>
           </p:cNvPr>
@@ -5323,22 +4889,38 @@
         </p:nvSpPr>
         <p:spPr>
           <a:xfrm>
-            <a:off x="2869409" y="4446445"/>
-            <a:ext cx="3452805" cy="369332"/>
+            <a:off x="2119059" y="4471626"/>
+            <a:ext cx="4908056" cy="646331"/>
           </a:xfrm>
           <a:prstGeom prst="rect">
             <a:avLst/>
           </a:prstGeom>
         </p:spPr>
         <p:txBody>
-          <a:bodyPr wrap="none">
+          <a:bodyPr wrap="square">
             <a:spAutoFit/>
           </a:bodyPr>
           <a:lstStyle/>
           <a:p>
             <a:r>
               <a:rPr lang="en-US" dirty="0"/>
-              <a:t>*JavaScript Object Notation (JSON)</a:t>
+              <a:t>‡The HTML document in the response payload represents both the </a:t>
+            </a:r>
+            <a:r>
+              <a:rPr lang="en-US" i="1" dirty="0"/>
+              <a:t>content</a:t>
+            </a:r>
+            <a:r>
+              <a:rPr lang="en-US" dirty="0"/>
+              <a:t> and the </a:t>
+            </a:r>
+            <a:r>
+              <a:rPr lang="en-US" i="1" dirty="0"/>
+              <a:t>presentation</a:t>
+            </a:r>
+            <a:r>
+              <a:rPr lang="en-US" dirty="0"/>
+              <a:t>.</a:t>
             </a:r>
           </a:p>
         </p:txBody>
@@ -5346,7 +4928,7 @@
     </p:spTree>
     <p:extLst>
       <p:ext uri="{BB962C8B-B14F-4D97-AF65-F5344CB8AC3E}">
-        <p14:creationId xmlns:p14="http://schemas.microsoft.com/office/powerpoint/2010/main" val="83494780"/>
+        <p14:creationId xmlns:p14="http://schemas.microsoft.com/office/powerpoint/2010/main" val="1440441277"/>
       </p:ext>
     </p:extLst>
   </p:cSld>
@@ -5404,7 +4986,7 @@
           <a:p>
             <a:r>
               <a:rPr lang="en-US" sz="3200" dirty="0"/>
-              <a:t>Web Service Request (in HTTP)</a:t>
+              <a:t>Web Service Request (in English)</a:t>
             </a:r>
           </a:p>
         </p:txBody>
@@ -5874,8 +5456,8 @@
         </p:nvSpPr>
         <p:spPr>
           <a:xfrm rot="547352">
-            <a:off x="2038076" y="2387084"/>
-            <a:ext cx="5067862" cy="369332"/>
+            <a:off x="2638816" y="2387084"/>
+            <a:ext cx="3866379" cy="369332"/>
           </a:xfrm>
           <a:prstGeom prst="rect">
             <a:avLst/>
@@ -5889,7 +5471,7 @@
           <a:p>
             <a:r>
               <a:rPr lang="en-US" dirty="0"/>
-              <a:t>REQUEST: HTTP GET /alleles/HLA-DPB1*01:01:01:01</a:t>
+              <a:t>send me the information for a resource</a:t>
             </a:r>
           </a:p>
         </p:txBody>
@@ -5953,8 +5535,8 @@
         </p:nvSpPr>
         <p:spPr>
           <a:xfrm rot="21080840">
-            <a:off x="2093960" y="3421618"/>
-            <a:ext cx="4956100" cy="369332"/>
+            <a:off x="2037372" y="3421618"/>
+            <a:ext cx="5069273" cy="369332"/>
           </a:xfrm>
           <a:prstGeom prst="rect">
             <a:avLst/>
@@ -5968,15 +5550,7 @@
           <a:p>
             <a:r>
               <a:rPr lang="en-US" dirty="0"/>
-              <a:t>RESPONSE: HTTP 200, {</a:t>
-            </a:r>
-            <a:r>
-              <a:rPr lang="en-US" dirty="0" err="1"/>
-              <a:t>alleleName</a:t>
-            </a:r>
-            <a:r>
-              <a:rPr lang="en-US" dirty="0"/>
-              <a:t>: HLA-DPB1*…}‡</a:t>
+              <a:t>OK, here’s the JSON* representation of the resource</a:t>
             </a:r>
           </a:p>
         </p:txBody>
@@ -5986,7 +5560,7 @@
           <p:cNvPr id="2" name="Rectangle 1">
             <a:extLst>
               <a:ext uri="{FF2B5EF4-FFF2-40B4-BE49-F238E27FC236}">
-                <a16:creationId xmlns:a16="http://schemas.microsoft.com/office/drawing/2014/main" id="{AEE27B7D-FC37-4EEB-B6F5-1F01455635F9}"/>
+                <a16:creationId xmlns:a16="http://schemas.microsoft.com/office/drawing/2014/main" id="{70C5DCD8-982B-43BC-B965-B469F7DEDCB8}"/>
               </a:ext>
             </a:extLst>
           </p:cNvPr>
@@ -5995,38 +5569,22 @@
         </p:nvSpPr>
         <p:spPr>
           <a:xfrm>
-            <a:off x="2354929" y="4446445"/>
-            <a:ext cx="4434141" cy="646331"/>
+            <a:off x="2869409" y="4446445"/>
+            <a:ext cx="3452805" cy="369332"/>
           </a:xfrm>
           <a:prstGeom prst="rect">
             <a:avLst/>
           </a:prstGeom>
         </p:spPr>
         <p:txBody>
-          <a:bodyPr wrap="square">
+          <a:bodyPr wrap="none">
             <a:spAutoFit/>
           </a:bodyPr>
           <a:lstStyle/>
           <a:p>
             <a:r>
               <a:rPr lang="en-US" dirty="0"/>
-              <a:t>‡The JSON response payload is pure </a:t>
-            </a:r>
-            <a:r>
-              <a:rPr lang="en-US" i="1" dirty="0"/>
-              <a:t>content</a:t>
-            </a:r>
-            <a:r>
-              <a:rPr lang="en-US" dirty="0"/>
-              <a:t> without any </a:t>
-            </a:r>
-            <a:r>
-              <a:rPr lang="en-US" i="1" dirty="0"/>
-              <a:t>presentation</a:t>
-            </a:r>
-            <a:r>
-              <a:rPr lang="en-US" dirty="0"/>
-              <a:t>.</a:t>
+              <a:t>*JavaScript Object Notation (JSON)</a:t>
             </a:r>
           </a:p>
         </p:txBody>
@@ -6034,7 +5592,7 @@
     </p:spTree>
     <p:extLst>
       <p:ext uri="{BB962C8B-B14F-4D97-AF65-F5344CB8AC3E}">
-        <p14:creationId xmlns:p14="http://schemas.microsoft.com/office/powerpoint/2010/main" val="532807698"/>
+        <p14:creationId xmlns:p14="http://schemas.microsoft.com/office/powerpoint/2010/main" val="83494780"/>
       </p:ext>
     </p:extLst>
   </p:cSld>
@@ -6061,6 +5619,694 @@
           <a:chExt cx="0" cy="0"/>
         </a:xfrm>
       </p:grpSpPr>
+      <p:sp>
+        <p:nvSpPr>
+          <p:cNvPr id="3" name="Title 2">
+            <a:extLst>
+              <a:ext uri="{FF2B5EF4-FFF2-40B4-BE49-F238E27FC236}">
+                <a16:creationId xmlns:a16="http://schemas.microsoft.com/office/drawing/2014/main" id="{FB4C6C0D-CDA1-43E3-8CDA-F4D3F58AC9C7}"/>
+              </a:ext>
+            </a:extLst>
+          </p:cNvPr>
+          <p:cNvSpPr>
+            <a:spLocks noGrp="1"/>
+          </p:cNvSpPr>
+          <p:nvPr>
+            <p:ph type="title" idx="4294967295"/>
+          </p:nvPr>
+        </p:nvSpPr>
+        <p:spPr>
+          <a:xfrm>
+            <a:off x="628650" y="895350"/>
+            <a:ext cx="7886700" cy="495907"/>
+          </a:xfrm>
+          <a:prstGeom prst="rect">
+            <a:avLst/>
+          </a:prstGeom>
+        </p:spPr>
+        <p:txBody>
+          <a:bodyPr/>
+          <a:lstStyle/>
+          <a:p>
+            <a:r>
+              <a:rPr lang="en-US" sz="3200" dirty="0"/>
+              <a:t>Web Service Request (in HTTP)</a:t>
+            </a:r>
+          </a:p>
+        </p:txBody>
+      </p:sp>
+      <p:cxnSp>
+        <p:nvCxnSpPr>
+          <p:cNvPr id="8" name="Straight Arrow Connector 7">
+            <a:extLst>
+              <a:ext uri="{FF2B5EF4-FFF2-40B4-BE49-F238E27FC236}">
+                <a16:creationId xmlns:a16="http://schemas.microsoft.com/office/drawing/2014/main" id="{5758571A-85F8-4E97-A212-8258FBF32218}"/>
+              </a:ext>
+            </a:extLst>
+          </p:cNvPr>
+          <p:cNvCxnSpPr>
+            <a:cxnSpLocks/>
+          </p:cNvCxnSpPr>
+          <p:nvPr/>
+        </p:nvCxnSpPr>
+        <p:spPr>
+          <a:xfrm>
+            <a:off x="1828800" y="2190750"/>
+            <a:ext cx="0" cy="2209800"/>
+          </a:xfrm>
+          <a:prstGeom prst="straightConnector1">
+            <a:avLst/>
+          </a:prstGeom>
+          <a:ln>
+            <a:solidFill>
+              <a:srgbClr val="00B050"/>
+            </a:solidFill>
+            <a:tailEnd type="triangle"/>
+          </a:ln>
+        </p:spPr>
+        <p:style>
+          <a:lnRef idx="2">
+            <a:schemeClr val="accent1"/>
+          </a:lnRef>
+          <a:fillRef idx="0">
+            <a:schemeClr val="accent1"/>
+          </a:fillRef>
+          <a:effectRef idx="1">
+            <a:schemeClr val="accent1"/>
+          </a:effectRef>
+          <a:fontRef idx="minor">
+            <a:schemeClr val="tx1"/>
+          </a:fontRef>
+        </p:style>
+      </p:cxnSp>
+      <p:cxnSp>
+        <p:nvCxnSpPr>
+          <p:cNvPr id="9" name="Straight Arrow Connector 8">
+            <a:extLst>
+              <a:ext uri="{FF2B5EF4-FFF2-40B4-BE49-F238E27FC236}">
+                <a16:creationId xmlns:a16="http://schemas.microsoft.com/office/drawing/2014/main" id="{03B8D2C1-5193-46DD-BB1F-06EE585441C3}"/>
+              </a:ext>
+            </a:extLst>
+          </p:cNvPr>
+          <p:cNvCxnSpPr>
+            <a:cxnSpLocks/>
+          </p:cNvCxnSpPr>
+          <p:nvPr/>
+        </p:nvCxnSpPr>
+        <p:spPr>
+          <a:xfrm>
+            <a:off x="7315200" y="2190750"/>
+            <a:ext cx="0" cy="2209800"/>
+          </a:xfrm>
+          <a:prstGeom prst="straightConnector1">
+            <a:avLst/>
+          </a:prstGeom>
+          <a:ln>
+            <a:solidFill>
+              <a:srgbClr val="00B050"/>
+            </a:solidFill>
+            <a:tailEnd type="triangle"/>
+          </a:ln>
+        </p:spPr>
+        <p:style>
+          <a:lnRef idx="2">
+            <a:schemeClr val="accent1"/>
+          </a:lnRef>
+          <a:fillRef idx="0">
+            <a:schemeClr val="accent1"/>
+          </a:fillRef>
+          <a:effectRef idx="1">
+            <a:schemeClr val="accent1"/>
+          </a:effectRef>
+          <a:fontRef idx="minor">
+            <a:schemeClr val="tx1"/>
+          </a:fontRef>
+        </p:style>
+      </p:cxnSp>
+      <p:sp>
+        <p:nvSpPr>
+          <p:cNvPr id="12" name="Rectangle 11">
+            <a:extLst>
+              <a:ext uri="{FF2B5EF4-FFF2-40B4-BE49-F238E27FC236}">
+                <a16:creationId xmlns:a16="http://schemas.microsoft.com/office/drawing/2014/main" id="{1B43E939-CB77-4D45-A370-EFA909363444}"/>
+              </a:ext>
+            </a:extLst>
+          </p:cNvPr>
+          <p:cNvSpPr/>
+          <p:nvPr/>
+        </p:nvSpPr>
+        <p:spPr>
+          <a:xfrm>
+            <a:off x="1219200" y="1657350"/>
+            <a:ext cx="1219199" cy="381000"/>
+          </a:xfrm>
+          <a:prstGeom prst="rect">
+            <a:avLst/>
+          </a:prstGeom>
+          <a:solidFill>
+            <a:schemeClr val="bg1"/>
+          </a:solidFill>
+          <a:ln w="25400"/>
+        </p:spPr>
+        <p:style>
+          <a:lnRef idx="1">
+            <a:schemeClr val="accent1"/>
+          </a:lnRef>
+          <a:fillRef idx="3">
+            <a:schemeClr val="accent1"/>
+          </a:fillRef>
+          <a:effectRef idx="2">
+            <a:schemeClr val="accent1"/>
+          </a:effectRef>
+          <a:fontRef idx="minor">
+            <a:schemeClr val="lt1"/>
+          </a:fontRef>
+        </p:style>
+        <p:txBody>
+          <a:bodyPr rtlCol="0" anchor="ctr"/>
+          <a:lstStyle/>
+          <a:p>
+            <a:pPr algn="ctr"/>
+            <a:r>
+              <a:rPr lang="en-US" dirty="0">
+                <a:solidFill>
+                  <a:srgbClr val="0070C0"/>
+                </a:solidFill>
+              </a:rPr>
+              <a:t>client</a:t>
+            </a:r>
+          </a:p>
+        </p:txBody>
+      </p:sp>
+      <p:sp>
+        <p:nvSpPr>
+          <p:cNvPr id="13" name="Rectangle 12">
+            <a:extLst>
+              <a:ext uri="{FF2B5EF4-FFF2-40B4-BE49-F238E27FC236}">
+                <a16:creationId xmlns:a16="http://schemas.microsoft.com/office/drawing/2014/main" id="{FE4F9FA5-3B31-4B13-BFA7-1582352B87D4}"/>
+              </a:ext>
+            </a:extLst>
+          </p:cNvPr>
+          <p:cNvSpPr/>
+          <p:nvPr/>
+        </p:nvSpPr>
+        <p:spPr>
+          <a:xfrm>
+            <a:off x="6705600" y="1657350"/>
+            <a:ext cx="1219199" cy="381000"/>
+          </a:xfrm>
+          <a:prstGeom prst="rect">
+            <a:avLst/>
+          </a:prstGeom>
+          <a:solidFill>
+            <a:schemeClr val="bg1"/>
+          </a:solidFill>
+          <a:ln w="25400"/>
+        </p:spPr>
+        <p:style>
+          <a:lnRef idx="1">
+            <a:schemeClr val="accent1"/>
+          </a:lnRef>
+          <a:fillRef idx="3">
+            <a:schemeClr val="accent1"/>
+          </a:fillRef>
+          <a:effectRef idx="2">
+            <a:schemeClr val="accent1"/>
+          </a:effectRef>
+          <a:fontRef idx="minor">
+            <a:schemeClr val="lt1"/>
+          </a:fontRef>
+        </p:style>
+        <p:txBody>
+          <a:bodyPr rtlCol="0" anchor="ctr"/>
+          <a:lstStyle/>
+          <a:p>
+            <a:pPr algn="ctr"/>
+            <a:r>
+              <a:rPr lang="en-US" dirty="0">
+                <a:solidFill>
+                  <a:srgbClr val="0070C0"/>
+                </a:solidFill>
+              </a:rPr>
+              <a:t>server</a:t>
+            </a:r>
+          </a:p>
+        </p:txBody>
+      </p:sp>
+      <p:sp>
+        <p:nvSpPr>
+          <p:cNvPr id="14" name="Rectangle 13">
+            <a:extLst>
+              <a:ext uri="{FF2B5EF4-FFF2-40B4-BE49-F238E27FC236}">
+                <a16:creationId xmlns:a16="http://schemas.microsoft.com/office/drawing/2014/main" id="{EC4DFF13-19AF-4342-B1DD-53FBA33E9165}"/>
+              </a:ext>
+            </a:extLst>
+          </p:cNvPr>
+          <p:cNvSpPr/>
+          <p:nvPr/>
+        </p:nvSpPr>
+        <p:spPr>
+          <a:xfrm>
+            <a:off x="1526426" y="4387643"/>
+            <a:ext cx="614271" cy="369332"/>
+          </a:xfrm>
+          <a:prstGeom prst="rect">
+            <a:avLst/>
+          </a:prstGeom>
+        </p:spPr>
+        <p:txBody>
+          <a:bodyPr wrap="none">
+            <a:spAutoFit/>
+          </a:bodyPr>
+          <a:lstStyle/>
+          <a:p>
+            <a:r>
+              <a:rPr lang="en-US" dirty="0">
+                <a:solidFill>
+                  <a:srgbClr val="00B050"/>
+                </a:solidFill>
+              </a:rPr>
+              <a:t>time</a:t>
+            </a:r>
+          </a:p>
+        </p:txBody>
+      </p:sp>
+      <p:sp>
+        <p:nvSpPr>
+          <p:cNvPr id="15" name="Rectangle 14">
+            <a:extLst>
+              <a:ext uri="{FF2B5EF4-FFF2-40B4-BE49-F238E27FC236}">
+                <a16:creationId xmlns:a16="http://schemas.microsoft.com/office/drawing/2014/main" id="{ABAD15DE-691F-467B-926A-59FFA8961D25}"/>
+              </a:ext>
+            </a:extLst>
+          </p:cNvPr>
+          <p:cNvSpPr/>
+          <p:nvPr/>
+        </p:nvSpPr>
+        <p:spPr>
+          <a:xfrm>
+            <a:off x="7003303" y="4387643"/>
+            <a:ext cx="614271" cy="369332"/>
+          </a:xfrm>
+          <a:prstGeom prst="rect">
+            <a:avLst/>
+          </a:prstGeom>
+        </p:spPr>
+        <p:txBody>
+          <a:bodyPr wrap="none">
+            <a:spAutoFit/>
+          </a:bodyPr>
+          <a:lstStyle/>
+          <a:p>
+            <a:r>
+              <a:rPr lang="en-US" dirty="0">
+                <a:solidFill>
+                  <a:srgbClr val="00B050"/>
+                </a:solidFill>
+              </a:rPr>
+              <a:t>time</a:t>
+            </a:r>
+          </a:p>
+        </p:txBody>
+      </p:sp>
+      <p:sp>
+        <p:nvSpPr>
+          <p:cNvPr id="16" name="Rectangle 15">
+            <a:extLst>
+              <a:ext uri="{FF2B5EF4-FFF2-40B4-BE49-F238E27FC236}">
+                <a16:creationId xmlns:a16="http://schemas.microsoft.com/office/drawing/2014/main" id="{49DF1848-71E9-4462-B439-024F7EAFC94F}"/>
+              </a:ext>
+            </a:extLst>
+          </p:cNvPr>
+          <p:cNvSpPr/>
+          <p:nvPr/>
+        </p:nvSpPr>
+        <p:spPr>
+          <a:xfrm>
+            <a:off x="2570537" y="1657350"/>
+            <a:ext cx="3982663" cy="381000"/>
+          </a:xfrm>
+          <a:prstGeom prst="rect">
+            <a:avLst/>
+          </a:prstGeom>
+          <a:solidFill>
+            <a:schemeClr val="bg1"/>
+          </a:solidFill>
+          <a:ln w="25400"/>
+        </p:spPr>
+        <p:style>
+          <a:lnRef idx="1">
+            <a:schemeClr val="accent1"/>
+          </a:lnRef>
+          <a:fillRef idx="3">
+            <a:schemeClr val="accent1"/>
+          </a:fillRef>
+          <a:effectRef idx="2">
+            <a:schemeClr val="accent1"/>
+          </a:effectRef>
+          <a:fontRef idx="minor">
+            <a:schemeClr val="lt1"/>
+          </a:fontRef>
+        </p:style>
+        <p:txBody>
+          <a:bodyPr rtlCol="0" anchor="ctr"/>
+          <a:lstStyle/>
+          <a:p>
+            <a:pPr algn="ctr"/>
+            <a:r>
+              <a:rPr lang="en-US" dirty="0">
+                <a:solidFill>
+                  <a:srgbClr val="0070C0"/>
+                </a:solidFill>
+              </a:rPr>
+              <a:t>wide area data network</a:t>
+            </a:r>
+          </a:p>
+        </p:txBody>
+      </p:sp>
+      <p:cxnSp>
+        <p:nvCxnSpPr>
+          <p:cNvPr id="19" name="Straight Connector 18">
+            <a:extLst>
+              <a:ext uri="{FF2B5EF4-FFF2-40B4-BE49-F238E27FC236}">
+                <a16:creationId xmlns:a16="http://schemas.microsoft.com/office/drawing/2014/main" id="{0808B52E-BCB5-4124-A4B3-4627A3D0BFBB}"/>
+              </a:ext>
+            </a:extLst>
+          </p:cNvPr>
+          <p:cNvCxnSpPr>
+            <a:stCxn id="12" idx="3"/>
+            <a:endCxn id="16" idx="1"/>
+          </p:cNvCxnSpPr>
+          <p:nvPr/>
+        </p:nvCxnSpPr>
+        <p:spPr>
+          <a:xfrm>
+            <a:off x="2438399" y="1847850"/>
+            <a:ext cx="132138" cy="0"/>
+          </a:xfrm>
+          <a:prstGeom prst="line">
+            <a:avLst/>
+          </a:prstGeom>
+        </p:spPr>
+        <p:style>
+          <a:lnRef idx="2">
+            <a:schemeClr val="accent1"/>
+          </a:lnRef>
+          <a:fillRef idx="0">
+            <a:schemeClr val="accent1"/>
+          </a:fillRef>
+          <a:effectRef idx="1">
+            <a:schemeClr val="accent1"/>
+          </a:effectRef>
+          <a:fontRef idx="minor">
+            <a:schemeClr val="tx1"/>
+          </a:fontRef>
+        </p:style>
+      </p:cxnSp>
+      <p:cxnSp>
+        <p:nvCxnSpPr>
+          <p:cNvPr id="20" name="Straight Connector 19">
+            <a:extLst>
+              <a:ext uri="{FF2B5EF4-FFF2-40B4-BE49-F238E27FC236}">
+                <a16:creationId xmlns:a16="http://schemas.microsoft.com/office/drawing/2014/main" id="{19A2E45B-A197-479A-A401-45838E002E7D}"/>
+              </a:ext>
+            </a:extLst>
+          </p:cNvPr>
+          <p:cNvCxnSpPr>
+            <a:cxnSpLocks/>
+            <a:stCxn id="16" idx="3"/>
+            <a:endCxn id="13" idx="1"/>
+          </p:cNvCxnSpPr>
+          <p:nvPr/>
+        </p:nvCxnSpPr>
+        <p:spPr>
+          <a:xfrm>
+            <a:off x="6553200" y="1847850"/>
+            <a:ext cx="152400" cy="0"/>
+          </a:xfrm>
+          <a:prstGeom prst="line">
+            <a:avLst/>
+          </a:prstGeom>
+        </p:spPr>
+        <p:style>
+          <a:lnRef idx="2">
+            <a:schemeClr val="accent1"/>
+          </a:lnRef>
+          <a:fillRef idx="0">
+            <a:schemeClr val="accent1"/>
+          </a:fillRef>
+          <a:effectRef idx="1">
+            <a:schemeClr val="accent1"/>
+          </a:effectRef>
+          <a:fontRef idx="minor">
+            <a:schemeClr val="tx1"/>
+          </a:fontRef>
+        </p:style>
+      </p:cxnSp>
+      <p:cxnSp>
+        <p:nvCxnSpPr>
+          <p:cNvPr id="27" name="Straight Arrow Connector 26">
+            <a:extLst>
+              <a:ext uri="{FF2B5EF4-FFF2-40B4-BE49-F238E27FC236}">
+                <a16:creationId xmlns:a16="http://schemas.microsoft.com/office/drawing/2014/main" id="{2EF1F82A-802C-4E69-BE00-19884E96449E}"/>
+              </a:ext>
+            </a:extLst>
+          </p:cNvPr>
+          <p:cNvCxnSpPr/>
+          <p:nvPr/>
+        </p:nvCxnSpPr>
+        <p:spPr>
+          <a:xfrm>
+            <a:off x="1828800" y="2343150"/>
+            <a:ext cx="5481638" cy="838200"/>
+          </a:xfrm>
+          <a:prstGeom prst="straightConnector1">
+            <a:avLst/>
+          </a:prstGeom>
+          <a:ln>
+            <a:solidFill>
+              <a:schemeClr val="tx1"/>
+            </a:solidFill>
+            <a:prstDash val="sysDash"/>
+            <a:tailEnd type="triangle"/>
+          </a:ln>
+        </p:spPr>
+        <p:style>
+          <a:lnRef idx="2">
+            <a:schemeClr val="accent1"/>
+          </a:lnRef>
+          <a:fillRef idx="0">
+            <a:schemeClr val="accent1"/>
+          </a:fillRef>
+          <a:effectRef idx="1">
+            <a:schemeClr val="accent1"/>
+          </a:effectRef>
+          <a:fontRef idx="minor">
+            <a:schemeClr val="tx1"/>
+          </a:fontRef>
+        </p:style>
+      </p:cxnSp>
+      <p:sp>
+        <p:nvSpPr>
+          <p:cNvPr id="28" name="Rectangle 27">
+            <a:extLst>
+              <a:ext uri="{FF2B5EF4-FFF2-40B4-BE49-F238E27FC236}">
+                <a16:creationId xmlns:a16="http://schemas.microsoft.com/office/drawing/2014/main" id="{9B39FB44-A061-45AE-A272-47A5A78135D2}"/>
+              </a:ext>
+            </a:extLst>
+          </p:cNvPr>
+          <p:cNvSpPr/>
+          <p:nvPr/>
+        </p:nvSpPr>
+        <p:spPr>
+          <a:xfrm rot="547352">
+            <a:off x="2038076" y="2387084"/>
+            <a:ext cx="5067862" cy="369332"/>
+          </a:xfrm>
+          <a:prstGeom prst="rect">
+            <a:avLst/>
+          </a:prstGeom>
+        </p:spPr>
+        <p:txBody>
+          <a:bodyPr wrap="none">
+            <a:spAutoFit/>
+          </a:bodyPr>
+          <a:lstStyle/>
+          <a:p>
+            <a:r>
+              <a:rPr lang="en-US" dirty="0"/>
+              <a:t>REQUEST: HTTP GET /alleles/HLA-DPB1*01:01:01:01</a:t>
+            </a:r>
+          </a:p>
+        </p:txBody>
+      </p:sp>
+      <p:cxnSp>
+        <p:nvCxnSpPr>
+          <p:cNvPr id="29" name="Straight Arrow Connector 28">
+            <a:extLst>
+              <a:ext uri="{FF2B5EF4-FFF2-40B4-BE49-F238E27FC236}">
+                <a16:creationId xmlns:a16="http://schemas.microsoft.com/office/drawing/2014/main" id="{5BDF7B8E-5A34-4327-97FD-CF392BB330D0}"/>
+              </a:ext>
+            </a:extLst>
+          </p:cNvPr>
+          <p:cNvCxnSpPr>
+            <a:cxnSpLocks/>
+          </p:cNvCxnSpPr>
+          <p:nvPr/>
+        </p:nvCxnSpPr>
+        <p:spPr>
+          <a:xfrm flipH="1">
+            <a:off x="1828800" y="3392552"/>
+            <a:ext cx="5481637" cy="842691"/>
+          </a:xfrm>
+          <a:prstGeom prst="straightConnector1">
+            <a:avLst/>
+          </a:prstGeom>
+          <a:ln>
+            <a:solidFill>
+              <a:schemeClr val="tx1"/>
+            </a:solidFill>
+            <a:prstDash val="sysDash"/>
+            <a:tailEnd type="triangle"/>
+          </a:ln>
+        </p:spPr>
+        <p:style>
+          <a:lnRef idx="2">
+            <a:schemeClr val="accent1"/>
+          </a:lnRef>
+          <a:fillRef idx="0">
+            <a:schemeClr val="accent1"/>
+          </a:fillRef>
+          <a:effectRef idx="1">
+            <a:schemeClr val="accent1"/>
+          </a:effectRef>
+          <a:fontRef idx="minor">
+            <a:schemeClr val="tx1"/>
+          </a:fontRef>
+        </p:style>
+      </p:cxnSp>
+      <p:sp>
+        <p:nvSpPr>
+          <p:cNvPr id="34" name="Rectangle 33">
+            <a:extLst>
+              <a:ext uri="{FF2B5EF4-FFF2-40B4-BE49-F238E27FC236}">
+                <a16:creationId xmlns:a16="http://schemas.microsoft.com/office/drawing/2014/main" id="{5E1FF149-098C-4D46-801E-4F3E6B5DB91D}"/>
+              </a:ext>
+            </a:extLst>
+          </p:cNvPr>
+          <p:cNvSpPr/>
+          <p:nvPr/>
+        </p:nvSpPr>
+        <p:spPr>
+          <a:xfrm rot="21080840">
+            <a:off x="2093960" y="3421618"/>
+            <a:ext cx="4956100" cy="369332"/>
+          </a:xfrm>
+          <a:prstGeom prst="rect">
+            <a:avLst/>
+          </a:prstGeom>
+        </p:spPr>
+        <p:txBody>
+          <a:bodyPr wrap="none">
+            <a:spAutoFit/>
+          </a:bodyPr>
+          <a:lstStyle/>
+          <a:p>
+            <a:r>
+              <a:rPr lang="en-US" dirty="0"/>
+              <a:t>RESPONSE: HTTP 200, {</a:t>
+            </a:r>
+            <a:r>
+              <a:rPr lang="en-US" dirty="0" err="1"/>
+              <a:t>alleleName</a:t>
+            </a:r>
+            <a:r>
+              <a:rPr lang="en-US" dirty="0"/>
+              <a:t>: HLA-DPB1*…}‡</a:t>
+            </a:r>
+          </a:p>
+        </p:txBody>
+      </p:sp>
+      <p:sp>
+        <p:nvSpPr>
+          <p:cNvPr id="2" name="Rectangle 1">
+            <a:extLst>
+              <a:ext uri="{FF2B5EF4-FFF2-40B4-BE49-F238E27FC236}">
+                <a16:creationId xmlns:a16="http://schemas.microsoft.com/office/drawing/2014/main" id="{AEE27B7D-FC37-4EEB-B6F5-1F01455635F9}"/>
+              </a:ext>
+            </a:extLst>
+          </p:cNvPr>
+          <p:cNvSpPr/>
+          <p:nvPr/>
+        </p:nvSpPr>
+        <p:spPr>
+          <a:xfrm>
+            <a:off x="2354929" y="4446445"/>
+            <a:ext cx="4434141" cy="646331"/>
+          </a:xfrm>
+          <a:prstGeom prst="rect">
+            <a:avLst/>
+          </a:prstGeom>
+        </p:spPr>
+        <p:txBody>
+          <a:bodyPr wrap="square">
+            <a:spAutoFit/>
+          </a:bodyPr>
+          <a:lstStyle/>
+          <a:p>
+            <a:r>
+              <a:rPr lang="en-US" dirty="0"/>
+              <a:t>‡The JSON response payload is pure </a:t>
+            </a:r>
+            <a:r>
+              <a:rPr lang="en-US" i="1" dirty="0"/>
+              <a:t>content</a:t>
+            </a:r>
+            <a:r>
+              <a:rPr lang="en-US" dirty="0"/>
+              <a:t> without any </a:t>
+            </a:r>
+            <a:r>
+              <a:rPr lang="en-US" i="1" dirty="0"/>
+              <a:t>presentation</a:t>
+            </a:r>
+            <a:r>
+              <a:rPr lang="en-US" dirty="0"/>
+              <a:t>.</a:t>
+            </a:r>
+          </a:p>
+        </p:txBody>
+      </p:sp>
+    </p:spTree>
+    <p:extLst>
+      <p:ext uri="{BB962C8B-B14F-4D97-AF65-F5344CB8AC3E}">
+        <p14:creationId xmlns:p14="http://schemas.microsoft.com/office/powerpoint/2010/main" val="532807698"/>
+      </p:ext>
+    </p:extLst>
+  </p:cSld>
+  <p:clrMapOvr>
+    <a:masterClrMapping/>
+  </p:clrMapOvr>
+</p:sld>
+</file>
+
+<file path=ppt/slides/slide23.xml><?xml version="1.0" encoding="utf-8"?>
+<p:sld xmlns:a="http://schemas.openxmlformats.org/drawingml/2006/main" xmlns:r="http://schemas.openxmlformats.org/officeDocument/2006/relationships" xmlns:p="http://schemas.openxmlformats.org/presentationml/2006/main">
+  <p:cSld>
+    <p:spTree>
+      <p:nvGrpSpPr>
+        <p:cNvPr id="1" name=""/>
+        <p:cNvGrpSpPr/>
+        <p:nvPr/>
+      </p:nvGrpSpPr>
+      <p:grpSpPr>
+        <a:xfrm>
+          <a:off x="0" y="0"/>
+          <a:ext cx="0" cy="0"/>
+          <a:chOff x="0" y="0"/>
+          <a:chExt cx="0" cy="0"/>
+        </a:xfrm>
+      </p:grpSpPr>
       <p:pic>
         <p:nvPicPr>
           <p:cNvPr id="4" name="Picture 3">
@@ -7088,8 +7334,8 @@
         </p:nvSpPr>
         <p:spPr>
           <a:xfrm>
-            <a:off x="104118" y="2634420"/>
-            <a:ext cx="3239731" cy="584775"/>
+            <a:off x="104118" y="2536089"/>
+            <a:ext cx="3239731" cy="830997"/>
           </a:xfrm>
           <a:prstGeom prst="rect">
             <a:avLst/>
@@ -7103,6 +7349,24 @@
             <a:spAutoFit/>
           </a:bodyPr>
           <a:lstStyle/>
+          <a:p>
+            <a:r>
+              <a:rPr lang="en-US" sz="1600" dirty="0">
+                <a:solidFill>
+                  <a:schemeClr val="bg1"/>
+                </a:solidFill>
+              </a:rPr>
+              <a:t>Provider: </a:t>
+            </a:r>
+            <a:r>
+              <a:rPr lang="en-US" sz="1600" b="1" dirty="0">
+                <a:solidFill>
+                  <a:srgbClr val="FFFF00"/>
+                </a:solidFill>
+              </a:rPr>
+              <a:t>rest.hlatools.org</a:t>
+            </a:r>
+          </a:p>
           <a:p>
             <a:r>
               <a:rPr lang="en-US" sz="1600" dirty="0">
@@ -7115,7 +7379,7 @@
             <a:r>
               <a:rPr lang="en-US" sz="1600" b="1" dirty="0">
                 <a:solidFill>
-                  <a:schemeClr val="bg1"/>
+                  <a:srgbClr val="FFFF00"/>
                 </a:solidFill>
               </a:rPr>
               <a:t>alleles</a:t>
@@ -7133,7 +7397,7 @@
             <a:r>
               <a:rPr lang="en-US" sz="1600" b="1" dirty="0">
                 <a:solidFill>
-                  <a:schemeClr val="bg1"/>
+                  <a:srgbClr val="FFFF00"/>
                 </a:solidFill>
               </a:rPr>
               <a:t>HLA-DPB1*01:01:01:01</a:t>
@@ -7270,6 +7534,785 @@
     <p:extLst>
       <p:ext uri="{BB962C8B-B14F-4D97-AF65-F5344CB8AC3E}">
         <p14:creationId xmlns:p14="http://schemas.microsoft.com/office/powerpoint/2010/main" val="2842363165"/>
+      </p:ext>
+    </p:extLst>
+  </p:cSld>
+  <p:clrMapOvr>
+    <a:masterClrMapping/>
+  </p:clrMapOvr>
+</p:sld>
+</file>
+
+<file path=ppt/slides/slide24.xml><?xml version="1.0" encoding="utf-8"?>
+<p:sld xmlns:a="http://schemas.openxmlformats.org/drawingml/2006/main" xmlns:r="http://schemas.openxmlformats.org/officeDocument/2006/relationships" xmlns:p="http://schemas.openxmlformats.org/presentationml/2006/main">
+  <p:cSld>
+    <p:spTree>
+      <p:nvGrpSpPr>
+        <p:cNvPr id="1" name=""/>
+        <p:cNvGrpSpPr/>
+        <p:nvPr/>
+      </p:nvGrpSpPr>
+      <p:grpSpPr>
+        <a:xfrm>
+          <a:off x="0" y="0"/>
+          <a:ext cx="0" cy="0"/>
+          <a:chOff x="0" y="0"/>
+          <a:chExt cx="0" cy="0"/>
+        </a:xfrm>
+      </p:grpSpPr>
+      <p:sp>
+        <p:nvSpPr>
+          <p:cNvPr id="59" name="Title 2">
+            <a:extLst>
+              <a:ext uri="{FF2B5EF4-FFF2-40B4-BE49-F238E27FC236}">
+                <a16:creationId xmlns:a16="http://schemas.microsoft.com/office/drawing/2014/main" id="{A757E34A-CC56-4B6D-9D09-9832621DD7F1}"/>
+              </a:ext>
+            </a:extLst>
+          </p:cNvPr>
+          <p:cNvSpPr txBox="1">
+            <a:spLocks/>
+          </p:cNvSpPr>
+          <p:nvPr/>
+        </p:nvSpPr>
+        <p:spPr>
+          <a:xfrm>
+            <a:off x="381000" y="895350"/>
+            <a:ext cx="2800350" cy="1066800"/>
+          </a:xfrm>
+          <a:prstGeom prst="rect">
+            <a:avLst/>
+          </a:prstGeom>
+        </p:spPr>
+        <p:txBody>
+          <a:bodyPr/>
+          <a:lstStyle>
+            <a:lvl1pPr algn="ctr" defTabSz="457200" rtl="0" eaLnBrk="1" latinLnBrk="0" hangingPunct="1">
+              <a:spcBef>
+                <a:spcPct val="0"/>
+              </a:spcBef>
+              <a:buNone/>
+              <a:defRPr sz="4400" kern="1200">
+                <a:solidFill>
+                  <a:schemeClr val="tx1"/>
+                </a:solidFill>
+                <a:latin typeface="+mj-lt"/>
+                <a:ea typeface="+mj-ea"/>
+                <a:cs typeface="+mj-cs"/>
+              </a:defRPr>
+            </a:lvl1pPr>
+          </a:lstStyle>
+          <a:p>
+            <a:r>
+              <a:rPr lang="en-US" sz="3200" dirty="0"/>
+              <a:t>Web Services Return JSON</a:t>
+            </a:r>
+            <a:r>
+              <a:rPr lang="en-US" sz="3200" baseline="30000" dirty="0"/>
+              <a:t>‡</a:t>
+            </a:r>
+          </a:p>
+        </p:txBody>
+      </p:sp>
+      <p:sp>
+        <p:nvSpPr>
+          <p:cNvPr id="60" name="Rectangle 59">
+            <a:extLst>
+              <a:ext uri="{FF2B5EF4-FFF2-40B4-BE49-F238E27FC236}">
+                <a16:creationId xmlns:a16="http://schemas.microsoft.com/office/drawing/2014/main" id="{15E0F9AE-DB05-4814-B130-BE30540ED6E6}"/>
+              </a:ext>
+            </a:extLst>
+          </p:cNvPr>
+          <p:cNvSpPr/>
+          <p:nvPr/>
+        </p:nvSpPr>
+        <p:spPr>
+          <a:xfrm>
+            <a:off x="104118" y="2528886"/>
+            <a:ext cx="3239731" cy="830997"/>
+          </a:xfrm>
+          <a:prstGeom prst="rect">
+            <a:avLst/>
+          </a:prstGeom>
+          <a:solidFill>
+            <a:srgbClr val="4BC4C2"/>
+          </a:solidFill>
+        </p:spPr>
+        <p:txBody>
+          <a:bodyPr wrap="square">
+            <a:spAutoFit/>
+          </a:bodyPr>
+          <a:lstStyle/>
+          <a:p>
+            <a:r>
+              <a:rPr lang="en-US" sz="1600" dirty="0">
+                <a:solidFill>
+                  <a:schemeClr val="bg1"/>
+                </a:solidFill>
+              </a:rPr>
+              <a:t>Provider: </a:t>
+            </a:r>
+            <a:r>
+              <a:rPr lang="en-US" sz="1400" b="1" dirty="0">
+                <a:solidFill>
+                  <a:srgbClr val="FFFF00"/>
+                </a:solidFill>
+              </a:rPr>
+              <a:t>dataservice.accuweather.com</a:t>
+            </a:r>
+            <a:endParaRPr lang="en-US" sz="1600" b="1" dirty="0">
+              <a:solidFill>
+                <a:srgbClr val="FFFF00"/>
+              </a:solidFill>
+            </a:endParaRPr>
+          </a:p>
+          <a:p>
+            <a:r>
+              <a:rPr lang="en-US" sz="1600" dirty="0">
+                <a:solidFill>
+                  <a:schemeClr val="bg1"/>
+                </a:solidFill>
+              </a:rPr>
+              <a:t>Resource Name: </a:t>
+            </a:r>
+            <a:r>
+              <a:rPr lang="en-US" sz="1600" b="1" dirty="0" err="1">
+                <a:solidFill>
+                  <a:srgbClr val="FFFF00"/>
+                </a:solidFill>
+              </a:rPr>
+              <a:t>currentConditions</a:t>
+            </a:r>
+            <a:endParaRPr lang="en-US" sz="1600" b="1" dirty="0">
+              <a:solidFill>
+                <a:srgbClr val="FFFF00"/>
+              </a:solidFill>
+            </a:endParaRPr>
+          </a:p>
+          <a:p>
+            <a:r>
+              <a:rPr lang="en-US" sz="1600" dirty="0">
+                <a:solidFill>
+                  <a:schemeClr val="bg1"/>
+                </a:solidFill>
+              </a:rPr>
+              <a:t>Resource ID: </a:t>
+            </a:r>
+            <a:r>
+              <a:rPr lang="en-US" sz="1600" b="1" dirty="0">
+                <a:solidFill>
+                  <a:srgbClr val="FFFF00"/>
+                </a:solidFill>
+              </a:rPr>
+              <a:t>348707</a:t>
+            </a:r>
+            <a:r>
+              <a:rPr lang="en-US" sz="1600" dirty="0">
+                <a:solidFill>
+                  <a:schemeClr val="bg1"/>
+                </a:solidFill>
+              </a:rPr>
+              <a:t> (Baltimore)</a:t>
+            </a:r>
+            <a:endParaRPr lang="en-US" sz="1600" b="1" dirty="0">
+              <a:solidFill>
+                <a:schemeClr val="bg1"/>
+              </a:solidFill>
+            </a:endParaRPr>
+          </a:p>
+        </p:txBody>
+      </p:sp>
+      <p:sp>
+        <p:nvSpPr>
+          <p:cNvPr id="62" name="Rectangle 61">
+            <a:extLst>
+              <a:ext uri="{FF2B5EF4-FFF2-40B4-BE49-F238E27FC236}">
+                <a16:creationId xmlns:a16="http://schemas.microsoft.com/office/drawing/2014/main" id="{59F79E0D-7A39-42DE-92B2-261AD5A6A069}"/>
+              </a:ext>
+            </a:extLst>
+          </p:cNvPr>
+          <p:cNvSpPr/>
+          <p:nvPr/>
+        </p:nvSpPr>
+        <p:spPr>
+          <a:xfrm>
+            <a:off x="0" y="4580751"/>
+            <a:ext cx="9144000" cy="276999"/>
+          </a:xfrm>
+          <a:prstGeom prst="rect">
+            <a:avLst/>
+          </a:prstGeom>
+        </p:spPr>
+        <p:txBody>
+          <a:bodyPr wrap="square">
+            <a:spAutoFit/>
+          </a:bodyPr>
+          <a:lstStyle/>
+          <a:p>
+            <a:r>
+              <a:rPr lang="en-US" sz="1200" dirty="0"/>
+              <a:t>JSON = JavaScript Object Notation</a:t>
+            </a:r>
+          </a:p>
+        </p:txBody>
+      </p:sp>
+      <p:sp>
+        <p:nvSpPr>
+          <p:cNvPr id="63" name="Rectangle 62">
+            <a:extLst>
+              <a:ext uri="{FF2B5EF4-FFF2-40B4-BE49-F238E27FC236}">
+                <a16:creationId xmlns:a16="http://schemas.microsoft.com/office/drawing/2014/main" id="{8F8A6D31-832A-48B2-AAFC-1FBF17CD16FD}"/>
+              </a:ext>
+            </a:extLst>
+          </p:cNvPr>
+          <p:cNvSpPr/>
+          <p:nvPr/>
+        </p:nvSpPr>
+        <p:spPr>
+          <a:xfrm>
+            <a:off x="3945" y="4866501"/>
+            <a:ext cx="9144000" cy="276999"/>
+          </a:xfrm>
+          <a:prstGeom prst="rect">
+            <a:avLst/>
+          </a:prstGeom>
+        </p:spPr>
+        <p:txBody>
+          <a:bodyPr wrap="square">
+            <a:spAutoFit/>
+          </a:bodyPr>
+          <a:lstStyle/>
+          <a:p>
+            <a:r>
+              <a:rPr lang="en-US" sz="1200" dirty="0"/>
+              <a:t>‡Web services </a:t>
+            </a:r>
+            <a:r>
+              <a:rPr lang="en-US" sz="1200" i="1" dirty="0"/>
+              <a:t>usually</a:t>
+            </a:r>
+            <a:r>
+              <a:rPr lang="en-US" sz="1200" dirty="0"/>
+              <a:t> return JSON.</a:t>
+            </a:r>
+          </a:p>
+        </p:txBody>
+      </p:sp>
+      <p:sp>
+        <p:nvSpPr>
+          <p:cNvPr id="66" name="Left Brace 65">
+            <a:extLst>
+              <a:ext uri="{FF2B5EF4-FFF2-40B4-BE49-F238E27FC236}">
+                <a16:creationId xmlns:a16="http://schemas.microsoft.com/office/drawing/2014/main" id="{4009E561-8246-4AB9-808E-AA5F826B1705}"/>
+              </a:ext>
+            </a:extLst>
+          </p:cNvPr>
+          <p:cNvSpPr/>
+          <p:nvPr/>
+        </p:nvSpPr>
+        <p:spPr>
+          <a:xfrm>
+            <a:off x="3369877" y="819150"/>
+            <a:ext cx="211523" cy="4253324"/>
+          </a:xfrm>
+          <a:prstGeom prst="leftBrace">
+            <a:avLst/>
+          </a:prstGeom>
+          <a:ln>
+            <a:solidFill>
+              <a:srgbClr val="4BC4C2"/>
+            </a:solidFill>
+          </a:ln>
+        </p:spPr>
+        <p:style>
+          <a:lnRef idx="2">
+            <a:schemeClr val="accent1"/>
+          </a:lnRef>
+          <a:fillRef idx="0">
+            <a:schemeClr val="accent1"/>
+          </a:fillRef>
+          <a:effectRef idx="1">
+            <a:schemeClr val="accent1"/>
+          </a:effectRef>
+          <a:fontRef idx="minor">
+            <a:schemeClr val="tx1"/>
+          </a:fontRef>
+        </p:style>
+        <p:txBody>
+          <a:bodyPr rtlCol="0" anchor="ctr"/>
+          <a:lstStyle/>
+          <a:p>
+            <a:pPr algn="ctr"/>
+            <a:endParaRPr lang="en-US"/>
+          </a:p>
+        </p:txBody>
+      </p:sp>
+      <p:pic>
+        <p:nvPicPr>
+          <p:cNvPr id="5" name="Picture 4">
+            <a:extLst>
+              <a:ext uri="{FF2B5EF4-FFF2-40B4-BE49-F238E27FC236}">
+                <a16:creationId xmlns:a16="http://schemas.microsoft.com/office/drawing/2014/main" id="{87693362-464B-455A-A6D6-71F90DFA784B}"/>
+              </a:ext>
+            </a:extLst>
+          </p:cNvPr>
+          <p:cNvPicPr>
+            <a:picLocks noChangeAspect="1"/>
+          </p:cNvPicPr>
+          <p:nvPr/>
+        </p:nvPicPr>
+        <p:blipFill>
+          <a:blip r:embed="rId2"/>
+          <a:stretch>
+            <a:fillRect/>
+          </a:stretch>
+        </p:blipFill>
+        <p:spPr>
+          <a:xfrm>
+            <a:off x="3939982" y="1409205"/>
+            <a:ext cx="4869248" cy="3073214"/>
+          </a:xfrm>
+          <a:prstGeom prst="rect">
+            <a:avLst/>
+          </a:prstGeom>
+        </p:spPr>
+      </p:pic>
+    </p:spTree>
+    <p:extLst>
+      <p:ext uri="{BB962C8B-B14F-4D97-AF65-F5344CB8AC3E}">
+        <p14:creationId xmlns:p14="http://schemas.microsoft.com/office/powerpoint/2010/main" val="3546157897"/>
+      </p:ext>
+    </p:extLst>
+  </p:cSld>
+  <p:clrMapOvr>
+    <a:masterClrMapping/>
+  </p:clrMapOvr>
+</p:sld>
+</file>
+
+<file path=ppt/slides/slide25.xml><?xml version="1.0" encoding="utf-8"?>
+<p:sld xmlns:a="http://schemas.openxmlformats.org/drawingml/2006/main" xmlns:r="http://schemas.openxmlformats.org/officeDocument/2006/relationships" xmlns:p="http://schemas.openxmlformats.org/presentationml/2006/main">
+  <p:cSld>
+    <p:spTree>
+      <p:nvGrpSpPr>
+        <p:cNvPr id="1" name=""/>
+        <p:cNvGrpSpPr/>
+        <p:nvPr/>
+      </p:nvGrpSpPr>
+      <p:grpSpPr>
+        <a:xfrm>
+          <a:off x="0" y="0"/>
+          <a:ext cx="0" cy="0"/>
+          <a:chOff x="0" y="0"/>
+          <a:chExt cx="0" cy="0"/>
+        </a:xfrm>
+      </p:grpSpPr>
+      <p:sp>
+        <p:nvSpPr>
+          <p:cNvPr id="59" name="Title 2">
+            <a:extLst>
+              <a:ext uri="{FF2B5EF4-FFF2-40B4-BE49-F238E27FC236}">
+                <a16:creationId xmlns:a16="http://schemas.microsoft.com/office/drawing/2014/main" id="{A757E34A-CC56-4B6D-9D09-9832621DD7F1}"/>
+              </a:ext>
+            </a:extLst>
+          </p:cNvPr>
+          <p:cNvSpPr txBox="1">
+            <a:spLocks/>
+          </p:cNvSpPr>
+          <p:nvPr/>
+        </p:nvSpPr>
+        <p:spPr>
+          <a:xfrm>
+            <a:off x="381000" y="895350"/>
+            <a:ext cx="2800350" cy="1066800"/>
+          </a:xfrm>
+          <a:prstGeom prst="rect">
+            <a:avLst/>
+          </a:prstGeom>
+        </p:spPr>
+        <p:txBody>
+          <a:bodyPr/>
+          <a:lstStyle>
+            <a:lvl1pPr algn="ctr" defTabSz="457200" rtl="0" eaLnBrk="1" latinLnBrk="0" hangingPunct="1">
+              <a:spcBef>
+                <a:spcPct val="0"/>
+              </a:spcBef>
+              <a:buNone/>
+              <a:defRPr sz="4400" kern="1200">
+                <a:solidFill>
+                  <a:schemeClr val="tx1"/>
+                </a:solidFill>
+                <a:latin typeface="+mj-lt"/>
+                <a:ea typeface="+mj-ea"/>
+                <a:cs typeface="+mj-cs"/>
+              </a:defRPr>
+            </a:lvl1pPr>
+          </a:lstStyle>
+          <a:p>
+            <a:r>
+              <a:rPr lang="en-US" sz="3200" dirty="0"/>
+              <a:t>Web Services Return JSON</a:t>
+            </a:r>
+            <a:r>
+              <a:rPr lang="en-US" sz="3200" baseline="30000" dirty="0"/>
+              <a:t>‡</a:t>
+            </a:r>
+          </a:p>
+        </p:txBody>
+      </p:sp>
+      <p:sp>
+        <p:nvSpPr>
+          <p:cNvPr id="60" name="Rectangle 59">
+            <a:extLst>
+              <a:ext uri="{FF2B5EF4-FFF2-40B4-BE49-F238E27FC236}">
+                <a16:creationId xmlns:a16="http://schemas.microsoft.com/office/drawing/2014/main" id="{15E0F9AE-DB05-4814-B130-BE30540ED6E6}"/>
+              </a:ext>
+            </a:extLst>
+          </p:cNvPr>
+          <p:cNvSpPr/>
+          <p:nvPr/>
+        </p:nvSpPr>
+        <p:spPr>
+          <a:xfrm>
+            <a:off x="104118" y="2536089"/>
+            <a:ext cx="3239731" cy="830997"/>
+          </a:xfrm>
+          <a:prstGeom prst="rect">
+            <a:avLst/>
+          </a:prstGeom>
+          <a:solidFill>
+            <a:srgbClr val="4BC4C2"/>
+          </a:solidFill>
+        </p:spPr>
+        <p:txBody>
+          <a:bodyPr wrap="square">
+            <a:spAutoFit/>
+          </a:bodyPr>
+          <a:lstStyle/>
+          <a:p>
+            <a:r>
+              <a:rPr lang="en-US" sz="1600" dirty="0">
+                <a:solidFill>
+                  <a:schemeClr val="bg1"/>
+                </a:solidFill>
+              </a:rPr>
+              <a:t>Provider: </a:t>
+            </a:r>
+            <a:r>
+              <a:rPr lang="en-US" sz="1600" b="1" dirty="0">
+                <a:solidFill>
+                  <a:srgbClr val="FFFF00"/>
+                </a:solidFill>
+              </a:rPr>
+              <a:t>rest.ensembl.org</a:t>
+            </a:r>
+          </a:p>
+          <a:p>
+            <a:r>
+              <a:rPr lang="en-US" sz="1600" dirty="0">
+                <a:solidFill>
+                  <a:schemeClr val="bg1"/>
+                </a:solidFill>
+              </a:rPr>
+              <a:t>Resource Name: </a:t>
+            </a:r>
+            <a:r>
+              <a:rPr lang="en-US" sz="1600" b="1" dirty="0">
+                <a:solidFill>
+                  <a:srgbClr val="FFFF00"/>
+                </a:solidFill>
+              </a:rPr>
+              <a:t>/</a:t>
+            </a:r>
+            <a:r>
+              <a:rPr lang="en-US" sz="1600" b="1" dirty="0" err="1">
+                <a:solidFill>
+                  <a:srgbClr val="FFFF00"/>
+                </a:solidFill>
+              </a:rPr>
+              <a:t>vep</a:t>
+            </a:r>
+            <a:r>
+              <a:rPr lang="en-US" sz="1600" b="1" dirty="0">
+                <a:solidFill>
+                  <a:srgbClr val="FFFF00"/>
+                </a:solidFill>
+              </a:rPr>
+              <a:t>/human/</a:t>
+            </a:r>
+            <a:r>
+              <a:rPr lang="en-US" sz="1600" b="1" dirty="0" err="1">
+                <a:solidFill>
+                  <a:srgbClr val="FFFF00"/>
+                </a:solidFill>
+              </a:rPr>
+              <a:t>hgvs</a:t>
+            </a:r>
+            <a:endParaRPr lang="en-US" sz="1600" b="1" dirty="0">
+              <a:solidFill>
+                <a:srgbClr val="FFFF00"/>
+              </a:solidFill>
+            </a:endParaRPr>
+          </a:p>
+          <a:p>
+            <a:r>
+              <a:rPr lang="en-US" sz="1600" dirty="0">
+                <a:solidFill>
+                  <a:schemeClr val="bg1"/>
+                </a:solidFill>
+              </a:rPr>
+              <a:t>Resource ID: </a:t>
+            </a:r>
+            <a:r>
+              <a:rPr lang="en-US" sz="1600" b="1" dirty="0">
+                <a:solidFill>
+                  <a:srgbClr val="FFFF00"/>
+                </a:solidFill>
+              </a:rPr>
+              <a:t>BRAF:c.1799T&gt;A</a:t>
+            </a:r>
+          </a:p>
+        </p:txBody>
+      </p:sp>
+      <p:sp>
+        <p:nvSpPr>
+          <p:cNvPr id="62" name="Rectangle 61">
+            <a:extLst>
+              <a:ext uri="{FF2B5EF4-FFF2-40B4-BE49-F238E27FC236}">
+                <a16:creationId xmlns:a16="http://schemas.microsoft.com/office/drawing/2014/main" id="{59F79E0D-7A39-42DE-92B2-261AD5A6A069}"/>
+              </a:ext>
+            </a:extLst>
+          </p:cNvPr>
+          <p:cNvSpPr/>
+          <p:nvPr/>
+        </p:nvSpPr>
+        <p:spPr>
+          <a:xfrm>
+            <a:off x="0" y="4580751"/>
+            <a:ext cx="9144000" cy="276999"/>
+          </a:xfrm>
+          <a:prstGeom prst="rect">
+            <a:avLst/>
+          </a:prstGeom>
+        </p:spPr>
+        <p:txBody>
+          <a:bodyPr wrap="square">
+            <a:spAutoFit/>
+          </a:bodyPr>
+          <a:lstStyle/>
+          <a:p>
+            <a:r>
+              <a:rPr lang="en-US" sz="1200" dirty="0"/>
+              <a:t>JSON = JavaScript Object Notation</a:t>
+            </a:r>
+          </a:p>
+        </p:txBody>
+      </p:sp>
+      <p:sp>
+        <p:nvSpPr>
+          <p:cNvPr id="63" name="Rectangle 62">
+            <a:extLst>
+              <a:ext uri="{FF2B5EF4-FFF2-40B4-BE49-F238E27FC236}">
+                <a16:creationId xmlns:a16="http://schemas.microsoft.com/office/drawing/2014/main" id="{8F8A6D31-832A-48B2-AAFC-1FBF17CD16FD}"/>
+              </a:ext>
+            </a:extLst>
+          </p:cNvPr>
+          <p:cNvSpPr/>
+          <p:nvPr/>
+        </p:nvSpPr>
+        <p:spPr>
+          <a:xfrm>
+            <a:off x="3945" y="4866501"/>
+            <a:ext cx="9144000" cy="276999"/>
+          </a:xfrm>
+          <a:prstGeom prst="rect">
+            <a:avLst/>
+          </a:prstGeom>
+        </p:spPr>
+        <p:txBody>
+          <a:bodyPr wrap="square">
+            <a:spAutoFit/>
+          </a:bodyPr>
+          <a:lstStyle/>
+          <a:p>
+            <a:r>
+              <a:rPr lang="en-US" sz="1200" dirty="0"/>
+              <a:t>‡Web services </a:t>
+            </a:r>
+            <a:r>
+              <a:rPr lang="en-US" sz="1200" i="1" dirty="0"/>
+              <a:t>usually</a:t>
+            </a:r>
+            <a:r>
+              <a:rPr lang="en-US" sz="1200" dirty="0"/>
+              <a:t> return JSON.</a:t>
+            </a:r>
+          </a:p>
+        </p:txBody>
+      </p:sp>
+      <p:sp>
+        <p:nvSpPr>
+          <p:cNvPr id="66" name="Left Brace 65">
+            <a:extLst>
+              <a:ext uri="{FF2B5EF4-FFF2-40B4-BE49-F238E27FC236}">
+                <a16:creationId xmlns:a16="http://schemas.microsoft.com/office/drawing/2014/main" id="{4009E561-8246-4AB9-808E-AA5F826B1705}"/>
+              </a:ext>
+            </a:extLst>
+          </p:cNvPr>
+          <p:cNvSpPr/>
+          <p:nvPr/>
+        </p:nvSpPr>
+        <p:spPr>
+          <a:xfrm>
+            <a:off x="3369877" y="819150"/>
+            <a:ext cx="211523" cy="4253324"/>
+          </a:xfrm>
+          <a:prstGeom prst="leftBrace">
+            <a:avLst/>
+          </a:prstGeom>
+          <a:ln>
+            <a:solidFill>
+              <a:srgbClr val="4BC4C2"/>
+            </a:solidFill>
+          </a:ln>
+        </p:spPr>
+        <p:style>
+          <a:lnRef idx="2">
+            <a:schemeClr val="accent1"/>
+          </a:lnRef>
+          <a:fillRef idx="0">
+            <a:schemeClr val="accent1"/>
+          </a:fillRef>
+          <a:effectRef idx="1">
+            <a:schemeClr val="accent1"/>
+          </a:effectRef>
+          <a:fontRef idx="minor">
+            <a:schemeClr val="tx1"/>
+          </a:fontRef>
+        </p:style>
+        <p:txBody>
+          <a:bodyPr rtlCol="0" anchor="ctr"/>
+          <a:lstStyle/>
+          <a:p>
+            <a:pPr algn="ctr"/>
+            <a:endParaRPr lang="en-US"/>
+          </a:p>
+        </p:txBody>
+      </p:sp>
+      <p:pic>
+        <p:nvPicPr>
+          <p:cNvPr id="2" name="Picture 1">
+            <a:extLst>
+              <a:ext uri="{FF2B5EF4-FFF2-40B4-BE49-F238E27FC236}">
+                <a16:creationId xmlns:a16="http://schemas.microsoft.com/office/drawing/2014/main" id="{1F1F97AE-B7BA-47DA-AAD9-C30FFDE0F2A4}"/>
+              </a:ext>
+            </a:extLst>
+          </p:cNvPr>
+          <p:cNvPicPr>
+            <a:picLocks noChangeAspect="1"/>
+          </p:cNvPicPr>
+          <p:nvPr/>
+        </p:nvPicPr>
+        <p:blipFill rotWithShape="1">
+          <a:blip r:embed="rId2"/>
+          <a:srcRect t="1482" b="70370"/>
+          <a:stretch/>
+        </p:blipFill>
+        <p:spPr>
+          <a:xfrm>
+            <a:off x="3619334" y="862014"/>
+            <a:ext cx="5476994" cy="1447800"/>
+          </a:xfrm>
+          <a:prstGeom prst="rect">
+            <a:avLst/>
+          </a:prstGeom>
+        </p:spPr>
+      </p:pic>
+      <p:pic>
+        <p:nvPicPr>
+          <p:cNvPr id="3" name="Picture 2">
+            <a:extLst>
+              <a:ext uri="{FF2B5EF4-FFF2-40B4-BE49-F238E27FC236}">
+                <a16:creationId xmlns:a16="http://schemas.microsoft.com/office/drawing/2014/main" id="{CDC1A6EC-DFF6-46CA-B429-D5343AAFD68C}"/>
+              </a:ext>
+            </a:extLst>
+          </p:cNvPr>
+          <p:cNvPicPr>
+            <a:picLocks noChangeAspect="1"/>
+          </p:cNvPicPr>
+          <p:nvPr/>
+        </p:nvPicPr>
+        <p:blipFill rotWithShape="1">
+          <a:blip r:embed="rId3"/>
+          <a:srcRect t="12963" b="33742"/>
+          <a:stretch/>
+        </p:blipFill>
+        <p:spPr>
+          <a:xfrm>
+            <a:off x="3619334" y="2283622"/>
+            <a:ext cx="5476994" cy="2741228"/>
+          </a:xfrm>
+          <a:prstGeom prst="rect">
+            <a:avLst/>
+          </a:prstGeom>
+        </p:spPr>
+      </p:pic>
+      <p:sp>
+        <p:nvSpPr>
+          <p:cNvPr id="5" name="Rectangle 4">
+            <a:extLst>
+              <a:ext uri="{FF2B5EF4-FFF2-40B4-BE49-F238E27FC236}">
+                <a16:creationId xmlns:a16="http://schemas.microsoft.com/office/drawing/2014/main" id="{22FA1004-0098-4C47-B7C1-6D275AB6BDF1}"/>
+              </a:ext>
+            </a:extLst>
+          </p:cNvPr>
+          <p:cNvSpPr/>
+          <p:nvPr/>
+        </p:nvSpPr>
+        <p:spPr>
+          <a:xfrm>
+            <a:off x="8948736" y="1319214"/>
+            <a:ext cx="104728" cy="3796124"/>
+          </a:xfrm>
+          <a:prstGeom prst="rect">
+            <a:avLst/>
+          </a:prstGeom>
+          <a:solidFill>
+            <a:schemeClr val="bg1"/>
+          </a:solidFill>
+          <a:ln>
+            <a:solidFill>
+              <a:schemeClr val="bg1"/>
+            </a:solidFill>
+          </a:ln>
+          <a:effectLst/>
+        </p:spPr>
+        <p:style>
+          <a:lnRef idx="1">
+            <a:schemeClr val="accent1"/>
+          </a:lnRef>
+          <a:fillRef idx="3">
+            <a:schemeClr val="accent1"/>
+          </a:fillRef>
+          <a:effectRef idx="2">
+            <a:schemeClr val="accent1"/>
+          </a:effectRef>
+          <a:fontRef idx="minor">
+            <a:schemeClr val="lt1"/>
+          </a:fontRef>
+        </p:style>
+        <p:txBody>
+          <a:bodyPr rtlCol="0" anchor="ctr"/>
+          <a:lstStyle/>
+          <a:p>
+            <a:pPr algn="ctr"/>
+            <a:endParaRPr lang="en-US"/>
+          </a:p>
+        </p:txBody>
+      </p:sp>
+    </p:spTree>
+    <p:extLst>
+      <p:ext uri="{BB962C8B-B14F-4D97-AF65-F5344CB8AC3E}">
+        <p14:creationId xmlns:p14="http://schemas.microsoft.com/office/powerpoint/2010/main" val="355988670"/>
       </p:ext>
     </p:extLst>
   </p:cSld>
@@ -7433,27 +8476,463 @@
       </p:grpSpPr>
       <p:sp>
         <p:nvSpPr>
-          <p:cNvPr id="2" name="Title 1"/>
+          <p:cNvPr id="3" name="Title 2">
+            <a:extLst>
+              <a:ext uri="{FF2B5EF4-FFF2-40B4-BE49-F238E27FC236}">
+                <a16:creationId xmlns:a16="http://schemas.microsoft.com/office/drawing/2014/main" id="{FB4C6C0D-CDA1-43E3-8CDA-F4D3F58AC9C7}"/>
+              </a:ext>
+            </a:extLst>
+          </p:cNvPr>
           <p:cNvSpPr>
             <a:spLocks noGrp="1"/>
           </p:cNvSpPr>
           <p:nvPr>
-            <p:ph type="ctrTitle"/>
+            <p:ph type="title" idx="4294967295"/>
           </p:nvPr>
         </p:nvSpPr>
         <p:spPr>
           <a:xfrm>
-            <a:off x="685800" y="2020490"/>
-            <a:ext cx="7772400" cy="1102519"/>
-          </a:xfrm>
+            <a:off x="628650" y="895350"/>
+            <a:ext cx="7886700" cy="495907"/>
+          </a:xfrm>
+          <a:prstGeom prst="rect">
+            <a:avLst/>
+          </a:prstGeom>
         </p:spPr>
         <p:txBody>
           <a:bodyPr/>
           <a:lstStyle/>
           <a:p>
             <a:r>
+              <a:rPr lang="en-US" sz="3200" dirty="0"/>
+              <a:t>Conclusion</a:t>
+            </a:r>
+          </a:p>
+        </p:txBody>
+      </p:sp>
+      <p:sp>
+        <p:nvSpPr>
+          <p:cNvPr id="6" name="Rectangle 5">
+            <a:extLst>
+              <a:ext uri="{FF2B5EF4-FFF2-40B4-BE49-F238E27FC236}">
+                <a16:creationId xmlns:a16="http://schemas.microsoft.com/office/drawing/2014/main" id="{37A37168-CD45-4469-B0CB-797A2F7398DF}"/>
+              </a:ext>
+            </a:extLst>
+          </p:cNvPr>
+          <p:cNvSpPr/>
+          <p:nvPr/>
+        </p:nvSpPr>
+        <p:spPr>
+          <a:xfrm>
+            <a:off x="1066800" y="1581150"/>
+            <a:ext cx="2971800" cy="3124200"/>
+          </a:xfrm>
+          <a:prstGeom prst="rect">
+            <a:avLst/>
+          </a:prstGeom>
+        </p:spPr>
+        <p:style>
+          <a:lnRef idx="1">
+            <a:schemeClr val="accent1"/>
+          </a:lnRef>
+          <a:fillRef idx="3">
+            <a:schemeClr val="accent1"/>
+          </a:fillRef>
+          <a:effectRef idx="2">
+            <a:schemeClr val="accent1"/>
+          </a:effectRef>
+          <a:fontRef idx="minor">
+            <a:schemeClr val="lt1"/>
+          </a:fontRef>
+        </p:style>
+        <p:txBody>
+          <a:bodyPr rtlCol="0" anchor="t" anchorCtr="0"/>
+          <a:lstStyle/>
+          <a:p>
+            <a:pPr algn="ctr"/>
+            <a:r>
               <a:rPr lang="en-US" dirty="0"/>
-              <a:t>PREAMBLE</a:t>
+              <a:t>Enterprise Clinical System</a:t>
+            </a:r>
+          </a:p>
+        </p:txBody>
+      </p:sp>
+      <p:sp>
+        <p:nvSpPr>
+          <p:cNvPr id="8" name="Rectangle 7">
+            <a:extLst>
+              <a:ext uri="{FF2B5EF4-FFF2-40B4-BE49-F238E27FC236}">
+                <a16:creationId xmlns:a16="http://schemas.microsoft.com/office/drawing/2014/main" id="{4156BBC0-D6E0-4299-9F8E-E296D2E9EBBA}"/>
+              </a:ext>
+            </a:extLst>
+          </p:cNvPr>
+          <p:cNvSpPr/>
+          <p:nvPr/>
+        </p:nvSpPr>
+        <p:spPr>
+          <a:xfrm>
+            <a:off x="1257300" y="2133600"/>
+            <a:ext cx="2590800" cy="723900"/>
+          </a:xfrm>
+          <a:prstGeom prst="rect">
+            <a:avLst/>
+          </a:prstGeom>
+          <a:solidFill>
+            <a:srgbClr val="4BC4C2"/>
+          </a:solidFill>
+        </p:spPr>
+        <p:style>
+          <a:lnRef idx="1">
+            <a:schemeClr val="accent1"/>
+          </a:lnRef>
+          <a:fillRef idx="3">
+            <a:schemeClr val="accent1"/>
+          </a:fillRef>
+          <a:effectRef idx="2">
+            <a:schemeClr val="accent1"/>
+          </a:effectRef>
+          <a:fontRef idx="minor">
+            <a:schemeClr val="lt1"/>
+          </a:fontRef>
+        </p:style>
+        <p:txBody>
+          <a:bodyPr rtlCol="0" anchor="ctr"/>
+          <a:lstStyle/>
+          <a:p>
+            <a:pPr algn="ctr"/>
+            <a:r>
+              <a:rPr lang="en-US" dirty="0"/>
+              <a:t>FHIR Resources</a:t>
+            </a:r>
+          </a:p>
+          <a:p>
+            <a:pPr algn="ctr"/>
+            <a:r>
+              <a:rPr lang="en-US" dirty="0"/>
+              <a:t>(clinical knowledge)</a:t>
+            </a:r>
+          </a:p>
+        </p:txBody>
+      </p:sp>
+      <p:sp>
+        <p:nvSpPr>
+          <p:cNvPr id="9" name="Rectangle 8">
+            <a:extLst>
+              <a:ext uri="{FF2B5EF4-FFF2-40B4-BE49-F238E27FC236}">
+                <a16:creationId xmlns:a16="http://schemas.microsoft.com/office/drawing/2014/main" id="{5C374C6E-0BAF-4F6F-ABB3-F97E711C4D0F}"/>
+              </a:ext>
+            </a:extLst>
+          </p:cNvPr>
+          <p:cNvSpPr/>
+          <p:nvPr/>
+        </p:nvSpPr>
+        <p:spPr>
+          <a:xfrm>
+            <a:off x="5295900" y="2133600"/>
+            <a:ext cx="2590800" cy="723900"/>
+          </a:xfrm>
+          <a:prstGeom prst="rect">
+            <a:avLst/>
+          </a:prstGeom>
+          <a:solidFill>
+            <a:srgbClr val="4BC4C2"/>
+          </a:solidFill>
+        </p:spPr>
+        <p:style>
+          <a:lnRef idx="1">
+            <a:schemeClr val="accent1"/>
+          </a:lnRef>
+          <a:fillRef idx="3">
+            <a:schemeClr val="accent1"/>
+          </a:fillRef>
+          <a:effectRef idx="2">
+            <a:schemeClr val="accent1"/>
+          </a:effectRef>
+          <a:fontRef idx="minor">
+            <a:schemeClr val="lt1"/>
+          </a:fontRef>
+        </p:style>
+        <p:txBody>
+          <a:bodyPr rtlCol="0" anchor="ctr"/>
+          <a:lstStyle/>
+          <a:p>
+            <a:pPr algn="ctr"/>
+            <a:r>
+              <a:rPr lang="en-US" dirty="0"/>
+              <a:t>HLA Resources</a:t>
+            </a:r>
+          </a:p>
+          <a:p>
+            <a:pPr algn="ctr"/>
+            <a:r>
+              <a:rPr lang="en-US" dirty="0"/>
+              <a:t>(biomedical knowledge)</a:t>
+            </a:r>
+          </a:p>
+        </p:txBody>
+      </p:sp>
+      <p:cxnSp>
+        <p:nvCxnSpPr>
+          <p:cNvPr id="11" name="Straight Arrow Connector 10">
+            <a:extLst>
+              <a:ext uri="{FF2B5EF4-FFF2-40B4-BE49-F238E27FC236}">
+                <a16:creationId xmlns:a16="http://schemas.microsoft.com/office/drawing/2014/main" id="{9398257C-552B-4F57-A9A1-D6DB868C52B0}"/>
+              </a:ext>
+            </a:extLst>
+          </p:cNvPr>
+          <p:cNvCxnSpPr>
+            <a:cxnSpLocks/>
+          </p:cNvCxnSpPr>
+          <p:nvPr/>
+        </p:nvCxnSpPr>
+        <p:spPr>
+          <a:xfrm flipV="1">
+            <a:off x="2552700" y="2819400"/>
+            <a:ext cx="0" cy="1162050"/>
+          </a:xfrm>
+          <a:prstGeom prst="straightConnector1">
+            <a:avLst/>
+          </a:prstGeom>
+          <a:ln w="76200">
+            <a:solidFill>
+              <a:schemeClr val="tx1"/>
+            </a:solidFill>
+            <a:tailEnd type="triangle"/>
+          </a:ln>
+        </p:spPr>
+        <p:style>
+          <a:lnRef idx="2">
+            <a:schemeClr val="accent1"/>
+          </a:lnRef>
+          <a:fillRef idx="0">
+            <a:schemeClr val="accent1"/>
+          </a:fillRef>
+          <a:effectRef idx="1">
+            <a:schemeClr val="accent1"/>
+          </a:effectRef>
+          <a:fontRef idx="minor">
+            <a:schemeClr val="tx1"/>
+          </a:fontRef>
+        </p:style>
+      </p:cxnSp>
+      <p:sp>
+        <p:nvSpPr>
+          <p:cNvPr id="17" name="Arc 16">
+            <a:extLst>
+              <a:ext uri="{FF2B5EF4-FFF2-40B4-BE49-F238E27FC236}">
+                <a16:creationId xmlns:a16="http://schemas.microsoft.com/office/drawing/2014/main" id="{C03BE75E-C724-4A52-AF64-A2492198C1B5}"/>
+              </a:ext>
+            </a:extLst>
+          </p:cNvPr>
+          <p:cNvSpPr/>
+          <p:nvPr/>
+        </p:nvSpPr>
+        <p:spPr>
+          <a:xfrm>
+            <a:off x="1066800" y="1428750"/>
+            <a:ext cx="5486400" cy="2819400"/>
+          </a:xfrm>
+          <a:prstGeom prst="arc">
+            <a:avLst>
+              <a:gd name="adj1" fmla="val 21569578"/>
+              <a:gd name="adj2" fmla="val 5345928"/>
+            </a:avLst>
+          </a:prstGeom>
+          <a:ln w="76200">
+            <a:solidFill>
+              <a:schemeClr val="tx1"/>
+            </a:solidFill>
+            <a:headEnd type="triangle" w="med" len="med"/>
+            <a:tailEnd type="none" w="med" len="med"/>
+          </a:ln>
+        </p:spPr>
+        <p:style>
+          <a:lnRef idx="2">
+            <a:schemeClr val="accent1"/>
+          </a:lnRef>
+          <a:fillRef idx="0">
+            <a:schemeClr val="accent1"/>
+          </a:fillRef>
+          <a:effectRef idx="1">
+            <a:schemeClr val="accent1"/>
+          </a:effectRef>
+          <a:fontRef idx="minor">
+            <a:schemeClr val="tx1"/>
+          </a:fontRef>
+        </p:style>
+        <p:txBody>
+          <a:bodyPr rtlCol="0" anchor="ctr"/>
+          <a:lstStyle/>
+          <a:p>
+            <a:pPr algn="ctr"/>
+            <a:endParaRPr lang="en-US"/>
+          </a:p>
+        </p:txBody>
+      </p:sp>
+      <p:sp>
+        <p:nvSpPr>
+          <p:cNvPr id="7" name="Rectangle 6">
+            <a:extLst>
+              <a:ext uri="{FF2B5EF4-FFF2-40B4-BE49-F238E27FC236}">
+                <a16:creationId xmlns:a16="http://schemas.microsoft.com/office/drawing/2014/main" id="{3A0A25F7-CDA5-4E3E-8750-5270EE5BA826}"/>
+              </a:ext>
+            </a:extLst>
+          </p:cNvPr>
+          <p:cNvSpPr/>
+          <p:nvPr/>
+        </p:nvSpPr>
+        <p:spPr>
+          <a:xfrm>
+            <a:off x="1257300" y="3868532"/>
+            <a:ext cx="2590800" cy="723900"/>
+          </a:xfrm>
+          <a:prstGeom prst="rect">
+            <a:avLst/>
+          </a:prstGeom>
+          <a:solidFill>
+            <a:srgbClr val="4BC4C2"/>
+          </a:solidFill>
+        </p:spPr>
+        <p:style>
+          <a:lnRef idx="1">
+            <a:schemeClr val="accent1"/>
+          </a:lnRef>
+          <a:fillRef idx="3">
+            <a:schemeClr val="accent1"/>
+          </a:fillRef>
+          <a:effectRef idx="2">
+            <a:schemeClr val="accent1"/>
+          </a:effectRef>
+          <a:fontRef idx="minor">
+            <a:schemeClr val="lt1"/>
+          </a:fontRef>
+        </p:style>
+        <p:txBody>
+          <a:bodyPr rtlCol="0" anchor="ctr"/>
+          <a:lstStyle/>
+          <a:p>
+            <a:pPr algn="ctr"/>
+            <a:r>
+              <a:rPr lang="en-US" dirty="0"/>
+              <a:t>Clinical Decision Support functionality</a:t>
+            </a:r>
+          </a:p>
+        </p:txBody>
+      </p:sp>
+      <p:sp>
+        <p:nvSpPr>
+          <p:cNvPr id="21" name="Rectangle 20">
+            <a:extLst>
+              <a:ext uri="{FF2B5EF4-FFF2-40B4-BE49-F238E27FC236}">
+                <a16:creationId xmlns:a16="http://schemas.microsoft.com/office/drawing/2014/main" id="{69CA23D4-0BC4-4E19-83E8-45CC4F988270}"/>
+              </a:ext>
+            </a:extLst>
+          </p:cNvPr>
+          <p:cNvSpPr/>
+          <p:nvPr/>
+        </p:nvSpPr>
+        <p:spPr>
+          <a:xfrm rot="20335919">
+            <a:off x="4355491" y="3508654"/>
+            <a:ext cx="1889684" cy="369332"/>
+          </a:xfrm>
+          <a:prstGeom prst="rect">
+            <a:avLst/>
+          </a:prstGeom>
+        </p:spPr>
+        <p:txBody>
+          <a:bodyPr wrap="none">
+            <a:spAutoFit/>
+          </a:bodyPr>
+          <a:lstStyle/>
+          <a:p>
+            <a:r>
+              <a:rPr lang="en-US" dirty="0"/>
+              <a:t>REST web services</a:t>
+            </a:r>
+          </a:p>
+        </p:txBody>
+      </p:sp>
+      <p:sp>
+        <p:nvSpPr>
+          <p:cNvPr id="22" name="Rectangle 21">
+            <a:extLst>
+              <a:ext uri="{FF2B5EF4-FFF2-40B4-BE49-F238E27FC236}">
+                <a16:creationId xmlns:a16="http://schemas.microsoft.com/office/drawing/2014/main" id="{5FBA8E1B-39EF-451B-AEE1-AAFE9F7AD4A3}"/>
+              </a:ext>
+            </a:extLst>
+          </p:cNvPr>
+          <p:cNvSpPr/>
+          <p:nvPr/>
+        </p:nvSpPr>
+        <p:spPr>
+          <a:xfrm rot="16200000">
+            <a:off x="1933639" y="2950909"/>
+            <a:ext cx="1089273" cy="880369"/>
+          </a:xfrm>
+          <a:prstGeom prst="rect">
+            <a:avLst/>
+          </a:prstGeom>
+        </p:spPr>
+        <p:txBody>
+          <a:bodyPr wrap="none">
+            <a:spAutoFit/>
+          </a:bodyPr>
+          <a:lstStyle/>
+          <a:p>
+            <a:pPr algn="ctr">
+              <a:lnSpc>
+                <a:spcPct val="150000"/>
+              </a:lnSpc>
+            </a:pPr>
+            <a:r>
+              <a:rPr lang="en-US" dirty="0"/>
+              <a:t>REST web</a:t>
+            </a:r>
+          </a:p>
+          <a:p>
+            <a:pPr algn="ctr">
+              <a:lnSpc>
+                <a:spcPct val="150000"/>
+              </a:lnSpc>
+            </a:pPr>
+            <a:r>
+              <a:rPr lang="en-US" dirty="0"/>
+              <a:t>services</a:t>
+            </a:r>
+          </a:p>
+        </p:txBody>
+      </p:sp>
+      <p:sp>
+        <p:nvSpPr>
+          <p:cNvPr id="23" name="Rectangle 22">
+            <a:extLst>
+              <a:ext uri="{FF2B5EF4-FFF2-40B4-BE49-F238E27FC236}">
+                <a16:creationId xmlns:a16="http://schemas.microsoft.com/office/drawing/2014/main" id="{E97114AB-6A1F-4A5C-AFDA-508300FFA45D}"/>
+              </a:ext>
+            </a:extLst>
+          </p:cNvPr>
+          <p:cNvSpPr/>
+          <p:nvPr/>
+        </p:nvSpPr>
+        <p:spPr>
+          <a:xfrm>
+            <a:off x="0" y="4865894"/>
+            <a:ext cx="9144000" cy="276999"/>
+          </a:xfrm>
+          <a:prstGeom prst="rect">
+            <a:avLst/>
+          </a:prstGeom>
+        </p:spPr>
+        <p:txBody>
+          <a:bodyPr wrap="square">
+            <a:spAutoFit/>
+          </a:bodyPr>
+          <a:lstStyle/>
+          <a:p>
+            <a:r>
+              <a:rPr lang="en-US" sz="1200" dirty="0"/>
+              <a:t>FHIR = Fast Healthcare Interoperability Resource (an HL7 standard)</a:t>
             </a:r>
           </a:p>
         </p:txBody>
@@ -7461,7 +8940,7 @@
     </p:spTree>
     <p:extLst>
       <p:ext uri="{BB962C8B-B14F-4D97-AF65-F5344CB8AC3E}">
-        <p14:creationId xmlns:p14="http://schemas.microsoft.com/office/powerpoint/2010/main" val="2456683186"/>
+        <p14:creationId xmlns:p14="http://schemas.microsoft.com/office/powerpoint/2010/main" val="3741893075"/>
       </p:ext>
     </p:extLst>
   </p:cSld>
@@ -7490,6 +8969,63 @@
       </p:grpSpPr>
       <p:sp>
         <p:nvSpPr>
+          <p:cNvPr id="2" name="Title 1"/>
+          <p:cNvSpPr>
+            <a:spLocks noGrp="1"/>
+          </p:cNvSpPr>
+          <p:nvPr>
+            <p:ph type="ctrTitle"/>
+          </p:nvPr>
+        </p:nvSpPr>
+        <p:spPr>
+          <a:xfrm>
+            <a:off x="685800" y="2020490"/>
+            <a:ext cx="7772400" cy="1102519"/>
+          </a:xfrm>
+        </p:spPr>
+        <p:txBody>
+          <a:bodyPr/>
+          <a:lstStyle/>
+          <a:p>
+            <a:r>
+              <a:rPr lang="en-US" dirty="0"/>
+              <a:t>PREAMBLE</a:t>
+            </a:r>
+          </a:p>
+        </p:txBody>
+      </p:sp>
+    </p:spTree>
+    <p:extLst>
+      <p:ext uri="{BB962C8B-B14F-4D97-AF65-F5344CB8AC3E}">
+        <p14:creationId xmlns:p14="http://schemas.microsoft.com/office/powerpoint/2010/main" val="2456683186"/>
+      </p:ext>
+    </p:extLst>
+  </p:cSld>
+  <p:clrMapOvr>
+    <a:masterClrMapping/>
+  </p:clrMapOvr>
+</p:sld>
+</file>
+
+<file path=ppt/slides/slide6.xml><?xml version="1.0" encoding="utf-8"?>
+<p:sld xmlns:a="http://schemas.openxmlformats.org/drawingml/2006/main" xmlns:r="http://schemas.openxmlformats.org/officeDocument/2006/relationships" xmlns:p="http://schemas.openxmlformats.org/presentationml/2006/main">
+  <p:cSld>
+    <p:spTree>
+      <p:nvGrpSpPr>
+        <p:cNvPr id="1" name=""/>
+        <p:cNvGrpSpPr/>
+        <p:nvPr/>
+      </p:nvGrpSpPr>
+      <p:grpSpPr>
+        <a:xfrm>
+          <a:off x="0" y="0"/>
+          <a:ext cx="0" cy="0"/>
+          <a:chOff x="0" y="0"/>
+          <a:chExt cx="0" cy="0"/>
+        </a:xfrm>
+      </p:grpSpPr>
+      <p:sp>
+        <p:nvSpPr>
           <p:cNvPr id="2" name="Content Placeholder 1"/>
           <p:cNvSpPr>
             <a:spLocks noGrp="1"/>
@@ -7643,7 +9179,7 @@
 </p:sld>
 </file>
 
-<file path=ppt/slides/slide6.xml><?xml version="1.0" encoding="utf-8"?>
+<file path=ppt/slides/slide7.xml><?xml version="1.0" encoding="utf-8"?>
 <p:sld xmlns:a="http://schemas.openxmlformats.org/drawingml/2006/main" xmlns:r="http://schemas.openxmlformats.org/officeDocument/2006/relationships" xmlns:p="http://schemas.openxmlformats.org/presentationml/2006/main">
   <p:cSld>
     <p:spTree>
@@ -7965,7 +9501,7 @@
 </p:sld>
 </file>
 
-<file path=ppt/slides/slide7.xml><?xml version="1.0" encoding="utf-8"?>
+<file path=ppt/slides/slide8.xml><?xml version="1.0" encoding="utf-8"?>
 <p:sld xmlns:a="http://schemas.openxmlformats.org/drawingml/2006/main" xmlns:r="http://schemas.openxmlformats.org/officeDocument/2006/relationships" xmlns:p="http://schemas.openxmlformats.org/presentationml/2006/main">
   <p:cSld>
     <p:spTree>
@@ -8284,63 +9820,6 @@
 </p:sld>
 </file>
 
-<file path=ppt/slides/slide8.xml><?xml version="1.0" encoding="utf-8"?>
-<p:sld xmlns:a="http://schemas.openxmlformats.org/drawingml/2006/main" xmlns:r="http://schemas.openxmlformats.org/officeDocument/2006/relationships" xmlns:p="http://schemas.openxmlformats.org/presentationml/2006/main">
-  <p:cSld>
-    <p:spTree>
-      <p:nvGrpSpPr>
-        <p:cNvPr id="1" name=""/>
-        <p:cNvGrpSpPr/>
-        <p:nvPr/>
-      </p:nvGrpSpPr>
-      <p:grpSpPr>
-        <a:xfrm>
-          <a:off x="0" y="0"/>
-          <a:ext cx="0" cy="0"/>
-          <a:chOff x="0" y="0"/>
-          <a:chExt cx="0" cy="0"/>
-        </a:xfrm>
-      </p:grpSpPr>
-      <p:sp>
-        <p:nvSpPr>
-          <p:cNvPr id="2" name="Title 1"/>
-          <p:cNvSpPr>
-            <a:spLocks noGrp="1"/>
-          </p:cNvSpPr>
-          <p:nvPr>
-            <p:ph type="ctrTitle"/>
-          </p:nvPr>
-        </p:nvSpPr>
-        <p:spPr>
-          <a:xfrm>
-            <a:off x="685800" y="2020490"/>
-            <a:ext cx="7772400" cy="1102519"/>
-          </a:xfrm>
-        </p:spPr>
-        <p:txBody>
-          <a:bodyPr/>
-          <a:lstStyle/>
-          <a:p>
-            <a:r>
-              <a:rPr lang="en-US" dirty="0"/>
-              <a:t>CLINICAL DECISION SUPPORT</a:t>
-            </a:r>
-          </a:p>
-        </p:txBody>
-      </p:sp>
-    </p:spTree>
-    <p:extLst>
-      <p:ext uri="{BB962C8B-B14F-4D97-AF65-F5344CB8AC3E}">
-        <p14:creationId xmlns:p14="http://schemas.microsoft.com/office/powerpoint/2010/main" val="123774457"/>
-      </p:ext>
-    </p:extLst>
-  </p:cSld>
-  <p:clrMapOvr>
-    <a:masterClrMapping/>
-  </p:clrMapOvr>
-</p:sld>
-</file>
-
 <file path=ppt/slides/slide9.xml><?xml version="1.0" encoding="utf-8"?>
 <p:sld xmlns:a="http://schemas.openxmlformats.org/drawingml/2006/main" xmlns:r="http://schemas.openxmlformats.org/officeDocument/2006/relationships" xmlns:p="http://schemas.openxmlformats.org/presentationml/2006/main">
   <p:cSld>
@@ -8360,129 +9839,27 @@
       </p:grpSpPr>
       <p:sp>
         <p:nvSpPr>
-          <p:cNvPr id="2" name="Content Placeholder 1"/>
+          <p:cNvPr id="2" name="Title 1"/>
           <p:cNvSpPr>
             <a:spLocks noGrp="1"/>
           </p:cNvSpPr>
           <p:nvPr>
-            <p:ph idx="1"/>
+            <p:ph type="ctrTitle"/>
           </p:nvPr>
         </p:nvSpPr>
         <p:spPr>
           <a:xfrm>
-            <a:off x="457200" y="1504950"/>
-            <a:ext cx="8229600" cy="3276600"/>
-          </a:xfrm>
-        </p:spPr>
-        <p:txBody>
-          <a:bodyPr>
-            <a:normAutofit/>
-          </a:bodyPr>
-          <a:lstStyle/>
-          <a:p>
-            <a:pPr marL="0" indent="0">
-              <a:buNone/>
-            </a:pPr>
-            <a:r>
-              <a:rPr lang="en-US" sz="2400" dirty="0"/>
-              <a:t>Clinical decision support (CDS) provides clinicians, staff, patients or other individuals with knowledge and person-specific information, intelligently filtered or presented at appropriate times, to enhance health and health care. [1]</a:t>
-            </a:r>
-          </a:p>
-          <a:p>
-            <a:pPr marL="0" indent="0">
-              <a:buNone/>
-            </a:pPr>
-            <a:endParaRPr lang="en-US" sz="2400" dirty="0"/>
-          </a:p>
-          <a:p>
-            <a:pPr marL="0" indent="0" algn="ctr">
-              <a:buNone/>
-            </a:pPr>
-            <a:r>
-              <a:rPr lang="en-US" sz="2400" dirty="0"/>
-              <a:t>Clinical Decision </a:t>
-            </a:r>
-            <a:r>
-              <a:rPr lang="en-US" sz="2400" i="1" dirty="0"/>
-              <a:t>Support</a:t>
-            </a:r>
-            <a:r>
-              <a:rPr lang="en-US" sz="2400" dirty="0"/>
-              <a:t> ≠ Clinical Decision </a:t>
-            </a:r>
-            <a:r>
-              <a:rPr lang="en-US" sz="2400" i="1" dirty="0"/>
-              <a:t>Making</a:t>
-            </a:r>
-          </a:p>
-        </p:txBody>
-      </p:sp>
-      <p:sp>
-        <p:nvSpPr>
-          <p:cNvPr id="3" name="Title 2">
-            <a:extLst>
-              <a:ext uri="{FF2B5EF4-FFF2-40B4-BE49-F238E27FC236}">
-                <a16:creationId xmlns:a16="http://schemas.microsoft.com/office/drawing/2014/main" id="{FB4C6C0D-CDA1-43E3-8CDA-F4D3F58AC9C7}"/>
-              </a:ext>
-            </a:extLst>
-          </p:cNvPr>
-          <p:cNvSpPr>
-            <a:spLocks noGrp="1"/>
-          </p:cNvSpPr>
-          <p:nvPr>
-            <p:ph type="title" idx="4294967295"/>
-          </p:nvPr>
-        </p:nvSpPr>
-        <p:spPr>
-          <a:xfrm>
-            <a:off x="628650" y="895350"/>
-            <a:ext cx="7886700" cy="495907"/>
-          </a:xfrm>
-          <a:prstGeom prst="rect">
-            <a:avLst/>
-          </a:prstGeom>
+            <a:off x="685800" y="2020490"/>
+            <a:ext cx="7772400" cy="1102519"/>
+          </a:xfrm>
         </p:spPr>
         <p:txBody>
           <a:bodyPr/>
           <a:lstStyle/>
           <a:p>
             <a:r>
-              <a:rPr lang="en-US" sz="3200" dirty="0"/>
-              <a:t>Clinical Decision Support</a:t>
-            </a:r>
-          </a:p>
-        </p:txBody>
-      </p:sp>
-      <p:sp>
-        <p:nvSpPr>
-          <p:cNvPr id="4" name="Rectangle 3">
-            <a:extLst>
-              <a:ext uri="{FF2B5EF4-FFF2-40B4-BE49-F238E27FC236}">
-                <a16:creationId xmlns:a16="http://schemas.microsoft.com/office/drawing/2014/main" id="{67E10179-023D-40FC-8F86-E7498D20F51B}"/>
-              </a:ext>
-            </a:extLst>
-          </p:cNvPr>
-          <p:cNvSpPr/>
-          <p:nvPr/>
-        </p:nvSpPr>
-        <p:spPr>
-          <a:xfrm>
-            <a:off x="0" y="4866501"/>
-            <a:ext cx="9144000" cy="276999"/>
-          </a:xfrm>
-          <a:prstGeom prst="rect">
-            <a:avLst/>
-          </a:prstGeom>
-        </p:spPr>
-        <p:txBody>
-          <a:bodyPr wrap="square">
-            <a:spAutoFit/>
-          </a:bodyPr>
-          <a:lstStyle/>
-          <a:p>
-            <a:r>
-              <a:rPr lang="en-US" sz="1200" dirty="0"/>
-              <a:t>[1] Clinical Decision Support, https://www.healthit.gov/topic/safety/clinical-decision-support.</a:t>
+              <a:rPr lang="en-US" dirty="0"/>
+              <a:t>CLINICAL DECISION SUPPORT</a:t>
             </a:r>
           </a:p>
         </p:txBody>
@@ -8490,7 +9867,7 @@
     </p:spTree>
     <p:extLst>
       <p:ext uri="{BB962C8B-B14F-4D97-AF65-F5344CB8AC3E}">
-        <p14:creationId xmlns:p14="http://schemas.microsoft.com/office/powerpoint/2010/main" val="1071699876"/>
+        <p14:creationId xmlns:p14="http://schemas.microsoft.com/office/powerpoint/2010/main" val="123774457"/>
       </p:ext>
     </p:extLst>
   </p:cSld>

--- a/Hot_Topic_Analytics_and_Algorithms_Web_Based_Clinical_Decision_Support.pptx
+++ b/Hot_Topic_Analytics_and_Algorithms_Web_Based_Clinical_Decision_Support.pptx
@@ -6,7 +6,7 @@
     <p:sldMasterId id="2147483651" r:id="rId2"/>
   </p:sldMasterIdLst>
   <p:notesMasterIdLst>
-    <p:notesMasterId r:id="rId28"/>
+    <p:notesMasterId r:id="rId38"/>
   </p:notesMasterIdLst>
   <p:sldIdLst>
     <p:sldId id="260" r:id="rId3"/>
@@ -34,6 +34,16 @@
     <p:sldId id="279" r:id="rId25"/>
     <p:sldId id="280" r:id="rId26"/>
     <p:sldId id="281" r:id="rId27"/>
+    <p:sldId id="283" r:id="rId28"/>
+    <p:sldId id="284" r:id="rId29"/>
+    <p:sldId id="285" r:id="rId30"/>
+    <p:sldId id="286" r:id="rId31"/>
+    <p:sldId id="287" r:id="rId32"/>
+    <p:sldId id="288" r:id="rId33"/>
+    <p:sldId id="289" r:id="rId34"/>
+    <p:sldId id="290" r:id="rId35"/>
+    <p:sldId id="291" r:id="rId36"/>
+    <p:sldId id="292" r:id="rId37"/>
   </p:sldIdLst>
   <p:sldSz cx="9144000" cy="5143500" type="screen16x9"/>
   <p:notesSz cx="6858000" cy="9144000"/>
@@ -544,7 +554,10 @@
           <a:bodyPr/>
           <a:lstStyle/>
           <a:p>
-            <a:endParaRPr lang="en-US" dirty="0"/>
+            <a:r>
+              <a:rPr lang="en-US" dirty="0"/>
+              <a:t>- One possible observation here is that we have a lot of electronically accessible biomedical databases. But, arguably, we do not always have robust service layers around those biomedical databases that facilitate electronica interoperability and distributed computing.</a:t>
+            </a:r>
           </a:p>
         </p:txBody>
       </p:sp>
@@ -575,6 +588,845 @@
     <p:extLst>
       <p:ext uri="{BB962C8B-B14F-4D97-AF65-F5344CB8AC3E}">
         <p14:creationId xmlns:p14="http://schemas.microsoft.com/office/powerpoint/2010/main" val="369888937"/>
+      </p:ext>
+    </p:extLst>
+  </p:cSld>
+  <p:clrMapOvr>
+    <a:masterClrMapping/>
+  </p:clrMapOvr>
+</p:notes>
+</file>
+
+<file path=ppt/notesSlides/notesSlide10.xml><?xml version="1.0" encoding="utf-8"?>
+<p:notes xmlns:a="http://schemas.openxmlformats.org/drawingml/2006/main" xmlns:r="http://schemas.openxmlformats.org/officeDocument/2006/relationships" xmlns:p="http://schemas.openxmlformats.org/presentationml/2006/main">
+  <p:cSld>
+    <p:spTree>
+      <p:nvGrpSpPr>
+        <p:cNvPr id="1" name=""/>
+        <p:cNvGrpSpPr/>
+        <p:nvPr/>
+      </p:nvGrpSpPr>
+      <p:grpSpPr>
+        <a:xfrm>
+          <a:off x="0" y="0"/>
+          <a:ext cx="0" cy="0"/>
+          <a:chOff x="0" y="0"/>
+          <a:chExt cx="0" cy="0"/>
+        </a:xfrm>
+      </p:grpSpPr>
+      <p:sp>
+        <p:nvSpPr>
+          <p:cNvPr id="2" name="Slide Image Placeholder 1"/>
+          <p:cNvSpPr>
+            <a:spLocks noGrp="1" noRot="1" noChangeAspect="1"/>
+          </p:cNvSpPr>
+          <p:nvPr>
+            <p:ph type="sldImg"/>
+          </p:nvPr>
+        </p:nvSpPr>
+        <p:spPr/>
+      </p:sp>
+      <p:sp>
+        <p:nvSpPr>
+          <p:cNvPr id="3" name="Notes Placeholder 2"/>
+          <p:cNvSpPr>
+            <a:spLocks noGrp="1"/>
+          </p:cNvSpPr>
+          <p:nvPr>
+            <p:ph type="body" idx="1"/>
+          </p:nvPr>
+        </p:nvSpPr>
+        <p:spPr/>
+        <p:txBody>
+          <a:bodyPr/>
+          <a:lstStyle/>
+          <a:p>
+            <a:pPr marL="171450" indent="-171450">
+              <a:buFontTx/>
+              <a:buChar char="-"/>
+            </a:pPr>
+            <a:r>
+              <a:rPr lang="en-US" dirty="0"/>
+              <a:t>Another factor that makes REST compelling is that our client devices typically have oodles of excess compute capacity, memory, and network bandwidth. Operations that would have previously not been possible to perform efficiently on the client tier (e.g., sorting, caching) are now trivial to perform on the client tier.</a:t>
+            </a:r>
+          </a:p>
+          <a:p>
+            <a:pPr marL="171450" indent="-171450">
+              <a:buFontTx/>
+              <a:buChar char="-"/>
+            </a:pPr>
+            <a:r>
+              <a:rPr lang="en-US" dirty="0"/>
+              <a:t>REST lowers the complexity bar for interoperability in distributed computing by riding on the coat-tails of a ubiquitous application-layer protocol that works great on a wide area network: HTTP. It reduces the repertoire of possible interactions between clients and servers relative to traditional “chatty” SQL-based client/server architectures by limiting the number of access paths to a finite set of well-defined “resources.” In my experience, it seems most appropriate in applications which are heavy on reads, light on writes, and where the transactions are short and simple. Notably, I believe that clinical decision support frequently falls into this category.</a:t>
+            </a:r>
+          </a:p>
+        </p:txBody>
+      </p:sp>
+      <p:sp>
+        <p:nvSpPr>
+          <p:cNvPr id="4" name="Slide Number Placeholder 3"/>
+          <p:cNvSpPr>
+            <a:spLocks noGrp="1"/>
+          </p:cNvSpPr>
+          <p:nvPr>
+            <p:ph type="sldNum" sz="quarter" idx="5"/>
+          </p:nvPr>
+        </p:nvSpPr>
+        <p:spPr/>
+        <p:txBody>
+          <a:bodyPr/>
+          <a:lstStyle/>
+          <a:p>
+            <a:fld id="{9AF95328-D31D-45AB-991F-5F3DA55EDE23}" type="slidenum">
+              <a:rPr lang="en-US" smtClean="0"/>
+              <a:t>27</a:t>
+            </a:fld>
+            <a:endParaRPr lang="en-US"/>
+          </a:p>
+        </p:txBody>
+      </p:sp>
+    </p:spTree>
+    <p:extLst>
+      <p:ext uri="{BB962C8B-B14F-4D97-AF65-F5344CB8AC3E}">
+        <p14:creationId xmlns:p14="http://schemas.microsoft.com/office/powerpoint/2010/main" val="3033053249"/>
+      </p:ext>
+    </p:extLst>
+  </p:cSld>
+  <p:clrMapOvr>
+    <a:masterClrMapping/>
+  </p:clrMapOvr>
+</p:notes>
+</file>
+
+<file path=ppt/notesSlides/notesSlide11.xml><?xml version="1.0" encoding="utf-8"?>
+<p:notes xmlns:a="http://schemas.openxmlformats.org/drawingml/2006/main" xmlns:r="http://schemas.openxmlformats.org/officeDocument/2006/relationships" xmlns:p="http://schemas.openxmlformats.org/presentationml/2006/main">
+  <p:cSld>
+    <p:spTree>
+      <p:nvGrpSpPr>
+        <p:cNvPr id="1" name=""/>
+        <p:cNvGrpSpPr/>
+        <p:nvPr/>
+      </p:nvGrpSpPr>
+      <p:grpSpPr>
+        <a:xfrm>
+          <a:off x="0" y="0"/>
+          <a:ext cx="0" cy="0"/>
+          <a:chOff x="0" y="0"/>
+          <a:chExt cx="0" cy="0"/>
+        </a:xfrm>
+      </p:grpSpPr>
+      <p:sp>
+        <p:nvSpPr>
+          <p:cNvPr id="2" name="Slide Image Placeholder 1"/>
+          <p:cNvSpPr>
+            <a:spLocks noGrp="1" noRot="1" noChangeAspect="1"/>
+          </p:cNvSpPr>
+          <p:nvPr>
+            <p:ph type="sldImg"/>
+          </p:nvPr>
+        </p:nvSpPr>
+        <p:spPr/>
+      </p:sp>
+      <p:sp>
+        <p:nvSpPr>
+          <p:cNvPr id="3" name="Notes Placeholder 2"/>
+          <p:cNvSpPr>
+            <a:spLocks noGrp="1"/>
+          </p:cNvSpPr>
+          <p:nvPr>
+            <p:ph type="body" idx="1"/>
+          </p:nvPr>
+        </p:nvSpPr>
+        <p:spPr/>
+        <p:txBody>
+          <a:bodyPr/>
+          <a:lstStyle/>
+          <a:p>
+            <a:pPr marL="171450" indent="-171450">
+              <a:buFontTx/>
+              <a:buChar char="-"/>
+            </a:pPr>
+            <a:r>
+              <a:rPr lang="en-US" dirty="0"/>
+              <a:t>HLA-DPB belongs to the HLA class II beta chain paralogues.</a:t>
+            </a:r>
+          </a:p>
+        </p:txBody>
+      </p:sp>
+      <p:sp>
+        <p:nvSpPr>
+          <p:cNvPr id="4" name="Slide Number Placeholder 3"/>
+          <p:cNvSpPr>
+            <a:spLocks noGrp="1"/>
+          </p:cNvSpPr>
+          <p:nvPr>
+            <p:ph type="sldNum" sz="quarter" idx="5"/>
+          </p:nvPr>
+        </p:nvSpPr>
+        <p:spPr/>
+        <p:txBody>
+          <a:bodyPr/>
+          <a:lstStyle/>
+          <a:p>
+            <a:fld id="{9AF95328-D31D-45AB-991F-5F3DA55EDE23}" type="slidenum">
+              <a:rPr lang="en-US" smtClean="0"/>
+              <a:t>30</a:t>
+            </a:fld>
+            <a:endParaRPr lang="en-US"/>
+          </a:p>
+        </p:txBody>
+      </p:sp>
+    </p:spTree>
+    <p:extLst>
+      <p:ext uri="{BB962C8B-B14F-4D97-AF65-F5344CB8AC3E}">
+        <p14:creationId xmlns:p14="http://schemas.microsoft.com/office/powerpoint/2010/main" val="2738830064"/>
+      </p:ext>
+    </p:extLst>
+  </p:cSld>
+  <p:clrMapOvr>
+    <a:masterClrMapping/>
+  </p:clrMapOvr>
+</p:notes>
+</file>
+
+<file path=ppt/notesSlides/notesSlide12.xml><?xml version="1.0" encoding="utf-8"?>
+<p:notes xmlns:a="http://schemas.openxmlformats.org/drawingml/2006/main" xmlns:r="http://schemas.openxmlformats.org/officeDocument/2006/relationships" xmlns:p="http://schemas.openxmlformats.org/presentationml/2006/main">
+  <p:cSld>
+    <p:spTree>
+      <p:nvGrpSpPr>
+        <p:cNvPr id="1" name=""/>
+        <p:cNvGrpSpPr/>
+        <p:nvPr/>
+      </p:nvGrpSpPr>
+      <p:grpSpPr>
+        <a:xfrm>
+          <a:off x="0" y="0"/>
+          <a:ext cx="0" cy="0"/>
+          <a:chOff x="0" y="0"/>
+          <a:chExt cx="0" cy="0"/>
+        </a:xfrm>
+      </p:grpSpPr>
+      <p:sp>
+        <p:nvSpPr>
+          <p:cNvPr id="2" name="Slide Image Placeholder 1"/>
+          <p:cNvSpPr>
+            <a:spLocks noGrp="1" noRot="1" noChangeAspect="1"/>
+          </p:cNvSpPr>
+          <p:nvPr>
+            <p:ph type="sldImg"/>
+          </p:nvPr>
+        </p:nvSpPr>
+        <p:spPr/>
+      </p:sp>
+      <p:sp>
+        <p:nvSpPr>
+          <p:cNvPr id="3" name="Notes Placeholder 2"/>
+          <p:cNvSpPr>
+            <a:spLocks noGrp="1"/>
+          </p:cNvSpPr>
+          <p:nvPr>
+            <p:ph type="body" idx="1"/>
+          </p:nvPr>
+        </p:nvSpPr>
+        <p:spPr/>
+        <p:txBody>
+          <a:bodyPr/>
+          <a:lstStyle/>
+          <a:p>
+            <a:pPr marL="171450" indent="-171450">
+              <a:buFontTx/>
+              <a:buChar char="-"/>
+            </a:pPr>
+            <a:r>
+              <a:rPr lang="en-US" dirty="0"/>
+              <a:t>Acknowledgements to Dr. Bob Bray at Emory University School of Medicine.</a:t>
+            </a:r>
+          </a:p>
+        </p:txBody>
+      </p:sp>
+      <p:sp>
+        <p:nvSpPr>
+          <p:cNvPr id="4" name="Slide Number Placeholder 3"/>
+          <p:cNvSpPr>
+            <a:spLocks noGrp="1"/>
+          </p:cNvSpPr>
+          <p:nvPr>
+            <p:ph type="sldNum" sz="quarter" idx="5"/>
+          </p:nvPr>
+        </p:nvSpPr>
+        <p:spPr/>
+        <p:txBody>
+          <a:bodyPr/>
+          <a:lstStyle/>
+          <a:p>
+            <a:fld id="{9AF95328-D31D-45AB-991F-5F3DA55EDE23}" type="slidenum">
+              <a:rPr lang="en-US" smtClean="0"/>
+              <a:t>31</a:t>
+            </a:fld>
+            <a:endParaRPr lang="en-US"/>
+          </a:p>
+        </p:txBody>
+      </p:sp>
+    </p:spTree>
+    <p:extLst>
+      <p:ext uri="{BB962C8B-B14F-4D97-AF65-F5344CB8AC3E}">
+        <p14:creationId xmlns:p14="http://schemas.microsoft.com/office/powerpoint/2010/main" val="2959401760"/>
+      </p:ext>
+    </p:extLst>
+  </p:cSld>
+  <p:clrMapOvr>
+    <a:masterClrMapping/>
+  </p:clrMapOvr>
+</p:notes>
+</file>
+
+<file path=ppt/notesSlides/notesSlide13.xml><?xml version="1.0" encoding="utf-8"?>
+<p:notes xmlns:a="http://schemas.openxmlformats.org/drawingml/2006/main" xmlns:r="http://schemas.openxmlformats.org/officeDocument/2006/relationships" xmlns:p="http://schemas.openxmlformats.org/presentationml/2006/main">
+  <p:cSld>
+    <p:spTree>
+      <p:nvGrpSpPr>
+        <p:cNvPr id="1" name=""/>
+        <p:cNvGrpSpPr/>
+        <p:nvPr/>
+      </p:nvGrpSpPr>
+      <p:grpSpPr>
+        <a:xfrm>
+          <a:off x="0" y="0"/>
+          <a:ext cx="0" cy="0"/>
+          <a:chOff x="0" y="0"/>
+          <a:chExt cx="0" cy="0"/>
+        </a:xfrm>
+      </p:grpSpPr>
+      <p:sp>
+        <p:nvSpPr>
+          <p:cNvPr id="2" name="Slide Image Placeholder 1"/>
+          <p:cNvSpPr>
+            <a:spLocks noGrp="1" noRot="1" noChangeAspect="1"/>
+          </p:cNvSpPr>
+          <p:nvPr>
+            <p:ph type="sldImg"/>
+          </p:nvPr>
+        </p:nvSpPr>
+        <p:spPr/>
+      </p:sp>
+      <p:sp>
+        <p:nvSpPr>
+          <p:cNvPr id="3" name="Notes Placeholder 2"/>
+          <p:cNvSpPr>
+            <a:spLocks noGrp="1"/>
+          </p:cNvSpPr>
+          <p:nvPr>
+            <p:ph type="body" idx="1"/>
+          </p:nvPr>
+        </p:nvSpPr>
+        <p:spPr/>
+        <p:txBody>
+          <a:bodyPr/>
+          <a:lstStyle/>
+          <a:p>
+            <a:pPr marL="171450" indent="-171450">
+              <a:buFontTx/>
+              <a:buChar char="-"/>
+            </a:pPr>
+            <a:r>
+              <a:rPr lang="en-US" dirty="0"/>
+              <a:t>Some detail is omitted here. For example, allowances for recipient HLA type should be made (i.e., don’t infer the presence of an autoantibody).</a:t>
+            </a:r>
+          </a:p>
+          <a:p>
+            <a:pPr marL="171450" indent="-171450">
+              <a:buFontTx/>
+              <a:buChar char="-"/>
+            </a:pPr>
+            <a:r>
+              <a:rPr lang="en-US" dirty="0"/>
+              <a:t>What would this heuristic look like implemented as a REST web service?</a:t>
+            </a:r>
+          </a:p>
+        </p:txBody>
+      </p:sp>
+      <p:sp>
+        <p:nvSpPr>
+          <p:cNvPr id="4" name="Slide Number Placeholder 3"/>
+          <p:cNvSpPr>
+            <a:spLocks noGrp="1"/>
+          </p:cNvSpPr>
+          <p:nvPr>
+            <p:ph type="sldNum" sz="quarter" idx="5"/>
+          </p:nvPr>
+        </p:nvSpPr>
+        <p:spPr/>
+        <p:txBody>
+          <a:bodyPr/>
+          <a:lstStyle/>
+          <a:p>
+            <a:fld id="{9AF95328-D31D-45AB-991F-5F3DA55EDE23}" type="slidenum">
+              <a:rPr lang="en-US" smtClean="0"/>
+              <a:t>32</a:t>
+            </a:fld>
+            <a:endParaRPr lang="en-US"/>
+          </a:p>
+        </p:txBody>
+      </p:sp>
+    </p:spTree>
+    <p:extLst>
+      <p:ext uri="{BB962C8B-B14F-4D97-AF65-F5344CB8AC3E}">
+        <p14:creationId xmlns:p14="http://schemas.microsoft.com/office/powerpoint/2010/main" val="4207831748"/>
+      </p:ext>
+    </p:extLst>
+  </p:cSld>
+  <p:clrMapOvr>
+    <a:masterClrMapping/>
+  </p:clrMapOvr>
+</p:notes>
+</file>
+
+<file path=ppt/notesSlides/notesSlide14.xml><?xml version="1.0" encoding="utf-8"?>
+<p:notes xmlns:a="http://schemas.openxmlformats.org/drawingml/2006/main" xmlns:r="http://schemas.openxmlformats.org/officeDocument/2006/relationships" xmlns:p="http://schemas.openxmlformats.org/presentationml/2006/main">
+  <p:cSld>
+    <p:spTree>
+      <p:nvGrpSpPr>
+        <p:cNvPr id="1" name=""/>
+        <p:cNvGrpSpPr/>
+        <p:nvPr/>
+      </p:nvGrpSpPr>
+      <p:grpSpPr>
+        <a:xfrm>
+          <a:off x="0" y="0"/>
+          <a:ext cx="0" cy="0"/>
+          <a:chOff x="0" y="0"/>
+          <a:chExt cx="0" cy="0"/>
+        </a:xfrm>
+      </p:grpSpPr>
+      <p:sp>
+        <p:nvSpPr>
+          <p:cNvPr id="2" name="Slide Image Placeholder 1"/>
+          <p:cNvSpPr>
+            <a:spLocks noGrp="1" noRot="1" noChangeAspect="1"/>
+          </p:cNvSpPr>
+          <p:nvPr>
+            <p:ph type="sldImg"/>
+          </p:nvPr>
+        </p:nvSpPr>
+        <p:spPr/>
+      </p:sp>
+      <p:sp>
+        <p:nvSpPr>
+          <p:cNvPr id="3" name="Notes Placeholder 2"/>
+          <p:cNvSpPr>
+            <a:spLocks noGrp="1"/>
+          </p:cNvSpPr>
+          <p:nvPr>
+            <p:ph type="body" idx="1"/>
+          </p:nvPr>
+        </p:nvSpPr>
+        <p:spPr/>
+        <p:txBody>
+          <a:bodyPr/>
+          <a:lstStyle/>
+          <a:p>
+            <a:pPr marL="171450" marR="0" lvl="0" indent="-171450" algn="l" defTabSz="914400" rtl="0" eaLnBrk="1" fontAlgn="auto" latinLnBrk="0" hangingPunct="1">
+              <a:lnSpc>
+                <a:spcPct val="100000"/>
+              </a:lnSpc>
+              <a:spcBef>
+                <a:spcPts val="0"/>
+              </a:spcBef>
+              <a:spcAft>
+                <a:spcPts val="0"/>
+              </a:spcAft>
+              <a:buClrTx/>
+              <a:buSzTx/>
+              <a:buFontTx/>
+              <a:buChar char="-"/>
+              <a:tabLst/>
+              <a:defRPr/>
+            </a:pPr>
+            <a:r>
+              <a:rPr lang="en-US" dirty="0"/>
+              <a:t>The service layer is implemented as a Java web application.</a:t>
+            </a:r>
+          </a:p>
+          <a:p>
+            <a:pPr marL="171450" indent="-171450">
+              <a:buFontTx/>
+              <a:buChar char="-"/>
+            </a:pPr>
+            <a:r>
+              <a:rPr lang="en-US" dirty="0"/>
+              <a:t>The “alleles” resource is loaded from an XML representation of the IMGT/HLA database.</a:t>
+            </a:r>
+          </a:p>
+          <a:p>
+            <a:pPr marL="171450" indent="-171450">
+              <a:buFontTx/>
+              <a:buChar char="-"/>
+            </a:pPr>
+            <a:r>
+              <a:rPr lang="en-US" dirty="0"/>
+              <a:t>The “</a:t>
+            </a:r>
+            <a:r>
+              <a:rPr lang="en-US" dirty="0" err="1"/>
+              <a:t>hypervariableRegions</a:t>
+            </a:r>
+            <a:r>
+              <a:rPr lang="en-US" dirty="0"/>
+              <a:t>” resource is loaded from a locally (Emory University) created XML database.</a:t>
+            </a:r>
+          </a:p>
+          <a:p>
+            <a:pPr marL="171450" indent="-171450">
+              <a:buFontTx/>
+              <a:buChar char="-"/>
+            </a:pPr>
+            <a:r>
+              <a:rPr lang="en-US" dirty="0"/>
+              <a:t>Only two (2) resources are required to implement the clinical decision support heuristic.</a:t>
+            </a:r>
+          </a:p>
+        </p:txBody>
+      </p:sp>
+      <p:sp>
+        <p:nvSpPr>
+          <p:cNvPr id="4" name="Slide Number Placeholder 3"/>
+          <p:cNvSpPr>
+            <a:spLocks noGrp="1"/>
+          </p:cNvSpPr>
+          <p:nvPr>
+            <p:ph type="sldNum" sz="quarter" idx="5"/>
+          </p:nvPr>
+        </p:nvSpPr>
+        <p:spPr/>
+        <p:txBody>
+          <a:bodyPr/>
+          <a:lstStyle/>
+          <a:p>
+            <a:fld id="{9AF95328-D31D-45AB-991F-5F3DA55EDE23}" type="slidenum">
+              <a:rPr lang="en-US" smtClean="0"/>
+              <a:t>33</a:t>
+            </a:fld>
+            <a:endParaRPr lang="en-US"/>
+          </a:p>
+        </p:txBody>
+      </p:sp>
+    </p:spTree>
+    <p:extLst>
+      <p:ext uri="{BB962C8B-B14F-4D97-AF65-F5344CB8AC3E}">
+        <p14:creationId xmlns:p14="http://schemas.microsoft.com/office/powerpoint/2010/main" val="737381555"/>
+      </p:ext>
+    </p:extLst>
+  </p:cSld>
+  <p:clrMapOvr>
+    <a:masterClrMapping/>
+  </p:clrMapOvr>
+</p:notes>
+</file>
+
+<file path=ppt/notesSlides/notesSlide15.xml><?xml version="1.0" encoding="utf-8"?>
+<p:notes xmlns:a="http://schemas.openxmlformats.org/drawingml/2006/main" xmlns:r="http://schemas.openxmlformats.org/officeDocument/2006/relationships" xmlns:p="http://schemas.openxmlformats.org/presentationml/2006/main">
+  <p:cSld>
+    <p:spTree>
+      <p:nvGrpSpPr>
+        <p:cNvPr id="1" name=""/>
+        <p:cNvGrpSpPr/>
+        <p:nvPr/>
+      </p:nvGrpSpPr>
+      <p:grpSpPr>
+        <a:xfrm>
+          <a:off x="0" y="0"/>
+          <a:ext cx="0" cy="0"/>
+          <a:chOff x="0" y="0"/>
+          <a:chExt cx="0" cy="0"/>
+        </a:xfrm>
+      </p:grpSpPr>
+      <p:sp>
+        <p:nvSpPr>
+          <p:cNvPr id="2" name="Slide Image Placeholder 1"/>
+          <p:cNvSpPr>
+            <a:spLocks noGrp="1" noRot="1" noChangeAspect="1"/>
+          </p:cNvSpPr>
+          <p:nvPr>
+            <p:ph type="sldImg"/>
+          </p:nvPr>
+        </p:nvSpPr>
+        <p:spPr/>
+      </p:sp>
+      <p:sp>
+        <p:nvSpPr>
+          <p:cNvPr id="3" name="Notes Placeholder 2"/>
+          <p:cNvSpPr>
+            <a:spLocks noGrp="1"/>
+          </p:cNvSpPr>
+          <p:nvPr>
+            <p:ph type="body" idx="1"/>
+          </p:nvPr>
+        </p:nvSpPr>
+        <p:spPr/>
+        <p:txBody>
+          <a:bodyPr/>
+          <a:lstStyle/>
+          <a:p>
+            <a:pPr marL="171450" marR="0" lvl="0" indent="-171450" algn="l" defTabSz="914400" rtl="0" eaLnBrk="1" fontAlgn="auto" latinLnBrk="0" hangingPunct="1">
+              <a:lnSpc>
+                <a:spcPct val="100000"/>
+              </a:lnSpc>
+              <a:spcBef>
+                <a:spcPts val="0"/>
+              </a:spcBef>
+              <a:spcAft>
+                <a:spcPts val="0"/>
+              </a:spcAft>
+              <a:buClrTx/>
+              <a:buSzTx/>
+              <a:buFontTx/>
+              <a:buChar char="-"/>
+              <a:tabLst/>
+              <a:defRPr/>
+            </a:pPr>
+            <a:r>
+              <a:rPr lang="en-US" dirty="0"/>
+              <a:t>This is just a static HTML document with an embedded JavaScript program. My child in fifth grade is writing HTML documents like this.</a:t>
+            </a:r>
+          </a:p>
+          <a:p>
+            <a:pPr marL="171450" marR="0" lvl="0" indent="-171450" algn="l" defTabSz="914400" rtl="0" eaLnBrk="1" fontAlgn="auto" latinLnBrk="0" hangingPunct="1">
+              <a:lnSpc>
+                <a:spcPct val="100000"/>
+              </a:lnSpc>
+              <a:spcBef>
+                <a:spcPts val="0"/>
+              </a:spcBef>
+              <a:spcAft>
+                <a:spcPts val="0"/>
+              </a:spcAft>
+              <a:buClrTx/>
+              <a:buSzTx/>
+              <a:buFontTx/>
+              <a:buChar char="-"/>
+              <a:tabLst/>
+              <a:defRPr/>
+            </a:pPr>
+            <a:r>
+              <a:rPr lang="en-US" dirty="0"/>
+              <a:t>This application is just fluff to demonstrate that the REST web services may have utility. As a stand-alone application it does not respect the latter four (4) rights of clinical decision support.</a:t>
+            </a:r>
+          </a:p>
+          <a:p>
+            <a:pPr marL="171450" marR="0" lvl="0" indent="-171450" algn="l" defTabSz="914400" rtl="0" eaLnBrk="1" fontAlgn="auto" latinLnBrk="0" hangingPunct="1">
+              <a:lnSpc>
+                <a:spcPct val="100000"/>
+              </a:lnSpc>
+              <a:spcBef>
+                <a:spcPts val="0"/>
+              </a:spcBef>
+              <a:spcAft>
+                <a:spcPts val="0"/>
+              </a:spcAft>
+              <a:buClrTx/>
+              <a:buSzTx/>
+              <a:buFontTx/>
+              <a:buChar char="-"/>
+              <a:tabLst/>
+              <a:defRPr/>
+            </a:pPr>
+            <a:r>
+              <a:rPr lang="en-US" dirty="0"/>
+              <a:t>The author of an application like this would need to know almost nothing about HLA or even how the alleles are represented in the IMGT/HLA database. Most of the HLA domain-specific content has been abstracted in the JSON representation of the data model. The developer can focus on excellent user interface design. No comments from the peanut gallery.</a:t>
+            </a:r>
+          </a:p>
+        </p:txBody>
+      </p:sp>
+      <p:sp>
+        <p:nvSpPr>
+          <p:cNvPr id="4" name="Slide Number Placeholder 3"/>
+          <p:cNvSpPr>
+            <a:spLocks noGrp="1"/>
+          </p:cNvSpPr>
+          <p:nvPr>
+            <p:ph type="sldNum" sz="quarter" idx="5"/>
+          </p:nvPr>
+        </p:nvSpPr>
+        <p:spPr/>
+        <p:txBody>
+          <a:bodyPr/>
+          <a:lstStyle/>
+          <a:p>
+            <a:fld id="{9AF95328-D31D-45AB-991F-5F3DA55EDE23}" type="slidenum">
+              <a:rPr lang="en-US" smtClean="0"/>
+              <a:t>34</a:t>
+            </a:fld>
+            <a:endParaRPr lang="en-US"/>
+          </a:p>
+        </p:txBody>
+      </p:sp>
+    </p:spTree>
+    <p:extLst>
+      <p:ext uri="{BB962C8B-B14F-4D97-AF65-F5344CB8AC3E}">
+        <p14:creationId xmlns:p14="http://schemas.microsoft.com/office/powerpoint/2010/main" val="1210555164"/>
+      </p:ext>
+    </p:extLst>
+  </p:cSld>
+  <p:clrMapOvr>
+    <a:masterClrMapping/>
+  </p:clrMapOvr>
+</p:notes>
+</file>
+
+<file path=ppt/notesSlides/notesSlide16.xml><?xml version="1.0" encoding="utf-8"?>
+<p:notes xmlns:a="http://schemas.openxmlformats.org/drawingml/2006/main" xmlns:r="http://schemas.openxmlformats.org/officeDocument/2006/relationships" xmlns:p="http://schemas.openxmlformats.org/presentationml/2006/main">
+  <p:cSld>
+    <p:spTree>
+      <p:nvGrpSpPr>
+        <p:cNvPr id="1" name=""/>
+        <p:cNvGrpSpPr/>
+        <p:nvPr/>
+      </p:nvGrpSpPr>
+      <p:grpSpPr>
+        <a:xfrm>
+          <a:off x="0" y="0"/>
+          <a:ext cx="0" cy="0"/>
+          <a:chOff x="0" y="0"/>
+          <a:chExt cx="0" cy="0"/>
+        </a:xfrm>
+      </p:grpSpPr>
+      <p:sp>
+        <p:nvSpPr>
+          <p:cNvPr id="2" name="Slide Image Placeholder 1"/>
+          <p:cNvSpPr>
+            <a:spLocks noGrp="1" noRot="1" noChangeAspect="1"/>
+          </p:cNvSpPr>
+          <p:nvPr>
+            <p:ph type="sldImg"/>
+          </p:nvPr>
+        </p:nvSpPr>
+        <p:spPr/>
+      </p:sp>
+      <p:sp>
+        <p:nvSpPr>
+          <p:cNvPr id="3" name="Notes Placeholder 2"/>
+          <p:cNvSpPr>
+            <a:spLocks noGrp="1"/>
+          </p:cNvSpPr>
+          <p:nvPr>
+            <p:ph type="body" idx="1"/>
+          </p:nvPr>
+        </p:nvSpPr>
+        <p:spPr/>
+        <p:txBody>
+          <a:bodyPr/>
+          <a:lstStyle/>
+          <a:p>
+            <a:pPr marL="171450" marR="0" lvl="0" indent="-171450" algn="l" defTabSz="914400" rtl="0" eaLnBrk="1" fontAlgn="auto" latinLnBrk="0" hangingPunct="1">
+              <a:lnSpc>
+                <a:spcPct val="100000"/>
+              </a:lnSpc>
+              <a:spcBef>
+                <a:spcPts val="0"/>
+              </a:spcBef>
+              <a:spcAft>
+                <a:spcPts val="0"/>
+              </a:spcAft>
+              <a:buClrTx/>
+              <a:buSzTx/>
+              <a:buFontTx/>
+              <a:buChar char="-"/>
+              <a:tabLst/>
+              <a:defRPr/>
+            </a:pPr>
+            <a:r>
+              <a:rPr lang="en-US" dirty="0"/>
+              <a:t>This is just a static HTML document with an embedded JavaScript program. My child in fifth grade is writing HTML documents like this.</a:t>
+            </a:r>
+          </a:p>
+          <a:p>
+            <a:pPr marL="171450" marR="0" lvl="0" indent="-171450" algn="l" defTabSz="914400" rtl="0" eaLnBrk="1" fontAlgn="auto" latinLnBrk="0" hangingPunct="1">
+              <a:lnSpc>
+                <a:spcPct val="100000"/>
+              </a:lnSpc>
+              <a:spcBef>
+                <a:spcPts val="0"/>
+              </a:spcBef>
+              <a:spcAft>
+                <a:spcPts val="0"/>
+              </a:spcAft>
+              <a:buClrTx/>
+              <a:buSzTx/>
+              <a:buFontTx/>
+              <a:buChar char="-"/>
+              <a:tabLst/>
+              <a:defRPr/>
+            </a:pPr>
+            <a:r>
+              <a:rPr lang="en-US" dirty="0"/>
+              <a:t>This application is just fluff to demonstrate that the REST web services may have utility. As a stand-alone application it does not respect the latter four (4) rights of clinical decision support.</a:t>
+            </a:r>
+          </a:p>
+          <a:p>
+            <a:pPr marL="171450" marR="0" lvl="0" indent="-171450" algn="l" defTabSz="914400" rtl="0" eaLnBrk="1" fontAlgn="auto" latinLnBrk="0" hangingPunct="1">
+              <a:lnSpc>
+                <a:spcPct val="100000"/>
+              </a:lnSpc>
+              <a:spcBef>
+                <a:spcPts val="0"/>
+              </a:spcBef>
+              <a:spcAft>
+                <a:spcPts val="0"/>
+              </a:spcAft>
+              <a:buClrTx/>
+              <a:buSzTx/>
+              <a:buFontTx/>
+              <a:buChar char="-"/>
+              <a:tabLst/>
+              <a:defRPr/>
+            </a:pPr>
+            <a:r>
+              <a:rPr lang="en-US" dirty="0"/>
+              <a:t>Some of these requests </a:t>
+            </a:r>
+            <a:r>
+              <a:rPr lang="en-US"/>
+              <a:t>have slightly </a:t>
+            </a:r>
+            <a:r>
+              <a:rPr lang="en-US" dirty="0"/>
+              <a:t>bulky payloads, but bandwidth </a:t>
+            </a:r>
+            <a:r>
+              <a:rPr lang="en-US"/>
+              <a:t>is cheap.</a:t>
+            </a:r>
+            <a:endParaRPr lang="en-US" dirty="0"/>
+          </a:p>
+        </p:txBody>
+      </p:sp>
+      <p:sp>
+        <p:nvSpPr>
+          <p:cNvPr id="4" name="Slide Number Placeholder 3"/>
+          <p:cNvSpPr>
+            <a:spLocks noGrp="1"/>
+          </p:cNvSpPr>
+          <p:nvPr>
+            <p:ph type="sldNum" sz="quarter" idx="5"/>
+          </p:nvPr>
+        </p:nvSpPr>
+        <p:spPr/>
+        <p:txBody>
+          <a:bodyPr/>
+          <a:lstStyle/>
+          <a:p>
+            <a:fld id="{9AF95328-D31D-45AB-991F-5F3DA55EDE23}" type="slidenum">
+              <a:rPr lang="en-US" smtClean="0"/>
+              <a:t>35</a:t>
+            </a:fld>
+            <a:endParaRPr lang="en-US"/>
+          </a:p>
+        </p:txBody>
+      </p:sp>
+    </p:spTree>
+    <p:extLst>
+      <p:ext uri="{BB962C8B-B14F-4D97-AF65-F5344CB8AC3E}">
+        <p14:creationId xmlns:p14="http://schemas.microsoft.com/office/powerpoint/2010/main" val="4114653564"/>
       </p:ext>
     </p:extLst>
   </p:cSld>
@@ -630,7 +1482,7 @@
           <a:p>
             <a:r>
               <a:rPr lang="en-US" dirty="0"/>
-              <a:t>Even if you don’t want them to be (e.g., advertising, tracking).</a:t>
+              <a:t>- Web services are in-play even if you don’t want them to be (e.g., advertising, tracking).</a:t>
             </a:r>
           </a:p>
         </p:txBody>
@@ -715,17 +1567,33 @@
           <a:bodyPr/>
           <a:lstStyle/>
           <a:p>
+            <a:pPr marL="171450" indent="-171450">
+              <a:buFontTx/>
+              <a:buChar char="-"/>
+            </a:pPr>
             <a:r>
               <a:rPr lang="en-US" dirty="0"/>
-              <a:t>Representative CPOE order set in Cerner Millennium </a:t>
-            </a:r>
-            <a:r>
-              <a:rPr lang="en-US" dirty="0" err="1"/>
-              <a:t>PowerChart</a:t>
-            </a:r>
+              <a:t>The latter four (4) rights suggest that the enterprise’s electronic medical record (e.g., Cerner, EPIC), where our health care providers now spend most of their time, has an important role in clinical decision support.</a:t>
+            </a:r>
+          </a:p>
+          <a:p>
+            <a:pPr marL="171450" indent="-171450">
+              <a:buFontTx/>
+              <a:buChar char="-"/>
+            </a:pPr>
             <a:r>
               <a:rPr lang="en-US" dirty="0"/>
-              <a:t>.</a:t>
+              <a:t>Although there are numerous web sites and applications that can facilitate good clinical decision making, those services may not respect the latter four (4) rights.</a:t>
+            </a:r>
+          </a:p>
+          <a:p>
+            <a:pPr marL="171450" indent="-171450">
+              <a:buFontTx/>
+              <a:buChar char="-"/>
+            </a:pPr>
+            <a:r>
+              <a:rPr lang="en-US" dirty="0"/>
+              <a:t>As laboratorians, I think we also need to consider that the traditional static CLIA-compliant laboratory report may limit the clinical utility of our increasingly sophisticated laboratory testing modalities (e.g., next generation sequencing panels).</a:t>
             </a:r>
           </a:p>
         </p:txBody>
@@ -747,7 +1615,7 @@
           <a:p>
             <a:fld id="{9AF95328-D31D-45AB-991F-5F3DA55EDE23}" type="slidenum">
               <a:rPr lang="en-US" smtClean="0"/>
-              <a:t>13</a:t>
+              <a:t>12</a:t>
             </a:fld>
             <a:endParaRPr lang="en-US"/>
           </a:p>
@@ -756,7 +1624,7 @@
     </p:spTree>
     <p:extLst>
       <p:ext uri="{BB962C8B-B14F-4D97-AF65-F5344CB8AC3E}">
-        <p14:creationId xmlns:p14="http://schemas.microsoft.com/office/powerpoint/2010/main" val="676018132"/>
+        <p14:creationId xmlns:p14="http://schemas.microsoft.com/office/powerpoint/2010/main" val="2350615799"/>
       </p:ext>
     </p:extLst>
   </p:cSld>
@@ -812,7 +1680,7 @@
           <a:p>
             <a:r>
               <a:rPr lang="en-US" dirty="0"/>
-              <a:t>Representative non-overridable CPOE duplicate order alert in Cerner Millennium </a:t>
+              <a:t>Representative CPOE order set in Cerner Millennium </a:t>
             </a:r>
             <a:r>
               <a:rPr lang="en-US" dirty="0" err="1"/>
@@ -820,7 +1688,7 @@
             </a:r>
             <a:r>
               <a:rPr lang="en-US" dirty="0"/>
-              <a:t>. This was perceived as clinical decision making by MPC and is now overridable. CDS implemented this way also contributes to alert fatigue.</a:t>
+              <a:t>.</a:t>
             </a:r>
           </a:p>
         </p:txBody>
@@ -842,7 +1710,7 @@
           <a:p>
             <a:fld id="{9AF95328-D31D-45AB-991F-5F3DA55EDE23}" type="slidenum">
               <a:rPr lang="en-US" smtClean="0"/>
-              <a:t>14</a:t>
+              <a:t>13</a:t>
             </a:fld>
             <a:endParaRPr lang="en-US"/>
           </a:p>
@@ -851,7 +1719,7 @@
     </p:spTree>
     <p:extLst>
       <p:ext uri="{BB962C8B-B14F-4D97-AF65-F5344CB8AC3E}">
-        <p14:creationId xmlns:p14="http://schemas.microsoft.com/office/powerpoint/2010/main" val="1811564197"/>
+        <p14:creationId xmlns:p14="http://schemas.microsoft.com/office/powerpoint/2010/main" val="676018132"/>
       </p:ext>
     </p:extLst>
   </p:cSld>
@@ -907,7 +1775,15 @@
           <a:p>
             <a:r>
               <a:rPr lang="en-US" dirty="0"/>
-              <a:t>Representative laboratory test utilization guidance implemented as notes in an order set. Additionally, the undesirable Vitamin D 1 25 Dihydroxy order is not selected by default. This intervention was not popular with physicians, because orders only accessible in order sets are not easily placed in some contexts like so-called “quick-orders pages” and “favorite orders lists.”</a:t>
+              <a:t>Representative non-overridable CPOE duplicate order alert in Cerner Millennium </a:t>
+            </a:r>
+            <a:r>
+              <a:rPr lang="en-US" dirty="0" err="1"/>
+              <a:t>PowerChart</a:t>
+            </a:r>
+            <a:r>
+              <a:rPr lang="en-US" dirty="0"/>
+              <a:t>. This was perceived as clinical decision making by MPC and is now overridable. CDS implemented this way also contributes to alert fatigue.</a:t>
             </a:r>
           </a:p>
         </p:txBody>
@@ -929,7 +1805,7 @@
           <a:p>
             <a:fld id="{9AF95328-D31D-45AB-991F-5F3DA55EDE23}" type="slidenum">
               <a:rPr lang="en-US" smtClean="0"/>
-              <a:t>15</a:t>
+              <a:t>14</a:t>
             </a:fld>
             <a:endParaRPr lang="en-US"/>
           </a:p>
@@ -938,7 +1814,7 @@
     </p:spTree>
     <p:extLst>
       <p:ext uri="{BB962C8B-B14F-4D97-AF65-F5344CB8AC3E}">
-        <p14:creationId xmlns:p14="http://schemas.microsoft.com/office/powerpoint/2010/main" val="2206273083"/>
+        <p14:creationId xmlns:p14="http://schemas.microsoft.com/office/powerpoint/2010/main" val="1811564197"/>
       </p:ext>
     </p:extLst>
   </p:cSld>
@@ -994,7 +1870,7 @@
           <a:p>
             <a:r>
               <a:rPr lang="en-US" dirty="0"/>
-              <a:t>Representative example of a rules-based ordering alert that is triggered when warfarin is ordered on a patient without a recent PT/INR. In this case, the rule is implemented in Cerner Millennium Discern.</a:t>
+              <a:t>- Representative laboratory test utilization guidance implemented as notes in an order set. Additionally, the undesirable Vitamin D 1 25 Dihydroxy order is not selected by default. This intervention was not popular with physicians, because orders only accessible in order sets are not easily placed in some contexts like so-called “quick-orders pages” and “favorite orders lists.”</a:t>
             </a:r>
           </a:p>
         </p:txBody>
@@ -1016,7 +1892,7 @@
           <a:p>
             <a:fld id="{9AF95328-D31D-45AB-991F-5F3DA55EDE23}" type="slidenum">
               <a:rPr lang="en-US" smtClean="0"/>
-              <a:t>16</a:t>
+              <a:t>15</a:t>
             </a:fld>
             <a:endParaRPr lang="en-US"/>
           </a:p>
@@ -1025,7 +1901,7 @@
     </p:spTree>
     <p:extLst>
       <p:ext uri="{BB962C8B-B14F-4D97-AF65-F5344CB8AC3E}">
-        <p14:creationId xmlns:p14="http://schemas.microsoft.com/office/powerpoint/2010/main" val="2845251808"/>
+        <p14:creationId xmlns:p14="http://schemas.microsoft.com/office/powerpoint/2010/main" val="2206273083"/>
       </p:ext>
     </p:extLst>
   </p:cSld>
@@ -1079,7 +1955,10 @@
           <a:bodyPr/>
           <a:lstStyle/>
           <a:p>
-            <a:endParaRPr lang="en-US" dirty="0"/>
+            <a:r>
+              <a:rPr lang="en-US" dirty="0"/>
+              <a:t>- Representative example of a rules-based ordering alert that is triggered when warfarin is ordered on a patient without a recent PT/INR. In this case, the rule is implemented in Cerner Millennium Discern.</a:t>
+            </a:r>
           </a:p>
         </p:txBody>
       </p:sp>
@@ -1100,6 +1979,90 @@
           <a:p>
             <a:fld id="{9AF95328-D31D-45AB-991F-5F3DA55EDE23}" type="slidenum">
               <a:rPr lang="en-US" smtClean="0"/>
+              <a:t>16</a:t>
+            </a:fld>
+            <a:endParaRPr lang="en-US"/>
+          </a:p>
+        </p:txBody>
+      </p:sp>
+    </p:spTree>
+    <p:extLst>
+      <p:ext uri="{BB962C8B-B14F-4D97-AF65-F5344CB8AC3E}">
+        <p14:creationId xmlns:p14="http://schemas.microsoft.com/office/powerpoint/2010/main" val="2845251808"/>
+      </p:ext>
+    </p:extLst>
+  </p:cSld>
+  <p:clrMapOvr>
+    <a:masterClrMapping/>
+  </p:clrMapOvr>
+</p:notes>
+</file>
+
+<file path=ppt/notesSlides/notesSlide8.xml><?xml version="1.0" encoding="utf-8"?>
+<p:notes xmlns:a="http://schemas.openxmlformats.org/drawingml/2006/main" xmlns:r="http://schemas.openxmlformats.org/officeDocument/2006/relationships" xmlns:p="http://schemas.openxmlformats.org/presentationml/2006/main">
+  <p:cSld>
+    <p:spTree>
+      <p:nvGrpSpPr>
+        <p:cNvPr id="1" name=""/>
+        <p:cNvGrpSpPr/>
+        <p:nvPr/>
+      </p:nvGrpSpPr>
+      <p:grpSpPr>
+        <a:xfrm>
+          <a:off x="0" y="0"/>
+          <a:ext cx="0" cy="0"/>
+          <a:chOff x="0" y="0"/>
+          <a:chExt cx="0" cy="0"/>
+        </a:xfrm>
+      </p:grpSpPr>
+      <p:sp>
+        <p:nvSpPr>
+          <p:cNvPr id="2" name="Slide Image Placeholder 1"/>
+          <p:cNvSpPr>
+            <a:spLocks noGrp="1" noRot="1" noChangeAspect="1"/>
+          </p:cNvSpPr>
+          <p:nvPr>
+            <p:ph type="sldImg"/>
+          </p:nvPr>
+        </p:nvSpPr>
+        <p:spPr/>
+      </p:sp>
+      <p:sp>
+        <p:nvSpPr>
+          <p:cNvPr id="3" name="Notes Placeholder 2"/>
+          <p:cNvSpPr>
+            <a:spLocks noGrp="1"/>
+          </p:cNvSpPr>
+          <p:nvPr>
+            <p:ph type="body" idx="1"/>
+          </p:nvPr>
+        </p:nvSpPr>
+        <p:spPr/>
+        <p:txBody>
+          <a:bodyPr/>
+          <a:lstStyle/>
+          <a:p>
+            <a:endParaRPr lang="en-US" dirty="0"/>
+          </a:p>
+        </p:txBody>
+      </p:sp>
+      <p:sp>
+        <p:nvSpPr>
+          <p:cNvPr id="4" name="Slide Number Placeholder 3"/>
+          <p:cNvSpPr>
+            <a:spLocks noGrp="1"/>
+          </p:cNvSpPr>
+          <p:nvPr>
+            <p:ph type="sldNum" sz="quarter" idx="5"/>
+          </p:nvPr>
+        </p:nvSpPr>
+        <p:spPr/>
+        <p:txBody>
+          <a:bodyPr/>
+          <a:lstStyle/>
+          <a:p>
+            <a:fld id="{9AF95328-D31D-45AB-991F-5F3DA55EDE23}" type="slidenum">
+              <a:rPr lang="en-US" smtClean="0"/>
               <a:t>17</a:t>
             </a:fld>
             <a:endParaRPr lang="en-US"/>
@@ -1110,6 +2073,107 @@
     <p:extLst>
       <p:ext uri="{BB962C8B-B14F-4D97-AF65-F5344CB8AC3E}">
         <p14:creationId xmlns:p14="http://schemas.microsoft.com/office/powerpoint/2010/main" val="1702747118"/>
+      </p:ext>
+    </p:extLst>
+  </p:cSld>
+  <p:clrMapOvr>
+    <a:masterClrMapping/>
+  </p:clrMapOvr>
+</p:notes>
+</file>
+
+<file path=ppt/notesSlides/notesSlide9.xml><?xml version="1.0" encoding="utf-8"?>
+<p:notes xmlns:a="http://schemas.openxmlformats.org/drawingml/2006/main" xmlns:r="http://schemas.openxmlformats.org/officeDocument/2006/relationships" xmlns:p="http://schemas.openxmlformats.org/presentationml/2006/main">
+  <p:cSld>
+    <p:spTree>
+      <p:nvGrpSpPr>
+        <p:cNvPr id="1" name=""/>
+        <p:cNvGrpSpPr/>
+        <p:nvPr/>
+      </p:nvGrpSpPr>
+      <p:grpSpPr>
+        <a:xfrm>
+          <a:off x="0" y="0"/>
+          <a:ext cx="0" cy="0"/>
+          <a:chOff x="0" y="0"/>
+          <a:chExt cx="0" cy="0"/>
+        </a:xfrm>
+      </p:grpSpPr>
+      <p:sp>
+        <p:nvSpPr>
+          <p:cNvPr id="2" name="Slide Image Placeholder 1"/>
+          <p:cNvSpPr>
+            <a:spLocks noGrp="1" noRot="1" noChangeAspect="1"/>
+          </p:cNvSpPr>
+          <p:nvPr>
+            <p:ph type="sldImg"/>
+          </p:nvPr>
+        </p:nvSpPr>
+        <p:spPr/>
+      </p:sp>
+      <p:sp>
+        <p:nvSpPr>
+          <p:cNvPr id="3" name="Notes Placeholder 2"/>
+          <p:cNvSpPr>
+            <a:spLocks noGrp="1"/>
+          </p:cNvSpPr>
+          <p:nvPr>
+            <p:ph type="body" idx="1"/>
+          </p:nvPr>
+        </p:nvSpPr>
+        <p:spPr/>
+        <p:txBody>
+          <a:bodyPr/>
+          <a:lstStyle/>
+          <a:p>
+            <a:pPr marL="171450" indent="-171450">
+              <a:buFontTx/>
+              <a:buChar char="-"/>
+            </a:pPr>
+            <a:r>
+              <a:rPr lang="en-US" dirty="0"/>
+              <a:t>A key point is that we are transferring REPRESENTATIONS of the resources between the client and server. This is likely one of the bases for the name of the REST architectural style.</a:t>
+            </a:r>
+          </a:p>
+          <a:p>
+            <a:pPr marL="171450" indent="-171450">
+              <a:buFontTx/>
+              <a:buChar char="-"/>
+            </a:pPr>
+            <a:r>
+              <a:rPr lang="en-US" dirty="0"/>
+              <a:t>HTTP request methods commonly used with REST include GET (read), POST (create), PUT (update), DELETE (delete).</a:t>
+            </a:r>
+          </a:p>
+        </p:txBody>
+      </p:sp>
+      <p:sp>
+        <p:nvSpPr>
+          <p:cNvPr id="4" name="Slide Number Placeholder 3"/>
+          <p:cNvSpPr>
+            <a:spLocks noGrp="1"/>
+          </p:cNvSpPr>
+          <p:nvPr>
+            <p:ph type="sldNum" sz="quarter" idx="5"/>
+          </p:nvPr>
+        </p:nvSpPr>
+        <p:spPr/>
+        <p:txBody>
+          <a:bodyPr/>
+          <a:lstStyle/>
+          <a:p>
+            <a:fld id="{9AF95328-D31D-45AB-991F-5F3DA55EDE23}" type="slidenum">
+              <a:rPr lang="en-US" smtClean="0"/>
+              <a:t>26</a:t>
+            </a:fld>
+            <a:endParaRPr lang="en-US"/>
+          </a:p>
+        </p:txBody>
+      </p:sp>
+    </p:spTree>
+    <p:extLst>
+      <p:ext uri="{BB962C8B-B14F-4D97-AF65-F5344CB8AC3E}">
+        <p14:creationId xmlns:p14="http://schemas.microsoft.com/office/powerpoint/2010/main" val="800896462"/>
       </p:ext>
     </p:extLst>
   </p:cSld>
@@ -2384,7 +3448,7 @@
           <a:p>
             <a:r>
               <a:rPr lang="en-US" sz="1200" dirty="0"/>
-              <a:t>[1] Clinical Decision Support, https://www.healthit.gov/topic/safety/clinical-decision-support.</a:t>
+              <a:t>[1] Clinical Decision Support. https://www.healthit.gov/topic/safety/clinical-decision-support.</a:t>
             </a:r>
           </a:p>
         </p:txBody>
@@ -2740,7 +3804,7 @@
             </a:r>
             <a:r>
               <a:rPr lang="en-US" sz="1200" dirty="0"/>
-              <a:t> et al., Improving Outcomes with Clinical Decision Support: An Implementer's Guide, HIMSS Publishing, 2012.</a:t>
+              <a:t> et al. Improving Outcomes with Clinical Decision Support: An Implementer's Guide. HIMSS Publishing. 2012.</a:t>
             </a:r>
           </a:p>
         </p:txBody>
@@ -7310,13 +8374,18 @@
           </a:lstStyle>
           <a:p>
             <a:r>
-              <a:rPr lang="en-US" sz="3200" dirty="0"/>
-              <a:t>Web Services Return JSON</a:t>
-            </a:r>
-            <a:r>
-              <a:rPr lang="en-US" sz="3200" baseline="30000" dirty="0"/>
+              <a:rPr lang="en-US" sz="2000" dirty="0"/>
+              <a:t>Web Service Endpoints Return JSON</a:t>
+            </a:r>
+            <a:r>
+              <a:rPr lang="en-US" sz="2000" baseline="30000" dirty="0"/>
               <a:t>‡</a:t>
             </a:r>
+            <a:r>
+              <a:rPr lang="en-US" sz="2000" dirty="0"/>
+              <a:t> Responses</a:t>
+            </a:r>
+            <a:endParaRPr lang="en-US" sz="2000" baseline="30000" dirty="0"/>
           </a:p>
         </p:txBody>
       </p:sp>
@@ -7334,8 +8403,8 @@
         </p:nvSpPr>
         <p:spPr>
           <a:xfrm>
-            <a:off x="104118" y="2536089"/>
-            <a:ext cx="3239731" cy="830997"/>
+            <a:off x="104118" y="2419350"/>
+            <a:ext cx="3239731" cy="1077218"/>
           </a:xfrm>
           <a:prstGeom prst="rect">
             <a:avLst/>
@@ -7374,6 +8443,24 @@
                   <a:schemeClr val="bg1"/>
                 </a:solidFill>
               </a:rPr>
+              <a:t>Method: </a:t>
+            </a:r>
+            <a:r>
+              <a:rPr lang="en-US" sz="1600" b="1" dirty="0">
+                <a:solidFill>
+                  <a:srgbClr val="FFFF00"/>
+                </a:solidFill>
+              </a:rPr>
+              <a:t>GET</a:t>
+            </a:r>
+          </a:p>
+          <a:p>
+            <a:r>
+              <a:rPr lang="en-US" sz="1600" dirty="0">
+                <a:solidFill>
+                  <a:schemeClr val="bg1"/>
+                </a:solidFill>
+              </a:rPr>
               <a:t>Resource Name: </a:t>
             </a:r>
             <a:r>
@@ -7453,8 +8540,8 @@
         </p:nvSpPr>
         <p:spPr>
           <a:xfrm>
-            <a:off x="3945" y="4866501"/>
-            <a:ext cx="9144000" cy="276999"/>
+            <a:off x="3945" y="4857750"/>
+            <a:ext cx="9144000" cy="246221"/>
           </a:xfrm>
           <a:prstGeom prst="rect">
             <a:avLst/>
@@ -7467,16 +8554,16 @@
           <a:lstStyle/>
           <a:p>
             <a:r>
-              <a:rPr lang="en-US" sz="1200" dirty="0"/>
+              <a:rPr lang="en-US" sz="1000" dirty="0"/>
               <a:t>‡Web services </a:t>
             </a:r>
             <a:r>
-              <a:rPr lang="en-US" sz="1200" i="1" dirty="0"/>
+              <a:rPr lang="en-US" sz="1000" i="1" dirty="0"/>
               <a:t>usually</a:t>
             </a:r>
             <a:r>
-              <a:rPr lang="en-US" sz="1200" dirty="0"/>
-              <a:t> return JSON.</a:t>
+              <a:rPr lang="en-US" sz="1000" dirty="0"/>
+              <a:t> return JSON, other formats are possible.</a:t>
             </a:r>
           </a:p>
         </p:txBody>
@@ -7562,10 +8649,248 @@
       </p:grpSpPr>
       <p:sp>
         <p:nvSpPr>
-          <p:cNvPr id="59" name="Title 2">
-            <a:extLst>
-              <a:ext uri="{FF2B5EF4-FFF2-40B4-BE49-F238E27FC236}">
-                <a16:creationId xmlns:a16="http://schemas.microsoft.com/office/drawing/2014/main" id="{A757E34A-CC56-4B6D-9D09-9832621DD7F1}"/>
+          <p:cNvPr id="60" name="Rectangle 59">
+            <a:extLst>
+              <a:ext uri="{FF2B5EF4-FFF2-40B4-BE49-F238E27FC236}">
+                <a16:creationId xmlns:a16="http://schemas.microsoft.com/office/drawing/2014/main" id="{15E0F9AE-DB05-4814-B130-BE30540ED6E6}"/>
+              </a:ext>
+            </a:extLst>
+          </p:cNvPr>
+          <p:cNvSpPr/>
+          <p:nvPr/>
+        </p:nvSpPr>
+        <p:spPr>
+          <a:xfrm>
+            <a:off x="104118" y="2408932"/>
+            <a:ext cx="3239731" cy="1077218"/>
+          </a:xfrm>
+          <a:prstGeom prst="rect">
+            <a:avLst/>
+          </a:prstGeom>
+          <a:solidFill>
+            <a:srgbClr val="4BC4C2"/>
+          </a:solidFill>
+        </p:spPr>
+        <p:txBody>
+          <a:bodyPr wrap="square">
+            <a:spAutoFit/>
+          </a:bodyPr>
+          <a:lstStyle/>
+          <a:p>
+            <a:r>
+              <a:rPr lang="en-US" sz="1600" dirty="0">
+                <a:solidFill>
+                  <a:schemeClr val="bg1"/>
+                </a:solidFill>
+              </a:rPr>
+              <a:t>Provider: </a:t>
+            </a:r>
+            <a:r>
+              <a:rPr lang="en-US" sz="1400" b="1" dirty="0">
+                <a:solidFill>
+                  <a:srgbClr val="FFFF00"/>
+                </a:solidFill>
+              </a:rPr>
+              <a:t>dataservice.accuweather.com</a:t>
+            </a:r>
+            <a:endParaRPr lang="en-US" sz="1600" b="1" dirty="0">
+              <a:solidFill>
+                <a:srgbClr val="FFFF00"/>
+              </a:solidFill>
+            </a:endParaRPr>
+          </a:p>
+          <a:p>
+            <a:r>
+              <a:rPr lang="en-US" sz="1600" dirty="0">
+                <a:solidFill>
+                  <a:schemeClr val="bg1"/>
+                </a:solidFill>
+              </a:rPr>
+              <a:t>Method: </a:t>
+            </a:r>
+            <a:r>
+              <a:rPr lang="en-US" sz="1600" b="1" dirty="0">
+                <a:solidFill>
+                  <a:srgbClr val="FFFF00"/>
+                </a:solidFill>
+              </a:rPr>
+              <a:t>GET</a:t>
+            </a:r>
+          </a:p>
+          <a:p>
+            <a:r>
+              <a:rPr lang="en-US" sz="1600" dirty="0">
+                <a:solidFill>
+                  <a:schemeClr val="bg1"/>
+                </a:solidFill>
+              </a:rPr>
+              <a:t>Resource Name: </a:t>
+            </a:r>
+            <a:r>
+              <a:rPr lang="en-US" sz="1600" b="1" dirty="0" err="1">
+                <a:solidFill>
+                  <a:srgbClr val="FFFF00"/>
+                </a:solidFill>
+              </a:rPr>
+              <a:t>currentConditions</a:t>
+            </a:r>
+            <a:endParaRPr lang="en-US" sz="1600" b="1" dirty="0">
+              <a:solidFill>
+                <a:srgbClr val="FFFF00"/>
+              </a:solidFill>
+            </a:endParaRPr>
+          </a:p>
+          <a:p>
+            <a:r>
+              <a:rPr lang="en-US" sz="1600" dirty="0">
+                <a:solidFill>
+                  <a:schemeClr val="bg1"/>
+                </a:solidFill>
+              </a:rPr>
+              <a:t>Resource ID: </a:t>
+            </a:r>
+            <a:r>
+              <a:rPr lang="en-US" sz="1600" b="1" dirty="0">
+                <a:solidFill>
+                  <a:srgbClr val="FFFF00"/>
+                </a:solidFill>
+              </a:rPr>
+              <a:t>348707</a:t>
+            </a:r>
+            <a:r>
+              <a:rPr lang="en-US" sz="1600" dirty="0">
+                <a:solidFill>
+                  <a:schemeClr val="bg1"/>
+                </a:solidFill>
+              </a:rPr>
+              <a:t> (Baltimore)</a:t>
+            </a:r>
+            <a:endParaRPr lang="en-US" sz="1600" b="1" dirty="0">
+              <a:solidFill>
+                <a:schemeClr val="bg1"/>
+              </a:solidFill>
+            </a:endParaRPr>
+          </a:p>
+        </p:txBody>
+      </p:sp>
+      <p:sp>
+        <p:nvSpPr>
+          <p:cNvPr id="62" name="Rectangle 61">
+            <a:extLst>
+              <a:ext uri="{FF2B5EF4-FFF2-40B4-BE49-F238E27FC236}">
+                <a16:creationId xmlns:a16="http://schemas.microsoft.com/office/drawing/2014/main" id="{59F79E0D-7A39-42DE-92B2-261AD5A6A069}"/>
+              </a:ext>
+            </a:extLst>
+          </p:cNvPr>
+          <p:cNvSpPr/>
+          <p:nvPr/>
+        </p:nvSpPr>
+        <p:spPr>
+          <a:xfrm>
+            <a:off x="0" y="4580751"/>
+            <a:ext cx="9144000" cy="276999"/>
+          </a:xfrm>
+          <a:prstGeom prst="rect">
+            <a:avLst/>
+          </a:prstGeom>
+        </p:spPr>
+        <p:txBody>
+          <a:bodyPr wrap="square">
+            <a:spAutoFit/>
+          </a:bodyPr>
+          <a:lstStyle/>
+          <a:p>
+            <a:r>
+              <a:rPr lang="en-US" sz="1200" dirty="0"/>
+              <a:t>JSON = JavaScript Object Notation</a:t>
+            </a:r>
+          </a:p>
+        </p:txBody>
+      </p:sp>
+      <p:sp>
+        <p:nvSpPr>
+          <p:cNvPr id="66" name="Left Brace 65">
+            <a:extLst>
+              <a:ext uri="{FF2B5EF4-FFF2-40B4-BE49-F238E27FC236}">
+                <a16:creationId xmlns:a16="http://schemas.microsoft.com/office/drawing/2014/main" id="{4009E561-8246-4AB9-808E-AA5F826B1705}"/>
+              </a:ext>
+            </a:extLst>
+          </p:cNvPr>
+          <p:cNvSpPr/>
+          <p:nvPr/>
+        </p:nvSpPr>
+        <p:spPr>
+          <a:xfrm>
+            <a:off x="3369877" y="819150"/>
+            <a:ext cx="211523" cy="4253324"/>
+          </a:xfrm>
+          <a:prstGeom prst="leftBrace">
+            <a:avLst/>
+          </a:prstGeom>
+          <a:ln>
+            <a:solidFill>
+              <a:srgbClr val="4BC4C2"/>
+            </a:solidFill>
+          </a:ln>
+        </p:spPr>
+        <p:style>
+          <a:lnRef idx="2">
+            <a:schemeClr val="accent1"/>
+          </a:lnRef>
+          <a:fillRef idx="0">
+            <a:schemeClr val="accent1"/>
+          </a:fillRef>
+          <a:effectRef idx="1">
+            <a:schemeClr val="accent1"/>
+          </a:effectRef>
+          <a:fontRef idx="minor">
+            <a:schemeClr val="tx1"/>
+          </a:fontRef>
+        </p:style>
+        <p:txBody>
+          <a:bodyPr rtlCol="0" anchor="ctr"/>
+          <a:lstStyle/>
+          <a:p>
+            <a:pPr algn="ctr"/>
+            <a:endParaRPr lang="en-US"/>
+          </a:p>
+        </p:txBody>
+      </p:sp>
+      <p:pic>
+        <p:nvPicPr>
+          <p:cNvPr id="5" name="Picture 4">
+            <a:extLst>
+              <a:ext uri="{FF2B5EF4-FFF2-40B4-BE49-F238E27FC236}">
+                <a16:creationId xmlns:a16="http://schemas.microsoft.com/office/drawing/2014/main" id="{87693362-464B-455A-A6D6-71F90DFA784B}"/>
+              </a:ext>
+            </a:extLst>
+          </p:cNvPr>
+          <p:cNvPicPr>
+            <a:picLocks noChangeAspect="1"/>
+          </p:cNvPicPr>
+          <p:nvPr/>
+        </p:nvPicPr>
+        <p:blipFill rotWithShape="1">
+          <a:blip r:embed="rId2"/>
+          <a:srcRect t="637" b="631"/>
+          <a:stretch/>
+        </p:blipFill>
+        <p:spPr>
+          <a:xfrm>
+            <a:off x="3939982" y="1428749"/>
+            <a:ext cx="4869248" cy="3048001"/>
+          </a:xfrm>
+          <a:prstGeom prst="rect">
+            <a:avLst/>
+          </a:prstGeom>
+        </p:spPr>
+      </p:pic>
+      <p:sp>
+        <p:nvSpPr>
+          <p:cNvPr id="8" name="Title 2">
+            <a:extLst>
+              <a:ext uri="{FF2B5EF4-FFF2-40B4-BE49-F238E27FC236}">
+                <a16:creationId xmlns:a16="http://schemas.microsoft.com/office/drawing/2014/main" id="{85FC6661-1C37-406C-97BF-194847B274A6}"/>
               </a:ext>
             </a:extLst>
           </p:cNvPr>
@@ -7603,22 +8928,27 @@
           </a:lstStyle>
           <a:p>
             <a:r>
-              <a:rPr lang="en-US" sz="3200" dirty="0"/>
-              <a:t>Web Services Return JSON</a:t>
-            </a:r>
-            <a:r>
-              <a:rPr lang="en-US" sz="3200" baseline="30000" dirty="0"/>
+              <a:rPr lang="en-US" sz="2000" dirty="0"/>
+              <a:t>Web Service Endpoints Return JSON</a:t>
+            </a:r>
+            <a:r>
+              <a:rPr lang="en-US" sz="2000" baseline="30000" dirty="0"/>
               <a:t>‡</a:t>
             </a:r>
-          </a:p>
-        </p:txBody>
-      </p:sp>
-      <p:sp>
-        <p:nvSpPr>
-          <p:cNvPr id="60" name="Rectangle 59">
-            <a:extLst>
-              <a:ext uri="{FF2B5EF4-FFF2-40B4-BE49-F238E27FC236}">
-                <a16:creationId xmlns:a16="http://schemas.microsoft.com/office/drawing/2014/main" id="{15E0F9AE-DB05-4814-B130-BE30540ED6E6}"/>
+            <a:r>
+              <a:rPr lang="en-US" sz="2000" dirty="0"/>
+              <a:t> Responses</a:t>
+            </a:r>
+            <a:endParaRPr lang="en-US" sz="2000" baseline="30000" dirty="0"/>
+          </a:p>
+        </p:txBody>
+      </p:sp>
+      <p:sp>
+        <p:nvSpPr>
+          <p:cNvPr id="9" name="Rectangle 8">
+            <a:extLst>
+              <a:ext uri="{FF2B5EF4-FFF2-40B4-BE49-F238E27FC236}">
+                <a16:creationId xmlns:a16="http://schemas.microsoft.com/office/drawing/2014/main" id="{E27003B6-B599-4F43-ABE4-C4C8F07B9FE7}"/>
               </a:ext>
             </a:extLst>
           </p:cNvPr>
@@ -7627,15 +8957,12 @@
         </p:nvSpPr>
         <p:spPr>
           <a:xfrm>
-            <a:off x="104118" y="2528886"/>
-            <a:ext cx="3239731" cy="830997"/>
+            <a:off x="3945" y="4857750"/>
+            <a:ext cx="9144000" cy="246221"/>
           </a:xfrm>
           <a:prstGeom prst="rect">
             <a:avLst/>
           </a:prstGeom>
-          <a:solidFill>
-            <a:srgbClr val="4BC4C2"/>
-          </a:solidFill>
         </p:spPr>
         <p:txBody>
           <a:bodyPr wrap="square">
@@ -7644,238 +8971,20 @@
           <a:lstStyle/>
           <a:p>
             <a:r>
-              <a:rPr lang="en-US" sz="1600" dirty="0">
-                <a:solidFill>
-                  <a:schemeClr val="bg1"/>
-                </a:solidFill>
-              </a:rPr>
-              <a:t>Provider: </a:t>
-            </a:r>
-            <a:r>
-              <a:rPr lang="en-US" sz="1400" b="1" dirty="0">
-                <a:solidFill>
-                  <a:srgbClr val="FFFF00"/>
-                </a:solidFill>
-              </a:rPr>
-              <a:t>dataservice.accuweather.com</a:t>
-            </a:r>
-            <a:endParaRPr lang="en-US" sz="1600" b="1" dirty="0">
-              <a:solidFill>
-                <a:srgbClr val="FFFF00"/>
-              </a:solidFill>
-            </a:endParaRPr>
-          </a:p>
-          <a:p>
-            <a:r>
-              <a:rPr lang="en-US" sz="1600" dirty="0">
-                <a:solidFill>
-                  <a:schemeClr val="bg1"/>
-                </a:solidFill>
-              </a:rPr>
-              <a:t>Resource Name: </a:t>
-            </a:r>
-            <a:r>
-              <a:rPr lang="en-US" sz="1600" b="1" dirty="0" err="1">
-                <a:solidFill>
-                  <a:srgbClr val="FFFF00"/>
-                </a:solidFill>
-              </a:rPr>
-              <a:t>currentConditions</a:t>
-            </a:r>
-            <a:endParaRPr lang="en-US" sz="1600" b="1" dirty="0">
-              <a:solidFill>
-                <a:srgbClr val="FFFF00"/>
-              </a:solidFill>
-            </a:endParaRPr>
-          </a:p>
-          <a:p>
-            <a:r>
-              <a:rPr lang="en-US" sz="1600" dirty="0">
-                <a:solidFill>
-                  <a:schemeClr val="bg1"/>
-                </a:solidFill>
-              </a:rPr>
-              <a:t>Resource ID: </a:t>
-            </a:r>
-            <a:r>
-              <a:rPr lang="en-US" sz="1600" b="1" dirty="0">
-                <a:solidFill>
-                  <a:srgbClr val="FFFF00"/>
-                </a:solidFill>
-              </a:rPr>
-              <a:t>348707</a:t>
-            </a:r>
-            <a:r>
-              <a:rPr lang="en-US" sz="1600" dirty="0">
-                <a:solidFill>
-                  <a:schemeClr val="bg1"/>
-                </a:solidFill>
-              </a:rPr>
-              <a:t> (Baltimore)</a:t>
-            </a:r>
-            <a:endParaRPr lang="en-US" sz="1600" b="1" dirty="0">
-              <a:solidFill>
-                <a:schemeClr val="bg1"/>
-              </a:solidFill>
-            </a:endParaRPr>
-          </a:p>
-        </p:txBody>
-      </p:sp>
-      <p:sp>
-        <p:nvSpPr>
-          <p:cNvPr id="62" name="Rectangle 61">
-            <a:extLst>
-              <a:ext uri="{FF2B5EF4-FFF2-40B4-BE49-F238E27FC236}">
-                <a16:creationId xmlns:a16="http://schemas.microsoft.com/office/drawing/2014/main" id="{59F79E0D-7A39-42DE-92B2-261AD5A6A069}"/>
-              </a:ext>
-            </a:extLst>
-          </p:cNvPr>
-          <p:cNvSpPr/>
-          <p:nvPr/>
-        </p:nvSpPr>
-        <p:spPr>
-          <a:xfrm>
-            <a:off x="0" y="4580751"/>
-            <a:ext cx="9144000" cy="276999"/>
-          </a:xfrm>
-          <a:prstGeom prst="rect">
-            <a:avLst/>
-          </a:prstGeom>
-        </p:spPr>
-        <p:txBody>
-          <a:bodyPr wrap="square">
-            <a:spAutoFit/>
-          </a:bodyPr>
-          <a:lstStyle/>
-          <a:p>
-            <a:r>
-              <a:rPr lang="en-US" sz="1200" dirty="0"/>
-              <a:t>JSON = JavaScript Object Notation</a:t>
-            </a:r>
-          </a:p>
-        </p:txBody>
-      </p:sp>
-      <p:sp>
-        <p:nvSpPr>
-          <p:cNvPr id="63" name="Rectangle 62">
-            <a:extLst>
-              <a:ext uri="{FF2B5EF4-FFF2-40B4-BE49-F238E27FC236}">
-                <a16:creationId xmlns:a16="http://schemas.microsoft.com/office/drawing/2014/main" id="{8F8A6D31-832A-48B2-AAFC-1FBF17CD16FD}"/>
-              </a:ext>
-            </a:extLst>
-          </p:cNvPr>
-          <p:cNvSpPr/>
-          <p:nvPr/>
-        </p:nvSpPr>
-        <p:spPr>
-          <a:xfrm>
-            <a:off x="3945" y="4866501"/>
-            <a:ext cx="9144000" cy="276999"/>
-          </a:xfrm>
-          <a:prstGeom prst="rect">
-            <a:avLst/>
-          </a:prstGeom>
-        </p:spPr>
-        <p:txBody>
-          <a:bodyPr wrap="square">
-            <a:spAutoFit/>
-          </a:bodyPr>
-          <a:lstStyle/>
-          <a:p>
-            <a:r>
-              <a:rPr lang="en-US" sz="1200" dirty="0"/>
+              <a:rPr lang="en-US" sz="1000" dirty="0"/>
               <a:t>‡Web services </a:t>
             </a:r>
             <a:r>
-              <a:rPr lang="en-US" sz="1200" i="1" dirty="0"/>
+              <a:rPr lang="en-US" sz="1000" i="1" dirty="0"/>
               <a:t>usually</a:t>
             </a:r>
             <a:r>
-              <a:rPr lang="en-US" sz="1200" dirty="0"/>
-              <a:t> return JSON.</a:t>
-            </a:r>
-          </a:p>
-        </p:txBody>
-      </p:sp>
-      <p:sp>
-        <p:nvSpPr>
-          <p:cNvPr id="66" name="Left Brace 65">
-            <a:extLst>
-              <a:ext uri="{FF2B5EF4-FFF2-40B4-BE49-F238E27FC236}">
-                <a16:creationId xmlns:a16="http://schemas.microsoft.com/office/drawing/2014/main" id="{4009E561-8246-4AB9-808E-AA5F826B1705}"/>
-              </a:ext>
-            </a:extLst>
-          </p:cNvPr>
-          <p:cNvSpPr/>
-          <p:nvPr/>
-        </p:nvSpPr>
-        <p:spPr>
-          <a:xfrm>
-            <a:off x="3369877" y="819150"/>
-            <a:ext cx="211523" cy="4253324"/>
-          </a:xfrm>
-          <a:prstGeom prst="leftBrace">
-            <a:avLst/>
-          </a:prstGeom>
-          <a:ln>
-            <a:solidFill>
-              <a:srgbClr val="4BC4C2"/>
-            </a:solidFill>
-          </a:ln>
-        </p:spPr>
-        <p:style>
-          <a:lnRef idx="2">
-            <a:schemeClr val="accent1"/>
-          </a:lnRef>
-          <a:fillRef idx="0">
-            <a:schemeClr val="accent1"/>
-          </a:fillRef>
-          <a:effectRef idx="1">
-            <a:schemeClr val="accent1"/>
-          </a:effectRef>
-          <a:fontRef idx="minor">
-            <a:schemeClr val="tx1"/>
-          </a:fontRef>
-        </p:style>
-        <p:txBody>
-          <a:bodyPr rtlCol="0" anchor="ctr"/>
-          <a:lstStyle/>
-          <a:p>
-            <a:pPr algn="ctr"/>
-            <a:endParaRPr lang="en-US"/>
-          </a:p>
-        </p:txBody>
-      </p:sp>
-      <p:pic>
-        <p:nvPicPr>
-          <p:cNvPr id="5" name="Picture 4">
-            <a:extLst>
-              <a:ext uri="{FF2B5EF4-FFF2-40B4-BE49-F238E27FC236}">
-                <a16:creationId xmlns:a16="http://schemas.microsoft.com/office/drawing/2014/main" id="{87693362-464B-455A-A6D6-71F90DFA784B}"/>
-              </a:ext>
-            </a:extLst>
-          </p:cNvPr>
-          <p:cNvPicPr>
-            <a:picLocks noChangeAspect="1"/>
-          </p:cNvPicPr>
-          <p:nvPr/>
-        </p:nvPicPr>
-        <p:blipFill>
-          <a:blip r:embed="rId2"/>
-          <a:stretch>
-            <a:fillRect/>
-          </a:stretch>
-        </p:blipFill>
-        <p:spPr>
-          <a:xfrm>
-            <a:off x="3939982" y="1409205"/>
-            <a:ext cx="4869248" cy="3073214"/>
-          </a:xfrm>
-          <a:prstGeom prst="rect">
-            <a:avLst/>
-          </a:prstGeom>
-        </p:spPr>
-      </p:pic>
+              <a:rPr lang="en-US" sz="1000" dirty="0"/>
+              <a:t> return JSON, other formats are possible.</a:t>
+            </a:r>
+          </a:p>
+        </p:txBody>
+      </p:sp>
     </p:spTree>
     <p:extLst>
       <p:ext uri="{BB962C8B-B14F-4D97-AF65-F5344CB8AC3E}">
@@ -7908,10 +9017,328 @@
       </p:grpSpPr>
       <p:sp>
         <p:nvSpPr>
-          <p:cNvPr id="59" name="Title 2">
-            <a:extLst>
-              <a:ext uri="{FF2B5EF4-FFF2-40B4-BE49-F238E27FC236}">
-                <a16:creationId xmlns:a16="http://schemas.microsoft.com/office/drawing/2014/main" id="{A757E34A-CC56-4B6D-9D09-9832621DD7F1}"/>
+          <p:cNvPr id="60" name="Rectangle 59">
+            <a:extLst>
+              <a:ext uri="{FF2B5EF4-FFF2-40B4-BE49-F238E27FC236}">
+                <a16:creationId xmlns:a16="http://schemas.microsoft.com/office/drawing/2014/main" id="{15E0F9AE-DB05-4814-B130-BE30540ED6E6}"/>
+              </a:ext>
+            </a:extLst>
+          </p:cNvPr>
+          <p:cNvSpPr/>
+          <p:nvPr/>
+        </p:nvSpPr>
+        <p:spPr>
+          <a:xfrm>
+            <a:off x="104118" y="2419350"/>
+            <a:ext cx="3239731" cy="1077218"/>
+          </a:xfrm>
+          <a:prstGeom prst="rect">
+            <a:avLst/>
+          </a:prstGeom>
+          <a:solidFill>
+            <a:srgbClr val="4BC4C2"/>
+          </a:solidFill>
+        </p:spPr>
+        <p:txBody>
+          <a:bodyPr wrap="square">
+            <a:spAutoFit/>
+          </a:bodyPr>
+          <a:lstStyle/>
+          <a:p>
+            <a:r>
+              <a:rPr lang="en-US" sz="1600" dirty="0">
+                <a:solidFill>
+                  <a:schemeClr val="bg1"/>
+                </a:solidFill>
+              </a:rPr>
+              <a:t>Provider: </a:t>
+            </a:r>
+            <a:r>
+              <a:rPr lang="en-US" sz="1600" b="1" dirty="0">
+                <a:solidFill>
+                  <a:srgbClr val="FFFF00"/>
+                </a:solidFill>
+              </a:rPr>
+              <a:t>rest.ensembl.org</a:t>
+            </a:r>
+          </a:p>
+          <a:p>
+            <a:r>
+              <a:rPr lang="en-US" sz="1600" dirty="0">
+                <a:solidFill>
+                  <a:schemeClr val="bg1"/>
+                </a:solidFill>
+              </a:rPr>
+              <a:t>Method: </a:t>
+            </a:r>
+            <a:r>
+              <a:rPr lang="en-US" sz="1600" b="1" dirty="0">
+                <a:solidFill>
+                  <a:srgbClr val="FFFF00"/>
+                </a:solidFill>
+              </a:rPr>
+              <a:t>GET</a:t>
+            </a:r>
+          </a:p>
+          <a:p>
+            <a:r>
+              <a:rPr lang="en-US" sz="1600" dirty="0">
+                <a:solidFill>
+                  <a:schemeClr val="bg1"/>
+                </a:solidFill>
+              </a:rPr>
+              <a:t>Resource Name: </a:t>
+            </a:r>
+            <a:r>
+              <a:rPr lang="en-US" sz="1600" b="1" dirty="0" err="1">
+                <a:solidFill>
+                  <a:srgbClr val="FFFF00"/>
+                </a:solidFill>
+              </a:rPr>
+              <a:t>vep</a:t>
+            </a:r>
+            <a:r>
+              <a:rPr lang="en-US" sz="1600" b="1" dirty="0">
+                <a:solidFill>
+                  <a:srgbClr val="FFFF00"/>
+                </a:solidFill>
+              </a:rPr>
+              <a:t>/human/</a:t>
+            </a:r>
+            <a:r>
+              <a:rPr lang="en-US" sz="1600" b="1" dirty="0" err="1">
+                <a:solidFill>
+                  <a:srgbClr val="FFFF00"/>
+                </a:solidFill>
+              </a:rPr>
+              <a:t>hgvs</a:t>
+            </a:r>
+            <a:endParaRPr lang="en-US" sz="1600" b="1" dirty="0">
+              <a:solidFill>
+                <a:srgbClr val="FFFF00"/>
+              </a:solidFill>
+            </a:endParaRPr>
+          </a:p>
+          <a:p>
+            <a:r>
+              <a:rPr lang="en-US" sz="1600" dirty="0">
+                <a:solidFill>
+                  <a:schemeClr val="bg1"/>
+                </a:solidFill>
+              </a:rPr>
+              <a:t>Resource ID: </a:t>
+            </a:r>
+            <a:r>
+              <a:rPr lang="en-US" sz="1600" b="1" dirty="0">
+                <a:solidFill>
+                  <a:srgbClr val="FFFF00"/>
+                </a:solidFill>
+              </a:rPr>
+              <a:t>BRAF:c.1799T&gt;A</a:t>
+            </a:r>
+          </a:p>
+        </p:txBody>
+      </p:sp>
+      <p:sp>
+        <p:nvSpPr>
+          <p:cNvPr id="62" name="Rectangle 61">
+            <a:extLst>
+              <a:ext uri="{FF2B5EF4-FFF2-40B4-BE49-F238E27FC236}">
+                <a16:creationId xmlns:a16="http://schemas.microsoft.com/office/drawing/2014/main" id="{59F79E0D-7A39-42DE-92B2-261AD5A6A069}"/>
+              </a:ext>
+            </a:extLst>
+          </p:cNvPr>
+          <p:cNvSpPr/>
+          <p:nvPr/>
+        </p:nvSpPr>
+        <p:spPr>
+          <a:xfrm>
+            <a:off x="0" y="4580751"/>
+            <a:ext cx="9144000" cy="276999"/>
+          </a:xfrm>
+          <a:prstGeom prst="rect">
+            <a:avLst/>
+          </a:prstGeom>
+        </p:spPr>
+        <p:txBody>
+          <a:bodyPr wrap="square">
+            <a:spAutoFit/>
+          </a:bodyPr>
+          <a:lstStyle/>
+          <a:p>
+            <a:r>
+              <a:rPr lang="en-US" sz="1200" dirty="0"/>
+              <a:t>JSON = JavaScript Object Notation</a:t>
+            </a:r>
+          </a:p>
+        </p:txBody>
+      </p:sp>
+      <p:sp>
+        <p:nvSpPr>
+          <p:cNvPr id="66" name="Left Brace 65">
+            <a:extLst>
+              <a:ext uri="{FF2B5EF4-FFF2-40B4-BE49-F238E27FC236}">
+                <a16:creationId xmlns:a16="http://schemas.microsoft.com/office/drawing/2014/main" id="{4009E561-8246-4AB9-808E-AA5F826B1705}"/>
+              </a:ext>
+            </a:extLst>
+          </p:cNvPr>
+          <p:cNvSpPr/>
+          <p:nvPr/>
+        </p:nvSpPr>
+        <p:spPr>
+          <a:xfrm>
+            <a:off x="3369877" y="819150"/>
+            <a:ext cx="211523" cy="4253324"/>
+          </a:xfrm>
+          <a:prstGeom prst="leftBrace">
+            <a:avLst/>
+          </a:prstGeom>
+          <a:ln>
+            <a:solidFill>
+              <a:srgbClr val="4BC4C2"/>
+            </a:solidFill>
+          </a:ln>
+        </p:spPr>
+        <p:style>
+          <a:lnRef idx="2">
+            <a:schemeClr val="accent1"/>
+          </a:lnRef>
+          <a:fillRef idx="0">
+            <a:schemeClr val="accent1"/>
+          </a:fillRef>
+          <a:effectRef idx="1">
+            <a:schemeClr val="accent1"/>
+          </a:effectRef>
+          <a:fontRef idx="minor">
+            <a:schemeClr val="tx1"/>
+          </a:fontRef>
+        </p:style>
+        <p:txBody>
+          <a:bodyPr rtlCol="0" anchor="ctr"/>
+          <a:lstStyle/>
+          <a:p>
+            <a:pPr algn="ctr"/>
+            <a:endParaRPr lang="en-US"/>
+          </a:p>
+        </p:txBody>
+      </p:sp>
+      <p:pic>
+        <p:nvPicPr>
+          <p:cNvPr id="2" name="Picture 1">
+            <a:extLst>
+              <a:ext uri="{FF2B5EF4-FFF2-40B4-BE49-F238E27FC236}">
+                <a16:creationId xmlns:a16="http://schemas.microsoft.com/office/drawing/2014/main" id="{1F1F97AE-B7BA-47DA-AAD9-C30FFDE0F2A4}"/>
+              </a:ext>
+            </a:extLst>
+          </p:cNvPr>
+          <p:cNvPicPr>
+            <a:picLocks noChangeAspect="1"/>
+          </p:cNvPicPr>
+          <p:nvPr/>
+        </p:nvPicPr>
+        <p:blipFill rotWithShape="1">
+          <a:blip r:embed="rId2"/>
+          <a:srcRect t="1482" b="70370"/>
+          <a:stretch/>
+        </p:blipFill>
+        <p:spPr>
+          <a:xfrm>
+            <a:off x="3619334" y="862014"/>
+            <a:ext cx="5476994" cy="1447800"/>
+          </a:xfrm>
+          <a:prstGeom prst="rect">
+            <a:avLst/>
+          </a:prstGeom>
+        </p:spPr>
+      </p:pic>
+      <p:pic>
+        <p:nvPicPr>
+          <p:cNvPr id="3" name="Picture 2">
+            <a:extLst>
+              <a:ext uri="{FF2B5EF4-FFF2-40B4-BE49-F238E27FC236}">
+                <a16:creationId xmlns:a16="http://schemas.microsoft.com/office/drawing/2014/main" id="{CDC1A6EC-DFF6-46CA-B429-D5343AAFD68C}"/>
+              </a:ext>
+            </a:extLst>
+          </p:cNvPr>
+          <p:cNvPicPr>
+            <a:picLocks noChangeAspect="1"/>
+          </p:cNvPicPr>
+          <p:nvPr/>
+        </p:nvPicPr>
+        <p:blipFill rotWithShape="1">
+          <a:blip r:embed="rId3"/>
+          <a:srcRect t="12963" b="33742"/>
+          <a:stretch/>
+        </p:blipFill>
+        <p:spPr>
+          <a:xfrm>
+            <a:off x="3619334" y="2283622"/>
+            <a:ext cx="5476994" cy="2741228"/>
+          </a:xfrm>
+          <a:prstGeom prst="rect">
+            <a:avLst/>
+          </a:prstGeom>
+        </p:spPr>
+      </p:pic>
+      <p:sp>
+        <p:nvSpPr>
+          <p:cNvPr id="5" name="Rectangle 4">
+            <a:extLst>
+              <a:ext uri="{FF2B5EF4-FFF2-40B4-BE49-F238E27FC236}">
+                <a16:creationId xmlns:a16="http://schemas.microsoft.com/office/drawing/2014/main" id="{22FA1004-0098-4C47-B7C1-6D275AB6BDF1}"/>
+              </a:ext>
+            </a:extLst>
+          </p:cNvPr>
+          <p:cNvSpPr/>
+          <p:nvPr/>
+        </p:nvSpPr>
+        <p:spPr>
+          <a:xfrm>
+            <a:off x="8948736" y="1319214"/>
+            <a:ext cx="104728" cy="3796124"/>
+          </a:xfrm>
+          <a:prstGeom prst="rect">
+            <a:avLst/>
+          </a:prstGeom>
+          <a:solidFill>
+            <a:schemeClr val="bg1"/>
+          </a:solidFill>
+          <a:ln>
+            <a:solidFill>
+              <a:schemeClr val="bg1"/>
+            </a:solidFill>
+          </a:ln>
+          <a:effectLst/>
+        </p:spPr>
+        <p:style>
+          <a:lnRef idx="1">
+            <a:schemeClr val="accent1"/>
+          </a:lnRef>
+          <a:fillRef idx="3">
+            <a:schemeClr val="accent1"/>
+          </a:fillRef>
+          <a:effectRef idx="2">
+            <a:schemeClr val="accent1"/>
+          </a:effectRef>
+          <a:fontRef idx="minor">
+            <a:schemeClr val="lt1"/>
+          </a:fontRef>
+        </p:style>
+        <p:txBody>
+          <a:bodyPr rtlCol="0" anchor="ctr"/>
+          <a:lstStyle/>
+          <a:p>
+            <a:pPr algn="ctr"/>
+            <a:endParaRPr lang="en-US"/>
+          </a:p>
+        </p:txBody>
+      </p:sp>
+      <p:sp>
+        <p:nvSpPr>
+          <p:cNvPr id="10" name="Title 2">
+            <a:extLst>
+              <a:ext uri="{FF2B5EF4-FFF2-40B4-BE49-F238E27FC236}">
+                <a16:creationId xmlns:a16="http://schemas.microsoft.com/office/drawing/2014/main" id="{C9B804B7-31C3-4102-83B3-B04B0C1B2C3E}"/>
               </a:ext>
             </a:extLst>
           </p:cNvPr>
@@ -7949,22 +9376,27 @@
           </a:lstStyle>
           <a:p>
             <a:r>
-              <a:rPr lang="en-US" sz="3200" dirty="0"/>
-              <a:t>Web Services Return JSON</a:t>
-            </a:r>
-            <a:r>
-              <a:rPr lang="en-US" sz="3200" baseline="30000" dirty="0"/>
+              <a:rPr lang="en-US" sz="2000" dirty="0"/>
+              <a:t>Web Service Endpoints Return JSON</a:t>
+            </a:r>
+            <a:r>
+              <a:rPr lang="en-US" sz="2000" baseline="30000" dirty="0"/>
               <a:t>‡</a:t>
             </a:r>
-          </a:p>
-        </p:txBody>
-      </p:sp>
-      <p:sp>
-        <p:nvSpPr>
-          <p:cNvPr id="60" name="Rectangle 59">
-            <a:extLst>
-              <a:ext uri="{FF2B5EF4-FFF2-40B4-BE49-F238E27FC236}">
-                <a16:creationId xmlns:a16="http://schemas.microsoft.com/office/drawing/2014/main" id="{15E0F9AE-DB05-4814-B130-BE30540ED6E6}"/>
+            <a:r>
+              <a:rPr lang="en-US" sz="2000" dirty="0"/>
+              <a:t> Responses</a:t>
+            </a:r>
+            <a:endParaRPr lang="en-US" sz="2000" baseline="30000" dirty="0"/>
+          </a:p>
+        </p:txBody>
+      </p:sp>
+      <p:sp>
+        <p:nvSpPr>
+          <p:cNvPr id="11" name="Rectangle 10">
+            <a:extLst>
+              <a:ext uri="{FF2B5EF4-FFF2-40B4-BE49-F238E27FC236}">
+                <a16:creationId xmlns:a16="http://schemas.microsoft.com/office/drawing/2014/main" id="{9C4F7EC1-80DA-4889-BA37-98BEFE5EB26A}"/>
               </a:ext>
             </a:extLst>
           </p:cNvPr>
@@ -7973,15 +9405,12 @@
         </p:nvSpPr>
         <p:spPr>
           <a:xfrm>
-            <a:off x="104118" y="2536089"/>
-            <a:ext cx="3239731" cy="830997"/>
+            <a:off x="3945" y="4857750"/>
+            <a:ext cx="9144000" cy="246221"/>
           </a:xfrm>
           <a:prstGeom prst="rect">
             <a:avLst/>
           </a:prstGeom>
-          <a:solidFill>
-            <a:srgbClr val="4BC4C2"/>
-          </a:solidFill>
         </p:spPr>
         <p:txBody>
           <a:bodyPr wrap="square">
@@ -7990,95 +9419,374 @@
           <a:lstStyle/>
           <a:p>
             <a:r>
-              <a:rPr lang="en-US" sz="1600" dirty="0">
+              <a:rPr lang="en-US" sz="1000" dirty="0"/>
+              <a:t>‡Web services </a:t>
+            </a:r>
+            <a:r>
+              <a:rPr lang="en-US" sz="1000" i="1" dirty="0"/>
+              <a:t>usually</a:t>
+            </a:r>
+            <a:r>
+              <a:rPr lang="en-US" sz="1000" dirty="0"/>
+              <a:t> return JSON, other formats are possible.</a:t>
+            </a:r>
+          </a:p>
+        </p:txBody>
+      </p:sp>
+    </p:spTree>
+    <p:extLst>
+      <p:ext uri="{BB962C8B-B14F-4D97-AF65-F5344CB8AC3E}">
+        <p14:creationId xmlns:p14="http://schemas.microsoft.com/office/powerpoint/2010/main" val="355988670"/>
+      </p:ext>
+    </p:extLst>
+  </p:cSld>
+  <p:clrMapOvr>
+    <a:masterClrMapping/>
+  </p:clrMapOvr>
+</p:sld>
+</file>
+
+<file path=ppt/slides/slide26.xml><?xml version="1.0" encoding="utf-8"?>
+<p:sld xmlns:a="http://schemas.openxmlformats.org/drawingml/2006/main" xmlns:r="http://schemas.openxmlformats.org/officeDocument/2006/relationships" xmlns:p="http://schemas.openxmlformats.org/presentationml/2006/main">
+  <p:cSld>
+    <p:spTree>
+      <p:nvGrpSpPr>
+        <p:cNvPr id="1" name=""/>
+        <p:cNvGrpSpPr/>
+        <p:nvPr/>
+      </p:nvGrpSpPr>
+      <p:grpSpPr>
+        <a:xfrm>
+          <a:off x="0" y="0"/>
+          <a:ext cx="0" cy="0"/>
+          <a:chOff x="0" y="0"/>
+          <a:chExt cx="0" cy="0"/>
+        </a:xfrm>
+      </p:grpSpPr>
+      <p:pic>
+        <p:nvPicPr>
+          <p:cNvPr id="12" name="Picture 11">
+            <a:extLst>
+              <a:ext uri="{FF2B5EF4-FFF2-40B4-BE49-F238E27FC236}">
+                <a16:creationId xmlns:a16="http://schemas.microsoft.com/office/drawing/2014/main" id="{9E1B1185-9E24-479C-A1E2-E8D3C03F61C0}"/>
+              </a:ext>
+            </a:extLst>
+          </p:cNvPr>
+          <p:cNvPicPr>
+            <a:picLocks noChangeAspect="1"/>
+          </p:cNvPicPr>
+          <p:nvPr/>
+        </p:nvPicPr>
+        <p:blipFill>
+          <a:blip r:embed="rId3"/>
+          <a:stretch>
+            <a:fillRect/>
+          </a:stretch>
+        </p:blipFill>
+        <p:spPr>
+          <a:xfrm>
+            <a:off x="173584" y="1921510"/>
+            <a:ext cx="2904896" cy="1685828"/>
+          </a:xfrm>
+          <a:prstGeom prst="rect">
+            <a:avLst/>
+          </a:prstGeom>
+        </p:spPr>
+      </p:pic>
+      <p:sp>
+        <p:nvSpPr>
+          <p:cNvPr id="2" name="Content Placeholder 1"/>
+          <p:cNvSpPr>
+            <a:spLocks noGrp="1"/>
+          </p:cNvSpPr>
+          <p:nvPr>
+            <p:ph idx="1"/>
+          </p:nvPr>
+        </p:nvSpPr>
+        <p:spPr>
+          <a:xfrm>
+            <a:off x="3352800" y="1821458"/>
+            <a:ext cx="5638800" cy="2655292"/>
+          </a:xfrm>
+          <a:ln>
+            <a:solidFill>
+              <a:schemeClr val="accent1"/>
+            </a:solidFill>
+          </a:ln>
+        </p:spPr>
+        <p:txBody>
+          <a:bodyPr>
+            <a:normAutofit/>
+          </a:bodyPr>
+          <a:lstStyle/>
+          <a:p>
+            <a:pPr marL="0" indent="0">
+              <a:buNone/>
+            </a:pPr>
+            <a:r>
+              <a:rPr lang="en-US" sz="1400" b="1" dirty="0">
                 <a:solidFill>
-                  <a:schemeClr val="bg1"/>
+                  <a:srgbClr val="FF0000"/>
                 </a:solidFill>
+                <a:latin typeface="Courier New" panose="02070309020205020404" pitchFamily="49" charset="0"/>
+                <a:cs typeface="Courier New" panose="02070309020205020404" pitchFamily="49" charset="0"/>
               </a:rPr>
-              <a:t>Provider: </a:t>
-            </a:r>
-            <a:r>
-              <a:rPr lang="en-US" sz="1600" b="1" dirty="0">
+              <a:t>PUT</a:t>
+            </a:r>
+            <a:r>
+              <a:rPr lang="en-US" sz="1400" dirty="0">
+                <a:latin typeface="Courier New" panose="02070309020205020404" pitchFamily="49" charset="0"/>
+                <a:cs typeface="Courier New" panose="02070309020205020404" pitchFamily="49" charset="0"/>
+              </a:rPr>
+              <a:t> /hladpb1/resources/</a:t>
+            </a:r>
+            <a:r>
+              <a:rPr lang="en-US" sz="1400" b="1" dirty="0">
                 <a:solidFill>
-                  <a:srgbClr val="FFFF00"/>
+                  <a:srgbClr val="FF0000"/>
                 </a:solidFill>
+                <a:latin typeface="Courier New" panose="02070309020205020404" pitchFamily="49" charset="0"/>
+                <a:cs typeface="Courier New" panose="02070309020205020404" pitchFamily="49" charset="0"/>
               </a:rPr>
-              <a:t>rest.ensembl.org</a:t>
-            </a:r>
-          </a:p>
-          <a:p>
-            <a:r>
-              <a:rPr lang="en-US" sz="1600" dirty="0">
-                <a:solidFill>
-                  <a:schemeClr val="bg1"/>
-                </a:solidFill>
-              </a:rPr>
-              <a:t>Resource Name: </a:t>
-            </a:r>
-            <a:r>
-              <a:rPr lang="en-US" sz="1600" b="1" dirty="0">
-                <a:solidFill>
-                  <a:srgbClr val="FFFF00"/>
-                </a:solidFill>
+              <a:t>alleles</a:t>
+            </a:r>
+            <a:r>
+              <a:rPr lang="en-US" sz="1400" dirty="0">
+                <a:latin typeface="Courier New" panose="02070309020205020404" pitchFamily="49" charset="0"/>
+                <a:cs typeface="Courier New" panose="02070309020205020404" pitchFamily="49" charset="0"/>
               </a:rPr>
               <a:t>/</a:t>
             </a:r>
             <a:r>
-              <a:rPr lang="en-US" sz="1600" b="1" dirty="0" err="1">
+              <a:rPr lang="en-US" sz="1400" b="1" dirty="0">
                 <a:solidFill>
-                  <a:srgbClr val="FFFF00"/>
+                  <a:srgbClr val="FF0000"/>
                 </a:solidFill>
+                <a:latin typeface="Courier New" panose="02070309020205020404" pitchFamily="49" charset="0"/>
+                <a:cs typeface="Courier New" panose="02070309020205020404" pitchFamily="49" charset="0"/>
               </a:rPr>
-              <a:t>vep</a:t>
-            </a:r>
-            <a:r>
-              <a:rPr lang="en-US" sz="1600" b="1" dirty="0">
+              <a:t>HLA-DPB1*01:01:01:01</a:t>
+            </a:r>
+          </a:p>
+          <a:p>
+            <a:pPr marL="0" indent="0">
+              <a:buNone/>
+            </a:pPr>
+            <a:r>
+              <a:rPr lang="en-US" sz="1400" dirty="0">
+                <a:latin typeface="Courier New" panose="02070309020205020404" pitchFamily="49" charset="0"/>
+                <a:cs typeface="Courier New" panose="02070309020205020404" pitchFamily="49" charset="0"/>
+              </a:rPr>
+              <a:t>Host: rest.hlatools.org</a:t>
+            </a:r>
+          </a:p>
+          <a:p>
+            <a:pPr marL="0" indent="0">
+              <a:buNone/>
+            </a:pPr>
+            <a:endParaRPr lang="en-US" sz="1400" dirty="0">
+              <a:latin typeface="Courier New" panose="02070309020205020404" pitchFamily="49" charset="0"/>
+              <a:cs typeface="Courier New" panose="02070309020205020404" pitchFamily="49" charset="0"/>
+            </a:endParaRPr>
+          </a:p>
+          <a:p>
+            <a:pPr marL="0" indent="0">
+              <a:buNone/>
+            </a:pPr>
+            <a:r>
+              <a:rPr lang="en-US" sz="1400" dirty="0">
+                <a:latin typeface="Courier New" panose="02070309020205020404" pitchFamily="49" charset="0"/>
+                <a:cs typeface="Courier New" panose="02070309020205020404" pitchFamily="49" charset="0"/>
+              </a:rPr>
+              <a:t>{</a:t>
+            </a:r>
+          </a:p>
+          <a:p>
+            <a:pPr marL="0" indent="0">
+              <a:buNone/>
+            </a:pPr>
+            <a:r>
+              <a:rPr lang="en-US" sz="1400" dirty="0">
+                <a:latin typeface="Courier New" panose="02070309020205020404" pitchFamily="49" charset="0"/>
+                <a:cs typeface="Courier New" panose="02070309020205020404" pitchFamily="49" charset="0"/>
+              </a:rPr>
+              <a:t>    </a:t>
+            </a:r>
+            <a:r>
+              <a:rPr lang="en-US" sz="1400" dirty="0" err="1">
+                <a:latin typeface="Courier New" panose="02070309020205020404" pitchFamily="49" charset="0"/>
+                <a:cs typeface="Courier New" panose="02070309020205020404" pitchFamily="49" charset="0"/>
+              </a:rPr>
+              <a:t>alleleName</a:t>
+            </a:r>
+            <a:r>
+              <a:rPr lang="en-US" sz="1400" dirty="0">
+                <a:latin typeface="Courier New" panose="02070309020205020404" pitchFamily="49" charset="0"/>
+                <a:cs typeface="Courier New" panose="02070309020205020404" pitchFamily="49" charset="0"/>
+              </a:rPr>
+              <a:t>: "HLA-DPB1*01:01:01:01",</a:t>
+            </a:r>
+          </a:p>
+          <a:p>
+            <a:pPr marL="0" indent="0">
+              <a:buNone/>
+            </a:pPr>
+            <a:r>
+              <a:rPr lang="en-US" sz="1400" dirty="0">
+                <a:latin typeface="Courier New" panose="02070309020205020404" pitchFamily="49" charset="0"/>
+                <a:cs typeface="Courier New" panose="02070309020205020404" pitchFamily="49" charset="0"/>
+              </a:rPr>
+              <a:t>    </a:t>
+            </a:r>
+            <a:r>
+              <a:rPr lang="en-US" sz="1400" dirty="0" err="1">
+                <a:latin typeface="Courier New" panose="02070309020205020404" pitchFamily="49" charset="0"/>
+                <a:cs typeface="Courier New" panose="02070309020205020404" pitchFamily="49" charset="0"/>
+              </a:rPr>
+              <a:t>donorTypeForCompat:false</a:t>
+            </a:r>
+            <a:r>
+              <a:rPr lang="en-US" sz="1400" dirty="0">
+                <a:latin typeface="Courier New" panose="02070309020205020404" pitchFamily="49" charset="0"/>
+                <a:cs typeface="Courier New" panose="02070309020205020404" pitchFamily="49" charset="0"/>
+              </a:rPr>
+              <a:t>,</a:t>
+            </a:r>
+          </a:p>
+          <a:p>
+            <a:pPr marL="0" indent="0">
+              <a:buNone/>
+            </a:pPr>
+            <a:r>
+              <a:rPr lang="en-US" sz="1400" b="1" dirty="0">
                 <a:solidFill>
-                  <a:srgbClr val="FFFF00"/>
+                  <a:srgbClr val="FF0000"/>
                 </a:solidFill>
+                <a:latin typeface="Courier New" panose="02070309020205020404" pitchFamily="49" charset="0"/>
+                <a:cs typeface="Courier New" panose="02070309020205020404" pitchFamily="49" charset="0"/>
               </a:rPr>
-              <a:t>/human/</a:t>
-            </a:r>
-            <a:r>
-              <a:rPr lang="en-US" sz="1600" b="1" dirty="0" err="1">
+              <a:t>    </a:t>
+            </a:r>
+            <a:r>
+              <a:rPr lang="en-US" sz="1400" b="1" dirty="0" err="1">
                 <a:solidFill>
-                  <a:srgbClr val="FFFF00"/>
+                  <a:srgbClr val="FF0000"/>
                 </a:solidFill>
+                <a:latin typeface="Courier New" panose="02070309020205020404" pitchFamily="49" charset="0"/>
+                <a:cs typeface="Courier New" panose="02070309020205020404" pitchFamily="49" charset="0"/>
               </a:rPr>
-              <a:t>hgvs</a:t>
-            </a:r>
-            <a:endParaRPr lang="en-US" sz="1600" b="1" dirty="0">
-              <a:solidFill>
-                <a:srgbClr val="FFFF00"/>
-              </a:solidFill>
-            </a:endParaRPr>
-          </a:p>
-          <a:p>
-            <a:r>
-              <a:rPr lang="en-US" sz="1600" dirty="0">
-                <a:solidFill>
-                  <a:schemeClr val="bg1"/>
-                </a:solidFill>
+              <a:t>recipientTypeForCompat:true</a:t>
+            </a:r>
+            <a:r>
+              <a:rPr lang="en-US" sz="1400" dirty="0">
+                <a:latin typeface="Courier New" panose="02070309020205020404" pitchFamily="49" charset="0"/>
+                <a:cs typeface="Courier New" panose="02070309020205020404" pitchFamily="49" charset="0"/>
               </a:rPr>
-              <a:t>Resource ID: </a:t>
-            </a:r>
-            <a:r>
-              <a:rPr lang="en-US" sz="1600" b="1" dirty="0">
-                <a:solidFill>
-                  <a:srgbClr val="FFFF00"/>
-                </a:solidFill>
+              <a:t>,</a:t>
+            </a:r>
+          </a:p>
+          <a:p>
+            <a:pPr marL="0" indent="0">
+              <a:buNone/>
+            </a:pPr>
+            <a:r>
+              <a:rPr lang="en-US" sz="1400" dirty="0">
+                <a:latin typeface="Courier New" panose="02070309020205020404" pitchFamily="49" charset="0"/>
+                <a:cs typeface="Courier New" panose="02070309020205020404" pitchFamily="49" charset="0"/>
               </a:rPr>
-              <a:t>BRAF:c.1799T&gt;A</a:t>
-            </a:r>
-          </a:p>
-        </p:txBody>
-      </p:sp>
-      <p:sp>
-        <p:nvSpPr>
-          <p:cNvPr id="62" name="Rectangle 61">
-            <a:extLst>
-              <a:ext uri="{FF2B5EF4-FFF2-40B4-BE49-F238E27FC236}">
-                <a16:creationId xmlns:a16="http://schemas.microsoft.com/office/drawing/2014/main" id="{59F79E0D-7A39-42DE-92B2-261AD5A6A069}"/>
+              <a:t>    </a:t>
+            </a:r>
+            <a:r>
+              <a:rPr lang="en-US" sz="1400" dirty="0" err="1">
+                <a:latin typeface="Courier New" panose="02070309020205020404" pitchFamily="49" charset="0"/>
+                <a:cs typeface="Courier New" panose="02070309020205020404" pitchFamily="49" charset="0"/>
+              </a:rPr>
+              <a:t>recipientAntibodyForCompat:false</a:t>
+            </a:r>
+            <a:r>
+              <a:rPr lang="en-US" sz="1400" dirty="0">
+                <a:latin typeface="Courier New" panose="02070309020205020404" pitchFamily="49" charset="0"/>
+                <a:cs typeface="Courier New" panose="02070309020205020404" pitchFamily="49" charset="0"/>
+              </a:rPr>
+              <a:t>,</a:t>
+            </a:r>
+          </a:p>
+          <a:p>
+            <a:pPr marL="0" indent="0">
+              <a:buNone/>
+            </a:pPr>
+            <a:r>
+              <a:rPr lang="en-US" sz="1400" dirty="0">
+                <a:latin typeface="Courier New" panose="02070309020205020404" pitchFamily="49" charset="0"/>
+                <a:cs typeface="Courier New" panose="02070309020205020404" pitchFamily="49" charset="0"/>
+              </a:rPr>
+              <a:t>    …</a:t>
+            </a:r>
+          </a:p>
+          <a:p>
+            <a:pPr marL="0" indent="0">
+              <a:buNone/>
+            </a:pPr>
+            <a:r>
+              <a:rPr lang="en-US" sz="1400" dirty="0">
+                <a:latin typeface="Courier New" panose="02070309020205020404" pitchFamily="49" charset="0"/>
+                <a:cs typeface="Courier New" panose="02070309020205020404" pitchFamily="49" charset="0"/>
+              </a:rPr>
+              <a:t>}</a:t>
+            </a:r>
+          </a:p>
+        </p:txBody>
+      </p:sp>
+      <p:sp>
+        <p:nvSpPr>
+          <p:cNvPr id="3" name="Title 2">
+            <a:extLst>
+              <a:ext uri="{FF2B5EF4-FFF2-40B4-BE49-F238E27FC236}">
+                <a16:creationId xmlns:a16="http://schemas.microsoft.com/office/drawing/2014/main" id="{FB4C6C0D-CDA1-43E3-8CDA-F4D3F58AC9C7}"/>
+              </a:ext>
+            </a:extLst>
+          </p:cNvPr>
+          <p:cNvSpPr>
+            <a:spLocks noGrp="1"/>
+          </p:cNvSpPr>
+          <p:nvPr>
+            <p:ph type="title" idx="4294967295"/>
+          </p:nvPr>
+        </p:nvSpPr>
+        <p:spPr>
+          <a:xfrm>
+            <a:off x="628650" y="895350"/>
+            <a:ext cx="7886700" cy="495907"/>
+          </a:xfrm>
+          <a:prstGeom prst="rect">
+            <a:avLst/>
+          </a:prstGeom>
+        </p:spPr>
+        <p:txBody>
+          <a:bodyPr/>
+          <a:lstStyle/>
+          <a:p>
+            <a:r>
+              <a:rPr lang="en-US" sz="3200" dirty="0"/>
+              <a:t>Web Service Endpoints Accept JSON</a:t>
+            </a:r>
+            <a:r>
+              <a:rPr lang="en-US" sz="3200" baseline="30000" dirty="0"/>
+              <a:t>‡</a:t>
+            </a:r>
+            <a:r>
+              <a:rPr lang="en-US" sz="3200" dirty="0"/>
+              <a:t> Requests</a:t>
+            </a:r>
+          </a:p>
+        </p:txBody>
+      </p:sp>
+      <p:sp>
+        <p:nvSpPr>
+          <p:cNvPr id="5" name="Rectangle 4">
+            <a:extLst>
+              <a:ext uri="{FF2B5EF4-FFF2-40B4-BE49-F238E27FC236}">
+                <a16:creationId xmlns:a16="http://schemas.microsoft.com/office/drawing/2014/main" id="{C20DB382-5B0D-4E2A-B273-99A2B8106DB7}"/>
               </a:ext>
             </a:extLst>
           </p:cNvPr>
@@ -8109,10 +9817,10 @@
       </p:sp>
       <p:sp>
         <p:nvSpPr>
-          <p:cNvPr id="63" name="Rectangle 62">
-            <a:extLst>
-              <a:ext uri="{FF2B5EF4-FFF2-40B4-BE49-F238E27FC236}">
-                <a16:creationId xmlns:a16="http://schemas.microsoft.com/office/drawing/2014/main" id="{8F8A6D31-832A-48B2-AAFC-1FBF17CD16FD}"/>
+          <p:cNvPr id="6" name="Rectangle 5">
+            <a:extLst>
+              <a:ext uri="{FF2B5EF4-FFF2-40B4-BE49-F238E27FC236}">
+                <a16:creationId xmlns:a16="http://schemas.microsoft.com/office/drawing/2014/main" id="{13C3B866-69AB-46BB-B9E5-35203C40E51B}"/>
               </a:ext>
             </a:extLst>
           </p:cNvPr>
@@ -8121,7 +9829,7 @@
         </p:nvSpPr>
         <p:spPr>
           <a:xfrm>
-            <a:off x="3945" y="4866501"/>
+            <a:off x="3945" y="4857750"/>
             <a:ext cx="9144000" cy="276999"/>
           </a:xfrm>
           <a:prstGeom prst="rect">
@@ -8144,17 +9852,17 @@
             </a:r>
             <a:r>
               <a:rPr lang="en-US" sz="1200" dirty="0"/>
-              <a:t> return JSON.</a:t>
-            </a:r>
-          </a:p>
-        </p:txBody>
-      </p:sp>
-      <p:sp>
-        <p:nvSpPr>
-          <p:cNvPr id="66" name="Left Brace 65">
-            <a:extLst>
-              <a:ext uri="{FF2B5EF4-FFF2-40B4-BE49-F238E27FC236}">
-                <a16:creationId xmlns:a16="http://schemas.microsoft.com/office/drawing/2014/main" id="{4009E561-8246-4AB9-808E-AA5F826B1705}"/>
+              <a:t> return JSON, other formats are possible.</a:t>
+            </a:r>
+          </a:p>
+        </p:txBody>
+      </p:sp>
+      <p:sp>
+        <p:nvSpPr>
+          <p:cNvPr id="11" name="Freeform: Shape 10">
+            <a:extLst>
+              <a:ext uri="{FF2B5EF4-FFF2-40B4-BE49-F238E27FC236}">
+                <a16:creationId xmlns:a16="http://schemas.microsoft.com/office/drawing/2014/main" id="{0A088248-687C-47C9-B3C7-C155B861AE3A}"/>
               </a:ext>
             </a:extLst>
           </p:cNvPr>
@@ -8163,128 +9871,68 @@
         </p:nvSpPr>
         <p:spPr>
           <a:xfrm>
-            <a:off x="3369877" y="819150"/>
-            <a:ext cx="211523" cy="4253324"/>
-          </a:xfrm>
-          <a:prstGeom prst="leftBrace">
-            <a:avLst/>
-          </a:prstGeom>
-          <a:ln>
+            <a:off x="1459994" y="1690312"/>
+            <a:ext cx="1958846" cy="989029"/>
+          </a:xfrm>
+          <a:custGeom>
+            <a:avLst/>
+            <a:gdLst>
+              <a:gd name="connsiteX0" fmla="*/ 470406 w 1958846"/>
+              <a:gd name="connsiteY0" fmla="*/ 981768 h 989029"/>
+              <a:gd name="connsiteX1" fmla="*/ 3046 w 1958846"/>
+              <a:gd name="connsiteY1" fmla="*/ 849688 h 989029"/>
+              <a:gd name="connsiteX2" fmla="*/ 363726 w 1958846"/>
+              <a:gd name="connsiteY2" fmla="*/ 31808 h 989029"/>
+              <a:gd name="connsiteX3" fmla="*/ 1958846 w 1958846"/>
+              <a:gd name="connsiteY3" fmla="*/ 245168 h 989029"/>
+            </a:gdLst>
+            <a:ahLst/>
+            <a:cxnLst>
+              <a:cxn ang="0">
+                <a:pos x="connsiteX0" y="connsiteY0"/>
+              </a:cxn>
+              <a:cxn ang="0">
+                <a:pos x="connsiteX1" y="connsiteY1"/>
+              </a:cxn>
+              <a:cxn ang="0">
+                <a:pos x="connsiteX2" y="connsiteY2"/>
+              </a:cxn>
+              <a:cxn ang="0">
+                <a:pos x="connsiteX3" y="connsiteY3"/>
+              </a:cxn>
+            </a:cxnLst>
+            <a:rect l="l" t="t" r="r" b="b"/>
+            <a:pathLst>
+              <a:path w="1958846" h="989029">
+                <a:moveTo>
+                  <a:pt x="470406" y="981768"/>
+                </a:moveTo>
+                <a:cubicBezTo>
+                  <a:pt x="245616" y="994891"/>
+                  <a:pt x="20826" y="1008015"/>
+                  <a:pt x="3046" y="849688"/>
+                </a:cubicBezTo>
+                <a:cubicBezTo>
+                  <a:pt x="-14734" y="691361"/>
+                  <a:pt x="37759" y="132561"/>
+                  <a:pt x="363726" y="31808"/>
+                </a:cubicBezTo>
+                <a:cubicBezTo>
+                  <a:pt x="689693" y="-68945"/>
+                  <a:pt x="1324269" y="88111"/>
+                  <a:pt x="1958846" y="245168"/>
+                </a:cubicBezTo>
+              </a:path>
+            </a:pathLst>
+          </a:custGeom>
+          <a:noFill/>
+          <a:ln w="76200">
             <a:solidFill>
-              <a:srgbClr val="4BC4C2"/>
+              <a:srgbClr val="FF0000"/>
             </a:solidFill>
+            <a:headEnd type="none" w="med" len="med"/>
+            <a:tailEnd type="triangle" w="med" len="med"/>
           </a:ln>
-        </p:spPr>
-        <p:style>
-          <a:lnRef idx="2">
-            <a:schemeClr val="accent1"/>
-          </a:lnRef>
-          <a:fillRef idx="0">
-            <a:schemeClr val="accent1"/>
-          </a:fillRef>
-          <a:effectRef idx="1">
-            <a:schemeClr val="accent1"/>
-          </a:effectRef>
-          <a:fontRef idx="minor">
-            <a:schemeClr val="tx1"/>
-          </a:fontRef>
-        </p:style>
-        <p:txBody>
-          <a:bodyPr rtlCol="0" anchor="ctr"/>
-          <a:lstStyle/>
-          <a:p>
-            <a:pPr algn="ctr"/>
-            <a:endParaRPr lang="en-US"/>
-          </a:p>
-        </p:txBody>
-      </p:sp>
-      <p:pic>
-        <p:nvPicPr>
-          <p:cNvPr id="2" name="Picture 1">
-            <a:extLst>
-              <a:ext uri="{FF2B5EF4-FFF2-40B4-BE49-F238E27FC236}">
-                <a16:creationId xmlns:a16="http://schemas.microsoft.com/office/drawing/2014/main" id="{1F1F97AE-B7BA-47DA-AAD9-C30FFDE0F2A4}"/>
-              </a:ext>
-            </a:extLst>
-          </p:cNvPr>
-          <p:cNvPicPr>
-            <a:picLocks noChangeAspect="1"/>
-          </p:cNvPicPr>
-          <p:nvPr/>
-        </p:nvPicPr>
-        <p:blipFill rotWithShape="1">
-          <a:blip r:embed="rId2"/>
-          <a:srcRect t="1482" b="70370"/>
-          <a:stretch/>
-        </p:blipFill>
-        <p:spPr>
-          <a:xfrm>
-            <a:off x="3619334" y="862014"/>
-            <a:ext cx="5476994" cy="1447800"/>
-          </a:xfrm>
-          <a:prstGeom prst="rect">
-            <a:avLst/>
-          </a:prstGeom>
-        </p:spPr>
-      </p:pic>
-      <p:pic>
-        <p:nvPicPr>
-          <p:cNvPr id="3" name="Picture 2">
-            <a:extLst>
-              <a:ext uri="{FF2B5EF4-FFF2-40B4-BE49-F238E27FC236}">
-                <a16:creationId xmlns:a16="http://schemas.microsoft.com/office/drawing/2014/main" id="{CDC1A6EC-DFF6-46CA-B429-D5343AAFD68C}"/>
-              </a:ext>
-            </a:extLst>
-          </p:cNvPr>
-          <p:cNvPicPr>
-            <a:picLocks noChangeAspect="1"/>
-          </p:cNvPicPr>
-          <p:nvPr/>
-        </p:nvPicPr>
-        <p:blipFill rotWithShape="1">
-          <a:blip r:embed="rId3"/>
-          <a:srcRect t="12963" b="33742"/>
-          <a:stretch/>
-        </p:blipFill>
-        <p:spPr>
-          <a:xfrm>
-            <a:off x="3619334" y="2283622"/>
-            <a:ext cx="5476994" cy="2741228"/>
-          </a:xfrm>
-          <a:prstGeom prst="rect">
-            <a:avLst/>
-          </a:prstGeom>
-        </p:spPr>
-      </p:pic>
-      <p:sp>
-        <p:nvSpPr>
-          <p:cNvPr id="5" name="Rectangle 4">
-            <a:extLst>
-              <a:ext uri="{FF2B5EF4-FFF2-40B4-BE49-F238E27FC236}">
-                <a16:creationId xmlns:a16="http://schemas.microsoft.com/office/drawing/2014/main" id="{22FA1004-0098-4C47-B7C1-6D275AB6BDF1}"/>
-              </a:ext>
-            </a:extLst>
-          </p:cNvPr>
-          <p:cNvSpPr/>
-          <p:nvPr/>
-        </p:nvSpPr>
-        <p:spPr>
-          <a:xfrm>
-            <a:off x="8948736" y="1319214"/>
-            <a:ext cx="104728" cy="3796124"/>
-          </a:xfrm>
-          <a:prstGeom prst="rect">
-            <a:avLst/>
-          </a:prstGeom>
-          <a:solidFill>
-            <a:schemeClr val="bg1"/>
-          </a:solidFill>
-          <a:ln>
-            <a:solidFill>
-              <a:schemeClr val="bg1"/>
-            </a:solidFill>
-          </a:ln>
-          <a:effectLst/>
         </p:spPr>
         <p:style>
           <a:lnRef idx="1">
@@ -8309,10 +9957,525 @@
           </a:p>
         </p:txBody>
       </p:sp>
+      <p:sp>
+        <p:nvSpPr>
+          <p:cNvPr id="9" name="Oval 8">
+            <a:extLst>
+              <a:ext uri="{FF2B5EF4-FFF2-40B4-BE49-F238E27FC236}">
+                <a16:creationId xmlns:a16="http://schemas.microsoft.com/office/drawing/2014/main" id="{AAECC5F8-766B-48AD-B048-774C634ED315}"/>
+              </a:ext>
+            </a:extLst>
+          </p:cNvPr>
+          <p:cNvSpPr/>
+          <p:nvPr/>
+        </p:nvSpPr>
+        <p:spPr>
+          <a:xfrm>
+            <a:off x="1920240" y="2571750"/>
+            <a:ext cx="228600" cy="228600"/>
+          </a:xfrm>
+          <a:prstGeom prst="ellipse">
+            <a:avLst/>
+          </a:prstGeom>
+          <a:noFill/>
+          <a:ln w="38100">
+            <a:solidFill>
+              <a:srgbClr val="FF0000"/>
+            </a:solidFill>
+          </a:ln>
+        </p:spPr>
+        <p:style>
+          <a:lnRef idx="1">
+            <a:schemeClr val="accent1"/>
+          </a:lnRef>
+          <a:fillRef idx="3">
+            <a:schemeClr val="accent1"/>
+          </a:fillRef>
+          <a:effectRef idx="2">
+            <a:schemeClr val="accent1"/>
+          </a:effectRef>
+          <a:fontRef idx="minor">
+            <a:schemeClr val="lt1"/>
+          </a:fontRef>
+        </p:style>
+        <p:txBody>
+          <a:bodyPr rtlCol="0" anchor="ctr"/>
+          <a:lstStyle/>
+          <a:p>
+            <a:pPr algn="ctr"/>
+            <a:endParaRPr lang="en-US"/>
+          </a:p>
+        </p:txBody>
+      </p:sp>
+      <p:sp>
+        <p:nvSpPr>
+          <p:cNvPr id="13" name="Rectangle 12">
+            <a:extLst>
+              <a:ext uri="{FF2B5EF4-FFF2-40B4-BE49-F238E27FC236}">
+                <a16:creationId xmlns:a16="http://schemas.microsoft.com/office/drawing/2014/main" id="{C7AC469D-098F-4D25-9A09-E2DD458994C0}"/>
+              </a:ext>
+            </a:extLst>
+          </p:cNvPr>
+          <p:cNvSpPr/>
+          <p:nvPr/>
+        </p:nvSpPr>
+        <p:spPr>
+          <a:xfrm>
+            <a:off x="1752600" y="1364218"/>
+            <a:ext cx="590226" cy="369332"/>
+          </a:xfrm>
+          <a:prstGeom prst="rect">
+            <a:avLst/>
+          </a:prstGeom>
+        </p:spPr>
+        <p:txBody>
+          <a:bodyPr wrap="none">
+            <a:spAutoFit/>
+          </a:bodyPr>
+          <a:lstStyle/>
+          <a:p>
+            <a:r>
+              <a:rPr lang="en-US" dirty="0">
+                <a:solidFill>
+                  <a:srgbClr val="FF0000"/>
+                </a:solidFill>
+              </a:rPr>
+              <a:t>click</a:t>
+            </a:r>
+          </a:p>
+        </p:txBody>
+      </p:sp>
     </p:spTree>
     <p:extLst>
       <p:ext uri="{BB962C8B-B14F-4D97-AF65-F5344CB8AC3E}">
-        <p14:creationId xmlns:p14="http://schemas.microsoft.com/office/powerpoint/2010/main" val="355988670"/>
+        <p14:creationId xmlns:p14="http://schemas.microsoft.com/office/powerpoint/2010/main" val="2292022079"/>
+      </p:ext>
+    </p:extLst>
+  </p:cSld>
+  <p:clrMapOvr>
+    <a:masterClrMapping/>
+  </p:clrMapOvr>
+</p:sld>
+</file>
+
+<file path=ppt/slides/slide27.xml><?xml version="1.0" encoding="utf-8"?>
+<p:sld xmlns:a="http://schemas.openxmlformats.org/drawingml/2006/main" xmlns:r="http://schemas.openxmlformats.org/officeDocument/2006/relationships" xmlns:p="http://schemas.openxmlformats.org/presentationml/2006/main">
+  <p:cSld>
+    <p:spTree>
+      <p:nvGrpSpPr>
+        <p:cNvPr id="1" name=""/>
+        <p:cNvGrpSpPr/>
+        <p:nvPr/>
+      </p:nvGrpSpPr>
+      <p:grpSpPr>
+        <a:xfrm>
+          <a:off x="0" y="0"/>
+          <a:ext cx="0" cy="0"/>
+          <a:chOff x="0" y="0"/>
+          <a:chExt cx="0" cy="0"/>
+        </a:xfrm>
+      </p:grpSpPr>
+      <p:sp>
+        <p:nvSpPr>
+          <p:cNvPr id="2" name="Content Placeholder 1"/>
+          <p:cNvSpPr>
+            <a:spLocks noGrp="1"/>
+          </p:cNvSpPr>
+          <p:nvPr>
+            <p:ph idx="1"/>
+          </p:nvPr>
+        </p:nvSpPr>
+        <p:spPr>
+          <a:xfrm>
+            <a:off x="457200" y="1504950"/>
+            <a:ext cx="8229600" cy="3276600"/>
+          </a:xfrm>
+        </p:spPr>
+        <p:txBody>
+          <a:bodyPr>
+            <a:normAutofit fontScale="92500" lnSpcReduction="10000"/>
+          </a:bodyPr>
+          <a:lstStyle/>
+          <a:p>
+            <a:r>
+              <a:rPr lang="en-US" sz="2000" dirty="0"/>
+              <a:t>REST client libraries are available for almost any technology platform:</a:t>
+            </a:r>
+          </a:p>
+          <a:p>
+            <a:pPr lvl="1"/>
+            <a:r>
+              <a:rPr lang="en-US" sz="1800" dirty="0"/>
+              <a:t>Thin web clients (i.e., JavaScript applications in web browsers)</a:t>
+            </a:r>
+          </a:p>
+          <a:p>
+            <a:pPr lvl="1"/>
+            <a:r>
+              <a:rPr lang="en-US" sz="1800" dirty="0"/>
+              <a:t>Fat desktop applications (e.g., Java, .NET)</a:t>
+            </a:r>
+          </a:p>
+          <a:p>
+            <a:pPr lvl="1"/>
+            <a:r>
+              <a:rPr lang="en-US" sz="1800" dirty="0"/>
+              <a:t>Mobile applications (e.g., Java, Swift)</a:t>
+            </a:r>
+          </a:p>
+          <a:p>
+            <a:pPr lvl="1"/>
+            <a:r>
+              <a:rPr lang="en-US" sz="1800" dirty="0"/>
+              <a:t>Scripting languages (e.g., Python, Perl)</a:t>
+            </a:r>
+          </a:p>
+          <a:p>
+            <a:pPr lvl="1"/>
+            <a:r>
+              <a:rPr lang="en-US" sz="1800" dirty="0"/>
+              <a:t>Analytical tools (e.g., R)</a:t>
+            </a:r>
+          </a:p>
+          <a:p>
+            <a:r>
+              <a:rPr lang="en-US" sz="2000" dirty="0"/>
+              <a:t>HTTP is well understood by software engineers, both on the client and server side (28 year old tech)</a:t>
+            </a:r>
+          </a:p>
+          <a:p>
+            <a:r>
+              <a:rPr lang="en-US" sz="2000" dirty="0"/>
+              <a:t>HTTP works well on high-latency wide area data networks (</a:t>
+            </a:r>
+            <a:r>
+              <a:rPr lang="en-US" sz="2000" dirty="0" err="1"/>
+              <a:t>i.e</a:t>
+            </a:r>
+            <a:r>
+              <a:rPr lang="en-US" sz="2000" dirty="0"/>
+              <a:t>, the internet)</a:t>
+            </a:r>
+          </a:p>
+          <a:p>
+            <a:r>
+              <a:rPr lang="en-US" sz="2000" dirty="0"/>
+              <a:t>REST web services leverage well-established HTTP security mechanisms (e.g., HTTPS, OAuth)</a:t>
+            </a:r>
+          </a:p>
+          <a:p>
+            <a:endParaRPr lang="en-US" sz="2000" dirty="0"/>
+          </a:p>
+          <a:p>
+            <a:endParaRPr lang="en-US" sz="2000" dirty="0"/>
+          </a:p>
+          <a:p>
+            <a:endParaRPr lang="en-US" sz="2000" dirty="0"/>
+          </a:p>
+          <a:p>
+            <a:endParaRPr lang="en-US" sz="2000" dirty="0"/>
+          </a:p>
+          <a:p>
+            <a:endParaRPr lang="en-US" sz="2000" dirty="0"/>
+          </a:p>
+          <a:p>
+            <a:endParaRPr lang="en-US" sz="2000" dirty="0"/>
+          </a:p>
+          <a:p>
+            <a:endParaRPr lang="en-US" sz="2000" dirty="0"/>
+          </a:p>
+        </p:txBody>
+      </p:sp>
+      <p:sp>
+        <p:nvSpPr>
+          <p:cNvPr id="3" name="Title 2">
+            <a:extLst>
+              <a:ext uri="{FF2B5EF4-FFF2-40B4-BE49-F238E27FC236}">
+                <a16:creationId xmlns:a16="http://schemas.microsoft.com/office/drawing/2014/main" id="{FB4C6C0D-CDA1-43E3-8CDA-F4D3F58AC9C7}"/>
+              </a:ext>
+            </a:extLst>
+          </p:cNvPr>
+          <p:cNvSpPr>
+            <a:spLocks noGrp="1"/>
+          </p:cNvSpPr>
+          <p:nvPr>
+            <p:ph type="title" idx="4294967295"/>
+          </p:nvPr>
+        </p:nvSpPr>
+        <p:spPr>
+          <a:xfrm>
+            <a:off x="628650" y="895350"/>
+            <a:ext cx="7886700" cy="495907"/>
+          </a:xfrm>
+          <a:prstGeom prst="rect">
+            <a:avLst/>
+          </a:prstGeom>
+        </p:spPr>
+        <p:txBody>
+          <a:bodyPr/>
+          <a:lstStyle/>
+          <a:p>
+            <a:r>
+              <a:rPr lang="en-US" sz="2800" dirty="0"/>
+              <a:t>REST Web Services are Widely Supported</a:t>
+            </a:r>
+          </a:p>
+        </p:txBody>
+      </p:sp>
+    </p:spTree>
+    <p:extLst>
+      <p:ext uri="{BB962C8B-B14F-4D97-AF65-F5344CB8AC3E}">
+        <p14:creationId xmlns:p14="http://schemas.microsoft.com/office/powerpoint/2010/main" val="1540910367"/>
+      </p:ext>
+    </p:extLst>
+  </p:cSld>
+  <p:clrMapOvr>
+    <a:masterClrMapping/>
+  </p:clrMapOvr>
+</p:sld>
+</file>
+
+<file path=ppt/slides/slide28.xml><?xml version="1.0" encoding="utf-8"?>
+<p:sld xmlns:a="http://schemas.openxmlformats.org/drawingml/2006/main" xmlns:r="http://schemas.openxmlformats.org/officeDocument/2006/relationships" xmlns:p="http://schemas.openxmlformats.org/presentationml/2006/main">
+  <p:cSld>
+    <p:spTree>
+      <p:nvGrpSpPr>
+        <p:cNvPr id="1" name=""/>
+        <p:cNvGrpSpPr/>
+        <p:nvPr/>
+      </p:nvGrpSpPr>
+      <p:grpSpPr>
+        <a:xfrm>
+          <a:off x="0" y="0"/>
+          <a:ext cx="0" cy="0"/>
+          <a:chOff x="0" y="0"/>
+          <a:chExt cx="0" cy="0"/>
+        </a:xfrm>
+      </p:grpSpPr>
+      <p:sp>
+        <p:nvSpPr>
+          <p:cNvPr id="2" name="Title 1"/>
+          <p:cNvSpPr>
+            <a:spLocks noGrp="1"/>
+          </p:cNvSpPr>
+          <p:nvPr>
+            <p:ph type="ctrTitle"/>
+          </p:nvPr>
+        </p:nvSpPr>
+        <p:spPr>
+          <a:xfrm>
+            <a:off x="190500" y="1047750"/>
+            <a:ext cx="8763000" cy="3886200"/>
+          </a:xfrm>
+        </p:spPr>
+        <p:txBody>
+          <a:bodyPr>
+            <a:noAutofit/>
+          </a:bodyPr>
+          <a:lstStyle/>
+          <a:p>
+            <a:r>
+              <a:rPr lang="en-US" sz="2800" dirty="0"/>
+              <a:t>HEURISTIC ALGORITHM AS A REST WEB SERVICE</a:t>
+            </a:r>
+            <a:br>
+              <a:rPr lang="en-US" sz="2800" dirty="0"/>
+            </a:br>
+            <a:r>
+              <a:rPr lang="en-US" sz="2800" dirty="0"/>
+              <a:t>EXAMPLE #1:</a:t>
+            </a:r>
+            <a:br>
+              <a:rPr lang="en-US" sz="2800" dirty="0"/>
+            </a:br>
+            <a:br>
+              <a:rPr lang="en-US" sz="2800" dirty="0"/>
+            </a:br>
+            <a:r>
+              <a:rPr lang="en-US" sz="2800" dirty="0"/>
+              <a:t>Electronic Compatibility Assessment using</a:t>
+            </a:r>
+            <a:br>
+              <a:rPr lang="en-US" sz="2800" dirty="0"/>
+            </a:br>
+            <a:r>
+              <a:rPr lang="en-US" sz="2800" dirty="0"/>
+              <a:t>HLA-DPB1 Hypervariable Regions</a:t>
+            </a:r>
+            <a:br>
+              <a:rPr lang="en-US" sz="2800" dirty="0"/>
+            </a:br>
+            <a:br>
+              <a:rPr lang="en-US" sz="2800" dirty="0"/>
+            </a:br>
+            <a:r>
+              <a:rPr lang="en-US" sz="1600" dirty="0"/>
+              <a:t>(Google Cloud deployment)</a:t>
+            </a:r>
+            <a:r>
+              <a:rPr lang="en-US" sz="2000" dirty="0"/>
+              <a:t> https://rest.hlatools.org/hladpb1</a:t>
+            </a:r>
+            <a:br>
+              <a:rPr lang="en-US" sz="2000" dirty="0"/>
+            </a:br>
+            <a:r>
+              <a:rPr lang="en-US" sz="1600" dirty="0"/>
+              <a:t>(source code)</a:t>
+            </a:r>
+            <a:r>
+              <a:rPr lang="en-US" sz="2000" dirty="0"/>
+              <a:t> https://github.com/ghsmith/hladpb1</a:t>
+            </a:r>
+            <a:endParaRPr lang="en-US" sz="2800" dirty="0"/>
+          </a:p>
+        </p:txBody>
+      </p:sp>
+    </p:spTree>
+    <p:extLst>
+      <p:ext uri="{BB962C8B-B14F-4D97-AF65-F5344CB8AC3E}">
+        <p14:creationId xmlns:p14="http://schemas.microsoft.com/office/powerpoint/2010/main" val="1783476559"/>
+      </p:ext>
+    </p:extLst>
+  </p:cSld>
+  <p:clrMapOvr>
+    <a:masterClrMapping/>
+  </p:clrMapOvr>
+</p:sld>
+</file>
+
+<file path=ppt/slides/slide29.xml><?xml version="1.0" encoding="utf-8"?>
+<p:sld xmlns:a="http://schemas.openxmlformats.org/drawingml/2006/main" xmlns:r="http://schemas.openxmlformats.org/officeDocument/2006/relationships" xmlns:p="http://schemas.openxmlformats.org/presentationml/2006/main">
+  <p:cSld>
+    <p:spTree>
+      <p:nvGrpSpPr>
+        <p:cNvPr id="1" name=""/>
+        <p:cNvGrpSpPr/>
+        <p:nvPr/>
+      </p:nvGrpSpPr>
+      <p:grpSpPr>
+        <a:xfrm>
+          <a:off x="0" y="0"/>
+          <a:ext cx="0" cy="0"/>
+          <a:chOff x="0" y="0"/>
+          <a:chExt cx="0" cy="0"/>
+        </a:xfrm>
+      </p:grpSpPr>
+      <p:sp>
+        <p:nvSpPr>
+          <p:cNvPr id="2" name="Content Placeholder 1"/>
+          <p:cNvSpPr>
+            <a:spLocks noGrp="1"/>
+          </p:cNvSpPr>
+          <p:nvPr>
+            <p:ph idx="1"/>
+          </p:nvPr>
+        </p:nvSpPr>
+        <p:spPr>
+          <a:xfrm>
+            <a:off x="457200" y="1504950"/>
+            <a:ext cx="8229600" cy="3276600"/>
+          </a:xfrm>
+        </p:spPr>
+        <p:txBody>
+          <a:bodyPr>
+            <a:normAutofit/>
+          </a:bodyPr>
+          <a:lstStyle/>
+          <a:p>
+            <a:r>
+              <a:rPr lang="en-US" sz="2400" dirty="0"/>
+              <a:t>In 2014 OPTN/UNOS mandated DPB1 typing for deceased donors. This becomes effective in 2016.</a:t>
+            </a:r>
+          </a:p>
+          <a:p>
+            <a:r>
+              <a:rPr lang="en-US" sz="2400" dirty="0"/>
+              <a:t>IMGT/HLA Allele Database Version 3.33.0 (2018-07-11) includes 1,108 DPB1 alleles but less than 30 DPB1 alleles are represented by single antigen bead products. [1]</a:t>
+            </a:r>
+          </a:p>
+          <a:p>
+            <a:r>
+              <a:rPr lang="en-US" sz="2400" dirty="0"/>
+              <a:t>Compatibility of donor alleles not represented by a single antigen bead cannot be easily determined.</a:t>
+            </a:r>
+          </a:p>
+        </p:txBody>
+      </p:sp>
+      <p:sp>
+        <p:nvSpPr>
+          <p:cNvPr id="3" name="Title 2">
+            <a:extLst>
+              <a:ext uri="{FF2B5EF4-FFF2-40B4-BE49-F238E27FC236}">
+                <a16:creationId xmlns:a16="http://schemas.microsoft.com/office/drawing/2014/main" id="{FB4C6C0D-CDA1-43E3-8CDA-F4D3F58AC9C7}"/>
+              </a:ext>
+            </a:extLst>
+          </p:cNvPr>
+          <p:cNvSpPr>
+            <a:spLocks noGrp="1"/>
+          </p:cNvSpPr>
+          <p:nvPr>
+            <p:ph type="title" idx="4294967295"/>
+          </p:nvPr>
+        </p:nvSpPr>
+        <p:spPr>
+          <a:xfrm>
+            <a:off x="628650" y="895350"/>
+            <a:ext cx="7886700" cy="495907"/>
+          </a:xfrm>
+          <a:prstGeom prst="rect">
+            <a:avLst/>
+          </a:prstGeom>
+        </p:spPr>
+        <p:txBody>
+          <a:bodyPr/>
+          <a:lstStyle/>
+          <a:p>
+            <a:r>
+              <a:rPr lang="en-US" sz="3200" dirty="0"/>
+              <a:t>DPB1 Background</a:t>
+            </a:r>
+          </a:p>
+        </p:txBody>
+      </p:sp>
+      <p:sp>
+        <p:nvSpPr>
+          <p:cNvPr id="5" name="Rectangle 4">
+            <a:extLst>
+              <a:ext uri="{FF2B5EF4-FFF2-40B4-BE49-F238E27FC236}">
+                <a16:creationId xmlns:a16="http://schemas.microsoft.com/office/drawing/2014/main" id="{A9FCFBCE-B61B-4D10-9C81-D349C0A7F93E}"/>
+              </a:ext>
+            </a:extLst>
+          </p:cNvPr>
+          <p:cNvSpPr/>
+          <p:nvPr/>
+        </p:nvSpPr>
+        <p:spPr>
+          <a:xfrm>
+            <a:off x="0" y="4866501"/>
+            <a:ext cx="9144000" cy="276999"/>
+          </a:xfrm>
+          <a:prstGeom prst="rect">
+            <a:avLst/>
+          </a:prstGeom>
+        </p:spPr>
+        <p:txBody>
+          <a:bodyPr wrap="square">
+            <a:spAutoFit/>
+          </a:bodyPr>
+          <a:lstStyle/>
+          <a:p>
+            <a:r>
+              <a:rPr lang="en-US" sz="1200" dirty="0"/>
+              <a:t>[1] IPD-IMGT/HLA. https://www.ebi.ac.uk/ipd/imgt/hla.</a:t>
+            </a:r>
+          </a:p>
+        </p:txBody>
+      </p:sp>
+    </p:spTree>
+    <p:extLst>
+      <p:ext uri="{BB962C8B-B14F-4D97-AF65-F5344CB8AC3E}">
+        <p14:creationId xmlns:p14="http://schemas.microsoft.com/office/powerpoint/2010/main" val="3894006225"/>
       </p:ext>
     </p:extLst>
   </p:cSld>
@@ -8457,6 +10620,3983 @@
 </p:sld>
 </file>
 
+<file path=ppt/slides/slide30.xml><?xml version="1.0" encoding="utf-8"?>
+<p:sld xmlns:a="http://schemas.openxmlformats.org/drawingml/2006/main" xmlns:r="http://schemas.openxmlformats.org/officeDocument/2006/relationships" xmlns:p="http://schemas.openxmlformats.org/presentationml/2006/main">
+  <p:cSld>
+    <p:spTree>
+      <p:nvGrpSpPr>
+        <p:cNvPr id="1" name=""/>
+        <p:cNvGrpSpPr/>
+        <p:nvPr/>
+      </p:nvGrpSpPr>
+      <p:grpSpPr>
+        <a:xfrm>
+          <a:off x="0" y="0"/>
+          <a:ext cx="0" cy="0"/>
+          <a:chOff x="0" y="0"/>
+          <a:chExt cx="0" cy="0"/>
+        </a:xfrm>
+      </p:grpSpPr>
+      <p:sp>
+        <p:nvSpPr>
+          <p:cNvPr id="3" name="Title 2">
+            <a:extLst>
+              <a:ext uri="{FF2B5EF4-FFF2-40B4-BE49-F238E27FC236}">
+                <a16:creationId xmlns:a16="http://schemas.microsoft.com/office/drawing/2014/main" id="{FB4C6C0D-CDA1-43E3-8CDA-F4D3F58AC9C7}"/>
+              </a:ext>
+            </a:extLst>
+          </p:cNvPr>
+          <p:cNvSpPr>
+            <a:spLocks noGrp="1"/>
+          </p:cNvSpPr>
+          <p:nvPr>
+            <p:ph type="title" idx="4294967295"/>
+          </p:nvPr>
+        </p:nvSpPr>
+        <p:spPr>
+          <a:xfrm>
+            <a:off x="435877" y="895350"/>
+            <a:ext cx="3943350" cy="495907"/>
+          </a:xfrm>
+          <a:prstGeom prst="rect">
+            <a:avLst/>
+          </a:prstGeom>
+        </p:spPr>
+        <p:txBody>
+          <a:bodyPr/>
+          <a:lstStyle/>
+          <a:p>
+            <a:r>
+              <a:rPr lang="en-US" sz="3200" dirty="0"/>
+              <a:t>DPB1 Structure</a:t>
+            </a:r>
+          </a:p>
+        </p:txBody>
+      </p:sp>
+      <p:pic>
+        <p:nvPicPr>
+          <p:cNvPr id="6" name="Picture 3" descr="CLASS_1_2">
+            <a:extLst>
+              <a:ext uri="{FF2B5EF4-FFF2-40B4-BE49-F238E27FC236}">
+                <a16:creationId xmlns:a16="http://schemas.microsoft.com/office/drawing/2014/main" id="{D3F60C55-54EC-49E5-91F4-FEDA372AFC8A}"/>
+              </a:ext>
+            </a:extLst>
+          </p:cNvPr>
+          <p:cNvPicPr>
+            <a:picLocks noChangeAspect="1" noChangeArrowheads="1"/>
+          </p:cNvPicPr>
+          <p:nvPr/>
+        </p:nvPicPr>
+        <p:blipFill>
+          <a:blip r:embed="rId3" cstate="print"/>
+          <a:srcRect/>
+          <a:stretch>
+            <a:fillRect/>
+          </a:stretch>
+        </p:blipFill>
+        <p:spPr bwMode="auto">
+          <a:xfrm>
+            <a:off x="4876800" y="1040423"/>
+            <a:ext cx="3951708" cy="3915205"/>
+          </a:xfrm>
+          <a:prstGeom prst="rect">
+            <a:avLst/>
+          </a:prstGeom>
+          <a:noFill/>
+          <a:ln w="9525">
+            <a:noFill/>
+            <a:miter lim="800000"/>
+            <a:headEnd/>
+            <a:tailEnd/>
+          </a:ln>
+        </p:spPr>
+      </p:pic>
+      <p:sp>
+        <p:nvSpPr>
+          <p:cNvPr id="7" name="TextBox 6">
+            <a:extLst>
+              <a:ext uri="{FF2B5EF4-FFF2-40B4-BE49-F238E27FC236}">
+                <a16:creationId xmlns:a16="http://schemas.microsoft.com/office/drawing/2014/main" id="{0CCD6706-7DAB-4E04-839E-62A3A911713D}"/>
+              </a:ext>
+            </a:extLst>
+          </p:cNvPr>
+          <p:cNvSpPr txBox="1"/>
+          <p:nvPr/>
+        </p:nvSpPr>
+        <p:spPr>
+          <a:xfrm>
+            <a:off x="8127522" y="1276350"/>
+            <a:ext cx="415498" cy="646331"/>
+          </a:xfrm>
+          <a:prstGeom prst="rect">
+            <a:avLst/>
+          </a:prstGeom>
+          <a:noFill/>
+        </p:spPr>
+        <p:txBody>
+          <a:bodyPr wrap="none" rtlCol="0">
+            <a:spAutoFit/>
+          </a:bodyPr>
+          <a:lstStyle/>
+          <a:p>
+            <a:r>
+              <a:rPr lang="en-US" sz="1200" b="1" dirty="0">
+                <a:latin typeface="Arial" panose="020B0604020202020204" pitchFamily="34" charset="0"/>
+                <a:cs typeface="Arial" panose="020B0604020202020204" pitchFamily="34" charset="0"/>
+              </a:rPr>
+              <a:t>DR</a:t>
+            </a:r>
+          </a:p>
+          <a:p>
+            <a:r>
+              <a:rPr lang="en-US" sz="1200" b="1" dirty="0">
+                <a:latin typeface="Arial" panose="020B0604020202020204" pitchFamily="34" charset="0"/>
+                <a:cs typeface="Arial" panose="020B0604020202020204" pitchFamily="34" charset="0"/>
+              </a:rPr>
+              <a:t>DQ</a:t>
+            </a:r>
+          </a:p>
+          <a:p>
+            <a:r>
+              <a:rPr lang="en-US" sz="1200" b="1" dirty="0">
+                <a:latin typeface="Arial" panose="020B0604020202020204" pitchFamily="34" charset="0"/>
+                <a:cs typeface="Arial" panose="020B0604020202020204" pitchFamily="34" charset="0"/>
+              </a:rPr>
+              <a:t>DP</a:t>
+            </a:r>
+          </a:p>
+        </p:txBody>
+      </p:sp>
+      <p:sp>
+        <p:nvSpPr>
+          <p:cNvPr id="8" name="Text Box 8">
+            <a:extLst>
+              <a:ext uri="{FF2B5EF4-FFF2-40B4-BE49-F238E27FC236}">
+                <a16:creationId xmlns:a16="http://schemas.microsoft.com/office/drawing/2014/main" id="{5484AF73-0C7D-445E-9AD1-D4497572F7A3}"/>
+              </a:ext>
+            </a:extLst>
+          </p:cNvPr>
+          <p:cNvSpPr txBox="1">
+            <a:spLocks noChangeArrowheads="1"/>
+          </p:cNvSpPr>
+          <p:nvPr/>
+        </p:nvSpPr>
+        <p:spPr bwMode="auto">
+          <a:xfrm>
+            <a:off x="7924800" y="1913751"/>
+            <a:ext cx="689612" cy="276999"/>
+          </a:xfrm>
+          <a:prstGeom prst="rect">
+            <a:avLst/>
+          </a:prstGeom>
+          <a:noFill/>
+          <a:ln w="9525">
+            <a:noFill/>
+            <a:miter lim="800000"/>
+            <a:headEnd/>
+            <a:tailEnd/>
+          </a:ln>
+          <a:effectLst/>
+        </p:spPr>
+        <p:txBody>
+          <a:bodyPr wrap="none">
+            <a:spAutoFit/>
+          </a:bodyPr>
+          <a:lstStyle/>
+          <a:p>
+            <a:pPr>
+              <a:defRPr/>
+            </a:pPr>
+            <a:r>
+              <a:rPr lang="en-US" sz="1200" b="1" dirty="0">
+                <a:effectLst>
+                  <a:outerShdw blurRad="38100" dist="38100" dir="2700000" algn="tl">
+                    <a:srgbClr val="000000">
+                      <a:alpha val="43137"/>
+                    </a:srgbClr>
+                  </a:outerShdw>
+                </a:effectLst>
+                <a:latin typeface="Arial" charset="0"/>
+                <a:cs typeface="Times New Roman" pitchFamily="18" charset="0"/>
+              </a:rPr>
+              <a:t>Exon 2</a:t>
+            </a:r>
+          </a:p>
+        </p:txBody>
+      </p:sp>
+      <p:sp>
+        <p:nvSpPr>
+          <p:cNvPr id="9" name="Text Box 8">
+            <a:extLst>
+              <a:ext uri="{FF2B5EF4-FFF2-40B4-BE49-F238E27FC236}">
+                <a16:creationId xmlns:a16="http://schemas.microsoft.com/office/drawing/2014/main" id="{7033CD98-B8A9-4032-933E-891A81DC4815}"/>
+              </a:ext>
+            </a:extLst>
+          </p:cNvPr>
+          <p:cNvSpPr txBox="1">
+            <a:spLocks noChangeArrowheads="1"/>
+          </p:cNvSpPr>
+          <p:nvPr/>
+        </p:nvSpPr>
+        <p:spPr bwMode="auto">
+          <a:xfrm>
+            <a:off x="7772400" y="2571750"/>
+            <a:ext cx="689612" cy="276999"/>
+          </a:xfrm>
+          <a:prstGeom prst="rect">
+            <a:avLst/>
+          </a:prstGeom>
+          <a:noFill/>
+          <a:ln w="9525">
+            <a:noFill/>
+            <a:miter lim="800000"/>
+            <a:headEnd/>
+            <a:tailEnd/>
+          </a:ln>
+          <a:effectLst/>
+        </p:spPr>
+        <p:txBody>
+          <a:bodyPr wrap="none">
+            <a:spAutoFit/>
+          </a:bodyPr>
+          <a:lstStyle/>
+          <a:p>
+            <a:pPr>
+              <a:defRPr/>
+            </a:pPr>
+            <a:r>
+              <a:rPr lang="en-US" sz="1200" b="1" dirty="0">
+                <a:effectLst>
+                  <a:outerShdw blurRad="38100" dist="38100" dir="2700000" algn="tl">
+                    <a:srgbClr val="000000">
+                      <a:alpha val="43137"/>
+                    </a:srgbClr>
+                  </a:outerShdw>
+                </a:effectLst>
+                <a:latin typeface="Arial" charset="0"/>
+                <a:cs typeface="Times New Roman" pitchFamily="18" charset="0"/>
+              </a:rPr>
+              <a:t>Exon 3</a:t>
+            </a:r>
+          </a:p>
+        </p:txBody>
+      </p:sp>
+      <p:sp>
+        <p:nvSpPr>
+          <p:cNvPr id="10" name="TextBox 9">
+            <a:extLst>
+              <a:ext uri="{FF2B5EF4-FFF2-40B4-BE49-F238E27FC236}">
+                <a16:creationId xmlns:a16="http://schemas.microsoft.com/office/drawing/2014/main" id="{ED75E492-C491-424C-AC88-7E5359195BE6}"/>
+              </a:ext>
+            </a:extLst>
+          </p:cNvPr>
+          <p:cNvSpPr txBox="1"/>
+          <p:nvPr/>
+        </p:nvSpPr>
+        <p:spPr>
+          <a:xfrm>
+            <a:off x="5334000" y="4629150"/>
+            <a:ext cx="3446328" cy="276999"/>
+          </a:xfrm>
+          <a:prstGeom prst="rect">
+            <a:avLst/>
+          </a:prstGeom>
+          <a:noFill/>
+        </p:spPr>
+        <p:txBody>
+          <a:bodyPr wrap="none" rtlCol="0">
+            <a:spAutoFit/>
+          </a:bodyPr>
+          <a:lstStyle/>
+          <a:p>
+            <a:r>
+              <a:rPr lang="en-US" sz="1200" dirty="0">
+                <a:latin typeface="Arial" panose="020B0604020202020204" pitchFamily="34" charset="0"/>
+                <a:cs typeface="Arial" panose="020B0604020202020204" pitchFamily="34" charset="0"/>
+              </a:rPr>
+              <a:t>Klein J. and Sato A.  NEJM  343;702-709. 2000.</a:t>
+            </a:r>
+          </a:p>
+        </p:txBody>
+      </p:sp>
+      <p:sp>
+        <p:nvSpPr>
+          <p:cNvPr id="12" name="Content Placeholder 1">
+            <a:extLst>
+              <a:ext uri="{FF2B5EF4-FFF2-40B4-BE49-F238E27FC236}">
+                <a16:creationId xmlns:a16="http://schemas.microsoft.com/office/drawing/2014/main" id="{D1B59120-5232-4222-A4B8-219161F0B3ED}"/>
+              </a:ext>
+            </a:extLst>
+          </p:cNvPr>
+          <p:cNvSpPr>
+            <a:spLocks noGrp="1"/>
+          </p:cNvSpPr>
+          <p:nvPr>
+            <p:ph idx="1"/>
+          </p:nvPr>
+        </p:nvSpPr>
+        <p:spPr>
+          <a:xfrm>
+            <a:off x="152346" y="1877198"/>
+            <a:ext cx="4510304" cy="1943101"/>
+          </a:xfrm>
+        </p:spPr>
+        <p:txBody>
+          <a:bodyPr>
+            <a:noAutofit/>
+          </a:bodyPr>
+          <a:lstStyle/>
+          <a:p>
+            <a:pPr marL="0" indent="0">
+              <a:buNone/>
+            </a:pPr>
+            <a:r>
+              <a:rPr lang="en-US" sz="2400" dirty="0"/>
+              <a:t>Alleles are named sequentially independent of sequence homology, so no structural relationships are conveyed by allele names.</a:t>
+            </a:r>
+          </a:p>
+        </p:txBody>
+      </p:sp>
+    </p:spTree>
+    <p:extLst>
+      <p:ext uri="{BB962C8B-B14F-4D97-AF65-F5344CB8AC3E}">
+        <p14:creationId xmlns:p14="http://schemas.microsoft.com/office/powerpoint/2010/main" val="3015498499"/>
+      </p:ext>
+    </p:extLst>
+  </p:cSld>
+  <p:clrMapOvr>
+    <a:masterClrMapping/>
+  </p:clrMapOvr>
+</p:sld>
+</file>
+
+<file path=ppt/slides/slide31.xml><?xml version="1.0" encoding="utf-8"?>
+<p:sld xmlns:a="http://schemas.openxmlformats.org/drawingml/2006/main" xmlns:r="http://schemas.openxmlformats.org/officeDocument/2006/relationships" xmlns:p="http://schemas.openxmlformats.org/presentationml/2006/main">
+  <p:cSld>
+    <p:spTree>
+      <p:nvGrpSpPr>
+        <p:cNvPr id="1" name=""/>
+        <p:cNvGrpSpPr/>
+        <p:nvPr/>
+      </p:nvGrpSpPr>
+      <p:grpSpPr>
+        <a:xfrm>
+          <a:off x="0" y="0"/>
+          <a:ext cx="0" cy="0"/>
+          <a:chOff x="0" y="0"/>
+          <a:chExt cx="0" cy="0"/>
+        </a:xfrm>
+      </p:grpSpPr>
+      <p:sp>
+        <p:nvSpPr>
+          <p:cNvPr id="3" name="Title 2">
+            <a:extLst>
+              <a:ext uri="{FF2B5EF4-FFF2-40B4-BE49-F238E27FC236}">
+                <a16:creationId xmlns:a16="http://schemas.microsoft.com/office/drawing/2014/main" id="{FB4C6C0D-CDA1-43E3-8CDA-F4D3F58AC9C7}"/>
+              </a:ext>
+            </a:extLst>
+          </p:cNvPr>
+          <p:cNvSpPr>
+            <a:spLocks noGrp="1"/>
+          </p:cNvSpPr>
+          <p:nvPr>
+            <p:ph type="title" idx="4294967295"/>
+          </p:nvPr>
+        </p:nvSpPr>
+        <p:spPr>
+          <a:xfrm>
+            <a:off x="152400" y="895350"/>
+            <a:ext cx="4343400" cy="495907"/>
+          </a:xfrm>
+          <a:prstGeom prst="rect">
+            <a:avLst/>
+          </a:prstGeom>
+        </p:spPr>
+        <p:txBody>
+          <a:bodyPr/>
+          <a:lstStyle/>
+          <a:p>
+            <a:r>
+              <a:rPr lang="en-US" sz="3200" dirty="0"/>
+              <a:t>DPB1 Hypervariable Regions</a:t>
+            </a:r>
+          </a:p>
+        </p:txBody>
+      </p:sp>
+      <p:sp>
+        <p:nvSpPr>
+          <p:cNvPr id="7" name="Slide Number Placeholder 3">
+            <a:extLst>
+              <a:ext uri="{FF2B5EF4-FFF2-40B4-BE49-F238E27FC236}">
+                <a16:creationId xmlns:a16="http://schemas.microsoft.com/office/drawing/2014/main" id="{48F9A710-DEDE-4600-BE66-29D1CA783507}"/>
+              </a:ext>
+            </a:extLst>
+          </p:cNvPr>
+          <p:cNvSpPr txBox="1">
+            <a:spLocks/>
+          </p:cNvSpPr>
+          <p:nvPr/>
+        </p:nvSpPr>
+        <p:spPr>
+          <a:xfrm>
+            <a:off x="1445357" y="8208550"/>
+            <a:ext cx="1573995" cy="213894"/>
+          </a:xfrm>
+          <a:prstGeom prst="rect">
+            <a:avLst/>
+          </a:prstGeom>
+        </p:spPr>
+        <p:txBody>
+          <a:bodyPr/>
+          <a:lstStyle>
+            <a:defPPr>
+              <a:defRPr lang="en-US"/>
+            </a:defPPr>
+            <a:lvl1pPr marL="0" algn="l" defTabSz="457200" rtl="0" eaLnBrk="1" latinLnBrk="0" hangingPunct="1">
+              <a:defRPr sz="1800" kern="1200">
+                <a:solidFill>
+                  <a:schemeClr val="tx1"/>
+                </a:solidFill>
+                <a:latin typeface="+mn-lt"/>
+                <a:ea typeface="+mn-ea"/>
+                <a:cs typeface="+mn-cs"/>
+              </a:defRPr>
+            </a:lvl1pPr>
+            <a:lvl2pPr marL="457200" algn="l" defTabSz="457200" rtl="0" eaLnBrk="1" latinLnBrk="0" hangingPunct="1">
+              <a:defRPr sz="1800" kern="1200">
+                <a:solidFill>
+                  <a:schemeClr val="tx1"/>
+                </a:solidFill>
+                <a:latin typeface="+mn-lt"/>
+                <a:ea typeface="+mn-ea"/>
+                <a:cs typeface="+mn-cs"/>
+              </a:defRPr>
+            </a:lvl2pPr>
+            <a:lvl3pPr marL="914400" algn="l" defTabSz="457200" rtl="0" eaLnBrk="1" latinLnBrk="0" hangingPunct="1">
+              <a:defRPr sz="1800" kern="1200">
+                <a:solidFill>
+                  <a:schemeClr val="tx1"/>
+                </a:solidFill>
+                <a:latin typeface="+mn-lt"/>
+                <a:ea typeface="+mn-ea"/>
+                <a:cs typeface="+mn-cs"/>
+              </a:defRPr>
+            </a:lvl3pPr>
+            <a:lvl4pPr marL="1371600" algn="l" defTabSz="457200" rtl="0" eaLnBrk="1" latinLnBrk="0" hangingPunct="1">
+              <a:defRPr sz="1800" kern="1200">
+                <a:solidFill>
+                  <a:schemeClr val="tx1"/>
+                </a:solidFill>
+                <a:latin typeface="+mn-lt"/>
+                <a:ea typeface="+mn-ea"/>
+                <a:cs typeface="+mn-cs"/>
+              </a:defRPr>
+            </a:lvl4pPr>
+            <a:lvl5pPr marL="1828800" algn="l" defTabSz="457200" rtl="0" eaLnBrk="1" latinLnBrk="0" hangingPunct="1">
+              <a:defRPr sz="1800" kern="1200">
+                <a:solidFill>
+                  <a:schemeClr val="tx1"/>
+                </a:solidFill>
+                <a:latin typeface="+mn-lt"/>
+                <a:ea typeface="+mn-ea"/>
+                <a:cs typeface="+mn-cs"/>
+              </a:defRPr>
+            </a:lvl5pPr>
+            <a:lvl6pPr marL="2286000" algn="l" defTabSz="457200" rtl="0" eaLnBrk="1" latinLnBrk="0" hangingPunct="1">
+              <a:defRPr sz="1800" kern="1200">
+                <a:solidFill>
+                  <a:schemeClr val="tx1"/>
+                </a:solidFill>
+                <a:latin typeface="+mn-lt"/>
+                <a:ea typeface="+mn-ea"/>
+                <a:cs typeface="+mn-cs"/>
+              </a:defRPr>
+            </a:lvl6pPr>
+            <a:lvl7pPr marL="2743200" algn="l" defTabSz="457200" rtl="0" eaLnBrk="1" latinLnBrk="0" hangingPunct="1">
+              <a:defRPr sz="1800" kern="1200">
+                <a:solidFill>
+                  <a:schemeClr val="tx1"/>
+                </a:solidFill>
+                <a:latin typeface="+mn-lt"/>
+                <a:ea typeface="+mn-ea"/>
+                <a:cs typeface="+mn-cs"/>
+              </a:defRPr>
+            </a:lvl7pPr>
+            <a:lvl8pPr marL="3200400" algn="l" defTabSz="457200" rtl="0" eaLnBrk="1" latinLnBrk="0" hangingPunct="1">
+              <a:defRPr sz="1800" kern="1200">
+                <a:solidFill>
+                  <a:schemeClr val="tx1"/>
+                </a:solidFill>
+                <a:latin typeface="+mn-lt"/>
+                <a:ea typeface="+mn-ea"/>
+                <a:cs typeface="+mn-cs"/>
+              </a:defRPr>
+            </a:lvl8pPr>
+            <a:lvl9pPr marL="3657600" algn="l" defTabSz="457200" rtl="0" eaLnBrk="1" latinLnBrk="0" hangingPunct="1">
+              <a:defRPr sz="1800" kern="1200">
+                <a:solidFill>
+                  <a:schemeClr val="tx1"/>
+                </a:solidFill>
+                <a:latin typeface="+mn-lt"/>
+                <a:ea typeface="+mn-ea"/>
+                <a:cs typeface="+mn-cs"/>
+              </a:defRPr>
+            </a:lvl9pPr>
+          </a:lstStyle>
+          <a:p>
+            <a:fld id="{A80FE4E2-D866-47B5-8F4E-CE1C9BBBEF3E}" type="slidenum">
+              <a:rPr lang="en-US" sz="1200" smtClean="0">
+                <a:solidFill>
+                  <a:schemeClr val="tx1">
+                    <a:alpha val="60000"/>
+                  </a:schemeClr>
+                </a:solidFill>
+              </a:rPr>
+              <a:pPr/>
+              <a:t>31</a:t>
+            </a:fld>
+            <a:endParaRPr lang="en-US" sz="1200" dirty="0">
+              <a:solidFill>
+                <a:schemeClr val="tx1">
+                  <a:alpha val="60000"/>
+                </a:schemeClr>
+              </a:solidFill>
+            </a:endParaRPr>
+          </a:p>
+        </p:txBody>
+      </p:sp>
+      <p:pic>
+        <p:nvPicPr>
+          <p:cNvPr id="8" name="Picture 2">
+            <a:extLst>
+              <a:ext uri="{FF2B5EF4-FFF2-40B4-BE49-F238E27FC236}">
+                <a16:creationId xmlns:a16="http://schemas.microsoft.com/office/drawing/2014/main" id="{8CA36580-AEEE-4C46-AE9B-806B67E08838}"/>
+              </a:ext>
+            </a:extLst>
+          </p:cNvPr>
+          <p:cNvPicPr>
+            <a:picLocks noChangeAspect="1" noChangeArrowheads="1"/>
+          </p:cNvPicPr>
+          <p:nvPr/>
+        </p:nvPicPr>
+        <p:blipFill rotWithShape="1">
+          <a:blip r:embed="rId3">
+            <a:extLst>
+              <a:ext uri="{28A0092B-C50C-407E-A947-70E740481C1C}">
+                <a14:useLocalDpi xmlns:a14="http://schemas.microsoft.com/office/drawing/2010/main" val="0"/>
+              </a:ext>
+            </a:extLst>
+          </a:blip>
+          <a:srcRect l="6544" t="-1" b="-2325"/>
+          <a:stretch/>
+        </p:blipFill>
+        <p:spPr bwMode="auto">
+          <a:xfrm>
+            <a:off x="4572000" y="895350"/>
+            <a:ext cx="4352603" cy="4191000"/>
+          </a:xfrm>
+          <a:prstGeom prst="rect">
+            <a:avLst/>
+          </a:prstGeom>
+          <a:noFill/>
+          <a:ln w="9525">
+            <a:solidFill>
+              <a:schemeClr val="tx1"/>
+            </a:solidFill>
+            <a:miter lim="800000"/>
+            <a:headEnd/>
+            <a:tailEnd/>
+          </a:ln>
+          <a:extLst>
+            <a:ext uri="{909E8E84-426E-40DD-AFC4-6F175D3DCCD1}">
+              <a14:hiddenFill xmlns:a14="http://schemas.microsoft.com/office/drawing/2010/main">
+                <a:solidFill>
+                  <a:schemeClr val="accent1"/>
+                </a:solidFill>
+              </a14:hiddenFill>
+            </a:ext>
+          </a:extLst>
+        </p:spPr>
+      </p:pic>
+      <p:sp>
+        <p:nvSpPr>
+          <p:cNvPr id="9" name="Rectangle 8">
+            <a:extLst>
+              <a:ext uri="{FF2B5EF4-FFF2-40B4-BE49-F238E27FC236}">
+                <a16:creationId xmlns:a16="http://schemas.microsoft.com/office/drawing/2014/main" id="{D51775D1-D3D5-48F3-8D5C-EC35046799B0}"/>
+              </a:ext>
+            </a:extLst>
+          </p:cNvPr>
+          <p:cNvSpPr/>
+          <p:nvPr/>
+        </p:nvSpPr>
+        <p:spPr>
+          <a:xfrm>
+            <a:off x="5457299" y="8190836"/>
+            <a:ext cx="3984957" cy="646331"/>
+          </a:xfrm>
+          <a:prstGeom prst="rect">
+            <a:avLst/>
+          </a:prstGeom>
+        </p:spPr>
+        <p:txBody>
+          <a:bodyPr wrap="square">
+            <a:spAutoFit/>
+          </a:bodyPr>
+          <a:lstStyle/>
+          <a:p>
+            <a:r>
+              <a:rPr lang="en-US" b="1" dirty="0" err="1">
+                <a:latin typeface="Comic Sans MS" panose="030F0702030302020204" pitchFamily="66" charset="0"/>
+              </a:rPr>
+              <a:t>Laux</a:t>
+            </a:r>
+            <a:r>
+              <a:rPr lang="en-US" b="1" dirty="0">
+                <a:latin typeface="Comic Sans MS" panose="030F0702030302020204" pitchFamily="66" charset="0"/>
+              </a:rPr>
+              <a:t>, et al; Transplantation 75:1527, 2003.</a:t>
+            </a:r>
+          </a:p>
+        </p:txBody>
+      </p:sp>
+      <p:sp>
+        <p:nvSpPr>
+          <p:cNvPr id="10" name="Content Placeholder 1">
+            <a:extLst>
+              <a:ext uri="{FF2B5EF4-FFF2-40B4-BE49-F238E27FC236}">
+                <a16:creationId xmlns:a16="http://schemas.microsoft.com/office/drawing/2014/main" id="{E689F376-98FF-49F2-993B-9BB1B1B06123}"/>
+              </a:ext>
+            </a:extLst>
+          </p:cNvPr>
+          <p:cNvSpPr>
+            <a:spLocks noGrp="1"/>
+          </p:cNvSpPr>
+          <p:nvPr>
+            <p:ph idx="1"/>
+          </p:nvPr>
+        </p:nvSpPr>
+        <p:spPr>
+          <a:xfrm>
+            <a:off x="128155" y="2124577"/>
+            <a:ext cx="4510304" cy="1929670"/>
+          </a:xfrm>
+        </p:spPr>
+        <p:txBody>
+          <a:bodyPr>
+            <a:noAutofit/>
+          </a:bodyPr>
+          <a:lstStyle/>
+          <a:p>
+            <a:pPr marL="0" indent="0">
+              <a:buNone/>
+            </a:pPr>
+            <a:r>
+              <a:rPr lang="en-US" sz="2400" dirty="0"/>
+              <a:t>Multiple publications have demonstrated that six (6) hypervariable regions account for the majority of antibody reactivity against DPB1 alleles. [1-4] </a:t>
+            </a:r>
+          </a:p>
+        </p:txBody>
+      </p:sp>
+      <p:sp>
+        <p:nvSpPr>
+          <p:cNvPr id="11" name="Rectangle 10">
+            <a:extLst>
+              <a:ext uri="{FF2B5EF4-FFF2-40B4-BE49-F238E27FC236}">
+                <a16:creationId xmlns:a16="http://schemas.microsoft.com/office/drawing/2014/main" id="{21740A88-ADA7-4103-ADFF-64A6E5A8B98E}"/>
+              </a:ext>
+            </a:extLst>
+          </p:cNvPr>
+          <p:cNvSpPr/>
+          <p:nvPr/>
+        </p:nvSpPr>
+        <p:spPr>
+          <a:xfrm>
+            <a:off x="0" y="4312503"/>
+            <a:ext cx="9144000" cy="830997"/>
+          </a:xfrm>
+          <a:prstGeom prst="rect">
+            <a:avLst/>
+          </a:prstGeom>
+        </p:spPr>
+        <p:txBody>
+          <a:bodyPr wrap="square">
+            <a:spAutoFit/>
+          </a:bodyPr>
+          <a:lstStyle/>
+          <a:p>
+            <a:r>
+              <a:rPr lang="en-US" sz="1200" dirty="0"/>
+              <a:t>[1] </a:t>
+            </a:r>
+            <a:r>
+              <a:rPr lang="en-US" sz="1200" dirty="0" err="1"/>
+              <a:t>Billen</a:t>
+            </a:r>
+            <a:r>
+              <a:rPr lang="en-US" sz="1200" dirty="0"/>
+              <a:t>, et al. Tissue Antigens 75:278, 2009. </a:t>
+            </a:r>
+          </a:p>
+          <a:p>
+            <a:r>
+              <a:rPr lang="en-US" sz="1200" dirty="0"/>
+              <a:t>[2] Piazza. Transplantation 82:242, 2006.</a:t>
+            </a:r>
+          </a:p>
+          <a:p>
+            <a:r>
+              <a:rPr lang="en-US" sz="1200" dirty="0"/>
+              <a:t>[3] Arnold ML, et al. Tissue Antigens 65:370, 2005.</a:t>
+            </a:r>
+          </a:p>
+          <a:p>
+            <a:r>
+              <a:rPr lang="en-US" sz="1200" dirty="0"/>
+              <a:t>[4] Laux, et al. Transplantation 75:1527, 2003.</a:t>
+            </a:r>
+          </a:p>
+        </p:txBody>
+      </p:sp>
+      <p:sp>
+        <p:nvSpPr>
+          <p:cNvPr id="12" name="Rectangle 11">
+            <a:extLst>
+              <a:ext uri="{FF2B5EF4-FFF2-40B4-BE49-F238E27FC236}">
+                <a16:creationId xmlns:a16="http://schemas.microsoft.com/office/drawing/2014/main" id="{8995BEE5-CBB1-4E9C-BA3C-7A2B92E58B33}"/>
+              </a:ext>
+            </a:extLst>
+          </p:cNvPr>
+          <p:cNvSpPr/>
+          <p:nvPr/>
+        </p:nvSpPr>
+        <p:spPr>
+          <a:xfrm>
+            <a:off x="6089147" y="4776993"/>
+            <a:ext cx="2835456" cy="276999"/>
+          </a:xfrm>
+          <a:prstGeom prst="rect">
+            <a:avLst/>
+          </a:prstGeom>
+        </p:spPr>
+        <p:txBody>
+          <a:bodyPr wrap="none">
+            <a:spAutoFit/>
+          </a:bodyPr>
+          <a:lstStyle/>
+          <a:p>
+            <a:r>
+              <a:rPr lang="en-US" sz="1200" dirty="0"/>
+              <a:t>Laux, et al. Transplantation 75:1527, 2003.</a:t>
+            </a:r>
+          </a:p>
+        </p:txBody>
+      </p:sp>
+    </p:spTree>
+    <p:extLst>
+      <p:ext uri="{BB962C8B-B14F-4D97-AF65-F5344CB8AC3E}">
+        <p14:creationId xmlns:p14="http://schemas.microsoft.com/office/powerpoint/2010/main" val="2978437877"/>
+      </p:ext>
+    </p:extLst>
+  </p:cSld>
+  <p:clrMapOvr>
+    <a:masterClrMapping/>
+  </p:clrMapOvr>
+</p:sld>
+</file>
+
+<file path=ppt/slides/slide32.xml><?xml version="1.0" encoding="utf-8"?>
+<p:sld xmlns:a="http://schemas.openxmlformats.org/drawingml/2006/main" xmlns:r="http://schemas.openxmlformats.org/officeDocument/2006/relationships" xmlns:p="http://schemas.openxmlformats.org/presentationml/2006/main">
+  <p:cSld>
+    <p:spTree>
+      <p:nvGrpSpPr>
+        <p:cNvPr id="1" name=""/>
+        <p:cNvGrpSpPr/>
+        <p:nvPr/>
+      </p:nvGrpSpPr>
+      <p:grpSpPr>
+        <a:xfrm>
+          <a:off x="0" y="0"/>
+          <a:ext cx="0" cy="0"/>
+          <a:chOff x="0" y="0"/>
+          <a:chExt cx="0" cy="0"/>
+        </a:xfrm>
+      </p:grpSpPr>
+      <p:sp>
+        <p:nvSpPr>
+          <p:cNvPr id="3" name="Title 2">
+            <a:extLst>
+              <a:ext uri="{FF2B5EF4-FFF2-40B4-BE49-F238E27FC236}">
+                <a16:creationId xmlns:a16="http://schemas.microsoft.com/office/drawing/2014/main" id="{FB4C6C0D-CDA1-43E3-8CDA-F4D3F58AC9C7}"/>
+              </a:ext>
+            </a:extLst>
+          </p:cNvPr>
+          <p:cNvSpPr>
+            <a:spLocks noGrp="1"/>
+          </p:cNvSpPr>
+          <p:nvPr>
+            <p:ph type="title" idx="4294967295"/>
+          </p:nvPr>
+        </p:nvSpPr>
+        <p:spPr>
+          <a:xfrm>
+            <a:off x="304800" y="895350"/>
+            <a:ext cx="3124200" cy="495907"/>
+          </a:xfrm>
+          <a:prstGeom prst="rect">
+            <a:avLst/>
+          </a:prstGeom>
+        </p:spPr>
+        <p:txBody>
+          <a:bodyPr/>
+          <a:lstStyle/>
+          <a:p>
+            <a:r>
+              <a:rPr lang="en-US" sz="3200" dirty="0"/>
+              <a:t>DPB1 Heuristic</a:t>
+            </a:r>
+          </a:p>
+        </p:txBody>
+      </p:sp>
+      <p:pic>
+        <p:nvPicPr>
+          <p:cNvPr id="16" name="Picture 15">
+            <a:extLst>
+              <a:ext uri="{FF2B5EF4-FFF2-40B4-BE49-F238E27FC236}">
+                <a16:creationId xmlns:a16="http://schemas.microsoft.com/office/drawing/2014/main" id="{37018AEF-8278-40E9-9C97-D4460527CB98}"/>
+              </a:ext>
+            </a:extLst>
+          </p:cNvPr>
+          <p:cNvPicPr>
+            <a:picLocks noChangeAspect="1"/>
+          </p:cNvPicPr>
+          <p:nvPr/>
+        </p:nvPicPr>
+        <p:blipFill rotWithShape="1">
+          <a:blip r:embed="rId3"/>
+          <a:srcRect t="-1" b="-7285"/>
+          <a:stretch/>
+        </p:blipFill>
+        <p:spPr>
+          <a:xfrm>
+            <a:off x="3670419" y="1216859"/>
+            <a:ext cx="5309964" cy="3581400"/>
+          </a:xfrm>
+          <a:prstGeom prst="rect">
+            <a:avLst/>
+          </a:prstGeom>
+          <a:ln>
+            <a:solidFill>
+              <a:schemeClr val="tx1"/>
+            </a:solidFill>
+          </a:ln>
+        </p:spPr>
+      </p:pic>
+      <p:sp>
+        <p:nvSpPr>
+          <p:cNvPr id="17" name="Rectangle 16">
+            <a:extLst>
+              <a:ext uri="{FF2B5EF4-FFF2-40B4-BE49-F238E27FC236}">
+                <a16:creationId xmlns:a16="http://schemas.microsoft.com/office/drawing/2014/main" id="{452794C6-59FD-4B32-95EF-DB993863AA3A}"/>
+              </a:ext>
+            </a:extLst>
+          </p:cNvPr>
+          <p:cNvSpPr/>
+          <p:nvPr/>
+        </p:nvSpPr>
+        <p:spPr>
+          <a:xfrm>
+            <a:off x="6248400" y="4580751"/>
+            <a:ext cx="2850139" cy="276999"/>
+          </a:xfrm>
+          <a:prstGeom prst="rect">
+            <a:avLst/>
+          </a:prstGeom>
+        </p:spPr>
+        <p:txBody>
+          <a:bodyPr wrap="none">
+            <a:spAutoFit/>
+          </a:bodyPr>
+          <a:lstStyle/>
+          <a:p>
+            <a:r>
+              <a:rPr lang="en-US" sz="1200" dirty="0" err="1"/>
+              <a:t>Billen</a:t>
+            </a:r>
+            <a:r>
+              <a:rPr lang="en-US" sz="1200" dirty="0"/>
+              <a:t>, et al. Tissue Antigens 75:278, 2009. </a:t>
+            </a:r>
+          </a:p>
+        </p:txBody>
+      </p:sp>
+      <p:sp>
+        <p:nvSpPr>
+          <p:cNvPr id="18" name="Content Placeholder 1">
+            <a:extLst>
+              <a:ext uri="{FF2B5EF4-FFF2-40B4-BE49-F238E27FC236}">
+                <a16:creationId xmlns:a16="http://schemas.microsoft.com/office/drawing/2014/main" id="{9BDE79C3-6896-4EDA-A492-67F5E71044AC}"/>
+              </a:ext>
+            </a:extLst>
+          </p:cNvPr>
+          <p:cNvSpPr>
+            <a:spLocks noGrp="1"/>
+          </p:cNvSpPr>
+          <p:nvPr>
+            <p:ph idx="1"/>
+          </p:nvPr>
+        </p:nvSpPr>
+        <p:spPr>
+          <a:xfrm>
+            <a:off x="166941" y="1863775"/>
+            <a:ext cx="3399917" cy="2287568"/>
+          </a:xfrm>
+        </p:spPr>
+        <p:txBody>
+          <a:bodyPr>
+            <a:noAutofit/>
+          </a:bodyPr>
+          <a:lstStyle/>
+          <a:p>
+            <a:pPr marL="0" indent="0">
+              <a:buNone/>
+            </a:pPr>
+            <a:r>
+              <a:rPr lang="en-US" sz="2400" dirty="0"/>
+              <a:t>If all single antigen beads bearing a particular hypervariable region epitope are positive, then infer there is an antibody specific for that epitope.</a:t>
+            </a:r>
+          </a:p>
+        </p:txBody>
+      </p:sp>
+    </p:spTree>
+    <p:extLst>
+      <p:ext uri="{BB962C8B-B14F-4D97-AF65-F5344CB8AC3E}">
+        <p14:creationId xmlns:p14="http://schemas.microsoft.com/office/powerpoint/2010/main" val="2819121891"/>
+      </p:ext>
+    </p:extLst>
+  </p:cSld>
+  <p:clrMapOvr>
+    <a:masterClrMapping/>
+  </p:clrMapOvr>
+</p:sld>
+</file>
+
+<file path=ppt/slides/slide33.xml><?xml version="1.0" encoding="utf-8"?>
+<p:sld xmlns:a="http://schemas.openxmlformats.org/drawingml/2006/main" xmlns:r="http://schemas.openxmlformats.org/officeDocument/2006/relationships" xmlns:p="http://schemas.openxmlformats.org/presentationml/2006/main">
+  <p:cSld>
+    <p:spTree>
+      <p:nvGrpSpPr>
+        <p:cNvPr id="1" name=""/>
+        <p:cNvGrpSpPr/>
+        <p:nvPr/>
+      </p:nvGrpSpPr>
+      <p:grpSpPr>
+        <a:xfrm>
+          <a:off x="0" y="0"/>
+          <a:ext cx="0" cy="0"/>
+          <a:chOff x="0" y="0"/>
+          <a:chExt cx="0" cy="0"/>
+        </a:xfrm>
+      </p:grpSpPr>
+      <p:sp>
+        <p:nvSpPr>
+          <p:cNvPr id="3" name="Title 2">
+            <a:extLst>
+              <a:ext uri="{FF2B5EF4-FFF2-40B4-BE49-F238E27FC236}">
+                <a16:creationId xmlns:a16="http://schemas.microsoft.com/office/drawing/2014/main" id="{FB4C6C0D-CDA1-43E3-8CDA-F4D3F58AC9C7}"/>
+              </a:ext>
+            </a:extLst>
+          </p:cNvPr>
+          <p:cNvSpPr>
+            <a:spLocks noGrp="1"/>
+          </p:cNvSpPr>
+          <p:nvPr>
+            <p:ph type="title" idx="4294967295"/>
+          </p:nvPr>
+        </p:nvSpPr>
+        <p:spPr>
+          <a:xfrm>
+            <a:off x="628650" y="819150"/>
+            <a:ext cx="7886700" cy="495907"/>
+          </a:xfrm>
+          <a:prstGeom prst="rect">
+            <a:avLst/>
+          </a:prstGeom>
+        </p:spPr>
+        <p:txBody>
+          <a:bodyPr/>
+          <a:lstStyle/>
+          <a:p>
+            <a:r>
+              <a:rPr lang="en-US" sz="2800" dirty="0"/>
+              <a:t>DPB1 REST Web Services Resources</a:t>
+            </a:r>
+          </a:p>
+        </p:txBody>
+      </p:sp>
+      <p:pic>
+        <p:nvPicPr>
+          <p:cNvPr id="8" name="Picture 7">
+            <a:extLst>
+              <a:ext uri="{FF2B5EF4-FFF2-40B4-BE49-F238E27FC236}">
+                <a16:creationId xmlns:a16="http://schemas.microsoft.com/office/drawing/2014/main" id="{BC48EDBF-0116-4137-9EC7-065C0CC517E1}"/>
+              </a:ext>
+            </a:extLst>
+          </p:cNvPr>
+          <p:cNvPicPr>
+            <a:picLocks noChangeAspect="1"/>
+          </p:cNvPicPr>
+          <p:nvPr/>
+        </p:nvPicPr>
+        <p:blipFill>
+          <a:blip r:embed="rId3"/>
+          <a:stretch>
+            <a:fillRect/>
+          </a:stretch>
+        </p:blipFill>
+        <p:spPr>
+          <a:xfrm>
+            <a:off x="4750105" y="1376416"/>
+            <a:ext cx="4007033" cy="3696450"/>
+          </a:xfrm>
+          <a:prstGeom prst="rect">
+            <a:avLst/>
+          </a:prstGeom>
+        </p:spPr>
+      </p:pic>
+      <p:pic>
+        <p:nvPicPr>
+          <p:cNvPr id="10" name="Picture 9">
+            <a:extLst>
+              <a:ext uri="{FF2B5EF4-FFF2-40B4-BE49-F238E27FC236}">
+                <a16:creationId xmlns:a16="http://schemas.microsoft.com/office/drawing/2014/main" id="{CE68FA1D-050F-4129-8A34-773743502648}"/>
+              </a:ext>
+            </a:extLst>
+          </p:cNvPr>
+          <p:cNvPicPr>
+            <a:picLocks noChangeAspect="1"/>
+          </p:cNvPicPr>
+          <p:nvPr/>
+        </p:nvPicPr>
+        <p:blipFill>
+          <a:blip r:embed="rId4"/>
+          <a:stretch>
+            <a:fillRect/>
+          </a:stretch>
+        </p:blipFill>
+        <p:spPr>
+          <a:xfrm>
+            <a:off x="386863" y="1376416"/>
+            <a:ext cx="4007033" cy="3696450"/>
+          </a:xfrm>
+          <a:prstGeom prst="rect">
+            <a:avLst/>
+          </a:prstGeom>
+        </p:spPr>
+      </p:pic>
+      <p:sp>
+        <p:nvSpPr>
+          <p:cNvPr id="11" name="Rectangle 10">
+            <a:extLst>
+              <a:ext uri="{FF2B5EF4-FFF2-40B4-BE49-F238E27FC236}">
+                <a16:creationId xmlns:a16="http://schemas.microsoft.com/office/drawing/2014/main" id="{AD3DA7B9-B1B7-43E7-9A42-5F94886AED43}"/>
+              </a:ext>
+            </a:extLst>
+          </p:cNvPr>
+          <p:cNvSpPr/>
+          <p:nvPr/>
+        </p:nvSpPr>
+        <p:spPr>
+          <a:xfrm rot="19018441">
+            <a:off x="1850285" y="3657450"/>
+            <a:ext cx="2867541" cy="523220"/>
+          </a:xfrm>
+          <a:prstGeom prst="rect">
+            <a:avLst/>
+          </a:prstGeom>
+          <a:solidFill>
+            <a:srgbClr val="4BC4C2"/>
+          </a:solidFill>
+        </p:spPr>
+        <p:txBody>
+          <a:bodyPr wrap="square">
+            <a:spAutoFit/>
+          </a:bodyPr>
+          <a:lstStyle/>
+          <a:p>
+            <a:r>
+              <a:rPr lang="en-US" sz="1400" dirty="0">
+                <a:solidFill>
+                  <a:schemeClr val="bg1"/>
+                </a:solidFill>
+              </a:rPr>
+              <a:t>Resource Name: </a:t>
+            </a:r>
+            <a:r>
+              <a:rPr lang="en-US" sz="1400" b="1" dirty="0">
+                <a:solidFill>
+                  <a:srgbClr val="FFFF00"/>
+                </a:solidFill>
+              </a:rPr>
+              <a:t>alleles</a:t>
+            </a:r>
+          </a:p>
+          <a:p>
+            <a:r>
+              <a:rPr lang="en-US" sz="1400" dirty="0">
+                <a:solidFill>
+                  <a:schemeClr val="bg1"/>
+                </a:solidFill>
+              </a:rPr>
+              <a:t>Resource ID: </a:t>
+            </a:r>
+            <a:r>
+              <a:rPr lang="en-US" sz="1400" b="1" dirty="0">
+                <a:solidFill>
+                  <a:srgbClr val="FFFF00"/>
+                </a:solidFill>
+              </a:rPr>
+              <a:t>HLA-DPB1*01:01:01:01</a:t>
+            </a:r>
+          </a:p>
+        </p:txBody>
+      </p:sp>
+      <p:sp>
+        <p:nvSpPr>
+          <p:cNvPr id="12" name="Rectangle 11">
+            <a:extLst>
+              <a:ext uri="{FF2B5EF4-FFF2-40B4-BE49-F238E27FC236}">
+                <a16:creationId xmlns:a16="http://schemas.microsoft.com/office/drawing/2014/main" id="{ECFD3AB2-44C8-4FF7-A25E-F4268BDB28DD}"/>
+              </a:ext>
+            </a:extLst>
+          </p:cNvPr>
+          <p:cNvSpPr/>
+          <p:nvPr/>
+        </p:nvSpPr>
+        <p:spPr>
+          <a:xfrm rot="19018441">
+            <a:off x="6322490" y="3609948"/>
+            <a:ext cx="3042981" cy="523220"/>
+          </a:xfrm>
+          <a:prstGeom prst="rect">
+            <a:avLst/>
+          </a:prstGeom>
+          <a:solidFill>
+            <a:srgbClr val="4BC4C2"/>
+          </a:solidFill>
+        </p:spPr>
+        <p:txBody>
+          <a:bodyPr wrap="square">
+            <a:spAutoFit/>
+          </a:bodyPr>
+          <a:lstStyle/>
+          <a:p>
+            <a:r>
+              <a:rPr lang="en-US" sz="1400" dirty="0">
+                <a:solidFill>
+                  <a:schemeClr val="bg1"/>
+                </a:solidFill>
+              </a:rPr>
+              <a:t>Resource Name: </a:t>
+            </a:r>
+            <a:r>
+              <a:rPr lang="en-US" sz="1400" b="1" dirty="0" err="1">
+                <a:solidFill>
+                  <a:srgbClr val="FFFF00"/>
+                </a:solidFill>
+              </a:rPr>
+              <a:t>hypervariableRegions</a:t>
+            </a:r>
+            <a:endParaRPr lang="en-US" sz="1400" b="1" dirty="0">
+              <a:solidFill>
+                <a:srgbClr val="FFFF00"/>
+              </a:solidFill>
+            </a:endParaRPr>
+          </a:p>
+          <a:p>
+            <a:r>
+              <a:rPr lang="en-US" sz="1400" dirty="0">
+                <a:solidFill>
+                  <a:schemeClr val="bg1"/>
+                </a:solidFill>
+              </a:rPr>
+              <a:t>Resource ID: </a:t>
+            </a:r>
+            <a:r>
+              <a:rPr lang="en-US" sz="1400" b="1" dirty="0">
+                <a:solidFill>
+                  <a:srgbClr val="FFFF00"/>
+                </a:solidFill>
+              </a:rPr>
+              <a:t>a</a:t>
+            </a:r>
+          </a:p>
+        </p:txBody>
+      </p:sp>
+      <p:cxnSp>
+        <p:nvCxnSpPr>
+          <p:cNvPr id="14" name="Straight Arrow Connector 13">
+            <a:extLst>
+              <a:ext uri="{FF2B5EF4-FFF2-40B4-BE49-F238E27FC236}">
+                <a16:creationId xmlns:a16="http://schemas.microsoft.com/office/drawing/2014/main" id="{8DA62928-BC6F-4EC6-A5C3-476246FE33EF}"/>
+              </a:ext>
+            </a:extLst>
+          </p:cNvPr>
+          <p:cNvCxnSpPr>
+            <a:cxnSpLocks/>
+          </p:cNvCxnSpPr>
+          <p:nvPr/>
+        </p:nvCxnSpPr>
+        <p:spPr>
+          <a:xfrm flipH="1" flipV="1">
+            <a:off x="2667000" y="1733550"/>
+            <a:ext cx="533400" cy="1981200"/>
+          </a:xfrm>
+          <a:prstGeom prst="straightConnector1">
+            <a:avLst/>
+          </a:prstGeom>
+          <a:ln>
+            <a:solidFill>
+              <a:srgbClr val="FBB033"/>
+            </a:solidFill>
+            <a:tailEnd type="triangle"/>
+          </a:ln>
+        </p:spPr>
+        <p:style>
+          <a:lnRef idx="2">
+            <a:schemeClr val="accent1"/>
+          </a:lnRef>
+          <a:fillRef idx="0">
+            <a:schemeClr val="accent1"/>
+          </a:fillRef>
+          <a:effectRef idx="1">
+            <a:schemeClr val="accent1"/>
+          </a:effectRef>
+          <a:fontRef idx="minor">
+            <a:schemeClr val="tx1"/>
+          </a:fontRef>
+        </p:style>
+      </p:cxnSp>
+      <p:cxnSp>
+        <p:nvCxnSpPr>
+          <p:cNvPr id="19" name="Straight Arrow Connector 18">
+            <a:extLst>
+              <a:ext uri="{FF2B5EF4-FFF2-40B4-BE49-F238E27FC236}">
+                <a16:creationId xmlns:a16="http://schemas.microsoft.com/office/drawing/2014/main" id="{9432032E-5A8D-4126-940D-624FEA598AB4}"/>
+              </a:ext>
+            </a:extLst>
+          </p:cNvPr>
+          <p:cNvCxnSpPr>
+            <a:cxnSpLocks/>
+          </p:cNvCxnSpPr>
+          <p:nvPr/>
+        </p:nvCxnSpPr>
+        <p:spPr>
+          <a:xfrm flipH="1" flipV="1">
+            <a:off x="3048000" y="1733550"/>
+            <a:ext cx="533400" cy="1905000"/>
+          </a:xfrm>
+          <a:prstGeom prst="straightConnector1">
+            <a:avLst/>
+          </a:prstGeom>
+          <a:ln>
+            <a:solidFill>
+              <a:srgbClr val="FBB033"/>
+            </a:solidFill>
+            <a:tailEnd type="triangle"/>
+          </a:ln>
+        </p:spPr>
+        <p:style>
+          <a:lnRef idx="2">
+            <a:schemeClr val="accent1"/>
+          </a:lnRef>
+          <a:fillRef idx="0">
+            <a:schemeClr val="accent1"/>
+          </a:fillRef>
+          <a:effectRef idx="1">
+            <a:schemeClr val="accent1"/>
+          </a:effectRef>
+          <a:fontRef idx="minor">
+            <a:schemeClr val="tx1"/>
+          </a:fontRef>
+        </p:style>
+      </p:cxnSp>
+      <p:cxnSp>
+        <p:nvCxnSpPr>
+          <p:cNvPr id="21" name="Straight Arrow Connector 20">
+            <a:extLst>
+              <a:ext uri="{FF2B5EF4-FFF2-40B4-BE49-F238E27FC236}">
+                <a16:creationId xmlns:a16="http://schemas.microsoft.com/office/drawing/2014/main" id="{F613713B-9DFB-42FD-9F47-3A604E286BD6}"/>
+              </a:ext>
+            </a:extLst>
+          </p:cNvPr>
+          <p:cNvCxnSpPr>
+            <a:cxnSpLocks/>
+          </p:cNvCxnSpPr>
+          <p:nvPr/>
+        </p:nvCxnSpPr>
+        <p:spPr>
+          <a:xfrm flipH="1" flipV="1">
+            <a:off x="7162800" y="1751536"/>
+            <a:ext cx="533400" cy="1981200"/>
+          </a:xfrm>
+          <a:prstGeom prst="straightConnector1">
+            <a:avLst/>
+          </a:prstGeom>
+          <a:ln>
+            <a:solidFill>
+              <a:srgbClr val="FBB033"/>
+            </a:solidFill>
+            <a:tailEnd type="triangle"/>
+          </a:ln>
+        </p:spPr>
+        <p:style>
+          <a:lnRef idx="2">
+            <a:schemeClr val="accent1"/>
+          </a:lnRef>
+          <a:fillRef idx="0">
+            <a:schemeClr val="accent1"/>
+          </a:fillRef>
+          <a:effectRef idx="1">
+            <a:schemeClr val="accent1"/>
+          </a:effectRef>
+          <a:fontRef idx="minor">
+            <a:schemeClr val="tx1"/>
+          </a:fontRef>
+        </p:style>
+      </p:cxnSp>
+      <p:sp>
+        <p:nvSpPr>
+          <p:cNvPr id="22" name="Freeform: Shape 21">
+            <a:extLst>
+              <a:ext uri="{FF2B5EF4-FFF2-40B4-BE49-F238E27FC236}">
+                <a16:creationId xmlns:a16="http://schemas.microsoft.com/office/drawing/2014/main" id="{132024D3-A319-40E9-B3A8-BF802A450275}"/>
+              </a:ext>
+            </a:extLst>
+          </p:cNvPr>
+          <p:cNvSpPr/>
+          <p:nvPr/>
+        </p:nvSpPr>
+        <p:spPr>
+          <a:xfrm>
+            <a:off x="7667678" y="1736849"/>
+            <a:ext cx="1363989" cy="2462239"/>
+          </a:xfrm>
+          <a:custGeom>
+            <a:avLst/>
+            <a:gdLst>
+              <a:gd name="connsiteX0" fmla="*/ 0 w 1363989"/>
+              <a:gd name="connsiteY0" fmla="*/ 2462239 h 2462239"/>
+              <a:gd name="connsiteX1" fmla="*/ 1363938 w 1363989"/>
+              <a:gd name="connsiteY1" fmla="*/ 1195361 h 2462239"/>
+              <a:gd name="connsiteX2" fmla="*/ 40867 w 1363989"/>
+              <a:gd name="connsiteY2" fmla="*/ 0 h 2462239"/>
+            </a:gdLst>
+            <a:ahLst/>
+            <a:cxnLst>
+              <a:cxn ang="0">
+                <a:pos x="connsiteX0" y="connsiteY0"/>
+              </a:cxn>
+              <a:cxn ang="0">
+                <a:pos x="connsiteX1" y="connsiteY1"/>
+              </a:cxn>
+              <a:cxn ang="0">
+                <a:pos x="connsiteX2" y="connsiteY2"/>
+              </a:cxn>
+            </a:cxnLst>
+            <a:rect l="l" t="t" r="r" b="b"/>
+            <a:pathLst>
+              <a:path w="1363989" h="2462239">
+                <a:moveTo>
+                  <a:pt x="0" y="2462239"/>
+                </a:moveTo>
+                <a:cubicBezTo>
+                  <a:pt x="678563" y="2033986"/>
+                  <a:pt x="1357127" y="1605734"/>
+                  <a:pt x="1363938" y="1195361"/>
+                </a:cubicBezTo>
+                <a:cubicBezTo>
+                  <a:pt x="1370749" y="784988"/>
+                  <a:pt x="705808" y="392494"/>
+                  <a:pt x="40867" y="0"/>
+                </a:cubicBezTo>
+              </a:path>
+            </a:pathLst>
+          </a:custGeom>
+          <a:noFill/>
+          <a:ln w="19050">
+            <a:solidFill>
+              <a:srgbClr val="FBB033"/>
+            </a:solidFill>
+            <a:headEnd type="none" w="med" len="med"/>
+            <a:tailEnd type="triangle" w="med" len="med"/>
+          </a:ln>
+        </p:spPr>
+        <p:style>
+          <a:lnRef idx="1">
+            <a:schemeClr val="accent1"/>
+          </a:lnRef>
+          <a:fillRef idx="3">
+            <a:schemeClr val="accent1"/>
+          </a:fillRef>
+          <a:effectRef idx="2">
+            <a:schemeClr val="accent1"/>
+          </a:effectRef>
+          <a:fontRef idx="minor">
+            <a:schemeClr val="lt1"/>
+          </a:fontRef>
+        </p:style>
+        <p:txBody>
+          <a:bodyPr rtlCol="0" anchor="ctr"/>
+          <a:lstStyle/>
+          <a:p>
+            <a:pPr algn="ctr"/>
+            <a:endParaRPr lang="en-US"/>
+          </a:p>
+        </p:txBody>
+      </p:sp>
+    </p:spTree>
+    <p:extLst>
+      <p:ext uri="{BB962C8B-B14F-4D97-AF65-F5344CB8AC3E}">
+        <p14:creationId xmlns:p14="http://schemas.microsoft.com/office/powerpoint/2010/main" val="3235512087"/>
+      </p:ext>
+    </p:extLst>
+  </p:cSld>
+  <p:clrMapOvr>
+    <a:masterClrMapping/>
+  </p:clrMapOvr>
+</p:sld>
+</file>
+
+<file path=ppt/slides/slide34.xml><?xml version="1.0" encoding="utf-8"?>
+<p:sld xmlns:a="http://schemas.openxmlformats.org/drawingml/2006/main" xmlns:r="http://schemas.openxmlformats.org/officeDocument/2006/relationships" xmlns:p="http://schemas.openxmlformats.org/presentationml/2006/main">
+  <p:cSld>
+    <p:spTree>
+      <p:nvGrpSpPr>
+        <p:cNvPr id="1" name=""/>
+        <p:cNvGrpSpPr/>
+        <p:nvPr/>
+      </p:nvGrpSpPr>
+      <p:grpSpPr>
+        <a:xfrm>
+          <a:off x="0" y="0"/>
+          <a:ext cx="0" cy="0"/>
+          <a:chOff x="0" y="0"/>
+          <a:chExt cx="0" cy="0"/>
+        </a:xfrm>
+      </p:grpSpPr>
+      <p:sp>
+        <p:nvSpPr>
+          <p:cNvPr id="3" name="Title 2">
+            <a:extLst>
+              <a:ext uri="{FF2B5EF4-FFF2-40B4-BE49-F238E27FC236}">
+                <a16:creationId xmlns:a16="http://schemas.microsoft.com/office/drawing/2014/main" id="{FB4C6C0D-CDA1-43E3-8CDA-F4D3F58AC9C7}"/>
+              </a:ext>
+            </a:extLst>
+          </p:cNvPr>
+          <p:cNvSpPr>
+            <a:spLocks noGrp="1"/>
+          </p:cNvSpPr>
+          <p:nvPr>
+            <p:ph type="title" idx="4294967295"/>
+          </p:nvPr>
+        </p:nvSpPr>
+        <p:spPr>
+          <a:xfrm>
+            <a:off x="628650" y="819150"/>
+            <a:ext cx="7886700" cy="495907"/>
+          </a:xfrm>
+          <a:prstGeom prst="rect">
+            <a:avLst/>
+          </a:prstGeom>
+        </p:spPr>
+        <p:txBody>
+          <a:bodyPr/>
+          <a:lstStyle/>
+          <a:p>
+            <a:r>
+              <a:rPr lang="en-US" sz="2800" dirty="0"/>
+              <a:t>DPB1 REST Web Services Demonstration Application</a:t>
+            </a:r>
+          </a:p>
+        </p:txBody>
+      </p:sp>
+      <p:pic>
+        <p:nvPicPr>
+          <p:cNvPr id="6" name="Picture 5">
+            <a:extLst>
+              <a:ext uri="{FF2B5EF4-FFF2-40B4-BE49-F238E27FC236}">
+                <a16:creationId xmlns:a16="http://schemas.microsoft.com/office/drawing/2014/main" id="{5F72C912-20D3-470D-B260-739D396FEE7C}"/>
+              </a:ext>
+            </a:extLst>
+          </p:cNvPr>
+          <p:cNvPicPr>
+            <a:picLocks noChangeAspect="1"/>
+          </p:cNvPicPr>
+          <p:nvPr/>
+        </p:nvPicPr>
+        <p:blipFill>
+          <a:blip r:embed="rId3"/>
+          <a:stretch>
+            <a:fillRect/>
+          </a:stretch>
+        </p:blipFill>
+        <p:spPr>
+          <a:xfrm>
+            <a:off x="100263" y="1816041"/>
+            <a:ext cx="8943474" cy="3117909"/>
+          </a:xfrm>
+          <a:prstGeom prst="rect">
+            <a:avLst/>
+          </a:prstGeom>
+        </p:spPr>
+      </p:pic>
+      <p:pic>
+        <p:nvPicPr>
+          <p:cNvPr id="7" name="Picture 6">
+            <a:extLst>
+              <a:ext uri="{FF2B5EF4-FFF2-40B4-BE49-F238E27FC236}">
+                <a16:creationId xmlns:a16="http://schemas.microsoft.com/office/drawing/2014/main" id="{52E10C92-BA09-4B27-97D0-3C7E2784D180}"/>
+              </a:ext>
+            </a:extLst>
+          </p:cNvPr>
+          <p:cNvPicPr>
+            <a:picLocks noChangeAspect="1"/>
+          </p:cNvPicPr>
+          <p:nvPr/>
+        </p:nvPicPr>
+        <p:blipFill>
+          <a:blip r:embed="rId4"/>
+          <a:stretch>
+            <a:fillRect/>
+          </a:stretch>
+        </p:blipFill>
+        <p:spPr>
+          <a:xfrm>
+            <a:off x="6477000" y="4171950"/>
+            <a:ext cx="2590800" cy="869515"/>
+          </a:xfrm>
+          <a:prstGeom prst="rect">
+            <a:avLst/>
+          </a:prstGeom>
+          <a:ln w="28575">
+            <a:solidFill>
+              <a:schemeClr val="accent1"/>
+            </a:solidFill>
+          </a:ln>
+          <a:effectLst>
+            <a:outerShdw blurRad="50800" dist="38100" dir="2700000" algn="tl" rotWithShape="0">
+              <a:prstClr val="black">
+                <a:alpha val="40000"/>
+              </a:prstClr>
+            </a:outerShdw>
+          </a:effectLst>
+        </p:spPr>
+      </p:pic>
+      <p:sp>
+        <p:nvSpPr>
+          <p:cNvPr id="9" name="Rectangle 8">
+            <a:extLst>
+              <a:ext uri="{FF2B5EF4-FFF2-40B4-BE49-F238E27FC236}">
+                <a16:creationId xmlns:a16="http://schemas.microsoft.com/office/drawing/2014/main" id="{31AEC437-B6FC-43EC-870E-A8C1AAF43F0E}"/>
+              </a:ext>
+            </a:extLst>
+          </p:cNvPr>
+          <p:cNvSpPr/>
+          <p:nvPr/>
+        </p:nvSpPr>
+        <p:spPr>
+          <a:xfrm>
+            <a:off x="1575195" y="1276350"/>
+            <a:ext cx="5993609" cy="523220"/>
+          </a:xfrm>
+          <a:prstGeom prst="rect">
+            <a:avLst/>
+          </a:prstGeom>
+        </p:spPr>
+        <p:txBody>
+          <a:bodyPr wrap="square">
+            <a:spAutoFit/>
+          </a:bodyPr>
+          <a:lstStyle/>
+          <a:p>
+            <a:pPr algn="ctr"/>
+            <a:r>
+              <a:rPr lang="en-US" sz="1400" dirty="0"/>
+              <a:t>Candidate type: DPB1*01:01, *02:01 Donor phenotype: DPB1*04:01, *78:01</a:t>
+            </a:r>
+          </a:p>
+          <a:p>
+            <a:pPr algn="ctr"/>
+            <a:r>
+              <a:rPr lang="en-US" sz="1400" dirty="0"/>
+              <a:t>Candidate’s unacceptable antibody profile: DPB1*03, *06, *09, *14, *17, *20</a:t>
+            </a:r>
+          </a:p>
+        </p:txBody>
+      </p:sp>
+      <p:sp>
+        <p:nvSpPr>
+          <p:cNvPr id="13" name="Oval 12">
+            <a:extLst>
+              <a:ext uri="{FF2B5EF4-FFF2-40B4-BE49-F238E27FC236}">
+                <a16:creationId xmlns:a16="http://schemas.microsoft.com/office/drawing/2014/main" id="{9ECEB718-72E8-478F-BB3A-B8BFB7B69012}"/>
+              </a:ext>
+            </a:extLst>
+          </p:cNvPr>
+          <p:cNvSpPr/>
+          <p:nvPr/>
+        </p:nvSpPr>
+        <p:spPr>
+          <a:xfrm>
+            <a:off x="2320640" y="4580732"/>
+            <a:ext cx="228600" cy="226834"/>
+          </a:xfrm>
+          <a:prstGeom prst="ellipse">
+            <a:avLst/>
+          </a:prstGeom>
+          <a:noFill/>
+          <a:ln w="38100">
+            <a:solidFill>
+              <a:srgbClr val="FF0000"/>
+            </a:solidFill>
+          </a:ln>
+        </p:spPr>
+        <p:style>
+          <a:lnRef idx="1">
+            <a:schemeClr val="accent1"/>
+          </a:lnRef>
+          <a:fillRef idx="3">
+            <a:schemeClr val="accent1"/>
+          </a:fillRef>
+          <a:effectRef idx="2">
+            <a:schemeClr val="accent1"/>
+          </a:effectRef>
+          <a:fontRef idx="minor">
+            <a:schemeClr val="lt1"/>
+          </a:fontRef>
+        </p:style>
+        <p:txBody>
+          <a:bodyPr rtlCol="0" anchor="ctr"/>
+          <a:lstStyle/>
+          <a:p>
+            <a:pPr algn="ctr"/>
+            <a:endParaRPr lang="en-US"/>
+          </a:p>
+        </p:txBody>
+      </p:sp>
+      <p:sp>
+        <p:nvSpPr>
+          <p:cNvPr id="23" name="Oval 22">
+            <a:extLst>
+              <a:ext uri="{FF2B5EF4-FFF2-40B4-BE49-F238E27FC236}">
+                <a16:creationId xmlns:a16="http://schemas.microsoft.com/office/drawing/2014/main" id="{49F5ED54-1E36-4597-8103-D9FB1A52A1C1}"/>
+              </a:ext>
+            </a:extLst>
+          </p:cNvPr>
+          <p:cNvSpPr/>
+          <p:nvPr/>
+        </p:nvSpPr>
+        <p:spPr>
+          <a:xfrm>
+            <a:off x="6757550" y="1295676"/>
+            <a:ext cx="762000" cy="269889"/>
+          </a:xfrm>
+          <a:prstGeom prst="ellipse">
+            <a:avLst/>
+          </a:prstGeom>
+          <a:noFill/>
+          <a:ln w="38100">
+            <a:solidFill>
+              <a:srgbClr val="FF0000"/>
+            </a:solidFill>
+          </a:ln>
+        </p:spPr>
+        <p:style>
+          <a:lnRef idx="1">
+            <a:schemeClr val="accent1"/>
+          </a:lnRef>
+          <a:fillRef idx="3">
+            <a:schemeClr val="accent1"/>
+          </a:fillRef>
+          <a:effectRef idx="2">
+            <a:schemeClr val="accent1"/>
+          </a:effectRef>
+          <a:fontRef idx="minor">
+            <a:schemeClr val="lt1"/>
+          </a:fontRef>
+        </p:style>
+        <p:txBody>
+          <a:bodyPr rtlCol="0" anchor="ctr"/>
+          <a:lstStyle/>
+          <a:p>
+            <a:pPr algn="ctr"/>
+            <a:endParaRPr lang="en-US"/>
+          </a:p>
+        </p:txBody>
+      </p:sp>
+    </p:spTree>
+    <p:extLst>
+      <p:ext uri="{BB962C8B-B14F-4D97-AF65-F5344CB8AC3E}">
+        <p14:creationId xmlns:p14="http://schemas.microsoft.com/office/powerpoint/2010/main" val="62532292"/>
+      </p:ext>
+    </p:extLst>
+  </p:cSld>
+  <p:clrMapOvr>
+    <a:masterClrMapping/>
+  </p:clrMapOvr>
+</p:sld>
+</file>
+
+<file path=ppt/slides/slide35.xml><?xml version="1.0" encoding="utf-8"?>
+<p:sld xmlns:a="http://schemas.openxmlformats.org/drawingml/2006/main" xmlns:r="http://schemas.openxmlformats.org/officeDocument/2006/relationships" xmlns:p="http://schemas.openxmlformats.org/presentationml/2006/main">
+  <p:cSld>
+    <p:spTree>
+      <p:nvGrpSpPr>
+        <p:cNvPr id="1" name=""/>
+        <p:cNvGrpSpPr/>
+        <p:nvPr/>
+      </p:nvGrpSpPr>
+      <p:grpSpPr>
+        <a:xfrm>
+          <a:off x="0" y="0"/>
+          <a:ext cx="0" cy="0"/>
+          <a:chOff x="0" y="0"/>
+          <a:chExt cx="0" cy="0"/>
+        </a:xfrm>
+      </p:grpSpPr>
+      <p:sp>
+        <p:nvSpPr>
+          <p:cNvPr id="3" name="Title 2">
+            <a:extLst>
+              <a:ext uri="{FF2B5EF4-FFF2-40B4-BE49-F238E27FC236}">
+                <a16:creationId xmlns:a16="http://schemas.microsoft.com/office/drawing/2014/main" id="{FB4C6C0D-CDA1-43E3-8CDA-F4D3F58AC9C7}"/>
+              </a:ext>
+            </a:extLst>
+          </p:cNvPr>
+          <p:cNvSpPr>
+            <a:spLocks noGrp="1"/>
+          </p:cNvSpPr>
+          <p:nvPr>
+            <p:ph type="title" idx="4294967295"/>
+          </p:nvPr>
+        </p:nvSpPr>
+        <p:spPr>
+          <a:xfrm>
+            <a:off x="628650" y="819150"/>
+            <a:ext cx="7886700" cy="495907"/>
+          </a:xfrm>
+          <a:prstGeom prst="rect">
+            <a:avLst/>
+          </a:prstGeom>
+        </p:spPr>
+        <p:txBody>
+          <a:bodyPr/>
+          <a:lstStyle/>
+          <a:p>
+            <a:r>
+              <a:rPr lang="en-US" sz="2800" dirty="0"/>
+              <a:t>DPB1 REST Web Services Demonstration Application</a:t>
+            </a:r>
+          </a:p>
+        </p:txBody>
+      </p:sp>
+      <p:sp>
+        <p:nvSpPr>
+          <p:cNvPr id="9" name="Rectangle 8">
+            <a:extLst>
+              <a:ext uri="{FF2B5EF4-FFF2-40B4-BE49-F238E27FC236}">
+                <a16:creationId xmlns:a16="http://schemas.microsoft.com/office/drawing/2014/main" id="{31AEC437-B6FC-43EC-870E-A8C1AAF43F0E}"/>
+              </a:ext>
+            </a:extLst>
+          </p:cNvPr>
+          <p:cNvSpPr/>
+          <p:nvPr/>
+        </p:nvSpPr>
+        <p:spPr>
+          <a:xfrm>
+            <a:off x="1575195" y="1276350"/>
+            <a:ext cx="5993609" cy="523220"/>
+          </a:xfrm>
+          <a:prstGeom prst="rect">
+            <a:avLst/>
+          </a:prstGeom>
+        </p:spPr>
+        <p:txBody>
+          <a:bodyPr wrap="square">
+            <a:spAutoFit/>
+          </a:bodyPr>
+          <a:lstStyle/>
+          <a:p>
+            <a:pPr algn="ctr"/>
+            <a:r>
+              <a:rPr lang="en-US" sz="1400" dirty="0"/>
+              <a:t>Candidate type: DPB1*01:01, *02:01 Donor phenotype: DPB1*04:01, *78:01</a:t>
+            </a:r>
+          </a:p>
+          <a:p>
+            <a:pPr algn="ctr"/>
+            <a:r>
+              <a:rPr lang="en-US" sz="1400" dirty="0"/>
+              <a:t>Candidate’s unacceptable antibody profile: DPB1*03, *06, *09, *14, *17, *20</a:t>
+            </a:r>
+          </a:p>
+        </p:txBody>
+      </p:sp>
+      <p:pic>
+        <p:nvPicPr>
+          <p:cNvPr id="2" name="Picture 1">
+            <a:extLst>
+              <a:ext uri="{FF2B5EF4-FFF2-40B4-BE49-F238E27FC236}">
+                <a16:creationId xmlns:a16="http://schemas.microsoft.com/office/drawing/2014/main" id="{1DFCAA26-7AE9-4A3D-81A8-5DE413230877}"/>
+              </a:ext>
+            </a:extLst>
+          </p:cNvPr>
+          <p:cNvPicPr>
+            <a:picLocks noChangeAspect="1"/>
+          </p:cNvPicPr>
+          <p:nvPr/>
+        </p:nvPicPr>
+        <p:blipFill>
+          <a:blip r:embed="rId3"/>
+          <a:stretch>
+            <a:fillRect/>
+          </a:stretch>
+        </p:blipFill>
+        <p:spPr>
+          <a:xfrm>
+            <a:off x="533400" y="1819684"/>
+            <a:ext cx="6296025" cy="3057525"/>
+          </a:xfrm>
+          <a:prstGeom prst="rect">
+            <a:avLst/>
+          </a:prstGeom>
+          <a:ln>
+            <a:solidFill>
+              <a:schemeClr val="accent1"/>
+            </a:solidFill>
+          </a:ln>
+        </p:spPr>
+      </p:pic>
+      <p:cxnSp>
+        <p:nvCxnSpPr>
+          <p:cNvPr id="5" name="Straight Arrow Connector 4">
+            <a:extLst>
+              <a:ext uri="{FF2B5EF4-FFF2-40B4-BE49-F238E27FC236}">
+                <a16:creationId xmlns:a16="http://schemas.microsoft.com/office/drawing/2014/main" id="{F9930C0E-E18F-4EE7-B8D3-7FD702DD38F0}"/>
+              </a:ext>
+            </a:extLst>
+          </p:cNvPr>
+          <p:cNvCxnSpPr>
+            <a:cxnSpLocks/>
+          </p:cNvCxnSpPr>
+          <p:nvPr/>
+        </p:nvCxnSpPr>
+        <p:spPr>
+          <a:xfrm>
+            <a:off x="367408" y="2114550"/>
+            <a:ext cx="13592" cy="2819400"/>
+          </a:xfrm>
+          <a:prstGeom prst="straightConnector1">
+            <a:avLst/>
+          </a:prstGeom>
+          <a:ln>
+            <a:solidFill>
+              <a:srgbClr val="4F81BD"/>
+            </a:solidFill>
+            <a:tailEnd type="triangle"/>
+          </a:ln>
+        </p:spPr>
+        <p:style>
+          <a:lnRef idx="2">
+            <a:schemeClr val="accent1"/>
+          </a:lnRef>
+          <a:fillRef idx="0">
+            <a:schemeClr val="accent1"/>
+          </a:fillRef>
+          <a:effectRef idx="1">
+            <a:schemeClr val="accent1"/>
+          </a:effectRef>
+          <a:fontRef idx="minor">
+            <a:schemeClr val="tx1"/>
+          </a:fontRef>
+        </p:style>
+      </p:cxnSp>
+      <p:sp>
+        <p:nvSpPr>
+          <p:cNvPr id="8" name="Rectangle 7">
+            <a:extLst>
+              <a:ext uri="{FF2B5EF4-FFF2-40B4-BE49-F238E27FC236}">
+                <a16:creationId xmlns:a16="http://schemas.microsoft.com/office/drawing/2014/main" id="{B02FF89F-975C-4BB7-80EB-C8CDA5872210}"/>
+              </a:ext>
+            </a:extLst>
+          </p:cNvPr>
+          <p:cNvSpPr/>
+          <p:nvPr/>
+        </p:nvSpPr>
+        <p:spPr>
+          <a:xfrm>
+            <a:off x="0" y="2038350"/>
+            <a:ext cx="306494" cy="307777"/>
+          </a:xfrm>
+          <a:prstGeom prst="rect">
+            <a:avLst/>
+          </a:prstGeom>
+        </p:spPr>
+        <p:txBody>
+          <a:bodyPr wrap="none">
+            <a:spAutoFit/>
+          </a:bodyPr>
+          <a:lstStyle/>
+          <a:p>
+            <a:r>
+              <a:rPr lang="en-US" sz="1400" dirty="0">
+                <a:solidFill>
+                  <a:srgbClr val="4F81BD"/>
+                </a:solidFill>
+              </a:rPr>
+              <a:t>t</a:t>
+            </a:r>
+            <a:r>
+              <a:rPr lang="en-US" sz="1400" baseline="-25000" dirty="0">
+                <a:solidFill>
+                  <a:srgbClr val="4F81BD"/>
+                </a:solidFill>
+              </a:rPr>
+              <a:t>0</a:t>
+            </a:r>
+          </a:p>
+        </p:txBody>
+      </p:sp>
+      <p:pic>
+        <p:nvPicPr>
+          <p:cNvPr id="11" name="Picture 10">
+            <a:extLst>
+              <a:ext uri="{FF2B5EF4-FFF2-40B4-BE49-F238E27FC236}">
+                <a16:creationId xmlns:a16="http://schemas.microsoft.com/office/drawing/2014/main" id="{13502BE0-6B63-4D8F-9113-763FFA321905}"/>
+              </a:ext>
+            </a:extLst>
+          </p:cNvPr>
+          <p:cNvPicPr>
+            <a:picLocks noChangeAspect="1"/>
+          </p:cNvPicPr>
+          <p:nvPr/>
+        </p:nvPicPr>
+        <p:blipFill>
+          <a:blip r:embed="rId4"/>
+          <a:stretch>
+            <a:fillRect/>
+          </a:stretch>
+        </p:blipFill>
+        <p:spPr>
+          <a:xfrm>
+            <a:off x="5334000" y="2243433"/>
+            <a:ext cx="3633787" cy="2266767"/>
+          </a:xfrm>
+          <a:prstGeom prst="rect">
+            <a:avLst/>
+          </a:prstGeom>
+        </p:spPr>
+      </p:pic>
+      <p:sp>
+        <p:nvSpPr>
+          <p:cNvPr id="14" name="Oval 13">
+            <a:extLst>
+              <a:ext uri="{FF2B5EF4-FFF2-40B4-BE49-F238E27FC236}">
+                <a16:creationId xmlns:a16="http://schemas.microsoft.com/office/drawing/2014/main" id="{B6B29946-AD07-4678-B3A2-B4252C2F06A9}"/>
+              </a:ext>
+            </a:extLst>
+          </p:cNvPr>
+          <p:cNvSpPr/>
+          <p:nvPr/>
+        </p:nvSpPr>
+        <p:spPr>
+          <a:xfrm>
+            <a:off x="6757550" y="1295676"/>
+            <a:ext cx="762000" cy="269889"/>
+          </a:xfrm>
+          <a:prstGeom prst="ellipse">
+            <a:avLst/>
+          </a:prstGeom>
+          <a:noFill/>
+          <a:ln w="38100">
+            <a:solidFill>
+              <a:srgbClr val="FF0000"/>
+            </a:solidFill>
+          </a:ln>
+        </p:spPr>
+        <p:style>
+          <a:lnRef idx="1">
+            <a:schemeClr val="accent1"/>
+          </a:lnRef>
+          <a:fillRef idx="3">
+            <a:schemeClr val="accent1"/>
+          </a:fillRef>
+          <a:effectRef idx="2">
+            <a:schemeClr val="accent1"/>
+          </a:effectRef>
+          <a:fontRef idx="minor">
+            <a:schemeClr val="lt1"/>
+          </a:fontRef>
+        </p:style>
+        <p:txBody>
+          <a:bodyPr rtlCol="0" anchor="ctr"/>
+          <a:lstStyle/>
+          <a:p>
+            <a:pPr algn="ctr"/>
+            <a:endParaRPr lang="en-US"/>
+          </a:p>
+        </p:txBody>
+      </p:sp>
+      <p:sp>
+        <p:nvSpPr>
+          <p:cNvPr id="15" name="Oval 14">
+            <a:extLst>
+              <a:ext uri="{FF2B5EF4-FFF2-40B4-BE49-F238E27FC236}">
+                <a16:creationId xmlns:a16="http://schemas.microsoft.com/office/drawing/2014/main" id="{5197C100-D8DE-4C53-B8A2-E094ECC449C2}"/>
+              </a:ext>
+            </a:extLst>
+          </p:cNvPr>
+          <p:cNvSpPr/>
+          <p:nvPr/>
+        </p:nvSpPr>
+        <p:spPr>
+          <a:xfrm>
+            <a:off x="7568804" y="2408709"/>
+            <a:ext cx="762000" cy="269889"/>
+          </a:xfrm>
+          <a:prstGeom prst="ellipse">
+            <a:avLst/>
+          </a:prstGeom>
+          <a:noFill/>
+          <a:ln w="38100">
+            <a:solidFill>
+              <a:srgbClr val="FF0000"/>
+            </a:solidFill>
+          </a:ln>
+        </p:spPr>
+        <p:style>
+          <a:lnRef idx="1">
+            <a:schemeClr val="accent1"/>
+          </a:lnRef>
+          <a:fillRef idx="3">
+            <a:schemeClr val="accent1"/>
+          </a:fillRef>
+          <a:effectRef idx="2">
+            <a:schemeClr val="accent1"/>
+          </a:effectRef>
+          <a:fontRef idx="minor">
+            <a:schemeClr val="lt1"/>
+          </a:fontRef>
+        </p:style>
+        <p:txBody>
+          <a:bodyPr rtlCol="0" anchor="ctr"/>
+          <a:lstStyle/>
+          <a:p>
+            <a:pPr algn="ctr"/>
+            <a:endParaRPr lang="en-US"/>
+          </a:p>
+        </p:txBody>
+      </p:sp>
+      <p:sp>
+        <p:nvSpPr>
+          <p:cNvPr id="16" name="Oval 15">
+            <a:extLst>
+              <a:ext uri="{FF2B5EF4-FFF2-40B4-BE49-F238E27FC236}">
+                <a16:creationId xmlns:a16="http://schemas.microsoft.com/office/drawing/2014/main" id="{CE768DC6-8A2A-4A46-A552-A521E7E59586}"/>
+              </a:ext>
+            </a:extLst>
+          </p:cNvPr>
+          <p:cNvSpPr/>
+          <p:nvPr/>
+        </p:nvSpPr>
+        <p:spPr>
+          <a:xfrm>
+            <a:off x="6334816" y="3846718"/>
+            <a:ext cx="277115" cy="269889"/>
+          </a:xfrm>
+          <a:prstGeom prst="ellipse">
+            <a:avLst/>
+          </a:prstGeom>
+          <a:noFill/>
+          <a:ln w="38100">
+            <a:solidFill>
+              <a:srgbClr val="FF0000"/>
+            </a:solidFill>
+          </a:ln>
+        </p:spPr>
+        <p:style>
+          <a:lnRef idx="1">
+            <a:schemeClr val="accent1"/>
+          </a:lnRef>
+          <a:fillRef idx="3">
+            <a:schemeClr val="accent1"/>
+          </a:fillRef>
+          <a:effectRef idx="2">
+            <a:schemeClr val="accent1"/>
+          </a:effectRef>
+          <a:fontRef idx="minor">
+            <a:schemeClr val="lt1"/>
+          </a:fontRef>
+        </p:style>
+        <p:txBody>
+          <a:bodyPr rtlCol="0" anchor="ctr"/>
+          <a:lstStyle/>
+          <a:p>
+            <a:pPr algn="ctr"/>
+            <a:endParaRPr lang="en-US"/>
+          </a:p>
+        </p:txBody>
+      </p:sp>
+      <p:sp>
+        <p:nvSpPr>
+          <p:cNvPr id="17" name="Rectangle 16">
+            <a:extLst>
+              <a:ext uri="{FF2B5EF4-FFF2-40B4-BE49-F238E27FC236}">
+                <a16:creationId xmlns:a16="http://schemas.microsoft.com/office/drawing/2014/main" id="{3CAEF72C-0F79-47FE-A75B-DE766998AC16}"/>
+              </a:ext>
+            </a:extLst>
+          </p:cNvPr>
+          <p:cNvSpPr/>
+          <p:nvPr/>
+        </p:nvSpPr>
+        <p:spPr>
+          <a:xfrm>
+            <a:off x="0" y="2216290"/>
+            <a:ext cx="306494" cy="307777"/>
+          </a:xfrm>
+          <a:prstGeom prst="rect">
+            <a:avLst/>
+          </a:prstGeom>
+        </p:spPr>
+        <p:txBody>
+          <a:bodyPr wrap="none">
+            <a:spAutoFit/>
+          </a:bodyPr>
+          <a:lstStyle/>
+          <a:p>
+            <a:r>
+              <a:rPr lang="en-US" sz="1400" dirty="0">
+                <a:solidFill>
+                  <a:srgbClr val="4F81BD"/>
+                </a:solidFill>
+              </a:rPr>
+              <a:t>t</a:t>
+            </a:r>
+            <a:r>
+              <a:rPr lang="en-US" sz="1400" baseline="-25000" dirty="0">
+                <a:solidFill>
+                  <a:srgbClr val="4F81BD"/>
+                </a:solidFill>
+              </a:rPr>
+              <a:t>1</a:t>
+            </a:r>
+          </a:p>
+        </p:txBody>
+      </p:sp>
+      <p:sp>
+        <p:nvSpPr>
+          <p:cNvPr id="18" name="Rectangle 17">
+            <a:extLst>
+              <a:ext uri="{FF2B5EF4-FFF2-40B4-BE49-F238E27FC236}">
+                <a16:creationId xmlns:a16="http://schemas.microsoft.com/office/drawing/2014/main" id="{15D2B46E-B5F7-48D8-BB43-9D5171B951A3}"/>
+              </a:ext>
+            </a:extLst>
+          </p:cNvPr>
+          <p:cNvSpPr/>
+          <p:nvPr/>
+        </p:nvSpPr>
+        <p:spPr>
+          <a:xfrm>
+            <a:off x="0" y="2419350"/>
+            <a:ext cx="306494" cy="307777"/>
+          </a:xfrm>
+          <a:prstGeom prst="rect">
+            <a:avLst/>
+          </a:prstGeom>
+        </p:spPr>
+        <p:txBody>
+          <a:bodyPr wrap="none">
+            <a:spAutoFit/>
+          </a:bodyPr>
+          <a:lstStyle/>
+          <a:p>
+            <a:r>
+              <a:rPr lang="en-US" sz="1400" dirty="0">
+                <a:solidFill>
+                  <a:srgbClr val="4F81BD"/>
+                </a:solidFill>
+              </a:rPr>
+              <a:t>t</a:t>
+            </a:r>
+            <a:r>
+              <a:rPr lang="en-US" sz="1400" baseline="-25000" dirty="0">
+                <a:solidFill>
+                  <a:srgbClr val="4F81BD"/>
+                </a:solidFill>
+              </a:rPr>
+              <a:t>2</a:t>
+            </a:r>
+          </a:p>
+        </p:txBody>
+      </p:sp>
+      <p:sp>
+        <p:nvSpPr>
+          <p:cNvPr id="19" name="Rectangle 18">
+            <a:extLst>
+              <a:ext uri="{FF2B5EF4-FFF2-40B4-BE49-F238E27FC236}">
+                <a16:creationId xmlns:a16="http://schemas.microsoft.com/office/drawing/2014/main" id="{EEF70042-7C03-416A-9B80-2095583142DC}"/>
+              </a:ext>
+            </a:extLst>
+          </p:cNvPr>
+          <p:cNvSpPr/>
+          <p:nvPr/>
+        </p:nvSpPr>
+        <p:spPr>
+          <a:xfrm>
+            <a:off x="0" y="2634435"/>
+            <a:ext cx="306494" cy="307777"/>
+          </a:xfrm>
+          <a:prstGeom prst="rect">
+            <a:avLst/>
+          </a:prstGeom>
+        </p:spPr>
+        <p:txBody>
+          <a:bodyPr wrap="none">
+            <a:spAutoFit/>
+          </a:bodyPr>
+          <a:lstStyle/>
+          <a:p>
+            <a:r>
+              <a:rPr lang="en-US" sz="1400" dirty="0">
+                <a:solidFill>
+                  <a:srgbClr val="4F81BD"/>
+                </a:solidFill>
+              </a:rPr>
+              <a:t>t</a:t>
+            </a:r>
+            <a:r>
+              <a:rPr lang="en-US" sz="1400" baseline="-25000" dirty="0">
+                <a:solidFill>
+                  <a:srgbClr val="4F81BD"/>
+                </a:solidFill>
+              </a:rPr>
+              <a:t>3</a:t>
+            </a:r>
+          </a:p>
+        </p:txBody>
+      </p:sp>
+      <p:cxnSp>
+        <p:nvCxnSpPr>
+          <p:cNvPr id="20" name="Straight Connector 19">
+            <a:extLst>
+              <a:ext uri="{FF2B5EF4-FFF2-40B4-BE49-F238E27FC236}">
+                <a16:creationId xmlns:a16="http://schemas.microsoft.com/office/drawing/2014/main" id="{F3B0ACA8-01BB-49CF-8DB4-D6127928E45C}"/>
+              </a:ext>
+            </a:extLst>
+          </p:cNvPr>
+          <p:cNvCxnSpPr>
+            <a:cxnSpLocks/>
+          </p:cNvCxnSpPr>
+          <p:nvPr/>
+        </p:nvCxnSpPr>
+        <p:spPr>
+          <a:xfrm flipH="1">
+            <a:off x="305648" y="2216290"/>
+            <a:ext cx="151552" cy="0"/>
+          </a:xfrm>
+          <a:prstGeom prst="line">
+            <a:avLst/>
+          </a:prstGeom>
+          <a:ln>
+            <a:solidFill>
+              <a:srgbClr val="4F81BD"/>
+            </a:solidFill>
+          </a:ln>
+        </p:spPr>
+        <p:style>
+          <a:lnRef idx="2">
+            <a:schemeClr val="accent1"/>
+          </a:lnRef>
+          <a:fillRef idx="0">
+            <a:schemeClr val="accent1"/>
+          </a:fillRef>
+          <a:effectRef idx="1">
+            <a:schemeClr val="accent1"/>
+          </a:effectRef>
+          <a:fontRef idx="minor">
+            <a:schemeClr val="tx1"/>
+          </a:fontRef>
+        </p:style>
+      </p:cxnSp>
+      <p:cxnSp>
+        <p:nvCxnSpPr>
+          <p:cNvPr id="24" name="Straight Connector 23">
+            <a:extLst>
+              <a:ext uri="{FF2B5EF4-FFF2-40B4-BE49-F238E27FC236}">
+                <a16:creationId xmlns:a16="http://schemas.microsoft.com/office/drawing/2014/main" id="{9542F793-A099-4EF5-9C66-D4E4339B4F1D}"/>
+              </a:ext>
+            </a:extLst>
+          </p:cNvPr>
+          <p:cNvCxnSpPr>
+            <a:cxnSpLocks/>
+          </p:cNvCxnSpPr>
+          <p:nvPr/>
+        </p:nvCxnSpPr>
+        <p:spPr>
+          <a:xfrm flipH="1">
+            <a:off x="305648" y="2388702"/>
+            <a:ext cx="151552" cy="0"/>
+          </a:xfrm>
+          <a:prstGeom prst="line">
+            <a:avLst/>
+          </a:prstGeom>
+          <a:ln>
+            <a:solidFill>
+              <a:srgbClr val="4F81BD"/>
+            </a:solidFill>
+          </a:ln>
+        </p:spPr>
+        <p:style>
+          <a:lnRef idx="2">
+            <a:schemeClr val="accent1"/>
+          </a:lnRef>
+          <a:fillRef idx="0">
+            <a:schemeClr val="accent1"/>
+          </a:fillRef>
+          <a:effectRef idx="1">
+            <a:schemeClr val="accent1"/>
+          </a:effectRef>
+          <a:fontRef idx="minor">
+            <a:schemeClr val="tx1"/>
+          </a:fontRef>
+        </p:style>
+      </p:cxnSp>
+      <p:cxnSp>
+        <p:nvCxnSpPr>
+          <p:cNvPr id="25" name="Straight Connector 24">
+            <a:extLst>
+              <a:ext uri="{FF2B5EF4-FFF2-40B4-BE49-F238E27FC236}">
+                <a16:creationId xmlns:a16="http://schemas.microsoft.com/office/drawing/2014/main" id="{90767EBA-4763-4FC1-9956-95C59C4D116A}"/>
+              </a:ext>
+            </a:extLst>
+          </p:cNvPr>
+          <p:cNvCxnSpPr>
+            <a:cxnSpLocks/>
+          </p:cNvCxnSpPr>
+          <p:nvPr/>
+        </p:nvCxnSpPr>
+        <p:spPr>
+          <a:xfrm flipH="1">
+            <a:off x="304800" y="2601978"/>
+            <a:ext cx="151552" cy="0"/>
+          </a:xfrm>
+          <a:prstGeom prst="line">
+            <a:avLst/>
+          </a:prstGeom>
+          <a:ln>
+            <a:solidFill>
+              <a:srgbClr val="4F81BD"/>
+            </a:solidFill>
+          </a:ln>
+        </p:spPr>
+        <p:style>
+          <a:lnRef idx="2">
+            <a:schemeClr val="accent1"/>
+          </a:lnRef>
+          <a:fillRef idx="0">
+            <a:schemeClr val="accent1"/>
+          </a:fillRef>
+          <a:effectRef idx="1">
+            <a:schemeClr val="accent1"/>
+          </a:effectRef>
+          <a:fontRef idx="minor">
+            <a:schemeClr val="tx1"/>
+          </a:fontRef>
+        </p:style>
+      </p:cxnSp>
+      <p:cxnSp>
+        <p:nvCxnSpPr>
+          <p:cNvPr id="26" name="Straight Connector 25">
+            <a:extLst>
+              <a:ext uri="{FF2B5EF4-FFF2-40B4-BE49-F238E27FC236}">
+                <a16:creationId xmlns:a16="http://schemas.microsoft.com/office/drawing/2014/main" id="{21129758-04C7-4DE6-B793-90C17E415E26}"/>
+              </a:ext>
+            </a:extLst>
+          </p:cNvPr>
+          <p:cNvCxnSpPr>
+            <a:cxnSpLocks/>
+          </p:cNvCxnSpPr>
+          <p:nvPr/>
+        </p:nvCxnSpPr>
+        <p:spPr>
+          <a:xfrm flipH="1">
+            <a:off x="304800" y="2800350"/>
+            <a:ext cx="151552" cy="0"/>
+          </a:xfrm>
+          <a:prstGeom prst="line">
+            <a:avLst/>
+          </a:prstGeom>
+          <a:ln>
+            <a:solidFill>
+              <a:srgbClr val="4F81BD"/>
+            </a:solidFill>
+          </a:ln>
+        </p:spPr>
+        <p:style>
+          <a:lnRef idx="2">
+            <a:schemeClr val="accent1"/>
+          </a:lnRef>
+          <a:fillRef idx="0">
+            <a:schemeClr val="accent1"/>
+          </a:fillRef>
+          <a:effectRef idx="1">
+            <a:schemeClr val="accent1"/>
+          </a:effectRef>
+          <a:fontRef idx="minor">
+            <a:schemeClr val="tx1"/>
+          </a:fontRef>
+        </p:style>
+      </p:cxnSp>
+      <p:cxnSp>
+        <p:nvCxnSpPr>
+          <p:cNvPr id="27" name="Straight Connector 26">
+            <a:extLst>
+              <a:ext uri="{FF2B5EF4-FFF2-40B4-BE49-F238E27FC236}">
+                <a16:creationId xmlns:a16="http://schemas.microsoft.com/office/drawing/2014/main" id="{25444753-A3BB-4FAB-91B3-F06C99FADE55}"/>
+              </a:ext>
+            </a:extLst>
+          </p:cNvPr>
+          <p:cNvCxnSpPr>
+            <a:cxnSpLocks/>
+          </p:cNvCxnSpPr>
+          <p:nvPr/>
+        </p:nvCxnSpPr>
+        <p:spPr>
+          <a:xfrm flipH="1">
+            <a:off x="304800" y="2993614"/>
+            <a:ext cx="151552" cy="0"/>
+          </a:xfrm>
+          <a:prstGeom prst="line">
+            <a:avLst/>
+          </a:prstGeom>
+          <a:ln>
+            <a:solidFill>
+              <a:srgbClr val="4F81BD"/>
+            </a:solidFill>
+          </a:ln>
+        </p:spPr>
+        <p:style>
+          <a:lnRef idx="2">
+            <a:schemeClr val="accent1"/>
+          </a:lnRef>
+          <a:fillRef idx="0">
+            <a:schemeClr val="accent1"/>
+          </a:fillRef>
+          <a:effectRef idx="1">
+            <a:schemeClr val="accent1"/>
+          </a:effectRef>
+          <a:fontRef idx="minor">
+            <a:schemeClr val="tx1"/>
+          </a:fontRef>
+        </p:style>
+      </p:cxnSp>
+      <p:cxnSp>
+        <p:nvCxnSpPr>
+          <p:cNvPr id="28" name="Straight Connector 27">
+            <a:extLst>
+              <a:ext uri="{FF2B5EF4-FFF2-40B4-BE49-F238E27FC236}">
+                <a16:creationId xmlns:a16="http://schemas.microsoft.com/office/drawing/2014/main" id="{FF6410AE-CF5A-440D-8010-F570CF2646D4}"/>
+              </a:ext>
+            </a:extLst>
+          </p:cNvPr>
+          <p:cNvCxnSpPr>
+            <a:cxnSpLocks/>
+          </p:cNvCxnSpPr>
+          <p:nvPr/>
+        </p:nvCxnSpPr>
+        <p:spPr>
+          <a:xfrm flipH="1">
+            <a:off x="304800" y="3181350"/>
+            <a:ext cx="151552" cy="0"/>
+          </a:xfrm>
+          <a:prstGeom prst="line">
+            <a:avLst/>
+          </a:prstGeom>
+          <a:ln>
+            <a:solidFill>
+              <a:srgbClr val="4F81BD"/>
+            </a:solidFill>
+          </a:ln>
+        </p:spPr>
+        <p:style>
+          <a:lnRef idx="2">
+            <a:schemeClr val="accent1"/>
+          </a:lnRef>
+          <a:fillRef idx="0">
+            <a:schemeClr val="accent1"/>
+          </a:fillRef>
+          <a:effectRef idx="1">
+            <a:schemeClr val="accent1"/>
+          </a:effectRef>
+          <a:fontRef idx="minor">
+            <a:schemeClr val="tx1"/>
+          </a:fontRef>
+        </p:style>
+      </p:cxnSp>
+      <p:cxnSp>
+        <p:nvCxnSpPr>
+          <p:cNvPr id="29" name="Straight Connector 28">
+            <a:extLst>
+              <a:ext uri="{FF2B5EF4-FFF2-40B4-BE49-F238E27FC236}">
+                <a16:creationId xmlns:a16="http://schemas.microsoft.com/office/drawing/2014/main" id="{9F3CA51F-1547-4BD5-93AF-B2E96EF1A447}"/>
+              </a:ext>
+            </a:extLst>
+          </p:cNvPr>
+          <p:cNvCxnSpPr>
+            <a:cxnSpLocks/>
+          </p:cNvCxnSpPr>
+          <p:nvPr/>
+        </p:nvCxnSpPr>
+        <p:spPr>
+          <a:xfrm flipH="1">
+            <a:off x="304800" y="3389518"/>
+            <a:ext cx="151552" cy="0"/>
+          </a:xfrm>
+          <a:prstGeom prst="line">
+            <a:avLst/>
+          </a:prstGeom>
+          <a:ln>
+            <a:solidFill>
+              <a:srgbClr val="4F81BD"/>
+            </a:solidFill>
+          </a:ln>
+        </p:spPr>
+        <p:style>
+          <a:lnRef idx="2">
+            <a:schemeClr val="accent1"/>
+          </a:lnRef>
+          <a:fillRef idx="0">
+            <a:schemeClr val="accent1"/>
+          </a:fillRef>
+          <a:effectRef idx="1">
+            <a:schemeClr val="accent1"/>
+          </a:effectRef>
+          <a:fontRef idx="minor">
+            <a:schemeClr val="tx1"/>
+          </a:fontRef>
+        </p:style>
+      </p:cxnSp>
+      <p:cxnSp>
+        <p:nvCxnSpPr>
+          <p:cNvPr id="30" name="Straight Connector 29">
+            <a:extLst>
+              <a:ext uri="{FF2B5EF4-FFF2-40B4-BE49-F238E27FC236}">
+                <a16:creationId xmlns:a16="http://schemas.microsoft.com/office/drawing/2014/main" id="{9DC5EA6E-0C62-45BD-965D-BCDB602C18EB}"/>
+              </a:ext>
+            </a:extLst>
+          </p:cNvPr>
+          <p:cNvCxnSpPr>
+            <a:cxnSpLocks/>
+          </p:cNvCxnSpPr>
+          <p:nvPr/>
+        </p:nvCxnSpPr>
+        <p:spPr>
+          <a:xfrm flipH="1">
+            <a:off x="304800" y="3592998"/>
+            <a:ext cx="151552" cy="0"/>
+          </a:xfrm>
+          <a:prstGeom prst="line">
+            <a:avLst/>
+          </a:prstGeom>
+          <a:ln>
+            <a:solidFill>
+              <a:srgbClr val="4F81BD"/>
+            </a:solidFill>
+          </a:ln>
+        </p:spPr>
+        <p:style>
+          <a:lnRef idx="2">
+            <a:schemeClr val="accent1"/>
+          </a:lnRef>
+          <a:fillRef idx="0">
+            <a:schemeClr val="accent1"/>
+          </a:fillRef>
+          <a:effectRef idx="1">
+            <a:schemeClr val="accent1"/>
+          </a:effectRef>
+          <a:fontRef idx="minor">
+            <a:schemeClr val="tx1"/>
+          </a:fontRef>
+        </p:style>
+      </p:cxnSp>
+      <p:cxnSp>
+        <p:nvCxnSpPr>
+          <p:cNvPr id="31" name="Straight Connector 30">
+            <a:extLst>
+              <a:ext uri="{FF2B5EF4-FFF2-40B4-BE49-F238E27FC236}">
+                <a16:creationId xmlns:a16="http://schemas.microsoft.com/office/drawing/2014/main" id="{698DCFA6-023E-4E2C-BEDE-667A97B3FB8F}"/>
+              </a:ext>
+            </a:extLst>
+          </p:cNvPr>
+          <p:cNvCxnSpPr>
+            <a:cxnSpLocks/>
+          </p:cNvCxnSpPr>
+          <p:nvPr/>
+        </p:nvCxnSpPr>
+        <p:spPr>
+          <a:xfrm flipH="1">
+            <a:off x="304800" y="3780734"/>
+            <a:ext cx="151552" cy="0"/>
+          </a:xfrm>
+          <a:prstGeom prst="line">
+            <a:avLst/>
+          </a:prstGeom>
+          <a:ln>
+            <a:solidFill>
+              <a:srgbClr val="4F81BD"/>
+            </a:solidFill>
+          </a:ln>
+        </p:spPr>
+        <p:style>
+          <a:lnRef idx="2">
+            <a:schemeClr val="accent1"/>
+          </a:lnRef>
+          <a:fillRef idx="0">
+            <a:schemeClr val="accent1"/>
+          </a:fillRef>
+          <a:effectRef idx="1">
+            <a:schemeClr val="accent1"/>
+          </a:effectRef>
+          <a:fontRef idx="minor">
+            <a:schemeClr val="tx1"/>
+          </a:fontRef>
+        </p:style>
+      </p:cxnSp>
+      <p:cxnSp>
+        <p:nvCxnSpPr>
+          <p:cNvPr id="32" name="Straight Connector 31">
+            <a:extLst>
+              <a:ext uri="{FF2B5EF4-FFF2-40B4-BE49-F238E27FC236}">
+                <a16:creationId xmlns:a16="http://schemas.microsoft.com/office/drawing/2014/main" id="{585C2E2A-8DEB-4F8D-9DEA-167A3DE448A1}"/>
+              </a:ext>
+            </a:extLst>
+          </p:cNvPr>
+          <p:cNvCxnSpPr>
+            <a:cxnSpLocks/>
+          </p:cNvCxnSpPr>
+          <p:nvPr/>
+        </p:nvCxnSpPr>
+        <p:spPr>
+          <a:xfrm flipH="1">
+            <a:off x="304800" y="3978686"/>
+            <a:ext cx="151552" cy="0"/>
+          </a:xfrm>
+          <a:prstGeom prst="line">
+            <a:avLst/>
+          </a:prstGeom>
+          <a:ln>
+            <a:solidFill>
+              <a:srgbClr val="4F81BD"/>
+            </a:solidFill>
+          </a:ln>
+        </p:spPr>
+        <p:style>
+          <a:lnRef idx="2">
+            <a:schemeClr val="accent1"/>
+          </a:lnRef>
+          <a:fillRef idx="0">
+            <a:schemeClr val="accent1"/>
+          </a:fillRef>
+          <a:effectRef idx="1">
+            <a:schemeClr val="accent1"/>
+          </a:effectRef>
+          <a:fontRef idx="minor">
+            <a:schemeClr val="tx1"/>
+          </a:fontRef>
+        </p:style>
+      </p:cxnSp>
+      <p:cxnSp>
+        <p:nvCxnSpPr>
+          <p:cNvPr id="33" name="Straight Connector 32">
+            <a:extLst>
+              <a:ext uri="{FF2B5EF4-FFF2-40B4-BE49-F238E27FC236}">
+                <a16:creationId xmlns:a16="http://schemas.microsoft.com/office/drawing/2014/main" id="{4885E3F5-28C2-4690-89A8-8CF8A870BEE2}"/>
+              </a:ext>
+            </a:extLst>
+          </p:cNvPr>
+          <p:cNvCxnSpPr>
+            <a:cxnSpLocks/>
+          </p:cNvCxnSpPr>
+          <p:nvPr/>
+        </p:nvCxnSpPr>
+        <p:spPr>
+          <a:xfrm flipH="1">
+            <a:off x="304800" y="4171950"/>
+            <a:ext cx="151552" cy="0"/>
+          </a:xfrm>
+          <a:prstGeom prst="line">
+            <a:avLst/>
+          </a:prstGeom>
+          <a:ln>
+            <a:solidFill>
+              <a:srgbClr val="4F81BD"/>
+            </a:solidFill>
+          </a:ln>
+        </p:spPr>
+        <p:style>
+          <a:lnRef idx="2">
+            <a:schemeClr val="accent1"/>
+          </a:lnRef>
+          <a:fillRef idx="0">
+            <a:schemeClr val="accent1"/>
+          </a:fillRef>
+          <a:effectRef idx="1">
+            <a:schemeClr val="accent1"/>
+          </a:effectRef>
+          <a:fontRef idx="minor">
+            <a:schemeClr val="tx1"/>
+          </a:fontRef>
+        </p:style>
+      </p:cxnSp>
+      <p:cxnSp>
+        <p:nvCxnSpPr>
+          <p:cNvPr id="34" name="Straight Connector 33">
+            <a:extLst>
+              <a:ext uri="{FF2B5EF4-FFF2-40B4-BE49-F238E27FC236}">
+                <a16:creationId xmlns:a16="http://schemas.microsoft.com/office/drawing/2014/main" id="{41891EE2-149E-4ACB-891E-35B23DF3AE92}"/>
+              </a:ext>
+            </a:extLst>
+          </p:cNvPr>
+          <p:cNvCxnSpPr>
+            <a:cxnSpLocks/>
+          </p:cNvCxnSpPr>
+          <p:nvPr/>
+        </p:nvCxnSpPr>
+        <p:spPr>
+          <a:xfrm flipH="1">
+            <a:off x="304800" y="4375010"/>
+            <a:ext cx="151552" cy="0"/>
+          </a:xfrm>
+          <a:prstGeom prst="line">
+            <a:avLst/>
+          </a:prstGeom>
+          <a:ln>
+            <a:solidFill>
+              <a:srgbClr val="4F81BD"/>
+            </a:solidFill>
+          </a:ln>
+        </p:spPr>
+        <p:style>
+          <a:lnRef idx="2">
+            <a:schemeClr val="accent1"/>
+          </a:lnRef>
+          <a:fillRef idx="0">
+            <a:schemeClr val="accent1"/>
+          </a:fillRef>
+          <a:effectRef idx="1">
+            <a:schemeClr val="accent1"/>
+          </a:effectRef>
+          <a:fontRef idx="minor">
+            <a:schemeClr val="tx1"/>
+          </a:fontRef>
+        </p:style>
+      </p:cxnSp>
+      <p:cxnSp>
+        <p:nvCxnSpPr>
+          <p:cNvPr id="35" name="Straight Connector 34">
+            <a:extLst>
+              <a:ext uri="{FF2B5EF4-FFF2-40B4-BE49-F238E27FC236}">
+                <a16:creationId xmlns:a16="http://schemas.microsoft.com/office/drawing/2014/main" id="{6D39CCAC-B63D-4800-A37E-7AB9D77C3732}"/>
+              </a:ext>
+            </a:extLst>
+          </p:cNvPr>
+          <p:cNvCxnSpPr>
+            <a:cxnSpLocks/>
+          </p:cNvCxnSpPr>
+          <p:nvPr/>
+        </p:nvCxnSpPr>
+        <p:spPr>
+          <a:xfrm flipH="1">
+            <a:off x="304800" y="4578490"/>
+            <a:ext cx="151552" cy="0"/>
+          </a:xfrm>
+          <a:prstGeom prst="line">
+            <a:avLst/>
+          </a:prstGeom>
+          <a:ln>
+            <a:solidFill>
+              <a:srgbClr val="4F81BD"/>
+            </a:solidFill>
+          </a:ln>
+        </p:spPr>
+        <p:style>
+          <a:lnRef idx="2">
+            <a:schemeClr val="accent1"/>
+          </a:lnRef>
+          <a:fillRef idx="0">
+            <a:schemeClr val="accent1"/>
+          </a:fillRef>
+          <a:effectRef idx="1">
+            <a:schemeClr val="accent1"/>
+          </a:effectRef>
+          <a:fontRef idx="minor">
+            <a:schemeClr val="tx1"/>
+          </a:fontRef>
+        </p:style>
+      </p:cxnSp>
+      <p:cxnSp>
+        <p:nvCxnSpPr>
+          <p:cNvPr id="36" name="Straight Connector 35">
+            <a:extLst>
+              <a:ext uri="{FF2B5EF4-FFF2-40B4-BE49-F238E27FC236}">
+                <a16:creationId xmlns:a16="http://schemas.microsoft.com/office/drawing/2014/main" id="{E89FF8B1-0D7C-497D-B2B7-5E249BA12F89}"/>
+              </a:ext>
+            </a:extLst>
+          </p:cNvPr>
+          <p:cNvCxnSpPr>
+            <a:cxnSpLocks/>
+          </p:cNvCxnSpPr>
+          <p:nvPr/>
+        </p:nvCxnSpPr>
+        <p:spPr>
+          <a:xfrm flipH="1">
+            <a:off x="304800" y="4781550"/>
+            <a:ext cx="151552" cy="0"/>
+          </a:xfrm>
+          <a:prstGeom prst="line">
+            <a:avLst/>
+          </a:prstGeom>
+          <a:ln>
+            <a:solidFill>
+              <a:srgbClr val="4F81BD"/>
+            </a:solidFill>
+          </a:ln>
+        </p:spPr>
+        <p:style>
+          <a:lnRef idx="2">
+            <a:schemeClr val="accent1"/>
+          </a:lnRef>
+          <a:fillRef idx="0">
+            <a:schemeClr val="accent1"/>
+          </a:fillRef>
+          <a:effectRef idx="1">
+            <a:schemeClr val="accent1"/>
+          </a:effectRef>
+          <a:fontRef idx="minor">
+            <a:schemeClr val="tx1"/>
+          </a:fontRef>
+        </p:style>
+      </p:cxnSp>
+      <p:sp>
+        <p:nvSpPr>
+          <p:cNvPr id="37" name="Rectangle 36">
+            <a:extLst>
+              <a:ext uri="{FF2B5EF4-FFF2-40B4-BE49-F238E27FC236}">
+                <a16:creationId xmlns:a16="http://schemas.microsoft.com/office/drawing/2014/main" id="{7C7E3408-69A6-4787-99A8-C24C1E961729}"/>
+              </a:ext>
+            </a:extLst>
+          </p:cNvPr>
+          <p:cNvSpPr/>
+          <p:nvPr/>
+        </p:nvSpPr>
+        <p:spPr>
+          <a:xfrm>
+            <a:off x="0" y="2810888"/>
+            <a:ext cx="306494" cy="307777"/>
+          </a:xfrm>
+          <a:prstGeom prst="rect">
+            <a:avLst/>
+          </a:prstGeom>
+        </p:spPr>
+        <p:txBody>
+          <a:bodyPr wrap="none">
+            <a:spAutoFit/>
+          </a:bodyPr>
+          <a:lstStyle/>
+          <a:p>
+            <a:r>
+              <a:rPr lang="en-US" sz="1400" dirty="0">
+                <a:solidFill>
+                  <a:srgbClr val="4F81BD"/>
+                </a:solidFill>
+              </a:rPr>
+              <a:t>t</a:t>
+            </a:r>
+            <a:r>
+              <a:rPr lang="en-US" sz="1400" baseline="-25000" dirty="0">
+                <a:solidFill>
+                  <a:srgbClr val="4F81BD"/>
+                </a:solidFill>
+              </a:rPr>
+              <a:t>4</a:t>
+            </a:r>
+          </a:p>
+        </p:txBody>
+      </p:sp>
+      <p:sp>
+        <p:nvSpPr>
+          <p:cNvPr id="38" name="Rectangle 37">
+            <a:extLst>
+              <a:ext uri="{FF2B5EF4-FFF2-40B4-BE49-F238E27FC236}">
+                <a16:creationId xmlns:a16="http://schemas.microsoft.com/office/drawing/2014/main" id="{6D5F4DA0-AA4B-48BE-BA98-0B0818BA5973}"/>
+              </a:ext>
+            </a:extLst>
+          </p:cNvPr>
+          <p:cNvSpPr/>
+          <p:nvPr/>
+        </p:nvSpPr>
+        <p:spPr>
+          <a:xfrm>
+            <a:off x="0" y="2988828"/>
+            <a:ext cx="306494" cy="307777"/>
+          </a:xfrm>
+          <a:prstGeom prst="rect">
+            <a:avLst/>
+          </a:prstGeom>
+        </p:spPr>
+        <p:txBody>
+          <a:bodyPr wrap="none">
+            <a:spAutoFit/>
+          </a:bodyPr>
+          <a:lstStyle/>
+          <a:p>
+            <a:r>
+              <a:rPr lang="en-US" sz="1400" dirty="0">
+                <a:solidFill>
+                  <a:srgbClr val="4F81BD"/>
+                </a:solidFill>
+              </a:rPr>
+              <a:t>t</a:t>
+            </a:r>
+            <a:r>
+              <a:rPr lang="en-US" sz="1400" baseline="-25000" dirty="0">
+                <a:solidFill>
+                  <a:srgbClr val="4F81BD"/>
+                </a:solidFill>
+              </a:rPr>
+              <a:t>5</a:t>
+            </a:r>
+          </a:p>
+        </p:txBody>
+      </p:sp>
+      <p:sp>
+        <p:nvSpPr>
+          <p:cNvPr id="39" name="Rectangle 38">
+            <a:extLst>
+              <a:ext uri="{FF2B5EF4-FFF2-40B4-BE49-F238E27FC236}">
+                <a16:creationId xmlns:a16="http://schemas.microsoft.com/office/drawing/2014/main" id="{19A80217-7A25-4A19-BD3D-7ED41A1A1DCE}"/>
+              </a:ext>
+            </a:extLst>
+          </p:cNvPr>
+          <p:cNvSpPr/>
+          <p:nvPr/>
+        </p:nvSpPr>
+        <p:spPr>
+          <a:xfrm>
+            <a:off x="0" y="3191888"/>
+            <a:ext cx="306494" cy="307777"/>
+          </a:xfrm>
+          <a:prstGeom prst="rect">
+            <a:avLst/>
+          </a:prstGeom>
+        </p:spPr>
+        <p:txBody>
+          <a:bodyPr wrap="none">
+            <a:spAutoFit/>
+          </a:bodyPr>
+          <a:lstStyle/>
+          <a:p>
+            <a:r>
+              <a:rPr lang="en-US" sz="1400" dirty="0">
+                <a:solidFill>
+                  <a:srgbClr val="4F81BD"/>
+                </a:solidFill>
+              </a:rPr>
+              <a:t>t</a:t>
+            </a:r>
+            <a:r>
+              <a:rPr lang="en-US" sz="1400" baseline="-25000" dirty="0">
+                <a:solidFill>
+                  <a:srgbClr val="4F81BD"/>
+                </a:solidFill>
+              </a:rPr>
+              <a:t>6</a:t>
+            </a:r>
+          </a:p>
+        </p:txBody>
+      </p:sp>
+      <p:sp>
+        <p:nvSpPr>
+          <p:cNvPr id="40" name="Rectangle 39">
+            <a:extLst>
+              <a:ext uri="{FF2B5EF4-FFF2-40B4-BE49-F238E27FC236}">
+                <a16:creationId xmlns:a16="http://schemas.microsoft.com/office/drawing/2014/main" id="{227848B2-98C5-4E36-ADB9-12FB93F1BC84}"/>
+              </a:ext>
+            </a:extLst>
+          </p:cNvPr>
+          <p:cNvSpPr/>
+          <p:nvPr/>
+        </p:nvSpPr>
+        <p:spPr>
+          <a:xfrm>
+            <a:off x="0" y="3406973"/>
+            <a:ext cx="306494" cy="307777"/>
+          </a:xfrm>
+          <a:prstGeom prst="rect">
+            <a:avLst/>
+          </a:prstGeom>
+        </p:spPr>
+        <p:txBody>
+          <a:bodyPr wrap="none">
+            <a:spAutoFit/>
+          </a:bodyPr>
+          <a:lstStyle/>
+          <a:p>
+            <a:r>
+              <a:rPr lang="en-US" sz="1400" dirty="0">
+                <a:solidFill>
+                  <a:srgbClr val="4F81BD"/>
+                </a:solidFill>
+              </a:rPr>
+              <a:t>t</a:t>
+            </a:r>
+            <a:r>
+              <a:rPr lang="en-US" sz="1400" baseline="-25000" dirty="0">
+                <a:solidFill>
+                  <a:srgbClr val="4F81BD"/>
+                </a:solidFill>
+              </a:rPr>
+              <a:t>7</a:t>
+            </a:r>
+          </a:p>
+        </p:txBody>
+      </p:sp>
+      <p:sp>
+        <p:nvSpPr>
+          <p:cNvPr id="41" name="Rectangle 40">
+            <a:extLst>
+              <a:ext uri="{FF2B5EF4-FFF2-40B4-BE49-F238E27FC236}">
+                <a16:creationId xmlns:a16="http://schemas.microsoft.com/office/drawing/2014/main" id="{31492ED6-F9BB-44DE-BCC6-094ABA259DDF}"/>
+              </a:ext>
+            </a:extLst>
+          </p:cNvPr>
+          <p:cNvSpPr/>
+          <p:nvPr/>
+        </p:nvSpPr>
+        <p:spPr>
+          <a:xfrm>
+            <a:off x="0" y="3592998"/>
+            <a:ext cx="306494" cy="307777"/>
+          </a:xfrm>
+          <a:prstGeom prst="rect">
+            <a:avLst/>
+          </a:prstGeom>
+        </p:spPr>
+        <p:txBody>
+          <a:bodyPr wrap="none">
+            <a:spAutoFit/>
+          </a:bodyPr>
+          <a:lstStyle/>
+          <a:p>
+            <a:r>
+              <a:rPr lang="en-US" sz="1400" dirty="0">
+                <a:solidFill>
+                  <a:srgbClr val="4F81BD"/>
+                </a:solidFill>
+              </a:rPr>
+              <a:t>t</a:t>
+            </a:r>
+            <a:r>
+              <a:rPr lang="en-US" sz="1400" baseline="-25000" dirty="0">
+                <a:solidFill>
+                  <a:srgbClr val="4F81BD"/>
+                </a:solidFill>
+              </a:rPr>
+              <a:t>8</a:t>
+            </a:r>
+          </a:p>
+        </p:txBody>
+      </p:sp>
+      <p:sp>
+        <p:nvSpPr>
+          <p:cNvPr id="42" name="Rectangle 41">
+            <a:extLst>
+              <a:ext uri="{FF2B5EF4-FFF2-40B4-BE49-F238E27FC236}">
+                <a16:creationId xmlns:a16="http://schemas.microsoft.com/office/drawing/2014/main" id="{93E2A4D1-8D5D-47BC-BFD6-AB67578E38B5}"/>
+              </a:ext>
+            </a:extLst>
+          </p:cNvPr>
+          <p:cNvSpPr/>
+          <p:nvPr/>
+        </p:nvSpPr>
+        <p:spPr>
+          <a:xfrm>
+            <a:off x="0" y="3770938"/>
+            <a:ext cx="306494" cy="307777"/>
+          </a:xfrm>
+          <a:prstGeom prst="rect">
+            <a:avLst/>
+          </a:prstGeom>
+        </p:spPr>
+        <p:txBody>
+          <a:bodyPr wrap="none">
+            <a:spAutoFit/>
+          </a:bodyPr>
+          <a:lstStyle/>
+          <a:p>
+            <a:r>
+              <a:rPr lang="en-US" sz="1400" dirty="0">
+                <a:solidFill>
+                  <a:srgbClr val="4F81BD"/>
+                </a:solidFill>
+              </a:rPr>
+              <a:t>t</a:t>
+            </a:r>
+            <a:r>
+              <a:rPr lang="en-US" sz="1400" baseline="-25000" dirty="0">
+                <a:solidFill>
+                  <a:srgbClr val="4F81BD"/>
+                </a:solidFill>
+              </a:rPr>
+              <a:t>9</a:t>
+            </a:r>
+          </a:p>
+        </p:txBody>
+      </p:sp>
+      <p:sp>
+        <p:nvSpPr>
+          <p:cNvPr id="43" name="Rectangle 42">
+            <a:extLst>
+              <a:ext uri="{FF2B5EF4-FFF2-40B4-BE49-F238E27FC236}">
+                <a16:creationId xmlns:a16="http://schemas.microsoft.com/office/drawing/2014/main" id="{F5481FC1-A33F-40F8-A9F3-D88F6D4B3566}"/>
+              </a:ext>
+            </a:extLst>
+          </p:cNvPr>
+          <p:cNvSpPr/>
+          <p:nvPr/>
+        </p:nvSpPr>
+        <p:spPr>
+          <a:xfrm>
+            <a:off x="0" y="3973998"/>
+            <a:ext cx="367408" cy="307777"/>
+          </a:xfrm>
+          <a:prstGeom prst="rect">
+            <a:avLst/>
+          </a:prstGeom>
+        </p:spPr>
+        <p:txBody>
+          <a:bodyPr wrap="none">
+            <a:spAutoFit/>
+          </a:bodyPr>
+          <a:lstStyle/>
+          <a:p>
+            <a:r>
+              <a:rPr lang="en-US" sz="1400" dirty="0">
+                <a:solidFill>
+                  <a:srgbClr val="4F81BD"/>
+                </a:solidFill>
+              </a:rPr>
+              <a:t>t</a:t>
+            </a:r>
+            <a:r>
+              <a:rPr lang="en-US" sz="1400" baseline="-25000" dirty="0">
+                <a:solidFill>
+                  <a:srgbClr val="4F81BD"/>
+                </a:solidFill>
+              </a:rPr>
+              <a:t>10</a:t>
+            </a:r>
+          </a:p>
+        </p:txBody>
+      </p:sp>
+      <p:sp>
+        <p:nvSpPr>
+          <p:cNvPr id="44" name="Rectangle 43">
+            <a:extLst>
+              <a:ext uri="{FF2B5EF4-FFF2-40B4-BE49-F238E27FC236}">
+                <a16:creationId xmlns:a16="http://schemas.microsoft.com/office/drawing/2014/main" id="{4549A7AE-69DE-469F-A277-E18E660FD89A}"/>
+              </a:ext>
+            </a:extLst>
+          </p:cNvPr>
+          <p:cNvSpPr/>
+          <p:nvPr/>
+        </p:nvSpPr>
+        <p:spPr>
+          <a:xfrm>
+            <a:off x="0" y="4189083"/>
+            <a:ext cx="367408" cy="307777"/>
+          </a:xfrm>
+          <a:prstGeom prst="rect">
+            <a:avLst/>
+          </a:prstGeom>
+        </p:spPr>
+        <p:txBody>
+          <a:bodyPr wrap="none">
+            <a:spAutoFit/>
+          </a:bodyPr>
+          <a:lstStyle/>
+          <a:p>
+            <a:r>
+              <a:rPr lang="en-US" sz="1400" dirty="0">
+                <a:solidFill>
+                  <a:srgbClr val="4F81BD"/>
+                </a:solidFill>
+              </a:rPr>
+              <a:t>t</a:t>
+            </a:r>
+            <a:r>
+              <a:rPr lang="en-US" sz="1400" baseline="-25000" dirty="0">
+                <a:solidFill>
+                  <a:srgbClr val="4F81BD"/>
+                </a:solidFill>
+              </a:rPr>
+              <a:t>11</a:t>
+            </a:r>
+          </a:p>
+        </p:txBody>
+      </p:sp>
+      <p:sp>
+        <p:nvSpPr>
+          <p:cNvPr id="45" name="Rectangle 44">
+            <a:extLst>
+              <a:ext uri="{FF2B5EF4-FFF2-40B4-BE49-F238E27FC236}">
+                <a16:creationId xmlns:a16="http://schemas.microsoft.com/office/drawing/2014/main" id="{036304DA-931A-495F-A8E6-D10F7316AB15}"/>
+              </a:ext>
+            </a:extLst>
+          </p:cNvPr>
+          <p:cNvSpPr/>
+          <p:nvPr/>
+        </p:nvSpPr>
+        <p:spPr>
+          <a:xfrm>
+            <a:off x="13592" y="4387993"/>
+            <a:ext cx="367408" cy="307777"/>
+          </a:xfrm>
+          <a:prstGeom prst="rect">
+            <a:avLst/>
+          </a:prstGeom>
+        </p:spPr>
+        <p:txBody>
+          <a:bodyPr wrap="none">
+            <a:spAutoFit/>
+          </a:bodyPr>
+          <a:lstStyle/>
+          <a:p>
+            <a:r>
+              <a:rPr lang="en-US" sz="1400" dirty="0">
+                <a:solidFill>
+                  <a:srgbClr val="4F81BD"/>
+                </a:solidFill>
+              </a:rPr>
+              <a:t>t</a:t>
+            </a:r>
+            <a:r>
+              <a:rPr lang="en-US" sz="1400" baseline="-25000" dirty="0">
+                <a:solidFill>
+                  <a:srgbClr val="4F81BD"/>
+                </a:solidFill>
+              </a:rPr>
+              <a:t>12</a:t>
+            </a:r>
+          </a:p>
+        </p:txBody>
+      </p:sp>
+      <p:sp>
+        <p:nvSpPr>
+          <p:cNvPr id="46" name="Rectangle 45">
+            <a:extLst>
+              <a:ext uri="{FF2B5EF4-FFF2-40B4-BE49-F238E27FC236}">
+                <a16:creationId xmlns:a16="http://schemas.microsoft.com/office/drawing/2014/main" id="{80FC8C9C-C628-4F6F-B1C8-22F1FC38DD36}"/>
+              </a:ext>
+            </a:extLst>
+          </p:cNvPr>
+          <p:cNvSpPr/>
+          <p:nvPr/>
+        </p:nvSpPr>
+        <p:spPr>
+          <a:xfrm>
+            <a:off x="13592" y="4600633"/>
+            <a:ext cx="367408" cy="307777"/>
+          </a:xfrm>
+          <a:prstGeom prst="rect">
+            <a:avLst/>
+          </a:prstGeom>
+        </p:spPr>
+        <p:txBody>
+          <a:bodyPr wrap="none">
+            <a:spAutoFit/>
+          </a:bodyPr>
+          <a:lstStyle/>
+          <a:p>
+            <a:r>
+              <a:rPr lang="en-US" sz="1400" dirty="0">
+                <a:solidFill>
+                  <a:srgbClr val="4F81BD"/>
+                </a:solidFill>
+              </a:rPr>
+              <a:t>t</a:t>
+            </a:r>
+            <a:r>
+              <a:rPr lang="en-US" sz="1400" baseline="-25000" dirty="0">
+                <a:solidFill>
+                  <a:srgbClr val="4F81BD"/>
+                </a:solidFill>
+              </a:rPr>
+              <a:t>13</a:t>
+            </a:r>
+          </a:p>
+        </p:txBody>
+      </p:sp>
+      <p:sp>
+        <p:nvSpPr>
+          <p:cNvPr id="22" name="Rectangle 21">
+            <a:extLst>
+              <a:ext uri="{FF2B5EF4-FFF2-40B4-BE49-F238E27FC236}">
+                <a16:creationId xmlns:a16="http://schemas.microsoft.com/office/drawing/2014/main" id="{37E56BD5-73D2-4374-936C-9E997446E73F}"/>
+              </a:ext>
+            </a:extLst>
+          </p:cNvPr>
+          <p:cNvSpPr/>
+          <p:nvPr/>
+        </p:nvSpPr>
+        <p:spPr>
+          <a:xfrm>
+            <a:off x="75142" y="4807924"/>
+            <a:ext cx="614271" cy="369332"/>
+          </a:xfrm>
+          <a:prstGeom prst="rect">
+            <a:avLst/>
+          </a:prstGeom>
+        </p:spPr>
+        <p:txBody>
+          <a:bodyPr wrap="none">
+            <a:spAutoFit/>
+          </a:bodyPr>
+          <a:lstStyle/>
+          <a:p>
+            <a:r>
+              <a:rPr lang="en-US" dirty="0">
+                <a:solidFill>
+                  <a:schemeClr val="accent1"/>
+                </a:solidFill>
+              </a:rPr>
+              <a:t>time</a:t>
+            </a:r>
+          </a:p>
+        </p:txBody>
+      </p:sp>
+      <p:sp>
+        <p:nvSpPr>
+          <p:cNvPr id="47" name="Rectangle 46">
+            <a:extLst>
+              <a:ext uri="{FF2B5EF4-FFF2-40B4-BE49-F238E27FC236}">
+                <a16:creationId xmlns:a16="http://schemas.microsoft.com/office/drawing/2014/main" id="{36C6700E-2B93-4295-941F-BA1678F015D6}"/>
+              </a:ext>
+            </a:extLst>
+          </p:cNvPr>
+          <p:cNvSpPr/>
+          <p:nvPr/>
+        </p:nvSpPr>
+        <p:spPr>
+          <a:xfrm>
+            <a:off x="7346229" y="3261943"/>
+            <a:ext cx="1025665" cy="584775"/>
+          </a:xfrm>
+          <a:prstGeom prst="rect">
+            <a:avLst/>
+          </a:prstGeom>
+          <a:solidFill>
+            <a:schemeClr val="bg2"/>
+          </a:solidFill>
+          <a:ln w="38100">
+            <a:solidFill>
+              <a:srgbClr val="4F81BD"/>
+            </a:solidFill>
+          </a:ln>
+        </p:spPr>
+        <p:txBody>
+          <a:bodyPr wrap="none">
+            <a:spAutoFit/>
+          </a:bodyPr>
+          <a:lstStyle/>
+          <a:p>
+            <a:r>
+              <a:rPr lang="en-US" sz="3200" dirty="0">
+                <a:solidFill>
+                  <a:srgbClr val="4F81BD"/>
+                </a:solidFill>
+              </a:rPr>
+              <a:t>at t</a:t>
+            </a:r>
+            <a:r>
+              <a:rPr lang="en-US" sz="3200" baseline="-25000" dirty="0">
+                <a:solidFill>
+                  <a:srgbClr val="4F81BD"/>
+                </a:solidFill>
+              </a:rPr>
+              <a:t>13</a:t>
+            </a:r>
+          </a:p>
+        </p:txBody>
+      </p:sp>
+      <p:sp>
+        <p:nvSpPr>
+          <p:cNvPr id="50" name="Rectangle 49">
+            <a:extLst>
+              <a:ext uri="{FF2B5EF4-FFF2-40B4-BE49-F238E27FC236}">
+                <a16:creationId xmlns:a16="http://schemas.microsoft.com/office/drawing/2014/main" id="{0334EF51-A159-4CDD-8A5F-C37A2224C0A2}"/>
+              </a:ext>
+            </a:extLst>
+          </p:cNvPr>
+          <p:cNvSpPr/>
+          <p:nvPr/>
+        </p:nvSpPr>
+        <p:spPr>
+          <a:xfrm>
+            <a:off x="3352799" y="2150306"/>
+            <a:ext cx="792525" cy="276999"/>
+          </a:xfrm>
+          <a:prstGeom prst="rect">
+            <a:avLst/>
+          </a:prstGeom>
+        </p:spPr>
+        <p:txBody>
+          <a:bodyPr wrap="none">
+            <a:spAutoFit/>
+          </a:bodyPr>
+          <a:lstStyle/>
+          <a:p>
+            <a:r>
+              <a:rPr lang="en-US" sz="1200" dirty="0">
+                <a:solidFill>
+                  <a:schemeClr val="accent1"/>
+                </a:solidFill>
+              </a:rPr>
+              <a:t>load page</a:t>
+            </a:r>
+          </a:p>
+        </p:txBody>
+      </p:sp>
+      <p:sp>
+        <p:nvSpPr>
+          <p:cNvPr id="51" name="Rectangle 50">
+            <a:extLst>
+              <a:ext uri="{FF2B5EF4-FFF2-40B4-BE49-F238E27FC236}">
+                <a16:creationId xmlns:a16="http://schemas.microsoft.com/office/drawing/2014/main" id="{B7120A2D-5491-4104-A5C6-DB1A567C0EBF}"/>
+              </a:ext>
+            </a:extLst>
+          </p:cNvPr>
+          <p:cNvSpPr/>
+          <p:nvPr/>
+        </p:nvSpPr>
+        <p:spPr>
+          <a:xfrm>
+            <a:off x="3343369" y="2447151"/>
+            <a:ext cx="1152431" cy="276999"/>
+          </a:xfrm>
+          <a:prstGeom prst="rect">
+            <a:avLst/>
+          </a:prstGeom>
+        </p:spPr>
+        <p:txBody>
+          <a:bodyPr wrap="none">
+            <a:spAutoFit/>
+          </a:bodyPr>
+          <a:lstStyle/>
+          <a:p>
+            <a:r>
+              <a:rPr lang="en-US" sz="1200" dirty="0">
+                <a:solidFill>
+                  <a:schemeClr val="accent1"/>
+                </a:solidFill>
+              </a:rPr>
+              <a:t>click recip. type</a:t>
+            </a:r>
+          </a:p>
+        </p:txBody>
+      </p:sp>
+      <p:sp>
+        <p:nvSpPr>
+          <p:cNvPr id="53" name="Rectangle 52">
+            <a:extLst>
+              <a:ext uri="{FF2B5EF4-FFF2-40B4-BE49-F238E27FC236}">
+                <a16:creationId xmlns:a16="http://schemas.microsoft.com/office/drawing/2014/main" id="{E7565830-DBDC-42F6-807E-7111FF18C5D3}"/>
+              </a:ext>
+            </a:extLst>
+          </p:cNvPr>
+          <p:cNvSpPr/>
+          <p:nvPr/>
+        </p:nvSpPr>
+        <p:spPr>
+          <a:xfrm>
+            <a:off x="3352800" y="2665535"/>
+            <a:ext cx="1152431" cy="276999"/>
+          </a:xfrm>
+          <a:prstGeom prst="rect">
+            <a:avLst/>
+          </a:prstGeom>
+        </p:spPr>
+        <p:txBody>
+          <a:bodyPr wrap="none">
+            <a:spAutoFit/>
+          </a:bodyPr>
+          <a:lstStyle/>
+          <a:p>
+            <a:r>
+              <a:rPr lang="en-US" sz="1200" dirty="0">
+                <a:solidFill>
+                  <a:schemeClr val="accent1"/>
+                </a:solidFill>
+              </a:rPr>
+              <a:t>click recip. type</a:t>
+            </a:r>
+          </a:p>
+        </p:txBody>
+      </p:sp>
+      <p:sp>
+        <p:nvSpPr>
+          <p:cNvPr id="55" name="Rectangle 54">
+            <a:extLst>
+              <a:ext uri="{FF2B5EF4-FFF2-40B4-BE49-F238E27FC236}">
+                <a16:creationId xmlns:a16="http://schemas.microsoft.com/office/drawing/2014/main" id="{AB225881-051F-4394-AE5E-F8D7AA05B087}"/>
+              </a:ext>
+            </a:extLst>
+          </p:cNvPr>
+          <p:cNvSpPr/>
+          <p:nvPr/>
+        </p:nvSpPr>
+        <p:spPr>
+          <a:xfrm>
+            <a:off x="3352800" y="2856118"/>
+            <a:ext cx="1181734" cy="276999"/>
+          </a:xfrm>
+          <a:prstGeom prst="rect">
+            <a:avLst/>
+          </a:prstGeom>
+        </p:spPr>
+        <p:txBody>
+          <a:bodyPr wrap="none">
+            <a:spAutoFit/>
+          </a:bodyPr>
+          <a:lstStyle/>
+          <a:p>
+            <a:r>
+              <a:rPr lang="en-US" sz="1200" dirty="0">
+                <a:solidFill>
+                  <a:schemeClr val="accent1"/>
+                </a:solidFill>
+              </a:rPr>
+              <a:t>click donor type</a:t>
+            </a:r>
+          </a:p>
+        </p:txBody>
+      </p:sp>
+      <p:sp>
+        <p:nvSpPr>
+          <p:cNvPr id="56" name="Rectangle 55">
+            <a:extLst>
+              <a:ext uri="{FF2B5EF4-FFF2-40B4-BE49-F238E27FC236}">
+                <a16:creationId xmlns:a16="http://schemas.microsoft.com/office/drawing/2014/main" id="{3BB2CD11-9AEE-4779-B031-5AAFA33DC4C7}"/>
+              </a:ext>
+            </a:extLst>
+          </p:cNvPr>
+          <p:cNvSpPr/>
+          <p:nvPr/>
+        </p:nvSpPr>
+        <p:spPr>
+          <a:xfrm>
+            <a:off x="3352800" y="3056751"/>
+            <a:ext cx="1181734" cy="276999"/>
+          </a:xfrm>
+          <a:prstGeom prst="rect">
+            <a:avLst/>
+          </a:prstGeom>
+        </p:spPr>
+        <p:txBody>
+          <a:bodyPr wrap="none">
+            <a:spAutoFit/>
+          </a:bodyPr>
+          <a:lstStyle/>
+          <a:p>
+            <a:r>
+              <a:rPr lang="en-US" sz="1200" dirty="0">
+                <a:solidFill>
+                  <a:schemeClr val="accent1"/>
+                </a:solidFill>
+              </a:rPr>
+              <a:t>click donor type</a:t>
+            </a:r>
+          </a:p>
+        </p:txBody>
+      </p:sp>
+      <p:sp>
+        <p:nvSpPr>
+          <p:cNvPr id="57" name="Rectangle 56">
+            <a:extLst>
+              <a:ext uri="{FF2B5EF4-FFF2-40B4-BE49-F238E27FC236}">
+                <a16:creationId xmlns:a16="http://schemas.microsoft.com/office/drawing/2014/main" id="{F9465CBC-A0F6-4D2A-912D-BCEA5DB937A6}"/>
+              </a:ext>
+            </a:extLst>
+          </p:cNvPr>
+          <p:cNvSpPr/>
+          <p:nvPr/>
+        </p:nvSpPr>
+        <p:spPr>
+          <a:xfrm>
+            <a:off x="3352800" y="3239799"/>
+            <a:ext cx="1042465" cy="276999"/>
+          </a:xfrm>
+          <a:prstGeom prst="rect">
+            <a:avLst/>
+          </a:prstGeom>
+        </p:spPr>
+        <p:txBody>
+          <a:bodyPr wrap="none">
+            <a:spAutoFit/>
+          </a:bodyPr>
+          <a:lstStyle/>
+          <a:p>
+            <a:r>
+              <a:rPr lang="en-US" sz="1200" dirty="0">
+                <a:solidFill>
+                  <a:schemeClr val="accent1"/>
+                </a:solidFill>
+              </a:rPr>
+              <a:t>click antibody</a:t>
+            </a:r>
+          </a:p>
+        </p:txBody>
+      </p:sp>
+      <p:sp>
+        <p:nvSpPr>
+          <p:cNvPr id="58" name="Rectangle 57">
+            <a:extLst>
+              <a:ext uri="{FF2B5EF4-FFF2-40B4-BE49-F238E27FC236}">
+                <a16:creationId xmlns:a16="http://schemas.microsoft.com/office/drawing/2014/main" id="{954887F6-2DE7-426C-998F-B2752C139606}"/>
+              </a:ext>
+            </a:extLst>
+          </p:cNvPr>
+          <p:cNvSpPr/>
+          <p:nvPr/>
+        </p:nvSpPr>
+        <p:spPr>
+          <a:xfrm>
+            <a:off x="3352800" y="3437751"/>
+            <a:ext cx="1042465" cy="276999"/>
+          </a:xfrm>
+          <a:prstGeom prst="rect">
+            <a:avLst/>
+          </a:prstGeom>
+        </p:spPr>
+        <p:txBody>
+          <a:bodyPr wrap="none">
+            <a:spAutoFit/>
+          </a:bodyPr>
+          <a:lstStyle/>
+          <a:p>
+            <a:r>
+              <a:rPr lang="en-US" sz="1200" dirty="0">
+                <a:solidFill>
+                  <a:schemeClr val="accent1"/>
+                </a:solidFill>
+              </a:rPr>
+              <a:t>click antibody</a:t>
+            </a:r>
+          </a:p>
+        </p:txBody>
+      </p:sp>
+      <p:sp>
+        <p:nvSpPr>
+          <p:cNvPr id="59" name="Rectangle 58">
+            <a:extLst>
+              <a:ext uri="{FF2B5EF4-FFF2-40B4-BE49-F238E27FC236}">
+                <a16:creationId xmlns:a16="http://schemas.microsoft.com/office/drawing/2014/main" id="{57791044-0D8D-4A07-BB42-593607C20266}"/>
+              </a:ext>
+            </a:extLst>
+          </p:cNvPr>
+          <p:cNvSpPr/>
+          <p:nvPr/>
+        </p:nvSpPr>
+        <p:spPr>
+          <a:xfrm>
+            <a:off x="3352800" y="3638550"/>
+            <a:ext cx="1042465" cy="276999"/>
+          </a:xfrm>
+          <a:prstGeom prst="rect">
+            <a:avLst/>
+          </a:prstGeom>
+        </p:spPr>
+        <p:txBody>
+          <a:bodyPr wrap="none">
+            <a:spAutoFit/>
+          </a:bodyPr>
+          <a:lstStyle/>
+          <a:p>
+            <a:r>
+              <a:rPr lang="en-US" sz="1200" dirty="0">
+                <a:solidFill>
+                  <a:schemeClr val="accent1"/>
+                </a:solidFill>
+              </a:rPr>
+              <a:t>click antibody</a:t>
+            </a:r>
+          </a:p>
+        </p:txBody>
+      </p:sp>
+      <p:sp>
+        <p:nvSpPr>
+          <p:cNvPr id="60" name="Rectangle 59">
+            <a:extLst>
+              <a:ext uri="{FF2B5EF4-FFF2-40B4-BE49-F238E27FC236}">
+                <a16:creationId xmlns:a16="http://schemas.microsoft.com/office/drawing/2014/main" id="{D00932C9-FCE7-45D2-A781-DDBAC8315FEB}"/>
+              </a:ext>
+            </a:extLst>
+          </p:cNvPr>
+          <p:cNvSpPr/>
+          <p:nvPr/>
+        </p:nvSpPr>
+        <p:spPr>
+          <a:xfrm>
+            <a:off x="3352800" y="3818751"/>
+            <a:ext cx="1042465" cy="276999"/>
+          </a:xfrm>
+          <a:prstGeom prst="rect">
+            <a:avLst/>
+          </a:prstGeom>
+        </p:spPr>
+        <p:txBody>
+          <a:bodyPr wrap="none">
+            <a:spAutoFit/>
+          </a:bodyPr>
+          <a:lstStyle/>
+          <a:p>
+            <a:r>
+              <a:rPr lang="en-US" sz="1200" dirty="0">
+                <a:solidFill>
+                  <a:schemeClr val="accent1"/>
+                </a:solidFill>
+              </a:rPr>
+              <a:t>click antibody</a:t>
+            </a:r>
+          </a:p>
+        </p:txBody>
+      </p:sp>
+      <p:sp>
+        <p:nvSpPr>
+          <p:cNvPr id="61" name="Rectangle 60">
+            <a:extLst>
+              <a:ext uri="{FF2B5EF4-FFF2-40B4-BE49-F238E27FC236}">
+                <a16:creationId xmlns:a16="http://schemas.microsoft.com/office/drawing/2014/main" id="{661513FB-F9FC-421E-82D9-7915F63ABF77}"/>
+              </a:ext>
+            </a:extLst>
+          </p:cNvPr>
+          <p:cNvSpPr/>
+          <p:nvPr/>
+        </p:nvSpPr>
+        <p:spPr>
+          <a:xfrm>
+            <a:off x="3352800" y="4037135"/>
+            <a:ext cx="1042465" cy="276999"/>
+          </a:xfrm>
+          <a:prstGeom prst="rect">
+            <a:avLst/>
+          </a:prstGeom>
+        </p:spPr>
+        <p:txBody>
+          <a:bodyPr wrap="none">
+            <a:spAutoFit/>
+          </a:bodyPr>
+          <a:lstStyle/>
+          <a:p>
+            <a:r>
+              <a:rPr lang="en-US" sz="1200" dirty="0">
+                <a:solidFill>
+                  <a:schemeClr val="accent1"/>
+                </a:solidFill>
+              </a:rPr>
+              <a:t>click antibody</a:t>
+            </a:r>
+          </a:p>
+        </p:txBody>
+      </p:sp>
+      <p:sp>
+        <p:nvSpPr>
+          <p:cNvPr id="62" name="Rectangle 61">
+            <a:extLst>
+              <a:ext uri="{FF2B5EF4-FFF2-40B4-BE49-F238E27FC236}">
+                <a16:creationId xmlns:a16="http://schemas.microsoft.com/office/drawing/2014/main" id="{1E8A6F55-3C8E-42BB-8799-53034065B975}"/>
+              </a:ext>
+            </a:extLst>
+          </p:cNvPr>
+          <p:cNvSpPr/>
+          <p:nvPr/>
+        </p:nvSpPr>
+        <p:spPr>
+          <a:xfrm>
+            <a:off x="3352800" y="4235087"/>
+            <a:ext cx="1042465" cy="276999"/>
+          </a:xfrm>
+          <a:prstGeom prst="rect">
+            <a:avLst/>
+          </a:prstGeom>
+        </p:spPr>
+        <p:txBody>
+          <a:bodyPr wrap="none">
+            <a:spAutoFit/>
+          </a:bodyPr>
+          <a:lstStyle/>
+          <a:p>
+            <a:r>
+              <a:rPr lang="en-US" sz="1200" dirty="0">
+                <a:solidFill>
+                  <a:schemeClr val="accent1"/>
+                </a:solidFill>
+              </a:rPr>
+              <a:t>click antibody</a:t>
+            </a:r>
+          </a:p>
+        </p:txBody>
+      </p:sp>
+      <p:sp>
+        <p:nvSpPr>
+          <p:cNvPr id="64" name="Rectangle 63">
+            <a:extLst>
+              <a:ext uri="{FF2B5EF4-FFF2-40B4-BE49-F238E27FC236}">
+                <a16:creationId xmlns:a16="http://schemas.microsoft.com/office/drawing/2014/main" id="{1B56CD9D-0349-42CE-898D-55DF1AEDF493}"/>
+              </a:ext>
+            </a:extLst>
+          </p:cNvPr>
+          <p:cNvSpPr/>
+          <p:nvPr/>
+        </p:nvSpPr>
+        <p:spPr>
+          <a:xfrm>
+            <a:off x="3352800" y="4504551"/>
+            <a:ext cx="1067793" cy="276999"/>
+          </a:xfrm>
+          <a:prstGeom prst="rect">
+            <a:avLst/>
+          </a:prstGeom>
+        </p:spPr>
+        <p:txBody>
+          <a:bodyPr wrap="none">
+            <a:spAutoFit/>
+          </a:bodyPr>
+          <a:lstStyle/>
+          <a:p>
+            <a:r>
+              <a:rPr lang="en-US" sz="1200" dirty="0">
+                <a:solidFill>
+                  <a:schemeClr val="accent1"/>
+                </a:solidFill>
+              </a:rPr>
+              <a:t>display results</a:t>
+            </a:r>
+          </a:p>
+        </p:txBody>
+      </p:sp>
+      <p:sp>
+        <p:nvSpPr>
+          <p:cNvPr id="65" name="Right Brace 64">
+            <a:extLst>
+              <a:ext uri="{FF2B5EF4-FFF2-40B4-BE49-F238E27FC236}">
+                <a16:creationId xmlns:a16="http://schemas.microsoft.com/office/drawing/2014/main" id="{0CA69D10-01D8-47C6-9BDE-04B676DAD3D9}"/>
+              </a:ext>
+            </a:extLst>
+          </p:cNvPr>
+          <p:cNvSpPr/>
+          <p:nvPr/>
+        </p:nvSpPr>
+        <p:spPr>
+          <a:xfrm>
+            <a:off x="3286031" y="2086033"/>
+            <a:ext cx="142969" cy="409517"/>
+          </a:xfrm>
+          <a:prstGeom prst="rightBrace">
+            <a:avLst/>
+          </a:prstGeom>
+        </p:spPr>
+        <p:style>
+          <a:lnRef idx="2">
+            <a:schemeClr val="accent1"/>
+          </a:lnRef>
+          <a:fillRef idx="0">
+            <a:schemeClr val="accent1"/>
+          </a:fillRef>
+          <a:effectRef idx="1">
+            <a:schemeClr val="accent1"/>
+          </a:effectRef>
+          <a:fontRef idx="minor">
+            <a:schemeClr val="tx1"/>
+          </a:fontRef>
+        </p:style>
+        <p:txBody>
+          <a:bodyPr rtlCol="0" anchor="ctr"/>
+          <a:lstStyle/>
+          <a:p>
+            <a:pPr algn="ctr"/>
+            <a:endParaRPr lang="en-US"/>
+          </a:p>
+        </p:txBody>
+      </p:sp>
+      <p:sp>
+        <p:nvSpPr>
+          <p:cNvPr id="66" name="Right Brace 65">
+            <a:extLst>
+              <a:ext uri="{FF2B5EF4-FFF2-40B4-BE49-F238E27FC236}">
+                <a16:creationId xmlns:a16="http://schemas.microsoft.com/office/drawing/2014/main" id="{22C87F2B-F8DB-4BE3-97D9-1B78C886B993}"/>
+              </a:ext>
+            </a:extLst>
+          </p:cNvPr>
+          <p:cNvSpPr/>
+          <p:nvPr/>
+        </p:nvSpPr>
+        <p:spPr>
+          <a:xfrm>
+            <a:off x="3276600" y="4448233"/>
+            <a:ext cx="142969" cy="409517"/>
+          </a:xfrm>
+          <a:prstGeom prst="rightBrace">
+            <a:avLst/>
+          </a:prstGeom>
+        </p:spPr>
+        <p:style>
+          <a:lnRef idx="2">
+            <a:schemeClr val="accent1"/>
+          </a:lnRef>
+          <a:fillRef idx="0">
+            <a:schemeClr val="accent1"/>
+          </a:fillRef>
+          <a:effectRef idx="1">
+            <a:schemeClr val="accent1"/>
+          </a:effectRef>
+          <a:fontRef idx="minor">
+            <a:schemeClr val="tx1"/>
+          </a:fontRef>
+        </p:style>
+        <p:txBody>
+          <a:bodyPr rtlCol="0" anchor="ctr"/>
+          <a:lstStyle/>
+          <a:p>
+            <a:pPr algn="ctr"/>
+            <a:endParaRPr lang="en-US"/>
+          </a:p>
+        </p:txBody>
+      </p:sp>
+    </p:spTree>
+    <p:extLst>
+      <p:ext uri="{BB962C8B-B14F-4D97-AF65-F5344CB8AC3E}">
+        <p14:creationId xmlns:p14="http://schemas.microsoft.com/office/powerpoint/2010/main" val="3807734127"/>
+      </p:ext>
+    </p:extLst>
+  </p:cSld>
+  <p:clrMapOvr>
+    <a:masterClrMapping/>
+  </p:clrMapOvr>
+</p:sld>
+</file>
+
 <file path=ppt/slides/slide4.xml><?xml version="1.0" encoding="utf-8"?>
 <p:sld xmlns:a="http://schemas.openxmlformats.org/drawingml/2006/main" xmlns:r="http://schemas.openxmlformats.org/officeDocument/2006/relationships" xmlns:p="http://schemas.openxmlformats.org/presentationml/2006/main">
   <p:cSld>
@@ -8524,7 +14664,7 @@
         </p:nvSpPr>
         <p:spPr>
           <a:xfrm>
-            <a:off x="1066800" y="1581150"/>
+            <a:off x="1066800" y="1428750"/>
             <a:ext cx="2971800" cy="3124200"/>
           </a:xfrm>
           <a:prstGeom prst="rect">
@@ -8571,7 +14711,7 @@
         </p:nvSpPr>
         <p:spPr>
           <a:xfrm>
-            <a:off x="1257300" y="2133600"/>
+            <a:off x="1257300" y="1981200"/>
             <a:ext cx="2590800" cy="723900"/>
           </a:xfrm>
           <a:prstGeom prst="rect">
@@ -8628,7 +14768,7 @@
         </p:nvSpPr>
         <p:spPr>
           <a:xfrm>
-            <a:off x="5295900" y="2133600"/>
+            <a:off x="5295900" y="1981200"/>
             <a:ext cx="2590800" cy="723900"/>
           </a:xfrm>
           <a:prstGeom prst="rect">
@@ -8687,7 +14827,7 @@
         </p:nvCxnSpPr>
         <p:spPr>
           <a:xfrm flipV="1">
-            <a:off x="2552700" y="2819400"/>
+            <a:off x="2552700" y="2667000"/>
             <a:ext cx="0" cy="1162050"/>
           </a:xfrm>
           <a:prstGeom prst="straightConnector1">
@@ -8729,7 +14869,7 @@
         </p:nvSpPr>
         <p:spPr>
           <a:xfrm>
-            <a:off x="1066800" y="1428750"/>
+            <a:off x="1066800" y="1276350"/>
             <a:ext cx="5486400" cy="2819400"/>
           </a:xfrm>
           <a:prstGeom prst="arc">
@@ -8783,7 +14923,7 @@
         </p:nvSpPr>
         <p:spPr>
           <a:xfrm>
-            <a:off x="1257300" y="3868532"/>
+            <a:off x="1257300" y="3716132"/>
             <a:ext cx="2590800" cy="723900"/>
           </a:xfrm>
           <a:prstGeom prst="rect">
@@ -8814,7 +14954,7 @@
             <a:pPr algn="ctr"/>
             <a:r>
               <a:rPr lang="en-US" dirty="0"/>
-              <a:t>Clinical Decision Support functionality</a:t>
+              <a:t>HLA Clinical Decision Support functionality</a:t>
             </a:r>
           </a:p>
         </p:txBody>
@@ -8833,7 +14973,7 @@
         </p:nvSpPr>
         <p:spPr>
           <a:xfrm rot="20335919">
-            <a:off x="4355491" y="3508654"/>
+            <a:off x="4355491" y="3399114"/>
             <a:ext cx="1889684" cy="369332"/>
           </a:xfrm>
           <a:prstGeom prst="rect">
@@ -8867,7 +15007,7 @@
         </p:nvSpPr>
         <p:spPr>
           <a:xfrm rot="16200000">
-            <a:off x="1933639" y="2950909"/>
+            <a:off x="1933639" y="2798509"/>
             <a:ext cx="1089273" cy="880369"/>
           </a:xfrm>
           <a:prstGeom prst="rect">
@@ -8933,6 +15073,48 @@
             <a:r>
               <a:rPr lang="en-US" sz="1200" dirty="0"/>
               <a:t>FHIR = Fast Healthcare Interoperability Resource (an HL7 standard)</a:t>
+            </a:r>
+          </a:p>
+        </p:txBody>
+      </p:sp>
+      <p:sp>
+        <p:nvSpPr>
+          <p:cNvPr id="12" name="Rectangle 11">
+            <a:extLst>
+              <a:ext uri="{FF2B5EF4-FFF2-40B4-BE49-F238E27FC236}">
+                <a16:creationId xmlns:a16="http://schemas.microsoft.com/office/drawing/2014/main" id="{E0B6B25A-77DC-4B51-A564-DB50AA55FBE3}"/>
+              </a:ext>
+            </a:extLst>
+          </p:cNvPr>
+          <p:cNvSpPr/>
+          <p:nvPr/>
+        </p:nvSpPr>
+        <p:spPr>
+          <a:xfrm>
+            <a:off x="0" y="4629150"/>
+            <a:ext cx="9144000" cy="276999"/>
+          </a:xfrm>
+          <a:prstGeom prst="rect">
+            <a:avLst/>
+          </a:prstGeom>
+        </p:spPr>
+        <p:txBody>
+          <a:bodyPr wrap="square">
+            <a:spAutoFit/>
+          </a:bodyPr>
+          <a:lstStyle/>
+          <a:p>
+            <a:r>
+              <a:rPr lang="en-US" sz="1200" dirty="0"/>
+              <a:t>REST = </a:t>
+            </a:r>
+            <a:r>
+              <a:rPr lang="en-US" sz="1200" dirty="0" err="1"/>
+              <a:t>REpresentational</a:t>
+            </a:r>
+            <a:r>
+              <a:rPr lang="en-US" sz="1200" dirty="0"/>
+              <a:t> State Transfer</a:t>
             </a:r>
           </a:p>
         </p:txBody>
@@ -8989,7 +15171,7 @@
           <a:p>
             <a:r>
               <a:rPr lang="en-US" dirty="0"/>
-              <a:t>PREAMBLE</a:t>
+              <a:t>SURVEY</a:t>
             </a:r>
           </a:p>
         </p:txBody>
@@ -9161,7 +15343,7 @@
           <a:p>
             <a:r>
               <a:rPr lang="en-US" sz="1200" dirty="0"/>
-              <a:t>[1] Internet RFC 2616: Hypertext Transfer Protocol -- HTTP/1.1, https://www.w3.org/Protocols/rfc2616/rfc2616.html.</a:t>
+              <a:t>[1] Internet RFC 2616: Hypertext Transfer Protocol -- HTTP/1.1. https://www.w3.org/Protocols/rfc2616/rfc2616.html.</a:t>
             </a:r>
           </a:p>
         </p:txBody>
@@ -9701,15 +15883,7 @@
           <a:p>
             <a:r>
               <a:rPr lang="en-US" dirty="0"/>
-              <a:t>Web services are likely already a big part of your life as a consumer </a:t>
-            </a:r>
-            <a:r>
-              <a:rPr lang="en-US"/>
-              <a:t>of internet </a:t>
-            </a:r>
-            <a:r>
-              <a:rPr lang="en-US" dirty="0"/>
-              <a:t>services.</a:t>
+              <a:t>Web services are likely already a big part of your life as a consumer of internet services.</a:t>
             </a:r>
           </a:p>
         </p:txBody>

--- a/Hot_Topic_Analytics_and_Algorithms_Web_Based_Clinical_Decision_Support.pptx
+++ b/Hot_Topic_Analytics_and_Algorithms_Web_Based_Clinical_Decision_Support.pptx
@@ -6,7 +6,7 @@
     <p:sldMasterId id="2147483651" r:id="rId2"/>
   </p:sldMasterIdLst>
   <p:notesMasterIdLst>
-    <p:notesMasterId r:id="rId38"/>
+    <p:notesMasterId r:id="rId48"/>
   </p:notesMasterIdLst>
   <p:sldIdLst>
     <p:sldId id="260" r:id="rId3"/>
@@ -36,14 +36,24 @@
     <p:sldId id="281" r:id="rId27"/>
     <p:sldId id="283" r:id="rId28"/>
     <p:sldId id="284" r:id="rId29"/>
-    <p:sldId id="285" r:id="rId30"/>
-    <p:sldId id="286" r:id="rId31"/>
-    <p:sldId id="287" r:id="rId32"/>
-    <p:sldId id="288" r:id="rId33"/>
-    <p:sldId id="289" r:id="rId34"/>
-    <p:sldId id="290" r:id="rId35"/>
-    <p:sldId id="291" r:id="rId36"/>
-    <p:sldId id="292" r:id="rId37"/>
+    <p:sldId id="295" r:id="rId30"/>
+    <p:sldId id="296" r:id="rId31"/>
+    <p:sldId id="285" r:id="rId32"/>
+    <p:sldId id="286" r:id="rId33"/>
+    <p:sldId id="287" r:id="rId34"/>
+    <p:sldId id="288" r:id="rId35"/>
+    <p:sldId id="299" r:id="rId36"/>
+    <p:sldId id="289" r:id="rId37"/>
+    <p:sldId id="290" r:id="rId38"/>
+    <p:sldId id="291" r:id="rId39"/>
+    <p:sldId id="292" r:id="rId40"/>
+    <p:sldId id="294" r:id="rId41"/>
+    <p:sldId id="297" r:id="rId42"/>
+    <p:sldId id="298" r:id="rId43"/>
+    <p:sldId id="300" r:id="rId44"/>
+    <p:sldId id="301" r:id="rId45"/>
+    <p:sldId id="302" r:id="rId46"/>
+    <p:sldId id="303" r:id="rId47"/>
   </p:sldIdLst>
   <p:sldSz cx="9144000" cy="5143500" type="screen16x9"/>
   <p:notesSz cx="6858000" cy="9144000"/>
@@ -210,7 +220,7 @@
             </a:lvl1pPr>
           </a:lstStyle>
           <a:p>
-            <a:endParaRPr lang="en-US"/>
+            <a:endParaRPr lang="en-US" dirty="0"/>
           </a:p>
         </p:txBody>
       </p:sp>
@@ -243,9 +253,9 @@
           <a:p>
             <a:fld id="{563FC28E-C8FD-4727-A114-E1A1A1EC31A7}" type="datetimeFigureOut">
               <a:rPr lang="en-US" smtClean="0"/>
-              <a:t>9/12/2018</a:t>
+              <a:t>9/16/2018</a:t>
             </a:fld>
-            <a:endParaRPr lang="en-US"/>
+            <a:endParaRPr lang="en-US" dirty="0"/>
           </a:p>
         </p:txBody>
       </p:sp>
@@ -278,7 +288,7 @@
           <a:bodyPr vert="horz" lIns="91440" tIns="45720" rIns="91440" bIns="45720" rtlCol="0" anchor="ctr"/>
           <a:lstStyle/>
           <a:p>
-            <a:endParaRPr lang="en-US"/>
+            <a:endParaRPr lang="en-US" dirty="0"/>
           </a:p>
         </p:txBody>
       </p:sp>
@@ -368,7 +378,7 @@
             </a:lvl1pPr>
           </a:lstStyle>
           <a:p>
-            <a:endParaRPr lang="en-US"/>
+            <a:endParaRPr lang="en-US" dirty="0"/>
           </a:p>
         </p:txBody>
       </p:sp>
@@ -403,7 +413,7 @@
               <a:rPr lang="en-US" smtClean="0"/>
               <a:t>‹#›</a:t>
             </a:fld>
-            <a:endParaRPr lang="en-US"/>
+            <a:endParaRPr lang="en-US" dirty="0"/>
           </a:p>
         </p:txBody>
       </p:sp>
@@ -748,7 +758,27 @@
             </a:pPr>
             <a:r>
               <a:rPr lang="en-US" dirty="0"/>
-              <a:t>HLA-DPB belongs to the HLA class II beta chain paralogues.</a:t>
+              <a:t>HL7 version 2 is still the dominant specification for electronic interoperability in health care, although it is very dated and essentially only defines “flat” files that have to be exchanged using essentially ad-hoc mechanisms.</a:t>
+            </a:r>
+          </a:p>
+          <a:p>
+            <a:pPr marL="171450" indent="-171450">
+              <a:buFontTx/>
+              <a:buChar char="-"/>
+            </a:pPr>
+            <a:r>
+              <a:rPr lang="en-US" dirty="0"/>
+              <a:t>Mainstream vendors are implementing FHIR endpoints in their enterprise systems and also curating “app store”-like collections of approved applications.</a:t>
+            </a:r>
+          </a:p>
+          <a:p>
+            <a:pPr marL="171450" indent="-171450">
+              <a:buFontTx/>
+              <a:buChar char="-"/>
+            </a:pPr>
+            <a:r>
+              <a:rPr lang="en-US" dirty="0"/>
+              <a:t>The fact that the commercial vendors are implementing this specification is hugely significant. Some previous HL7 specifications have not been widely adopted (too bloated?).</a:t>
             </a:r>
           </a:p>
         </p:txBody>
@@ -770,7 +800,7 @@
           <a:p>
             <a:fld id="{9AF95328-D31D-45AB-991F-5F3DA55EDE23}" type="slidenum">
               <a:rPr lang="en-US" smtClean="0"/>
-              <a:t>30</a:t>
+              <a:t>28</a:t>
             </a:fld>
             <a:endParaRPr lang="en-US"/>
           </a:p>
@@ -779,7 +809,7 @@
     </p:spTree>
     <p:extLst>
       <p:ext uri="{BB962C8B-B14F-4D97-AF65-F5344CB8AC3E}">
-        <p14:creationId xmlns:p14="http://schemas.microsoft.com/office/powerpoint/2010/main" val="2738830064"/>
+        <p14:creationId xmlns:p14="http://schemas.microsoft.com/office/powerpoint/2010/main" val="3750692883"/>
       </p:ext>
     </p:extLst>
   </p:cSld>
@@ -839,7 +869,25 @@
             </a:pPr>
             <a:r>
               <a:rPr lang="en-US" dirty="0"/>
-              <a:t>Acknowledgements to Dr. Bob Bray at Emory University School of Medicine.</a:t>
+              <a:t>The “observation” resource includes lab results. In our system, most HLA laboratory results are maintained as structured results in our electronic medical record and would be easily accessible via the FHIR </a:t>
+            </a:r>
+            <a:r>
+              <a:rPr lang="en-US" dirty="0" err="1"/>
+              <a:t>Obervation</a:t>
+            </a:r>
+            <a:r>
+              <a:rPr lang="en-US" dirty="0"/>
+              <a:t> resource.</a:t>
+            </a:r>
+          </a:p>
+          <a:p>
+            <a:pPr marL="171450" indent="-171450">
+              <a:buFontTx/>
+              <a:buChar char="-"/>
+            </a:pPr>
+            <a:r>
+              <a:rPr lang="en-US" dirty="0"/>
+              <a:t>Apple Health uses FHIR. This is probably the canonical patient-facing FHIR application.</a:t>
             </a:r>
           </a:p>
         </p:txBody>
@@ -861,7 +909,7 @@
           <a:p>
             <a:fld id="{9AF95328-D31D-45AB-991F-5F3DA55EDE23}" type="slidenum">
               <a:rPr lang="en-US" smtClean="0"/>
-              <a:t>31</a:t>
+              <a:t>29</a:t>
             </a:fld>
             <a:endParaRPr lang="en-US"/>
           </a:p>
@@ -870,7 +918,7 @@
     </p:spTree>
     <p:extLst>
       <p:ext uri="{BB962C8B-B14F-4D97-AF65-F5344CB8AC3E}">
-        <p14:creationId xmlns:p14="http://schemas.microsoft.com/office/powerpoint/2010/main" val="2959401760"/>
+        <p14:creationId xmlns:p14="http://schemas.microsoft.com/office/powerpoint/2010/main" val="3700281805"/>
       </p:ext>
     </p:extLst>
   </p:cSld>
@@ -930,17 +978,7 @@
             </a:pPr>
             <a:r>
               <a:rPr lang="en-US" dirty="0"/>
-              <a:t>Some detail is omitted here. For example, allowances for recipient HLA type should be made (i.e., don’t infer the presence of an autoantibody).</a:t>
-            </a:r>
-          </a:p>
-          <a:p>
-            <a:pPr marL="171450" indent="-171450">
-              <a:buFontTx/>
-              <a:buChar char="-"/>
-            </a:pPr>
-            <a:r>
-              <a:rPr lang="en-US" dirty="0"/>
-              <a:t>What would this heuristic look like implemented as a REST web service?</a:t>
+              <a:t>HLA-DPB belongs to the HLA class II beta chain paralogues.</a:t>
             </a:r>
           </a:p>
         </p:txBody>
@@ -971,7 +1009,7 @@
     </p:spTree>
     <p:extLst>
       <p:ext uri="{BB962C8B-B14F-4D97-AF65-F5344CB8AC3E}">
-        <p14:creationId xmlns:p14="http://schemas.microsoft.com/office/powerpoint/2010/main" val="4207831748"/>
+        <p14:creationId xmlns:p14="http://schemas.microsoft.com/office/powerpoint/2010/main" val="2738830064"/>
       </p:ext>
     </p:extLst>
   </p:cSld>
@@ -1025,64 +1063,13 @@
           <a:bodyPr/>
           <a:lstStyle/>
           <a:p>
-            <a:pPr marL="171450" marR="0" lvl="0" indent="-171450" algn="l" defTabSz="914400" rtl="0" eaLnBrk="1" fontAlgn="auto" latinLnBrk="0" hangingPunct="1">
-              <a:lnSpc>
-                <a:spcPct val="100000"/>
-              </a:lnSpc>
-              <a:spcBef>
-                <a:spcPts val="0"/>
-              </a:spcBef>
-              <a:spcAft>
-                <a:spcPts val="0"/>
-              </a:spcAft>
-              <a:buClrTx/>
-              <a:buSzTx/>
-              <a:buFontTx/>
-              <a:buChar char="-"/>
-              <a:tabLst/>
-              <a:defRPr/>
-            </a:pPr>
-            <a:r>
-              <a:rPr lang="en-US" dirty="0"/>
-              <a:t>The service layer is implemented as a Java web application.</a:t>
-            </a:r>
-          </a:p>
-          <a:p>
             <a:pPr marL="171450" indent="-171450">
               <a:buFontTx/>
               <a:buChar char="-"/>
             </a:pPr>
             <a:r>
               <a:rPr lang="en-US" dirty="0"/>
-              <a:t>The “alleles” resource is loaded from an XML representation of the IMGT/HLA database.</a:t>
-            </a:r>
-          </a:p>
-          <a:p>
-            <a:pPr marL="171450" indent="-171450">
-              <a:buFontTx/>
-              <a:buChar char="-"/>
-            </a:pPr>
-            <a:r>
-              <a:rPr lang="en-US" dirty="0"/>
-              <a:t>The “</a:t>
-            </a:r>
-            <a:r>
-              <a:rPr lang="en-US" dirty="0" err="1"/>
-              <a:t>hypervariableRegions</a:t>
-            </a:r>
-            <a:r>
-              <a:rPr lang="en-US" dirty="0"/>
-              <a:t>” resource is loaded from a locally (Emory University) created XML database.</a:t>
-            </a:r>
-          </a:p>
-          <a:p>
-            <a:pPr marL="171450" indent="-171450">
-              <a:buFontTx/>
-              <a:buChar char="-"/>
-            </a:pPr>
-            <a:r>
-              <a:rPr lang="en-US" dirty="0"/>
-              <a:t>Only two (2) resources are required to implement the clinical decision support heuristic.</a:t>
+              <a:t>Acknowledgements to Dr. Bob Bray at Emory University School of Medicine.</a:t>
             </a:r>
           </a:p>
         </p:txBody>
@@ -1113,7 +1100,7 @@
     </p:spTree>
     <p:extLst>
       <p:ext uri="{BB962C8B-B14F-4D97-AF65-F5344CB8AC3E}">
-        <p14:creationId xmlns:p14="http://schemas.microsoft.com/office/powerpoint/2010/main" val="737381555"/>
+        <p14:creationId xmlns:p14="http://schemas.microsoft.com/office/powerpoint/2010/main" val="2959401760"/>
       </p:ext>
     </p:extLst>
   </p:cSld>
@@ -1167,72 +1154,13 @@
           <a:bodyPr/>
           <a:lstStyle/>
           <a:p>
-            <a:pPr marL="171450" marR="0" lvl="0" indent="-171450" algn="l" defTabSz="914400" rtl="0" eaLnBrk="1" fontAlgn="auto" latinLnBrk="0" hangingPunct="1">
-              <a:lnSpc>
-                <a:spcPct val="100000"/>
-              </a:lnSpc>
-              <a:spcBef>
-                <a:spcPts val="0"/>
-              </a:spcBef>
-              <a:spcAft>
-                <a:spcPts val="0"/>
-              </a:spcAft>
-              <a:buClrTx/>
-              <a:buSzTx/>
+            <a:pPr marL="171450" indent="-171450">
               <a:buFontTx/>
               <a:buChar char="-"/>
-              <a:tabLst/>
-              <a:defRPr/>
             </a:pPr>
             <a:r>
               <a:rPr lang="en-US" dirty="0"/>
-              <a:t>This is just a static HTML document with an embedded JavaScript program. My child in fifth grade is writing HTML documents like this.</a:t>
-            </a:r>
-          </a:p>
-          <a:p>
-            <a:pPr marL="171450" marR="0" lvl="0" indent="-171450" algn="l" defTabSz="914400" rtl="0" eaLnBrk="1" fontAlgn="auto" latinLnBrk="0" hangingPunct="1">
-              <a:lnSpc>
-                <a:spcPct val="100000"/>
-              </a:lnSpc>
-              <a:spcBef>
-                <a:spcPts val="0"/>
-              </a:spcBef>
-              <a:spcAft>
-                <a:spcPts val="0"/>
-              </a:spcAft>
-              <a:buClrTx/>
-              <a:buSzTx/>
-              <a:buFontTx/>
-              <a:buChar char="-"/>
-              <a:tabLst/>
-              <a:defRPr/>
-            </a:pPr>
-            <a:r>
-              <a:rPr lang="en-US" dirty="0"/>
-              <a:t>This application is just fluff to demonstrate that the REST web services may have utility. As a stand-alone application it does not respect the latter four (4) rights of clinical decision support.</a:t>
-            </a:r>
-          </a:p>
-          <a:p>
-            <a:pPr marL="171450" marR="0" lvl="0" indent="-171450" algn="l" defTabSz="914400" rtl="0" eaLnBrk="1" fontAlgn="auto" latinLnBrk="0" hangingPunct="1">
-              <a:lnSpc>
-                <a:spcPct val="100000"/>
-              </a:lnSpc>
-              <a:spcBef>
-                <a:spcPts val="0"/>
-              </a:spcBef>
-              <a:spcAft>
-                <a:spcPts val="0"/>
-              </a:spcAft>
-              <a:buClrTx/>
-              <a:buSzTx/>
-              <a:buFontTx/>
-              <a:buChar char="-"/>
-              <a:tabLst/>
-              <a:defRPr/>
-            </a:pPr>
-            <a:r>
-              <a:rPr lang="en-US" dirty="0"/>
-              <a:t>The author of an application like this would need to know almost nothing about HLA or even how the alleles are represented in the IMGT/HLA database. Most of the HLA domain-specific content has been abstracted in the JSON representation of the data model. The developer can focus on excellent user interface design. No comments from the peanut gallery.</a:t>
+              <a:t>Acknowledgements to Dr. Bob Bray at Emory University School of Medicine.</a:t>
             </a:r>
           </a:p>
         </p:txBody>
@@ -1263,7 +1191,7 @@
     </p:spTree>
     <p:extLst>
       <p:ext uri="{BB962C8B-B14F-4D97-AF65-F5344CB8AC3E}">
-        <p14:creationId xmlns:p14="http://schemas.microsoft.com/office/powerpoint/2010/main" val="1210555164"/>
+        <p14:creationId xmlns:p14="http://schemas.microsoft.com/office/powerpoint/2010/main" val="3085170254"/>
       </p:ext>
     </p:extLst>
   </p:cSld>
@@ -1317,6 +1245,117 @@
           <a:bodyPr/>
           <a:lstStyle/>
           <a:p>
+            <a:pPr marL="171450" indent="-171450">
+              <a:buFontTx/>
+              <a:buChar char="-"/>
+            </a:pPr>
+            <a:r>
+              <a:rPr lang="en-US" dirty="0"/>
+              <a:t>Some detail is omitted here. For example, allowances for recipient HLA type should be made (i.e., don’t infer the presence of an autoantibody).</a:t>
+            </a:r>
+          </a:p>
+          <a:p>
+            <a:pPr marL="171450" indent="-171450">
+              <a:buFontTx/>
+              <a:buChar char="-"/>
+            </a:pPr>
+            <a:r>
+              <a:rPr lang="en-US" dirty="0"/>
+              <a:t>My first exposure this heuristic was in conversation with Dr. Bob Bray in the HLA laboratory at Emory University Hospital.</a:t>
+            </a:r>
+          </a:p>
+          <a:p>
+            <a:pPr marL="171450" indent="-171450">
+              <a:buFontTx/>
+              <a:buChar char="-"/>
+            </a:pPr>
+            <a:r>
+              <a:rPr lang="en-US" dirty="0"/>
+              <a:t>What would this heuristic look like implemented as a REST web service?</a:t>
+            </a:r>
+          </a:p>
+        </p:txBody>
+      </p:sp>
+      <p:sp>
+        <p:nvSpPr>
+          <p:cNvPr id="4" name="Slide Number Placeholder 3"/>
+          <p:cNvSpPr>
+            <a:spLocks noGrp="1"/>
+          </p:cNvSpPr>
+          <p:nvPr>
+            <p:ph type="sldNum" sz="quarter" idx="5"/>
+          </p:nvPr>
+        </p:nvSpPr>
+        <p:spPr/>
+        <p:txBody>
+          <a:bodyPr/>
+          <a:lstStyle/>
+          <a:p>
+            <a:fld id="{9AF95328-D31D-45AB-991F-5F3DA55EDE23}" type="slidenum">
+              <a:rPr lang="en-US" smtClean="0"/>
+              <a:t>35</a:t>
+            </a:fld>
+            <a:endParaRPr lang="en-US"/>
+          </a:p>
+        </p:txBody>
+      </p:sp>
+    </p:spTree>
+    <p:extLst>
+      <p:ext uri="{BB962C8B-B14F-4D97-AF65-F5344CB8AC3E}">
+        <p14:creationId xmlns:p14="http://schemas.microsoft.com/office/powerpoint/2010/main" val="4207831748"/>
+      </p:ext>
+    </p:extLst>
+  </p:cSld>
+  <p:clrMapOvr>
+    <a:masterClrMapping/>
+  </p:clrMapOvr>
+</p:notes>
+</file>
+
+<file path=ppt/notesSlides/notesSlide17.xml><?xml version="1.0" encoding="utf-8"?>
+<p:notes xmlns:a="http://schemas.openxmlformats.org/drawingml/2006/main" xmlns:r="http://schemas.openxmlformats.org/officeDocument/2006/relationships" xmlns:p="http://schemas.openxmlformats.org/presentationml/2006/main">
+  <p:cSld>
+    <p:spTree>
+      <p:nvGrpSpPr>
+        <p:cNvPr id="1" name=""/>
+        <p:cNvGrpSpPr/>
+        <p:nvPr/>
+      </p:nvGrpSpPr>
+      <p:grpSpPr>
+        <a:xfrm>
+          <a:off x="0" y="0"/>
+          <a:ext cx="0" cy="0"/>
+          <a:chOff x="0" y="0"/>
+          <a:chExt cx="0" cy="0"/>
+        </a:xfrm>
+      </p:grpSpPr>
+      <p:sp>
+        <p:nvSpPr>
+          <p:cNvPr id="2" name="Slide Image Placeholder 1"/>
+          <p:cNvSpPr>
+            <a:spLocks noGrp="1" noRot="1" noChangeAspect="1"/>
+          </p:cNvSpPr>
+          <p:nvPr>
+            <p:ph type="sldImg"/>
+          </p:nvPr>
+        </p:nvSpPr>
+        <p:spPr/>
+      </p:sp>
+      <p:sp>
+        <p:nvSpPr>
+          <p:cNvPr id="3" name="Notes Placeholder 2"/>
+          <p:cNvSpPr>
+            <a:spLocks noGrp="1"/>
+          </p:cNvSpPr>
+          <p:nvPr>
+            <p:ph type="body" idx="1"/>
+          </p:nvPr>
+        </p:nvSpPr>
+        <p:spPr/>
+        <p:txBody>
+          <a:bodyPr/>
+          <a:lstStyle/>
+          <a:p>
             <a:pPr marL="171450" marR="0" lvl="0" indent="-171450" algn="l" defTabSz="914400" rtl="0" eaLnBrk="1" fontAlgn="auto" latinLnBrk="0" hangingPunct="1">
               <a:lnSpc>
                 <a:spcPct val="100000"/>
@@ -1336,9 +1375,128 @@
             </a:pPr>
             <a:r>
               <a:rPr lang="en-US" dirty="0"/>
-              <a:t>This is just a static HTML document with an embedded JavaScript program. My child in fifth grade is writing HTML documents like this.</a:t>
-            </a:r>
-          </a:p>
+              <a:t>The service layer is implemented as a Java web application.</a:t>
+            </a:r>
+          </a:p>
+          <a:p>
+            <a:pPr marL="171450" indent="-171450">
+              <a:buFontTx/>
+              <a:buChar char="-"/>
+            </a:pPr>
+            <a:r>
+              <a:rPr lang="en-US" dirty="0"/>
+              <a:t>The “alleles” resource is loaded from an XML representation of the IMGT/HLA database.</a:t>
+            </a:r>
+          </a:p>
+          <a:p>
+            <a:pPr marL="171450" indent="-171450">
+              <a:buFontTx/>
+              <a:buChar char="-"/>
+            </a:pPr>
+            <a:r>
+              <a:rPr lang="en-US" dirty="0"/>
+              <a:t>The “</a:t>
+            </a:r>
+            <a:r>
+              <a:rPr lang="en-US" dirty="0" err="1"/>
+              <a:t>hypervariableRegions</a:t>
+            </a:r>
+            <a:r>
+              <a:rPr lang="en-US" dirty="0"/>
+              <a:t>” resource is loaded from a locally (Emory University) created XML database.</a:t>
+            </a:r>
+          </a:p>
+          <a:p>
+            <a:pPr marL="171450" indent="-171450">
+              <a:buFontTx/>
+              <a:buChar char="-"/>
+            </a:pPr>
+            <a:r>
+              <a:rPr lang="en-US" dirty="0"/>
+              <a:t>Only two (2) resources are required to implement the clinical decision support heuristic.</a:t>
+            </a:r>
+          </a:p>
+        </p:txBody>
+      </p:sp>
+      <p:sp>
+        <p:nvSpPr>
+          <p:cNvPr id="4" name="Slide Number Placeholder 3"/>
+          <p:cNvSpPr>
+            <a:spLocks noGrp="1"/>
+          </p:cNvSpPr>
+          <p:nvPr>
+            <p:ph type="sldNum" sz="quarter" idx="5"/>
+          </p:nvPr>
+        </p:nvSpPr>
+        <p:spPr/>
+        <p:txBody>
+          <a:bodyPr/>
+          <a:lstStyle/>
+          <a:p>
+            <a:fld id="{9AF95328-D31D-45AB-991F-5F3DA55EDE23}" type="slidenum">
+              <a:rPr lang="en-US" smtClean="0"/>
+              <a:t>36</a:t>
+            </a:fld>
+            <a:endParaRPr lang="en-US"/>
+          </a:p>
+        </p:txBody>
+      </p:sp>
+    </p:spTree>
+    <p:extLst>
+      <p:ext uri="{BB962C8B-B14F-4D97-AF65-F5344CB8AC3E}">
+        <p14:creationId xmlns:p14="http://schemas.microsoft.com/office/powerpoint/2010/main" val="737381555"/>
+      </p:ext>
+    </p:extLst>
+  </p:cSld>
+  <p:clrMapOvr>
+    <a:masterClrMapping/>
+  </p:clrMapOvr>
+</p:notes>
+</file>
+
+<file path=ppt/notesSlides/notesSlide18.xml><?xml version="1.0" encoding="utf-8"?>
+<p:notes xmlns:a="http://schemas.openxmlformats.org/drawingml/2006/main" xmlns:r="http://schemas.openxmlformats.org/officeDocument/2006/relationships" xmlns:p="http://schemas.openxmlformats.org/presentationml/2006/main">
+  <p:cSld>
+    <p:spTree>
+      <p:nvGrpSpPr>
+        <p:cNvPr id="1" name=""/>
+        <p:cNvGrpSpPr/>
+        <p:nvPr/>
+      </p:nvGrpSpPr>
+      <p:grpSpPr>
+        <a:xfrm>
+          <a:off x="0" y="0"/>
+          <a:ext cx="0" cy="0"/>
+          <a:chOff x="0" y="0"/>
+          <a:chExt cx="0" cy="0"/>
+        </a:xfrm>
+      </p:grpSpPr>
+      <p:sp>
+        <p:nvSpPr>
+          <p:cNvPr id="2" name="Slide Image Placeholder 1"/>
+          <p:cNvSpPr>
+            <a:spLocks noGrp="1" noRot="1" noChangeAspect="1"/>
+          </p:cNvSpPr>
+          <p:nvPr>
+            <p:ph type="sldImg"/>
+          </p:nvPr>
+        </p:nvSpPr>
+        <p:spPr/>
+      </p:sp>
+      <p:sp>
+        <p:nvSpPr>
+          <p:cNvPr id="3" name="Notes Placeholder 2"/>
+          <p:cNvSpPr>
+            <a:spLocks noGrp="1"/>
+          </p:cNvSpPr>
+          <p:nvPr>
+            <p:ph type="body" idx="1"/>
+          </p:nvPr>
+        </p:nvSpPr>
+        <p:spPr/>
+        <p:txBody>
+          <a:bodyPr/>
+          <a:lstStyle/>
           <a:p>
             <a:pPr marL="171450" marR="0" lvl="0" indent="-171450" algn="l" defTabSz="914400" rtl="0" eaLnBrk="1" fontAlgn="auto" latinLnBrk="0" hangingPunct="1">
               <a:lnSpc>
@@ -1359,7 +1517,7 @@
             </a:pPr>
             <a:r>
               <a:rPr lang="en-US" dirty="0"/>
-              <a:t>This application is just fluff to demonstrate that the REST web services may have utility. As a stand-alone application it does not respect the latter four (4) rights of clinical decision support.</a:t>
+              <a:t>This is just a static HTML document with an embedded JavaScript program. My child in fifth grade is writing HTML documents like this.</a:t>
             </a:r>
           </a:p>
           <a:p>
@@ -1382,21 +1540,31 @@
             </a:pPr>
             <a:r>
               <a:rPr lang="en-US" dirty="0"/>
-              <a:t>Some of these requests </a:t>
-            </a:r>
-            <a:r>
-              <a:rPr lang="en-US"/>
-              <a:t>have slightly </a:t>
-            </a:r>
+              <a:t>This application is just fluff to demonstrate that the REST web services may have utility. As a stand-alone application it does not respect the latter four (4) rights of clinical decision support.</a:t>
+            </a:r>
+          </a:p>
+          <a:p>
+            <a:pPr marL="171450" marR="0" lvl="0" indent="-171450" algn="l" defTabSz="914400" rtl="0" eaLnBrk="1" fontAlgn="auto" latinLnBrk="0" hangingPunct="1">
+              <a:lnSpc>
+                <a:spcPct val="100000"/>
+              </a:lnSpc>
+              <a:spcBef>
+                <a:spcPts val="0"/>
+              </a:spcBef>
+              <a:spcAft>
+                <a:spcPts val="0"/>
+              </a:spcAft>
+              <a:buClrTx/>
+              <a:buSzTx/>
+              <a:buFontTx/>
+              <a:buChar char="-"/>
+              <a:tabLst/>
+              <a:defRPr/>
+            </a:pPr>
             <a:r>
               <a:rPr lang="en-US" dirty="0"/>
-              <a:t>bulky payloads, but bandwidth </a:t>
-            </a:r>
-            <a:r>
-              <a:rPr lang="en-US"/>
-              <a:t>is cheap.</a:t>
-            </a:r>
-            <a:endParaRPr lang="en-US" dirty="0"/>
+              <a:t>The author of an application like this would need to know almost nothing about HLA or even how the alleles are represented in the IMGT/HLA database. Most of the HLA domain-specific content has been abstracted in the JSON representation of the data model. The developer can focus on excellent user interface design. No comments from the peanut gallery.</a:t>
+            </a:r>
           </a:p>
         </p:txBody>
       </p:sp>
@@ -1417,7 +1585,170 @@
           <a:p>
             <a:fld id="{9AF95328-D31D-45AB-991F-5F3DA55EDE23}" type="slidenum">
               <a:rPr lang="en-US" smtClean="0"/>
-              <a:t>35</a:t>
+              <a:t>37</a:t>
+            </a:fld>
+            <a:endParaRPr lang="en-US"/>
+          </a:p>
+        </p:txBody>
+      </p:sp>
+    </p:spTree>
+    <p:extLst>
+      <p:ext uri="{BB962C8B-B14F-4D97-AF65-F5344CB8AC3E}">
+        <p14:creationId xmlns:p14="http://schemas.microsoft.com/office/powerpoint/2010/main" val="1210555164"/>
+      </p:ext>
+    </p:extLst>
+  </p:cSld>
+  <p:clrMapOvr>
+    <a:masterClrMapping/>
+  </p:clrMapOvr>
+</p:notes>
+</file>
+
+<file path=ppt/notesSlides/notesSlide19.xml><?xml version="1.0" encoding="utf-8"?>
+<p:notes xmlns:a="http://schemas.openxmlformats.org/drawingml/2006/main" xmlns:r="http://schemas.openxmlformats.org/officeDocument/2006/relationships" xmlns:p="http://schemas.openxmlformats.org/presentationml/2006/main">
+  <p:cSld>
+    <p:spTree>
+      <p:nvGrpSpPr>
+        <p:cNvPr id="1" name=""/>
+        <p:cNvGrpSpPr/>
+        <p:nvPr/>
+      </p:nvGrpSpPr>
+      <p:grpSpPr>
+        <a:xfrm>
+          <a:off x="0" y="0"/>
+          <a:ext cx="0" cy="0"/>
+          <a:chOff x="0" y="0"/>
+          <a:chExt cx="0" cy="0"/>
+        </a:xfrm>
+      </p:grpSpPr>
+      <p:sp>
+        <p:nvSpPr>
+          <p:cNvPr id="2" name="Slide Image Placeholder 1"/>
+          <p:cNvSpPr>
+            <a:spLocks noGrp="1" noRot="1" noChangeAspect="1"/>
+          </p:cNvSpPr>
+          <p:nvPr>
+            <p:ph type="sldImg"/>
+          </p:nvPr>
+        </p:nvSpPr>
+        <p:spPr/>
+      </p:sp>
+      <p:sp>
+        <p:nvSpPr>
+          <p:cNvPr id="3" name="Notes Placeholder 2"/>
+          <p:cNvSpPr>
+            <a:spLocks noGrp="1"/>
+          </p:cNvSpPr>
+          <p:nvPr>
+            <p:ph type="body" idx="1"/>
+          </p:nvPr>
+        </p:nvSpPr>
+        <p:spPr/>
+        <p:txBody>
+          <a:bodyPr/>
+          <a:lstStyle/>
+          <a:p>
+            <a:pPr marL="171450" marR="0" lvl="0" indent="-171450" algn="l" defTabSz="914400" rtl="0" eaLnBrk="1" fontAlgn="auto" latinLnBrk="0" hangingPunct="1">
+              <a:lnSpc>
+                <a:spcPct val="100000"/>
+              </a:lnSpc>
+              <a:spcBef>
+                <a:spcPts val="0"/>
+              </a:spcBef>
+              <a:spcAft>
+                <a:spcPts val="0"/>
+              </a:spcAft>
+              <a:buClrTx/>
+              <a:buSzTx/>
+              <a:buFontTx/>
+              <a:buChar char="-"/>
+              <a:tabLst/>
+              <a:defRPr/>
+            </a:pPr>
+            <a:r>
+              <a:rPr lang="en-US" dirty="0"/>
+              <a:t>This is just a static HTML document with an embedded JavaScript program. My child in fifth grade is writing HTML documents like this.</a:t>
+            </a:r>
+          </a:p>
+          <a:p>
+            <a:pPr marL="171450" marR="0" lvl="0" indent="-171450" algn="l" defTabSz="914400" rtl="0" eaLnBrk="1" fontAlgn="auto" latinLnBrk="0" hangingPunct="1">
+              <a:lnSpc>
+                <a:spcPct val="100000"/>
+              </a:lnSpc>
+              <a:spcBef>
+                <a:spcPts val="0"/>
+              </a:spcBef>
+              <a:spcAft>
+                <a:spcPts val="0"/>
+              </a:spcAft>
+              <a:buClrTx/>
+              <a:buSzTx/>
+              <a:buFontTx/>
+              <a:buChar char="-"/>
+              <a:tabLst/>
+              <a:defRPr/>
+            </a:pPr>
+            <a:r>
+              <a:rPr lang="en-US" dirty="0"/>
+              <a:t>This application is just fluff to demonstrate that the REST web services may have utility. As a stand-alone application it does not respect the latter four (4) rights of clinical decision support.</a:t>
+            </a:r>
+          </a:p>
+          <a:p>
+            <a:pPr marL="171450" marR="0" lvl="0" indent="-171450" algn="l" defTabSz="914400" rtl="0" eaLnBrk="1" fontAlgn="auto" latinLnBrk="0" hangingPunct="1">
+              <a:lnSpc>
+                <a:spcPct val="100000"/>
+              </a:lnSpc>
+              <a:spcBef>
+                <a:spcPts val="0"/>
+              </a:spcBef>
+              <a:spcAft>
+                <a:spcPts val="0"/>
+              </a:spcAft>
+              <a:buClrTx/>
+              <a:buSzTx/>
+              <a:buFontTx/>
+              <a:buChar char="-"/>
+              <a:tabLst/>
+              <a:defRPr/>
+            </a:pPr>
+            <a:r>
+              <a:rPr lang="en-US" dirty="0"/>
+              <a:t>Some of these requests </a:t>
+            </a:r>
+            <a:r>
+              <a:rPr lang="en-US"/>
+              <a:t>have slightly </a:t>
+            </a:r>
+            <a:r>
+              <a:rPr lang="en-US" dirty="0"/>
+              <a:t>bulky payloads, but bandwidth </a:t>
+            </a:r>
+            <a:r>
+              <a:rPr lang="en-US"/>
+              <a:t>is cheap.</a:t>
+            </a:r>
+            <a:endParaRPr lang="en-US" dirty="0"/>
+          </a:p>
+        </p:txBody>
+      </p:sp>
+      <p:sp>
+        <p:nvSpPr>
+          <p:cNvPr id="4" name="Slide Number Placeholder 3"/>
+          <p:cNvSpPr>
+            <a:spLocks noGrp="1"/>
+          </p:cNvSpPr>
+          <p:nvPr>
+            <p:ph type="sldNum" sz="quarter" idx="5"/>
+          </p:nvPr>
+        </p:nvSpPr>
+        <p:spPr/>
+        <p:txBody>
+          <a:bodyPr/>
+          <a:lstStyle/>
+          <a:p>
+            <a:fld id="{9AF95328-D31D-45AB-991F-5F3DA55EDE23}" type="slidenum">
+              <a:rPr lang="en-US" smtClean="0"/>
+              <a:t>38</a:t>
             </a:fld>
             <a:endParaRPr lang="en-US"/>
           </a:p>
@@ -1514,6 +1845,541 @@
     <p:extLst>
       <p:ext uri="{BB962C8B-B14F-4D97-AF65-F5344CB8AC3E}">
         <p14:creationId xmlns:p14="http://schemas.microsoft.com/office/powerpoint/2010/main" val="4185203980"/>
+      </p:ext>
+    </p:extLst>
+  </p:cSld>
+  <p:clrMapOvr>
+    <a:masterClrMapping/>
+  </p:clrMapOvr>
+</p:notes>
+</file>
+
+<file path=ppt/notesSlides/notesSlide20.xml><?xml version="1.0" encoding="utf-8"?>
+<p:notes xmlns:a="http://schemas.openxmlformats.org/drawingml/2006/main" xmlns:r="http://schemas.openxmlformats.org/officeDocument/2006/relationships" xmlns:p="http://schemas.openxmlformats.org/presentationml/2006/main">
+  <p:cSld>
+    <p:spTree>
+      <p:nvGrpSpPr>
+        <p:cNvPr id="1" name=""/>
+        <p:cNvGrpSpPr/>
+        <p:nvPr/>
+      </p:nvGrpSpPr>
+      <p:grpSpPr>
+        <a:xfrm>
+          <a:off x="0" y="0"/>
+          <a:ext cx="0" cy="0"/>
+          <a:chOff x="0" y="0"/>
+          <a:chExt cx="0" cy="0"/>
+        </a:xfrm>
+      </p:grpSpPr>
+      <p:sp>
+        <p:nvSpPr>
+          <p:cNvPr id="2" name="Slide Image Placeholder 1"/>
+          <p:cNvSpPr>
+            <a:spLocks noGrp="1" noRot="1" noChangeAspect="1"/>
+          </p:cNvSpPr>
+          <p:nvPr>
+            <p:ph type="sldImg"/>
+          </p:nvPr>
+        </p:nvSpPr>
+        <p:spPr/>
+      </p:sp>
+      <p:sp>
+        <p:nvSpPr>
+          <p:cNvPr id="3" name="Notes Placeholder 2"/>
+          <p:cNvSpPr>
+            <a:spLocks noGrp="1"/>
+          </p:cNvSpPr>
+          <p:nvPr>
+            <p:ph type="body" idx="1"/>
+          </p:nvPr>
+        </p:nvSpPr>
+        <p:spPr/>
+        <p:txBody>
+          <a:bodyPr/>
+          <a:lstStyle/>
+          <a:p>
+            <a:pPr marL="171450" marR="0" lvl="0" indent="-171450" algn="l" defTabSz="914400" rtl="0" eaLnBrk="1" fontAlgn="auto" latinLnBrk="0" hangingPunct="1">
+              <a:lnSpc>
+                <a:spcPct val="100000"/>
+              </a:lnSpc>
+              <a:spcBef>
+                <a:spcPts val="0"/>
+              </a:spcBef>
+              <a:spcAft>
+                <a:spcPts val="0"/>
+              </a:spcAft>
+              <a:buClrTx/>
+              <a:buSzTx/>
+              <a:buFontTx/>
+              <a:buChar char="-"/>
+              <a:tabLst/>
+              <a:defRPr/>
+            </a:pPr>
+            <a:r>
+              <a:rPr lang="en-US" dirty="0"/>
+              <a:t>This is a mobile “wizard” application running on a Samsung Android smart phone. The first four (4) wizard steps where you select the various alleles that represent antibodies and donor/recipient types are not shown.</a:t>
+            </a:r>
+          </a:p>
+          <a:p>
+            <a:pPr marL="171450" marR="0" lvl="0" indent="-171450" algn="l" defTabSz="914400" rtl="0" eaLnBrk="1" fontAlgn="auto" latinLnBrk="0" hangingPunct="1">
+              <a:lnSpc>
+                <a:spcPct val="100000"/>
+              </a:lnSpc>
+              <a:spcBef>
+                <a:spcPts val="0"/>
+              </a:spcBef>
+              <a:spcAft>
+                <a:spcPts val="0"/>
+              </a:spcAft>
+              <a:buClrTx/>
+              <a:buSzTx/>
+              <a:buFontTx/>
+              <a:buChar char="-"/>
+              <a:tabLst/>
+              <a:defRPr/>
+            </a:pPr>
+            <a:r>
+              <a:rPr lang="en-US" dirty="0"/>
+              <a:t>This is only to demonstrate how universally consumable REST web services are. The request sequence is identical to the request sequence used from the </a:t>
+            </a:r>
+          </a:p>
+        </p:txBody>
+      </p:sp>
+      <p:sp>
+        <p:nvSpPr>
+          <p:cNvPr id="4" name="Slide Number Placeholder 3"/>
+          <p:cNvSpPr>
+            <a:spLocks noGrp="1"/>
+          </p:cNvSpPr>
+          <p:nvPr>
+            <p:ph type="sldNum" sz="quarter" idx="5"/>
+          </p:nvPr>
+        </p:nvSpPr>
+        <p:spPr/>
+        <p:txBody>
+          <a:bodyPr/>
+          <a:lstStyle/>
+          <a:p>
+            <a:fld id="{9AF95328-D31D-45AB-991F-5F3DA55EDE23}" type="slidenum">
+              <a:rPr lang="en-US" smtClean="0"/>
+              <a:t>39</a:t>
+            </a:fld>
+            <a:endParaRPr lang="en-US"/>
+          </a:p>
+        </p:txBody>
+      </p:sp>
+    </p:spTree>
+    <p:extLst>
+      <p:ext uri="{BB962C8B-B14F-4D97-AF65-F5344CB8AC3E}">
+        <p14:creationId xmlns:p14="http://schemas.microsoft.com/office/powerpoint/2010/main" val="857090794"/>
+      </p:ext>
+    </p:extLst>
+  </p:cSld>
+  <p:clrMapOvr>
+    <a:masterClrMapping/>
+  </p:clrMapOvr>
+</p:notes>
+</file>
+
+<file path=ppt/notesSlides/notesSlide21.xml><?xml version="1.0" encoding="utf-8"?>
+<p:notes xmlns:a="http://schemas.openxmlformats.org/drawingml/2006/main" xmlns:r="http://schemas.openxmlformats.org/officeDocument/2006/relationships" xmlns:p="http://schemas.openxmlformats.org/presentationml/2006/main">
+  <p:cSld>
+    <p:spTree>
+      <p:nvGrpSpPr>
+        <p:cNvPr id="1" name=""/>
+        <p:cNvGrpSpPr/>
+        <p:nvPr/>
+      </p:nvGrpSpPr>
+      <p:grpSpPr>
+        <a:xfrm>
+          <a:off x="0" y="0"/>
+          <a:ext cx="0" cy="0"/>
+          <a:chOff x="0" y="0"/>
+          <a:chExt cx="0" cy="0"/>
+        </a:xfrm>
+      </p:grpSpPr>
+      <p:sp>
+        <p:nvSpPr>
+          <p:cNvPr id="2" name="Slide Image Placeholder 1"/>
+          <p:cNvSpPr>
+            <a:spLocks noGrp="1" noRot="1" noChangeAspect="1"/>
+          </p:cNvSpPr>
+          <p:nvPr>
+            <p:ph type="sldImg"/>
+          </p:nvPr>
+        </p:nvSpPr>
+        <p:spPr/>
+      </p:sp>
+      <p:sp>
+        <p:nvSpPr>
+          <p:cNvPr id="3" name="Notes Placeholder 2"/>
+          <p:cNvSpPr>
+            <a:spLocks noGrp="1"/>
+          </p:cNvSpPr>
+          <p:nvPr>
+            <p:ph type="body" idx="1"/>
+          </p:nvPr>
+        </p:nvSpPr>
+        <p:spPr/>
+        <p:txBody>
+          <a:bodyPr/>
+          <a:lstStyle/>
+          <a:p>
+            <a:pPr marL="171450" marR="0" lvl="0" indent="-171450" algn="l" defTabSz="914400" rtl="0" eaLnBrk="1" fontAlgn="auto" latinLnBrk="0" hangingPunct="1">
+              <a:lnSpc>
+                <a:spcPct val="100000"/>
+              </a:lnSpc>
+              <a:spcBef>
+                <a:spcPts val="0"/>
+              </a:spcBef>
+              <a:spcAft>
+                <a:spcPts val="0"/>
+              </a:spcAft>
+              <a:buClrTx/>
+              <a:buSzTx/>
+              <a:buFontTx/>
+              <a:buChar char="-"/>
+              <a:tabLst/>
+              <a:defRPr/>
+            </a:pPr>
+            <a:r>
+              <a:rPr lang="en-US" dirty="0"/>
+              <a:t>Acknowledgements to Dr. Howie Gebel at Emory University School of Medicine.</a:t>
+            </a:r>
+          </a:p>
+          <a:p>
+            <a:endParaRPr lang="en-US" dirty="0"/>
+          </a:p>
+        </p:txBody>
+      </p:sp>
+      <p:sp>
+        <p:nvSpPr>
+          <p:cNvPr id="4" name="Slide Number Placeholder 3"/>
+          <p:cNvSpPr>
+            <a:spLocks noGrp="1"/>
+          </p:cNvSpPr>
+          <p:nvPr>
+            <p:ph type="sldNum" sz="quarter" idx="5"/>
+          </p:nvPr>
+        </p:nvSpPr>
+        <p:spPr/>
+        <p:txBody>
+          <a:bodyPr/>
+          <a:lstStyle/>
+          <a:p>
+            <a:fld id="{9AF95328-D31D-45AB-991F-5F3DA55EDE23}" type="slidenum">
+              <a:rPr lang="en-US" smtClean="0"/>
+              <a:t>41</a:t>
+            </a:fld>
+            <a:endParaRPr lang="en-US" dirty="0"/>
+          </a:p>
+        </p:txBody>
+      </p:sp>
+    </p:spTree>
+    <p:extLst>
+      <p:ext uri="{BB962C8B-B14F-4D97-AF65-F5344CB8AC3E}">
+        <p14:creationId xmlns:p14="http://schemas.microsoft.com/office/powerpoint/2010/main" val="942775533"/>
+      </p:ext>
+    </p:extLst>
+  </p:cSld>
+  <p:clrMapOvr>
+    <a:masterClrMapping/>
+  </p:clrMapOvr>
+</p:notes>
+</file>
+
+<file path=ppt/notesSlides/notesSlide22.xml><?xml version="1.0" encoding="utf-8"?>
+<p:notes xmlns:a="http://schemas.openxmlformats.org/drawingml/2006/main" xmlns:r="http://schemas.openxmlformats.org/officeDocument/2006/relationships" xmlns:p="http://schemas.openxmlformats.org/presentationml/2006/main">
+  <p:cSld>
+    <p:spTree>
+      <p:nvGrpSpPr>
+        <p:cNvPr id="1" name=""/>
+        <p:cNvGrpSpPr/>
+        <p:nvPr/>
+      </p:nvGrpSpPr>
+      <p:grpSpPr>
+        <a:xfrm>
+          <a:off x="0" y="0"/>
+          <a:ext cx="0" cy="0"/>
+          <a:chOff x="0" y="0"/>
+          <a:chExt cx="0" cy="0"/>
+        </a:xfrm>
+      </p:grpSpPr>
+      <p:sp>
+        <p:nvSpPr>
+          <p:cNvPr id="2" name="Slide Image Placeholder 1"/>
+          <p:cNvSpPr>
+            <a:spLocks noGrp="1" noRot="1" noChangeAspect="1"/>
+          </p:cNvSpPr>
+          <p:nvPr>
+            <p:ph type="sldImg"/>
+          </p:nvPr>
+        </p:nvSpPr>
+        <p:spPr/>
+      </p:sp>
+      <p:sp>
+        <p:nvSpPr>
+          <p:cNvPr id="3" name="Notes Placeholder 2"/>
+          <p:cNvSpPr>
+            <a:spLocks noGrp="1"/>
+          </p:cNvSpPr>
+          <p:nvPr>
+            <p:ph type="body" idx="1"/>
+          </p:nvPr>
+        </p:nvSpPr>
+        <p:spPr/>
+        <p:txBody>
+          <a:bodyPr/>
+          <a:lstStyle/>
+          <a:p>
+            <a:r>
+              <a:rPr lang="en-US" dirty="0"/>
+              <a:t>- The epitope filtering mechanism in the Epitope Registry is excellent. You provide it with (a) an allele for which you are interested in assessing for donor/recipient mismatches and (b) the recipient’s HLA type, and the Epitope Registry instantly returns a list of mismatched epitopes.</a:t>
+            </a:r>
+          </a:p>
+          <a:p>
+            <a:r>
+              <a:rPr lang="en-US" dirty="0"/>
+              <a:t>- Iteratively using this filtering mechanism with multiple positive single antigen bead results from a single antigen bead panel to infer which epitopes may be reactive with antibodies is cognitively difficult: the relationship between positive beads and epitopes is many-to-many and extremely tedious to keep track of.</a:t>
+            </a:r>
+          </a:p>
+        </p:txBody>
+      </p:sp>
+      <p:sp>
+        <p:nvSpPr>
+          <p:cNvPr id="4" name="Slide Number Placeholder 3"/>
+          <p:cNvSpPr>
+            <a:spLocks noGrp="1"/>
+          </p:cNvSpPr>
+          <p:nvPr>
+            <p:ph type="sldNum" sz="quarter" idx="5"/>
+          </p:nvPr>
+        </p:nvSpPr>
+        <p:spPr/>
+        <p:txBody>
+          <a:bodyPr/>
+          <a:lstStyle/>
+          <a:p>
+            <a:fld id="{9AF95328-D31D-45AB-991F-5F3DA55EDE23}" type="slidenum">
+              <a:rPr lang="en-US" smtClean="0"/>
+              <a:t>42</a:t>
+            </a:fld>
+            <a:endParaRPr lang="en-US" dirty="0"/>
+          </a:p>
+        </p:txBody>
+      </p:sp>
+    </p:spTree>
+    <p:extLst>
+      <p:ext uri="{BB962C8B-B14F-4D97-AF65-F5344CB8AC3E}">
+        <p14:creationId xmlns:p14="http://schemas.microsoft.com/office/powerpoint/2010/main" val="3537097915"/>
+      </p:ext>
+    </p:extLst>
+  </p:cSld>
+  <p:clrMapOvr>
+    <a:masterClrMapping/>
+  </p:clrMapOvr>
+</p:notes>
+</file>
+
+<file path=ppt/notesSlides/notesSlide23.xml><?xml version="1.0" encoding="utf-8"?>
+<p:notes xmlns:a="http://schemas.openxmlformats.org/drawingml/2006/main" xmlns:r="http://schemas.openxmlformats.org/officeDocument/2006/relationships" xmlns:p="http://schemas.openxmlformats.org/presentationml/2006/main">
+  <p:cSld>
+    <p:spTree>
+      <p:nvGrpSpPr>
+        <p:cNvPr id="1" name=""/>
+        <p:cNvGrpSpPr/>
+        <p:nvPr/>
+      </p:nvGrpSpPr>
+      <p:grpSpPr>
+        <a:xfrm>
+          <a:off x="0" y="0"/>
+          <a:ext cx="0" cy="0"/>
+          <a:chOff x="0" y="0"/>
+          <a:chExt cx="0" cy="0"/>
+        </a:xfrm>
+      </p:grpSpPr>
+      <p:sp>
+        <p:nvSpPr>
+          <p:cNvPr id="2" name="Slide Image Placeholder 1"/>
+          <p:cNvSpPr>
+            <a:spLocks noGrp="1" noRot="1" noChangeAspect="1"/>
+          </p:cNvSpPr>
+          <p:nvPr>
+            <p:ph type="sldImg"/>
+          </p:nvPr>
+        </p:nvSpPr>
+        <p:spPr/>
+      </p:sp>
+      <p:sp>
+        <p:nvSpPr>
+          <p:cNvPr id="3" name="Notes Placeholder 2"/>
+          <p:cNvSpPr>
+            <a:spLocks noGrp="1"/>
+          </p:cNvSpPr>
+          <p:nvPr>
+            <p:ph type="body" idx="1"/>
+          </p:nvPr>
+        </p:nvSpPr>
+        <p:spPr/>
+        <p:txBody>
+          <a:bodyPr/>
+          <a:lstStyle/>
+          <a:p>
+            <a:pPr marL="171450" marR="0" lvl="0" indent="-171450" algn="l" defTabSz="914400" rtl="0" eaLnBrk="1" fontAlgn="auto" latinLnBrk="0" hangingPunct="1">
+              <a:lnSpc>
+                <a:spcPct val="100000"/>
+              </a:lnSpc>
+              <a:spcBef>
+                <a:spcPts val="0"/>
+              </a:spcBef>
+              <a:spcAft>
+                <a:spcPts val="0"/>
+              </a:spcAft>
+              <a:buClrTx/>
+              <a:buSzTx/>
+              <a:buFontTx/>
+              <a:buChar char="-"/>
+              <a:tabLst/>
+              <a:defRPr/>
+            </a:pPr>
+            <a:r>
+              <a:rPr lang="en-US" dirty="0"/>
+              <a:t>My first exposure this heuristic was in conversation with Dr. Howie Gebel in the HLA laboratory at Emory University Hospital.</a:t>
+            </a:r>
+          </a:p>
+        </p:txBody>
+      </p:sp>
+      <p:sp>
+        <p:nvSpPr>
+          <p:cNvPr id="4" name="Slide Number Placeholder 3"/>
+          <p:cNvSpPr>
+            <a:spLocks noGrp="1"/>
+          </p:cNvSpPr>
+          <p:nvPr>
+            <p:ph type="sldNum" sz="quarter" idx="5"/>
+          </p:nvPr>
+        </p:nvSpPr>
+        <p:spPr/>
+        <p:txBody>
+          <a:bodyPr/>
+          <a:lstStyle/>
+          <a:p>
+            <a:fld id="{9AF95328-D31D-45AB-991F-5F3DA55EDE23}" type="slidenum">
+              <a:rPr lang="en-US" smtClean="0"/>
+              <a:t>43</a:t>
+            </a:fld>
+            <a:endParaRPr lang="en-US" dirty="0"/>
+          </a:p>
+        </p:txBody>
+      </p:sp>
+    </p:spTree>
+    <p:extLst>
+      <p:ext uri="{BB962C8B-B14F-4D97-AF65-F5344CB8AC3E}">
+        <p14:creationId xmlns:p14="http://schemas.microsoft.com/office/powerpoint/2010/main" val="2949276927"/>
+      </p:ext>
+    </p:extLst>
+  </p:cSld>
+  <p:clrMapOvr>
+    <a:masterClrMapping/>
+  </p:clrMapOvr>
+</p:notes>
+</file>
+
+<file path=ppt/notesSlides/notesSlide24.xml><?xml version="1.0" encoding="utf-8"?>
+<p:notes xmlns:a="http://schemas.openxmlformats.org/drawingml/2006/main" xmlns:r="http://schemas.openxmlformats.org/officeDocument/2006/relationships" xmlns:p="http://schemas.openxmlformats.org/presentationml/2006/main">
+  <p:cSld>
+    <p:spTree>
+      <p:nvGrpSpPr>
+        <p:cNvPr id="1" name=""/>
+        <p:cNvGrpSpPr/>
+        <p:nvPr/>
+      </p:nvGrpSpPr>
+      <p:grpSpPr>
+        <a:xfrm>
+          <a:off x="0" y="0"/>
+          <a:ext cx="0" cy="0"/>
+          <a:chOff x="0" y="0"/>
+          <a:chExt cx="0" cy="0"/>
+        </a:xfrm>
+      </p:grpSpPr>
+      <p:sp>
+        <p:nvSpPr>
+          <p:cNvPr id="2" name="Slide Image Placeholder 1"/>
+          <p:cNvSpPr>
+            <a:spLocks noGrp="1" noRot="1" noChangeAspect="1"/>
+          </p:cNvSpPr>
+          <p:nvPr>
+            <p:ph type="sldImg"/>
+          </p:nvPr>
+        </p:nvSpPr>
+        <p:spPr/>
+      </p:sp>
+      <p:sp>
+        <p:nvSpPr>
+          <p:cNvPr id="3" name="Notes Placeholder 2"/>
+          <p:cNvSpPr>
+            <a:spLocks noGrp="1"/>
+          </p:cNvSpPr>
+          <p:nvPr>
+            <p:ph type="body" idx="1"/>
+          </p:nvPr>
+        </p:nvSpPr>
+        <p:spPr/>
+        <p:txBody>
+          <a:bodyPr/>
+          <a:lstStyle/>
+          <a:p>
+            <a:pPr marL="171450" marR="0" lvl="0" indent="-171450" algn="l" defTabSz="914400" rtl="0" eaLnBrk="1" fontAlgn="auto" latinLnBrk="0" hangingPunct="1">
+              <a:lnSpc>
+                <a:spcPct val="100000"/>
+              </a:lnSpc>
+              <a:spcBef>
+                <a:spcPts val="0"/>
+              </a:spcBef>
+              <a:spcAft>
+                <a:spcPts val="0"/>
+              </a:spcAft>
+              <a:buClrTx/>
+              <a:buSzTx/>
+              <a:buFontTx/>
+              <a:buChar char="-"/>
+              <a:tabLst/>
+              <a:defRPr/>
+            </a:pPr>
+            <a:r>
+              <a:rPr lang="en-US" dirty="0"/>
+              <a:t>Requiring a single-antibody solution rules out the possibility of the system considering a solution that, say, involved an antibody to epitope B and an antibody to epitope C.</a:t>
+            </a:r>
+          </a:p>
+        </p:txBody>
+      </p:sp>
+      <p:sp>
+        <p:nvSpPr>
+          <p:cNvPr id="4" name="Slide Number Placeholder 3"/>
+          <p:cNvSpPr>
+            <a:spLocks noGrp="1"/>
+          </p:cNvSpPr>
+          <p:nvPr>
+            <p:ph type="sldNum" sz="quarter" idx="5"/>
+          </p:nvPr>
+        </p:nvSpPr>
+        <p:spPr/>
+        <p:txBody>
+          <a:bodyPr/>
+          <a:lstStyle/>
+          <a:p>
+            <a:fld id="{9AF95328-D31D-45AB-991F-5F3DA55EDE23}" type="slidenum">
+              <a:rPr lang="en-US" smtClean="0"/>
+              <a:t>45</a:t>
+            </a:fld>
+            <a:endParaRPr lang="en-US" dirty="0"/>
+          </a:p>
+        </p:txBody>
+      </p:sp>
+    </p:spTree>
+    <p:extLst>
+      <p:ext uri="{BB962C8B-B14F-4D97-AF65-F5344CB8AC3E}">
+        <p14:creationId xmlns:p14="http://schemas.microsoft.com/office/powerpoint/2010/main" val="3219524632"/>
       </p:ext>
     </p:extLst>
   </p:cSld>
@@ -10254,87 +11120,146 @@
       </p:grpSpPr>
       <p:sp>
         <p:nvSpPr>
-          <p:cNvPr id="2" name="Title 1"/>
+          <p:cNvPr id="2" name="Content Placeholder 1"/>
           <p:cNvSpPr>
             <a:spLocks noGrp="1"/>
           </p:cNvSpPr>
           <p:nvPr>
-            <p:ph type="ctrTitle"/>
+            <p:ph idx="1"/>
           </p:nvPr>
         </p:nvSpPr>
         <p:spPr>
           <a:xfrm>
-            <a:off x="190500" y="1047750"/>
-            <a:ext cx="8763000" cy="3886200"/>
+            <a:off x="457200" y="1504950"/>
+            <a:ext cx="8229600" cy="3276600"/>
           </a:xfrm>
         </p:spPr>
         <p:txBody>
           <a:bodyPr>
-            <a:noAutofit/>
+            <a:normAutofit/>
           </a:bodyPr>
           <a:lstStyle/>
           <a:p>
             <a:r>
+              <a:rPr lang="en-US" sz="2000" dirty="0"/>
+              <a:t>HL7 </a:t>
+            </a:r>
+            <a:r>
+              <a:rPr lang="en-US" sz="2000" b="1" dirty="0"/>
+              <a:t>Fast Healthcare Interoperability Resources </a:t>
+            </a:r>
+            <a:r>
+              <a:rPr lang="en-US" sz="2000" dirty="0"/>
+              <a:t>(FHIR) defines a set of REST web services resources for clinical medicine</a:t>
+            </a:r>
+          </a:p>
+          <a:p>
+            <a:pPr marL="0" indent="0">
+              <a:buNone/>
+            </a:pPr>
+            <a:endParaRPr lang="en-US" sz="2000" dirty="0"/>
+          </a:p>
+          <a:p>
+            <a:r>
+              <a:rPr lang="en-US" sz="2000" dirty="0"/>
+              <a:t>Enterprise clinical system vendors have implemented FHIR endpoints:</a:t>
+            </a:r>
+          </a:p>
+          <a:p>
+            <a:pPr lvl="1"/>
+            <a:r>
+              <a:rPr lang="en-US" sz="1600" dirty="0"/>
+              <a:t>Cerner Corporation: Cerner Ignite APIs for Millennium</a:t>
+            </a:r>
+          </a:p>
+          <a:p>
+            <a:pPr lvl="1"/>
+            <a:r>
+              <a:rPr lang="en-US" sz="1600" dirty="0"/>
+              <a:t>EPIC Systems Corporation: </a:t>
+            </a:r>
+            <a:r>
+              <a:rPr lang="en-US" sz="1600" dirty="0" err="1"/>
+              <a:t>Open.epic</a:t>
+            </a:r>
+            <a:endParaRPr lang="en-US" sz="1600" dirty="0"/>
+          </a:p>
+          <a:p>
+            <a:pPr marL="457200" lvl="1" indent="0">
+              <a:buNone/>
+            </a:pPr>
+            <a:endParaRPr lang="en-US" sz="1600" dirty="0"/>
+          </a:p>
+          <a:p>
+            <a:r>
+              <a:rPr lang="en-US" sz="2000" dirty="0"/>
+              <a:t>Both </a:t>
+            </a:r>
+            <a:r>
+              <a:rPr lang="en-US" sz="2000" b="1" dirty="0"/>
+              <a:t>patient-facing</a:t>
+            </a:r>
+            <a:r>
+              <a:rPr lang="en-US" sz="2000" dirty="0"/>
+              <a:t> and </a:t>
+            </a:r>
+            <a:r>
+              <a:rPr lang="en-US" sz="2000" b="1" dirty="0"/>
+              <a:t>provider-facing</a:t>
+            </a:r>
+            <a:r>
+              <a:rPr lang="en-US" sz="2000" dirty="0"/>
+              <a:t> use cases are envisioned</a:t>
+            </a:r>
+          </a:p>
+          <a:p>
+            <a:endParaRPr lang="en-US" sz="2000" dirty="0"/>
+          </a:p>
+          <a:p>
+            <a:endParaRPr lang="en-US" sz="2000" dirty="0"/>
+          </a:p>
+        </p:txBody>
+      </p:sp>
+      <p:sp>
+        <p:nvSpPr>
+          <p:cNvPr id="3" name="Title 2">
+            <a:extLst>
+              <a:ext uri="{FF2B5EF4-FFF2-40B4-BE49-F238E27FC236}">
+                <a16:creationId xmlns:a16="http://schemas.microsoft.com/office/drawing/2014/main" id="{FB4C6C0D-CDA1-43E3-8CDA-F4D3F58AC9C7}"/>
+              </a:ext>
+            </a:extLst>
+          </p:cNvPr>
+          <p:cNvSpPr>
+            <a:spLocks noGrp="1"/>
+          </p:cNvSpPr>
+          <p:nvPr>
+            <p:ph type="title" idx="4294967295"/>
+          </p:nvPr>
+        </p:nvSpPr>
+        <p:spPr>
+          <a:xfrm>
+            <a:off x="628650" y="895350"/>
+            <a:ext cx="7886700" cy="495907"/>
+          </a:xfrm>
+          <a:prstGeom prst="rect">
+            <a:avLst/>
+          </a:prstGeom>
+        </p:spPr>
+        <p:txBody>
+          <a:bodyPr/>
+          <a:lstStyle/>
+          <a:p>
+            <a:r>
               <a:rPr lang="en-US" sz="2800" dirty="0"/>
-              <a:t>HEURISTIC ALGORITHM AS A REST WEB SERVICE</a:t>
-            </a:r>
-            <a:br>
-              <a:rPr lang="en-US" sz="2800" dirty="0"/>
-            </a:br>
-            <a:r>
-              <a:rPr lang="en-US" sz="2800" dirty="0"/>
-              <a:t>EXAMPLE #1:</a:t>
-            </a:r>
-            <a:br>
-              <a:rPr lang="en-US" sz="2800" dirty="0"/>
-            </a:br>
-            <a:br>
-              <a:rPr lang="en-US" sz="2800" dirty="0"/>
-            </a:br>
-            <a:r>
-              <a:rPr lang="en-US" sz="2800" dirty="0"/>
-              <a:t>Electronic Compatibility Assessment using</a:t>
-            </a:r>
-            <a:br>
-              <a:rPr lang="en-US" sz="2800" dirty="0"/>
-            </a:br>
-            <a:r>
-              <a:rPr lang="en-US" sz="2800" dirty="0"/>
-              <a:t>HLA-DPB1 Hypervariable Regions</a:t>
-            </a:r>
-            <a:br>
-              <a:rPr lang="en-US" sz="2800" dirty="0"/>
-            </a:br>
-            <a:br>
-              <a:rPr lang="en-US" sz="2800" dirty="0"/>
-            </a:br>
-            <a:r>
-              <a:rPr lang="en-US" sz="1600" dirty="0"/>
-              <a:t>(Google Cloud deployment)</a:t>
-            </a:r>
-            <a:r>
-              <a:rPr lang="en-US" sz="2000" dirty="0"/>
-              <a:t> https://rest.hlatools.org/hladpb1</a:t>
-            </a:r>
-            <a:br>
-              <a:rPr lang="en-US" sz="2000" dirty="0"/>
-            </a:br>
-            <a:r>
-              <a:rPr lang="en-US" sz="1600" dirty="0"/>
-              <a:t>(source code)</a:t>
-            </a:r>
-            <a:r>
-              <a:rPr lang="en-US" sz="2000" dirty="0"/>
-              <a:t> https://github.com/ghsmith/hladpb1</a:t>
-            </a:r>
-            <a:endParaRPr lang="en-US" sz="2800" dirty="0"/>
+              <a:t>REST Web Services are Emerging for Clinical Data</a:t>
+            </a:r>
           </a:p>
         </p:txBody>
       </p:sp>
     </p:spTree>
     <p:extLst>
       <p:ext uri="{BB962C8B-B14F-4D97-AF65-F5344CB8AC3E}">
-        <p14:creationId xmlns:p14="http://schemas.microsoft.com/office/powerpoint/2010/main" val="1783476559"/>
+        <p14:creationId xmlns:p14="http://schemas.microsoft.com/office/powerpoint/2010/main" val="1080788283"/>
       </p:ext>
     </p:extLst>
   </p:cSld>
@@ -10363,7 +11288,113 @@
       </p:grpSpPr>
       <p:sp>
         <p:nvSpPr>
-          <p:cNvPr id="2" name="Content Placeholder 1"/>
+          <p:cNvPr id="3" name="Title 2">
+            <a:extLst>
+              <a:ext uri="{FF2B5EF4-FFF2-40B4-BE49-F238E27FC236}">
+                <a16:creationId xmlns:a16="http://schemas.microsoft.com/office/drawing/2014/main" id="{FB4C6C0D-CDA1-43E3-8CDA-F4D3F58AC9C7}"/>
+              </a:ext>
+            </a:extLst>
+          </p:cNvPr>
+          <p:cNvSpPr>
+            <a:spLocks noGrp="1"/>
+          </p:cNvSpPr>
+          <p:nvPr>
+            <p:ph type="title" idx="4294967295"/>
+          </p:nvPr>
+        </p:nvSpPr>
+        <p:spPr>
+          <a:xfrm>
+            <a:off x="628650" y="895350"/>
+            <a:ext cx="7886700" cy="495907"/>
+          </a:xfrm>
+          <a:prstGeom prst="rect">
+            <a:avLst/>
+          </a:prstGeom>
+        </p:spPr>
+        <p:txBody>
+          <a:bodyPr/>
+          <a:lstStyle/>
+          <a:p>
+            <a:r>
+              <a:rPr lang="en-US" sz="2800" dirty="0"/>
+              <a:t>HL7 Fast Healthcare Interoperability Resources (FHIR)</a:t>
+            </a:r>
+          </a:p>
+        </p:txBody>
+      </p:sp>
+      <p:pic>
+        <p:nvPicPr>
+          <p:cNvPr id="6" name="Picture 5">
+            <a:extLst>
+              <a:ext uri="{FF2B5EF4-FFF2-40B4-BE49-F238E27FC236}">
+                <a16:creationId xmlns:a16="http://schemas.microsoft.com/office/drawing/2014/main" id="{8A59A2B1-A296-4F8B-96B4-270A58B68007}"/>
+              </a:ext>
+            </a:extLst>
+          </p:cNvPr>
+          <p:cNvPicPr>
+            <a:picLocks noChangeAspect="1"/>
+          </p:cNvPicPr>
+          <p:nvPr/>
+        </p:nvPicPr>
+        <p:blipFill>
+          <a:blip r:embed="rId3"/>
+          <a:stretch>
+            <a:fillRect/>
+          </a:stretch>
+        </p:blipFill>
+        <p:spPr>
+          <a:xfrm>
+            <a:off x="5029200" y="1430828"/>
+            <a:ext cx="3704818" cy="3198322"/>
+          </a:xfrm>
+          <a:prstGeom prst="rect">
+            <a:avLst/>
+          </a:prstGeom>
+        </p:spPr>
+      </p:pic>
+      <p:sp>
+        <p:nvSpPr>
+          <p:cNvPr id="8" name="Rectangle 7">
+            <a:extLst>
+              <a:ext uri="{FF2B5EF4-FFF2-40B4-BE49-F238E27FC236}">
+                <a16:creationId xmlns:a16="http://schemas.microsoft.com/office/drawing/2014/main" id="{F0C9405B-360A-47E8-A35F-7BB5856E10AD}"/>
+              </a:ext>
+            </a:extLst>
+          </p:cNvPr>
+          <p:cNvSpPr/>
+          <p:nvPr/>
+        </p:nvSpPr>
+        <p:spPr>
+          <a:xfrm>
+            <a:off x="4938509" y="4629150"/>
+            <a:ext cx="3886200" cy="461665"/>
+          </a:xfrm>
+          <a:prstGeom prst="rect">
+            <a:avLst/>
+          </a:prstGeom>
+        </p:spPr>
+        <p:txBody>
+          <a:bodyPr wrap="square">
+            <a:spAutoFit/>
+          </a:bodyPr>
+          <a:lstStyle/>
+          <a:p>
+            <a:r>
+              <a:rPr lang="en-US" sz="1200" dirty="0"/>
+              <a:t>https://www.idahopress.com/news/local/st-luke-s-patients-can-get-medical-records-on-apple. July 17, 2018.</a:t>
+            </a:r>
+          </a:p>
+        </p:txBody>
+      </p:sp>
+      <p:sp>
+        <p:nvSpPr>
+          <p:cNvPr id="9" name="Content Placeholder 1">
+            <a:extLst>
+              <a:ext uri="{FF2B5EF4-FFF2-40B4-BE49-F238E27FC236}">
+                <a16:creationId xmlns:a16="http://schemas.microsoft.com/office/drawing/2014/main" id="{40F82D51-B891-4FC6-B057-8BC1EEBAE8F1}"/>
+              </a:ext>
+            </a:extLst>
+          </p:cNvPr>
           <p:cNvSpPr>
             <a:spLocks noGrp="1"/>
           </p:cNvSpPr>
@@ -10374,108 +11405,80 @@
         <p:spPr>
           <a:xfrm>
             <a:off x="457200" y="1504950"/>
-            <a:ext cx="8229600" cy="3276600"/>
+            <a:ext cx="4114800" cy="3124200"/>
           </a:xfrm>
         </p:spPr>
         <p:txBody>
           <a:bodyPr>
-            <a:normAutofit/>
+            <a:normAutofit lnSpcReduction="10000"/>
           </a:bodyPr>
           <a:lstStyle/>
           <a:p>
             <a:r>
-              <a:rPr lang="en-US" sz="2400" dirty="0"/>
-              <a:t>In 2014 OPTN/UNOS mandated DPB1 typing for deceased donors. This becomes effective in 2016.</a:t>
-            </a:r>
-          </a:p>
-          <a:p>
-            <a:r>
-              <a:rPr lang="en-US" sz="2400" dirty="0"/>
-              <a:t>IMGT/HLA Allele Database Version 3.33.0 (2018-07-11) includes 1,108 DPB1 alleles but less than 30 DPB1 alleles are represented by single antigen bead products. [1]</a:t>
-            </a:r>
-          </a:p>
-          <a:p>
-            <a:r>
-              <a:rPr lang="en-US" sz="2400" dirty="0"/>
-              <a:t>Compatibility of donor alleles not represented by a single antigen bead cannot be easily determined.</a:t>
-            </a:r>
-          </a:p>
-        </p:txBody>
-      </p:sp>
-      <p:sp>
-        <p:nvSpPr>
-          <p:cNvPr id="3" name="Title 2">
-            <a:extLst>
-              <a:ext uri="{FF2B5EF4-FFF2-40B4-BE49-F238E27FC236}">
-                <a16:creationId xmlns:a16="http://schemas.microsoft.com/office/drawing/2014/main" id="{FB4C6C0D-CDA1-43E3-8CDA-F4D3F58AC9C7}"/>
-              </a:ext>
-            </a:extLst>
-          </p:cNvPr>
-          <p:cNvSpPr>
-            <a:spLocks noGrp="1"/>
-          </p:cNvSpPr>
-          <p:nvPr>
-            <p:ph type="title" idx="4294967295"/>
-          </p:nvPr>
-        </p:nvSpPr>
-        <p:spPr>
-          <a:xfrm>
-            <a:off x="628650" y="895350"/>
-            <a:ext cx="7886700" cy="495907"/>
-          </a:xfrm>
-          <a:prstGeom prst="rect">
-            <a:avLst/>
-          </a:prstGeom>
-        </p:spPr>
-        <p:txBody>
-          <a:bodyPr/>
-          <a:lstStyle/>
-          <a:p>
-            <a:r>
-              <a:rPr lang="en-US" sz="3200" dirty="0"/>
-              <a:t>DPB1 Background</a:t>
-            </a:r>
-          </a:p>
-        </p:txBody>
-      </p:sp>
-      <p:sp>
-        <p:nvSpPr>
-          <p:cNvPr id="5" name="Rectangle 4">
-            <a:extLst>
-              <a:ext uri="{FF2B5EF4-FFF2-40B4-BE49-F238E27FC236}">
-                <a16:creationId xmlns:a16="http://schemas.microsoft.com/office/drawing/2014/main" id="{A9FCFBCE-B61B-4D10-9C81-D349C0A7F93E}"/>
-              </a:ext>
-            </a:extLst>
-          </p:cNvPr>
-          <p:cNvSpPr/>
-          <p:nvPr/>
-        </p:nvSpPr>
-        <p:spPr>
-          <a:xfrm>
-            <a:off x="0" y="4866501"/>
-            <a:ext cx="9144000" cy="276999"/>
-          </a:xfrm>
-          <a:prstGeom prst="rect">
-            <a:avLst/>
-          </a:prstGeom>
-        </p:spPr>
-        <p:txBody>
-          <a:bodyPr wrap="square">
-            <a:spAutoFit/>
-          </a:bodyPr>
-          <a:lstStyle/>
-          <a:p>
-            <a:r>
-              <a:rPr lang="en-US" sz="1200" dirty="0"/>
-              <a:t>[1] IPD-IMGT/HLA. https://www.ebi.ac.uk/ipd/imgt/hla.</a:t>
-            </a:r>
+              <a:rPr lang="en-US" sz="2000" dirty="0"/>
+              <a:t>Patient</a:t>
+            </a:r>
+          </a:p>
+          <a:p>
+            <a:r>
+              <a:rPr lang="en-US" sz="2000" dirty="0"/>
+              <a:t>Practitioner</a:t>
+            </a:r>
+          </a:p>
+          <a:p>
+            <a:r>
+              <a:rPr lang="en-US" sz="2000" dirty="0"/>
+              <a:t>Allergy</a:t>
+            </a:r>
+          </a:p>
+          <a:p>
+            <a:r>
+              <a:rPr lang="en-US" sz="2000" dirty="0"/>
+              <a:t>Problem</a:t>
+            </a:r>
+          </a:p>
+          <a:p>
+            <a:r>
+              <a:rPr lang="en-US" sz="2000" dirty="0"/>
+              <a:t>Observation (e.g., HLA laboratory results)</a:t>
+            </a:r>
+          </a:p>
+          <a:p>
+            <a:pPr marL="0" indent="0">
+              <a:buNone/>
+            </a:pPr>
+            <a:r>
+              <a:rPr lang="en-US" sz="2000" dirty="0"/>
+              <a:t>.</a:t>
+            </a:r>
+          </a:p>
+          <a:p>
+            <a:pPr marL="0" indent="0">
+              <a:buNone/>
+            </a:pPr>
+            <a:r>
+              <a:rPr lang="en-US" sz="2000" dirty="0"/>
+              <a:t>.</a:t>
+            </a:r>
+          </a:p>
+          <a:p>
+            <a:pPr marL="0" indent="0">
+              <a:buNone/>
+            </a:pPr>
+            <a:r>
+              <a:rPr lang="en-US" sz="2000" dirty="0"/>
+              <a:t>.</a:t>
+            </a:r>
+          </a:p>
+          <a:p>
+            <a:endParaRPr lang="en-US" sz="2000" dirty="0"/>
           </a:p>
         </p:txBody>
       </p:sp>
     </p:spTree>
     <p:extLst>
       <p:ext uri="{BB962C8B-B14F-4D97-AF65-F5344CB8AC3E}">
-        <p14:creationId xmlns:p14="http://schemas.microsoft.com/office/powerpoint/2010/main" val="3894006225"/>
+        <p14:creationId xmlns:p14="http://schemas.microsoft.com/office/powerpoint/2010/main" val="279378535"/>
       </p:ext>
     </p:extLst>
   </p:cSld>
@@ -10639,306 +11642,18 @@
       </p:grpSpPr>
       <p:sp>
         <p:nvSpPr>
-          <p:cNvPr id="3" name="Title 2">
-            <a:extLst>
-              <a:ext uri="{FF2B5EF4-FFF2-40B4-BE49-F238E27FC236}">
-                <a16:creationId xmlns:a16="http://schemas.microsoft.com/office/drawing/2014/main" id="{FB4C6C0D-CDA1-43E3-8CDA-F4D3F58AC9C7}"/>
-              </a:ext>
-            </a:extLst>
-          </p:cNvPr>
+          <p:cNvPr id="2" name="Title 1"/>
           <p:cNvSpPr>
             <a:spLocks noGrp="1"/>
           </p:cNvSpPr>
           <p:nvPr>
-            <p:ph type="title" idx="4294967295"/>
+            <p:ph type="ctrTitle"/>
           </p:nvPr>
         </p:nvSpPr>
         <p:spPr>
           <a:xfrm>
-            <a:off x="435877" y="895350"/>
-            <a:ext cx="3943350" cy="495907"/>
-          </a:xfrm>
-          <a:prstGeom prst="rect">
-            <a:avLst/>
-          </a:prstGeom>
-        </p:spPr>
-        <p:txBody>
-          <a:bodyPr/>
-          <a:lstStyle/>
-          <a:p>
-            <a:r>
-              <a:rPr lang="en-US" sz="3200" dirty="0"/>
-              <a:t>DPB1 Structure</a:t>
-            </a:r>
-          </a:p>
-        </p:txBody>
-      </p:sp>
-      <p:pic>
-        <p:nvPicPr>
-          <p:cNvPr id="6" name="Picture 3" descr="CLASS_1_2">
-            <a:extLst>
-              <a:ext uri="{FF2B5EF4-FFF2-40B4-BE49-F238E27FC236}">
-                <a16:creationId xmlns:a16="http://schemas.microsoft.com/office/drawing/2014/main" id="{D3F60C55-54EC-49E5-91F4-FEDA372AFC8A}"/>
-              </a:ext>
-            </a:extLst>
-          </p:cNvPr>
-          <p:cNvPicPr>
-            <a:picLocks noChangeAspect="1" noChangeArrowheads="1"/>
-          </p:cNvPicPr>
-          <p:nvPr/>
-        </p:nvPicPr>
-        <p:blipFill>
-          <a:blip r:embed="rId3" cstate="print"/>
-          <a:srcRect/>
-          <a:stretch>
-            <a:fillRect/>
-          </a:stretch>
-        </p:blipFill>
-        <p:spPr bwMode="auto">
-          <a:xfrm>
-            <a:off x="4876800" y="1040423"/>
-            <a:ext cx="3951708" cy="3915205"/>
-          </a:xfrm>
-          <a:prstGeom prst="rect">
-            <a:avLst/>
-          </a:prstGeom>
-          <a:noFill/>
-          <a:ln w="9525">
-            <a:noFill/>
-            <a:miter lim="800000"/>
-            <a:headEnd/>
-            <a:tailEnd/>
-          </a:ln>
-        </p:spPr>
-      </p:pic>
-      <p:sp>
-        <p:nvSpPr>
-          <p:cNvPr id="7" name="TextBox 6">
-            <a:extLst>
-              <a:ext uri="{FF2B5EF4-FFF2-40B4-BE49-F238E27FC236}">
-                <a16:creationId xmlns:a16="http://schemas.microsoft.com/office/drawing/2014/main" id="{0CCD6706-7DAB-4E04-839E-62A3A911713D}"/>
-              </a:ext>
-            </a:extLst>
-          </p:cNvPr>
-          <p:cNvSpPr txBox="1"/>
-          <p:nvPr/>
-        </p:nvSpPr>
-        <p:spPr>
-          <a:xfrm>
-            <a:off x="8127522" y="1276350"/>
-            <a:ext cx="415498" cy="646331"/>
-          </a:xfrm>
-          <a:prstGeom prst="rect">
-            <a:avLst/>
-          </a:prstGeom>
-          <a:noFill/>
-        </p:spPr>
-        <p:txBody>
-          <a:bodyPr wrap="none" rtlCol="0">
-            <a:spAutoFit/>
-          </a:bodyPr>
-          <a:lstStyle/>
-          <a:p>
-            <a:r>
-              <a:rPr lang="en-US" sz="1200" b="1" dirty="0">
-                <a:latin typeface="Arial" panose="020B0604020202020204" pitchFamily="34" charset="0"/>
-                <a:cs typeface="Arial" panose="020B0604020202020204" pitchFamily="34" charset="0"/>
-              </a:rPr>
-              <a:t>DR</a:t>
-            </a:r>
-          </a:p>
-          <a:p>
-            <a:r>
-              <a:rPr lang="en-US" sz="1200" b="1" dirty="0">
-                <a:latin typeface="Arial" panose="020B0604020202020204" pitchFamily="34" charset="0"/>
-                <a:cs typeface="Arial" panose="020B0604020202020204" pitchFamily="34" charset="0"/>
-              </a:rPr>
-              <a:t>DQ</a:t>
-            </a:r>
-          </a:p>
-          <a:p>
-            <a:r>
-              <a:rPr lang="en-US" sz="1200" b="1" dirty="0">
-                <a:latin typeface="Arial" panose="020B0604020202020204" pitchFamily="34" charset="0"/>
-                <a:cs typeface="Arial" panose="020B0604020202020204" pitchFamily="34" charset="0"/>
-              </a:rPr>
-              <a:t>DP</a:t>
-            </a:r>
-          </a:p>
-        </p:txBody>
-      </p:sp>
-      <p:sp>
-        <p:nvSpPr>
-          <p:cNvPr id="8" name="Text Box 8">
-            <a:extLst>
-              <a:ext uri="{FF2B5EF4-FFF2-40B4-BE49-F238E27FC236}">
-                <a16:creationId xmlns:a16="http://schemas.microsoft.com/office/drawing/2014/main" id="{5484AF73-0C7D-445E-9AD1-D4497572F7A3}"/>
-              </a:ext>
-            </a:extLst>
-          </p:cNvPr>
-          <p:cNvSpPr txBox="1">
-            <a:spLocks noChangeArrowheads="1"/>
-          </p:cNvSpPr>
-          <p:nvPr/>
-        </p:nvSpPr>
-        <p:spPr bwMode="auto">
-          <a:xfrm>
-            <a:off x="7924800" y="1913751"/>
-            <a:ext cx="689612" cy="276999"/>
-          </a:xfrm>
-          <a:prstGeom prst="rect">
-            <a:avLst/>
-          </a:prstGeom>
-          <a:noFill/>
-          <a:ln w="9525">
-            <a:noFill/>
-            <a:miter lim="800000"/>
-            <a:headEnd/>
-            <a:tailEnd/>
-          </a:ln>
-          <a:effectLst/>
-        </p:spPr>
-        <p:txBody>
-          <a:bodyPr wrap="none">
-            <a:spAutoFit/>
-          </a:bodyPr>
-          <a:lstStyle/>
-          <a:p>
-            <a:pPr>
-              <a:defRPr/>
-            </a:pPr>
-            <a:r>
-              <a:rPr lang="en-US" sz="1200" b="1" dirty="0">
-                <a:effectLst>
-                  <a:outerShdw blurRad="38100" dist="38100" dir="2700000" algn="tl">
-                    <a:srgbClr val="000000">
-                      <a:alpha val="43137"/>
-                    </a:srgbClr>
-                  </a:outerShdw>
-                </a:effectLst>
-                <a:latin typeface="Arial" charset="0"/>
-                <a:cs typeface="Times New Roman" pitchFamily="18" charset="0"/>
-              </a:rPr>
-              <a:t>Exon 2</a:t>
-            </a:r>
-          </a:p>
-        </p:txBody>
-      </p:sp>
-      <p:sp>
-        <p:nvSpPr>
-          <p:cNvPr id="9" name="Text Box 8">
-            <a:extLst>
-              <a:ext uri="{FF2B5EF4-FFF2-40B4-BE49-F238E27FC236}">
-                <a16:creationId xmlns:a16="http://schemas.microsoft.com/office/drawing/2014/main" id="{7033CD98-B8A9-4032-933E-891A81DC4815}"/>
-              </a:ext>
-            </a:extLst>
-          </p:cNvPr>
-          <p:cNvSpPr txBox="1">
-            <a:spLocks noChangeArrowheads="1"/>
-          </p:cNvSpPr>
-          <p:nvPr/>
-        </p:nvSpPr>
-        <p:spPr bwMode="auto">
-          <a:xfrm>
-            <a:off x="7772400" y="2571750"/>
-            <a:ext cx="689612" cy="276999"/>
-          </a:xfrm>
-          <a:prstGeom prst="rect">
-            <a:avLst/>
-          </a:prstGeom>
-          <a:noFill/>
-          <a:ln w="9525">
-            <a:noFill/>
-            <a:miter lim="800000"/>
-            <a:headEnd/>
-            <a:tailEnd/>
-          </a:ln>
-          <a:effectLst/>
-        </p:spPr>
-        <p:txBody>
-          <a:bodyPr wrap="none">
-            <a:spAutoFit/>
-          </a:bodyPr>
-          <a:lstStyle/>
-          <a:p>
-            <a:pPr>
-              <a:defRPr/>
-            </a:pPr>
-            <a:r>
-              <a:rPr lang="en-US" sz="1200" b="1" dirty="0">
-                <a:effectLst>
-                  <a:outerShdw blurRad="38100" dist="38100" dir="2700000" algn="tl">
-                    <a:srgbClr val="000000">
-                      <a:alpha val="43137"/>
-                    </a:srgbClr>
-                  </a:outerShdw>
-                </a:effectLst>
-                <a:latin typeface="Arial" charset="0"/>
-                <a:cs typeface="Times New Roman" pitchFamily="18" charset="0"/>
-              </a:rPr>
-              <a:t>Exon 3</a:t>
-            </a:r>
-          </a:p>
-        </p:txBody>
-      </p:sp>
-      <p:sp>
-        <p:nvSpPr>
-          <p:cNvPr id="10" name="TextBox 9">
-            <a:extLst>
-              <a:ext uri="{FF2B5EF4-FFF2-40B4-BE49-F238E27FC236}">
-                <a16:creationId xmlns:a16="http://schemas.microsoft.com/office/drawing/2014/main" id="{ED75E492-C491-424C-AC88-7E5359195BE6}"/>
-              </a:ext>
-            </a:extLst>
-          </p:cNvPr>
-          <p:cNvSpPr txBox="1"/>
-          <p:nvPr/>
-        </p:nvSpPr>
-        <p:spPr>
-          <a:xfrm>
-            <a:off x="5334000" y="4629150"/>
-            <a:ext cx="3446328" cy="276999"/>
-          </a:xfrm>
-          <a:prstGeom prst="rect">
-            <a:avLst/>
-          </a:prstGeom>
-          <a:noFill/>
-        </p:spPr>
-        <p:txBody>
-          <a:bodyPr wrap="none" rtlCol="0">
-            <a:spAutoFit/>
-          </a:bodyPr>
-          <a:lstStyle/>
-          <a:p>
-            <a:r>
-              <a:rPr lang="en-US" sz="1200" dirty="0">
-                <a:latin typeface="Arial" panose="020B0604020202020204" pitchFamily="34" charset="0"/>
-                <a:cs typeface="Arial" panose="020B0604020202020204" pitchFamily="34" charset="0"/>
-              </a:rPr>
-              <a:t>Klein J. and Sato A.  NEJM  343;702-709. 2000.</a:t>
-            </a:r>
-          </a:p>
-        </p:txBody>
-      </p:sp>
-      <p:sp>
-        <p:nvSpPr>
-          <p:cNvPr id="12" name="Content Placeholder 1">
-            <a:extLst>
-              <a:ext uri="{FF2B5EF4-FFF2-40B4-BE49-F238E27FC236}">
-                <a16:creationId xmlns:a16="http://schemas.microsoft.com/office/drawing/2014/main" id="{D1B59120-5232-4222-A4B8-219161F0B3ED}"/>
-              </a:ext>
-            </a:extLst>
-          </p:cNvPr>
-          <p:cNvSpPr>
-            <a:spLocks noGrp="1"/>
-          </p:cNvSpPr>
-          <p:nvPr>
-            <p:ph idx="1"/>
-          </p:nvPr>
-        </p:nvSpPr>
-        <p:spPr>
-          <a:xfrm>
-            <a:off x="152346" y="1877198"/>
-            <a:ext cx="4510304" cy="1943101"/>
+            <a:off x="190500" y="1047750"/>
+            <a:ext cx="8763000" cy="3886200"/>
           </a:xfrm>
         </p:spPr>
         <p:txBody>
@@ -10947,20 +11662,67 @@
           </a:bodyPr>
           <a:lstStyle/>
           <a:p>
-            <a:pPr marL="0" indent="0">
-              <a:buNone/>
-            </a:pPr>
-            <a:r>
-              <a:rPr lang="en-US" sz="2400" dirty="0"/>
-              <a:t>Alleles are named sequentially independent of sequence homology, so no structural relationships are conveyed by allele names.</a:t>
-            </a:r>
+            <a:r>
+              <a:rPr lang="en-US" sz="2800" dirty="0"/>
+              <a:t>HEURISTIC ALGORITHM AS A REST WEB SERVICE</a:t>
+            </a:r>
+            <a:br>
+              <a:rPr lang="en-US" sz="2800" dirty="0"/>
+            </a:br>
+            <a:r>
+              <a:rPr lang="en-US" sz="2800" dirty="0"/>
+              <a:t>EXAMPLE #1:</a:t>
+            </a:r>
+            <a:br>
+              <a:rPr lang="en-US" sz="2800" dirty="0"/>
+            </a:br>
+            <a:br>
+              <a:rPr lang="en-US" sz="2800" dirty="0"/>
+            </a:br>
+            <a:r>
+              <a:rPr lang="en-US" sz="2800" dirty="0"/>
+              <a:t>Electronic Compatibility Assessment using</a:t>
+            </a:r>
+            <a:br>
+              <a:rPr lang="en-US" sz="2800" dirty="0"/>
+            </a:br>
+            <a:r>
+              <a:rPr lang="en-US" sz="2800" dirty="0"/>
+              <a:t>HLA-DPB1 Hypervariable Regions</a:t>
+            </a:r>
+            <a:br>
+              <a:rPr lang="en-US" sz="2800" dirty="0"/>
+            </a:br>
+            <a:br>
+              <a:rPr lang="en-US" sz="2800" dirty="0"/>
+            </a:br>
+            <a:r>
+              <a:rPr lang="en-US" sz="1600" dirty="0"/>
+              <a:t>(Google Cloud deployment)</a:t>
+            </a:r>
+            <a:r>
+              <a:rPr lang="en-US" sz="2000" dirty="0"/>
+              <a:t> https://rest.hlatools.org/hladpb1</a:t>
+            </a:r>
+            <a:br>
+              <a:rPr lang="en-US" sz="2000" dirty="0"/>
+            </a:br>
+            <a:r>
+              <a:rPr lang="en-US" sz="1600" dirty="0"/>
+              <a:t>(source code)</a:t>
+            </a:r>
+            <a:r>
+              <a:rPr lang="en-US" sz="2000" dirty="0"/>
+              <a:t> https://github.com/ghsmith/hladpb1</a:t>
+            </a:r>
+            <a:endParaRPr lang="en-US" sz="2800" dirty="0"/>
           </a:p>
         </p:txBody>
       </p:sp>
     </p:spTree>
     <p:extLst>
       <p:ext uri="{BB962C8B-B14F-4D97-AF65-F5344CB8AC3E}">
-        <p14:creationId xmlns:p14="http://schemas.microsoft.com/office/powerpoint/2010/main" val="3015498499"/>
+        <p14:creationId xmlns:p14="http://schemas.microsoft.com/office/powerpoint/2010/main" val="1783476559"/>
       </p:ext>
     </p:extLst>
   </p:cSld>
@@ -10989,6 +11751,47 @@
       </p:grpSpPr>
       <p:sp>
         <p:nvSpPr>
+          <p:cNvPr id="2" name="Content Placeholder 1"/>
+          <p:cNvSpPr>
+            <a:spLocks noGrp="1"/>
+          </p:cNvSpPr>
+          <p:nvPr>
+            <p:ph idx="1"/>
+          </p:nvPr>
+        </p:nvSpPr>
+        <p:spPr>
+          <a:xfrm>
+            <a:off x="457200" y="1504950"/>
+            <a:ext cx="8229600" cy="3276600"/>
+          </a:xfrm>
+        </p:spPr>
+        <p:txBody>
+          <a:bodyPr>
+            <a:normAutofit/>
+          </a:bodyPr>
+          <a:lstStyle/>
+          <a:p>
+            <a:r>
+              <a:rPr lang="en-US" sz="2400" dirty="0"/>
+              <a:t>In 2014 OPTN/UNOS mandated DPB1 typing for deceased donors. This becomes effective in 2016.</a:t>
+            </a:r>
+          </a:p>
+          <a:p>
+            <a:r>
+              <a:rPr lang="en-US" sz="2400" dirty="0"/>
+              <a:t>IMGT/HLA Allele Database Version 3.33.0 (2018-07-11) includes 1,108 DPB1 alleles but less than 30 DPB1 alleles are represented by single antigen bead products. [1]</a:t>
+            </a:r>
+          </a:p>
+          <a:p>
+            <a:r>
+              <a:rPr lang="en-US" sz="2400" dirty="0"/>
+              <a:t>Compatibility of donor alleles not represented by a single antigen bead cannot be easily determined.</a:t>
+            </a:r>
+          </a:p>
+        </p:txBody>
+      </p:sp>
+      <p:sp>
+        <p:nvSpPr>
           <p:cNvPr id="3" name="Title 2">
             <a:extLst>
               <a:ext uri="{FF2B5EF4-FFF2-40B4-BE49-F238E27FC236}">
@@ -11005,8 +11808,8 @@
         </p:nvSpPr>
         <p:spPr>
           <a:xfrm>
-            <a:off x="152400" y="895350"/>
-            <a:ext cx="4343400" cy="495907"/>
+            <a:off x="628650" y="895350"/>
+            <a:ext cx="7886700" cy="495907"/>
           </a:xfrm>
           <a:prstGeom prst="rect">
             <a:avLst/>
@@ -11018,212 +11821,17 @@
           <a:p>
             <a:r>
               <a:rPr lang="en-US" sz="3200" dirty="0"/>
-              <a:t>DPB1 Hypervariable Regions</a:t>
-            </a:r>
-          </a:p>
-        </p:txBody>
-      </p:sp>
-      <p:sp>
-        <p:nvSpPr>
-          <p:cNvPr id="7" name="Slide Number Placeholder 3">
-            <a:extLst>
-              <a:ext uri="{FF2B5EF4-FFF2-40B4-BE49-F238E27FC236}">
-                <a16:creationId xmlns:a16="http://schemas.microsoft.com/office/drawing/2014/main" id="{48F9A710-DEDE-4600-BE66-29D1CA783507}"/>
-              </a:ext>
-            </a:extLst>
-          </p:cNvPr>
-          <p:cNvSpPr txBox="1">
-            <a:spLocks/>
-          </p:cNvSpPr>
-          <p:nvPr/>
-        </p:nvSpPr>
-        <p:spPr>
-          <a:xfrm>
-            <a:off x="1445357" y="8208550"/>
-            <a:ext cx="1573995" cy="213894"/>
-          </a:xfrm>
-          <a:prstGeom prst="rect">
-            <a:avLst/>
-          </a:prstGeom>
-        </p:spPr>
-        <p:txBody>
-          <a:bodyPr/>
-          <a:lstStyle>
-            <a:defPPr>
-              <a:defRPr lang="en-US"/>
-            </a:defPPr>
-            <a:lvl1pPr marL="0" algn="l" defTabSz="457200" rtl="0" eaLnBrk="1" latinLnBrk="0" hangingPunct="1">
-              <a:defRPr sz="1800" kern="1200">
-                <a:solidFill>
-                  <a:schemeClr val="tx1"/>
-                </a:solidFill>
-                <a:latin typeface="+mn-lt"/>
-                <a:ea typeface="+mn-ea"/>
-                <a:cs typeface="+mn-cs"/>
-              </a:defRPr>
-            </a:lvl1pPr>
-            <a:lvl2pPr marL="457200" algn="l" defTabSz="457200" rtl="0" eaLnBrk="1" latinLnBrk="0" hangingPunct="1">
-              <a:defRPr sz="1800" kern="1200">
-                <a:solidFill>
-                  <a:schemeClr val="tx1"/>
-                </a:solidFill>
-                <a:latin typeface="+mn-lt"/>
-                <a:ea typeface="+mn-ea"/>
-                <a:cs typeface="+mn-cs"/>
-              </a:defRPr>
-            </a:lvl2pPr>
-            <a:lvl3pPr marL="914400" algn="l" defTabSz="457200" rtl="0" eaLnBrk="1" latinLnBrk="0" hangingPunct="1">
-              <a:defRPr sz="1800" kern="1200">
-                <a:solidFill>
-                  <a:schemeClr val="tx1"/>
-                </a:solidFill>
-                <a:latin typeface="+mn-lt"/>
-                <a:ea typeface="+mn-ea"/>
-                <a:cs typeface="+mn-cs"/>
-              </a:defRPr>
-            </a:lvl3pPr>
-            <a:lvl4pPr marL="1371600" algn="l" defTabSz="457200" rtl="0" eaLnBrk="1" latinLnBrk="0" hangingPunct="1">
-              <a:defRPr sz="1800" kern="1200">
-                <a:solidFill>
-                  <a:schemeClr val="tx1"/>
-                </a:solidFill>
-                <a:latin typeface="+mn-lt"/>
-                <a:ea typeface="+mn-ea"/>
-                <a:cs typeface="+mn-cs"/>
-              </a:defRPr>
-            </a:lvl4pPr>
-            <a:lvl5pPr marL="1828800" algn="l" defTabSz="457200" rtl="0" eaLnBrk="1" latinLnBrk="0" hangingPunct="1">
-              <a:defRPr sz="1800" kern="1200">
-                <a:solidFill>
-                  <a:schemeClr val="tx1"/>
-                </a:solidFill>
-                <a:latin typeface="+mn-lt"/>
-                <a:ea typeface="+mn-ea"/>
-                <a:cs typeface="+mn-cs"/>
-              </a:defRPr>
-            </a:lvl5pPr>
-            <a:lvl6pPr marL="2286000" algn="l" defTabSz="457200" rtl="0" eaLnBrk="1" latinLnBrk="0" hangingPunct="1">
-              <a:defRPr sz="1800" kern="1200">
-                <a:solidFill>
-                  <a:schemeClr val="tx1"/>
-                </a:solidFill>
-                <a:latin typeface="+mn-lt"/>
-                <a:ea typeface="+mn-ea"/>
-                <a:cs typeface="+mn-cs"/>
-              </a:defRPr>
-            </a:lvl6pPr>
-            <a:lvl7pPr marL="2743200" algn="l" defTabSz="457200" rtl="0" eaLnBrk="1" latinLnBrk="0" hangingPunct="1">
-              <a:defRPr sz="1800" kern="1200">
-                <a:solidFill>
-                  <a:schemeClr val="tx1"/>
-                </a:solidFill>
-                <a:latin typeface="+mn-lt"/>
-                <a:ea typeface="+mn-ea"/>
-                <a:cs typeface="+mn-cs"/>
-              </a:defRPr>
-            </a:lvl7pPr>
-            <a:lvl8pPr marL="3200400" algn="l" defTabSz="457200" rtl="0" eaLnBrk="1" latinLnBrk="0" hangingPunct="1">
-              <a:defRPr sz="1800" kern="1200">
-                <a:solidFill>
-                  <a:schemeClr val="tx1"/>
-                </a:solidFill>
-                <a:latin typeface="+mn-lt"/>
-                <a:ea typeface="+mn-ea"/>
-                <a:cs typeface="+mn-cs"/>
-              </a:defRPr>
-            </a:lvl8pPr>
-            <a:lvl9pPr marL="3657600" algn="l" defTabSz="457200" rtl="0" eaLnBrk="1" latinLnBrk="0" hangingPunct="1">
-              <a:defRPr sz="1800" kern="1200">
-                <a:solidFill>
-                  <a:schemeClr val="tx1"/>
-                </a:solidFill>
-                <a:latin typeface="+mn-lt"/>
-                <a:ea typeface="+mn-ea"/>
-                <a:cs typeface="+mn-cs"/>
-              </a:defRPr>
-            </a:lvl9pPr>
-          </a:lstStyle>
-          <a:p>
-            <a:fld id="{A80FE4E2-D866-47B5-8F4E-CE1C9BBBEF3E}" type="slidenum">
-              <a:rPr lang="en-US" sz="1200" smtClean="0">
-                <a:solidFill>
-                  <a:schemeClr val="tx1">
-                    <a:alpha val="60000"/>
-                  </a:schemeClr>
-                </a:solidFill>
-              </a:rPr>
-              <a:pPr/>
-              <a:t>31</a:t>
-            </a:fld>
-            <a:endParaRPr lang="en-US" sz="1200" dirty="0">
-              <a:solidFill>
-                <a:schemeClr val="tx1">
-                  <a:alpha val="60000"/>
-                </a:schemeClr>
-              </a:solidFill>
-            </a:endParaRPr>
-          </a:p>
-        </p:txBody>
-      </p:sp>
-      <p:pic>
-        <p:nvPicPr>
-          <p:cNvPr id="8" name="Picture 2">
-            <a:extLst>
-              <a:ext uri="{FF2B5EF4-FFF2-40B4-BE49-F238E27FC236}">
-                <a16:creationId xmlns:a16="http://schemas.microsoft.com/office/drawing/2014/main" id="{8CA36580-AEEE-4C46-AE9B-806B67E08838}"/>
-              </a:ext>
-            </a:extLst>
-          </p:cNvPr>
-          <p:cNvPicPr>
-            <a:picLocks noChangeAspect="1" noChangeArrowheads="1"/>
-          </p:cNvPicPr>
-          <p:nvPr/>
-        </p:nvPicPr>
-        <p:blipFill rotWithShape="1">
-          <a:blip r:embed="rId3">
-            <a:extLst>
-              <a:ext uri="{28A0092B-C50C-407E-A947-70E740481C1C}">
-                <a14:useLocalDpi xmlns:a14="http://schemas.microsoft.com/office/drawing/2010/main" val="0"/>
-              </a:ext>
-            </a:extLst>
-          </a:blip>
-          <a:srcRect l="6544" t="-1" b="-2325"/>
-          <a:stretch/>
-        </p:blipFill>
-        <p:spPr bwMode="auto">
-          <a:xfrm>
-            <a:off x="4572000" y="895350"/>
-            <a:ext cx="4352603" cy="4191000"/>
-          </a:xfrm>
-          <a:prstGeom prst="rect">
-            <a:avLst/>
-          </a:prstGeom>
-          <a:noFill/>
-          <a:ln w="9525">
-            <a:solidFill>
-              <a:schemeClr val="tx1"/>
-            </a:solidFill>
-            <a:miter lim="800000"/>
-            <a:headEnd/>
-            <a:tailEnd/>
-          </a:ln>
-          <a:extLst>
-            <a:ext uri="{909E8E84-426E-40DD-AFC4-6F175D3DCCD1}">
-              <a14:hiddenFill xmlns:a14="http://schemas.microsoft.com/office/drawing/2010/main">
-                <a:solidFill>
-                  <a:schemeClr val="accent1"/>
-                </a:solidFill>
-              </a14:hiddenFill>
-            </a:ext>
-          </a:extLst>
-        </p:spPr>
-      </p:pic>
-      <p:sp>
-        <p:nvSpPr>
-          <p:cNvPr id="9" name="Rectangle 8">
-            <a:extLst>
-              <a:ext uri="{FF2B5EF4-FFF2-40B4-BE49-F238E27FC236}">
-                <a16:creationId xmlns:a16="http://schemas.microsoft.com/office/drawing/2014/main" id="{D51775D1-D3D5-48F3-8D5C-EC35046799B0}"/>
+              <a:t>DPB1 Background</a:t>
+            </a:r>
+          </a:p>
+        </p:txBody>
+      </p:sp>
+      <p:sp>
+        <p:nvSpPr>
+          <p:cNvPr id="5" name="Rectangle 4">
+            <a:extLst>
+              <a:ext uri="{FF2B5EF4-FFF2-40B4-BE49-F238E27FC236}">
+                <a16:creationId xmlns:a16="http://schemas.microsoft.com/office/drawing/2014/main" id="{A9FCFBCE-B61B-4D10-9C81-D349C0A7F93E}"/>
               </a:ext>
             </a:extLst>
           </p:cNvPr>
@@ -11232,8 +11840,8 @@
         </p:nvSpPr>
         <p:spPr>
           <a:xfrm>
-            <a:off x="5457299" y="8190836"/>
-            <a:ext cx="3984957" cy="646331"/>
+            <a:off x="0" y="4866501"/>
+            <a:ext cx="9144000" cy="276999"/>
           </a:xfrm>
           <a:prstGeom prst="rect">
             <a:avLst/>
@@ -11246,148 +11854,8 @@
           <a:lstStyle/>
           <a:p>
             <a:r>
-              <a:rPr lang="en-US" b="1" dirty="0" err="1">
-                <a:latin typeface="Comic Sans MS" panose="030F0702030302020204" pitchFamily="66" charset="0"/>
-              </a:rPr>
-              <a:t>Laux</a:t>
-            </a:r>
-            <a:r>
-              <a:rPr lang="en-US" b="1" dirty="0">
-                <a:latin typeface="Comic Sans MS" panose="030F0702030302020204" pitchFamily="66" charset="0"/>
-              </a:rPr>
-              <a:t>, et al; Transplantation 75:1527, 2003.</a:t>
-            </a:r>
-          </a:p>
-        </p:txBody>
-      </p:sp>
-      <p:sp>
-        <p:nvSpPr>
-          <p:cNvPr id="10" name="Content Placeholder 1">
-            <a:extLst>
-              <a:ext uri="{FF2B5EF4-FFF2-40B4-BE49-F238E27FC236}">
-                <a16:creationId xmlns:a16="http://schemas.microsoft.com/office/drawing/2014/main" id="{E689F376-98FF-49F2-993B-9BB1B1B06123}"/>
-              </a:ext>
-            </a:extLst>
-          </p:cNvPr>
-          <p:cNvSpPr>
-            <a:spLocks noGrp="1"/>
-          </p:cNvSpPr>
-          <p:nvPr>
-            <p:ph idx="1"/>
-          </p:nvPr>
-        </p:nvSpPr>
-        <p:spPr>
-          <a:xfrm>
-            <a:off x="128155" y="2124577"/>
-            <a:ext cx="4510304" cy="1929670"/>
-          </a:xfrm>
-        </p:spPr>
-        <p:txBody>
-          <a:bodyPr>
-            <a:noAutofit/>
-          </a:bodyPr>
-          <a:lstStyle/>
-          <a:p>
-            <a:pPr marL="0" indent="0">
-              <a:buNone/>
-            </a:pPr>
-            <a:r>
-              <a:rPr lang="en-US" sz="2400" dirty="0"/>
-              <a:t>Multiple publications have demonstrated that six (6) hypervariable regions account for the majority of antibody reactivity against DPB1 alleles. [1-4] </a:t>
-            </a:r>
-          </a:p>
-        </p:txBody>
-      </p:sp>
-      <p:sp>
-        <p:nvSpPr>
-          <p:cNvPr id="11" name="Rectangle 10">
-            <a:extLst>
-              <a:ext uri="{FF2B5EF4-FFF2-40B4-BE49-F238E27FC236}">
-                <a16:creationId xmlns:a16="http://schemas.microsoft.com/office/drawing/2014/main" id="{21740A88-ADA7-4103-ADFF-64A6E5A8B98E}"/>
-              </a:ext>
-            </a:extLst>
-          </p:cNvPr>
-          <p:cNvSpPr/>
-          <p:nvPr/>
-        </p:nvSpPr>
-        <p:spPr>
-          <a:xfrm>
-            <a:off x="0" y="4312503"/>
-            <a:ext cx="9144000" cy="830997"/>
-          </a:xfrm>
-          <a:prstGeom prst="rect">
-            <a:avLst/>
-          </a:prstGeom>
-        </p:spPr>
-        <p:txBody>
-          <a:bodyPr wrap="square">
-            <a:spAutoFit/>
-          </a:bodyPr>
-          <a:lstStyle/>
-          <a:p>
-            <a:r>
               <a:rPr lang="en-US" sz="1200" dirty="0"/>
-              <a:t>[1] </a:t>
-            </a:r>
-            <a:r>
-              <a:rPr lang="en-US" sz="1200" dirty="0" err="1"/>
-              <a:t>Billen</a:t>
-            </a:r>
-            <a:r>
-              <a:rPr lang="en-US" sz="1200" dirty="0"/>
-              <a:t>, et al. Tissue Antigens 75:278, 2009. </a:t>
-            </a:r>
-          </a:p>
-          <a:p>
-            <a:r>
-              <a:rPr lang="en-US" sz="1200" dirty="0"/>
-              <a:t>[2] Piazza. Transplantation 82:242, 2006.</a:t>
-            </a:r>
-          </a:p>
-          <a:p>
-            <a:r>
-              <a:rPr lang="en-US" sz="1200" dirty="0"/>
-              <a:t>[3] Arnold ML, et al. Tissue Antigens 65:370, 2005.</a:t>
-            </a:r>
-          </a:p>
-          <a:p>
-            <a:r>
-              <a:rPr lang="en-US" sz="1200" dirty="0"/>
-              <a:t>[4] Laux, et al. Transplantation 75:1527, 2003.</a:t>
-            </a:r>
-          </a:p>
-        </p:txBody>
-      </p:sp>
-      <p:sp>
-        <p:nvSpPr>
-          <p:cNvPr id="12" name="Rectangle 11">
-            <a:extLst>
-              <a:ext uri="{FF2B5EF4-FFF2-40B4-BE49-F238E27FC236}">
-                <a16:creationId xmlns:a16="http://schemas.microsoft.com/office/drawing/2014/main" id="{8995BEE5-CBB1-4E9C-BA3C-7A2B92E58B33}"/>
-              </a:ext>
-            </a:extLst>
-          </p:cNvPr>
-          <p:cNvSpPr/>
-          <p:nvPr/>
-        </p:nvSpPr>
-        <p:spPr>
-          <a:xfrm>
-            <a:off x="6089147" y="4776993"/>
-            <a:ext cx="2835456" cy="276999"/>
-          </a:xfrm>
-          <a:prstGeom prst="rect">
-            <a:avLst/>
-          </a:prstGeom>
-        </p:spPr>
-        <p:txBody>
-          <a:bodyPr wrap="none">
-            <a:spAutoFit/>
-          </a:bodyPr>
-          <a:lstStyle/>
-          <a:p>
-            <a:r>
-              <a:rPr lang="en-US" sz="1200" dirty="0"/>
-              <a:t>Laux, et al. Transplantation 75:1527, 2003.</a:t>
+              <a:t>[1] IPD-IMGT/HLA. https://www.ebi.ac.uk/ipd/imgt/hla.</a:t>
             </a:r>
           </a:p>
         </p:txBody>
@@ -11395,7 +11863,7 @@
     </p:spTree>
     <p:extLst>
       <p:ext uri="{BB962C8B-B14F-4D97-AF65-F5344CB8AC3E}">
-        <p14:creationId xmlns:p14="http://schemas.microsoft.com/office/powerpoint/2010/main" val="2978437877"/>
+        <p14:creationId xmlns:p14="http://schemas.microsoft.com/office/powerpoint/2010/main" val="3894006225"/>
       </p:ext>
     </p:extLst>
   </p:cSld>
@@ -11440,6 +11908,883 @@
         </p:nvSpPr>
         <p:spPr>
           <a:xfrm>
+            <a:off x="435877" y="895350"/>
+            <a:ext cx="3943350" cy="495907"/>
+          </a:xfrm>
+          <a:prstGeom prst="rect">
+            <a:avLst/>
+          </a:prstGeom>
+        </p:spPr>
+        <p:txBody>
+          <a:bodyPr/>
+          <a:lstStyle/>
+          <a:p>
+            <a:r>
+              <a:rPr lang="en-US" sz="3200" dirty="0"/>
+              <a:t>DPB1 Structure</a:t>
+            </a:r>
+          </a:p>
+        </p:txBody>
+      </p:sp>
+      <p:pic>
+        <p:nvPicPr>
+          <p:cNvPr id="6" name="Picture 3" descr="CLASS_1_2">
+            <a:extLst>
+              <a:ext uri="{FF2B5EF4-FFF2-40B4-BE49-F238E27FC236}">
+                <a16:creationId xmlns:a16="http://schemas.microsoft.com/office/drawing/2014/main" id="{D3F60C55-54EC-49E5-91F4-FEDA372AFC8A}"/>
+              </a:ext>
+            </a:extLst>
+          </p:cNvPr>
+          <p:cNvPicPr>
+            <a:picLocks noChangeAspect="1" noChangeArrowheads="1"/>
+          </p:cNvPicPr>
+          <p:nvPr/>
+        </p:nvPicPr>
+        <p:blipFill>
+          <a:blip r:embed="rId3" cstate="print"/>
+          <a:srcRect/>
+          <a:stretch>
+            <a:fillRect/>
+          </a:stretch>
+        </p:blipFill>
+        <p:spPr bwMode="auto">
+          <a:xfrm>
+            <a:off x="4876800" y="1040423"/>
+            <a:ext cx="3951708" cy="3915205"/>
+          </a:xfrm>
+          <a:prstGeom prst="rect">
+            <a:avLst/>
+          </a:prstGeom>
+          <a:noFill/>
+          <a:ln w="9525">
+            <a:noFill/>
+            <a:miter lim="800000"/>
+            <a:headEnd/>
+            <a:tailEnd/>
+          </a:ln>
+        </p:spPr>
+      </p:pic>
+      <p:sp>
+        <p:nvSpPr>
+          <p:cNvPr id="7" name="TextBox 6">
+            <a:extLst>
+              <a:ext uri="{FF2B5EF4-FFF2-40B4-BE49-F238E27FC236}">
+                <a16:creationId xmlns:a16="http://schemas.microsoft.com/office/drawing/2014/main" id="{0CCD6706-7DAB-4E04-839E-62A3A911713D}"/>
+              </a:ext>
+            </a:extLst>
+          </p:cNvPr>
+          <p:cNvSpPr txBox="1"/>
+          <p:nvPr/>
+        </p:nvSpPr>
+        <p:spPr>
+          <a:xfrm>
+            <a:off x="8127522" y="1276350"/>
+            <a:ext cx="415498" cy="646331"/>
+          </a:xfrm>
+          <a:prstGeom prst="rect">
+            <a:avLst/>
+          </a:prstGeom>
+          <a:noFill/>
+        </p:spPr>
+        <p:txBody>
+          <a:bodyPr wrap="none" rtlCol="0">
+            <a:spAutoFit/>
+          </a:bodyPr>
+          <a:lstStyle/>
+          <a:p>
+            <a:r>
+              <a:rPr lang="en-US" sz="1200" b="1" dirty="0">
+                <a:latin typeface="Arial" panose="020B0604020202020204" pitchFamily="34" charset="0"/>
+                <a:cs typeface="Arial" panose="020B0604020202020204" pitchFamily="34" charset="0"/>
+              </a:rPr>
+              <a:t>DR</a:t>
+            </a:r>
+          </a:p>
+          <a:p>
+            <a:r>
+              <a:rPr lang="en-US" sz="1200" b="1" dirty="0">
+                <a:latin typeface="Arial" panose="020B0604020202020204" pitchFamily="34" charset="0"/>
+                <a:cs typeface="Arial" panose="020B0604020202020204" pitchFamily="34" charset="0"/>
+              </a:rPr>
+              <a:t>DQ</a:t>
+            </a:r>
+          </a:p>
+          <a:p>
+            <a:r>
+              <a:rPr lang="en-US" sz="1200" b="1" dirty="0">
+                <a:latin typeface="Arial" panose="020B0604020202020204" pitchFamily="34" charset="0"/>
+                <a:cs typeface="Arial" panose="020B0604020202020204" pitchFamily="34" charset="0"/>
+              </a:rPr>
+              <a:t>DP</a:t>
+            </a:r>
+          </a:p>
+        </p:txBody>
+      </p:sp>
+      <p:sp>
+        <p:nvSpPr>
+          <p:cNvPr id="8" name="Text Box 8">
+            <a:extLst>
+              <a:ext uri="{FF2B5EF4-FFF2-40B4-BE49-F238E27FC236}">
+                <a16:creationId xmlns:a16="http://schemas.microsoft.com/office/drawing/2014/main" id="{5484AF73-0C7D-445E-9AD1-D4497572F7A3}"/>
+              </a:ext>
+            </a:extLst>
+          </p:cNvPr>
+          <p:cNvSpPr txBox="1">
+            <a:spLocks noChangeArrowheads="1"/>
+          </p:cNvSpPr>
+          <p:nvPr/>
+        </p:nvSpPr>
+        <p:spPr bwMode="auto">
+          <a:xfrm>
+            <a:off x="7924800" y="1913751"/>
+            <a:ext cx="689612" cy="276999"/>
+          </a:xfrm>
+          <a:prstGeom prst="rect">
+            <a:avLst/>
+          </a:prstGeom>
+          <a:noFill/>
+          <a:ln w="9525">
+            <a:noFill/>
+            <a:miter lim="800000"/>
+            <a:headEnd/>
+            <a:tailEnd/>
+          </a:ln>
+          <a:effectLst/>
+        </p:spPr>
+        <p:txBody>
+          <a:bodyPr wrap="none">
+            <a:spAutoFit/>
+          </a:bodyPr>
+          <a:lstStyle/>
+          <a:p>
+            <a:pPr>
+              <a:defRPr/>
+            </a:pPr>
+            <a:r>
+              <a:rPr lang="en-US" sz="1200" b="1" dirty="0">
+                <a:effectLst>
+                  <a:outerShdw blurRad="38100" dist="38100" dir="2700000" algn="tl">
+                    <a:srgbClr val="000000">
+                      <a:alpha val="43137"/>
+                    </a:srgbClr>
+                  </a:outerShdw>
+                </a:effectLst>
+                <a:latin typeface="Arial" charset="0"/>
+                <a:cs typeface="Times New Roman" pitchFamily="18" charset="0"/>
+              </a:rPr>
+              <a:t>Exon 2</a:t>
+            </a:r>
+          </a:p>
+        </p:txBody>
+      </p:sp>
+      <p:sp>
+        <p:nvSpPr>
+          <p:cNvPr id="9" name="Text Box 8">
+            <a:extLst>
+              <a:ext uri="{FF2B5EF4-FFF2-40B4-BE49-F238E27FC236}">
+                <a16:creationId xmlns:a16="http://schemas.microsoft.com/office/drawing/2014/main" id="{7033CD98-B8A9-4032-933E-891A81DC4815}"/>
+              </a:ext>
+            </a:extLst>
+          </p:cNvPr>
+          <p:cNvSpPr txBox="1">
+            <a:spLocks noChangeArrowheads="1"/>
+          </p:cNvSpPr>
+          <p:nvPr/>
+        </p:nvSpPr>
+        <p:spPr bwMode="auto">
+          <a:xfrm>
+            <a:off x="7772400" y="2571750"/>
+            <a:ext cx="689612" cy="276999"/>
+          </a:xfrm>
+          <a:prstGeom prst="rect">
+            <a:avLst/>
+          </a:prstGeom>
+          <a:noFill/>
+          <a:ln w="9525">
+            <a:noFill/>
+            <a:miter lim="800000"/>
+            <a:headEnd/>
+            <a:tailEnd/>
+          </a:ln>
+          <a:effectLst/>
+        </p:spPr>
+        <p:txBody>
+          <a:bodyPr wrap="none">
+            <a:spAutoFit/>
+          </a:bodyPr>
+          <a:lstStyle/>
+          <a:p>
+            <a:pPr>
+              <a:defRPr/>
+            </a:pPr>
+            <a:r>
+              <a:rPr lang="en-US" sz="1200" b="1" dirty="0">
+                <a:effectLst>
+                  <a:outerShdw blurRad="38100" dist="38100" dir="2700000" algn="tl">
+                    <a:srgbClr val="000000">
+                      <a:alpha val="43137"/>
+                    </a:srgbClr>
+                  </a:outerShdw>
+                </a:effectLst>
+                <a:latin typeface="Arial" charset="0"/>
+                <a:cs typeface="Times New Roman" pitchFamily="18" charset="0"/>
+              </a:rPr>
+              <a:t>Exon 3</a:t>
+            </a:r>
+          </a:p>
+        </p:txBody>
+      </p:sp>
+      <p:sp>
+        <p:nvSpPr>
+          <p:cNvPr id="10" name="TextBox 9">
+            <a:extLst>
+              <a:ext uri="{FF2B5EF4-FFF2-40B4-BE49-F238E27FC236}">
+                <a16:creationId xmlns:a16="http://schemas.microsoft.com/office/drawing/2014/main" id="{ED75E492-C491-424C-AC88-7E5359195BE6}"/>
+              </a:ext>
+            </a:extLst>
+          </p:cNvPr>
+          <p:cNvSpPr txBox="1"/>
+          <p:nvPr/>
+        </p:nvSpPr>
+        <p:spPr>
+          <a:xfrm>
+            <a:off x="5334000" y="4629150"/>
+            <a:ext cx="3446328" cy="276999"/>
+          </a:xfrm>
+          <a:prstGeom prst="rect">
+            <a:avLst/>
+          </a:prstGeom>
+          <a:noFill/>
+        </p:spPr>
+        <p:txBody>
+          <a:bodyPr wrap="none" rtlCol="0">
+            <a:spAutoFit/>
+          </a:bodyPr>
+          <a:lstStyle/>
+          <a:p>
+            <a:r>
+              <a:rPr lang="en-US" sz="1200" dirty="0">
+                <a:latin typeface="Arial" panose="020B0604020202020204" pitchFamily="34" charset="0"/>
+                <a:cs typeface="Arial" panose="020B0604020202020204" pitchFamily="34" charset="0"/>
+              </a:rPr>
+              <a:t>Klein J. and Sato A.  NEJM  343;702-709. 2000.</a:t>
+            </a:r>
+          </a:p>
+        </p:txBody>
+      </p:sp>
+      <p:sp>
+        <p:nvSpPr>
+          <p:cNvPr id="12" name="Content Placeholder 1">
+            <a:extLst>
+              <a:ext uri="{FF2B5EF4-FFF2-40B4-BE49-F238E27FC236}">
+                <a16:creationId xmlns:a16="http://schemas.microsoft.com/office/drawing/2014/main" id="{D1B59120-5232-4222-A4B8-219161F0B3ED}"/>
+              </a:ext>
+            </a:extLst>
+          </p:cNvPr>
+          <p:cNvSpPr>
+            <a:spLocks noGrp="1"/>
+          </p:cNvSpPr>
+          <p:nvPr>
+            <p:ph idx="1"/>
+          </p:nvPr>
+        </p:nvSpPr>
+        <p:spPr>
+          <a:xfrm>
+            <a:off x="152346" y="1877198"/>
+            <a:ext cx="4510304" cy="1943101"/>
+          </a:xfrm>
+        </p:spPr>
+        <p:txBody>
+          <a:bodyPr>
+            <a:noAutofit/>
+          </a:bodyPr>
+          <a:lstStyle/>
+          <a:p>
+            <a:pPr marL="0" indent="0">
+              <a:buNone/>
+            </a:pPr>
+            <a:r>
+              <a:rPr lang="en-US" sz="2400" dirty="0"/>
+              <a:t>Alleles are named sequentially independent of sequence homology, so no structural relationships are conveyed by allele names.</a:t>
+            </a:r>
+          </a:p>
+        </p:txBody>
+      </p:sp>
+    </p:spTree>
+    <p:extLst>
+      <p:ext uri="{BB962C8B-B14F-4D97-AF65-F5344CB8AC3E}">
+        <p14:creationId xmlns:p14="http://schemas.microsoft.com/office/powerpoint/2010/main" val="3015498499"/>
+      </p:ext>
+    </p:extLst>
+  </p:cSld>
+  <p:clrMapOvr>
+    <a:masterClrMapping/>
+  </p:clrMapOvr>
+</p:sld>
+</file>
+
+<file path=ppt/slides/slide33.xml><?xml version="1.0" encoding="utf-8"?>
+<p:sld xmlns:a="http://schemas.openxmlformats.org/drawingml/2006/main" xmlns:r="http://schemas.openxmlformats.org/officeDocument/2006/relationships" xmlns:p="http://schemas.openxmlformats.org/presentationml/2006/main">
+  <p:cSld>
+    <p:spTree>
+      <p:nvGrpSpPr>
+        <p:cNvPr id="1" name=""/>
+        <p:cNvGrpSpPr/>
+        <p:nvPr/>
+      </p:nvGrpSpPr>
+      <p:grpSpPr>
+        <a:xfrm>
+          <a:off x="0" y="0"/>
+          <a:ext cx="0" cy="0"/>
+          <a:chOff x="0" y="0"/>
+          <a:chExt cx="0" cy="0"/>
+        </a:xfrm>
+      </p:grpSpPr>
+      <p:sp>
+        <p:nvSpPr>
+          <p:cNvPr id="3" name="Title 2">
+            <a:extLst>
+              <a:ext uri="{FF2B5EF4-FFF2-40B4-BE49-F238E27FC236}">
+                <a16:creationId xmlns:a16="http://schemas.microsoft.com/office/drawing/2014/main" id="{FB4C6C0D-CDA1-43E3-8CDA-F4D3F58AC9C7}"/>
+              </a:ext>
+            </a:extLst>
+          </p:cNvPr>
+          <p:cNvSpPr>
+            <a:spLocks noGrp="1"/>
+          </p:cNvSpPr>
+          <p:nvPr>
+            <p:ph type="title" idx="4294967295"/>
+          </p:nvPr>
+        </p:nvSpPr>
+        <p:spPr>
+          <a:xfrm>
+            <a:off x="152400" y="895350"/>
+            <a:ext cx="4343400" cy="495907"/>
+          </a:xfrm>
+          <a:prstGeom prst="rect">
+            <a:avLst/>
+          </a:prstGeom>
+        </p:spPr>
+        <p:txBody>
+          <a:bodyPr/>
+          <a:lstStyle/>
+          <a:p>
+            <a:r>
+              <a:rPr lang="en-US" sz="3200" dirty="0"/>
+              <a:t>DPB1 Hypervariable Regions</a:t>
+            </a:r>
+          </a:p>
+        </p:txBody>
+      </p:sp>
+      <p:pic>
+        <p:nvPicPr>
+          <p:cNvPr id="8" name="Picture 2">
+            <a:extLst>
+              <a:ext uri="{FF2B5EF4-FFF2-40B4-BE49-F238E27FC236}">
+                <a16:creationId xmlns:a16="http://schemas.microsoft.com/office/drawing/2014/main" id="{8CA36580-AEEE-4C46-AE9B-806B67E08838}"/>
+              </a:ext>
+            </a:extLst>
+          </p:cNvPr>
+          <p:cNvPicPr>
+            <a:picLocks noChangeAspect="1" noChangeArrowheads="1"/>
+          </p:cNvPicPr>
+          <p:nvPr/>
+        </p:nvPicPr>
+        <p:blipFill rotWithShape="1">
+          <a:blip r:embed="rId3">
+            <a:extLst>
+              <a:ext uri="{28A0092B-C50C-407E-A947-70E740481C1C}">
+                <a14:useLocalDpi xmlns:a14="http://schemas.microsoft.com/office/drawing/2010/main" val="0"/>
+              </a:ext>
+            </a:extLst>
+          </a:blip>
+          <a:srcRect l="6544" t="-1" b="-2325"/>
+          <a:stretch/>
+        </p:blipFill>
+        <p:spPr bwMode="auto">
+          <a:xfrm>
+            <a:off x="4572000" y="895350"/>
+            <a:ext cx="4352603" cy="4191000"/>
+          </a:xfrm>
+          <a:prstGeom prst="rect">
+            <a:avLst/>
+          </a:prstGeom>
+          <a:noFill/>
+          <a:ln w="9525">
+            <a:solidFill>
+              <a:schemeClr val="tx1"/>
+            </a:solidFill>
+            <a:miter lim="800000"/>
+            <a:headEnd/>
+            <a:tailEnd/>
+          </a:ln>
+          <a:extLst>
+            <a:ext uri="{909E8E84-426E-40DD-AFC4-6F175D3DCCD1}">
+              <a14:hiddenFill xmlns:a14="http://schemas.microsoft.com/office/drawing/2010/main">
+                <a:solidFill>
+                  <a:schemeClr val="accent1"/>
+                </a:solidFill>
+              </a14:hiddenFill>
+            </a:ext>
+          </a:extLst>
+        </p:spPr>
+      </p:pic>
+      <p:sp>
+        <p:nvSpPr>
+          <p:cNvPr id="10" name="Content Placeholder 1">
+            <a:extLst>
+              <a:ext uri="{FF2B5EF4-FFF2-40B4-BE49-F238E27FC236}">
+                <a16:creationId xmlns:a16="http://schemas.microsoft.com/office/drawing/2014/main" id="{E689F376-98FF-49F2-993B-9BB1B1B06123}"/>
+              </a:ext>
+            </a:extLst>
+          </p:cNvPr>
+          <p:cNvSpPr>
+            <a:spLocks noGrp="1"/>
+          </p:cNvSpPr>
+          <p:nvPr>
+            <p:ph idx="1"/>
+          </p:nvPr>
+        </p:nvSpPr>
+        <p:spPr>
+          <a:xfrm>
+            <a:off x="128155" y="2124577"/>
+            <a:ext cx="4510304" cy="1929670"/>
+          </a:xfrm>
+        </p:spPr>
+        <p:txBody>
+          <a:bodyPr>
+            <a:noAutofit/>
+          </a:bodyPr>
+          <a:lstStyle/>
+          <a:p>
+            <a:pPr marL="0" indent="0">
+              <a:buNone/>
+            </a:pPr>
+            <a:r>
+              <a:rPr lang="en-US" sz="2400" dirty="0"/>
+              <a:t>Multiple publications have demonstrated that six (6) hypervariable regions account for the majority of antibody reactivity against DPB1 alleles. [1-4] </a:t>
+            </a:r>
+          </a:p>
+        </p:txBody>
+      </p:sp>
+      <p:sp>
+        <p:nvSpPr>
+          <p:cNvPr id="11" name="Rectangle 10">
+            <a:extLst>
+              <a:ext uri="{FF2B5EF4-FFF2-40B4-BE49-F238E27FC236}">
+                <a16:creationId xmlns:a16="http://schemas.microsoft.com/office/drawing/2014/main" id="{21740A88-ADA7-4103-ADFF-64A6E5A8B98E}"/>
+              </a:ext>
+            </a:extLst>
+          </p:cNvPr>
+          <p:cNvSpPr/>
+          <p:nvPr/>
+        </p:nvSpPr>
+        <p:spPr>
+          <a:xfrm>
+            <a:off x="0" y="4312503"/>
+            <a:ext cx="9144000" cy="830997"/>
+          </a:xfrm>
+          <a:prstGeom prst="rect">
+            <a:avLst/>
+          </a:prstGeom>
+        </p:spPr>
+        <p:txBody>
+          <a:bodyPr wrap="square">
+            <a:spAutoFit/>
+          </a:bodyPr>
+          <a:lstStyle/>
+          <a:p>
+            <a:r>
+              <a:rPr lang="en-US" sz="1200" dirty="0"/>
+              <a:t>[1] </a:t>
+            </a:r>
+            <a:r>
+              <a:rPr lang="en-US" sz="1200" dirty="0" err="1"/>
+              <a:t>Billen</a:t>
+            </a:r>
+            <a:r>
+              <a:rPr lang="en-US" sz="1200" dirty="0"/>
+              <a:t>, et al. Tissue Antigens 75:278, 2009. </a:t>
+            </a:r>
+          </a:p>
+          <a:p>
+            <a:r>
+              <a:rPr lang="en-US" sz="1200" dirty="0"/>
+              <a:t>[2] Piazza. Transplantation 82:242, 2006.</a:t>
+            </a:r>
+          </a:p>
+          <a:p>
+            <a:r>
+              <a:rPr lang="en-US" sz="1200" dirty="0"/>
+              <a:t>[3] Arnold ML, et al. Tissue Antigens 65:370, 2005.</a:t>
+            </a:r>
+          </a:p>
+          <a:p>
+            <a:r>
+              <a:rPr lang="en-US" sz="1200" dirty="0"/>
+              <a:t>[4] Laux, et al. Transplantation 75:1527, 2003.</a:t>
+            </a:r>
+          </a:p>
+        </p:txBody>
+      </p:sp>
+      <p:sp>
+        <p:nvSpPr>
+          <p:cNvPr id="12" name="Rectangle 11">
+            <a:extLst>
+              <a:ext uri="{FF2B5EF4-FFF2-40B4-BE49-F238E27FC236}">
+                <a16:creationId xmlns:a16="http://schemas.microsoft.com/office/drawing/2014/main" id="{8995BEE5-CBB1-4E9C-BA3C-7A2B92E58B33}"/>
+              </a:ext>
+            </a:extLst>
+          </p:cNvPr>
+          <p:cNvSpPr/>
+          <p:nvPr/>
+        </p:nvSpPr>
+        <p:spPr>
+          <a:xfrm>
+            <a:off x="6089147" y="4776993"/>
+            <a:ext cx="2835456" cy="276999"/>
+          </a:xfrm>
+          <a:prstGeom prst="rect">
+            <a:avLst/>
+          </a:prstGeom>
+        </p:spPr>
+        <p:txBody>
+          <a:bodyPr wrap="none">
+            <a:spAutoFit/>
+          </a:bodyPr>
+          <a:lstStyle/>
+          <a:p>
+            <a:r>
+              <a:rPr lang="en-US" sz="1200" dirty="0"/>
+              <a:t>Laux, et al. Transplantation 75:1527, 2003.</a:t>
+            </a:r>
+          </a:p>
+        </p:txBody>
+      </p:sp>
+    </p:spTree>
+    <p:extLst>
+      <p:ext uri="{BB962C8B-B14F-4D97-AF65-F5344CB8AC3E}">
+        <p14:creationId xmlns:p14="http://schemas.microsoft.com/office/powerpoint/2010/main" val="2978437877"/>
+      </p:ext>
+    </p:extLst>
+  </p:cSld>
+  <p:clrMapOvr>
+    <a:masterClrMapping/>
+  </p:clrMapOvr>
+</p:sld>
+</file>
+
+<file path=ppt/slides/slide34.xml><?xml version="1.0" encoding="utf-8"?>
+<p:sld xmlns:a="http://schemas.openxmlformats.org/drawingml/2006/main" xmlns:r="http://schemas.openxmlformats.org/officeDocument/2006/relationships" xmlns:p="http://schemas.openxmlformats.org/presentationml/2006/main">
+  <p:cSld>
+    <p:spTree>
+      <p:nvGrpSpPr>
+        <p:cNvPr id="1" name=""/>
+        <p:cNvGrpSpPr/>
+        <p:nvPr/>
+      </p:nvGrpSpPr>
+      <p:grpSpPr>
+        <a:xfrm>
+          <a:off x="0" y="0"/>
+          <a:ext cx="0" cy="0"/>
+          <a:chOff x="0" y="0"/>
+          <a:chExt cx="0" cy="0"/>
+        </a:xfrm>
+      </p:grpSpPr>
+      <p:sp>
+        <p:nvSpPr>
+          <p:cNvPr id="11" name="Rectangle 10">
+            <a:extLst>
+              <a:ext uri="{FF2B5EF4-FFF2-40B4-BE49-F238E27FC236}">
+                <a16:creationId xmlns:a16="http://schemas.microsoft.com/office/drawing/2014/main" id="{21740A88-ADA7-4103-ADFF-64A6E5A8B98E}"/>
+              </a:ext>
+            </a:extLst>
+          </p:cNvPr>
+          <p:cNvSpPr/>
+          <p:nvPr/>
+        </p:nvSpPr>
+        <p:spPr>
+          <a:xfrm>
+            <a:off x="0" y="1602254"/>
+            <a:ext cx="9144000" cy="2123658"/>
+          </a:xfrm>
+          <a:prstGeom prst="rect">
+            <a:avLst/>
+          </a:prstGeom>
+        </p:spPr>
+        <p:txBody>
+          <a:bodyPr wrap="square">
+            <a:spAutoFit/>
+          </a:bodyPr>
+          <a:lstStyle/>
+          <a:p>
+            <a:r>
+              <a:rPr lang="en-US" sz="1200" dirty="0"/>
+              <a:t>[1] </a:t>
+            </a:r>
+            <a:r>
+              <a:rPr lang="en-US" sz="1200" dirty="0" err="1"/>
+              <a:t>Billen</a:t>
+            </a:r>
+            <a:r>
+              <a:rPr lang="en-US" sz="1200" dirty="0"/>
+              <a:t>, E. V., </a:t>
+            </a:r>
+            <a:r>
+              <a:rPr lang="en-US" sz="1200" dirty="0" err="1"/>
+              <a:t>Christiaans</a:t>
+            </a:r>
+            <a:r>
+              <a:rPr lang="en-US" sz="1200" dirty="0"/>
+              <a:t>, M. H., </a:t>
+            </a:r>
+            <a:r>
+              <a:rPr lang="en-US" sz="1200" dirty="0" err="1"/>
+              <a:t>Doxiadis</a:t>
+            </a:r>
+            <a:r>
+              <a:rPr lang="en-US" sz="1200" dirty="0"/>
+              <a:t>, I. I., </a:t>
+            </a:r>
+            <a:r>
+              <a:rPr lang="en-US" sz="1200" dirty="0" err="1"/>
+              <a:t>Voorter</a:t>
+            </a:r>
+            <a:r>
+              <a:rPr lang="en-US" sz="1200" dirty="0"/>
+              <a:t>, C. E., &amp; Berg-</a:t>
+            </a:r>
+            <a:r>
+              <a:rPr lang="en-US" sz="1200" dirty="0" err="1"/>
+              <a:t>Loonen</a:t>
+            </a:r>
+            <a:r>
+              <a:rPr lang="en-US" sz="1200" dirty="0"/>
+              <a:t>, E. M. (2010). HLA-DP antibodies before and after renal transplantation. Tissue Antigens, 75(3), 278-285.</a:t>
+            </a:r>
+          </a:p>
+          <a:p>
+            <a:endParaRPr lang="en-US" sz="1200" dirty="0"/>
+          </a:p>
+          <a:p>
+            <a:r>
+              <a:rPr lang="en-US" sz="1200" dirty="0"/>
+              <a:t>[2] Piazza, A., Poggi, E., </a:t>
+            </a:r>
+            <a:r>
+              <a:rPr lang="en-US" sz="1200" dirty="0" err="1"/>
+              <a:t>Ozzella</a:t>
+            </a:r>
+            <a:r>
+              <a:rPr lang="en-US" sz="1200" dirty="0"/>
+              <a:t>, G., Borrelli, L., </a:t>
+            </a:r>
+            <a:r>
+              <a:rPr lang="en-US" sz="1200" dirty="0" err="1"/>
+              <a:t>Scornajenghi</a:t>
+            </a:r>
+            <a:r>
+              <a:rPr lang="en-US" sz="1200" dirty="0"/>
+              <a:t>, K., Monaco, P., </a:t>
+            </a:r>
+            <a:r>
+              <a:rPr lang="en-US" sz="1200" dirty="0" err="1"/>
+              <a:t>Tisone</a:t>
+            </a:r>
+            <a:r>
+              <a:rPr lang="en-US" sz="1200" dirty="0"/>
+              <a:t>, G., &amp; Adorno, D. (2006). Anti </a:t>
+            </a:r>
+            <a:r>
+              <a:rPr lang="en-US" sz="1200" dirty="0" err="1"/>
+              <a:t>Hla-Dp</a:t>
+            </a:r>
+            <a:r>
+              <a:rPr lang="en-US" sz="1200" dirty="0"/>
+              <a:t> Antibodies And Graft Failure In Kidney Transplantation. Transplantation, 82(Suppl 2), 242.</a:t>
+            </a:r>
+          </a:p>
+          <a:p>
+            <a:endParaRPr lang="en-US" sz="1200" dirty="0"/>
+          </a:p>
+          <a:p>
+            <a:r>
+              <a:rPr lang="en-US" sz="1200" dirty="0"/>
+              <a:t>[3] Arnold, M., Pei, R., </a:t>
+            </a:r>
+            <a:r>
+              <a:rPr lang="en-US" sz="1200" dirty="0" err="1"/>
+              <a:t>Spriewald</a:t>
+            </a:r>
+            <a:r>
+              <a:rPr lang="en-US" sz="1200" dirty="0"/>
+              <a:t>, B., &amp; </a:t>
+            </a:r>
+            <a:r>
+              <a:rPr lang="en-US" sz="1200" dirty="0" err="1"/>
+              <a:t>Wassmuth</a:t>
+            </a:r>
+            <a:r>
+              <a:rPr lang="en-US" sz="1200" dirty="0"/>
+              <a:t>, R. (2005). Anti-HLA class II antibodies in kidney </a:t>
+            </a:r>
+            <a:r>
+              <a:rPr lang="en-US" sz="1200" dirty="0" err="1"/>
+              <a:t>retransplant</a:t>
+            </a:r>
+            <a:r>
+              <a:rPr lang="en-US" sz="1200" dirty="0"/>
+              <a:t> patients. Tissue Antigens, 65(4), 370-378.</a:t>
+            </a:r>
+          </a:p>
+          <a:p>
+            <a:endParaRPr lang="en-US" sz="1200" dirty="0"/>
+          </a:p>
+          <a:p>
+            <a:r>
+              <a:rPr lang="en-US" sz="1200" dirty="0"/>
+              <a:t>[4] Laux, G., </a:t>
+            </a:r>
+            <a:r>
+              <a:rPr lang="en-US" sz="1200" dirty="0" err="1"/>
+              <a:t>Mansmann</a:t>
+            </a:r>
+            <a:r>
+              <a:rPr lang="en-US" sz="1200" dirty="0"/>
+              <a:t>, U., </a:t>
+            </a:r>
+            <a:r>
+              <a:rPr lang="en-US" sz="1200" dirty="0" err="1"/>
+              <a:t>Deufel</a:t>
+            </a:r>
+            <a:r>
+              <a:rPr lang="en-US" sz="1200" dirty="0"/>
+              <a:t>, A., </a:t>
+            </a:r>
+            <a:r>
+              <a:rPr lang="en-US" sz="1200" dirty="0" err="1"/>
+              <a:t>Opelz</a:t>
+            </a:r>
+            <a:r>
+              <a:rPr lang="en-US" sz="1200" dirty="0"/>
+              <a:t>, G., &amp; </a:t>
+            </a:r>
+            <a:r>
+              <a:rPr lang="en-US" sz="1200" dirty="0" err="1"/>
+              <a:t>Mytilineos</a:t>
+            </a:r>
+            <a:r>
+              <a:rPr lang="en-US" sz="1200" dirty="0"/>
+              <a:t>, J. (2003). A new epitope-based HLA-DPB matching approach for cadaver kidney </a:t>
+            </a:r>
+            <a:r>
+              <a:rPr lang="en-US" sz="1200" dirty="0" err="1"/>
+              <a:t>retransplants</a:t>
+            </a:r>
+            <a:r>
+              <a:rPr lang="en-US" sz="1200" dirty="0"/>
+              <a:t>. Transplantation, 75(9), 1527-1532.</a:t>
+            </a:r>
+          </a:p>
+        </p:txBody>
+      </p:sp>
+      <p:sp>
+        <p:nvSpPr>
+          <p:cNvPr id="9" name="Title 2">
+            <a:extLst>
+              <a:ext uri="{FF2B5EF4-FFF2-40B4-BE49-F238E27FC236}">
+                <a16:creationId xmlns:a16="http://schemas.microsoft.com/office/drawing/2014/main" id="{509B6E1F-F58C-4C2C-99DC-296D0B7A5D17}"/>
+              </a:ext>
+            </a:extLst>
+          </p:cNvPr>
+          <p:cNvSpPr txBox="1">
+            <a:spLocks/>
+          </p:cNvSpPr>
+          <p:nvPr/>
+        </p:nvSpPr>
+        <p:spPr>
+          <a:xfrm>
+            <a:off x="628650" y="895350"/>
+            <a:ext cx="7886700" cy="495907"/>
+          </a:xfrm>
+          <a:prstGeom prst="rect">
+            <a:avLst/>
+          </a:prstGeom>
+        </p:spPr>
+        <p:txBody>
+          <a:bodyPr/>
+          <a:lstStyle>
+            <a:lvl1pPr algn="ctr" defTabSz="457200" rtl="0" eaLnBrk="1" latinLnBrk="0" hangingPunct="1">
+              <a:spcBef>
+                <a:spcPct val="0"/>
+              </a:spcBef>
+              <a:buNone/>
+              <a:defRPr sz="4400" kern="1200">
+                <a:solidFill>
+                  <a:schemeClr val="tx1"/>
+                </a:solidFill>
+                <a:latin typeface="+mj-lt"/>
+                <a:ea typeface="+mj-ea"/>
+                <a:cs typeface="+mj-cs"/>
+              </a:defRPr>
+            </a:lvl1pPr>
+          </a:lstStyle>
+          <a:p>
+            <a:r>
+              <a:rPr lang="en-US" sz="3200" dirty="0"/>
+              <a:t>Full Citations from Previous Slide</a:t>
+            </a:r>
+          </a:p>
+        </p:txBody>
+      </p:sp>
+    </p:spTree>
+    <p:extLst>
+      <p:ext uri="{BB962C8B-B14F-4D97-AF65-F5344CB8AC3E}">
+        <p14:creationId xmlns:p14="http://schemas.microsoft.com/office/powerpoint/2010/main" val="3371999816"/>
+      </p:ext>
+    </p:extLst>
+  </p:cSld>
+  <p:clrMapOvr>
+    <a:masterClrMapping/>
+  </p:clrMapOvr>
+</p:sld>
+</file>
+
+<file path=ppt/slides/slide35.xml><?xml version="1.0" encoding="utf-8"?>
+<p:sld xmlns:a="http://schemas.openxmlformats.org/drawingml/2006/main" xmlns:r="http://schemas.openxmlformats.org/officeDocument/2006/relationships" xmlns:p="http://schemas.openxmlformats.org/presentationml/2006/main">
+  <p:cSld>
+    <p:spTree>
+      <p:nvGrpSpPr>
+        <p:cNvPr id="1" name=""/>
+        <p:cNvGrpSpPr/>
+        <p:nvPr/>
+      </p:nvGrpSpPr>
+      <p:grpSpPr>
+        <a:xfrm>
+          <a:off x="0" y="0"/>
+          <a:ext cx="0" cy="0"/>
+          <a:chOff x="0" y="0"/>
+          <a:chExt cx="0" cy="0"/>
+        </a:xfrm>
+      </p:grpSpPr>
+      <p:sp>
+        <p:nvSpPr>
+          <p:cNvPr id="3" name="Title 2">
+            <a:extLst>
+              <a:ext uri="{FF2B5EF4-FFF2-40B4-BE49-F238E27FC236}">
+                <a16:creationId xmlns:a16="http://schemas.microsoft.com/office/drawing/2014/main" id="{FB4C6C0D-CDA1-43E3-8CDA-F4D3F58AC9C7}"/>
+              </a:ext>
+            </a:extLst>
+          </p:cNvPr>
+          <p:cNvSpPr>
+            <a:spLocks noGrp="1"/>
+          </p:cNvSpPr>
+          <p:nvPr>
+            <p:ph type="title" idx="4294967295"/>
+          </p:nvPr>
+        </p:nvSpPr>
+        <p:spPr>
+          <a:xfrm>
             <a:off x="304800" y="895350"/>
             <a:ext cx="3124200" cy="495907"/>
           </a:xfrm>
@@ -11581,7 +12926,7 @@
 </p:sld>
 </file>
 
-<file path=ppt/slides/slide33.xml><?xml version="1.0" encoding="utf-8"?>
+<file path=ppt/slides/slide36.xml><?xml version="1.0" encoding="utf-8"?>
 <p:sld xmlns:a="http://schemas.openxmlformats.org/drawingml/2006/main" xmlns:r="http://schemas.openxmlformats.org/officeDocument/2006/relationships" xmlns:p="http://schemas.openxmlformats.org/presentationml/2006/main">
   <p:cSld>
     <p:spTree>
@@ -12068,7 +13413,7 @@
 </p:sld>
 </file>
 
-<file path=ppt/slides/slide34.xml><?xml version="1.0" encoding="utf-8"?>
+<file path=ppt/slides/slide37.xml><?xml version="1.0" encoding="utf-8"?>
 <p:sld xmlns:a="http://schemas.openxmlformats.org/drawingml/2006/main" xmlns:r="http://schemas.openxmlformats.org/officeDocument/2006/relationships" xmlns:p="http://schemas.openxmlformats.org/presentationml/2006/main">
   <p:cSld>
     <p:spTree>
@@ -12115,8 +13460,8 @@
           <a:lstStyle/>
           <a:p>
             <a:r>
-              <a:rPr lang="en-US" sz="2800" dirty="0"/>
-              <a:t>DPB1 REST Web Services Demonstration Application</a:t>
+              <a:rPr lang="en-US" sz="2400" dirty="0"/>
+              <a:t>DPB1 REST Web Services Demonstration HTML5 Application</a:t>
             </a:r>
           </a:p>
         </p:txBody>
@@ -12348,7 +13693,7 @@
 </p:sld>
 </file>
 
-<file path=ppt/slides/slide35.xml><?xml version="1.0" encoding="utf-8"?>
+<file path=ppt/slides/slide38.xml><?xml version="1.0" encoding="utf-8"?>
 <p:sld xmlns:a="http://schemas.openxmlformats.org/drawingml/2006/main" xmlns:r="http://schemas.openxmlformats.org/officeDocument/2006/relationships" xmlns:p="http://schemas.openxmlformats.org/presentationml/2006/main">
   <p:cSld>
     <p:spTree>
@@ -12395,8 +13740,8 @@
           <a:lstStyle/>
           <a:p>
             <a:r>
-              <a:rPr lang="en-US" sz="2800" dirty="0"/>
-              <a:t>DPB1 REST Web Services Demonstration Application</a:t>
+              <a:rPr lang="en-US" sz="2400" dirty="0"/>
+              <a:t>DPB1 REST Web Services Request Sequence</a:t>
             </a:r>
           </a:p>
         </p:txBody>
@@ -13988,60 +15333,6 @@
       </p:sp>
       <p:sp>
         <p:nvSpPr>
-          <p:cNvPr id="47" name="Rectangle 46">
-            <a:extLst>
-              <a:ext uri="{FF2B5EF4-FFF2-40B4-BE49-F238E27FC236}">
-                <a16:creationId xmlns:a16="http://schemas.microsoft.com/office/drawing/2014/main" id="{36C6700E-2B93-4295-941F-BA1678F015D6}"/>
-              </a:ext>
-            </a:extLst>
-          </p:cNvPr>
-          <p:cNvSpPr/>
-          <p:nvPr/>
-        </p:nvSpPr>
-        <p:spPr>
-          <a:xfrm>
-            <a:off x="7346229" y="3261943"/>
-            <a:ext cx="1025665" cy="584775"/>
-          </a:xfrm>
-          <a:prstGeom prst="rect">
-            <a:avLst/>
-          </a:prstGeom>
-          <a:solidFill>
-            <a:schemeClr val="bg2"/>
-          </a:solidFill>
-          <a:ln w="38100">
-            <a:solidFill>
-              <a:srgbClr val="4F81BD"/>
-            </a:solidFill>
-          </a:ln>
-        </p:spPr>
-        <p:txBody>
-          <a:bodyPr wrap="none">
-            <a:spAutoFit/>
-          </a:bodyPr>
-          <a:lstStyle/>
-          <a:p>
-            <a:r>
-              <a:rPr lang="en-US" sz="3200" dirty="0">
-                <a:solidFill>
-                  <a:srgbClr val="4F81BD"/>
-                </a:solidFill>
-              </a:rPr>
-              <a:t>at t</a:t>
-            </a:r>
-            <a:r>
-              <a:rPr lang="en-US" sz="3200" baseline="-25000" dirty="0">
-                <a:solidFill>
-                  <a:srgbClr val="4F81BD"/>
-                </a:solidFill>
-              </a:rPr>
-              <a:t>13</a:t>
-            </a:r>
-          </a:p>
-        </p:txBody>
-      </p:sp>
-      <p:sp>
-        <p:nvSpPr>
           <p:cNvPr id="50" name="Rectangle 49">
             <a:extLst>
               <a:ext uri="{FF2B5EF4-FFF2-40B4-BE49-F238E27FC236}">
@@ -14584,10 +15875,358 @@
           </a:p>
         </p:txBody>
       </p:sp>
+      <p:cxnSp>
+        <p:nvCxnSpPr>
+          <p:cNvPr id="54" name="Straight Arrow Connector 53">
+            <a:extLst>
+              <a:ext uri="{FF2B5EF4-FFF2-40B4-BE49-F238E27FC236}">
+                <a16:creationId xmlns:a16="http://schemas.microsoft.com/office/drawing/2014/main" id="{C80730E7-66A6-472E-8EE7-9E7A5A116475}"/>
+              </a:ext>
+            </a:extLst>
+          </p:cNvPr>
+          <p:cNvCxnSpPr>
+            <a:cxnSpLocks/>
+          </p:cNvCxnSpPr>
+          <p:nvPr/>
+        </p:nvCxnSpPr>
+        <p:spPr>
+          <a:xfrm flipV="1">
+            <a:off x="2971800" y="3978686"/>
+            <a:ext cx="2514600" cy="802864"/>
+          </a:xfrm>
+          <a:prstGeom prst="straightConnector1">
+            <a:avLst/>
+          </a:prstGeom>
+          <a:ln>
+            <a:solidFill>
+              <a:srgbClr val="FBB033"/>
+            </a:solidFill>
+            <a:tailEnd type="triangle"/>
+          </a:ln>
+        </p:spPr>
+        <p:style>
+          <a:lnRef idx="2">
+            <a:schemeClr val="accent1"/>
+          </a:lnRef>
+          <a:fillRef idx="0">
+            <a:schemeClr val="accent1"/>
+          </a:fillRef>
+          <a:effectRef idx="1">
+            <a:schemeClr val="accent1"/>
+          </a:effectRef>
+          <a:fontRef idx="minor">
+            <a:schemeClr val="tx1"/>
+          </a:fontRef>
+        </p:style>
+      </p:cxnSp>
     </p:spTree>
     <p:extLst>
       <p:ext uri="{BB962C8B-B14F-4D97-AF65-F5344CB8AC3E}">
         <p14:creationId xmlns:p14="http://schemas.microsoft.com/office/powerpoint/2010/main" val="3807734127"/>
+      </p:ext>
+    </p:extLst>
+  </p:cSld>
+  <p:clrMapOvr>
+    <a:masterClrMapping/>
+  </p:clrMapOvr>
+</p:sld>
+</file>
+
+<file path=ppt/slides/slide39.xml><?xml version="1.0" encoding="utf-8"?>
+<p:sld xmlns:a="http://schemas.openxmlformats.org/drawingml/2006/main" xmlns:r="http://schemas.openxmlformats.org/officeDocument/2006/relationships" xmlns:p="http://schemas.openxmlformats.org/presentationml/2006/main">
+  <p:cSld>
+    <p:spTree>
+      <p:nvGrpSpPr>
+        <p:cNvPr id="1" name=""/>
+        <p:cNvGrpSpPr/>
+        <p:nvPr/>
+      </p:nvGrpSpPr>
+      <p:grpSpPr>
+        <a:xfrm>
+          <a:off x="0" y="0"/>
+          <a:ext cx="0" cy="0"/>
+          <a:chOff x="0" y="0"/>
+          <a:chExt cx="0" cy="0"/>
+        </a:xfrm>
+      </p:grpSpPr>
+      <p:sp>
+        <p:nvSpPr>
+          <p:cNvPr id="3" name="Title 2">
+            <a:extLst>
+              <a:ext uri="{FF2B5EF4-FFF2-40B4-BE49-F238E27FC236}">
+                <a16:creationId xmlns:a16="http://schemas.microsoft.com/office/drawing/2014/main" id="{FB4C6C0D-CDA1-43E3-8CDA-F4D3F58AC9C7}"/>
+              </a:ext>
+            </a:extLst>
+          </p:cNvPr>
+          <p:cNvSpPr>
+            <a:spLocks noGrp="1"/>
+          </p:cNvSpPr>
+          <p:nvPr>
+            <p:ph type="title" idx="4294967295"/>
+          </p:nvPr>
+        </p:nvSpPr>
+        <p:spPr>
+          <a:xfrm>
+            <a:off x="152400" y="819150"/>
+            <a:ext cx="5562600" cy="914400"/>
+          </a:xfrm>
+          <a:prstGeom prst="rect">
+            <a:avLst/>
+          </a:prstGeom>
+        </p:spPr>
+        <p:txBody>
+          <a:bodyPr/>
+          <a:lstStyle/>
+          <a:p>
+            <a:r>
+              <a:rPr lang="en-US" sz="2400" dirty="0"/>
+              <a:t>DPB1 REST Web Services</a:t>
+            </a:r>
+            <a:br>
+              <a:rPr lang="en-US" sz="2400" dirty="0"/>
+            </a:br>
+            <a:r>
+              <a:rPr lang="en-US" sz="2400" dirty="0"/>
+              <a:t>Mobile Demonstration Application</a:t>
+            </a:r>
+          </a:p>
+        </p:txBody>
+      </p:sp>
+      <p:sp>
+        <p:nvSpPr>
+          <p:cNvPr id="9" name="Rectangle 8">
+            <a:extLst>
+              <a:ext uri="{FF2B5EF4-FFF2-40B4-BE49-F238E27FC236}">
+                <a16:creationId xmlns:a16="http://schemas.microsoft.com/office/drawing/2014/main" id="{31AEC437-B6FC-43EC-870E-A8C1AAF43F0E}"/>
+              </a:ext>
+            </a:extLst>
+          </p:cNvPr>
+          <p:cNvSpPr/>
+          <p:nvPr/>
+        </p:nvSpPr>
+        <p:spPr>
+          <a:xfrm>
+            <a:off x="64398" y="2647950"/>
+            <a:ext cx="5993609" cy="738664"/>
+          </a:xfrm>
+          <a:prstGeom prst="rect">
+            <a:avLst/>
+          </a:prstGeom>
+        </p:spPr>
+        <p:txBody>
+          <a:bodyPr wrap="square">
+            <a:spAutoFit/>
+          </a:bodyPr>
+          <a:lstStyle/>
+          <a:p>
+            <a:r>
+              <a:rPr lang="en-US" sz="1400" dirty="0"/>
+              <a:t>Candidate type: DPB1*01:01, *02:01</a:t>
+            </a:r>
+          </a:p>
+          <a:p>
+            <a:r>
+              <a:rPr lang="en-US" sz="1400" dirty="0"/>
+              <a:t>Donor phenotype: DPB1*04:01, *78:01</a:t>
+            </a:r>
+          </a:p>
+          <a:p>
+            <a:r>
+              <a:rPr lang="en-US" sz="1400" dirty="0"/>
+              <a:t>Candidate’s unacceptable antibody profile: DPB1*03, *06, *09, *14, *17, *20</a:t>
+            </a:r>
+          </a:p>
+        </p:txBody>
+      </p:sp>
+      <p:sp>
+        <p:nvSpPr>
+          <p:cNvPr id="14" name="Oval 13">
+            <a:extLst>
+              <a:ext uri="{FF2B5EF4-FFF2-40B4-BE49-F238E27FC236}">
+                <a16:creationId xmlns:a16="http://schemas.microsoft.com/office/drawing/2014/main" id="{B6B29946-AD07-4678-B3A2-B4252C2F06A9}"/>
+              </a:ext>
+            </a:extLst>
+          </p:cNvPr>
+          <p:cNvSpPr/>
+          <p:nvPr/>
+        </p:nvSpPr>
+        <p:spPr>
+          <a:xfrm>
+            <a:off x="6757550" y="1295676"/>
+            <a:ext cx="762000" cy="269889"/>
+          </a:xfrm>
+          <a:prstGeom prst="ellipse">
+            <a:avLst/>
+          </a:prstGeom>
+          <a:noFill/>
+          <a:ln w="38100">
+            <a:solidFill>
+              <a:srgbClr val="FF0000"/>
+            </a:solidFill>
+          </a:ln>
+        </p:spPr>
+        <p:style>
+          <a:lnRef idx="1">
+            <a:schemeClr val="accent1"/>
+          </a:lnRef>
+          <a:fillRef idx="3">
+            <a:schemeClr val="accent1"/>
+          </a:fillRef>
+          <a:effectRef idx="2">
+            <a:schemeClr val="accent1"/>
+          </a:effectRef>
+          <a:fontRef idx="minor">
+            <a:schemeClr val="lt1"/>
+          </a:fontRef>
+        </p:style>
+        <p:txBody>
+          <a:bodyPr rtlCol="0" anchor="ctr"/>
+          <a:lstStyle/>
+          <a:p>
+            <a:pPr algn="ctr"/>
+            <a:endParaRPr lang="en-US"/>
+          </a:p>
+        </p:txBody>
+      </p:sp>
+      <p:pic>
+        <p:nvPicPr>
+          <p:cNvPr id="10" name="Picture 9" descr="A screenshot of a cell phone&#10;&#10;Description generated with very high confidence">
+            <a:extLst>
+              <a:ext uri="{FF2B5EF4-FFF2-40B4-BE49-F238E27FC236}">
+                <a16:creationId xmlns:a16="http://schemas.microsoft.com/office/drawing/2014/main" id="{D294EF87-6E04-4771-B6E7-CA6E827878A5}"/>
+              </a:ext>
+            </a:extLst>
+          </p:cNvPr>
+          <p:cNvPicPr>
+            <a:picLocks noChangeAspect="1"/>
+          </p:cNvPicPr>
+          <p:nvPr/>
+        </p:nvPicPr>
+        <p:blipFill>
+          <a:blip r:embed="rId3"/>
+          <a:stretch>
+            <a:fillRect/>
+          </a:stretch>
+        </p:blipFill>
+        <p:spPr>
+          <a:xfrm>
+            <a:off x="6248400" y="865338"/>
+            <a:ext cx="2013121" cy="4138082"/>
+          </a:xfrm>
+          <a:prstGeom prst="rect">
+            <a:avLst/>
+          </a:prstGeom>
+          <a:ln>
+            <a:solidFill>
+              <a:schemeClr val="accent1"/>
+            </a:solidFill>
+          </a:ln>
+        </p:spPr>
+      </p:pic>
+      <p:sp>
+        <p:nvSpPr>
+          <p:cNvPr id="63" name="Oval 62">
+            <a:extLst>
+              <a:ext uri="{FF2B5EF4-FFF2-40B4-BE49-F238E27FC236}">
+                <a16:creationId xmlns:a16="http://schemas.microsoft.com/office/drawing/2014/main" id="{96890287-44F1-4250-AF45-30B1CBD5C898}"/>
+              </a:ext>
+            </a:extLst>
+          </p:cNvPr>
+          <p:cNvSpPr/>
+          <p:nvPr/>
+        </p:nvSpPr>
+        <p:spPr>
+          <a:xfrm>
+            <a:off x="2377524" y="2875705"/>
+            <a:ext cx="762000" cy="269889"/>
+          </a:xfrm>
+          <a:prstGeom prst="ellipse">
+            <a:avLst/>
+          </a:prstGeom>
+          <a:noFill/>
+          <a:ln w="38100">
+            <a:solidFill>
+              <a:srgbClr val="FF0000"/>
+            </a:solidFill>
+          </a:ln>
+        </p:spPr>
+        <p:style>
+          <a:lnRef idx="1">
+            <a:schemeClr val="accent1"/>
+          </a:lnRef>
+          <a:fillRef idx="3">
+            <a:schemeClr val="accent1"/>
+          </a:fillRef>
+          <a:effectRef idx="2">
+            <a:schemeClr val="accent1"/>
+          </a:effectRef>
+          <a:fontRef idx="minor">
+            <a:schemeClr val="lt1"/>
+          </a:fontRef>
+        </p:style>
+        <p:txBody>
+          <a:bodyPr rtlCol="0" anchor="ctr"/>
+          <a:lstStyle/>
+          <a:p>
+            <a:pPr algn="ctr"/>
+            <a:endParaRPr lang="en-US"/>
+          </a:p>
+        </p:txBody>
+      </p:sp>
+      <p:sp>
+        <p:nvSpPr>
+          <p:cNvPr id="67" name="Oval 66">
+            <a:extLst>
+              <a:ext uri="{FF2B5EF4-FFF2-40B4-BE49-F238E27FC236}">
+                <a16:creationId xmlns:a16="http://schemas.microsoft.com/office/drawing/2014/main" id="{72A35A76-F544-41BC-AC6B-30DC07716F8C}"/>
+              </a:ext>
+            </a:extLst>
+          </p:cNvPr>
+          <p:cNvSpPr/>
+          <p:nvPr/>
+        </p:nvSpPr>
+        <p:spPr>
+          <a:xfrm>
+            <a:off x="5943600" y="4446522"/>
+            <a:ext cx="2514599" cy="269889"/>
+          </a:xfrm>
+          <a:prstGeom prst="ellipse">
+            <a:avLst/>
+          </a:prstGeom>
+          <a:noFill/>
+          <a:ln w="38100">
+            <a:solidFill>
+              <a:srgbClr val="FF0000"/>
+            </a:solidFill>
+          </a:ln>
+        </p:spPr>
+        <p:style>
+          <a:lnRef idx="1">
+            <a:schemeClr val="accent1"/>
+          </a:lnRef>
+          <a:fillRef idx="3">
+            <a:schemeClr val="accent1"/>
+          </a:fillRef>
+          <a:effectRef idx="2">
+            <a:schemeClr val="accent1"/>
+          </a:effectRef>
+          <a:fontRef idx="minor">
+            <a:schemeClr val="lt1"/>
+          </a:fontRef>
+        </p:style>
+        <p:txBody>
+          <a:bodyPr rtlCol="0" anchor="ctr"/>
+          <a:lstStyle/>
+          <a:p>
+            <a:pPr algn="ctr"/>
+            <a:endParaRPr lang="en-US"/>
+          </a:p>
+        </p:txBody>
+      </p:sp>
+    </p:spTree>
+    <p:extLst>
+      <p:ext uri="{BB962C8B-B14F-4D97-AF65-F5344CB8AC3E}">
+        <p14:creationId xmlns:p14="http://schemas.microsoft.com/office/powerpoint/2010/main" val="2305946909"/>
       </p:ext>
     </p:extLst>
   </p:cSld>
@@ -14905,7 +16544,7 @@
           <a:lstStyle/>
           <a:p>
             <a:pPr algn="ctr"/>
-            <a:endParaRPr lang="en-US"/>
+            <a:endParaRPr lang="en-US" dirty="0"/>
           </a:p>
         </p:txBody>
       </p:sp>
@@ -15123,6 +16762,2617 @@
     <p:extLst>
       <p:ext uri="{BB962C8B-B14F-4D97-AF65-F5344CB8AC3E}">
         <p14:creationId xmlns:p14="http://schemas.microsoft.com/office/powerpoint/2010/main" val="3741893075"/>
+      </p:ext>
+    </p:extLst>
+  </p:cSld>
+  <p:clrMapOvr>
+    <a:masterClrMapping/>
+  </p:clrMapOvr>
+</p:sld>
+</file>
+
+<file path=ppt/slides/slide40.xml><?xml version="1.0" encoding="utf-8"?>
+<p:sld xmlns:a="http://schemas.openxmlformats.org/drawingml/2006/main" xmlns:r="http://schemas.openxmlformats.org/officeDocument/2006/relationships" xmlns:p="http://schemas.openxmlformats.org/presentationml/2006/main">
+  <p:cSld>
+    <p:spTree>
+      <p:nvGrpSpPr>
+        <p:cNvPr id="1" name=""/>
+        <p:cNvGrpSpPr/>
+        <p:nvPr/>
+      </p:nvGrpSpPr>
+      <p:grpSpPr>
+        <a:xfrm>
+          <a:off x="0" y="0"/>
+          <a:ext cx="0" cy="0"/>
+          <a:chOff x="0" y="0"/>
+          <a:chExt cx="0" cy="0"/>
+        </a:xfrm>
+      </p:grpSpPr>
+      <p:sp>
+        <p:nvSpPr>
+          <p:cNvPr id="2" name="Title 1"/>
+          <p:cNvSpPr>
+            <a:spLocks noGrp="1"/>
+          </p:cNvSpPr>
+          <p:nvPr>
+            <p:ph type="ctrTitle"/>
+          </p:nvPr>
+        </p:nvSpPr>
+        <p:spPr>
+          <a:xfrm>
+            <a:off x="190500" y="1047750"/>
+            <a:ext cx="8763000" cy="3886200"/>
+          </a:xfrm>
+        </p:spPr>
+        <p:txBody>
+          <a:bodyPr>
+            <a:noAutofit/>
+          </a:bodyPr>
+          <a:lstStyle/>
+          <a:p>
+            <a:r>
+              <a:rPr lang="en-US" sz="2800" dirty="0"/>
+              <a:t>HEURISTIC ALGORITHM AS A REST WEB SERVICE</a:t>
+            </a:r>
+            <a:br>
+              <a:rPr lang="en-US" sz="2800" dirty="0"/>
+            </a:br>
+            <a:r>
+              <a:rPr lang="en-US" sz="2800" dirty="0"/>
+              <a:t>EXAMPLE #2:</a:t>
+            </a:r>
+            <a:br>
+              <a:rPr lang="en-US" sz="2800" dirty="0"/>
+            </a:br>
+            <a:br>
+              <a:rPr lang="en-US" sz="2800" dirty="0"/>
+            </a:br>
+            <a:r>
+              <a:rPr lang="en-US" sz="2800" dirty="0"/>
+              <a:t>Electronic Compatibility Assessment using</a:t>
+            </a:r>
+            <a:br>
+              <a:rPr lang="en-US" sz="2800" dirty="0"/>
+            </a:br>
+            <a:r>
+              <a:rPr lang="en-US" sz="2800" dirty="0"/>
+              <a:t>Epitope Registry Epitopes</a:t>
+            </a:r>
+            <a:br>
+              <a:rPr lang="en-US" sz="2800" dirty="0"/>
+            </a:br>
+            <a:br>
+              <a:rPr lang="en-US" sz="2800" dirty="0"/>
+            </a:br>
+            <a:r>
+              <a:rPr lang="en-US" sz="1600" dirty="0"/>
+              <a:t>(Google Cloud deployment) </a:t>
+            </a:r>
+            <a:r>
+              <a:rPr lang="en-US" sz="2000" dirty="0"/>
+              <a:t>not publicly accessible</a:t>
+            </a:r>
+            <a:br>
+              <a:rPr lang="en-US" sz="2800" dirty="0"/>
+            </a:br>
+            <a:r>
+              <a:rPr lang="en-US" sz="1600" dirty="0"/>
+              <a:t>(source code)</a:t>
+            </a:r>
+            <a:r>
+              <a:rPr lang="en-US" sz="2000" dirty="0"/>
+              <a:t> https://github.com/ghsmith/epitopeFinder</a:t>
+            </a:r>
+            <a:endParaRPr lang="en-US" sz="2800" dirty="0"/>
+          </a:p>
+        </p:txBody>
+      </p:sp>
+    </p:spTree>
+    <p:extLst>
+      <p:ext uri="{BB962C8B-B14F-4D97-AF65-F5344CB8AC3E}">
+        <p14:creationId xmlns:p14="http://schemas.microsoft.com/office/powerpoint/2010/main" val="1068270723"/>
+      </p:ext>
+    </p:extLst>
+  </p:cSld>
+  <p:clrMapOvr>
+    <a:masterClrMapping/>
+  </p:clrMapOvr>
+</p:sld>
+</file>
+
+<file path=ppt/slides/slide41.xml><?xml version="1.0" encoding="utf-8"?>
+<p:sld xmlns:a="http://schemas.openxmlformats.org/drawingml/2006/main" xmlns:r="http://schemas.openxmlformats.org/officeDocument/2006/relationships" xmlns:p="http://schemas.openxmlformats.org/presentationml/2006/main">
+  <p:cSld>
+    <p:spTree>
+      <p:nvGrpSpPr>
+        <p:cNvPr id="1" name=""/>
+        <p:cNvGrpSpPr/>
+        <p:nvPr/>
+      </p:nvGrpSpPr>
+      <p:grpSpPr>
+        <a:xfrm>
+          <a:off x="0" y="0"/>
+          <a:ext cx="0" cy="0"/>
+          <a:chOff x="0" y="0"/>
+          <a:chExt cx="0" cy="0"/>
+        </a:xfrm>
+      </p:grpSpPr>
+      <p:sp>
+        <p:nvSpPr>
+          <p:cNvPr id="2" name="Content Placeholder 1"/>
+          <p:cNvSpPr>
+            <a:spLocks noGrp="1"/>
+          </p:cNvSpPr>
+          <p:nvPr>
+            <p:ph idx="1"/>
+          </p:nvPr>
+        </p:nvSpPr>
+        <p:spPr>
+          <a:xfrm>
+            <a:off x="457200" y="1504950"/>
+            <a:ext cx="8229600" cy="3276600"/>
+          </a:xfrm>
+        </p:spPr>
+        <p:txBody>
+          <a:bodyPr>
+            <a:normAutofit/>
+          </a:bodyPr>
+          <a:lstStyle/>
+          <a:p>
+            <a:r>
+              <a:rPr lang="en-US" sz="2400" dirty="0"/>
+              <a:t>HLA antibodies are specific for epitopes of HLA molecules</a:t>
+            </a:r>
+          </a:p>
+          <a:p>
+            <a:r>
+              <a:rPr lang="en-US" sz="2400" dirty="0"/>
+              <a:t>The International Registry of Antibody-Defined HLA Epitopes (Epitope Registry) curates a list of consensus HLA epitopes [1]</a:t>
+            </a:r>
+          </a:p>
+          <a:p>
+            <a:r>
+              <a:rPr lang="en-US" sz="2400" dirty="0"/>
+              <a:t>The Epitope Registry exposes their epitope database via a HTML web application that includes a sophisticated filtering mechanism for returning mismatched epitopes</a:t>
+            </a:r>
+          </a:p>
+          <a:p>
+            <a:r>
+              <a:rPr lang="en-US" sz="2400" dirty="0"/>
+              <a:t>Inferring antibody specificity for a particular epitope from a panel of single antigen bead results is cognitively challenging</a:t>
+            </a:r>
+          </a:p>
+        </p:txBody>
+      </p:sp>
+      <p:sp>
+        <p:nvSpPr>
+          <p:cNvPr id="3" name="Title 2">
+            <a:extLst>
+              <a:ext uri="{FF2B5EF4-FFF2-40B4-BE49-F238E27FC236}">
+                <a16:creationId xmlns:a16="http://schemas.microsoft.com/office/drawing/2014/main" id="{FB4C6C0D-CDA1-43E3-8CDA-F4D3F58AC9C7}"/>
+              </a:ext>
+            </a:extLst>
+          </p:cNvPr>
+          <p:cNvSpPr>
+            <a:spLocks noGrp="1"/>
+          </p:cNvSpPr>
+          <p:nvPr>
+            <p:ph type="title" idx="4294967295"/>
+          </p:nvPr>
+        </p:nvSpPr>
+        <p:spPr>
+          <a:xfrm>
+            <a:off x="628650" y="895350"/>
+            <a:ext cx="7886700" cy="495907"/>
+          </a:xfrm>
+          <a:prstGeom prst="rect">
+            <a:avLst/>
+          </a:prstGeom>
+        </p:spPr>
+        <p:txBody>
+          <a:bodyPr/>
+          <a:lstStyle/>
+          <a:p>
+            <a:r>
+              <a:rPr lang="en-US" sz="3200" dirty="0"/>
+              <a:t>Epitope Background</a:t>
+            </a:r>
+          </a:p>
+        </p:txBody>
+      </p:sp>
+      <p:sp>
+        <p:nvSpPr>
+          <p:cNvPr id="5" name="Rectangle 4">
+            <a:extLst>
+              <a:ext uri="{FF2B5EF4-FFF2-40B4-BE49-F238E27FC236}">
+                <a16:creationId xmlns:a16="http://schemas.microsoft.com/office/drawing/2014/main" id="{A9FCFBCE-B61B-4D10-9C81-D349C0A7F93E}"/>
+              </a:ext>
+            </a:extLst>
+          </p:cNvPr>
+          <p:cNvSpPr/>
+          <p:nvPr/>
+        </p:nvSpPr>
+        <p:spPr>
+          <a:xfrm>
+            <a:off x="0" y="4664410"/>
+            <a:ext cx="9144000" cy="461665"/>
+          </a:xfrm>
+          <a:prstGeom prst="rect">
+            <a:avLst/>
+          </a:prstGeom>
+        </p:spPr>
+        <p:txBody>
+          <a:bodyPr wrap="square">
+            <a:spAutoFit/>
+          </a:bodyPr>
+          <a:lstStyle/>
+          <a:p>
+            <a:r>
+              <a:rPr lang="en-US" sz="1200" dirty="0"/>
+              <a:t>[1] </a:t>
+            </a:r>
+            <a:r>
+              <a:rPr lang="en-US" sz="1200" dirty="0" err="1"/>
+              <a:t>Duquesnoy</a:t>
+            </a:r>
+            <a:r>
+              <a:rPr lang="en-US" sz="1200" dirty="0"/>
+              <a:t>, R. J., </a:t>
+            </a:r>
+            <a:r>
+              <a:rPr lang="en-US" sz="1200" dirty="0" err="1"/>
+              <a:t>Marrari</a:t>
+            </a:r>
+            <a:r>
+              <a:rPr lang="en-US" sz="1200" dirty="0"/>
+              <a:t>, M., Mulder, A., L. C. D. Da Mata Sousa, Silva, A. S., &amp; Monte, S. J. (2014). First report on the antibody verification of HLA-ABC epitopes recorded in the website-based HLA Epitope Registry. Tissue Antigens, 83(6), 391-400.</a:t>
+            </a:r>
+          </a:p>
+        </p:txBody>
+      </p:sp>
+    </p:spTree>
+    <p:extLst>
+      <p:ext uri="{BB962C8B-B14F-4D97-AF65-F5344CB8AC3E}">
+        <p14:creationId xmlns:p14="http://schemas.microsoft.com/office/powerpoint/2010/main" val="2193761172"/>
+      </p:ext>
+    </p:extLst>
+  </p:cSld>
+  <p:clrMapOvr>
+    <a:masterClrMapping/>
+  </p:clrMapOvr>
+</p:sld>
+</file>
+
+<file path=ppt/slides/slide42.xml><?xml version="1.0" encoding="utf-8"?>
+<p:sld xmlns:a="http://schemas.openxmlformats.org/drawingml/2006/main" xmlns:r="http://schemas.openxmlformats.org/officeDocument/2006/relationships" xmlns:p="http://schemas.openxmlformats.org/presentationml/2006/main">
+  <p:cSld>
+    <p:spTree>
+      <p:nvGrpSpPr>
+        <p:cNvPr id="1" name=""/>
+        <p:cNvGrpSpPr/>
+        <p:nvPr/>
+      </p:nvGrpSpPr>
+      <p:grpSpPr>
+        <a:xfrm>
+          <a:off x="0" y="0"/>
+          <a:ext cx="0" cy="0"/>
+          <a:chOff x="0" y="0"/>
+          <a:chExt cx="0" cy="0"/>
+        </a:xfrm>
+      </p:grpSpPr>
+      <p:sp>
+        <p:nvSpPr>
+          <p:cNvPr id="3" name="Title 2">
+            <a:extLst>
+              <a:ext uri="{FF2B5EF4-FFF2-40B4-BE49-F238E27FC236}">
+                <a16:creationId xmlns:a16="http://schemas.microsoft.com/office/drawing/2014/main" id="{FB4C6C0D-CDA1-43E3-8CDA-F4D3F58AC9C7}"/>
+              </a:ext>
+            </a:extLst>
+          </p:cNvPr>
+          <p:cNvSpPr>
+            <a:spLocks noGrp="1"/>
+          </p:cNvSpPr>
+          <p:nvPr>
+            <p:ph type="title" idx="4294967295"/>
+          </p:nvPr>
+        </p:nvSpPr>
+        <p:spPr>
+          <a:xfrm>
+            <a:off x="628650" y="895350"/>
+            <a:ext cx="7886700" cy="495907"/>
+          </a:xfrm>
+          <a:prstGeom prst="rect">
+            <a:avLst/>
+          </a:prstGeom>
+        </p:spPr>
+        <p:txBody>
+          <a:bodyPr/>
+          <a:lstStyle/>
+          <a:p>
+            <a:r>
+              <a:rPr lang="en-US" sz="2800" dirty="0"/>
+              <a:t>Sophisticated Filtering for Mismatched Epitopes</a:t>
+            </a:r>
+          </a:p>
+        </p:txBody>
+      </p:sp>
+      <p:sp>
+        <p:nvSpPr>
+          <p:cNvPr id="5" name="Rectangle 4">
+            <a:extLst>
+              <a:ext uri="{FF2B5EF4-FFF2-40B4-BE49-F238E27FC236}">
+                <a16:creationId xmlns:a16="http://schemas.microsoft.com/office/drawing/2014/main" id="{A9FCFBCE-B61B-4D10-9C81-D349C0A7F93E}"/>
+              </a:ext>
+            </a:extLst>
+          </p:cNvPr>
+          <p:cNvSpPr/>
+          <p:nvPr/>
+        </p:nvSpPr>
+        <p:spPr>
+          <a:xfrm>
+            <a:off x="0" y="4866501"/>
+            <a:ext cx="9144000" cy="276999"/>
+          </a:xfrm>
+          <a:prstGeom prst="rect">
+            <a:avLst/>
+          </a:prstGeom>
+        </p:spPr>
+        <p:txBody>
+          <a:bodyPr wrap="square">
+            <a:spAutoFit/>
+          </a:bodyPr>
+          <a:lstStyle/>
+          <a:p>
+            <a:r>
+              <a:rPr lang="en-US" sz="1200" dirty="0"/>
+              <a:t>[1] http://www.epregistry.com.br/index/databases/database/ABC</a:t>
+            </a:r>
+          </a:p>
+        </p:txBody>
+      </p:sp>
+      <p:pic>
+        <p:nvPicPr>
+          <p:cNvPr id="8" name="Picture 7">
+            <a:extLst>
+              <a:ext uri="{FF2B5EF4-FFF2-40B4-BE49-F238E27FC236}">
+                <a16:creationId xmlns:a16="http://schemas.microsoft.com/office/drawing/2014/main" id="{3A7CB39D-172D-4942-B75D-A86795521D06}"/>
+              </a:ext>
+            </a:extLst>
+          </p:cNvPr>
+          <p:cNvPicPr>
+            <a:picLocks noChangeAspect="1"/>
+          </p:cNvPicPr>
+          <p:nvPr/>
+        </p:nvPicPr>
+        <p:blipFill>
+          <a:blip r:embed="rId3"/>
+          <a:stretch>
+            <a:fillRect/>
+          </a:stretch>
+        </p:blipFill>
+        <p:spPr>
+          <a:xfrm>
+            <a:off x="1311639" y="1504950"/>
+            <a:ext cx="6520721" cy="3048000"/>
+          </a:xfrm>
+          <a:prstGeom prst="rect">
+            <a:avLst/>
+          </a:prstGeom>
+        </p:spPr>
+      </p:pic>
+      <p:sp>
+        <p:nvSpPr>
+          <p:cNvPr id="9" name="Arrow: Right 8">
+            <a:extLst>
+              <a:ext uri="{FF2B5EF4-FFF2-40B4-BE49-F238E27FC236}">
+                <a16:creationId xmlns:a16="http://schemas.microsoft.com/office/drawing/2014/main" id="{9A8EB219-9E1A-46F5-9BD1-AA28D3B5E42C}"/>
+              </a:ext>
+            </a:extLst>
+          </p:cNvPr>
+          <p:cNvSpPr/>
+          <p:nvPr/>
+        </p:nvSpPr>
+        <p:spPr>
+          <a:xfrm>
+            <a:off x="533400" y="2886563"/>
+            <a:ext cx="978408" cy="484632"/>
+          </a:xfrm>
+          <a:prstGeom prst="rightArrow">
+            <a:avLst/>
+          </a:prstGeom>
+          <a:solidFill>
+            <a:srgbClr val="41BCB9"/>
+          </a:solidFill>
+        </p:spPr>
+        <p:style>
+          <a:lnRef idx="1">
+            <a:schemeClr val="accent1"/>
+          </a:lnRef>
+          <a:fillRef idx="3">
+            <a:schemeClr val="accent1"/>
+          </a:fillRef>
+          <a:effectRef idx="2">
+            <a:schemeClr val="accent1"/>
+          </a:effectRef>
+          <a:fontRef idx="minor">
+            <a:schemeClr val="lt1"/>
+          </a:fontRef>
+        </p:style>
+        <p:txBody>
+          <a:bodyPr rtlCol="0" anchor="ctr"/>
+          <a:lstStyle/>
+          <a:p>
+            <a:pPr algn="ctr"/>
+            <a:endParaRPr lang="en-US"/>
+          </a:p>
+        </p:txBody>
+      </p:sp>
+    </p:spTree>
+    <p:extLst>
+      <p:ext uri="{BB962C8B-B14F-4D97-AF65-F5344CB8AC3E}">
+        <p14:creationId xmlns:p14="http://schemas.microsoft.com/office/powerpoint/2010/main" val="2379147360"/>
+      </p:ext>
+    </p:extLst>
+  </p:cSld>
+  <p:clrMapOvr>
+    <a:masterClrMapping/>
+  </p:clrMapOvr>
+</p:sld>
+</file>
+
+<file path=ppt/slides/slide43.xml><?xml version="1.0" encoding="utf-8"?>
+<p:sld xmlns:a="http://schemas.openxmlformats.org/drawingml/2006/main" xmlns:r="http://schemas.openxmlformats.org/officeDocument/2006/relationships" xmlns:p="http://schemas.openxmlformats.org/presentationml/2006/main">
+  <p:cSld>
+    <p:spTree>
+      <p:nvGrpSpPr>
+        <p:cNvPr id="1" name=""/>
+        <p:cNvGrpSpPr/>
+        <p:nvPr/>
+      </p:nvGrpSpPr>
+      <p:grpSpPr>
+        <a:xfrm>
+          <a:off x="0" y="0"/>
+          <a:ext cx="0" cy="0"/>
+          <a:chOff x="0" y="0"/>
+          <a:chExt cx="0" cy="0"/>
+        </a:xfrm>
+      </p:grpSpPr>
+      <p:sp>
+        <p:nvSpPr>
+          <p:cNvPr id="6" name="Title 2">
+            <a:extLst>
+              <a:ext uri="{FF2B5EF4-FFF2-40B4-BE49-F238E27FC236}">
+                <a16:creationId xmlns:a16="http://schemas.microsoft.com/office/drawing/2014/main" id="{1B906106-6B17-42C6-B130-DB40D255E1E6}"/>
+              </a:ext>
+            </a:extLst>
+          </p:cNvPr>
+          <p:cNvSpPr txBox="1">
+            <a:spLocks/>
+          </p:cNvSpPr>
+          <p:nvPr/>
+        </p:nvSpPr>
+        <p:spPr>
+          <a:xfrm>
+            <a:off x="628650" y="895350"/>
+            <a:ext cx="7886700" cy="495907"/>
+          </a:xfrm>
+          <a:prstGeom prst="rect">
+            <a:avLst/>
+          </a:prstGeom>
+        </p:spPr>
+        <p:txBody>
+          <a:bodyPr/>
+          <a:lstStyle>
+            <a:lvl1pPr algn="ctr" defTabSz="457200" rtl="0" eaLnBrk="1" latinLnBrk="0" hangingPunct="1">
+              <a:spcBef>
+                <a:spcPct val="0"/>
+              </a:spcBef>
+              <a:buNone/>
+              <a:defRPr sz="4400" kern="1200">
+                <a:solidFill>
+                  <a:schemeClr val="tx1"/>
+                </a:solidFill>
+                <a:latin typeface="+mj-lt"/>
+                <a:ea typeface="+mj-ea"/>
+                <a:cs typeface="+mj-cs"/>
+              </a:defRPr>
+            </a:lvl1pPr>
+          </a:lstStyle>
+          <a:p>
+            <a:r>
+              <a:rPr lang="en-US" sz="3200" dirty="0"/>
+              <a:t>Epitope Heuristic Example</a:t>
+            </a:r>
+          </a:p>
+        </p:txBody>
+      </p:sp>
+      <p:sp>
+        <p:nvSpPr>
+          <p:cNvPr id="2" name="Oval 1">
+            <a:extLst>
+              <a:ext uri="{FF2B5EF4-FFF2-40B4-BE49-F238E27FC236}">
+                <a16:creationId xmlns:a16="http://schemas.microsoft.com/office/drawing/2014/main" id="{C603ACBE-1FDA-4237-8701-1F3EE9C7BA75}"/>
+              </a:ext>
+            </a:extLst>
+          </p:cNvPr>
+          <p:cNvSpPr/>
+          <p:nvPr/>
+        </p:nvSpPr>
+        <p:spPr>
+          <a:xfrm>
+            <a:off x="1276350" y="2857500"/>
+            <a:ext cx="2819400" cy="1447800"/>
+          </a:xfrm>
+          <a:prstGeom prst="ellipse">
+            <a:avLst/>
+          </a:prstGeom>
+          <a:solidFill>
+            <a:srgbClr val="92D050">
+              <a:alpha val="25000"/>
+            </a:srgbClr>
+          </a:solidFill>
+        </p:spPr>
+        <p:style>
+          <a:lnRef idx="1">
+            <a:schemeClr val="accent1"/>
+          </a:lnRef>
+          <a:fillRef idx="3">
+            <a:schemeClr val="accent1"/>
+          </a:fillRef>
+          <a:effectRef idx="2">
+            <a:schemeClr val="accent1"/>
+          </a:effectRef>
+          <a:fontRef idx="minor">
+            <a:schemeClr val="lt1"/>
+          </a:fontRef>
+        </p:style>
+        <p:txBody>
+          <a:bodyPr rtlCol="0" anchor="ctr"/>
+          <a:lstStyle/>
+          <a:p>
+            <a:pPr algn="ctr"/>
+            <a:r>
+              <a:rPr lang="en-US" dirty="0">
+                <a:solidFill>
+                  <a:schemeClr val="tx1"/>
+                </a:solidFill>
+              </a:rPr>
+              <a:t>Bead #2 Epitopes</a:t>
+            </a:r>
+          </a:p>
+        </p:txBody>
+      </p:sp>
+      <p:sp>
+        <p:nvSpPr>
+          <p:cNvPr id="10" name="Oval 9">
+            <a:extLst>
+              <a:ext uri="{FF2B5EF4-FFF2-40B4-BE49-F238E27FC236}">
+                <a16:creationId xmlns:a16="http://schemas.microsoft.com/office/drawing/2014/main" id="{04277B0A-85B3-40BF-948A-0AABE31B6AF2}"/>
+              </a:ext>
+            </a:extLst>
+          </p:cNvPr>
+          <p:cNvSpPr/>
+          <p:nvPr/>
+        </p:nvSpPr>
+        <p:spPr>
+          <a:xfrm>
+            <a:off x="2771777" y="2057400"/>
+            <a:ext cx="2819400" cy="1447800"/>
+          </a:xfrm>
+          <a:prstGeom prst="ellipse">
+            <a:avLst/>
+          </a:prstGeom>
+          <a:solidFill>
+            <a:srgbClr val="92D050">
+              <a:alpha val="25000"/>
+            </a:srgbClr>
+          </a:solidFill>
+        </p:spPr>
+        <p:style>
+          <a:lnRef idx="1">
+            <a:schemeClr val="accent1"/>
+          </a:lnRef>
+          <a:fillRef idx="3">
+            <a:schemeClr val="accent1"/>
+          </a:fillRef>
+          <a:effectRef idx="2">
+            <a:schemeClr val="accent1"/>
+          </a:effectRef>
+          <a:fontRef idx="minor">
+            <a:schemeClr val="lt1"/>
+          </a:fontRef>
+        </p:style>
+        <p:txBody>
+          <a:bodyPr rtlCol="0" anchor="ctr"/>
+          <a:lstStyle/>
+          <a:p>
+            <a:pPr algn="ctr"/>
+            <a:r>
+              <a:rPr lang="en-US" dirty="0">
+                <a:solidFill>
+                  <a:schemeClr val="tx1"/>
+                </a:solidFill>
+              </a:rPr>
+              <a:t>Bead #3 Epitopes</a:t>
+            </a:r>
+          </a:p>
+        </p:txBody>
+      </p:sp>
+      <p:sp>
+        <p:nvSpPr>
+          <p:cNvPr id="11" name="Oval 10">
+            <a:extLst>
+              <a:ext uri="{FF2B5EF4-FFF2-40B4-BE49-F238E27FC236}">
+                <a16:creationId xmlns:a16="http://schemas.microsoft.com/office/drawing/2014/main" id="{0970E3D6-D9E0-48DE-B72A-FDCB1F84642F}"/>
+              </a:ext>
+            </a:extLst>
+          </p:cNvPr>
+          <p:cNvSpPr/>
+          <p:nvPr/>
+        </p:nvSpPr>
+        <p:spPr>
+          <a:xfrm>
+            <a:off x="914400" y="2114550"/>
+            <a:ext cx="2819400" cy="1447800"/>
+          </a:xfrm>
+          <a:prstGeom prst="ellipse">
+            <a:avLst/>
+          </a:prstGeom>
+          <a:solidFill>
+            <a:srgbClr val="92D050">
+              <a:alpha val="25000"/>
+            </a:srgbClr>
+          </a:solidFill>
+        </p:spPr>
+        <p:style>
+          <a:lnRef idx="1">
+            <a:schemeClr val="accent1"/>
+          </a:lnRef>
+          <a:fillRef idx="3">
+            <a:schemeClr val="accent1"/>
+          </a:fillRef>
+          <a:effectRef idx="2">
+            <a:schemeClr val="accent1"/>
+          </a:effectRef>
+          <a:fontRef idx="minor">
+            <a:schemeClr val="lt1"/>
+          </a:fontRef>
+        </p:style>
+        <p:txBody>
+          <a:bodyPr rtlCol="0" anchor="ctr"/>
+          <a:lstStyle/>
+          <a:p>
+            <a:pPr algn="ctr"/>
+            <a:r>
+              <a:rPr lang="en-US" dirty="0">
+                <a:solidFill>
+                  <a:schemeClr val="tx1"/>
+                </a:solidFill>
+              </a:rPr>
+              <a:t>Bead #1 Epitopes</a:t>
+            </a:r>
+          </a:p>
+        </p:txBody>
+      </p:sp>
+      <p:sp>
+        <p:nvSpPr>
+          <p:cNvPr id="12" name="Oval 11">
+            <a:extLst>
+              <a:ext uri="{FF2B5EF4-FFF2-40B4-BE49-F238E27FC236}">
+                <a16:creationId xmlns:a16="http://schemas.microsoft.com/office/drawing/2014/main" id="{E91EF685-1DF8-48C2-8969-E0F567076B93}"/>
+              </a:ext>
+            </a:extLst>
+          </p:cNvPr>
+          <p:cNvSpPr/>
+          <p:nvPr/>
+        </p:nvSpPr>
+        <p:spPr>
+          <a:xfrm>
+            <a:off x="4419600" y="2800350"/>
+            <a:ext cx="2819400" cy="1447800"/>
+          </a:xfrm>
+          <a:prstGeom prst="ellipse">
+            <a:avLst/>
+          </a:prstGeom>
+          <a:solidFill>
+            <a:srgbClr val="FF0000">
+              <a:alpha val="25000"/>
+            </a:srgbClr>
+          </a:solidFill>
+        </p:spPr>
+        <p:style>
+          <a:lnRef idx="1">
+            <a:schemeClr val="accent1"/>
+          </a:lnRef>
+          <a:fillRef idx="3">
+            <a:schemeClr val="accent1"/>
+          </a:fillRef>
+          <a:effectRef idx="2">
+            <a:schemeClr val="accent1"/>
+          </a:effectRef>
+          <a:fontRef idx="minor">
+            <a:schemeClr val="lt1"/>
+          </a:fontRef>
+        </p:style>
+        <p:txBody>
+          <a:bodyPr rtlCol="0" anchor="ctr"/>
+          <a:lstStyle/>
+          <a:p>
+            <a:pPr algn="ctr"/>
+            <a:r>
+              <a:rPr lang="en-US" dirty="0">
+                <a:solidFill>
+                  <a:schemeClr val="tx1"/>
+                </a:solidFill>
+              </a:rPr>
+              <a:t>Bead #4 Epitopes</a:t>
+            </a:r>
+          </a:p>
+        </p:txBody>
+      </p:sp>
+      <p:sp>
+        <p:nvSpPr>
+          <p:cNvPr id="13" name="Oval 12">
+            <a:extLst>
+              <a:ext uri="{FF2B5EF4-FFF2-40B4-BE49-F238E27FC236}">
+                <a16:creationId xmlns:a16="http://schemas.microsoft.com/office/drawing/2014/main" id="{C91625BC-5D9D-4121-9A9A-C38952AE228B}"/>
+              </a:ext>
+            </a:extLst>
+          </p:cNvPr>
+          <p:cNvSpPr/>
+          <p:nvPr/>
+        </p:nvSpPr>
+        <p:spPr>
+          <a:xfrm>
+            <a:off x="5029200" y="1866900"/>
+            <a:ext cx="2819400" cy="1447800"/>
+          </a:xfrm>
+          <a:prstGeom prst="ellipse">
+            <a:avLst/>
+          </a:prstGeom>
+          <a:solidFill>
+            <a:srgbClr val="FF0000">
+              <a:alpha val="25000"/>
+            </a:srgbClr>
+          </a:solidFill>
+        </p:spPr>
+        <p:style>
+          <a:lnRef idx="1">
+            <a:schemeClr val="accent1"/>
+          </a:lnRef>
+          <a:fillRef idx="3">
+            <a:schemeClr val="accent1"/>
+          </a:fillRef>
+          <a:effectRef idx="2">
+            <a:schemeClr val="accent1"/>
+          </a:effectRef>
+          <a:fontRef idx="minor">
+            <a:schemeClr val="lt1"/>
+          </a:fontRef>
+        </p:style>
+        <p:txBody>
+          <a:bodyPr rtlCol="0" anchor="ctr"/>
+          <a:lstStyle/>
+          <a:p>
+            <a:pPr algn="ctr"/>
+            <a:r>
+              <a:rPr lang="en-US" dirty="0">
+                <a:solidFill>
+                  <a:schemeClr val="tx1"/>
+                </a:solidFill>
+              </a:rPr>
+              <a:t>Bead #5 Epitopes</a:t>
+            </a:r>
+          </a:p>
+        </p:txBody>
+      </p:sp>
+      <p:sp>
+        <p:nvSpPr>
+          <p:cNvPr id="4" name="Oval 3">
+            <a:extLst>
+              <a:ext uri="{FF2B5EF4-FFF2-40B4-BE49-F238E27FC236}">
+                <a16:creationId xmlns:a16="http://schemas.microsoft.com/office/drawing/2014/main" id="{82D20C40-6C9C-4A5F-A3DE-8B9E3953480A}"/>
+              </a:ext>
+            </a:extLst>
+          </p:cNvPr>
+          <p:cNvSpPr/>
+          <p:nvPr/>
+        </p:nvSpPr>
+        <p:spPr>
+          <a:xfrm>
+            <a:off x="3130550" y="2959100"/>
+            <a:ext cx="349250" cy="342900"/>
+          </a:xfrm>
+          <a:prstGeom prst="ellipse">
+            <a:avLst/>
+          </a:prstGeom>
+          <a:noFill/>
+          <a:ln w="28575">
+            <a:solidFill>
+              <a:schemeClr val="tx1"/>
+            </a:solidFill>
+          </a:ln>
+        </p:spPr>
+        <p:style>
+          <a:lnRef idx="1">
+            <a:schemeClr val="accent1"/>
+          </a:lnRef>
+          <a:fillRef idx="3">
+            <a:schemeClr val="accent1"/>
+          </a:fillRef>
+          <a:effectRef idx="2">
+            <a:schemeClr val="accent1"/>
+          </a:effectRef>
+          <a:fontRef idx="minor">
+            <a:schemeClr val="lt1"/>
+          </a:fontRef>
+        </p:style>
+        <p:txBody>
+          <a:bodyPr rtlCol="0" anchor="ctr"/>
+          <a:lstStyle/>
+          <a:p>
+            <a:pPr algn="ctr"/>
+            <a:r>
+              <a:rPr lang="en-US" dirty="0">
+                <a:solidFill>
+                  <a:schemeClr val="tx1"/>
+                </a:solidFill>
+              </a:rPr>
+              <a:t>E</a:t>
+            </a:r>
+          </a:p>
+        </p:txBody>
+      </p:sp>
+      <p:sp>
+        <p:nvSpPr>
+          <p:cNvPr id="16" name="Rectangle 15">
+            <a:extLst>
+              <a:ext uri="{FF2B5EF4-FFF2-40B4-BE49-F238E27FC236}">
+                <a16:creationId xmlns:a16="http://schemas.microsoft.com/office/drawing/2014/main" id="{EFF828E8-A0BC-4465-997A-25869F31CD65}"/>
+              </a:ext>
+            </a:extLst>
+          </p:cNvPr>
+          <p:cNvSpPr/>
+          <p:nvPr/>
+        </p:nvSpPr>
+        <p:spPr>
+          <a:xfrm>
+            <a:off x="2478799" y="1428750"/>
+            <a:ext cx="4186402" cy="369332"/>
+          </a:xfrm>
+          <a:prstGeom prst="rect">
+            <a:avLst/>
+          </a:prstGeom>
+        </p:spPr>
+        <p:txBody>
+          <a:bodyPr wrap="none">
+            <a:spAutoFit/>
+          </a:bodyPr>
+          <a:lstStyle/>
+          <a:p>
+            <a:r>
+              <a:rPr lang="en-US" dirty="0"/>
+              <a:t>Notional 5-bead Single Antigen Bead Panel</a:t>
+            </a:r>
+          </a:p>
+        </p:txBody>
+      </p:sp>
+      <p:sp>
+        <p:nvSpPr>
+          <p:cNvPr id="17" name="Oval 16">
+            <a:extLst>
+              <a:ext uri="{FF2B5EF4-FFF2-40B4-BE49-F238E27FC236}">
+                <a16:creationId xmlns:a16="http://schemas.microsoft.com/office/drawing/2014/main" id="{1A7B2AF1-F1C7-40B8-B5B5-8D12CA534BF5}"/>
+              </a:ext>
+            </a:extLst>
+          </p:cNvPr>
+          <p:cNvSpPr/>
+          <p:nvPr/>
+        </p:nvSpPr>
+        <p:spPr>
+          <a:xfrm>
+            <a:off x="187034" y="994119"/>
+            <a:ext cx="457200" cy="304800"/>
+          </a:xfrm>
+          <a:prstGeom prst="ellipse">
+            <a:avLst/>
+          </a:prstGeom>
+          <a:solidFill>
+            <a:srgbClr val="92D050">
+              <a:alpha val="25000"/>
+            </a:srgbClr>
+          </a:solidFill>
+        </p:spPr>
+        <p:style>
+          <a:lnRef idx="1">
+            <a:schemeClr val="accent1"/>
+          </a:lnRef>
+          <a:fillRef idx="3">
+            <a:schemeClr val="accent1"/>
+          </a:fillRef>
+          <a:effectRef idx="2">
+            <a:schemeClr val="accent1"/>
+          </a:effectRef>
+          <a:fontRef idx="minor">
+            <a:schemeClr val="lt1"/>
+          </a:fontRef>
+        </p:style>
+        <p:txBody>
+          <a:bodyPr rtlCol="0" anchor="ctr"/>
+          <a:lstStyle/>
+          <a:p>
+            <a:pPr algn="ctr"/>
+            <a:endParaRPr lang="en-US" dirty="0">
+              <a:solidFill>
+                <a:schemeClr val="tx1"/>
+              </a:solidFill>
+            </a:endParaRPr>
+          </a:p>
+        </p:txBody>
+      </p:sp>
+      <p:sp>
+        <p:nvSpPr>
+          <p:cNvPr id="18" name="Oval 17">
+            <a:extLst>
+              <a:ext uri="{FF2B5EF4-FFF2-40B4-BE49-F238E27FC236}">
+                <a16:creationId xmlns:a16="http://schemas.microsoft.com/office/drawing/2014/main" id="{0122AD8D-BBB5-4B03-B691-A670F6DC5D95}"/>
+              </a:ext>
+            </a:extLst>
+          </p:cNvPr>
+          <p:cNvSpPr/>
+          <p:nvPr/>
+        </p:nvSpPr>
+        <p:spPr>
+          <a:xfrm>
+            <a:off x="187034" y="1332126"/>
+            <a:ext cx="457200" cy="304800"/>
+          </a:xfrm>
+          <a:prstGeom prst="ellipse">
+            <a:avLst/>
+          </a:prstGeom>
+          <a:solidFill>
+            <a:srgbClr val="FF0000">
+              <a:alpha val="25000"/>
+            </a:srgbClr>
+          </a:solidFill>
+        </p:spPr>
+        <p:style>
+          <a:lnRef idx="1">
+            <a:schemeClr val="accent1"/>
+          </a:lnRef>
+          <a:fillRef idx="3">
+            <a:schemeClr val="accent1"/>
+          </a:fillRef>
+          <a:effectRef idx="2">
+            <a:schemeClr val="accent1"/>
+          </a:effectRef>
+          <a:fontRef idx="minor">
+            <a:schemeClr val="lt1"/>
+          </a:fontRef>
+        </p:style>
+        <p:txBody>
+          <a:bodyPr rtlCol="0" anchor="ctr"/>
+          <a:lstStyle/>
+          <a:p>
+            <a:pPr algn="ctr"/>
+            <a:endParaRPr lang="en-US" dirty="0">
+              <a:solidFill>
+                <a:schemeClr val="tx1"/>
+              </a:solidFill>
+            </a:endParaRPr>
+          </a:p>
+        </p:txBody>
+      </p:sp>
+      <p:sp>
+        <p:nvSpPr>
+          <p:cNvPr id="19" name="Rectangle 18">
+            <a:extLst>
+              <a:ext uri="{FF2B5EF4-FFF2-40B4-BE49-F238E27FC236}">
+                <a16:creationId xmlns:a16="http://schemas.microsoft.com/office/drawing/2014/main" id="{CE39E808-629E-4E13-B1EA-D923AE7F6578}"/>
+              </a:ext>
+            </a:extLst>
+          </p:cNvPr>
+          <p:cNvSpPr/>
+          <p:nvPr/>
+        </p:nvSpPr>
+        <p:spPr>
+          <a:xfrm>
+            <a:off x="631544" y="1013956"/>
+            <a:ext cx="1293816" cy="307777"/>
+          </a:xfrm>
+          <a:prstGeom prst="rect">
+            <a:avLst/>
+          </a:prstGeom>
+        </p:spPr>
+        <p:txBody>
+          <a:bodyPr wrap="none">
+            <a:spAutoFit/>
+          </a:bodyPr>
+          <a:lstStyle/>
+          <a:p>
+            <a:r>
+              <a:rPr lang="en-US" sz="1400" dirty="0"/>
+              <a:t>= positive bead</a:t>
+            </a:r>
+          </a:p>
+        </p:txBody>
+      </p:sp>
+      <p:sp>
+        <p:nvSpPr>
+          <p:cNvPr id="20" name="Rectangle 19">
+            <a:extLst>
+              <a:ext uri="{FF2B5EF4-FFF2-40B4-BE49-F238E27FC236}">
+                <a16:creationId xmlns:a16="http://schemas.microsoft.com/office/drawing/2014/main" id="{7D98DCAD-CEFF-41CA-827B-BA9A12F5A699}"/>
+              </a:ext>
+            </a:extLst>
+          </p:cNvPr>
+          <p:cNvSpPr/>
+          <p:nvPr/>
+        </p:nvSpPr>
+        <p:spPr>
+          <a:xfrm>
+            <a:off x="637884" y="1305694"/>
+            <a:ext cx="1343316" cy="307777"/>
+          </a:xfrm>
+          <a:prstGeom prst="rect">
+            <a:avLst/>
+          </a:prstGeom>
+        </p:spPr>
+        <p:txBody>
+          <a:bodyPr wrap="none">
+            <a:spAutoFit/>
+          </a:bodyPr>
+          <a:lstStyle/>
+          <a:p>
+            <a:r>
+              <a:rPr lang="en-US" sz="1400" dirty="0"/>
+              <a:t>= negative bead</a:t>
+            </a:r>
+          </a:p>
+        </p:txBody>
+      </p:sp>
+      <p:sp>
+        <p:nvSpPr>
+          <p:cNvPr id="21" name="Rectangle 20">
+            <a:extLst>
+              <a:ext uri="{FF2B5EF4-FFF2-40B4-BE49-F238E27FC236}">
+                <a16:creationId xmlns:a16="http://schemas.microsoft.com/office/drawing/2014/main" id="{82669FBA-0377-4DD8-82C8-0185AD3D66F4}"/>
+              </a:ext>
+            </a:extLst>
+          </p:cNvPr>
+          <p:cNvSpPr/>
+          <p:nvPr/>
+        </p:nvSpPr>
+        <p:spPr>
+          <a:xfrm>
+            <a:off x="0" y="4440019"/>
+            <a:ext cx="9144000" cy="646331"/>
+          </a:xfrm>
+          <a:prstGeom prst="rect">
+            <a:avLst/>
+          </a:prstGeom>
+        </p:spPr>
+        <p:txBody>
+          <a:bodyPr wrap="square">
+            <a:spAutoFit/>
+          </a:bodyPr>
+          <a:lstStyle/>
+          <a:p>
+            <a:r>
+              <a:rPr lang="en-US" dirty="0"/>
+              <a:t>The presence of an antibody specific for epitope "E" is inferred because all of the beads with epitope "E" are positive (and all of the beads without epitope "E" are negative).</a:t>
+            </a:r>
+          </a:p>
+        </p:txBody>
+      </p:sp>
+      <p:cxnSp>
+        <p:nvCxnSpPr>
+          <p:cNvPr id="23" name="Straight Arrow Connector 22">
+            <a:extLst>
+              <a:ext uri="{FF2B5EF4-FFF2-40B4-BE49-F238E27FC236}">
+                <a16:creationId xmlns:a16="http://schemas.microsoft.com/office/drawing/2014/main" id="{59A9666A-C3E7-4625-AE61-E3CD2D5FC4A5}"/>
+              </a:ext>
+            </a:extLst>
+          </p:cNvPr>
+          <p:cNvCxnSpPr>
+            <a:cxnSpLocks/>
+          </p:cNvCxnSpPr>
+          <p:nvPr/>
+        </p:nvCxnSpPr>
+        <p:spPr>
+          <a:xfrm flipH="1" flipV="1">
+            <a:off x="3352800" y="3288514"/>
+            <a:ext cx="457546" cy="1188236"/>
+          </a:xfrm>
+          <a:prstGeom prst="straightConnector1">
+            <a:avLst/>
+          </a:prstGeom>
+          <a:ln>
+            <a:solidFill>
+              <a:schemeClr val="tx1"/>
+            </a:solidFill>
+            <a:tailEnd type="triangle"/>
+          </a:ln>
+        </p:spPr>
+        <p:style>
+          <a:lnRef idx="2">
+            <a:schemeClr val="accent1"/>
+          </a:lnRef>
+          <a:fillRef idx="0">
+            <a:schemeClr val="accent1"/>
+          </a:fillRef>
+          <a:effectRef idx="1">
+            <a:schemeClr val="accent1"/>
+          </a:effectRef>
+          <a:fontRef idx="minor">
+            <a:schemeClr val="tx1"/>
+          </a:fontRef>
+        </p:style>
+      </p:cxnSp>
+      <p:sp>
+        <p:nvSpPr>
+          <p:cNvPr id="25" name="Oval 24">
+            <a:extLst>
+              <a:ext uri="{FF2B5EF4-FFF2-40B4-BE49-F238E27FC236}">
+                <a16:creationId xmlns:a16="http://schemas.microsoft.com/office/drawing/2014/main" id="{39BF8603-A1C5-4D58-8028-23FCB85C334C}"/>
+              </a:ext>
+            </a:extLst>
+          </p:cNvPr>
+          <p:cNvSpPr/>
+          <p:nvPr/>
+        </p:nvSpPr>
+        <p:spPr>
+          <a:xfrm>
+            <a:off x="1500189" y="2263091"/>
+            <a:ext cx="349250" cy="342900"/>
+          </a:xfrm>
+          <a:prstGeom prst="ellipse">
+            <a:avLst/>
+          </a:prstGeom>
+          <a:noFill/>
+          <a:ln w="28575">
+            <a:solidFill>
+              <a:schemeClr val="tx1"/>
+            </a:solidFill>
+          </a:ln>
+        </p:spPr>
+        <p:style>
+          <a:lnRef idx="1">
+            <a:schemeClr val="accent1"/>
+          </a:lnRef>
+          <a:fillRef idx="3">
+            <a:schemeClr val="accent1"/>
+          </a:fillRef>
+          <a:effectRef idx="2">
+            <a:schemeClr val="accent1"/>
+          </a:effectRef>
+          <a:fontRef idx="minor">
+            <a:schemeClr val="lt1"/>
+          </a:fontRef>
+        </p:style>
+        <p:txBody>
+          <a:bodyPr rtlCol="0" anchor="ctr"/>
+          <a:lstStyle/>
+          <a:p>
+            <a:pPr algn="ctr"/>
+            <a:r>
+              <a:rPr lang="en-US" dirty="0">
+                <a:solidFill>
+                  <a:schemeClr val="tx1"/>
+                </a:solidFill>
+              </a:rPr>
+              <a:t>A</a:t>
+            </a:r>
+          </a:p>
+        </p:txBody>
+      </p:sp>
+      <p:sp>
+        <p:nvSpPr>
+          <p:cNvPr id="26" name="Oval 25">
+            <a:extLst>
+              <a:ext uri="{FF2B5EF4-FFF2-40B4-BE49-F238E27FC236}">
+                <a16:creationId xmlns:a16="http://schemas.microsoft.com/office/drawing/2014/main" id="{8795E905-3390-413B-935F-A4C7BCC43011}"/>
+              </a:ext>
+            </a:extLst>
+          </p:cNvPr>
+          <p:cNvSpPr/>
+          <p:nvPr/>
+        </p:nvSpPr>
+        <p:spPr>
+          <a:xfrm>
+            <a:off x="2068516" y="3012729"/>
+            <a:ext cx="349250" cy="342900"/>
+          </a:xfrm>
+          <a:prstGeom prst="ellipse">
+            <a:avLst/>
+          </a:prstGeom>
+          <a:noFill/>
+          <a:ln w="28575">
+            <a:solidFill>
+              <a:schemeClr val="tx1"/>
+            </a:solidFill>
+          </a:ln>
+        </p:spPr>
+        <p:style>
+          <a:lnRef idx="1">
+            <a:schemeClr val="accent1"/>
+          </a:lnRef>
+          <a:fillRef idx="3">
+            <a:schemeClr val="accent1"/>
+          </a:fillRef>
+          <a:effectRef idx="2">
+            <a:schemeClr val="accent1"/>
+          </a:effectRef>
+          <a:fontRef idx="minor">
+            <a:schemeClr val="lt1"/>
+          </a:fontRef>
+        </p:style>
+        <p:txBody>
+          <a:bodyPr rtlCol="0" anchor="ctr"/>
+          <a:lstStyle/>
+          <a:p>
+            <a:pPr algn="ctr"/>
+            <a:r>
+              <a:rPr lang="en-US" dirty="0">
+                <a:solidFill>
+                  <a:schemeClr val="tx1"/>
+                </a:solidFill>
+              </a:rPr>
+              <a:t>B</a:t>
+            </a:r>
+          </a:p>
+        </p:txBody>
+      </p:sp>
+      <p:sp>
+        <p:nvSpPr>
+          <p:cNvPr id="27" name="Oval 26">
+            <a:extLst>
+              <a:ext uri="{FF2B5EF4-FFF2-40B4-BE49-F238E27FC236}">
+                <a16:creationId xmlns:a16="http://schemas.microsoft.com/office/drawing/2014/main" id="{110D0339-7AD6-4D12-B774-CA9FAA8A5F70}"/>
+              </a:ext>
+            </a:extLst>
+          </p:cNvPr>
+          <p:cNvSpPr/>
+          <p:nvPr/>
+        </p:nvSpPr>
+        <p:spPr>
+          <a:xfrm>
+            <a:off x="4603750" y="2190750"/>
+            <a:ext cx="349250" cy="342900"/>
+          </a:xfrm>
+          <a:prstGeom prst="ellipse">
+            <a:avLst/>
+          </a:prstGeom>
+          <a:noFill/>
+          <a:ln w="28575">
+            <a:solidFill>
+              <a:schemeClr val="tx1"/>
+            </a:solidFill>
+          </a:ln>
+        </p:spPr>
+        <p:style>
+          <a:lnRef idx="1">
+            <a:schemeClr val="accent1"/>
+          </a:lnRef>
+          <a:fillRef idx="3">
+            <a:schemeClr val="accent1"/>
+          </a:fillRef>
+          <a:effectRef idx="2">
+            <a:schemeClr val="accent1"/>
+          </a:effectRef>
+          <a:fontRef idx="minor">
+            <a:schemeClr val="lt1"/>
+          </a:fontRef>
+        </p:style>
+        <p:txBody>
+          <a:bodyPr rtlCol="0" anchor="ctr"/>
+          <a:lstStyle/>
+          <a:p>
+            <a:pPr algn="ctr"/>
+            <a:r>
+              <a:rPr lang="en-US" dirty="0">
+                <a:solidFill>
+                  <a:schemeClr val="tx1"/>
+                </a:solidFill>
+              </a:rPr>
+              <a:t>C</a:t>
+            </a:r>
+          </a:p>
+        </p:txBody>
+      </p:sp>
+      <p:sp>
+        <p:nvSpPr>
+          <p:cNvPr id="28" name="Oval 27">
+            <a:extLst>
+              <a:ext uri="{FF2B5EF4-FFF2-40B4-BE49-F238E27FC236}">
+                <a16:creationId xmlns:a16="http://schemas.microsoft.com/office/drawing/2014/main" id="{63FB4BA6-EC89-4AEA-9022-7F82ABC8BAEB}"/>
+              </a:ext>
+            </a:extLst>
+          </p:cNvPr>
+          <p:cNvSpPr/>
+          <p:nvPr/>
+        </p:nvSpPr>
+        <p:spPr>
+          <a:xfrm>
+            <a:off x="6154739" y="3705909"/>
+            <a:ext cx="349250" cy="342900"/>
+          </a:xfrm>
+          <a:prstGeom prst="ellipse">
+            <a:avLst/>
+          </a:prstGeom>
+          <a:noFill/>
+          <a:ln w="28575">
+            <a:solidFill>
+              <a:schemeClr val="tx1"/>
+            </a:solidFill>
+          </a:ln>
+        </p:spPr>
+        <p:style>
+          <a:lnRef idx="1">
+            <a:schemeClr val="accent1"/>
+          </a:lnRef>
+          <a:fillRef idx="3">
+            <a:schemeClr val="accent1"/>
+          </a:fillRef>
+          <a:effectRef idx="2">
+            <a:schemeClr val="accent1"/>
+          </a:effectRef>
+          <a:fontRef idx="minor">
+            <a:schemeClr val="lt1"/>
+          </a:fontRef>
+        </p:style>
+        <p:txBody>
+          <a:bodyPr rtlCol="0" anchor="ctr"/>
+          <a:lstStyle/>
+          <a:p>
+            <a:pPr algn="ctr"/>
+            <a:r>
+              <a:rPr lang="en-US" dirty="0">
+                <a:solidFill>
+                  <a:schemeClr val="tx1"/>
+                </a:solidFill>
+              </a:rPr>
+              <a:t>D</a:t>
+            </a:r>
+          </a:p>
+        </p:txBody>
+      </p:sp>
+      <p:sp>
+        <p:nvSpPr>
+          <p:cNvPr id="29" name="Oval 28">
+            <a:extLst>
+              <a:ext uri="{FF2B5EF4-FFF2-40B4-BE49-F238E27FC236}">
+                <a16:creationId xmlns:a16="http://schemas.microsoft.com/office/drawing/2014/main" id="{9A6EFB24-089D-432A-A43A-50F9B2D9B9EC}"/>
+              </a:ext>
+            </a:extLst>
+          </p:cNvPr>
+          <p:cNvSpPr/>
+          <p:nvPr/>
+        </p:nvSpPr>
+        <p:spPr>
+          <a:xfrm>
+            <a:off x="298159" y="1686694"/>
+            <a:ext cx="247640" cy="243137"/>
+          </a:xfrm>
+          <a:prstGeom prst="ellipse">
+            <a:avLst/>
+          </a:prstGeom>
+          <a:noFill/>
+          <a:ln w="28575">
+            <a:solidFill>
+              <a:schemeClr val="tx1"/>
+            </a:solidFill>
+          </a:ln>
+        </p:spPr>
+        <p:style>
+          <a:lnRef idx="1">
+            <a:schemeClr val="accent1"/>
+          </a:lnRef>
+          <a:fillRef idx="3">
+            <a:schemeClr val="accent1"/>
+          </a:fillRef>
+          <a:effectRef idx="2">
+            <a:schemeClr val="accent1"/>
+          </a:effectRef>
+          <a:fontRef idx="minor">
+            <a:schemeClr val="lt1"/>
+          </a:fontRef>
+        </p:style>
+        <p:txBody>
+          <a:bodyPr rtlCol="0" anchor="ctr"/>
+          <a:lstStyle/>
+          <a:p>
+            <a:pPr algn="ctr"/>
+            <a:r>
+              <a:rPr lang="en-US" dirty="0">
+                <a:solidFill>
+                  <a:schemeClr val="tx1"/>
+                </a:solidFill>
+              </a:rPr>
+              <a:t>X</a:t>
+            </a:r>
+          </a:p>
+        </p:txBody>
+      </p:sp>
+      <p:sp>
+        <p:nvSpPr>
+          <p:cNvPr id="30" name="Rectangle 29">
+            <a:extLst>
+              <a:ext uri="{FF2B5EF4-FFF2-40B4-BE49-F238E27FC236}">
+                <a16:creationId xmlns:a16="http://schemas.microsoft.com/office/drawing/2014/main" id="{394008FB-225C-4AB8-8576-085CF6F9C0D0}"/>
+              </a:ext>
+            </a:extLst>
+          </p:cNvPr>
+          <p:cNvSpPr/>
+          <p:nvPr/>
+        </p:nvSpPr>
+        <p:spPr>
+          <a:xfrm>
+            <a:off x="637884" y="1654373"/>
+            <a:ext cx="1208088" cy="307777"/>
+          </a:xfrm>
+          <a:prstGeom prst="rect">
+            <a:avLst/>
+          </a:prstGeom>
+        </p:spPr>
+        <p:txBody>
+          <a:bodyPr wrap="none">
+            <a:spAutoFit/>
+          </a:bodyPr>
+          <a:lstStyle/>
+          <a:p>
+            <a:r>
+              <a:rPr lang="en-US" sz="1400" dirty="0"/>
+              <a:t>= rep. epitope</a:t>
+            </a:r>
+          </a:p>
+        </p:txBody>
+      </p:sp>
+    </p:spTree>
+    <p:extLst>
+      <p:ext uri="{BB962C8B-B14F-4D97-AF65-F5344CB8AC3E}">
+        <p14:creationId xmlns:p14="http://schemas.microsoft.com/office/powerpoint/2010/main" val="443914809"/>
+      </p:ext>
+    </p:extLst>
+  </p:cSld>
+  <p:clrMapOvr>
+    <a:masterClrMapping/>
+  </p:clrMapOvr>
+</p:sld>
+</file>
+
+<file path=ppt/slides/slide44.xml><?xml version="1.0" encoding="utf-8"?>
+<p:sld xmlns:a="http://schemas.openxmlformats.org/drawingml/2006/main" xmlns:r="http://schemas.openxmlformats.org/officeDocument/2006/relationships" xmlns:p="http://schemas.openxmlformats.org/presentationml/2006/main">
+  <p:cSld>
+    <p:spTree>
+      <p:nvGrpSpPr>
+        <p:cNvPr id="1" name=""/>
+        <p:cNvGrpSpPr/>
+        <p:nvPr/>
+      </p:nvGrpSpPr>
+      <p:grpSpPr>
+        <a:xfrm>
+          <a:off x="0" y="0"/>
+          <a:ext cx="0" cy="0"/>
+          <a:chOff x="0" y="0"/>
+          <a:chExt cx="0" cy="0"/>
+        </a:xfrm>
+      </p:grpSpPr>
+      <p:sp>
+        <p:nvSpPr>
+          <p:cNvPr id="2" name="Content Placeholder 1"/>
+          <p:cNvSpPr>
+            <a:spLocks noGrp="1"/>
+          </p:cNvSpPr>
+          <p:nvPr>
+            <p:ph idx="1"/>
+          </p:nvPr>
+        </p:nvSpPr>
+        <p:spPr>
+          <a:xfrm>
+            <a:off x="342900" y="1504950"/>
+            <a:ext cx="8458200" cy="3276600"/>
+          </a:xfrm>
+        </p:spPr>
+        <p:txBody>
+          <a:bodyPr>
+            <a:normAutofit/>
+          </a:bodyPr>
+          <a:lstStyle/>
+          <a:p>
+            <a:pPr marL="0" indent="0">
+              <a:buNone/>
+            </a:pPr>
+            <a:r>
+              <a:rPr lang="en-US" sz="2400" dirty="0"/>
+              <a:t>Infer the presence of an antibody specific for an epitope if…</a:t>
+            </a:r>
+          </a:p>
+          <a:p>
+            <a:r>
+              <a:rPr lang="en-US" sz="2400" dirty="0"/>
+              <a:t>all single antigen beads bearing a particular epitope are positive</a:t>
+            </a:r>
+          </a:p>
+          <a:p>
+            <a:pPr marL="0" indent="0">
+              <a:buNone/>
+            </a:pPr>
+            <a:r>
+              <a:rPr lang="en-US" sz="2400" dirty="0"/>
+              <a:t>-AND-</a:t>
+            </a:r>
+          </a:p>
+          <a:p>
+            <a:r>
+              <a:rPr lang="en-US" sz="2400" dirty="0"/>
+              <a:t>…all single antigen beads not bearing the epitope are negative</a:t>
+            </a:r>
+          </a:p>
+        </p:txBody>
+      </p:sp>
+      <p:sp>
+        <p:nvSpPr>
+          <p:cNvPr id="3" name="Title 2">
+            <a:extLst>
+              <a:ext uri="{FF2B5EF4-FFF2-40B4-BE49-F238E27FC236}">
+                <a16:creationId xmlns:a16="http://schemas.microsoft.com/office/drawing/2014/main" id="{FB4C6C0D-CDA1-43E3-8CDA-F4D3F58AC9C7}"/>
+              </a:ext>
+            </a:extLst>
+          </p:cNvPr>
+          <p:cNvSpPr>
+            <a:spLocks noGrp="1"/>
+          </p:cNvSpPr>
+          <p:nvPr>
+            <p:ph type="title" idx="4294967295"/>
+          </p:nvPr>
+        </p:nvSpPr>
+        <p:spPr>
+          <a:xfrm>
+            <a:off x="628650" y="895350"/>
+            <a:ext cx="7886700" cy="495907"/>
+          </a:xfrm>
+          <a:prstGeom prst="rect">
+            <a:avLst/>
+          </a:prstGeom>
+        </p:spPr>
+        <p:txBody>
+          <a:bodyPr/>
+          <a:lstStyle/>
+          <a:p>
+            <a:r>
+              <a:rPr lang="en-US" sz="3200" dirty="0"/>
+              <a:t>Epitope Heuristic</a:t>
+            </a:r>
+          </a:p>
+        </p:txBody>
+      </p:sp>
+    </p:spTree>
+    <p:extLst>
+      <p:ext uri="{BB962C8B-B14F-4D97-AF65-F5344CB8AC3E}">
+        <p14:creationId xmlns:p14="http://schemas.microsoft.com/office/powerpoint/2010/main" val="4223381425"/>
+      </p:ext>
+    </p:extLst>
+  </p:cSld>
+  <p:clrMapOvr>
+    <a:masterClrMapping/>
+  </p:clrMapOvr>
+</p:sld>
+</file>
+
+<file path=ppt/slides/slide45.xml><?xml version="1.0" encoding="utf-8"?>
+<p:sld xmlns:a="http://schemas.openxmlformats.org/drawingml/2006/main" xmlns:r="http://schemas.openxmlformats.org/officeDocument/2006/relationships" xmlns:p="http://schemas.openxmlformats.org/presentationml/2006/main">
+  <p:cSld>
+    <p:spTree>
+      <p:nvGrpSpPr>
+        <p:cNvPr id="1" name=""/>
+        <p:cNvGrpSpPr/>
+        <p:nvPr/>
+      </p:nvGrpSpPr>
+      <p:grpSpPr>
+        <a:xfrm>
+          <a:off x="0" y="0"/>
+          <a:ext cx="0" cy="0"/>
+          <a:chOff x="0" y="0"/>
+          <a:chExt cx="0" cy="0"/>
+        </a:xfrm>
+      </p:grpSpPr>
+      <p:sp>
+        <p:nvSpPr>
+          <p:cNvPr id="6" name="Title 2">
+            <a:extLst>
+              <a:ext uri="{FF2B5EF4-FFF2-40B4-BE49-F238E27FC236}">
+                <a16:creationId xmlns:a16="http://schemas.microsoft.com/office/drawing/2014/main" id="{1B906106-6B17-42C6-B130-DB40D255E1E6}"/>
+              </a:ext>
+            </a:extLst>
+          </p:cNvPr>
+          <p:cNvSpPr txBox="1">
+            <a:spLocks/>
+          </p:cNvSpPr>
+          <p:nvPr/>
+        </p:nvSpPr>
+        <p:spPr>
+          <a:xfrm>
+            <a:off x="628650" y="895350"/>
+            <a:ext cx="7886700" cy="495907"/>
+          </a:xfrm>
+          <a:prstGeom prst="rect">
+            <a:avLst/>
+          </a:prstGeom>
+        </p:spPr>
+        <p:txBody>
+          <a:bodyPr/>
+          <a:lstStyle>
+            <a:lvl1pPr algn="ctr" defTabSz="457200" rtl="0" eaLnBrk="1" latinLnBrk="0" hangingPunct="1">
+              <a:spcBef>
+                <a:spcPct val="0"/>
+              </a:spcBef>
+              <a:buNone/>
+              <a:defRPr sz="4400" kern="1200">
+                <a:solidFill>
+                  <a:schemeClr val="tx1"/>
+                </a:solidFill>
+                <a:latin typeface="+mj-lt"/>
+                <a:ea typeface="+mj-ea"/>
+                <a:cs typeface="+mj-cs"/>
+              </a:defRPr>
+            </a:lvl1pPr>
+          </a:lstStyle>
+          <a:p>
+            <a:r>
+              <a:rPr lang="en-US" sz="3200" dirty="0"/>
+              <a:t>Epitope Heuristic Example</a:t>
+            </a:r>
+          </a:p>
+        </p:txBody>
+      </p:sp>
+      <p:sp>
+        <p:nvSpPr>
+          <p:cNvPr id="2" name="Oval 1">
+            <a:extLst>
+              <a:ext uri="{FF2B5EF4-FFF2-40B4-BE49-F238E27FC236}">
+                <a16:creationId xmlns:a16="http://schemas.microsoft.com/office/drawing/2014/main" id="{C603ACBE-1FDA-4237-8701-1F3EE9C7BA75}"/>
+              </a:ext>
+            </a:extLst>
+          </p:cNvPr>
+          <p:cNvSpPr/>
+          <p:nvPr/>
+        </p:nvSpPr>
+        <p:spPr>
+          <a:xfrm>
+            <a:off x="1276350" y="2857500"/>
+            <a:ext cx="2819400" cy="1447800"/>
+          </a:xfrm>
+          <a:prstGeom prst="ellipse">
+            <a:avLst/>
+          </a:prstGeom>
+          <a:solidFill>
+            <a:srgbClr val="92D050">
+              <a:alpha val="25000"/>
+            </a:srgbClr>
+          </a:solidFill>
+        </p:spPr>
+        <p:style>
+          <a:lnRef idx="1">
+            <a:schemeClr val="accent1"/>
+          </a:lnRef>
+          <a:fillRef idx="3">
+            <a:schemeClr val="accent1"/>
+          </a:fillRef>
+          <a:effectRef idx="2">
+            <a:schemeClr val="accent1"/>
+          </a:effectRef>
+          <a:fontRef idx="minor">
+            <a:schemeClr val="lt1"/>
+          </a:fontRef>
+        </p:style>
+        <p:txBody>
+          <a:bodyPr rtlCol="0" anchor="ctr"/>
+          <a:lstStyle/>
+          <a:p>
+            <a:pPr algn="ctr"/>
+            <a:r>
+              <a:rPr lang="en-US" dirty="0">
+                <a:solidFill>
+                  <a:schemeClr val="tx1"/>
+                </a:solidFill>
+              </a:rPr>
+              <a:t>Bead #2 Epitopes</a:t>
+            </a:r>
+          </a:p>
+        </p:txBody>
+      </p:sp>
+      <p:sp>
+        <p:nvSpPr>
+          <p:cNvPr id="10" name="Oval 9">
+            <a:extLst>
+              <a:ext uri="{FF2B5EF4-FFF2-40B4-BE49-F238E27FC236}">
+                <a16:creationId xmlns:a16="http://schemas.microsoft.com/office/drawing/2014/main" id="{04277B0A-85B3-40BF-948A-0AABE31B6AF2}"/>
+              </a:ext>
+            </a:extLst>
+          </p:cNvPr>
+          <p:cNvSpPr/>
+          <p:nvPr/>
+        </p:nvSpPr>
+        <p:spPr>
+          <a:xfrm>
+            <a:off x="2771777" y="2057400"/>
+            <a:ext cx="2819400" cy="1447800"/>
+          </a:xfrm>
+          <a:prstGeom prst="ellipse">
+            <a:avLst/>
+          </a:prstGeom>
+          <a:solidFill>
+            <a:srgbClr val="92D050">
+              <a:alpha val="25000"/>
+            </a:srgbClr>
+          </a:solidFill>
+        </p:spPr>
+        <p:style>
+          <a:lnRef idx="1">
+            <a:schemeClr val="accent1"/>
+          </a:lnRef>
+          <a:fillRef idx="3">
+            <a:schemeClr val="accent1"/>
+          </a:fillRef>
+          <a:effectRef idx="2">
+            <a:schemeClr val="accent1"/>
+          </a:effectRef>
+          <a:fontRef idx="minor">
+            <a:schemeClr val="lt1"/>
+          </a:fontRef>
+        </p:style>
+        <p:txBody>
+          <a:bodyPr rtlCol="0" anchor="ctr"/>
+          <a:lstStyle/>
+          <a:p>
+            <a:pPr algn="ctr"/>
+            <a:r>
+              <a:rPr lang="en-US" dirty="0">
+                <a:solidFill>
+                  <a:schemeClr val="tx1"/>
+                </a:solidFill>
+              </a:rPr>
+              <a:t>Bead #3 Epitopes</a:t>
+            </a:r>
+          </a:p>
+        </p:txBody>
+      </p:sp>
+      <p:sp>
+        <p:nvSpPr>
+          <p:cNvPr id="11" name="Oval 10">
+            <a:extLst>
+              <a:ext uri="{FF2B5EF4-FFF2-40B4-BE49-F238E27FC236}">
+                <a16:creationId xmlns:a16="http://schemas.microsoft.com/office/drawing/2014/main" id="{0970E3D6-D9E0-48DE-B72A-FDCB1F84642F}"/>
+              </a:ext>
+            </a:extLst>
+          </p:cNvPr>
+          <p:cNvSpPr/>
+          <p:nvPr/>
+        </p:nvSpPr>
+        <p:spPr>
+          <a:xfrm>
+            <a:off x="914400" y="2114550"/>
+            <a:ext cx="2819400" cy="1447800"/>
+          </a:xfrm>
+          <a:prstGeom prst="ellipse">
+            <a:avLst/>
+          </a:prstGeom>
+          <a:solidFill>
+            <a:srgbClr val="92D050">
+              <a:alpha val="25000"/>
+            </a:srgbClr>
+          </a:solidFill>
+        </p:spPr>
+        <p:style>
+          <a:lnRef idx="1">
+            <a:schemeClr val="accent1"/>
+          </a:lnRef>
+          <a:fillRef idx="3">
+            <a:schemeClr val="accent1"/>
+          </a:fillRef>
+          <a:effectRef idx="2">
+            <a:schemeClr val="accent1"/>
+          </a:effectRef>
+          <a:fontRef idx="minor">
+            <a:schemeClr val="lt1"/>
+          </a:fontRef>
+        </p:style>
+        <p:txBody>
+          <a:bodyPr rtlCol="0" anchor="ctr"/>
+          <a:lstStyle/>
+          <a:p>
+            <a:pPr algn="ctr"/>
+            <a:r>
+              <a:rPr lang="en-US" dirty="0">
+                <a:solidFill>
+                  <a:schemeClr val="tx1"/>
+                </a:solidFill>
+              </a:rPr>
+              <a:t>Bead #1 Epitopes</a:t>
+            </a:r>
+          </a:p>
+        </p:txBody>
+      </p:sp>
+      <p:sp>
+        <p:nvSpPr>
+          <p:cNvPr id="12" name="Oval 11">
+            <a:extLst>
+              <a:ext uri="{FF2B5EF4-FFF2-40B4-BE49-F238E27FC236}">
+                <a16:creationId xmlns:a16="http://schemas.microsoft.com/office/drawing/2014/main" id="{E91EF685-1DF8-48C2-8969-E0F567076B93}"/>
+              </a:ext>
+            </a:extLst>
+          </p:cNvPr>
+          <p:cNvSpPr/>
+          <p:nvPr/>
+        </p:nvSpPr>
+        <p:spPr>
+          <a:xfrm>
+            <a:off x="4419600" y="2800350"/>
+            <a:ext cx="2819400" cy="1447800"/>
+          </a:xfrm>
+          <a:prstGeom prst="ellipse">
+            <a:avLst/>
+          </a:prstGeom>
+          <a:solidFill>
+            <a:srgbClr val="FF0000">
+              <a:alpha val="25000"/>
+            </a:srgbClr>
+          </a:solidFill>
+        </p:spPr>
+        <p:style>
+          <a:lnRef idx="1">
+            <a:schemeClr val="accent1"/>
+          </a:lnRef>
+          <a:fillRef idx="3">
+            <a:schemeClr val="accent1"/>
+          </a:fillRef>
+          <a:effectRef idx="2">
+            <a:schemeClr val="accent1"/>
+          </a:effectRef>
+          <a:fontRef idx="minor">
+            <a:schemeClr val="lt1"/>
+          </a:fontRef>
+        </p:style>
+        <p:txBody>
+          <a:bodyPr rtlCol="0" anchor="ctr"/>
+          <a:lstStyle/>
+          <a:p>
+            <a:pPr algn="ctr"/>
+            <a:r>
+              <a:rPr lang="en-US" dirty="0">
+                <a:solidFill>
+                  <a:schemeClr val="tx1"/>
+                </a:solidFill>
+              </a:rPr>
+              <a:t>Bead #4 Epitopes</a:t>
+            </a:r>
+          </a:p>
+        </p:txBody>
+      </p:sp>
+      <p:sp>
+        <p:nvSpPr>
+          <p:cNvPr id="13" name="Oval 12">
+            <a:extLst>
+              <a:ext uri="{FF2B5EF4-FFF2-40B4-BE49-F238E27FC236}">
+                <a16:creationId xmlns:a16="http://schemas.microsoft.com/office/drawing/2014/main" id="{C91625BC-5D9D-4121-9A9A-C38952AE228B}"/>
+              </a:ext>
+            </a:extLst>
+          </p:cNvPr>
+          <p:cNvSpPr/>
+          <p:nvPr/>
+        </p:nvSpPr>
+        <p:spPr>
+          <a:xfrm>
+            <a:off x="5029200" y="1866900"/>
+            <a:ext cx="2819400" cy="1447800"/>
+          </a:xfrm>
+          <a:prstGeom prst="ellipse">
+            <a:avLst/>
+          </a:prstGeom>
+          <a:solidFill>
+            <a:srgbClr val="FF0000">
+              <a:alpha val="25000"/>
+            </a:srgbClr>
+          </a:solidFill>
+        </p:spPr>
+        <p:style>
+          <a:lnRef idx="1">
+            <a:schemeClr val="accent1"/>
+          </a:lnRef>
+          <a:fillRef idx="3">
+            <a:schemeClr val="accent1"/>
+          </a:fillRef>
+          <a:effectRef idx="2">
+            <a:schemeClr val="accent1"/>
+          </a:effectRef>
+          <a:fontRef idx="minor">
+            <a:schemeClr val="lt1"/>
+          </a:fontRef>
+        </p:style>
+        <p:txBody>
+          <a:bodyPr rtlCol="0" anchor="ctr"/>
+          <a:lstStyle/>
+          <a:p>
+            <a:pPr algn="ctr"/>
+            <a:r>
+              <a:rPr lang="en-US" dirty="0">
+                <a:solidFill>
+                  <a:schemeClr val="tx1"/>
+                </a:solidFill>
+              </a:rPr>
+              <a:t>Bead #5 Epitopes</a:t>
+            </a:r>
+          </a:p>
+        </p:txBody>
+      </p:sp>
+      <p:sp>
+        <p:nvSpPr>
+          <p:cNvPr id="4" name="Oval 3">
+            <a:extLst>
+              <a:ext uri="{FF2B5EF4-FFF2-40B4-BE49-F238E27FC236}">
+                <a16:creationId xmlns:a16="http://schemas.microsoft.com/office/drawing/2014/main" id="{82D20C40-6C9C-4A5F-A3DE-8B9E3953480A}"/>
+              </a:ext>
+            </a:extLst>
+          </p:cNvPr>
+          <p:cNvSpPr/>
+          <p:nvPr/>
+        </p:nvSpPr>
+        <p:spPr>
+          <a:xfrm>
+            <a:off x="3130550" y="2959100"/>
+            <a:ext cx="349250" cy="342900"/>
+          </a:xfrm>
+          <a:prstGeom prst="ellipse">
+            <a:avLst/>
+          </a:prstGeom>
+          <a:noFill/>
+          <a:ln w="28575">
+            <a:solidFill>
+              <a:schemeClr val="tx1"/>
+            </a:solidFill>
+          </a:ln>
+        </p:spPr>
+        <p:style>
+          <a:lnRef idx="1">
+            <a:schemeClr val="accent1"/>
+          </a:lnRef>
+          <a:fillRef idx="3">
+            <a:schemeClr val="accent1"/>
+          </a:fillRef>
+          <a:effectRef idx="2">
+            <a:schemeClr val="accent1"/>
+          </a:effectRef>
+          <a:fontRef idx="minor">
+            <a:schemeClr val="lt1"/>
+          </a:fontRef>
+        </p:style>
+        <p:txBody>
+          <a:bodyPr rtlCol="0" anchor="ctr"/>
+          <a:lstStyle/>
+          <a:p>
+            <a:pPr algn="ctr"/>
+            <a:r>
+              <a:rPr lang="en-US" dirty="0">
+                <a:solidFill>
+                  <a:schemeClr val="tx1"/>
+                </a:solidFill>
+              </a:rPr>
+              <a:t>E</a:t>
+            </a:r>
+          </a:p>
+        </p:txBody>
+      </p:sp>
+      <p:sp>
+        <p:nvSpPr>
+          <p:cNvPr id="16" name="Rectangle 15">
+            <a:extLst>
+              <a:ext uri="{FF2B5EF4-FFF2-40B4-BE49-F238E27FC236}">
+                <a16:creationId xmlns:a16="http://schemas.microsoft.com/office/drawing/2014/main" id="{EFF828E8-A0BC-4465-997A-25869F31CD65}"/>
+              </a:ext>
+            </a:extLst>
+          </p:cNvPr>
+          <p:cNvSpPr/>
+          <p:nvPr/>
+        </p:nvSpPr>
+        <p:spPr>
+          <a:xfrm>
+            <a:off x="2478799" y="1428750"/>
+            <a:ext cx="4186402" cy="369332"/>
+          </a:xfrm>
+          <a:prstGeom prst="rect">
+            <a:avLst/>
+          </a:prstGeom>
+        </p:spPr>
+        <p:txBody>
+          <a:bodyPr wrap="none">
+            <a:spAutoFit/>
+          </a:bodyPr>
+          <a:lstStyle/>
+          <a:p>
+            <a:r>
+              <a:rPr lang="en-US" dirty="0"/>
+              <a:t>Notional 5-bead Single Antigen Bead Panel</a:t>
+            </a:r>
+          </a:p>
+        </p:txBody>
+      </p:sp>
+      <p:sp>
+        <p:nvSpPr>
+          <p:cNvPr id="17" name="Oval 16">
+            <a:extLst>
+              <a:ext uri="{FF2B5EF4-FFF2-40B4-BE49-F238E27FC236}">
+                <a16:creationId xmlns:a16="http://schemas.microsoft.com/office/drawing/2014/main" id="{1A7B2AF1-F1C7-40B8-B5B5-8D12CA534BF5}"/>
+              </a:ext>
+            </a:extLst>
+          </p:cNvPr>
+          <p:cNvSpPr/>
+          <p:nvPr/>
+        </p:nvSpPr>
+        <p:spPr>
+          <a:xfrm>
+            <a:off x="187034" y="994119"/>
+            <a:ext cx="457200" cy="304800"/>
+          </a:xfrm>
+          <a:prstGeom prst="ellipse">
+            <a:avLst/>
+          </a:prstGeom>
+          <a:solidFill>
+            <a:srgbClr val="92D050">
+              <a:alpha val="25000"/>
+            </a:srgbClr>
+          </a:solidFill>
+        </p:spPr>
+        <p:style>
+          <a:lnRef idx="1">
+            <a:schemeClr val="accent1"/>
+          </a:lnRef>
+          <a:fillRef idx="3">
+            <a:schemeClr val="accent1"/>
+          </a:fillRef>
+          <a:effectRef idx="2">
+            <a:schemeClr val="accent1"/>
+          </a:effectRef>
+          <a:fontRef idx="minor">
+            <a:schemeClr val="lt1"/>
+          </a:fontRef>
+        </p:style>
+        <p:txBody>
+          <a:bodyPr rtlCol="0" anchor="ctr"/>
+          <a:lstStyle/>
+          <a:p>
+            <a:pPr algn="ctr"/>
+            <a:endParaRPr lang="en-US" dirty="0">
+              <a:solidFill>
+                <a:schemeClr val="tx1"/>
+              </a:solidFill>
+            </a:endParaRPr>
+          </a:p>
+        </p:txBody>
+      </p:sp>
+      <p:sp>
+        <p:nvSpPr>
+          <p:cNvPr id="18" name="Oval 17">
+            <a:extLst>
+              <a:ext uri="{FF2B5EF4-FFF2-40B4-BE49-F238E27FC236}">
+                <a16:creationId xmlns:a16="http://schemas.microsoft.com/office/drawing/2014/main" id="{0122AD8D-BBB5-4B03-B691-A670F6DC5D95}"/>
+              </a:ext>
+            </a:extLst>
+          </p:cNvPr>
+          <p:cNvSpPr/>
+          <p:nvPr/>
+        </p:nvSpPr>
+        <p:spPr>
+          <a:xfrm>
+            <a:off x="187034" y="1332126"/>
+            <a:ext cx="457200" cy="304800"/>
+          </a:xfrm>
+          <a:prstGeom prst="ellipse">
+            <a:avLst/>
+          </a:prstGeom>
+          <a:solidFill>
+            <a:srgbClr val="FF0000">
+              <a:alpha val="25000"/>
+            </a:srgbClr>
+          </a:solidFill>
+        </p:spPr>
+        <p:style>
+          <a:lnRef idx="1">
+            <a:schemeClr val="accent1"/>
+          </a:lnRef>
+          <a:fillRef idx="3">
+            <a:schemeClr val="accent1"/>
+          </a:fillRef>
+          <a:effectRef idx="2">
+            <a:schemeClr val="accent1"/>
+          </a:effectRef>
+          <a:fontRef idx="minor">
+            <a:schemeClr val="lt1"/>
+          </a:fontRef>
+        </p:style>
+        <p:txBody>
+          <a:bodyPr rtlCol="0" anchor="ctr"/>
+          <a:lstStyle/>
+          <a:p>
+            <a:pPr algn="ctr"/>
+            <a:endParaRPr lang="en-US" dirty="0">
+              <a:solidFill>
+                <a:schemeClr val="tx1"/>
+              </a:solidFill>
+            </a:endParaRPr>
+          </a:p>
+        </p:txBody>
+      </p:sp>
+      <p:sp>
+        <p:nvSpPr>
+          <p:cNvPr id="19" name="Rectangle 18">
+            <a:extLst>
+              <a:ext uri="{FF2B5EF4-FFF2-40B4-BE49-F238E27FC236}">
+                <a16:creationId xmlns:a16="http://schemas.microsoft.com/office/drawing/2014/main" id="{CE39E808-629E-4E13-B1EA-D923AE7F6578}"/>
+              </a:ext>
+            </a:extLst>
+          </p:cNvPr>
+          <p:cNvSpPr/>
+          <p:nvPr/>
+        </p:nvSpPr>
+        <p:spPr>
+          <a:xfrm>
+            <a:off x="631544" y="1013956"/>
+            <a:ext cx="1293816" cy="307777"/>
+          </a:xfrm>
+          <a:prstGeom prst="rect">
+            <a:avLst/>
+          </a:prstGeom>
+        </p:spPr>
+        <p:txBody>
+          <a:bodyPr wrap="none">
+            <a:spAutoFit/>
+          </a:bodyPr>
+          <a:lstStyle/>
+          <a:p>
+            <a:r>
+              <a:rPr lang="en-US" sz="1400" dirty="0"/>
+              <a:t>= positive bead</a:t>
+            </a:r>
+          </a:p>
+        </p:txBody>
+      </p:sp>
+      <p:sp>
+        <p:nvSpPr>
+          <p:cNvPr id="20" name="Rectangle 19">
+            <a:extLst>
+              <a:ext uri="{FF2B5EF4-FFF2-40B4-BE49-F238E27FC236}">
+                <a16:creationId xmlns:a16="http://schemas.microsoft.com/office/drawing/2014/main" id="{7D98DCAD-CEFF-41CA-827B-BA9A12F5A699}"/>
+              </a:ext>
+            </a:extLst>
+          </p:cNvPr>
+          <p:cNvSpPr/>
+          <p:nvPr/>
+        </p:nvSpPr>
+        <p:spPr>
+          <a:xfrm>
+            <a:off x="637884" y="1305694"/>
+            <a:ext cx="1343316" cy="307777"/>
+          </a:xfrm>
+          <a:prstGeom prst="rect">
+            <a:avLst/>
+          </a:prstGeom>
+        </p:spPr>
+        <p:txBody>
+          <a:bodyPr wrap="none">
+            <a:spAutoFit/>
+          </a:bodyPr>
+          <a:lstStyle/>
+          <a:p>
+            <a:r>
+              <a:rPr lang="en-US" sz="1400" dirty="0"/>
+              <a:t>= negative bead</a:t>
+            </a:r>
+          </a:p>
+        </p:txBody>
+      </p:sp>
+      <p:sp>
+        <p:nvSpPr>
+          <p:cNvPr id="21" name="Rectangle 20">
+            <a:extLst>
+              <a:ext uri="{FF2B5EF4-FFF2-40B4-BE49-F238E27FC236}">
+                <a16:creationId xmlns:a16="http://schemas.microsoft.com/office/drawing/2014/main" id="{82669FBA-0377-4DD8-82C8-0185AD3D66F4}"/>
+              </a:ext>
+            </a:extLst>
+          </p:cNvPr>
+          <p:cNvSpPr/>
+          <p:nvPr/>
+        </p:nvSpPr>
+        <p:spPr>
+          <a:xfrm>
+            <a:off x="0" y="4440019"/>
+            <a:ext cx="9144000" cy="646331"/>
+          </a:xfrm>
+          <a:prstGeom prst="rect">
+            <a:avLst/>
+          </a:prstGeom>
+        </p:spPr>
+        <p:txBody>
+          <a:bodyPr wrap="square">
+            <a:spAutoFit/>
+          </a:bodyPr>
+          <a:lstStyle/>
+          <a:p>
+            <a:r>
+              <a:rPr lang="en-US" dirty="0"/>
+              <a:t>The presence of an antibody specific for epitope “B" is not inferred because bead #3 is positive but does not include the epitope. This is restrictive since it requires a single-antibody solution.</a:t>
+            </a:r>
+          </a:p>
+        </p:txBody>
+      </p:sp>
+      <p:cxnSp>
+        <p:nvCxnSpPr>
+          <p:cNvPr id="23" name="Straight Arrow Connector 22">
+            <a:extLst>
+              <a:ext uri="{FF2B5EF4-FFF2-40B4-BE49-F238E27FC236}">
+                <a16:creationId xmlns:a16="http://schemas.microsoft.com/office/drawing/2014/main" id="{59A9666A-C3E7-4625-AE61-E3CD2D5FC4A5}"/>
+              </a:ext>
+            </a:extLst>
+          </p:cNvPr>
+          <p:cNvCxnSpPr>
+            <a:cxnSpLocks/>
+            <a:endCxn id="26" idx="5"/>
+          </p:cNvCxnSpPr>
+          <p:nvPr/>
+        </p:nvCxnSpPr>
+        <p:spPr>
+          <a:xfrm flipH="1" flipV="1">
+            <a:off x="2366620" y="3305412"/>
+            <a:ext cx="1443726" cy="1171338"/>
+          </a:xfrm>
+          <a:prstGeom prst="straightConnector1">
+            <a:avLst/>
+          </a:prstGeom>
+          <a:ln>
+            <a:solidFill>
+              <a:schemeClr val="tx1"/>
+            </a:solidFill>
+            <a:tailEnd type="triangle"/>
+          </a:ln>
+        </p:spPr>
+        <p:style>
+          <a:lnRef idx="2">
+            <a:schemeClr val="accent1"/>
+          </a:lnRef>
+          <a:fillRef idx="0">
+            <a:schemeClr val="accent1"/>
+          </a:fillRef>
+          <a:effectRef idx="1">
+            <a:schemeClr val="accent1"/>
+          </a:effectRef>
+          <a:fontRef idx="minor">
+            <a:schemeClr val="tx1"/>
+          </a:fontRef>
+        </p:style>
+      </p:cxnSp>
+      <p:sp>
+        <p:nvSpPr>
+          <p:cNvPr id="25" name="Oval 24">
+            <a:extLst>
+              <a:ext uri="{FF2B5EF4-FFF2-40B4-BE49-F238E27FC236}">
+                <a16:creationId xmlns:a16="http://schemas.microsoft.com/office/drawing/2014/main" id="{39BF8603-A1C5-4D58-8028-23FCB85C334C}"/>
+              </a:ext>
+            </a:extLst>
+          </p:cNvPr>
+          <p:cNvSpPr/>
+          <p:nvPr/>
+        </p:nvSpPr>
+        <p:spPr>
+          <a:xfrm>
+            <a:off x="1500189" y="2263091"/>
+            <a:ext cx="349250" cy="342900"/>
+          </a:xfrm>
+          <a:prstGeom prst="ellipse">
+            <a:avLst/>
+          </a:prstGeom>
+          <a:noFill/>
+          <a:ln w="28575">
+            <a:solidFill>
+              <a:schemeClr val="tx1"/>
+            </a:solidFill>
+          </a:ln>
+        </p:spPr>
+        <p:style>
+          <a:lnRef idx="1">
+            <a:schemeClr val="accent1"/>
+          </a:lnRef>
+          <a:fillRef idx="3">
+            <a:schemeClr val="accent1"/>
+          </a:fillRef>
+          <a:effectRef idx="2">
+            <a:schemeClr val="accent1"/>
+          </a:effectRef>
+          <a:fontRef idx="minor">
+            <a:schemeClr val="lt1"/>
+          </a:fontRef>
+        </p:style>
+        <p:txBody>
+          <a:bodyPr rtlCol="0" anchor="ctr"/>
+          <a:lstStyle/>
+          <a:p>
+            <a:pPr algn="ctr"/>
+            <a:r>
+              <a:rPr lang="en-US" dirty="0">
+                <a:solidFill>
+                  <a:schemeClr val="tx1"/>
+                </a:solidFill>
+              </a:rPr>
+              <a:t>A</a:t>
+            </a:r>
+          </a:p>
+        </p:txBody>
+      </p:sp>
+      <p:sp>
+        <p:nvSpPr>
+          <p:cNvPr id="26" name="Oval 25">
+            <a:extLst>
+              <a:ext uri="{FF2B5EF4-FFF2-40B4-BE49-F238E27FC236}">
+                <a16:creationId xmlns:a16="http://schemas.microsoft.com/office/drawing/2014/main" id="{8795E905-3390-413B-935F-A4C7BCC43011}"/>
+              </a:ext>
+            </a:extLst>
+          </p:cNvPr>
+          <p:cNvSpPr/>
+          <p:nvPr/>
+        </p:nvSpPr>
+        <p:spPr>
+          <a:xfrm>
+            <a:off x="2068516" y="3012729"/>
+            <a:ext cx="349250" cy="342900"/>
+          </a:xfrm>
+          <a:prstGeom prst="ellipse">
+            <a:avLst/>
+          </a:prstGeom>
+          <a:noFill/>
+          <a:ln w="28575">
+            <a:solidFill>
+              <a:schemeClr val="tx1"/>
+            </a:solidFill>
+          </a:ln>
+        </p:spPr>
+        <p:style>
+          <a:lnRef idx="1">
+            <a:schemeClr val="accent1"/>
+          </a:lnRef>
+          <a:fillRef idx="3">
+            <a:schemeClr val="accent1"/>
+          </a:fillRef>
+          <a:effectRef idx="2">
+            <a:schemeClr val="accent1"/>
+          </a:effectRef>
+          <a:fontRef idx="minor">
+            <a:schemeClr val="lt1"/>
+          </a:fontRef>
+        </p:style>
+        <p:txBody>
+          <a:bodyPr rtlCol="0" anchor="ctr"/>
+          <a:lstStyle/>
+          <a:p>
+            <a:pPr algn="ctr"/>
+            <a:r>
+              <a:rPr lang="en-US" dirty="0">
+                <a:solidFill>
+                  <a:schemeClr val="tx1"/>
+                </a:solidFill>
+              </a:rPr>
+              <a:t>B</a:t>
+            </a:r>
+          </a:p>
+        </p:txBody>
+      </p:sp>
+      <p:sp>
+        <p:nvSpPr>
+          <p:cNvPr id="28" name="Oval 27">
+            <a:extLst>
+              <a:ext uri="{FF2B5EF4-FFF2-40B4-BE49-F238E27FC236}">
+                <a16:creationId xmlns:a16="http://schemas.microsoft.com/office/drawing/2014/main" id="{63FB4BA6-EC89-4AEA-9022-7F82ABC8BAEB}"/>
+              </a:ext>
+            </a:extLst>
+          </p:cNvPr>
+          <p:cNvSpPr/>
+          <p:nvPr/>
+        </p:nvSpPr>
+        <p:spPr>
+          <a:xfrm>
+            <a:off x="6154739" y="3705909"/>
+            <a:ext cx="349250" cy="342900"/>
+          </a:xfrm>
+          <a:prstGeom prst="ellipse">
+            <a:avLst/>
+          </a:prstGeom>
+          <a:noFill/>
+          <a:ln w="28575">
+            <a:solidFill>
+              <a:schemeClr val="tx1"/>
+            </a:solidFill>
+          </a:ln>
+        </p:spPr>
+        <p:style>
+          <a:lnRef idx="1">
+            <a:schemeClr val="accent1"/>
+          </a:lnRef>
+          <a:fillRef idx="3">
+            <a:schemeClr val="accent1"/>
+          </a:fillRef>
+          <a:effectRef idx="2">
+            <a:schemeClr val="accent1"/>
+          </a:effectRef>
+          <a:fontRef idx="minor">
+            <a:schemeClr val="lt1"/>
+          </a:fontRef>
+        </p:style>
+        <p:txBody>
+          <a:bodyPr rtlCol="0" anchor="ctr"/>
+          <a:lstStyle/>
+          <a:p>
+            <a:pPr algn="ctr"/>
+            <a:r>
+              <a:rPr lang="en-US" dirty="0">
+                <a:solidFill>
+                  <a:schemeClr val="tx1"/>
+                </a:solidFill>
+              </a:rPr>
+              <a:t>D</a:t>
+            </a:r>
+          </a:p>
+        </p:txBody>
+      </p:sp>
+      <p:sp>
+        <p:nvSpPr>
+          <p:cNvPr id="29" name="Oval 28">
+            <a:extLst>
+              <a:ext uri="{FF2B5EF4-FFF2-40B4-BE49-F238E27FC236}">
+                <a16:creationId xmlns:a16="http://schemas.microsoft.com/office/drawing/2014/main" id="{9A6EFB24-089D-432A-A43A-50F9B2D9B9EC}"/>
+              </a:ext>
+            </a:extLst>
+          </p:cNvPr>
+          <p:cNvSpPr/>
+          <p:nvPr/>
+        </p:nvSpPr>
+        <p:spPr>
+          <a:xfrm>
+            <a:off x="298159" y="1686694"/>
+            <a:ext cx="247640" cy="243137"/>
+          </a:xfrm>
+          <a:prstGeom prst="ellipse">
+            <a:avLst/>
+          </a:prstGeom>
+          <a:noFill/>
+          <a:ln w="28575">
+            <a:solidFill>
+              <a:schemeClr val="tx1"/>
+            </a:solidFill>
+          </a:ln>
+        </p:spPr>
+        <p:style>
+          <a:lnRef idx="1">
+            <a:schemeClr val="accent1"/>
+          </a:lnRef>
+          <a:fillRef idx="3">
+            <a:schemeClr val="accent1"/>
+          </a:fillRef>
+          <a:effectRef idx="2">
+            <a:schemeClr val="accent1"/>
+          </a:effectRef>
+          <a:fontRef idx="minor">
+            <a:schemeClr val="lt1"/>
+          </a:fontRef>
+        </p:style>
+        <p:txBody>
+          <a:bodyPr rtlCol="0" anchor="ctr"/>
+          <a:lstStyle/>
+          <a:p>
+            <a:pPr algn="ctr"/>
+            <a:r>
+              <a:rPr lang="en-US" dirty="0">
+                <a:solidFill>
+                  <a:schemeClr val="tx1"/>
+                </a:solidFill>
+              </a:rPr>
+              <a:t>X</a:t>
+            </a:r>
+          </a:p>
+        </p:txBody>
+      </p:sp>
+      <p:sp>
+        <p:nvSpPr>
+          <p:cNvPr id="30" name="Rectangle 29">
+            <a:extLst>
+              <a:ext uri="{FF2B5EF4-FFF2-40B4-BE49-F238E27FC236}">
+                <a16:creationId xmlns:a16="http://schemas.microsoft.com/office/drawing/2014/main" id="{394008FB-225C-4AB8-8576-085CF6F9C0D0}"/>
+              </a:ext>
+            </a:extLst>
+          </p:cNvPr>
+          <p:cNvSpPr/>
+          <p:nvPr/>
+        </p:nvSpPr>
+        <p:spPr>
+          <a:xfrm>
+            <a:off x="637884" y="1654373"/>
+            <a:ext cx="1208088" cy="307777"/>
+          </a:xfrm>
+          <a:prstGeom prst="rect">
+            <a:avLst/>
+          </a:prstGeom>
+        </p:spPr>
+        <p:txBody>
+          <a:bodyPr wrap="none">
+            <a:spAutoFit/>
+          </a:bodyPr>
+          <a:lstStyle/>
+          <a:p>
+            <a:r>
+              <a:rPr lang="en-US" sz="1400" dirty="0"/>
+              <a:t>= rep. epitope</a:t>
+            </a:r>
+          </a:p>
+        </p:txBody>
+      </p:sp>
+      <p:sp>
+        <p:nvSpPr>
+          <p:cNvPr id="24" name="Oval 23">
+            <a:extLst>
+              <a:ext uri="{FF2B5EF4-FFF2-40B4-BE49-F238E27FC236}">
+                <a16:creationId xmlns:a16="http://schemas.microsoft.com/office/drawing/2014/main" id="{BFE5C946-6B5D-44D0-A433-E5C80AF47D14}"/>
+              </a:ext>
+            </a:extLst>
+          </p:cNvPr>
+          <p:cNvSpPr/>
+          <p:nvPr/>
+        </p:nvSpPr>
+        <p:spPr>
+          <a:xfrm>
+            <a:off x="4603750" y="2190750"/>
+            <a:ext cx="349250" cy="342900"/>
+          </a:xfrm>
+          <a:prstGeom prst="ellipse">
+            <a:avLst/>
+          </a:prstGeom>
+          <a:noFill/>
+          <a:ln w="28575">
+            <a:solidFill>
+              <a:schemeClr val="tx1"/>
+            </a:solidFill>
+          </a:ln>
+        </p:spPr>
+        <p:style>
+          <a:lnRef idx="1">
+            <a:schemeClr val="accent1"/>
+          </a:lnRef>
+          <a:fillRef idx="3">
+            <a:schemeClr val="accent1"/>
+          </a:fillRef>
+          <a:effectRef idx="2">
+            <a:schemeClr val="accent1"/>
+          </a:effectRef>
+          <a:fontRef idx="minor">
+            <a:schemeClr val="lt1"/>
+          </a:fontRef>
+        </p:style>
+        <p:txBody>
+          <a:bodyPr rtlCol="0" anchor="ctr"/>
+          <a:lstStyle/>
+          <a:p>
+            <a:pPr algn="ctr"/>
+            <a:r>
+              <a:rPr lang="en-US" dirty="0">
+                <a:solidFill>
+                  <a:schemeClr val="tx1"/>
+                </a:solidFill>
+              </a:rPr>
+              <a:t>C</a:t>
+            </a:r>
+          </a:p>
+        </p:txBody>
+      </p:sp>
+    </p:spTree>
+    <p:extLst>
+      <p:ext uri="{BB962C8B-B14F-4D97-AF65-F5344CB8AC3E}">
+        <p14:creationId xmlns:p14="http://schemas.microsoft.com/office/powerpoint/2010/main" val="2102392928"/>
       </p:ext>
     </p:extLst>
   </p:cSld>

--- a/Hot_Topic_Analytics_and_Algorithms_Web_Based_Clinical_Decision_Support.pptx
+++ b/Hot_Topic_Analytics_and_Algorithms_Web_Based_Clinical_Decision_Support.pptx
@@ -2025,30 +2025,22 @@
           <a:bodyPr/>
           <a:lstStyle/>
           <a:p>
-            <a:pPr marL="171450" marR="0" lvl="0" indent="-171450" algn="l" defTabSz="914400" rtl="0" eaLnBrk="1" fontAlgn="auto" latinLnBrk="0" hangingPunct="1">
-              <a:lnSpc>
-                <a:spcPct val="100000"/>
-              </a:lnSpc>
-              <a:spcBef>
-                <a:spcPts val="0"/>
-              </a:spcBef>
-              <a:spcAft>
-                <a:spcPts val="0"/>
-              </a:spcAft>
-              <a:buClrTx/>
-              <a:buSzTx/>
+            <a:pPr marL="171450" indent="-171450">
               <a:buFontTx/>
               <a:buChar char="-"/>
-              <a:tabLst/>
-              <a:defRPr/>
             </a:pPr>
             <a:r>
+              <a:rPr lang="en-US"/>
+              <a:t>https</a:t>
+            </a:r>
+            <a:r>
               <a:rPr lang="en-US" dirty="0"/>
-              <a:t>Acknowledgements to Dr. Howie Gebel at Emory University School of Medicine.</a:t>
-            </a:r>
-          </a:p>
-          <a:p>
-            <a:endParaRPr lang="en-US" dirty="0"/>
+              <a:t>://rest.hlatools.org/epitopeFinder has been removed from slide pending review of this usage with the </a:t>
+            </a:r>
+            <a:r>
+              <a:rPr lang="en-US"/>
+              <a:t>Epitope Registry.</a:t>
+            </a:r>
           </a:p>
         </p:txBody>
       </p:sp>
@@ -2069,7 +2061,7 @@
           <a:p>
             <a:fld id="{9AF95328-D31D-45AB-991F-5F3DA55EDE23}" type="slidenum">
               <a:rPr lang="en-US" smtClean="0"/>
-              <a:t>41</a:t>
+              <a:t>40</a:t>
             </a:fld>
             <a:endParaRPr lang="en-US" dirty="0"/>
           </a:p>
@@ -2078,7 +2070,7 @@
     </p:spTree>
     <p:extLst>
       <p:ext uri="{BB962C8B-B14F-4D97-AF65-F5344CB8AC3E}">
-        <p14:creationId xmlns:p14="http://schemas.microsoft.com/office/powerpoint/2010/main" val="942775533"/>
+        <p14:creationId xmlns:p14="http://schemas.microsoft.com/office/powerpoint/2010/main" val="3273112554"/>
       </p:ext>
     </p:extLst>
   </p:cSld>
@@ -2132,16 +2124,30 @@
           <a:bodyPr/>
           <a:lstStyle/>
           <a:p>
+            <a:pPr marL="171450" marR="0" lvl="0" indent="-171450" algn="l" defTabSz="914400" rtl="0" eaLnBrk="1" fontAlgn="auto" latinLnBrk="0" hangingPunct="1">
+              <a:lnSpc>
+                <a:spcPct val="100000"/>
+              </a:lnSpc>
+              <a:spcBef>
+                <a:spcPts val="0"/>
+              </a:spcBef>
+              <a:spcAft>
+                <a:spcPts val="0"/>
+              </a:spcAft>
+              <a:buClrTx/>
+              <a:buSzTx/>
+              <a:buFontTx/>
+              <a:buChar char="-"/>
+              <a:tabLst/>
+              <a:defRPr/>
+            </a:pPr>
             <a:r>
               <a:rPr lang="en-US" dirty="0"/>
-              <a:t>- The epitope filtering mechanism in the Epitope Registry is excellent. You provide it with (a) an allele for which you are interested in assessing for donor/recipient mismatches and (b) the recipient’s HLA type, and the Epitope Registry instantly returns a list of mismatched epitopes.</a:t>
-            </a:r>
-          </a:p>
-          <a:p>
-            <a:r>
-              <a:rPr lang="en-US" dirty="0"/>
-              <a:t>- Iteratively using this filtering mechanism with multiple positive single antigen bead results from a single antigen bead panel to infer which epitopes may be reactive with antibodies is cognitively difficult: the relationship between positive beads and epitopes is many-to-many and extremely tedious to keep track of.</a:t>
-            </a:r>
+              <a:t>Acknowledgements to Dr. Howie Gebel at Emory University School of Medicine.</a:t>
+            </a:r>
+          </a:p>
+          <a:p>
+            <a:endParaRPr lang="en-US" dirty="0"/>
           </a:p>
         </p:txBody>
       </p:sp>
@@ -2162,7 +2168,7 @@
           <a:p>
             <a:fld id="{9AF95328-D31D-45AB-991F-5F3DA55EDE23}" type="slidenum">
               <a:rPr lang="en-US" smtClean="0"/>
-              <a:t>42</a:t>
+              <a:t>41</a:t>
             </a:fld>
             <a:endParaRPr lang="en-US" dirty="0"/>
           </a:p>
@@ -2171,7 +2177,7 @@
     </p:spTree>
     <p:extLst>
       <p:ext uri="{BB962C8B-B14F-4D97-AF65-F5344CB8AC3E}">
-        <p14:creationId xmlns:p14="http://schemas.microsoft.com/office/powerpoint/2010/main" val="3537097915"/>
+        <p14:creationId xmlns:p14="http://schemas.microsoft.com/office/powerpoint/2010/main" val="942775533"/>
       </p:ext>
     </p:extLst>
   </p:cSld>
@@ -2225,6 +2231,99 @@
           <a:bodyPr/>
           <a:lstStyle/>
           <a:p>
+            <a:r>
+              <a:rPr lang="en-US" dirty="0"/>
+              <a:t>- The epitope filtering mechanism in the Epitope Registry is excellent. You provide it with (a) an allele for which you are interested in assessing for donor/recipient mismatches and (b) the recipient’s HLA type, and the Epitope Registry instantly returns a list of mismatched epitopes.</a:t>
+            </a:r>
+          </a:p>
+          <a:p>
+            <a:r>
+              <a:rPr lang="en-US" dirty="0"/>
+              <a:t>- Iteratively using this filtering mechanism with multiple positive single antigen bead results from a single antigen bead panel to infer which epitopes may be reactive with antibodies is cognitively difficult: the relationship between positive beads and epitopes is many-to-many and extremely tedious to keep track of.</a:t>
+            </a:r>
+          </a:p>
+        </p:txBody>
+      </p:sp>
+      <p:sp>
+        <p:nvSpPr>
+          <p:cNvPr id="4" name="Slide Number Placeholder 3"/>
+          <p:cNvSpPr>
+            <a:spLocks noGrp="1"/>
+          </p:cNvSpPr>
+          <p:nvPr>
+            <p:ph type="sldNum" sz="quarter" idx="5"/>
+          </p:nvPr>
+        </p:nvSpPr>
+        <p:spPr/>
+        <p:txBody>
+          <a:bodyPr/>
+          <a:lstStyle/>
+          <a:p>
+            <a:fld id="{9AF95328-D31D-45AB-991F-5F3DA55EDE23}" type="slidenum">
+              <a:rPr lang="en-US" smtClean="0"/>
+              <a:t>42</a:t>
+            </a:fld>
+            <a:endParaRPr lang="en-US" dirty="0"/>
+          </a:p>
+        </p:txBody>
+      </p:sp>
+    </p:spTree>
+    <p:extLst>
+      <p:ext uri="{BB962C8B-B14F-4D97-AF65-F5344CB8AC3E}">
+        <p14:creationId xmlns:p14="http://schemas.microsoft.com/office/powerpoint/2010/main" val="3537097915"/>
+      </p:ext>
+    </p:extLst>
+  </p:cSld>
+  <p:clrMapOvr>
+    <a:masterClrMapping/>
+  </p:clrMapOvr>
+</p:notes>
+</file>
+
+<file path=ppt/notesSlides/notesSlide24.xml><?xml version="1.0" encoding="utf-8"?>
+<p:notes xmlns:a="http://schemas.openxmlformats.org/drawingml/2006/main" xmlns:r="http://schemas.openxmlformats.org/officeDocument/2006/relationships" xmlns:p="http://schemas.openxmlformats.org/presentationml/2006/main">
+  <p:cSld>
+    <p:spTree>
+      <p:nvGrpSpPr>
+        <p:cNvPr id="1" name=""/>
+        <p:cNvGrpSpPr/>
+        <p:nvPr/>
+      </p:nvGrpSpPr>
+      <p:grpSpPr>
+        <a:xfrm>
+          <a:off x="0" y="0"/>
+          <a:ext cx="0" cy="0"/>
+          <a:chOff x="0" y="0"/>
+          <a:chExt cx="0" cy="0"/>
+        </a:xfrm>
+      </p:grpSpPr>
+      <p:sp>
+        <p:nvSpPr>
+          <p:cNvPr id="2" name="Slide Image Placeholder 1"/>
+          <p:cNvSpPr>
+            <a:spLocks noGrp="1" noRot="1" noChangeAspect="1"/>
+          </p:cNvSpPr>
+          <p:nvPr>
+            <p:ph type="sldImg"/>
+          </p:nvPr>
+        </p:nvSpPr>
+        <p:spPr/>
+      </p:sp>
+      <p:sp>
+        <p:nvSpPr>
+          <p:cNvPr id="3" name="Notes Placeholder 2"/>
+          <p:cNvSpPr>
+            <a:spLocks noGrp="1"/>
+          </p:cNvSpPr>
+          <p:nvPr>
+            <p:ph type="body" idx="1"/>
+          </p:nvPr>
+        </p:nvSpPr>
+        <p:spPr/>
+        <p:txBody>
+          <a:bodyPr/>
+          <a:lstStyle/>
+          <a:p>
             <a:pPr marL="171450" marR="0" lvl="0" indent="-171450" algn="l" defTabSz="914400" rtl="0" eaLnBrk="1" fontAlgn="auto" latinLnBrk="0" hangingPunct="1">
               <a:lnSpc>
                 <a:spcPct val="100000"/>
@@ -2285,7 +2384,7 @@
 </p:notes>
 </file>
 
-<file path=ppt/notesSlides/notesSlide24.xml><?xml version="1.0" encoding="utf-8"?>
+<file path=ppt/notesSlides/notesSlide25.xml><?xml version="1.0" encoding="utf-8"?>
 <p:notes xmlns:a="http://schemas.openxmlformats.org/drawingml/2006/main" xmlns:r="http://schemas.openxmlformats.org/officeDocument/2006/relationships" xmlns:p="http://schemas.openxmlformats.org/presentationml/2006/main">
   <p:cSld>
     <p:spTree>
@@ -18270,8 +18369,8 @@
         </p:nvSpPr>
         <p:spPr>
           <a:xfrm>
-            <a:off x="342900" y="1504950"/>
-            <a:ext cx="8458200" cy="3276600"/>
+            <a:off x="457200" y="1504950"/>
+            <a:ext cx="8229600" cy="3276600"/>
           </a:xfrm>
         </p:spPr>
         <p:txBody>
@@ -18291,7 +18390,7 @@
           <a:p>
             <a:r>
               <a:rPr lang="en-US" sz="2400" dirty="0"/>
-              <a:t>all single antigen beads bearing a particular epitope are positive</a:t>
+              <a:t>all single antigen beads with a particular epitope are positive</a:t>
             </a:r>
           </a:p>
           <a:p>
@@ -18306,7 +18405,7 @@
           <a:p>
             <a:r>
               <a:rPr lang="en-US" sz="2400" dirty="0"/>
-              <a:t>…all single antigen beads not bearing the epitope are negative</a:t>
+              <a:t>all single antigen beads without the epitope are negative</a:t>
             </a:r>
           </a:p>
         </p:txBody>
